--- a/paper/ABC2020CookingChallenge/ABC2020_Fujii.pptx
+++ b/paper/ABC2020CookingChallenge/ABC2020_Fujii.pptx
@@ -5,12 +5,13 @@
     <p:sldMasterId id="2147483648" r:id="rId1"/>
   </p:sldMasterIdLst>
   <p:notesMasterIdLst>
-    <p:notesMasterId r:id="rId5"/>
+    <p:notesMasterId r:id="rId6"/>
   </p:notesMasterIdLst>
   <p:sldIdLst>
     <p:sldId id="258" r:id="rId2"/>
     <p:sldId id="259" r:id="rId3"/>
     <p:sldId id="260" r:id="rId4"/>
+    <p:sldId id="261" r:id="rId5"/>
   </p:sldIdLst>
   <p:sldSz cx="12192000" cy="6858000"/>
   <p:notesSz cx="6883400" cy="10017125"/>
@@ -199,7 +200,7 @@
           <a:p>
             <a:fld id="{D8422EA4-67AE-4623-8DD6-326650601D3C}" type="datetimeFigureOut">
               <a:rPr kumimoji="1" lang="ja-JP" altLang="en-US" smtClean="0"/>
-              <a:t>2020/8/12</a:t>
+              <a:t>2020/8/14</a:t>
             </a:fld>
             <a:endParaRPr kumimoji="1" lang="ja-JP" altLang="en-US"/>
           </a:p>
@@ -1116,6 +1117,33 @@
           <a:lstStyle/>
           <a:p>
             <a:r>
+              <a:rPr kumimoji="1" lang="en-US" altLang="ja-JP" dirty="0"/>
+              <a:t>This is the details of the dataset.</a:t>
+            </a:r>
+          </a:p>
+          <a:p>
+            <a:r>
+              <a:rPr kumimoji="1" lang="en-US" altLang="ja-JP" dirty="0"/>
+              <a:t>Each segment contains one macro behavior and up to six micro behaviors.</a:t>
+            </a:r>
+          </a:p>
+          <a:p>
+            <a:r>
+              <a:rPr kumimoji="1" lang="en-US" altLang="ja-JP" dirty="0"/>
+              <a:t>Some of the files may have missing data.</a:t>
+            </a:r>
+          </a:p>
+          <a:p>
+            <a:endParaRPr kumimoji="1" lang="en-US" altLang="ja-JP" dirty="0"/>
+          </a:p>
+          <a:p>
+            <a:endParaRPr kumimoji="1" lang="en-US" altLang="ja-JP" dirty="0"/>
+          </a:p>
+          <a:p>
+            <a:endParaRPr kumimoji="1" lang="en-US" altLang="ja-JP" dirty="0"/>
+          </a:p>
+          <a:p>
+            <a:r>
               <a:rPr kumimoji="1" lang="ja-JP" altLang="en-US" dirty="0"/>
               <a:t>これはデータセットの詳細です．</a:t>
             </a:r>
@@ -1136,7 +1164,22 @@
             </a:r>
             <a:r>
               <a:rPr kumimoji="1" lang="ja-JP" altLang="en-US" dirty="0"/>
-              <a:t>つ，マイクロ行動は最大で</a:t>
+              <a:t>つ，マイクロ行動は最大</a:t>
+            </a:r>
+            <a:r>
+              <a:rPr kumimoji="1" lang="en-US" altLang="ja-JP" dirty="0"/>
+              <a:t>6</a:t>
+            </a:r>
+            <a:r>
+              <a:rPr kumimoji="1" lang="ja-JP" altLang="en-US" dirty="0"/>
+              <a:t>つ含まれています．</a:t>
+            </a:r>
+            <a:endParaRPr kumimoji="1" lang="en-US" altLang="ja-JP" dirty="0"/>
+          </a:p>
+          <a:p>
+            <a:r>
+              <a:rPr kumimoji="1" lang="ja-JP" altLang="en-US" dirty="0"/>
+              <a:t>また，ファイルの中にはデータが欠損しているものも存在します．</a:t>
             </a:r>
           </a:p>
         </p:txBody>
@@ -1219,7 +1262,7 @@
           </a:lstStyle>
           <a:p>
             <a:r>
-              <a:rPr kumimoji="1" lang="ja-JP" altLang="en-US"/>
+              <a:rPr kumimoji="1" lang="ja-JP" altLang="en-US" dirty="0"/>
               <a:t>マスター タイトルの書式設定</a:t>
             </a:r>
           </a:p>
@@ -1306,7 +1349,7 @@
           <a:p>
             <a:fld id="{28B1BEA1-2738-4C19-B133-02ABBF3E6E0C}" type="datetime1">
               <a:rPr kumimoji="1" lang="ja-JP" altLang="en-US" smtClean="0"/>
-              <a:t>2020/8/12</a:t>
+              <a:t>2020/8/14</a:t>
             </a:fld>
             <a:endParaRPr kumimoji="1" lang="ja-JP" altLang="en-US"/>
           </a:p>
@@ -1650,7 +1693,7 @@
           <a:p>
             <a:fld id="{321A0775-4641-4FD1-8F30-8577C8E45459}" type="datetime1">
               <a:rPr kumimoji="1" lang="ja-JP" altLang="en-US" smtClean="0"/>
-              <a:t>2020/8/12</a:t>
+              <a:t>2020/8/14</a:t>
             </a:fld>
             <a:endParaRPr kumimoji="1" lang="ja-JP" altLang="en-US"/>
           </a:p>
@@ -1860,7 +1903,7 @@
           <a:p>
             <a:fld id="{1A958096-B04A-44A1-BF3F-4EF7C63AEE7F}" type="datetime1">
               <a:rPr kumimoji="1" lang="ja-JP" altLang="en-US" smtClean="0"/>
-              <a:t>2020/8/12</a:t>
+              <a:t>2020/8/14</a:t>
             </a:fld>
             <a:endParaRPr kumimoji="1" lang="ja-JP" altLang="en-US"/>
           </a:p>
@@ -2060,7 +2103,7 @@
           <a:p>
             <a:fld id="{7E4BC299-9A2B-46B3-A868-72E6088D753F}" type="datetime1">
               <a:rPr kumimoji="1" lang="ja-JP" altLang="en-US" smtClean="0"/>
-              <a:t>2020/8/12</a:t>
+              <a:t>2020/8/14</a:t>
             </a:fld>
             <a:endParaRPr kumimoji="1" lang="ja-JP" altLang="en-US"/>
           </a:p>
@@ -2458,7 +2501,7 @@
           <a:p>
             <a:fld id="{5730D93F-C6A8-45DB-973B-2E9B74BB5747}" type="datetime1">
               <a:rPr kumimoji="1" lang="ja-JP" altLang="en-US" smtClean="0"/>
-              <a:t>2020/8/12</a:t>
+              <a:t>2020/8/14</a:t>
             </a:fld>
             <a:endParaRPr kumimoji="1" lang="ja-JP" altLang="en-US"/>
           </a:p>
@@ -2751,7 +2794,7 @@
           <a:p>
             <a:fld id="{8C8FBA03-08C5-445A-9675-5DD0E048D580}" type="datetime1">
               <a:rPr kumimoji="1" lang="ja-JP" altLang="en-US" smtClean="0"/>
-              <a:t>2020/8/12</a:t>
+              <a:t>2020/8/14</a:t>
             </a:fld>
             <a:endParaRPr kumimoji="1" lang="ja-JP" altLang="en-US"/>
           </a:p>
@@ -3179,7 +3222,7 @@
           <a:p>
             <a:fld id="{F22B3BE6-F63B-45DF-9657-6FEF2EDB1F30}" type="datetime1">
               <a:rPr kumimoji="1" lang="ja-JP" altLang="en-US" smtClean="0"/>
-              <a:t>2020/8/12</a:t>
+              <a:t>2020/8/14</a:t>
             </a:fld>
             <a:endParaRPr kumimoji="1" lang="ja-JP" altLang="en-US"/>
           </a:p>
@@ -3296,7 +3339,7 @@
           <a:p>
             <a:fld id="{C1D6E599-F080-45CC-8481-C833508C9D12}" type="datetime1">
               <a:rPr kumimoji="1" lang="ja-JP" altLang="en-US" smtClean="0"/>
-              <a:t>2020/8/12</a:t>
+              <a:t>2020/8/14</a:t>
             </a:fld>
             <a:endParaRPr kumimoji="1" lang="ja-JP" altLang="en-US"/>
           </a:p>
@@ -3391,7 +3434,7 @@
           <a:p>
             <a:fld id="{7D9B8A7E-64BC-4577-982E-7EC7218FD10F}" type="datetime1">
               <a:rPr kumimoji="1" lang="ja-JP" altLang="en-US" smtClean="0"/>
-              <a:t>2020/8/12</a:t>
+              <a:t>2020/8/14</a:t>
             </a:fld>
             <a:endParaRPr kumimoji="1" lang="ja-JP" altLang="en-US"/>
           </a:p>
@@ -3698,7 +3741,7 @@
           <a:p>
             <a:fld id="{8373066C-4ED1-4359-AD45-A7DE722C8BF8}" type="datetime1">
               <a:rPr kumimoji="1" lang="ja-JP" altLang="en-US" smtClean="0"/>
-              <a:t>2020/8/12</a:t>
+              <a:t>2020/8/14</a:t>
             </a:fld>
             <a:endParaRPr kumimoji="1" lang="ja-JP" altLang="en-US"/>
           </a:p>
@@ -3950,7 +3993,7 @@
           <a:p>
             <a:fld id="{BC0FD902-686B-4A0D-9EB1-37C4F06B03EF}" type="datetime1">
               <a:rPr kumimoji="1" lang="ja-JP" altLang="en-US" smtClean="0"/>
-              <a:t>2020/8/12</a:t>
+              <a:t>2020/8/14</a:t>
             </a:fld>
             <a:endParaRPr kumimoji="1" lang="ja-JP" altLang="en-US"/>
           </a:p>
@@ -4193,7 +4236,7 @@
           <a:p>
             <a:fld id="{E90FD2C9-6400-40CA-9626-E4ED2CBDBD1C}" type="datetime1">
               <a:rPr kumimoji="1" lang="ja-JP" altLang="en-US" smtClean="0"/>
-              <a:t>2020/8/12</a:t>
+              <a:t>2020/8/14</a:t>
             </a:fld>
             <a:endParaRPr kumimoji="1" lang="ja-JP" altLang="en-US"/>
           </a:p>
@@ -12627,6 +12670,2557 @@
 </p:sld>
 </file>
 
+<file path=ppt/slides/slide4.xml><?xml version="1.0" encoding="utf-8"?>
+<p:sld xmlns:a="http://schemas.openxmlformats.org/drawingml/2006/main" xmlns:r="http://schemas.openxmlformats.org/officeDocument/2006/relationships" xmlns:p="http://schemas.openxmlformats.org/presentationml/2006/main">
+  <p:cSld>
+    <p:spTree>
+      <p:nvGrpSpPr>
+        <p:cNvPr id="1" name=""/>
+        <p:cNvGrpSpPr/>
+        <p:nvPr/>
+      </p:nvGrpSpPr>
+      <p:grpSpPr>
+        <a:xfrm>
+          <a:off x="0" y="0"/>
+          <a:ext cx="0" cy="0"/>
+          <a:chOff x="0" y="0"/>
+          <a:chExt cx="0" cy="0"/>
+        </a:xfrm>
+      </p:grpSpPr>
+      <p:sp>
+        <p:nvSpPr>
+          <p:cNvPr id="2" name="タイトル 1">
+            <a:extLst>
+              <a:ext uri="{FF2B5EF4-FFF2-40B4-BE49-F238E27FC236}">
+                <a16:creationId xmlns:a16="http://schemas.microsoft.com/office/drawing/2014/main" id="{97A6BF6B-0DFE-4A25-A964-3796504C05F5}"/>
+              </a:ext>
+            </a:extLst>
+          </p:cNvPr>
+          <p:cNvSpPr>
+            <a:spLocks noGrp="1"/>
+          </p:cNvSpPr>
+          <p:nvPr>
+            <p:ph type="title"/>
+          </p:nvPr>
+        </p:nvSpPr>
+        <p:spPr/>
+        <p:txBody>
+          <a:bodyPr/>
+          <a:lstStyle/>
+          <a:p>
+            <a:r>
+              <a:rPr kumimoji="1" lang="en-US" altLang="ja-JP" dirty="0">
+                <a:latin typeface="Times New Roman" panose="02020603050405020304" pitchFamily="18" charset="0"/>
+                <a:cs typeface="Times New Roman" panose="02020603050405020304" pitchFamily="18" charset="0"/>
+              </a:rPr>
+              <a:t>Method - Preprocessing</a:t>
+            </a:r>
+            <a:endParaRPr kumimoji="1" lang="ja-JP" altLang="en-US" dirty="0">
+              <a:latin typeface="Times New Roman" panose="02020603050405020304" pitchFamily="18" charset="0"/>
+              <a:cs typeface="Times New Roman" panose="02020603050405020304" pitchFamily="18" charset="0"/>
+            </a:endParaRPr>
+          </a:p>
+        </p:txBody>
+      </p:sp>
+      <p:sp>
+        <p:nvSpPr>
+          <p:cNvPr id="3" name="コンテンツ プレースホルダー 2">
+            <a:extLst>
+              <a:ext uri="{FF2B5EF4-FFF2-40B4-BE49-F238E27FC236}">
+                <a16:creationId xmlns:a16="http://schemas.microsoft.com/office/drawing/2014/main" id="{DBACD9D1-DCA8-49A1-80D0-B60726CB57F4}"/>
+              </a:ext>
+            </a:extLst>
+          </p:cNvPr>
+          <p:cNvSpPr>
+            <a:spLocks noGrp="1"/>
+          </p:cNvSpPr>
+          <p:nvPr>
+            <p:ph idx="1"/>
+          </p:nvPr>
+        </p:nvSpPr>
+        <p:spPr>
+          <a:xfrm>
+            <a:off x="838200" y="1825625"/>
+            <a:ext cx="10515600" cy="526877"/>
+          </a:xfrm>
+        </p:spPr>
+        <p:txBody>
+          <a:bodyPr/>
+          <a:lstStyle/>
+          <a:p>
+            <a:r>
+              <a:rPr kumimoji="1" lang="en-US" altLang="ja-JP" dirty="0"/>
+              <a:t>Hand crafted feature values are extracted from the raw data</a:t>
+            </a:r>
+            <a:r>
+              <a:rPr lang="en-US" altLang="ja-JP" dirty="0"/>
+              <a:t>.</a:t>
+            </a:r>
+          </a:p>
+        </p:txBody>
+      </p:sp>
+      <p:sp>
+        <p:nvSpPr>
+          <p:cNvPr id="4" name="スライド番号プレースホルダー 3">
+            <a:extLst>
+              <a:ext uri="{FF2B5EF4-FFF2-40B4-BE49-F238E27FC236}">
+                <a16:creationId xmlns:a16="http://schemas.microsoft.com/office/drawing/2014/main" id="{0F85D2A1-2E06-43FA-BA17-7FF7A69FE59E}"/>
+              </a:ext>
+            </a:extLst>
+          </p:cNvPr>
+          <p:cNvSpPr>
+            <a:spLocks noGrp="1"/>
+          </p:cNvSpPr>
+          <p:nvPr>
+            <p:ph type="sldNum" sz="quarter" idx="12"/>
+          </p:nvPr>
+        </p:nvSpPr>
+        <p:spPr/>
+        <p:txBody>
+          <a:bodyPr/>
+          <a:lstStyle/>
+          <a:p>
+            <a:fld id="{92084505-5355-43A2-B929-FD06D0DABC31}" type="slidenum">
+              <a:rPr lang="ja-JP" altLang="en-US" smtClean="0"/>
+              <a:pPr/>
+              <a:t>4</a:t>
+            </a:fld>
+            <a:endParaRPr lang="ja-JP" altLang="en-US" dirty="0"/>
+          </a:p>
+        </p:txBody>
+      </p:sp>
+      <p:grpSp>
+        <p:nvGrpSpPr>
+          <p:cNvPr id="92" name="グループ化 91">
+            <a:extLst>
+              <a:ext uri="{FF2B5EF4-FFF2-40B4-BE49-F238E27FC236}">
+                <a16:creationId xmlns:a16="http://schemas.microsoft.com/office/drawing/2014/main" id="{0906B85D-0948-4D76-B67C-31A201CA1D02}"/>
+              </a:ext>
+            </a:extLst>
+          </p:cNvPr>
+          <p:cNvGrpSpPr/>
+          <p:nvPr/>
+        </p:nvGrpSpPr>
+        <p:grpSpPr>
+          <a:xfrm>
+            <a:off x="1014147" y="2352502"/>
+            <a:ext cx="10339653" cy="3803363"/>
+            <a:chOff x="1077880" y="2274302"/>
+            <a:chExt cx="10339653" cy="3803363"/>
+          </a:xfrm>
+        </p:grpSpPr>
+        <mc:AlternateContent xmlns:mc="http://schemas.openxmlformats.org/markup-compatibility/2006">
+          <mc:Choice xmlns:a14="http://schemas.microsoft.com/office/drawing/2010/main" Requires="a14">
+            <p:sp>
+              <p:nvSpPr>
+                <p:cNvPr id="5" name="正方形/長方形 4">
+                  <a:extLst>
+                    <a:ext uri="{FF2B5EF4-FFF2-40B4-BE49-F238E27FC236}">
+                      <a16:creationId xmlns:a16="http://schemas.microsoft.com/office/drawing/2014/main" id="{365EF5FF-6192-4A97-9D63-B64C1B6DA74C}"/>
+                    </a:ext>
+                  </a:extLst>
+                </p:cNvPr>
+                <p:cNvSpPr/>
+                <p:nvPr/>
+              </p:nvSpPr>
+              <p:spPr>
+                <a:xfrm>
+                  <a:off x="1319645" y="2768908"/>
+                  <a:ext cx="3017520" cy="274321"/>
+                </a:xfrm>
+                <a:prstGeom prst="rect">
+                  <a:avLst/>
+                </a:prstGeom>
+                <a:noFill/>
+                <a:ln>
+                  <a:solidFill>
+                    <a:schemeClr val="tx1"/>
+                  </a:solidFill>
+                </a:ln>
+              </p:spPr>
+              <p:style>
+                <a:lnRef idx="2">
+                  <a:schemeClr val="accent1">
+                    <a:shade val="50000"/>
+                  </a:schemeClr>
+                </a:lnRef>
+                <a:fillRef idx="1">
+                  <a:schemeClr val="accent1"/>
+                </a:fillRef>
+                <a:effectRef idx="0">
+                  <a:schemeClr val="accent1"/>
+                </a:effectRef>
+                <a:fontRef idx="minor">
+                  <a:schemeClr val="lt1"/>
+                </a:fontRef>
+              </p:style>
+              <p:txBody>
+                <a:bodyPr rtlCol="0" anchor="ctr"/>
+                <a:lstStyle/>
+                <a:p>
+                  <a:pPr algn="ctr"/>
+                  <a14:m>
+                    <m:oMathPara xmlns:m="http://schemas.openxmlformats.org/officeDocument/2006/math">
+                      <m:oMathParaPr>
+                        <m:jc m:val="centerGroup"/>
+                      </m:oMathParaPr>
+                      <m:oMath xmlns:m="http://schemas.openxmlformats.org/officeDocument/2006/math">
+                        <m:r>
+                          <a:rPr kumimoji="1" lang="en-US" altLang="ja-JP" sz="2400" b="0" i="1" smtClean="0">
+                            <a:solidFill>
+                              <a:schemeClr val="tx1"/>
+                            </a:solidFill>
+                            <a:latin typeface="Cambria Math" panose="02040503050406030204" pitchFamily="18" charset="0"/>
+                          </a:rPr>
+                          <m:t>𝑥</m:t>
+                        </m:r>
+                      </m:oMath>
+                    </m:oMathPara>
+                  </a14:m>
+                  <a:endParaRPr kumimoji="1" lang="ja-JP" altLang="en-US" sz="2000" dirty="0">
+                    <a:solidFill>
+                      <a:schemeClr val="tx1"/>
+                    </a:solidFill>
+                  </a:endParaRPr>
+                </a:p>
+              </p:txBody>
+            </p:sp>
+          </mc:Choice>
+          <mc:Fallback>
+            <p:sp>
+              <p:nvSpPr>
+                <p:cNvPr id="5" name="正方形/長方形 4">
+                  <a:extLst>
+                    <a:ext uri="{FF2B5EF4-FFF2-40B4-BE49-F238E27FC236}">
+                      <a16:creationId xmlns:a16="http://schemas.microsoft.com/office/drawing/2014/main" id="{365EF5FF-6192-4A97-9D63-B64C1B6DA74C}"/>
+                    </a:ext>
+                  </a:extLst>
+                </p:cNvPr>
+                <p:cNvSpPr>
+                  <a:spLocks noRot="1" noChangeAspect="1" noMove="1" noResize="1" noEditPoints="1" noAdjustHandles="1" noChangeArrowheads="1" noChangeShapeType="1" noTextEdit="1"/>
+                </p:cNvSpPr>
+                <p:nvPr/>
+              </p:nvSpPr>
+              <p:spPr>
+                <a:xfrm>
+                  <a:off x="1319645" y="2768908"/>
+                  <a:ext cx="3017520" cy="274321"/>
+                </a:xfrm>
+                <a:prstGeom prst="rect">
+                  <a:avLst/>
+                </a:prstGeom>
+                <a:blipFill>
+                  <a:blip r:embed="rId2"/>
+                  <a:stretch>
+                    <a:fillRect b="-14894"/>
+                  </a:stretch>
+                </a:blipFill>
+                <a:ln>
+                  <a:solidFill>
+                    <a:schemeClr val="tx1"/>
+                  </a:solidFill>
+                </a:ln>
+              </p:spPr>
+              <p:txBody>
+                <a:bodyPr/>
+                <a:lstStyle/>
+                <a:p>
+                  <a:r>
+                    <a:rPr lang="ja-JP" altLang="en-US">
+                      <a:noFill/>
+                    </a:rPr>
+                    <a:t> </a:t>
+                  </a:r>
+                </a:p>
+              </p:txBody>
+            </p:sp>
+          </mc:Fallback>
+        </mc:AlternateContent>
+        <mc:AlternateContent xmlns:mc="http://schemas.openxmlformats.org/markup-compatibility/2006">
+          <mc:Choice xmlns:a14="http://schemas.microsoft.com/office/drawing/2010/main" Requires="a14">
+            <p:sp>
+              <p:nvSpPr>
+                <p:cNvPr id="11" name="正方形/長方形 10">
+                  <a:extLst>
+                    <a:ext uri="{FF2B5EF4-FFF2-40B4-BE49-F238E27FC236}">
+                      <a16:creationId xmlns:a16="http://schemas.microsoft.com/office/drawing/2014/main" id="{B6050F26-7B78-4AED-A6D9-FF31D1586697}"/>
+                    </a:ext>
+                  </a:extLst>
+                </p:cNvPr>
+                <p:cNvSpPr/>
+                <p:nvPr/>
+              </p:nvSpPr>
+              <p:spPr>
+                <a:xfrm>
+                  <a:off x="4738947" y="2768908"/>
+                  <a:ext cx="3017520" cy="274321"/>
+                </a:xfrm>
+                <a:prstGeom prst="rect">
+                  <a:avLst/>
+                </a:prstGeom>
+                <a:noFill/>
+                <a:ln>
+                  <a:solidFill>
+                    <a:schemeClr val="tx1"/>
+                  </a:solidFill>
+                </a:ln>
+              </p:spPr>
+              <p:style>
+                <a:lnRef idx="2">
+                  <a:schemeClr val="accent1">
+                    <a:shade val="50000"/>
+                  </a:schemeClr>
+                </a:lnRef>
+                <a:fillRef idx="1">
+                  <a:schemeClr val="accent1"/>
+                </a:fillRef>
+                <a:effectRef idx="0">
+                  <a:schemeClr val="accent1"/>
+                </a:effectRef>
+                <a:fontRef idx="minor">
+                  <a:schemeClr val="lt1"/>
+                </a:fontRef>
+              </p:style>
+              <p:txBody>
+                <a:bodyPr rtlCol="0" anchor="ctr"/>
+                <a:lstStyle/>
+                <a:p>
+                  <a:pPr algn="ctr"/>
+                  <a14:m>
+                    <m:oMathPara xmlns:m="http://schemas.openxmlformats.org/officeDocument/2006/math">
+                      <m:oMathParaPr>
+                        <m:jc m:val="centerGroup"/>
+                      </m:oMathParaPr>
+                      <m:oMath xmlns:m="http://schemas.openxmlformats.org/officeDocument/2006/math">
+                        <m:r>
+                          <a:rPr kumimoji="1" lang="en-US" altLang="ja-JP" sz="2000" b="0" i="1" smtClean="0">
+                            <a:solidFill>
+                              <a:schemeClr val="tx1"/>
+                            </a:solidFill>
+                            <a:latin typeface="Cambria Math" panose="02040503050406030204" pitchFamily="18" charset="0"/>
+                          </a:rPr>
+                          <m:t>𝑦</m:t>
+                        </m:r>
+                      </m:oMath>
+                    </m:oMathPara>
+                  </a14:m>
+                  <a:endParaRPr kumimoji="1" lang="ja-JP" altLang="en-US" sz="2000" dirty="0">
+                    <a:solidFill>
+                      <a:schemeClr val="tx1"/>
+                    </a:solidFill>
+                  </a:endParaRPr>
+                </a:p>
+              </p:txBody>
+            </p:sp>
+          </mc:Choice>
+          <mc:Fallback>
+            <p:sp>
+              <p:nvSpPr>
+                <p:cNvPr id="11" name="正方形/長方形 10">
+                  <a:extLst>
+                    <a:ext uri="{FF2B5EF4-FFF2-40B4-BE49-F238E27FC236}">
+                      <a16:creationId xmlns:a16="http://schemas.microsoft.com/office/drawing/2014/main" id="{B6050F26-7B78-4AED-A6D9-FF31D1586697}"/>
+                    </a:ext>
+                  </a:extLst>
+                </p:cNvPr>
+                <p:cNvSpPr>
+                  <a:spLocks noRot="1" noChangeAspect="1" noMove="1" noResize="1" noEditPoints="1" noAdjustHandles="1" noChangeArrowheads="1" noChangeShapeType="1" noTextEdit="1"/>
+                </p:cNvSpPr>
+                <p:nvPr/>
+              </p:nvSpPr>
+              <p:spPr>
+                <a:xfrm>
+                  <a:off x="4738947" y="2768908"/>
+                  <a:ext cx="3017520" cy="274321"/>
+                </a:xfrm>
+                <a:prstGeom prst="rect">
+                  <a:avLst/>
+                </a:prstGeom>
+                <a:blipFill>
+                  <a:blip r:embed="rId3"/>
+                  <a:stretch>
+                    <a:fillRect b="-34043"/>
+                  </a:stretch>
+                </a:blipFill>
+                <a:ln>
+                  <a:solidFill>
+                    <a:schemeClr val="tx1"/>
+                  </a:solidFill>
+                </a:ln>
+              </p:spPr>
+              <p:txBody>
+                <a:bodyPr/>
+                <a:lstStyle/>
+                <a:p>
+                  <a:r>
+                    <a:rPr lang="ja-JP" altLang="en-US">
+                      <a:noFill/>
+                    </a:rPr>
+                    <a:t> </a:t>
+                  </a:r>
+                </a:p>
+              </p:txBody>
+            </p:sp>
+          </mc:Fallback>
+        </mc:AlternateContent>
+        <mc:AlternateContent xmlns:mc="http://schemas.openxmlformats.org/markup-compatibility/2006">
+          <mc:Choice xmlns:a14="http://schemas.microsoft.com/office/drawing/2010/main" Requires="a14">
+            <p:sp>
+              <p:nvSpPr>
+                <p:cNvPr id="13" name="正方形/長方形 12">
+                  <a:extLst>
+                    <a:ext uri="{FF2B5EF4-FFF2-40B4-BE49-F238E27FC236}">
+                      <a16:creationId xmlns:a16="http://schemas.microsoft.com/office/drawing/2014/main" id="{0F48A56A-5469-4AFF-9794-270B127E00BF}"/>
+                    </a:ext>
+                  </a:extLst>
+                </p:cNvPr>
+                <p:cNvSpPr/>
+                <p:nvPr/>
+              </p:nvSpPr>
+              <p:spPr>
+                <a:xfrm>
+                  <a:off x="8158249" y="2768908"/>
+                  <a:ext cx="3017520" cy="274321"/>
+                </a:xfrm>
+                <a:prstGeom prst="rect">
+                  <a:avLst/>
+                </a:prstGeom>
+                <a:noFill/>
+                <a:ln>
+                  <a:solidFill>
+                    <a:schemeClr val="tx1"/>
+                  </a:solidFill>
+                </a:ln>
+              </p:spPr>
+              <p:style>
+                <a:lnRef idx="2">
+                  <a:schemeClr val="accent1">
+                    <a:shade val="50000"/>
+                  </a:schemeClr>
+                </a:lnRef>
+                <a:fillRef idx="1">
+                  <a:schemeClr val="accent1"/>
+                </a:fillRef>
+                <a:effectRef idx="0">
+                  <a:schemeClr val="accent1"/>
+                </a:effectRef>
+                <a:fontRef idx="minor">
+                  <a:schemeClr val="lt1"/>
+                </a:fontRef>
+              </p:style>
+              <p:txBody>
+                <a:bodyPr rtlCol="0" anchor="ctr"/>
+                <a:lstStyle/>
+                <a:p>
+                  <a:pPr algn="ctr"/>
+                  <a14:m>
+                    <m:oMathPara xmlns:m="http://schemas.openxmlformats.org/officeDocument/2006/math">
+                      <m:oMathParaPr>
+                        <m:jc m:val="centerGroup"/>
+                      </m:oMathParaPr>
+                      <m:oMath xmlns:m="http://schemas.openxmlformats.org/officeDocument/2006/math">
+                        <m:r>
+                          <a:rPr kumimoji="1" lang="en-US" altLang="ja-JP" sz="2000" b="0" i="1" smtClean="0">
+                            <a:solidFill>
+                              <a:schemeClr val="tx1"/>
+                            </a:solidFill>
+                            <a:latin typeface="Cambria Math" panose="02040503050406030204" pitchFamily="18" charset="0"/>
+                          </a:rPr>
+                          <m:t>𝑧</m:t>
+                        </m:r>
+                      </m:oMath>
+                    </m:oMathPara>
+                  </a14:m>
+                  <a:endParaRPr kumimoji="1" lang="ja-JP" altLang="en-US" sz="2000" dirty="0">
+                    <a:solidFill>
+                      <a:schemeClr val="tx1"/>
+                    </a:solidFill>
+                  </a:endParaRPr>
+                </a:p>
+              </p:txBody>
+            </p:sp>
+          </mc:Choice>
+          <mc:Fallback>
+            <p:sp>
+              <p:nvSpPr>
+                <p:cNvPr id="13" name="正方形/長方形 12">
+                  <a:extLst>
+                    <a:ext uri="{FF2B5EF4-FFF2-40B4-BE49-F238E27FC236}">
+                      <a16:creationId xmlns:a16="http://schemas.microsoft.com/office/drawing/2014/main" id="{0F48A56A-5469-4AFF-9794-270B127E00BF}"/>
+                    </a:ext>
+                  </a:extLst>
+                </p:cNvPr>
+                <p:cNvSpPr>
+                  <a:spLocks noRot="1" noChangeAspect="1" noMove="1" noResize="1" noEditPoints="1" noAdjustHandles="1" noChangeArrowheads="1" noChangeShapeType="1" noTextEdit="1"/>
+                </p:cNvSpPr>
+                <p:nvPr/>
+              </p:nvSpPr>
+              <p:spPr>
+                <a:xfrm>
+                  <a:off x="8158249" y="2768908"/>
+                  <a:ext cx="3017520" cy="274321"/>
+                </a:xfrm>
+                <a:prstGeom prst="rect">
+                  <a:avLst/>
+                </a:prstGeom>
+                <a:blipFill>
+                  <a:blip r:embed="rId4"/>
+                  <a:stretch>
+                    <a:fillRect b="-4255"/>
+                  </a:stretch>
+                </a:blipFill>
+                <a:ln>
+                  <a:solidFill>
+                    <a:schemeClr val="tx1"/>
+                  </a:solidFill>
+                </a:ln>
+              </p:spPr>
+              <p:txBody>
+                <a:bodyPr/>
+                <a:lstStyle/>
+                <a:p>
+                  <a:r>
+                    <a:rPr lang="ja-JP" altLang="en-US">
+                      <a:noFill/>
+                    </a:rPr>
+                    <a:t> </a:t>
+                  </a:r>
+                </a:p>
+              </p:txBody>
+            </p:sp>
+          </mc:Fallback>
+        </mc:AlternateContent>
+        <p:sp>
+          <p:nvSpPr>
+            <p:cNvPr id="14" name="円弧 13">
+              <a:extLst>
+                <a:ext uri="{FF2B5EF4-FFF2-40B4-BE49-F238E27FC236}">
+                  <a16:creationId xmlns:a16="http://schemas.microsoft.com/office/drawing/2014/main" id="{261F1DA4-D53D-471E-B5B0-6C4FFBE43295}"/>
+                </a:ext>
+              </a:extLst>
+            </p:cNvPr>
+            <p:cNvSpPr/>
+            <p:nvPr/>
+          </p:nvSpPr>
+          <p:spPr>
+            <a:xfrm>
+              <a:off x="2774372" y="2465422"/>
+              <a:ext cx="1562793" cy="606972"/>
+            </a:xfrm>
+            <a:prstGeom prst="arc">
+              <a:avLst>
+                <a:gd name="adj1" fmla="val 16086873"/>
+                <a:gd name="adj2" fmla="val 0"/>
+              </a:avLst>
+            </a:prstGeom>
+          </p:spPr>
+          <p:style>
+            <a:lnRef idx="1">
+              <a:schemeClr val="dk1"/>
+            </a:lnRef>
+            <a:fillRef idx="0">
+              <a:schemeClr val="dk1"/>
+            </a:fillRef>
+            <a:effectRef idx="0">
+              <a:schemeClr val="dk1"/>
+            </a:effectRef>
+            <a:fontRef idx="minor">
+              <a:schemeClr val="tx1"/>
+            </a:fontRef>
+          </p:style>
+          <p:txBody>
+            <a:bodyPr rtlCol="0" anchor="ctr"/>
+            <a:lstStyle/>
+            <a:p>
+              <a:pPr algn="ctr"/>
+              <a:endParaRPr kumimoji="1" lang="ja-JP" altLang="en-US"/>
+            </a:p>
+          </p:txBody>
+        </p:sp>
+        <p:sp>
+          <p:nvSpPr>
+            <p:cNvPr id="20" name="円弧 19">
+              <a:extLst>
+                <a:ext uri="{FF2B5EF4-FFF2-40B4-BE49-F238E27FC236}">
+                  <a16:creationId xmlns:a16="http://schemas.microsoft.com/office/drawing/2014/main" id="{D193128A-1924-4E2D-ABFC-A472D729989F}"/>
+                </a:ext>
+              </a:extLst>
+            </p:cNvPr>
+            <p:cNvSpPr/>
+            <p:nvPr/>
+          </p:nvSpPr>
+          <p:spPr>
+            <a:xfrm flipH="1">
+              <a:off x="1319644" y="2465422"/>
+              <a:ext cx="1562793" cy="606972"/>
+            </a:xfrm>
+            <a:prstGeom prst="arc">
+              <a:avLst>
+                <a:gd name="adj1" fmla="val 16086873"/>
+                <a:gd name="adj2" fmla="val 0"/>
+              </a:avLst>
+            </a:prstGeom>
+          </p:spPr>
+          <p:style>
+            <a:lnRef idx="1">
+              <a:schemeClr val="dk1"/>
+            </a:lnRef>
+            <a:fillRef idx="0">
+              <a:schemeClr val="dk1"/>
+            </a:fillRef>
+            <a:effectRef idx="0">
+              <a:schemeClr val="dk1"/>
+            </a:effectRef>
+            <a:fontRef idx="minor">
+              <a:schemeClr val="tx1"/>
+            </a:fontRef>
+          </p:style>
+          <p:txBody>
+            <a:bodyPr rtlCol="0" anchor="ctr"/>
+            <a:lstStyle/>
+            <a:p>
+              <a:pPr algn="ctr"/>
+              <a:endParaRPr kumimoji="1" lang="ja-JP" altLang="en-US"/>
+            </a:p>
+          </p:txBody>
+        </p:sp>
+        <p:sp>
+          <p:nvSpPr>
+            <p:cNvPr id="21" name="テキスト ボックス 20">
+              <a:extLst>
+                <a:ext uri="{FF2B5EF4-FFF2-40B4-BE49-F238E27FC236}">
+                  <a16:creationId xmlns:a16="http://schemas.microsoft.com/office/drawing/2014/main" id="{DC8EB6B7-F608-4876-AED9-326DA0896C48}"/>
+                </a:ext>
+              </a:extLst>
+            </p:cNvPr>
+            <p:cNvSpPr txBox="1"/>
+            <p:nvPr/>
+          </p:nvSpPr>
+          <p:spPr>
+            <a:xfrm>
+              <a:off x="2204950" y="2274302"/>
+              <a:ext cx="1246909" cy="369332"/>
+            </a:xfrm>
+            <a:prstGeom prst="rect">
+              <a:avLst/>
+            </a:prstGeom>
+            <a:noFill/>
+          </p:spPr>
+          <p:txBody>
+            <a:bodyPr wrap="square" rtlCol="0">
+              <a:spAutoFit/>
+            </a:bodyPr>
+            <a:lstStyle/>
+            <a:p>
+              <a:pPr algn="ctr"/>
+              <a:r>
+                <a:rPr kumimoji="1" lang="en-US" altLang="ja-JP" dirty="0"/>
+                <a:t>30 seconds</a:t>
+              </a:r>
+              <a:endParaRPr kumimoji="1" lang="ja-JP" altLang="en-US" dirty="0"/>
+            </a:p>
+          </p:txBody>
+        </p:sp>
+        <p:sp>
+          <p:nvSpPr>
+            <p:cNvPr id="24" name="円弧 23">
+              <a:extLst>
+                <a:ext uri="{FF2B5EF4-FFF2-40B4-BE49-F238E27FC236}">
+                  <a16:creationId xmlns:a16="http://schemas.microsoft.com/office/drawing/2014/main" id="{8AC55372-2B4B-417D-A0B6-3F73B3A4291D}"/>
+                </a:ext>
+              </a:extLst>
+            </p:cNvPr>
+            <p:cNvSpPr/>
+            <p:nvPr/>
+          </p:nvSpPr>
+          <p:spPr>
+            <a:xfrm flipV="1">
+              <a:off x="1721425" y="2850723"/>
+              <a:ext cx="340825" cy="385012"/>
+            </a:xfrm>
+            <a:prstGeom prst="arc">
+              <a:avLst>
+                <a:gd name="adj1" fmla="val 18525473"/>
+                <a:gd name="adj2" fmla="val 0"/>
+              </a:avLst>
+            </a:prstGeom>
+          </p:spPr>
+          <p:style>
+            <a:lnRef idx="1">
+              <a:schemeClr val="dk1"/>
+            </a:lnRef>
+            <a:fillRef idx="0">
+              <a:schemeClr val="dk1"/>
+            </a:fillRef>
+            <a:effectRef idx="0">
+              <a:schemeClr val="dk1"/>
+            </a:effectRef>
+            <a:fontRef idx="minor">
+              <a:schemeClr val="tx1"/>
+            </a:fontRef>
+          </p:style>
+          <p:txBody>
+            <a:bodyPr rtlCol="0" anchor="ctr"/>
+            <a:lstStyle/>
+            <a:p>
+              <a:pPr algn="ctr"/>
+              <a:endParaRPr kumimoji="1" lang="ja-JP" altLang="en-US"/>
+            </a:p>
+          </p:txBody>
+        </p:sp>
+        <p:sp>
+          <p:nvSpPr>
+            <p:cNvPr id="25" name="テキスト ボックス 24">
+              <a:extLst>
+                <a:ext uri="{FF2B5EF4-FFF2-40B4-BE49-F238E27FC236}">
+                  <a16:creationId xmlns:a16="http://schemas.microsoft.com/office/drawing/2014/main" id="{ACDD10FD-FCA8-4653-93E8-EE58D6607E4D}"/>
+                </a:ext>
+              </a:extLst>
+            </p:cNvPr>
+            <p:cNvSpPr txBox="1"/>
+            <p:nvPr/>
+          </p:nvSpPr>
+          <p:spPr>
+            <a:xfrm>
+              <a:off x="1348040" y="3078848"/>
+              <a:ext cx="669176" cy="369332"/>
+            </a:xfrm>
+            <a:prstGeom prst="rect">
+              <a:avLst/>
+            </a:prstGeom>
+            <a:noFill/>
+          </p:spPr>
+          <p:txBody>
+            <a:bodyPr wrap="square" rtlCol="0">
+              <a:spAutoFit/>
+            </a:bodyPr>
+            <a:lstStyle/>
+            <a:p>
+              <a:pPr algn="ctr"/>
+              <a:r>
+                <a:rPr kumimoji="1" lang="en-US" altLang="ja-JP" dirty="0"/>
+                <a:t>3 sec</a:t>
+              </a:r>
+              <a:endParaRPr kumimoji="1" lang="ja-JP" altLang="en-US" dirty="0"/>
+            </a:p>
+          </p:txBody>
+        </p:sp>
+        <p:sp>
+          <p:nvSpPr>
+            <p:cNvPr id="27" name="円弧 26">
+              <a:extLst>
+                <a:ext uri="{FF2B5EF4-FFF2-40B4-BE49-F238E27FC236}">
+                  <a16:creationId xmlns:a16="http://schemas.microsoft.com/office/drawing/2014/main" id="{D456BE1F-32B2-47D1-BDF5-36181C7A1D73}"/>
+                </a:ext>
+              </a:extLst>
+            </p:cNvPr>
+            <p:cNvSpPr/>
+            <p:nvPr/>
+          </p:nvSpPr>
+          <p:spPr>
+            <a:xfrm flipH="1" flipV="1">
+              <a:off x="1313406" y="2853273"/>
+              <a:ext cx="340825" cy="385012"/>
+            </a:xfrm>
+            <a:prstGeom prst="arc">
+              <a:avLst>
+                <a:gd name="adj1" fmla="val 18525473"/>
+                <a:gd name="adj2" fmla="val 0"/>
+              </a:avLst>
+            </a:prstGeom>
+          </p:spPr>
+          <p:style>
+            <a:lnRef idx="1">
+              <a:schemeClr val="dk1"/>
+            </a:lnRef>
+            <a:fillRef idx="0">
+              <a:schemeClr val="dk1"/>
+            </a:fillRef>
+            <a:effectRef idx="0">
+              <a:schemeClr val="dk1"/>
+            </a:effectRef>
+            <a:fontRef idx="minor">
+              <a:schemeClr val="tx1"/>
+            </a:fontRef>
+          </p:style>
+          <p:txBody>
+            <a:bodyPr rtlCol="0" anchor="ctr"/>
+            <a:lstStyle/>
+            <a:p>
+              <a:pPr algn="ctr"/>
+              <a:endParaRPr kumimoji="1" lang="ja-JP" altLang="en-US"/>
+            </a:p>
+          </p:txBody>
+        </p:sp>
+        <p:grpSp>
+          <p:nvGrpSpPr>
+            <p:cNvPr id="40" name="グループ化 39">
+              <a:extLst>
+                <a:ext uri="{FF2B5EF4-FFF2-40B4-BE49-F238E27FC236}">
+                  <a16:creationId xmlns:a16="http://schemas.microsoft.com/office/drawing/2014/main" id="{928C7EDD-4041-45D8-9298-347D0924EC5E}"/>
+                </a:ext>
+              </a:extLst>
+            </p:cNvPr>
+            <p:cNvGrpSpPr/>
+            <p:nvPr/>
+          </p:nvGrpSpPr>
+          <p:grpSpPr>
+            <a:xfrm>
+              <a:off x="1077880" y="3744191"/>
+              <a:ext cx="3392983" cy="1191199"/>
+              <a:chOff x="987827" y="5092867"/>
+              <a:chExt cx="3473337" cy="1200329"/>
+            </a:xfrm>
+          </p:grpSpPr>
+          <mc:AlternateContent xmlns:mc="http://schemas.openxmlformats.org/markup-compatibility/2006">
+            <mc:Choice xmlns:a14="http://schemas.microsoft.com/office/drawing/2010/main" Requires="a14">
+              <p:sp>
+                <p:nvSpPr>
+                  <p:cNvPr id="29" name="テキスト ボックス 28">
+                    <a:extLst>
+                      <a:ext uri="{FF2B5EF4-FFF2-40B4-BE49-F238E27FC236}">
+                        <a16:creationId xmlns:a16="http://schemas.microsoft.com/office/drawing/2014/main" id="{082CED6F-EA27-462B-8E4B-5EED6E64BA71}"/>
+                      </a:ext>
+                    </a:extLst>
+                  </p:cNvPr>
+                  <p:cNvSpPr txBox="1"/>
+                  <p:nvPr/>
+                </p:nvSpPr>
+                <p:spPr>
+                  <a:xfrm>
+                    <a:off x="987827" y="5092867"/>
+                    <a:ext cx="3473336" cy="1200329"/>
+                  </a:xfrm>
+                  <a:prstGeom prst="rect">
+                    <a:avLst/>
+                  </a:prstGeom>
+                  <a:noFill/>
+                </p:spPr>
+                <p:txBody>
+                  <a:bodyPr wrap="square" rtlCol="0">
+                    <a:spAutoFit/>
+                  </a:bodyPr>
+                  <a:lstStyle/>
+                  <a:p>
+                    <a:pPr algn="ctr"/>
+                    <a14:m>
+                      <m:oMath xmlns:m="http://schemas.openxmlformats.org/officeDocument/2006/math">
+                        <m:r>
+                          <a:rPr kumimoji="1" lang="en-US" altLang="ja-JP" sz="1800" b="0" i="1" smtClean="0">
+                            <a:solidFill>
+                              <a:schemeClr val="tx1"/>
+                            </a:solidFill>
+                            <a:latin typeface="Cambria Math" panose="02040503050406030204" pitchFamily="18" charset="0"/>
+                          </a:rPr>
+                          <m:t>𝑥</m:t>
+                        </m:r>
+                        <m:r>
+                          <a:rPr kumimoji="1" lang="en-US" altLang="ja-JP" sz="1800" b="0" i="1" smtClean="0">
+                            <a:solidFill>
+                              <a:schemeClr val="tx1"/>
+                            </a:solidFill>
+                            <a:latin typeface="Cambria Math" panose="02040503050406030204" pitchFamily="18" charset="0"/>
+                          </a:rPr>
+                          <m:t> </m:t>
+                        </m:r>
+                      </m:oMath>
+                    </a14:m>
+                    <a:r>
+                      <a:rPr kumimoji="1" lang="en-US" altLang="ja-JP" dirty="0"/>
+                      <a:t>mean, </a:t>
+                    </a:r>
+                    <a14:m>
+                      <m:oMath xmlns:m="http://schemas.openxmlformats.org/officeDocument/2006/math">
+                        <m:r>
+                          <a:rPr lang="en-US" altLang="ja-JP" i="1">
+                            <a:latin typeface="Cambria Math" panose="02040503050406030204" pitchFamily="18" charset="0"/>
+                          </a:rPr>
+                          <m:t>𝑥</m:t>
+                        </m:r>
+                        <m:r>
+                          <a:rPr lang="en-US" altLang="ja-JP" i="1">
+                            <a:latin typeface="Cambria Math" panose="02040503050406030204" pitchFamily="18" charset="0"/>
+                          </a:rPr>
+                          <m:t> </m:t>
+                        </m:r>
+                      </m:oMath>
+                    </a14:m>
+                    <a:r>
+                      <a:rPr kumimoji="1" lang="en-US" altLang="ja-JP" dirty="0"/>
+                      <a:t>variance, </a:t>
+                    </a:r>
+                    <a14:m>
+                      <m:oMath xmlns:m="http://schemas.openxmlformats.org/officeDocument/2006/math">
+                        <m:r>
+                          <a:rPr lang="en-US" altLang="ja-JP" i="1">
+                            <a:latin typeface="Cambria Math" panose="02040503050406030204" pitchFamily="18" charset="0"/>
+                          </a:rPr>
+                          <m:t>𝑥</m:t>
+                        </m:r>
+                        <m:r>
+                          <a:rPr lang="en-US" altLang="ja-JP" i="1">
+                            <a:latin typeface="Cambria Math" panose="02040503050406030204" pitchFamily="18" charset="0"/>
+                          </a:rPr>
+                          <m:t> </m:t>
+                        </m:r>
+                      </m:oMath>
+                    </a14:m>
+                    <a:r>
+                      <a:rPr kumimoji="1" lang="en-US" altLang="ja-JP" dirty="0"/>
+                      <a:t>max, </a:t>
+                    </a:r>
+                    <a14:m>
+                      <m:oMath xmlns:m="http://schemas.openxmlformats.org/officeDocument/2006/math">
+                        <m:r>
+                          <a:rPr lang="en-US" altLang="ja-JP" i="1">
+                            <a:latin typeface="Cambria Math" panose="02040503050406030204" pitchFamily="18" charset="0"/>
+                          </a:rPr>
+                          <m:t>𝑥</m:t>
+                        </m:r>
+                        <m:r>
+                          <a:rPr lang="en-US" altLang="ja-JP" i="1">
+                            <a:latin typeface="Cambria Math" panose="02040503050406030204" pitchFamily="18" charset="0"/>
+                          </a:rPr>
+                          <m:t> </m:t>
+                        </m:r>
+                      </m:oMath>
+                    </a14:m>
+                    <a:r>
+                      <a:rPr kumimoji="1" lang="en-US" altLang="ja-JP" dirty="0"/>
+                      <a:t>min, </a:t>
+                    </a:r>
+                    <a14:m>
+                      <m:oMath xmlns:m="http://schemas.openxmlformats.org/officeDocument/2006/math">
+                        <m:r>
+                          <a:rPr lang="en-US" altLang="ja-JP" i="1">
+                            <a:latin typeface="Cambria Math" panose="02040503050406030204" pitchFamily="18" charset="0"/>
+                          </a:rPr>
+                          <m:t>𝑥</m:t>
+                        </m:r>
+                        <m:r>
+                          <a:rPr lang="en-US" altLang="ja-JP" i="1">
+                            <a:latin typeface="Cambria Math" panose="02040503050406030204" pitchFamily="18" charset="0"/>
+                          </a:rPr>
+                          <m:t> </m:t>
+                        </m:r>
+                      </m:oMath>
+                    </a14:m>
+                    <a:r>
+                      <a:rPr kumimoji="1" lang="en-US" altLang="ja-JP" dirty="0"/>
+                      <a:t>root mean square,</a:t>
+                    </a:r>
+                  </a:p>
+                  <a:p>
+                    <a:pPr algn="ctr"/>
+                    <a14:m>
+                      <m:oMath xmlns:m="http://schemas.openxmlformats.org/officeDocument/2006/math">
+                        <m:r>
+                          <a:rPr lang="en-US" altLang="ja-JP" i="1">
+                            <a:latin typeface="Cambria Math" panose="02040503050406030204" pitchFamily="18" charset="0"/>
+                          </a:rPr>
+                          <m:t>𝑥</m:t>
+                        </m:r>
+                        <m:r>
+                          <a:rPr lang="en-US" altLang="ja-JP" i="1">
+                            <a:latin typeface="Cambria Math" panose="02040503050406030204" pitchFamily="18" charset="0"/>
+                          </a:rPr>
+                          <m:t> </m:t>
+                        </m:r>
+                      </m:oMath>
+                    </a14:m>
+                    <a:r>
+                      <a:rPr kumimoji="1" lang="en-US" altLang="ja-JP" dirty="0"/>
+                      <a:t>interquartile range,</a:t>
+                    </a:r>
+                  </a:p>
+                  <a:p>
+                    <a:pPr algn="ctr"/>
+                    <a14:m>
+                      <m:oMath xmlns:m="http://schemas.openxmlformats.org/officeDocument/2006/math">
+                        <m:r>
+                          <a:rPr lang="en-US" altLang="ja-JP" i="1">
+                            <a:latin typeface="Cambria Math" panose="02040503050406030204" pitchFamily="18" charset="0"/>
+                          </a:rPr>
+                          <m:t>𝑥</m:t>
+                        </m:r>
+                        <m:r>
+                          <a:rPr lang="en-US" altLang="ja-JP" i="1">
+                            <a:latin typeface="Cambria Math" panose="02040503050406030204" pitchFamily="18" charset="0"/>
+                          </a:rPr>
+                          <m:t> </m:t>
+                        </m:r>
+                      </m:oMath>
+                    </a14:m>
+                    <a:r>
+                      <a:rPr kumimoji="1" lang="en-US" altLang="ja-JP" dirty="0"/>
+                      <a:t>zero crossing rate</a:t>
+                    </a:r>
+                    <a:endParaRPr kumimoji="1" lang="ja-JP" altLang="en-US" dirty="0"/>
+                  </a:p>
+                </p:txBody>
+              </p:sp>
+            </mc:Choice>
+            <mc:Fallback>
+              <p:sp>
+                <p:nvSpPr>
+                  <p:cNvPr id="29" name="テキスト ボックス 28">
+                    <a:extLst>
+                      <a:ext uri="{FF2B5EF4-FFF2-40B4-BE49-F238E27FC236}">
+                        <a16:creationId xmlns:a16="http://schemas.microsoft.com/office/drawing/2014/main" id="{082CED6F-EA27-462B-8E4B-5EED6E64BA71}"/>
+                      </a:ext>
+                    </a:extLst>
+                  </p:cNvPr>
+                  <p:cNvSpPr txBox="1">
+                    <a:spLocks noRot="1" noChangeAspect="1" noMove="1" noResize="1" noEditPoints="1" noAdjustHandles="1" noChangeArrowheads="1" noChangeShapeType="1" noTextEdit="1"/>
+                  </p:cNvSpPr>
+                  <p:nvPr/>
+                </p:nvSpPr>
+                <p:spPr>
+                  <a:xfrm>
+                    <a:off x="987827" y="5092867"/>
+                    <a:ext cx="3473336" cy="1200329"/>
+                  </a:xfrm>
+                  <a:prstGeom prst="rect">
+                    <a:avLst/>
+                  </a:prstGeom>
+                  <a:blipFill>
+                    <a:blip r:embed="rId5"/>
+                    <a:stretch>
+                      <a:fillRect t="-2564" r="-2154" b="-8205"/>
+                    </a:stretch>
+                  </a:blipFill>
+                </p:spPr>
+                <p:txBody>
+                  <a:bodyPr/>
+                  <a:lstStyle/>
+                  <a:p>
+                    <a:r>
+                      <a:rPr lang="ja-JP" altLang="en-US">
+                        <a:noFill/>
+                      </a:rPr>
+                      <a:t> </a:t>
+                    </a:r>
+                  </a:p>
+                </p:txBody>
+              </p:sp>
+            </mc:Fallback>
+          </mc:AlternateContent>
+          <p:sp>
+            <p:nvSpPr>
+              <p:cNvPr id="35" name="正方形/長方形 34">
+                <a:extLst>
+                  <a:ext uri="{FF2B5EF4-FFF2-40B4-BE49-F238E27FC236}">
+                    <a16:creationId xmlns:a16="http://schemas.microsoft.com/office/drawing/2014/main" id="{69810792-E797-4941-9BFD-4547E7CB2AB9}"/>
+                  </a:ext>
+                </a:extLst>
+              </p:cNvPr>
+              <p:cNvSpPr/>
+              <p:nvPr/>
+            </p:nvSpPr>
+            <p:spPr>
+              <a:xfrm>
+                <a:off x="987828" y="5095417"/>
+                <a:ext cx="3473336" cy="1197779"/>
+              </a:xfrm>
+              <a:prstGeom prst="rect">
+                <a:avLst/>
+              </a:prstGeom>
+              <a:noFill/>
+              <a:ln>
+                <a:solidFill>
+                  <a:schemeClr val="tx1"/>
+                </a:solidFill>
+              </a:ln>
+            </p:spPr>
+            <p:style>
+              <a:lnRef idx="2">
+                <a:schemeClr val="accent1">
+                  <a:shade val="50000"/>
+                </a:schemeClr>
+              </a:lnRef>
+              <a:fillRef idx="1">
+                <a:schemeClr val="accent1"/>
+              </a:fillRef>
+              <a:effectRef idx="0">
+                <a:schemeClr val="accent1"/>
+              </a:effectRef>
+              <a:fontRef idx="minor">
+                <a:schemeClr val="lt1"/>
+              </a:fontRef>
+            </p:style>
+            <p:txBody>
+              <a:bodyPr rtlCol="0" anchor="ctr"/>
+              <a:lstStyle/>
+              <a:p>
+                <a:pPr algn="ctr"/>
+                <a:endParaRPr kumimoji="1" lang="ja-JP" altLang="en-US"/>
+              </a:p>
+            </p:txBody>
+          </p:sp>
+        </p:grpSp>
+        <p:grpSp>
+          <p:nvGrpSpPr>
+            <p:cNvPr id="42" name="グループ化 41">
+              <a:extLst>
+                <a:ext uri="{FF2B5EF4-FFF2-40B4-BE49-F238E27FC236}">
+                  <a16:creationId xmlns:a16="http://schemas.microsoft.com/office/drawing/2014/main" id="{900C5375-C579-4074-9AD4-8FBFDBECEC39}"/>
+                </a:ext>
+              </a:extLst>
+            </p:cNvPr>
+            <p:cNvGrpSpPr/>
+            <p:nvPr/>
+          </p:nvGrpSpPr>
+          <p:grpSpPr>
+            <a:xfrm>
+              <a:off x="4551215" y="3745426"/>
+              <a:ext cx="3392983" cy="1200329"/>
+              <a:chOff x="4461162" y="3778401"/>
+              <a:chExt cx="3473336" cy="1206958"/>
+            </a:xfrm>
+          </p:grpSpPr>
+          <mc:AlternateContent xmlns:mc="http://schemas.openxmlformats.org/markup-compatibility/2006">
+            <mc:Choice xmlns:a14="http://schemas.microsoft.com/office/drawing/2010/main" Requires="a14">
+              <p:sp>
+                <p:nvSpPr>
+                  <p:cNvPr id="31" name="テキスト ボックス 30">
+                    <a:extLst>
+                      <a:ext uri="{FF2B5EF4-FFF2-40B4-BE49-F238E27FC236}">
+                        <a16:creationId xmlns:a16="http://schemas.microsoft.com/office/drawing/2014/main" id="{470ACEA5-DC5E-40F8-BBA1-20C0950AFC7D}"/>
+                      </a:ext>
+                    </a:extLst>
+                  </p:cNvPr>
+                  <p:cNvSpPr txBox="1"/>
+                  <p:nvPr/>
+                </p:nvSpPr>
+                <p:spPr>
+                  <a:xfrm>
+                    <a:off x="4461162" y="3785030"/>
+                    <a:ext cx="3473336" cy="1200329"/>
+                  </a:xfrm>
+                  <a:prstGeom prst="rect">
+                    <a:avLst/>
+                  </a:prstGeom>
+                  <a:noFill/>
+                </p:spPr>
+                <p:txBody>
+                  <a:bodyPr wrap="square" rtlCol="0">
+                    <a:spAutoFit/>
+                  </a:bodyPr>
+                  <a:lstStyle/>
+                  <a:p>
+                    <a:pPr algn="ctr"/>
+                    <a14:m>
+                      <m:oMath xmlns:m="http://schemas.openxmlformats.org/officeDocument/2006/math">
+                        <m:r>
+                          <a:rPr lang="en-US" altLang="ja-JP" i="1">
+                            <a:latin typeface="Cambria Math" panose="02040503050406030204" pitchFamily="18" charset="0"/>
+                          </a:rPr>
+                          <m:t>𝑦</m:t>
+                        </m:r>
+                        <m:r>
+                          <a:rPr lang="en-US" altLang="ja-JP" i="1">
+                            <a:latin typeface="Cambria Math" panose="02040503050406030204" pitchFamily="18" charset="0"/>
+                          </a:rPr>
+                          <m:t> </m:t>
+                        </m:r>
+                      </m:oMath>
+                    </a14:m>
+                    <a:r>
+                      <a:rPr kumimoji="1" lang="en-US" altLang="ja-JP" dirty="0"/>
+                      <a:t>mean, </a:t>
+                    </a:r>
+                    <a14:m>
+                      <m:oMath xmlns:m="http://schemas.openxmlformats.org/officeDocument/2006/math">
+                        <m:r>
+                          <a:rPr lang="en-US" altLang="ja-JP" i="1">
+                            <a:latin typeface="Cambria Math" panose="02040503050406030204" pitchFamily="18" charset="0"/>
+                          </a:rPr>
+                          <m:t>𝑦</m:t>
+                        </m:r>
+                        <m:r>
+                          <a:rPr lang="en-US" altLang="ja-JP" i="1">
+                            <a:latin typeface="Cambria Math" panose="02040503050406030204" pitchFamily="18" charset="0"/>
+                          </a:rPr>
+                          <m:t> </m:t>
+                        </m:r>
+                      </m:oMath>
+                    </a14:m>
+                    <a:r>
+                      <a:rPr kumimoji="1" lang="en-US" altLang="ja-JP" dirty="0"/>
+                      <a:t>variance, </a:t>
+                    </a:r>
+                    <a14:m>
+                      <m:oMath xmlns:m="http://schemas.openxmlformats.org/officeDocument/2006/math">
+                        <m:r>
+                          <a:rPr lang="en-US" altLang="ja-JP" i="1">
+                            <a:latin typeface="Cambria Math" panose="02040503050406030204" pitchFamily="18" charset="0"/>
+                          </a:rPr>
+                          <m:t>𝑦</m:t>
+                        </m:r>
+                        <m:r>
+                          <a:rPr lang="en-US" altLang="ja-JP" i="1">
+                            <a:latin typeface="Cambria Math" panose="02040503050406030204" pitchFamily="18" charset="0"/>
+                          </a:rPr>
+                          <m:t> </m:t>
+                        </m:r>
+                      </m:oMath>
+                    </a14:m>
+                    <a:r>
+                      <a:rPr kumimoji="1" lang="en-US" altLang="ja-JP" dirty="0"/>
+                      <a:t>max,</a:t>
+                    </a:r>
+                    <a:r>
+                      <a:rPr lang="en-US" altLang="ja-JP" dirty="0"/>
+                      <a:t> </a:t>
+                    </a:r>
+                    <a14:m>
+                      <m:oMath xmlns:m="http://schemas.openxmlformats.org/officeDocument/2006/math">
+                        <m:r>
+                          <a:rPr lang="en-US" altLang="ja-JP" i="1">
+                            <a:latin typeface="Cambria Math" panose="02040503050406030204" pitchFamily="18" charset="0"/>
+                          </a:rPr>
+                          <m:t>𝑦</m:t>
+                        </m:r>
+                        <m:r>
+                          <a:rPr lang="en-US" altLang="ja-JP" i="1">
+                            <a:latin typeface="Cambria Math" panose="02040503050406030204" pitchFamily="18" charset="0"/>
+                          </a:rPr>
+                          <m:t> </m:t>
+                        </m:r>
+                      </m:oMath>
+                    </a14:m>
+                    <a:r>
+                      <a:rPr kumimoji="1" lang="en-US" altLang="ja-JP" dirty="0"/>
+                      <a:t>min, </a:t>
+                    </a:r>
+                    <a14:m>
+                      <m:oMath xmlns:m="http://schemas.openxmlformats.org/officeDocument/2006/math">
+                        <m:r>
+                          <a:rPr lang="en-US" altLang="ja-JP" i="1">
+                            <a:latin typeface="Cambria Math" panose="02040503050406030204" pitchFamily="18" charset="0"/>
+                          </a:rPr>
+                          <m:t>𝑦</m:t>
+                        </m:r>
+                        <m:r>
+                          <a:rPr lang="en-US" altLang="ja-JP" i="1">
+                            <a:latin typeface="Cambria Math" panose="02040503050406030204" pitchFamily="18" charset="0"/>
+                          </a:rPr>
+                          <m:t> </m:t>
+                        </m:r>
+                      </m:oMath>
+                    </a14:m>
+                    <a:r>
+                      <a:rPr kumimoji="1" lang="en-US" altLang="ja-JP" dirty="0"/>
+                      <a:t>root mean square,</a:t>
+                    </a:r>
+                  </a:p>
+                  <a:p>
+                    <a:pPr algn="ctr"/>
+                    <a14:m>
+                      <m:oMath xmlns:m="http://schemas.openxmlformats.org/officeDocument/2006/math">
+                        <m:r>
+                          <a:rPr lang="en-US" altLang="ja-JP" i="1">
+                            <a:latin typeface="Cambria Math" panose="02040503050406030204" pitchFamily="18" charset="0"/>
+                          </a:rPr>
+                          <m:t>𝑦</m:t>
+                        </m:r>
+                        <m:r>
+                          <a:rPr lang="en-US" altLang="ja-JP" i="1">
+                            <a:latin typeface="Cambria Math" panose="02040503050406030204" pitchFamily="18" charset="0"/>
+                          </a:rPr>
+                          <m:t> </m:t>
+                        </m:r>
+                      </m:oMath>
+                    </a14:m>
+                    <a:r>
+                      <a:rPr kumimoji="1" lang="en-US" altLang="ja-JP" dirty="0"/>
+                      <a:t>interquartile range,</a:t>
+                    </a:r>
+                  </a:p>
+                  <a:p>
+                    <a:pPr algn="ctr"/>
+                    <a14:m>
+                      <m:oMath xmlns:m="http://schemas.openxmlformats.org/officeDocument/2006/math">
+                        <m:r>
+                          <a:rPr lang="en-US" altLang="ja-JP" i="1">
+                            <a:latin typeface="Cambria Math" panose="02040503050406030204" pitchFamily="18" charset="0"/>
+                          </a:rPr>
+                          <m:t>𝑦</m:t>
+                        </m:r>
+                        <m:r>
+                          <a:rPr lang="en-US" altLang="ja-JP" i="1">
+                            <a:latin typeface="Cambria Math" panose="02040503050406030204" pitchFamily="18" charset="0"/>
+                          </a:rPr>
+                          <m:t> </m:t>
+                        </m:r>
+                      </m:oMath>
+                    </a14:m>
+                    <a:r>
+                      <a:rPr kumimoji="1" lang="en-US" altLang="ja-JP" dirty="0"/>
+                      <a:t>zero crossing rate</a:t>
+                    </a:r>
+                    <a:endParaRPr kumimoji="1" lang="ja-JP" altLang="en-US" dirty="0"/>
+                  </a:p>
+                </p:txBody>
+              </p:sp>
+            </mc:Choice>
+            <mc:Fallback>
+              <p:sp>
+                <p:nvSpPr>
+                  <p:cNvPr id="31" name="テキスト ボックス 30">
+                    <a:extLst>
+                      <a:ext uri="{FF2B5EF4-FFF2-40B4-BE49-F238E27FC236}">
+                        <a16:creationId xmlns:a16="http://schemas.microsoft.com/office/drawing/2014/main" id="{470ACEA5-DC5E-40F8-BBA1-20C0950AFC7D}"/>
+                      </a:ext>
+                    </a:extLst>
+                  </p:cNvPr>
+                  <p:cNvSpPr txBox="1">
+                    <a:spLocks noRot="1" noChangeAspect="1" noMove="1" noResize="1" noEditPoints="1" noAdjustHandles="1" noChangeArrowheads="1" noChangeShapeType="1" noTextEdit="1"/>
+                  </p:cNvSpPr>
+                  <p:nvPr/>
+                </p:nvSpPr>
+                <p:spPr>
+                  <a:xfrm>
+                    <a:off x="4461162" y="3785030"/>
+                    <a:ext cx="3473336" cy="1200329"/>
+                  </a:xfrm>
+                  <a:prstGeom prst="rect">
+                    <a:avLst/>
+                  </a:prstGeom>
+                  <a:blipFill>
+                    <a:blip r:embed="rId6"/>
+                    <a:stretch>
+                      <a:fillRect t="-2551" r="-2154" b="-7653"/>
+                    </a:stretch>
+                  </a:blipFill>
+                </p:spPr>
+                <p:txBody>
+                  <a:bodyPr/>
+                  <a:lstStyle/>
+                  <a:p>
+                    <a:r>
+                      <a:rPr lang="ja-JP" altLang="en-US">
+                        <a:noFill/>
+                      </a:rPr>
+                      <a:t> </a:t>
+                    </a:r>
+                  </a:p>
+                </p:txBody>
+              </p:sp>
+            </mc:Fallback>
+          </mc:AlternateContent>
+          <p:sp>
+            <p:nvSpPr>
+              <p:cNvPr id="37" name="正方形/長方形 36">
+                <a:extLst>
+                  <a:ext uri="{FF2B5EF4-FFF2-40B4-BE49-F238E27FC236}">
+                    <a16:creationId xmlns:a16="http://schemas.microsoft.com/office/drawing/2014/main" id="{C27F73B7-3FB7-4EBC-BD68-092567E98C11}"/>
+                  </a:ext>
+                </a:extLst>
+              </p:cNvPr>
+              <p:cNvSpPr/>
+              <p:nvPr/>
+            </p:nvSpPr>
+            <p:spPr>
+              <a:xfrm>
+                <a:off x="4461162" y="3778401"/>
+                <a:ext cx="3473336" cy="1197779"/>
+              </a:xfrm>
+              <a:prstGeom prst="rect">
+                <a:avLst/>
+              </a:prstGeom>
+              <a:noFill/>
+              <a:ln>
+                <a:solidFill>
+                  <a:schemeClr val="tx1"/>
+                </a:solidFill>
+              </a:ln>
+            </p:spPr>
+            <p:style>
+              <a:lnRef idx="2">
+                <a:schemeClr val="accent1">
+                  <a:shade val="50000"/>
+                </a:schemeClr>
+              </a:lnRef>
+              <a:fillRef idx="1">
+                <a:schemeClr val="accent1"/>
+              </a:fillRef>
+              <a:effectRef idx="0">
+                <a:schemeClr val="accent1"/>
+              </a:effectRef>
+              <a:fontRef idx="minor">
+                <a:schemeClr val="lt1"/>
+              </a:fontRef>
+            </p:style>
+            <p:txBody>
+              <a:bodyPr rtlCol="0" anchor="ctr"/>
+              <a:lstStyle/>
+              <a:p>
+                <a:pPr algn="ctr"/>
+                <a:endParaRPr kumimoji="1" lang="ja-JP" altLang="en-US"/>
+              </a:p>
+            </p:txBody>
+          </p:sp>
+        </p:grpSp>
+        <p:grpSp>
+          <p:nvGrpSpPr>
+            <p:cNvPr id="41" name="グループ化 40">
+              <a:extLst>
+                <a:ext uri="{FF2B5EF4-FFF2-40B4-BE49-F238E27FC236}">
+                  <a16:creationId xmlns:a16="http://schemas.microsoft.com/office/drawing/2014/main" id="{7E8E0DBC-7CEE-48F1-8846-5B3266A8965B}"/>
+                </a:ext>
+              </a:extLst>
+            </p:cNvPr>
+            <p:cNvGrpSpPr/>
+            <p:nvPr/>
+          </p:nvGrpSpPr>
+          <p:grpSpPr>
+            <a:xfrm>
+              <a:off x="8024550" y="3741653"/>
+              <a:ext cx="3392983" cy="1193737"/>
+              <a:chOff x="8108372" y="5076203"/>
+              <a:chExt cx="3473336" cy="1231106"/>
+            </a:xfrm>
+          </p:grpSpPr>
+          <mc:AlternateContent xmlns:mc="http://schemas.openxmlformats.org/markup-compatibility/2006">
+            <mc:Choice xmlns:a14="http://schemas.microsoft.com/office/drawing/2010/main" Requires="a14">
+              <p:sp>
+                <p:nvSpPr>
+                  <p:cNvPr id="33" name="テキスト ボックス 32">
+                    <a:extLst>
+                      <a:ext uri="{FF2B5EF4-FFF2-40B4-BE49-F238E27FC236}">
+                        <a16:creationId xmlns:a16="http://schemas.microsoft.com/office/drawing/2014/main" id="{8C5ED3BD-B6CC-417F-A5AD-3D54F491E3B1}"/>
+                      </a:ext>
+                    </a:extLst>
+                  </p:cNvPr>
+                  <p:cNvSpPr txBox="1"/>
+                  <p:nvPr/>
+                </p:nvSpPr>
+                <p:spPr>
+                  <a:xfrm>
+                    <a:off x="8108372" y="5076203"/>
+                    <a:ext cx="3473336" cy="1231106"/>
+                  </a:xfrm>
+                  <a:prstGeom prst="rect">
+                    <a:avLst/>
+                  </a:prstGeom>
+                  <a:noFill/>
+                </p:spPr>
+                <p:txBody>
+                  <a:bodyPr wrap="square" rtlCol="0">
+                    <a:spAutoFit/>
+                  </a:bodyPr>
+                  <a:lstStyle/>
+                  <a:p>
+                    <a:pPr algn="ctr"/>
+                    <a14:m>
+                      <m:oMath xmlns:m="http://schemas.openxmlformats.org/officeDocument/2006/math">
+                        <m:r>
+                          <a:rPr lang="en-US" altLang="ja-JP" i="1" smtClean="0">
+                            <a:latin typeface="Cambria Math" panose="02040503050406030204" pitchFamily="18" charset="0"/>
+                          </a:rPr>
+                          <m:t>𝑧</m:t>
+                        </m:r>
+                        <m:r>
+                          <a:rPr lang="en-US" altLang="ja-JP" smtClean="0">
+                            <a:latin typeface="Cambria Math" panose="02040503050406030204" pitchFamily="18" charset="0"/>
+                          </a:rPr>
+                          <m:t> </m:t>
+                        </m:r>
+                      </m:oMath>
+                    </a14:m>
+                    <a:r>
+                      <a:rPr lang="en-US" altLang="ja-JP" dirty="0"/>
+                      <a:t>mean, </a:t>
+                    </a:r>
+                    <a14:m>
+                      <m:oMath xmlns:m="http://schemas.openxmlformats.org/officeDocument/2006/math">
+                        <m:r>
+                          <a:rPr lang="en-US" altLang="ja-JP" i="1">
+                            <a:latin typeface="Cambria Math" panose="02040503050406030204" pitchFamily="18" charset="0"/>
+                          </a:rPr>
+                          <m:t>𝑧</m:t>
+                        </m:r>
+                        <m:r>
+                          <a:rPr lang="en-US" altLang="ja-JP" smtClean="0">
+                            <a:latin typeface="Cambria Math" panose="02040503050406030204" pitchFamily="18" charset="0"/>
+                          </a:rPr>
+                          <m:t> </m:t>
+                        </m:r>
+                      </m:oMath>
+                    </a14:m>
+                    <a:r>
+                      <a:rPr lang="en-US" altLang="ja-JP" dirty="0"/>
+                      <a:t>variance, </a:t>
+                    </a:r>
+                    <a14:m>
+                      <m:oMath xmlns:m="http://schemas.openxmlformats.org/officeDocument/2006/math">
+                        <m:r>
+                          <a:rPr lang="en-US" altLang="ja-JP" i="1">
+                            <a:latin typeface="Cambria Math" panose="02040503050406030204" pitchFamily="18" charset="0"/>
+                          </a:rPr>
+                          <m:t>𝑧</m:t>
+                        </m:r>
+                        <m:r>
+                          <a:rPr lang="en-US" altLang="ja-JP" smtClean="0">
+                            <a:latin typeface="Cambria Math" panose="02040503050406030204" pitchFamily="18" charset="0"/>
+                          </a:rPr>
+                          <m:t> </m:t>
+                        </m:r>
+                      </m:oMath>
+                    </a14:m>
+                    <a:r>
+                      <a:rPr lang="en-US" altLang="ja-JP" dirty="0"/>
+                      <a:t>max, </a:t>
+                    </a:r>
+                    <a14:m>
+                      <m:oMath xmlns:m="http://schemas.openxmlformats.org/officeDocument/2006/math">
+                        <m:r>
+                          <a:rPr lang="en-US" altLang="ja-JP" i="1">
+                            <a:latin typeface="Cambria Math" panose="02040503050406030204" pitchFamily="18" charset="0"/>
+                          </a:rPr>
+                          <m:t>𝑧</m:t>
+                        </m:r>
+                        <m:r>
+                          <a:rPr lang="en-US" altLang="ja-JP" smtClean="0">
+                            <a:latin typeface="Cambria Math" panose="02040503050406030204" pitchFamily="18" charset="0"/>
+                          </a:rPr>
+                          <m:t> </m:t>
+                        </m:r>
+                      </m:oMath>
+                    </a14:m>
+                    <a:r>
+                      <a:rPr lang="en-US" altLang="ja-JP" dirty="0"/>
+                      <a:t>min, </a:t>
+                    </a:r>
+                    <a14:m>
+                      <m:oMath xmlns:m="http://schemas.openxmlformats.org/officeDocument/2006/math">
+                        <m:r>
+                          <a:rPr lang="en-US" altLang="ja-JP" i="1">
+                            <a:latin typeface="Cambria Math" panose="02040503050406030204" pitchFamily="18" charset="0"/>
+                          </a:rPr>
+                          <m:t>𝑧</m:t>
+                        </m:r>
+                        <m:r>
+                          <a:rPr lang="en-US" altLang="ja-JP" smtClean="0">
+                            <a:latin typeface="Cambria Math" panose="02040503050406030204" pitchFamily="18" charset="0"/>
+                          </a:rPr>
+                          <m:t> </m:t>
+                        </m:r>
+                      </m:oMath>
+                    </a14:m>
+                    <a:r>
+                      <a:rPr lang="en-US" altLang="ja-JP"/>
+                      <a:t>root </a:t>
+                    </a:r>
+                    <a:r>
+                      <a:rPr lang="en-US" altLang="ja-JP" dirty="0"/>
+                      <a:t>mean square,</a:t>
+                    </a:r>
+                  </a:p>
+                  <a:p>
+                    <a:pPr algn="ctr"/>
+                    <a14:m>
+                      <m:oMath xmlns:m="http://schemas.openxmlformats.org/officeDocument/2006/math">
+                        <m:r>
+                          <a:rPr lang="en-US" altLang="ja-JP" i="1">
+                            <a:latin typeface="Cambria Math" panose="02040503050406030204" pitchFamily="18" charset="0"/>
+                          </a:rPr>
+                          <m:t>𝑧</m:t>
+                        </m:r>
+                        <m:r>
+                          <a:rPr lang="en-US" altLang="ja-JP" smtClean="0">
+                            <a:latin typeface="Cambria Math" panose="02040503050406030204" pitchFamily="18" charset="0"/>
+                          </a:rPr>
+                          <m:t> </m:t>
+                        </m:r>
+                      </m:oMath>
+                    </a14:m>
+                    <a:r>
+                      <a:rPr lang="en-US" altLang="ja-JP" dirty="0"/>
+                      <a:t>interquartile range, </a:t>
+                    </a:r>
+                  </a:p>
+                  <a:p>
+                    <a:pPr algn="ctr"/>
+                    <a14:m>
+                      <m:oMath xmlns:m="http://schemas.openxmlformats.org/officeDocument/2006/math">
+                        <m:r>
+                          <a:rPr lang="en-US" altLang="ja-JP" i="1">
+                            <a:latin typeface="Cambria Math" panose="02040503050406030204" pitchFamily="18" charset="0"/>
+                          </a:rPr>
+                          <m:t>𝑧</m:t>
+                        </m:r>
+                      </m:oMath>
+                    </a14:m>
+                    <a:r>
+                      <a:rPr lang="ja-JP" altLang="en-US" dirty="0"/>
+                      <a:t> </a:t>
+                    </a:r>
+                    <a:r>
+                      <a:rPr lang="en-US" altLang="ja-JP"/>
+                      <a:t>zero crossing </a:t>
+                    </a:r>
+                    <a:r>
+                      <a:rPr lang="en-US" altLang="ja-JP" dirty="0"/>
+                      <a:t>rate</a:t>
+                    </a:r>
+                    <a:endParaRPr lang="ja-JP" altLang="en-US" dirty="0"/>
+                  </a:p>
+                </p:txBody>
+              </p:sp>
+            </mc:Choice>
+            <mc:Fallback>
+              <p:sp>
+                <p:nvSpPr>
+                  <p:cNvPr id="33" name="テキスト ボックス 32">
+                    <a:extLst>
+                      <a:ext uri="{FF2B5EF4-FFF2-40B4-BE49-F238E27FC236}">
+                        <a16:creationId xmlns:a16="http://schemas.microsoft.com/office/drawing/2014/main" id="{8C5ED3BD-B6CC-417F-A5AD-3D54F491E3B1}"/>
+                      </a:ext>
+                    </a:extLst>
+                  </p:cNvPr>
+                  <p:cNvSpPr txBox="1">
+                    <a:spLocks noRot="1" noChangeAspect="1" noMove="1" noResize="1" noEditPoints="1" noAdjustHandles="1" noChangeArrowheads="1" noChangeShapeType="1" noTextEdit="1"/>
+                  </p:cNvSpPr>
+                  <p:nvPr/>
+                </p:nvSpPr>
+                <p:spPr>
+                  <a:xfrm>
+                    <a:off x="8108372" y="5076203"/>
+                    <a:ext cx="3473336" cy="1231106"/>
+                  </a:xfrm>
+                  <a:prstGeom prst="rect">
+                    <a:avLst/>
+                  </a:prstGeom>
+                  <a:blipFill>
+                    <a:blip r:embed="rId7"/>
+                    <a:stretch>
+                      <a:fillRect t="-3077" r="-898" b="-8205"/>
+                    </a:stretch>
+                  </a:blipFill>
+                </p:spPr>
+                <p:txBody>
+                  <a:bodyPr/>
+                  <a:lstStyle/>
+                  <a:p>
+                    <a:r>
+                      <a:rPr lang="ja-JP" altLang="en-US">
+                        <a:noFill/>
+                      </a:rPr>
+                      <a:t> </a:t>
+                    </a:r>
+                  </a:p>
+                </p:txBody>
+              </p:sp>
+            </mc:Fallback>
+          </mc:AlternateContent>
+          <p:sp>
+            <p:nvSpPr>
+              <p:cNvPr id="39" name="正方形/長方形 38">
+                <a:extLst>
+                  <a:ext uri="{FF2B5EF4-FFF2-40B4-BE49-F238E27FC236}">
+                    <a16:creationId xmlns:a16="http://schemas.microsoft.com/office/drawing/2014/main" id="{0A7275D3-9D07-4BFE-9F83-5741F2C111EA}"/>
+                  </a:ext>
+                </a:extLst>
+              </p:cNvPr>
+              <p:cNvSpPr/>
+              <p:nvPr/>
+            </p:nvSpPr>
+            <p:spPr>
+              <a:xfrm>
+                <a:off x="8108372" y="5092867"/>
+                <a:ext cx="3473336" cy="1197779"/>
+              </a:xfrm>
+              <a:prstGeom prst="rect">
+                <a:avLst/>
+              </a:prstGeom>
+              <a:noFill/>
+              <a:ln>
+                <a:solidFill>
+                  <a:schemeClr val="tx1"/>
+                </a:solidFill>
+              </a:ln>
+            </p:spPr>
+            <p:style>
+              <a:lnRef idx="2">
+                <a:schemeClr val="accent1">
+                  <a:shade val="50000"/>
+                </a:schemeClr>
+              </a:lnRef>
+              <a:fillRef idx="1">
+                <a:schemeClr val="accent1"/>
+              </a:fillRef>
+              <a:effectRef idx="0">
+                <a:schemeClr val="accent1"/>
+              </a:effectRef>
+              <a:fontRef idx="minor">
+                <a:schemeClr val="lt1"/>
+              </a:fontRef>
+            </p:style>
+            <p:txBody>
+              <a:bodyPr rtlCol="0" anchor="ctr"/>
+              <a:lstStyle/>
+              <a:p>
+                <a:pPr algn="ctr"/>
+                <a:endParaRPr lang="ja-JP" altLang="en-US"/>
+              </a:p>
+            </p:txBody>
+          </p:sp>
+        </p:grpSp>
+        <p:cxnSp>
+          <p:nvCxnSpPr>
+            <p:cNvPr id="44" name="直線矢印コネクタ 43">
+              <a:extLst>
+                <a:ext uri="{FF2B5EF4-FFF2-40B4-BE49-F238E27FC236}">
+                  <a16:creationId xmlns:a16="http://schemas.microsoft.com/office/drawing/2014/main" id="{1691B96D-A5F2-463B-A846-56F9CA6C57B3}"/>
+                </a:ext>
+              </a:extLst>
+            </p:cNvPr>
+            <p:cNvCxnSpPr>
+              <a:stCxn id="25" idx="2"/>
+            </p:cNvCxnSpPr>
+            <p:nvPr/>
+          </p:nvCxnSpPr>
+          <p:spPr>
+            <a:xfrm>
+              <a:off x="1682628" y="3448180"/>
+              <a:ext cx="209209" cy="293473"/>
+            </a:xfrm>
+            <a:prstGeom prst="straightConnector1">
+              <a:avLst/>
+            </a:prstGeom>
+            <a:ln>
+              <a:tailEnd type="triangle"/>
+            </a:ln>
+          </p:spPr>
+          <p:style>
+            <a:lnRef idx="1">
+              <a:schemeClr val="dk1"/>
+            </a:lnRef>
+            <a:fillRef idx="0">
+              <a:schemeClr val="dk1"/>
+            </a:fillRef>
+            <a:effectRef idx="0">
+              <a:schemeClr val="dk1"/>
+            </a:effectRef>
+            <a:fontRef idx="minor">
+              <a:schemeClr val="tx1"/>
+            </a:fontRef>
+          </p:style>
+        </p:cxnSp>
+        <p:cxnSp>
+          <p:nvCxnSpPr>
+            <p:cNvPr id="46" name="直線矢印コネクタ 45">
+              <a:extLst>
+                <a:ext uri="{FF2B5EF4-FFF2-40B4-BE49-F238E27FC236}">
+                  <a16:creationId xmlns:a16="http://schemas.microsoft.com/office/drawing/2014/main" id="{07438990-BC96-4C41-A276-113EB2714890}"/>
+                </a:ext>
+              </a:extLst>
+            </p:cNvPr>
+            <p:cNvCxnSpPr>
+              <a:cxnSpLocks/>
+            </p:cNvCxnSpPr>
+            <p:nvPr/>
+          </p:nvCxnSpPr>
+          <p:spPr>
+            <a:xfrm>
+              <a:off x="2097568" y="3214398"/>
+              <a:ext cx="213371" cy="537621"/>
+            </a:xfrm>
+            <a:prstGeom prst="straightConnector1">
+              <a:avLst/>
+            </a:prstGeom>
+            <a:ln>
+              <a:tailEnd type="triangle"/>
+            </a:ln>
+          </p:spPr>
+          <p:style>
+            <a:lnRef idx="1">
+              <a:schemeClr val="dk1"/>
+            </a:lnRef>
+            <a:fillRef idx="0">
+              <a:schemeClr val="dk1"/>
+            </a:fillRef>
+            <a:effectRef idx="0">
+              <a:schemeClr val="dk1"/>
+            </a:effectRef>
+            <a:fontRef idx="minor">
+              <a:schemeClr val="tx1"/>
+            </a:fontRef>
+          </p:style>
+        </p:cxnSp>
+        <p:cxnSp>
+          <p:nvCxnSpPr>
+            <p:cNvPr id="49" name="直線矢印コネクタ 48">
+              <a:extLst>
+                <a:ext uri="{FF2B5EF4-FFF2-40B4-BE49-F238E27FC236}">
+                  <a16:creationId xmlns:a16="http://schemas.microsoft.com/office/drawing/2014/main" id="{584BCC0E-18CE-4C93-96ED-BBC019A8A418}"/>
+                </a:ext>
+              </a:extLst>
+            </p:cNvPr>
+            <p:cNvCxnSpPr>
+              <a:endCxn id="35" idx="0"/>
+            </p:cNvCxnSpPr>
+            <p:nvPr/>
+          </p:nvCxnSpPr>
+          <p:spPr>
+            <a:xfrm>
+              <a:off x="2774371" y="3221153"/>
+              <a:ext cx="1" cy="525569"/>
+            </a:xfrm>
+            <a:prstGeom prst="straightConnector1">
+              <a:avLst/>
+            </a:prstGeom>
+            <a:ln>
+              <a:tailEnd type="triangle"/>
+            </a:ln>
+          </p:spPr>
+          <p:style>
+            <a:lnRef idx="1">
+              <a:schemeClr val="dk1"/>
+            </a:lnRef>
+            <a:fillRef idx="0">
+              <a:schemeClr val="dk1"/>
+            </a:fillRef>
+            <a:effectRef idx="0">
+              <a:schemeClr val="dk1"/>
+            </a:effectRef>
+            <a:fontRef idx="minor">
+              <a:schemeClr val="tx1"/>
+            </a:fontRef>
+          </p:style>
+        </p:cxnSp>
+        <p:cxnSp>
+          <p:nvCxnSpPr>
+            <p:cNvPr id="51" name="直線矢印コネクタ 50">
+              <a:extLst>
+                <a:ext uri="{FF2B5EF4-FFF2-40B4-BE49-F238E27FC236}">
+                  <a16:creationId xmlns:a16="http://schemas.microsoft.com/office/drawing/2014/main" id="{9B60EC53-34F6-4503-AAB1-99AE233D4A3E}"/>
+                </a:ext>
+              </a:extLst>
+            </p:cNvPr>
+            <p:cNvCxnSpPr>
+              <a:cxnSpLocks/>
+            </p:cNvCxnSpPr>
+            <p:nvPr/>
+          </p:nvCxnSpPr>
+          <p:spPr>
+            <a:xfrm flipH="1">
+              <a:off x="3330627" y="3221153"/>
+              <a:ext cx="210938" cy="526952"/>
+            </a:xfrm>
+            <a:prstGeom prst="straightConnector1">
+              <a:avLst/>
+            </a:prstGeom>
+            <a:ln>
+              <a:tailEnd type="triangle"/>
+            </a:ln>
+          </p:spPr>
+          <p:style>
+            <a:lnRef idx="1">
+              <a:schemeClr val="dk1"/>
+            </a:lnRef>
+            <a:fillRef idx="0">
+              <a:schemeClr val="dk1"/>
+            </a:fillRef>
+            <a:effectRef idx="0">
+              <a:schemeClr val="dk1"/>
+            </a:effectRef>
+            <a:fontRef idx="minor">
+              <a:schemeClr val="tx1"/>
+            </a:fontRef>
+          </p:style>
+        </p:cxnSp>
+        <p:cxnSp>
+          <p:nvCxnSpPr>
+            <p:cNvPr id="58" name="直線矢印コネクタ 57">
+              <a:extLst>
+                <a:ext uri="{FF2B5EF4-FFF2-40B4-BE49-F238E27FC236}">
+                  <a16:creationId xmlns:a16="http://schemas.microsoft.com/office/drawing/2014/main" id="{DBEF25CE-D768-4889-B17C-5078B7D105A8}"/>
+                </a:ext>
+              </a:extLst>
+            </p:cNvPr>
+            <p:cNvCxnSpPr/>
+            <p:nvPr/>
+          </p:nvCxnSpPr>
+          <p:spPr>
+            <a:xfrm flipH="1">
+              <a:off x="3832168" y="3235735"/>
+              <a:ext cx="399011" cy="505918"/>
+            </a:xfrm>
+            <a:prstGeom prst="straightConnector1">
+              <a:avLst/>
+            </a:prstGeom>
+            <a:ln>
+              <a:tailEnd type="triangle"/>
+            </a:ln>
+          </p:spPr>
+          <p:style>
+            <a:lnRef idx="1">
+              <a:schemeClr val="dk1"/>
+            </a:lnRef>
+            <a:fillRef idx="0">
+              <a:schemeClr val="dk1"/>
+            </a:fillRef>
+            <a:effectRef idx="0">
+              <a:schemeClr val="dk1"/>
+            </a:effectRef>
+            <a:fontRef idx="minor">
+              <a:schemeClr val="tx1"/>
+            </a:fontRef>
+          </p:style>
+        </p:cxnSp>
+        <p:cxnSp>
+          <p:nvCxnSpPr>
+            <p:cNvPr id="59" name="直線矢印コネクタ 58">
+              <a:extLst>
+                <a:ext uri="{FF2B5EF4-FFF2-40B4-BE49-F238E27FC236}">
+                  <a16:creationId xmlns:a16="http://schemas.microsoft.com/office/drawing/2014/main" id="{8EEBBB05-3B83-45A0-AEDA-2C177C067597}"/>
+                </a:ext>
+              </a:extLst>
+            </p:cNvPr>
+            <p:cNvCxnSpPr>
+              <a:cxnSpLocks/>
+            </p:cNvCxnSpPr>
+            <p:nvPr/>
+          </p:nvCxnSpPr>
+          <p:spPr>
+            <a:xfrm>
+              <a:off x="4926163" y="3235735"/>
+              <a:ext cx="390863" cy="484581"/>
+            </a:xfrm>
+            <a:prstGeom prst="straightConnector1">
+              <a:avLst/>
+            </a:prstGeom>
+            <a:ln>
+              <a:tailEnd type="triangle"/>
+            </a:ln>
+          </p:spPr>
+          <p:style>
+            <a:lnRef idx="1">
+              <a:schemeClr val="dk1"/>
+            </a:lnRef>
+            <a:fillRef idx="0">
+              <a:schemeClr val="dk1"/>
+            </a:fillRef>
+            <a:effectRef idx="0">
+              <a:schemeClr val="dk1"/>
+            </a:effectRef>
+            <a:fontRef idx="minor">
+              <a:schemeClr val="tx1"/>
+            </a:fontRef>
+          </p:style>
+        </p:cxnSp>
+        <p:cxnSp>
+          <p:nvCxnSpPr>
+            <p:cNvPr id="60" name="直線矢印コネクタ 59">
+              <a:extLst>
+                <a:ext uri="{FF2B5EF4-FFF2-40B4-BE49-F238E27FC236}">
+                  <a16:creationId xmlns:a16="http://schemas.microsoft.com/office/drawing/2014/main" id="{E94085F3-CB43-40AF-A886-58BD7240BA85}"/>
+                </a:ext>
+              </a:extLst>
+            </p:cNvPr>
+            <p:cNvCxnSpPr>
+              <a:cxnSpLocks/>
+            </p:cNvCxnSpPr>
+            <p:nvPr/>
+          </p:nvCxnSpPr>
+          <p:spPr>
+            <a:xfrm>
+              <a:off x="5522757" y="3193061"/>
+              <a:ext cx="213371" cy="537621"/>
+            </a:xfrm>
+            <a:prstGeom prst="straightConnector1">
+              <a:avLst/>
+            </a:prstGeom>
+            <a:ln>
+              <a:tailEnd type="triangle"/>
+            </a:ln>
+          </p:spPr>
+          <p:style>
+            <a:lnRef idx="1">
+              <a:schemeClr val="dk1"/>
+            </a:lnRef>
+            <a:fillRef idx="0">
+              <a:schemeClr val="dk1"/>
+            </a:fillRef>
+            <a:effectRef idx="0">
+              <a:schemeClr val="dk1"/>
+            </a:effectRef>
+            <a:fontRef idx="minor">
+              <a:schemeClr val="tx1"/>
+            </a:fontRef>
+          </p:style>
+        </p:cxnSp>
+        <p:cxnSp>
+          <p:nvCxnSpPr>
+            <p:cNvPr id="61" name="直線矢印コネクタ 60">
+              <a:extLst>
+                <a:ext uri="{FF2B5EF4-FFF2-40B4-BE49-F238E27FC236}">
+                  <a16:creationId xmlns:a16="http://schemas.microsoft.com/office/drawing/2014/main" id="{AEBBDFB7-AA90-4B9E-9901-CCC89FB4AFB4}"/>
+                </a:ext>
+              </a:extLst>
+            </p:cNvPr>
+            <p:cNvCxnSpPr/>
+            <p:nvPr/>
+          </p:nvCxnSpPr>
+          <p:spPr>
+            <a:xfrm>
+              <a:off x="6199560" y="3199816"/>
+              <a:ext cx="1" cy="525569"/>
+            </a:xfrm>
+            <a:prstGeom prst="straightConnector1">
+              <a:avLst/>
+            </a:prstGeom>
+            <a:ln>
+              <a:tailEnd type="triangle"/>
+            </a:ln>
+          </p:spPr>
+          <p:style>
+            <a:lnRef idx="1">
+              <a:schemeClr val="dk1"/>
+            </a:lnRef>
+            <a:fillRef idx="0">
+              <a:schemeClr val="dk1"/>
+            </a:fillRef>
+            <a:effectRef idx="0">
+              <a:schemeClr val="dk1"/>
+            </a:effectRef>
+            <a:fontRef idx="minor">
+              <a:schemeClr val="tx1"/>
+            </a:fontRef>
+          </p:style>
+        </p:cxnSp>
+        <p:cxnSp>
+          <p:nvCxnSpPr>
+            <p:cNvPr id="62" name="直線矢印コネクタ 61">
+              <a:extLst>
+                <a:ext uri="{FF2B5EF4-FFF2-40B4-BE49-F238E27FC236}">
+                  <a16:creationId xmlns:a16="http://schemas.microsoft.com/office/drawing/2014/main" id="{516FFDA8-AEC9-4C77-A5E6-C779EAFB73B5}"/>
+                </a:ext>
+              </a:extLst>
+            </p:cNvPr>
+            <p:cNvCxnSpPr>
+              <a:cxnSpLocks/>
+            </p:cNvCxnSpPr>
+            <p:nvPr/>
+          </p:nvCxnSpPr>
+          <p:spPr>
+            <a:xfrm flipH="1">
+              <a:off x="6755816" y="3199816"/>
+              <a:ext cx="210938" cy="526952"/>
+            </a:xfrm>
+            <a:prstGeom prst="straightConnector1">
+              <a:avLst/>
+            </a:prstGeom>
+            <a:ln>
+              <a:tailEnd type="triangle"/>
+            </a:ln>
+          </p:spPr>
+          <p:style>
+            <a:lnRef idx="1">
+              <a:schemeClr val="dk1"/>
+            </a:lnRef>
+            <a:fillRef idx="0">
+              <a:schemeClr val="dk1"/>
+            </a:fillRef>
+            <a:effectRef idx="0">
+              <a:schemeClr val="dk1"/>
+            </a:effectRef>
+            <a:fontRef idx="minor">
+              <a:schemeClr val="tx1"/>
+            </a:fontRef>
+          </p:style>
+        </p:cxnSp>
+        <p:cxnSp>
+          <p:nvCxnSpPr>
+            <p:cNvPr id="63" name="直線矢印コネクタ 62">
+              <a:extLst>
+                <a:ext uri="{FF2B5EF4-FFF2-40B4-BE49-F238E27FC236}">
+                  <a16:creationId xmlns:a16="http://schemas.microsoft.com/office/drawing/2014/main" id="{CDA24638-4A8C-467F-9626-9BACDBB7A754}"/>
+                </a:ext>
+              </a:extLst>
+            </p:cNvPr>
+            <p:cNvCxnSpPr/>
+            <p:nvPr/>
+          </p:nvCxnSpPr>
+          <p:spPr>
+            <a:xfrm flipH="1">
+              <a:off x="7257357" y="3214398"/>
+              <a:ext cx="399011" cy="505918"/>
+            </a:xfrm>
+            <a:prstGeom prst="straightConnector1">
+              <a:avLst/>
+            </a:prstGeom>
+            <a:ln>
+              <a:tailEnd type="triangle"/>
+            </a:ln>
+          </p:spPr>
+          <p:style>
+            <a:lnRef idx="1">
+              <a:schemeClr val="dk1"/>
+            </a:lnRef>
+            <a:fillRef idx="0">
+              <a:schemeClr val="dk1"/>
+            </a:fillRef>
+            <a:effectRef idx="0">
+              <a:schemeClr val="dk1"/>
+            </a:effectRef>
+            <a:fontRef idx="minor">
+              <a:schemeClr val="tx1"/>
+            </a:fontRef>
+          </p:style>
+        </p:cxnSp>
+        <p:cxnSp>
+          <p:nvCxnSpPr>
+            <p:cNvPr id="73" name="直線矢印コネクタ 72">
+              <a:extLst>
+                <a:ext uri="{FF2B5EF4-FFF2-40B4-BE49-F238E27FC236}">
+                  <a16:creationId xmlns:a16="http://schemas.microsoft.com/office/drawing/2014/main" id="{9E4830BB-3A33-4E68-AD66-E7F0F2E41F84}"/>
+                </a:ext>
+              </a:extLst>
+            </p:cNvPr>
+            <p:cNvCxnSpPr>
+              <a:cxnSpLocks/>
+            </p:cNvCxnSpPr>
+            <p:nvPr/>
+          </p:nvCxnSpPr>
+          <p:spPr>
+            <a:xfrm>
+              <a:off x="8351352" y="3263827"/>
+              <a:ext cx="390863" cy="484581"/>
+            </a:xfrm>
+            <a:prstGeom prst="straightConnector1">
+              <a:avLst/>
+            </a:prstGeom>
+            <a:ln>
+              <a:tailEnd type="triangle"/>
+            </a:ln>
+          </p:spPr>
+          <p:style>
+            <a:lnRef idx="1">
+              <a:schemeClr val="dk1"/>
+            </a:lnRef>
+            <a:fillRef idx="0">
+              <a:schemeClr val="dk1"/>
+            </a:fillRef>
+            <a:effectRef idx="0">
+              <a:schemeClr val="dk1"/>
+            </a:effectRef>
+            <a:fontRef idx="minor">
+              <a:schemeClr val="tx1"/>
+            </a:fontRef>
+          </p:style>
+        </p:cxnSp>
+        <p:cxnSp>
+          <p:nvCxnSpPr>
+            <p:cNvPr id="74" name="直線矢印コネクタ 73">
+              <a:extLst>
+                <a:ext uri="{FF2B5EF4-FFF2-40B4-BE49-F238E27FC236}">
+                  <a16:creationId xmlns:a16="http://schemas.microsoft.com/office/drawing/2014/main" id="{2D7AB589-4CA0-4CD2-A0B5-6E406439BBE4}"/>
+                </a:ext>
+              </a:extLst>
+            </p:cNvPr>
+            <p:cNvCxnSpPr>
+              <a:cxnSpLocks/>
+            </p:cNvCxnSpPr>
+            <p:nvPr/>
+          </p:nvCxnSpPr>
+          <p:spPr>
+            <a:xfrm>
+              <a:off x="8947946" y="3221153"/>
+              <a:ext cx="213371" cy="537621"/>
+            </a:xfrm>
+            <a:prstGeom prst="straightConnector1">
+              <a:avLst/>
+            </a:prstGeom>
+            <a:ln>
+              <a:tailEnd type="triangle"/>
+            </a:ln>
+          </p:spPr>
+          <p:style>
+            <a:lnRef idx="1">
+              <a:schemeClr val="dk1"/>
+            </a:lnRef>
+            <a:fillRef idx="0">
+              <a:schemeClr val="dk1"/>
+            </a:fillRef>
+            <a:effectRef idx="0">
+              <a:schemeClr val="dk1"/>
+            </a:effectRef>
+            <a:fontRef idx="minor">
+              <a:schemeClr val="tx1"/>
+            </a:fontRef>
+          </p:style>
+        </p:cxnSp>
+        <p:cxnSp>
+          <p:nvCxnSpPr>
+            <p:cNvPr id="75" name="直線矢印コネクタ 74">
+              <a:extLst>
+                <a:ext uri="{FF2B5EF4-FFF2-40B4-BE49-F238E27FC236}">
+                  <a16:creationId xmlns:a16="http://schemas.microsoft.com/office/drawing/2014/main" id="{F8FBBEBB-F936-4A21-8C46-A2618A084730}"/>
+                </a:ext>
+              </a:extLst>
+            </p:cNvPr>
+            <p:cNvCxnSpPr/>
+            <p:nvPr/>
+          </p:nvCxnSpPr>
+          <p:spPr>
+            <a:xfrm>
+              <a:off x="9624749" y="3227908"/>
+              <a:ext cx="1" cy="525569"/>
+            </a:xfrm>
+            <a:prstGeom prst="straightConnector1">
+              <a:avLst/>
+            </a:prstGeom>
+            <a:ln>
+              <a:tailEnd type="triangle"/>
+            </a:ln>
+          </p:spPr>
+          <p:style>
+            <a:lnRef idx="1">
+              <a:schemeClr val="dk1"/>
+            </a:lnRef>
+            <a:fillRef idx="0">
+              <a:schemeClr val="dk1"/>
+            </a:fillRef>
+            <a:effectRef idx="0">
+              <a:schemeClr val="dk1"/>
+            </a:effectRef>
+            <a:fontRef idx="minor">
+              <a:schemeClr val="tx1"/>
+            </a:fontRef>
+          </p:style>
+        </p:cxnSp>
+        <p:cxnSp>
+          <p:nvCxnSpPr>
+            <p:cNvPr id="76" name="直線矢印コネクタ 75">
+              <a:extLst>
+                <a:ext uri="{FF2B5EF4-FFF2-40B4-BE49-F238E27FC236}">
+                  <a16:creationId xmlns:a16="http://schemas.microsoft.com/office/drawing/2014/main" id="{9D5E2CE5-D07B-4130-BA70-21731773730C}"/>
+                </a:ext>
+              </a:extLst>
+            </p:cNvPr>
+            <p:cNvCxnSpPr>
+              <a:cxnSpLocks/>
+            </p:cNvCxnSpPr>
+            <p:nvPr/>
+          </p:nvCxnSpPr>
+          <p:spPr>
+            <a:xfrm flipH="1">
+              <a:off x="10181005" y="3227908"/>
+              <a:ext cx="210938" cy="526952"/>
+            </a:xfrm>
+            <a:prstGeom prst="straightConnector1">
+              <a:avLst/>
+            </a:prstGeom>
+            <a:ln>
+              <a:tailEnd type="triangle"/>
+            </a:ln>
+          </p:spPr>
+          <p:style>
+            <a:lnRef idx="1">
+              <a:schemeClr val="dk1"/>
+            </a:lnRef>
+            <a:fillRef idx="0">
+              <a:schemeClr val="dk1"/>
+            </a:fillRef>
+            <a:effectRef idx="0">
+              <a:schemeClr val="dk1"/>
+            </a:effectRef>
+            <a:fontRef idx="minor">
+              <a:schemeClr val="tx1"/>
+            </a:fontRef>
+          </p:style>
+        </p:cxnSp>
+        <p:cxnSp>
+          <p:nvCxnSpPr>
+            <p:cNvPr id="77" name="直線矢印コネクタ 76">
+              <a:extLst>
+                <a:ext uri="{FF2B5EF4-FFF2-40B4-BE49-F238E27FC236}">
+                  <a16:creationId xmlns:a16="http://schemas.microsoft.com/office/drawing/2014/main" id="{924D2C97-E8A9-4FD9-BD12-52256EAFF1A2}"/>
+                </a:ext>
+              </a:extLst>
+            </p:cNvPr>
+            <p:cNvCxnSpPr/>
+            <p:nvPr/>
+          </p:nvCxnSpPr>
+          <p:spPr>
+            <a:xfrm flipH="1">
+              <a:off x="10682546" y="3242490"/>
+              <a:ext cx="399011" cy="505918"/>
+            </a:xfrm>
+            <a:prstGeom prst="straightConnector1">
+              <a:avLst/>
+            </a:prstGeom>
+            <a:ln>
+              <a:tailEnd type="triangle"/>
+            </a:ln>
+          </p:spPr>
+          <p:style>
+            <a:lnRef idx="1">
+              <a:schemeClr val="dk1"/>
+            </a:lnRef>
+            <a:fillRef idx="0">
+              <a:schemeClr val="dk1"/>
+            </a:fillRef>
+            <a:effectRef idx="0">
+              <a:schemeClr val="dk1"/>
+            </a:effectRef>
+            <a:fontRef idx="minor">
+              <a:schemeClr val="tx1"/>
+            </a:fontRef>
+          </p:style>
+        </p:cxnSp>
+        <p:grpSp>
+          <p:nvGrpSpPr>
+            <p:cNvPr id="82" name="グループ化 81">
+              <a:extLst>
+                <a:ext uri="{FF2B5EF4-FFF2-40B4-BE49-F238E27FC236}">
+                  <a16:creationId xmlns:a16="http://schemas.microsoft.com/office/drawing/2014/main" id="{D16249CF-0A44-47F4-9EAC-07D5949FEBE6}"/>
+                </a:ext>
+              </a:extLst>
+            </p:cNvPr>
+            <p:cNvGrpSpPr/>
+            <p:nvPr/>
+          </p:nvGrpSpPr>
+          <p:grpSpPr>
+            <a:xfrm>
+              <a:off x="2720323" y="5616000"/>
+              <a:ext cx="6957753" cy="461665"/>
+              <a:chOff x="3009207" y="5752407"/>
+              <a:chExt cx="6957753" cy="461665"/>
+            </a:xfrm>
+          </p:grpSpPr>
+          <p:sp>
+            <p:nvSpPr>
+              <p:cNvPr id="78" name="正方形/長方形 77">
+                <a:extLst>
+                  <a:ext uri="{FF2B5EF4-FFF2-40B4-BE49-F238E27FC236}">
+                    <a16:creationId xmlns:a16="http://schemas.microsoft.com/office/drawing/2014/main" id="{0057DF69-FF1C-4A78-961E-64FF0597F400}"/>
+                  </a:ext>
+                </a:extLst>
+              </p:cNvPr>
+              <p:cNvSpPr/>
+              <p:nvPr/>
+            </p:nvSpPr>
+            <p:spPr>
+              <a:xfrm>
+                <a:off x="3009207" y="5752407"/>
+                <a:ext cx="6957753" cy="461665"/>
+              </a:xfrm>
+              <a:prstGeom prst="rect">
+                <a:avLst/>
+              </a:prstGeom>
+              <a:noFill/>
+              <a:ln>
+                <a:solidFill>
+                  <a:schemeClr val="tx1"/>
+                </a:solidFill>
+              </a:ln>
+            </p:spPr>
+            <p:style>
+              <a:lnRef idx="2">
+                <a:schemeClr val="accent1">
+                  <a:shade val="50000"/>
+                </a:schemeClr>
+              </a:lnRef>
+              <a:fillRef idx="1">
+                <a:schemeClr val="accent1"/>
+              </a:fillRef>
+              <a:effectRef idx="0">
+                <a:schemeClr val="accent1"/>
+              </a:effectRef>
+              <a:fontRef idx="minor">
+                <a:schemeClr val="lt1"/>
+              </a:fontRef>
+            </p:style>
+            <p:txBody>
+              <a:bodyPr rtlCol="0" anchor="ctr"/>
+              <a:lstStyle/>
+              <a:p>
+                <a:pPr algn="ctr"/>
+                <a:endParaRPr kumimoji="1" lang="ja-JP" altLang="en-US"/>
+              </a:p>
+            </p:txBody>
+          </p:sp>
+          <p:sp>
+            <p:nvSpPr>
+              <p:cNvPr id="80" name="テキスト ボックス 79">
+                <a:extLst>
+                  <a:ext uri="{FF2B5EF4-FFF2-40B4-BE49-F238E27FC236}">
+                    <a16:creationId xmlns:a16="http://schemas.microsoft.com/office/drawing/2014/main" id="{C49C9BD6-3765-4CCB-8E26-C04565AD75FE}"/>
+                  </a:ext>
+                </a:extLst>
+              </p:cNvPr>
+              <p:cNvSpPr txBox="1"/>
+              <p:nvPr/>
+            </p:nvSpPr>
+            <p:spPr>
+              <a:xfrm>
+                <a:off x="3009207" y="5752407"/>
+                <a:ext cx="6957753" cy="461665"/>
+              </a:xfrm>
+              <a:prstGeom prst="rect">
+                <a:avLst/>
+              </a:prstGeom>
+              <a:noFill/>
+            </p:spPr>
+            <p:txBody>
+              <a:bodyPr wrap="square" rtlCol="0">
+                <a:spAutoFit/>
+              </a:bodyPr>
+              <a:lstStyle/>
+              <a:p>
+                <a:pPr algn="ctr"/>
+                <a:r>
+                  <a:rPr kumimoji="1" lang="en-US" altLang="ja-JP" sz="2400" b="1" dirty="0"/>
+                  <a:t>21 dimensions features</a:t>
+                </a:r>
+                <a:endParaRPr kumimoji="1" lang="ja-JP" altLang="en-US" sz="2400" b="1" dirty="0"/>
+              </a:p>
+            </p:txBody>
+          </p:sp>
+        </p:grpSp>
+        <p:cxnSp>
+          <p:nvCxnSpPr>
+            <p:cNvPr id="84" name="直線矢印コネクタ 83">
+              <a:extLst>
+                <a:ext uri="{FF2B5EF4-FFF2-40B4-BE49-F238E27FC236}">
+                  <a16:creationId xmlns:a16="http://schemas.microsoft.com/office/drawing/2014/main" id="{F2F832EA-E870-418F-9245-1BA99C4F1272}"/>
+                </a:ext>
+              </a:extLst>
+            </p:cNvPr>
+            <p:cNvCxnSpPr>
+              <a:cxnSpLocks/>
+              <a:stCxn id="35" idx="2"/>
+            </p:cNvCxnSpPr>
+            <p:nvPr/>
+          </p:nvCxnSpPr>
+          <p:spPr>
+            <a:xfrm>
+              <a:off x="2774372" y="4935390"/>
+              <a:ext cx="1562793" cy="670245"/>
+            </a:xfrm>
+            <a:prstGeom prst="straightConnector1">
+              <a:avLst/>
+            </a:prstGeom>
+            <a:ln>
+              <a:tailEnd type="triangle"/>
+            </a:ln>
+          </p:spPr>
+          <p:style>
+            <a:lnRef idx="1">
+              <a:schemeClr val="dk1"/>
+            </a:lnRef>
+            <a:fillRef idx="0">
+              <a:schemeClr val="dk1"/>
+            </a:fillRef>
+            <a:effectRef idx="0">
+              <a:schemeClr val="dk1"/>
+            </a:effectRef>
+            <a:fontRef idx="minor">
+              <a:schemeClr val="tx1"/>
+            </a:fontRef>
+          </p:style>
+        </p:cxnSp>
+        <p:cxnSp>
+          <p:nvCxnSpPr>
+            <p:cNvPr id="86" name="直線矢印コネクタ 85">
+              <a:extLst>
+                <a:ext uri="{FF2B5EF4-FFF2-40B4-BE49-F238E27FC236}">
+                  <a16:creationId xmlns:a16="http://schemas.microsoft.com/office/drawing/2014/main" id="{452F800B-51DA-4A9C-8CD5-CD8614345C60}"/>
+                </a:ext>
+              </a:extLst>
+            </p:cNvPr>
+            <p:cNvCxnSpPr>
+              <a:cxnSpLocks/>
+            </p:cNvCxnSpPr>
+            <p:nvPr/>
+          </p:nvCxnSpPr>
+          <p:spPr>
+            <a:xfrm>
+              <a:off x="6199200" y="4936626"/>
+              <a:ext cx="3170" cy="679374"/>
+            </a:xfrm>
+            <a:prstGeom prst="straightConnector1">
+              <a:avLst/>
+            </a:prstGeom>
+            <a:ln>
+              <a:tailEnd type="triangle"/>
+            </a:ln>
+          </p:spPr>
+          <p:style>
+            <a:lnRef idx="1">
+              <a:schemeClr val="dk1"/>
+            </a:lnRef>
+            <a:fillRef idx="0">
+              <a:schemeClr val="dk1"/>
+            </a:fillRef>
+            <a:effectRef idx="0">
+              <a:schemeClr val="dk1"/>
+            </a:effectRef>
+            <a:fontRef idx="minor">
+              <a:schemeClr val="tx1"/>
+            </a:fontRef>
+          </p:style>
+        </p:cxnSp>
+        <p:cxnSp>
+          <p:nvCxnSpPr>
+            <p:cNvPr id="89" name="直線矢印コネクタ 88">
+              <a:extLst>
+                <a:ext uri="{FF2B5EF4-FFF2-40B4-BE49-F238E27FC236}">
+                  <a16:creationId xmlns:a16="http://schemas.microsoft.com/office/drawing/2014/main" id="{4C7973CE-C04D-4450-8239-64B87A87406C}"/>
+                </a:ext>
+              </a:extLst>
+            </p:cNvPr>
+            <p:cNvCxnSpPr>
+              <a:cxnSpLocks/>
+            </p:cNvCxnSpPr>
+            <p:nvPr/>
+          </p:nvCxnSpPr>
+          <p:spPr>
+            <a:xfrm flipH="1">
+              <a:off x="8130536" y="4919233"/>
+              <a:ext cx="1551515" cy="686402"/>
+            </a:xfrm>
+            <a:prstGeom prst="straightConnector1">
+              <a:avLst/>
+            </a:prstGeom>
+            <a:ln>
+              <a:tailEnd type="triangle"/>
+            </a:ln>
+          </p:spPr>
+          <p:style>
+            <a:lnRef idx="1">
+              <a:schemeClr val="dk1"/>
+            </a:lnRef>
+            <a:fillRef idx="0">
+              <a:schemeClr val="dk1"/>
+            </a:fillRef>
+            <a:effectRef idx="0">
+              <a:schemeClr val="dk1"/>
+            </a:effectRef>
+            <a:fontRef idx="minor">
+              <a:schemeClr val="tx1"/>
+            </a:fontRef>
+          </p:style>
+        </p:cxnSp>
+      </p:grpSp>
+    </p:spTree>
+    <p:extLst>
+      <p:ext uri="{BB962C8B-B14F-4D97-AF65-F5344CB8AC3E}">
+        <p14:creationId xmlns:p14="http://schemas.microsoft.com/office/powerpoint/2010/main" val="2814750922"/>
+      </p:ext>
+    </p:extLst>
+  </p:cSld>
+  <p:clrMapOvr>
+    <a:masterClrMapping/>
+  </p:clrMapOvr>
+</p:sld>
+</file>
+
 <file path=ppt/theme/theme1.xml><?xml version="1.0" encoding="utf-8"?>
 <a:theme xmlns:a="http://schemas.openxmlformats.org/drawingml/2006/main" name="Office テーマ">
   <a:themeElements>
@@ -12668,76 +15262,16 @@
         <a:srgbClr val="954F72"/>
       </a:folHlink>
     </a:clrScheme>
-    <a:fontScheme name="Office">
+    <a:fontScheme name="ユーザー定義 1">
       <a:majorFont>
-        <a:latin typeface="游ゴシック Light" panose="020F0302020204030204"/>
-        <a:ea typeface=""/>
+        <a:latin typeface="Times New Roman"/>
+        <a:ea typeface="ＭＳ Ｐ明朝"/>
         <a:cs typeface=""/>
-        <a:font script="Jpan" typeface="游ゴシック Light"/>
-        <a:font script="Hang" typeface="맑은 고딕"/>
-        <a:font script="Hans" typeface="等线 Light"/>
-        <a:font script="Hant" typeface="新細明體"/>
-        <a:font script="Arab" typeface="Times New Roman"/>
-        <a:font script="Hebr" typeface="Times New Roman"/>
-        <a:font script="Thai" typeface="Angsana New"/>
-        <a:font script="Ethi" typeface="Nyala"/>
-        <a:font script="Beng" typeface="Vrinda"/>
-        <a:font script="Gujr" typeface="Shruti"/>
-        <a:font script="Khmr" typeface="MoolBoran"/>
-        <a:font script="Knda" typeface="Tunga"/>
-        <a:font script="Guru" typeface="Raavi"/>
-        <a:font script="Cans" typeface="Euphemia"/>
-        <a:font script="Cher" typeface="Plantagenet Cherokee"/>
-        <a:font script="Yiii" typeface="Microsoft Yi Baiti"/>
-        <a:font script="Tibt" typeface="Microsoft Himalaya"/>
-        <a:font script="Thaa" typeface="MV Boli"/>
-        <a:font script="Deva" typeface="Mangal"/>
-        <a:font script="Telu" typeface="Gautami"/>
-        <a:font script="Taml" typeface="Latha"/>
-        <a:font script="Syrc" typeface="Estrangelo Edessa"/>
-        <a:font script="Orya" typeface="Kalinga"/>
-        <a:font script="Mlym" typeface="Kartika"/>
-        <a:font script="Laoo" typeface="DokChampa"/>
-        <a:font script="Sinh" typeface="Iskoola Pota"/>
-        <a:font script="Mong" typeface="Mongolian Baiti"/>
-        <a:font script="Viet" typeface="Times New Roman"/>
-        <a:font script="Uigh" typeface="Microsoft Uighur"/>
-        <a:font script="Geor" typeface="Sylfaen"/>
       </a:majorFont>
       <a:minorFont>
-        <a:latin typeface="游ゴシック" panose="020F0502020204030204"/>
-        <a:ea typeface=""/>
+        <a:latin typeface="Times New Roman"/>
+        <a:ea typeface="ＭＳ Ｐゴシック"/>
         <a:cs typeface=""/>
-        <a:font script="Jpan" typeface="游ゴシック"/>
-        <a:font script="Hang" typeface="맑은 고딕"/>
-        <a:font script="Hans" typeface="等线"/>
-        <a:font script="Hant" typeface="新細明體"/>
-        <a:font script="Arab" typeface="Arial"/>
-        <a:font script="Hebr" typeface="Arial"/>
-        <a:font script="Thai" typeface="Cordia New"/>
-        <a:font script="Ethi" typeface="Nyala"/>
-        <a:font script="Beng" typeface="Vrinda"/>
-        <a:font script="Gujr" typeface="Shruti"/>
-        <a:font script="Khmr" typeface="DaunPenh"/>
-        <a:font script="Knda" typeface="Tunga"/>
-        <a:font script="Guru" typeface="Raavi"/>
-        <a:font script="Cans" typeface="Euphemia"/>
-        <a:font script="Cher" typeface="Plantagenet Cherokee"/>
-        <a:font script="Yiii" typeface="Microsoft Yi Baiti"/>
-        <a:font script="Tibt" typeface="Microsoft Himalaya"/>
-        <a:font script="Thaa" typeface="MV Boli"/>
-        <a:font script="Deva" typeface="Mangal"/>
-        <a:font script="Telu" typeface="Gautami"/>
-        <a:font script="Taml" typeface="Latha"/>
-        <a:font script="Syrc" typeface="Estrangelo Edessa"/>
-        <a:font script="Orya" typeface="Kalinga"/>
-        <a:font script="Mlym" typeface="Kartika"/>
-        <a:font script="Laoo" typeface="DokChampa"/>
-        <a:font script="Sinh" typeface="Iskoola Pota"/>
-        <a:font script="Mong" typeface="Mongolian Baiti"/>
-        <a:font script="Viet" typeface="Arial"/>
-        <a:font script="Uigh" typeface="Microsoft Uighur"/>
-        <a:font script="Geor" typeface="Sylfaen"/>
       </a:minorFont>
     </a:fontScheme>
     <a:fmtScheme name="Office">

--- a/paper/ABC2020CookingChallenge/ABC2020_Fujii.pptx
+++ b/paper/ABC2020CookingChallenge/ABC2020_Fujii.pptx
@@ -5,13 +5,14 @@
     <p:sldMasterId id="2147483648" r:id="rId1"/>
   </p:sldMasterIdLst>
   <p:notesMasterIdLst>
-    <p:notesMasterId r:id="rId6"/>
+    <p:notesMasterId r:id="rId7"/>
   </p:notesMasterIdLst>
   <p:sldIdLst>
     <p:sldId id="258" r:id="rId2"/>
     <p:sldId id="259" r:id="rId3"/>
     <p:sldId id="260" r:id="rId4"/>
     <p:sldId id="261" r:id="rId5"/>
+    <p:sldId id="262" r:id="rId6"/>
   </p:sldIdLst>
   <p:sldSz cx="12192000" cy="6858000"/>
   <p:notesSz cx="6883400" cy="10017125"/>
@@ -200,7 +201,7 @@
           <a:p>
             <a:fld id="{D8422EA4-67AE-4623-8DD6-326650601D3C}" type="datetimeFigureOut">
               <a:rPr kumimoji="1" lang="ja-JP" altLang="en-US" smtClean="0"/>
-              <a:t>2020/8/14</a:t>
+              <a:t>2020/8/16</a:t>
             </a:fld>
             <a:endParaRPr kumimoji="1" lang="ja-JP" altLang="en-US"/>
           </a:p>
@@ -1220,6 +1221,147 @@
 </p:notes>
 </file>
 
+<file path=ppt/notesSlides/notesSlide4.xml><?xml version="1.0" encoding="utf-8"?>
+<p:notes xmlns:a="http://schemas.openxmlformats.org/drawingml/2006/main" xmlns:r="http://schemas.openxmlformats.org/officeDocument/2006/relationships" xmlns:p="http://schemas.openxmlformats.org/presentationml/2006/main">
+  <p:cSld>
+    <p:spTree>
+      <p:nvGrpSpPr>
+        <p:cNvPr id="1" name=""/>
+        <p:cNvGrpSpPr/>
+        <p:nvPr/>
+      </p:nvGrpSpPr>
+      <p:grpSpPr>
+        <a:xfrm>
+          <a:off x="0" y="0"/>
+          <a:ext cx="0" cy="0"/>
+          <a:chOff x="0" y="0"/>
+          <a:chExt cx="0" cy="0"/>
+        </a:xfrm>
+      </p:grpSpPr>
+      <p:sp>
+        <p:nvSpPr>
+          <p:cNvPr id="2" name="スライド イメージ プレースホルダー 1"/>
+          <p:cNvSpPr>
+            <a:spLocks noGrp="1" noRot="1" noChangeAspect="1"/>
+          </p:cNvSpPr>
+          <p:nvPr>
+            <p:ph type="sldImg"/>
+          </p:nvPr>
+        </p:nvSpPr>
+        <p:spPr/>
+      </p:sp>
+      <p:sp>
+        <p:nvSpPr>
+          <p:cNvPr id="3" name="ノート プレースホルダー 2"/>
+          <p:cNvSpPr>
+            <a:spLocks noGrp="1"/>
+          </p:cNvSpPr>
+          <p:nvPr>
+            <p:ph type="body" idx="1"/>
+          </p:nvPr>
+        </p:nvSpPr>
+        <p:spPr/>
+        <p:txBody>
+          <a:bodyPr/>
+          <a:lstStyle/>
+          <a:p>
+            <a:r>
+              <a:rPr lang="en-US" altLang="ja-JP" sz="1800" b="0" i="0" u="none" strike="noStrike" baseline="0" dirty="0">
+                <a:latin typeface="TeXGyreTermes-Regular"/>
+              </a:rPr>
+              <a:t>Hand crafted feature values are extracted from the </a:t>
+            </a:r>
+            <a:r>
+              <a:rPr lang="en-US" altLang="ja-JP" sz="1800" b="0" i="0" u="none" strike="noStrike" baseline="0" dirty="0" err="1">
+                <a:latin typeface="TeXGyreTermes-Regular"/>
+              </a:rPr>
+              <a:t>rawdata</a:t>
+            </a:r>
+            <a:r>
+              <a:rPr lang="en-US" altLang="ja-JP" sz="1800" b="0" i="0" u="none" strike="noStrike" baseline="0" dirty="0">
+                <a:latin typeface="TeXGyreTermes-Regular"/>
+              </a:rPr>
+              <a:t>.</a:t>
+            </a:r>
+          </a:p>
+          <a:p>
+            <a:pPr algn="l"/>
+            <a:r>
+              <a:rPr lang="en-US" altLang="ja-JP" sz="1800" b="0" i="0" u="none" strike="noStrike" baseline="0" dirty="0">
+                <a:latin typeface="TeXGyreTermes-Regular"/>
+              </a:rPr>
+              <a:t>The features are mean, variance, max, min, root mean square (RMS), interquartile range (IQR), and zero crossing rate (ZCR) for x, y, and z axis, respectively. </a:t>
+            </a:r>
+          </a:p>
+          <a:p>
+            <a:pPr algn="l"/>
+            <a:r>
+              <a:rPr lang="en-US" altLang="ja-JP" sz="1800" b="0" i="0" u="none" strike="noStrike" baseline="0" dirty="0">
+                <a:latin typeface="TeXGyreTermes-Regular"/>
+              </a:rPr>
+              <a:t>These features are calculated over a 50ms-window slid in steps of 3 seconds.</a:t>
+            </a:r>
+          </a:p>
+          <a:p>
+            <a:pPr algn="l"/>
+            <a:r>
+              <a:rPr lang="en-US" altLang="ja-JP" sz="1800" b="0" i="0" u="none" strike="noStrike" baseline="0" dirty="0">
+                <a:latin typeface="TeXGyreTermes-Regular"/>
+              </a:rPr>
+              <a:t>From the preprocessing, 7 features </a:t>
+            </a:r>
+            <a:r>
+              <a:rPr lang="en-US" altLang="ja-JP" sz="1800" b="0" i="0" u="none" strike="noStrike" baseline="0" dirty="0">
+                <a:latin typeface="txsys"/>
+              </a:rPr>
+              <a:t> </a:t>
+            </a:r>
+            <a:r>
+              <a:rPr lang="en-US" altLang="ja-JP" sz="1800" b="0" i="0" u="none" strike="noStrike" baseline="0" dirty="0">
+                <a:latin typeface="TeXGyreTermes-Regular"/>
+              </a:rPr>
+              <a:t>3 axes = 21 dimensions feature time series are obtained for one sensor.</a:t>
+            </a:r>
+            <a:endParaRPr kumimoji="1" lang="ja-JP" altLang="en-US" dirty="0"/>
+          </a:p>
+        </p:txBody>
+      </p:sp>
+      <p:sp>
+        <p:nvSpPr>
+          <p:cNvPr id="4" name="スライド番号プレースホルダー 3"/>
+          <p:cNvSpPr>
+            <a:spLocks noGrp="1"/>
+          </p:cNvSpPr>
+          <p:nvPr>
+            <p:ph type="sldNum" sz="quarter" idx="5"/>
+          </p:nvPr>
+        </p:nvSpPr>
+        <p:spPr/>
+        <p:txBody>
+          <a:bodyPr/>
+          <a:lstStyle/>
+          <a:p>
+            <a:fld id="{30C4CB3F-F62E-402B-B423-2F2652179FCC}" type="slidenum">
+              <a:rPr kumimoji="1" lang="ja-JP" altLang="en-US" smtClean="0"/>
+              <a:t>4</a:t>
+            </a:fld>
+            <a:endParaRPr kumimoji="1" lang="ja-JP" altLang="en-US"/>
+          </a:p>
+        </p:txBody>
+      </p:sp>
+    </p:spTree>
+    <p:extLst>
+      <p:ext uri="{BB962C8B-B14F-4D97-AF65-F5344CB8AC3E}">
+        <p14:creationId xmlns:p14="http://schemas.microsoft.com/office/powerpoint/2010/main" val="125973022"/>
+      </p:ext>
+    </p:extLst>
+  </p:cSld>
+  <p:clrMapOvr>
+    <a:masterClrMapping/>
+  </p:clrMapOvr>
+</p:notes>
+</file>
+
 <file path=ppt/slideLayouts/slideLayout1.xml><?xml version="1.0" encoding="utf-8"?>
 <p:sldLayout xmlns:a="http://schemas.openxmlformats.org/drawingml/2006/main" xmlns:r="http://schemas.openxmlformats.org/officeDocument/2006/relationships" xmlns:p="http://schemas.openxmlformats.org/presentationml/2006/main" type="title" preserve="1">
   <p:cSld name="タイトル スライド">
@@ -1349,7 +1491,7 @@
           <a:p>
             <a:fld id="{28B1BEA1-2738-4C19-B133-02ABBF3E6E0C}" type="datetime1">
               <a:rPr kumimoji="1" lang="ja-JP" altLang="en-US" smtClean="0"/>
-              <a:t>2020/8/14</a:t>
+              <a:t>2020/8/16</a:t>
             </a:fld>
             <a:endParaRPr kumimoji="1" lang="ja-JP" altLang="en-US"/>
           </a:p>
@@ -1693,7 +1835,7 @@
           <a:p>
             <a:fld id="{321A0775-4641-4FD1-8F30-8577C8E45459}" type="datetime1">
               <a:rPr kumimoji="1" lang="ja-JP" altLang="en-US" smtClean="0"/>
-              <a:t>2020/8/14</a:t>
+              <a:t>2020/8/16</a:t>
             </a:fld>
             <a:endParaRPr kumimoji="1" lang="ja-JP" altLang="en-US"/>
           </a:p>
@@ -1903,7 +2045,7 @@
           <a:p>
             <a:fld id="{1A958096-B04A-44A1-BF3F-4EF7C63AEE7F}" type="datetime1">
               <a:rPr kumimoji="1" lang="ja-JP" altLang="en-US" smtClean="0"/>
-              <a:t>2020/8/14</a:t>
+              <a:t>2020/8/16</a:t>
             </a:fld>
             <a:endParaRPr kumimoji="1" lang="ja-JP" altLang="en-US"/>
           </a:p>
@@ -2103,7 +2245,7 @@
           <a:p>
             <a:fld id="{7E4BC299-9A2B-46B3-A868-72E6088D753F}" type="datetime1">
               <a:rPr kumimoji="1" lang="ja-JP" altLang="en-US" smtClean="0"/>
-              <a:t>2020/8/14</a:t>
+              <a:t>2020/8/16</a:t>
             </a:fld>
             <a:endParaRPr kumimoji="1" lang="ja-JP" altLang="en-US"/>
           </a:p>
@@ -2501,7 +2643,7 @@
           <a:p>
             <a:fld id="{5730D93F-C6A8-45DB-973B-2E9B74BB5747}" type="datetime1">
               <a:rPr kumimoji="1" lang="ja-JP" altLang="en-US" smtClean="0"/>
-              <a:t>2020/8/14</a:t>
+              <a:t>2020/8/16</a:t>
             </a:fld>
             <a:endParaRPr kumimoji="1" lang="ja-JP" altLang="en-US"/>
           </a:p>
@@ -2794,7 +2936,7 @@
           <a:p>
             <a:fld id="{8C8FBA03-08C5-445A-9675-5DD0E048D580}" type="datetime1">
               <a:rPr kumimoji="1" lang="ja-JP" altLang="en-US" smtClean="0"/>
-              <a:t>2020/8/14</a:t>
+              <a:t>2020/8/16</a:t>
             </a:fld>
             <a:endParaRPr kumimoji="1" lang="ja-JP" altLang="en-US"/>
           </a:p>
@@ -3222,7 +3364,7 @@
           <a:p>
             <a:fld id="{F22B3BE6-F63B-45DF-9657-6FEF2EDB1F30}" type="datetime1">
               <a:rPr kumimoji="1" lang="ja-JP" altLang="en-US" smtClean="0"/>
-              <a:t>2020/8/14</a:t>
+              <a:t>2020/8/16</a:t>
             </a:fld>
             <a:endParaRPr kumimoji="1" lang="ja-JP" altLang="en-US"/>
           </a:p>
@@ -3339,7 +3481,7 @@
           <a:p>
             <a:fld id="{C1D6E599-F080-45CC-8481-C833508C9D12}" type="datetime1">
               <a:rPr kumimoji="1" lang="ja-JP" altLang="en-US" smtClean="0"/>
-              <a:t>2020/8/14</a:t>
+              <a:t>2020/8/16</a:t>
             </a:fld>
             <a:endParaRPr kumimoji="1" lang="ja-JP" altLang="en-US"/>
           </a:p>
@@ -3434,7 +3576,7 @@
           <a:p>
             <a:fld id="{7D9B8A7E-64BC-4577-982E-7EC7218FD10F}" type="datetime1">
               <a:rPr kumimoji="1" lang="ja-JP" altLang="en-US" smtClean="0"/>
-              <a:t>2020/8/14</a:t>
+              <a:t>2020/8/16</a:t>
             </a:fld>
             <a:endParaRPr kumimoji="1" lang="ja-JP" altLang="en-US"/>
           </a:p>
@@ -3741,7 +3883,7 @@
           <a:p>
             <a:fld id="{8373066C-4ED1-4359-AD45-A7DE722C8BF8}" type="datetime1">
               <a:rPr kumimoji="1" lang="ja-JP" altLang="en-US" smtClean="0"/>
-              <a:t>2020/8/14</a:t>
+              <a:t>2020/8/16</a:t>
             </a:fld>
             <a:endParaRPr kumimoji="1" lang="ja-JP" altLang="en-US"/>
           </a:p>
@@ -3993,7 +4135,7 @@
           <a:p>
             <a:fld id="{BC0FD902-686B-4A0D-9EB1-37C4F06B03EF}" type="datetime1">
               <a:rPr kumimoji="1" lang="ja-JP" altLang="en-US" smtClean="0"/>
-              <a:t>2020/8/14</a:t>
+              <a:t>2020/8/16</a:t>
             </a:fld>
             <a:endParaRPr kumimoji="1" lang="ja-JP" altLang="en-US"/>
           </a:p>
@@ -4236,7 +4378,7 @@
           <a:p>
             <a:fld id="{E90FD2C9-6400-40CA-9626-E4ED2CBDBD1C}" type="datetime1">
               <a:rPr kumimoji="1" lang="ja-JP" altLang="en-US" smtClean="0"/>
-              <a:t>2020/8/14</a:t>
+              <a:t>2020/8/16</a:t>
             </a:fld>
             <a:endParaRPr kumimoji="1" lang="ja-JP" altLang="en-US"/>
           </a:p>
@@ -12809,8 +12951,8 @@
             <a:chExt cx="10339653" cy="3803363"/>
           </a:xfrm>
         </p:grpSpPr>
-        <mc:AlternateContent xmlns:mc="http://schemas.openxmlformats.org/markup-compatibility/2006">
-          <mc:Choice xmlns:a14="http://schemas.microsoft.com/office/drawing/2010/main" Requires="a14">
+        <mc:AlternateContent xmlns:mc="http://schemas.openxmlformats.org/markup-compatibility/2006" xmlns:a14="http://schemas.microsoft.com/office/drawing/2010/main">
+          <mc:Choice Requires="a14">
             <p:sp>
               <p:nvSpPr>
                 <p:cNvPr id="5" name="正方形/長方形 4">
@@ -12886,7 +13028,7 @@
               </p:txBody>
             </p:sp>
           </mc:Choice>
-          <mc:Fallback>
+          <mc:Fallback xmlns="">
             <p:sp>
               <p:nvSpPr>
                 <p:cNvPr id="5" name="正方形/長方形 4">
@@ -12910,7 +13052,7 @@
                   <a:avLst/>
                 </a:prstGeom>
                 <a:blipFill>
-                  <a:blip r:embed="rId2"/>
+                  <a:blip r:embed="rId3"/>
                   <a:stretch>
                     <a:fillRect b="-14894"/>
                   </a:stretch>
@@ -12936,8 +13078,8 @@
             </p:sp>
           </mc:Fallback>
         </mc:AlternateContent>
-        <mc:AlternateContent xmlns:mc="http://schemas.openxmlformats.org/markup-compatibility/2006">
-          <mc:Choice xmlns:a14="http://schemas.microsoft.com/office/drawing/2010/main" Requires="a14">
+        <mc:AlternateContent xmlns:mc="http://schemas.openxmlformats.org/markup-compatibility/2006" xmlns:a14="http://schemas.microsoft.com/office/drawing/2010/main">
+          <mc:Choice Requires="a14">
             <p:sp>
               <p:nvSpPr>
                 <p:cNvPr id="11" name="正方形/長方形 10">
@@ -13013,7 +13155,7 @@
               </p:txBody>
             </p:sp>
           </mc:Choice>
-          <mc:Fallback>
+          <mc:Fallback xmlns="">
             <p:sp>
               <p:nvSpPr>
                 <p:cNvPr id="11" name="正方形/長方形 10">
@@ -13037,7 +13179,7 @@
                   <a:avLst/>
                 </a:prstGeom>
                 <a:blipFill>
-                  <a:blip r:embed="rId3"/>
+                  <a:blip r:embed="rId4"/>
                   <a:stretch>
                     <a:fillRect b="-34043"/>
                   </a:stretch>
@@ -13063,8 +13205,8 @@
             </p:sp>
           </mc:Fallback>
         </mc:AlternateContent>
-        <mc:AlternateContent xmlns:mc="http://schemas.openxmlformats.org/markup-compatibility/2006">
-          <mc:Choice xmlns:a14="http://schemas.microsoft.com/office/drawing/2010/main" Requires="a14">
+        <mc:AlternateContent xmlns:mc="http://schemas.openxmlformats.org/markup-compatibility/2006" xmlns:a14="http://schemas.microsoft.com/office/drawing/2010/main">
+          <mc:Choice Requires="a14">
             <p:sp>
               <p:nvSpPr>
                 <p:cNvPr id="13" name="正方形/長方形 12">
@@ -13140,7 +13282,7 @@
               </p:txBody>
             </p:sp>
           </mc:Choice>
-          <mc:Fallback>
+          <mc:Fallback xmlns="">
             <p:sp>
               <p:nvSpPr>
                 <p:cNvPr id="13" name="正方形/長方形 12">
@@ -13164,7 +13306,7 @@
                   <a:avLst/>
                 </a:prstGeom>
                 <a:blipFill>
-                  <a:blip r:embed="rId4"/>
+                  <a:blip r:embed="rId5"/>
                   <a:stretch>
                     <a:fillRect b="-4255"/>
                   </a:stretch>
@@ -13472,8 +13614,8 @@
               <a:chExt cx="3473337" cy="1200329"/>
             </a:xfrm>
           </p:grpSpPr>
-          <mc:AlternateContent xmlns:mc="http://schemas.openxmlformats.org/markup-compatibility/2006">
-            <mc:Choice xmlns:a14="http://schemas.microsoft.com/office/drawing/2010/main" Requires="a14">
+          <mc:AlternateContent xmlns:mc="http://schemas.openxmlformats.org/markup-compatibility/2006" xmlns:a14="http://schemas.microsoft.com/office/drawing/2010/main">
+            <mc:Choice Requires="a14">
               <p:sp>
                 <p:nvSpPr>
                   <p:cNvPr id="29" name="テキスト ボックス 28">
@@ -13660,7 +13802,7 @@
                 </p:txBody>
               </p:sp>
             </mc:Choice>
-            <mc:Fallback>
+            <mc:Fallback xmlns="">
               <p:sp>
                 <p:nvSpPr>
                   <p:cNvPr id="29" name="テキスト ボックス 28">
@@ -13684,7 +13826,7 @@
                     <a:avLst/>
                   </a:prstGeom>
                   <a:blipFill>
-                    <a:blip r:embed="rId5"/>
+                    <a:blip r:embed="rId6"/>
                     <a:stretch>
                       <a:fillRect t="-2564" r="-2154" b="-8205"/>
                     </a:stretch>
@@ -13778,8 +13920,8 @@
               <a:chExt cx="3473336" cy="1206958"/>
             </a:xfrm>
           </p:grpSpPr>
-          <mc:AlternateContent xmlns:mc="http://schemas.openxmlformats.org/markup-compatibility/2006">
-            <mc:Choice xmlns:a14="http://schemas.microsoft.com/office/drawing/2010/main" Requires="a14">
+          <mc:AlternateContent xmlns:mc="http://schemas.openxmlformats.org/markup-compatibility/2006" xmlns:a14="http://schemas.microsoft.com/office/drawing/2010/main">
+            <mc:Choice Requires="a14">
               <p:sp>
                 <p:nvSpPr>
                   <p:cNvPr id="31" name="テキスト ボックス 30">
@@ -13964,7 +14106,7 @@
                 </p:txBody>
               </p:sp>
             </mc:Choice>
-            <mc:Fallback>
+            <mc:Fallback xmlns="">
               <p:sp>
                 <p:nvSpPr>
                   <p:cNvPr id="31" name="テキスト ボックス 30">
@@ -13988,7 +14130,7 @@
                     <a:avLst/>
                   </a:prstGeom>
                   <a:blipFill>
-                    <a:blip r:embed="rId6"/>
+                    <a:blip r:embed="rId7"/>
                     <a:stretch>
                       <a:fillRect t="-2551" r="-2154" b="-7653"/>
                     </a:stretch>
@@ -14082,8 +14224,8 @@
               <a:chExt cx="3473336" cy="1231106"/>
             </a:xfrm>
           </p:grpSpPr>
-          <mc:AlternateContent xmlns:mc="http://schemas.openxmlformats.org/markup-compatibility/2006">
-            <mc:Choice xmlns:a14="http://schemas.microsoft.com/office/drawing/2010/main" Requires="a14">
+          <mc:AlternateContent xmlns:mc="http://schemas.openxmlformats.org/markup-compatibility/2006" xmlns:a14="http://schemas.microsoft.com/office/drawing/2010/main">
+            <mc:Choice Requires="a14">
               <p:sp>
                 <p:nvSpPr>
                   <p:cNvPr id="33" name="テキスト ボックス 32">
@@ -14270,7 +14412,7 @@
                 </p:txBody>
               </p:sp>
             </mc:Choice>
-            <mc:Fallback>
+            <mc:Fallback xmlns="">
               <p:sp>
                 <p:nvSpPr>
                   <p:cNvPr id="33" name="テキスト ボックス 32">
@@ -14294,7 +14436,7 @@
                     <a:avLst/>
                   </a:prstGeom>
                   <a:blipFill>
-                    <a:blip r:embed="rId7"/>
+                    <a:blip r:embed="rId8"/>
                     <a:stretch>
                       <a:fillRect t="-3077" r="-898" b="-8205"/>
                     </a:stretch>
@@ -15221,6 +15363,120 @@
 </p:sld>
 </file>
 
+<file path=ppt/slides/slide5.xml><?xml version="1.0" encoding="utf-8"?>
+<p:sld xmlns:a="http://schemas.openxmlformats.org/drawingml/2006/main" xmlns:r="http://schemas.openxmlformats.org/officeDocument/2006/relationships" xmlns:p="http://schemas.openxmlformats.org/presentationml/2006/main">
+  <p:cSld>
+    <p:spTree>
+      <p:nvGrpSpPr>
+        <p:cNvPr id="1" name=""/>
+        <p:cNvGrpSpPr/>
+        <p:nvPr/>
+      </p:nvGrpSpPr>
+      <p:grpSpPr>
+        <a:xfrm>
+          <a:off x="0" y="0"/>
+          <a:ext cx="0" cy="0"/>
+          <a:chOff x="0" y="0"/>
+          <a:chExt cx="0" cy="0"/>
+        </a:xfrm>
+      </p:grpSpPr>
+      <p:sp>
+        <p:nvSpPr>
+          <p:cNvPr id="2" name="タイトル 1">
+            <a:extLst>
+              <a:ext uri="{FF2B5EF4-FFF2-40B4-BE49-F238E27FC236}">
+                <a16:creationId xmlns:a16="http://schemas.microsoft.com/office/drawing/2014/main" id="{A1F0B93D-401E-4C27-BFE3-51DD70A26CB7}"/>
+              </a:ext>
+            </a:extLst>
+          </p:cNvPr>
+          <p:cNvSpPr>
+            <a:spLocks noGrp="1"/>
+          </p:cNvSpPr>
+          <p:nvPr>
+            <p:ph type="title"/>
+          </p:nvPr>
+        </p:nvSpPr>
+        <p:spPr/>
+        <p:txBody>
+          <a:bodyPr/>
+          <a:lstStyle/>
+          <a:p>
+            <a:r>
+              <a:rPr kumimoji="1" lang="en-US" altLang="ja-JP"/>
+              <a:t>Method - Model</a:t>
+            </a:r>
+            <a:endParaRPr kumimoji="1" lang="ja-JP" altLang="en-US"/>
+          </a:p>
+        </p:txBody>
+      </p:sp>
+      <p:sp>
+        <p:nvSpPr>
+          <p:cNvPr id="3" name="コンテンツ プレースホルダー 2">
+            <a:extLst>
+              <a:ext uri="{FF2B5EF4-FFF2-40B4-BE49-F238E27FC236}">
+                <a16:creationId xmlns:a16="http://schemas.microsoft.com/office/drawing/2014/main" id="{F2781E7B-64DD-4F3E-8079-93D525D9DC87}"/>
+              </a:ext>
+            </a:extLst>
+          </p:cNvPr>
+          <p:cNvSpPr>
+            <a:spLocks noGrp="1"/>
+          </p:cNvSpPr>
+          <p:nvPr>
+            <p:ph idx="1"/>
+          </p:nvPr>
+        </p:nvSpPr>
+        <p:spPr/>
+        <p:txBody>
+          <a:bodyPr/>
+          <a:lstStyle/>
+          <a:p>
+            <a:endParaRPr kumimoji="1" lang="ja-JP" altLang="en-US"/>
+          </a:p>
+        </p:txBody>
+      </p:sp>
+      <p:sp>
+        <p:nvSpPr>
+          <p:cNvPr id="4" name="スライド番号プレースホルダー 3">
+            <a:extLst>
+              <a:ext uri="{FF2B5EF4-FFF2-40B4-BE49-F238E27FC236}">
+                <a16:creationId xmlns:a16="http://schemas.microsoft.com/office/drawing/2014/main" id="{CB385D2B-C5B7-41E1-8BB4-97BF7C00F4CB}"/>
+              </a:ext>
+            </a:extLst>
+          </p:cNvPr>
+          <p:cNvSpPr>
+            <a:spLocks noGrp="1"/>
+          </p:cNvSpPr>
+          <p:nvPr>
+            <p:ph type="sldNum" sz="quarter" idx="12"/>
+          </p:nvPr>
+        </p:nvSpPr>
+        <p:spPr/>
+        <p:txBody>
+          <a:bodyPr/>
+          <a:lstStyle/>
+          <a:p>
+            <a:fld id="{92084505-5355-43A2-B929-FD06D0DABC31}" type="slidenum">
+              <a:rPr lang="ja-JP" altLang="en-US" smtClean="0"/>
+              <a:pPr/>
+              <a:t>5</a:t>
+            </a:fld>
+            <a:endParaRPr lang="ja-JP" altLang="en-US" dirty="0"/>
+          </a:p>
+        </p:txBody>
+      </p:sp>
+    </p:spTree>
+    <p:extLst>
+      <p:ext uri="{BB962C8B-B14F-4D97-AF65-F5344CB8AC3E}">
+        <p14:creationId xmlns:p14="http://schemas.microsoft.com/office/powerpoint/2010/main" val="2450230803"/>
+      </p:ext>
+    </p:extLst>
+  </p:cSld>
+  <p:clrMapOvr>
+    <a:masterClrMapping/>
+  </p:clrMapOvr>
+</p:sld>
+</file>
+
 <file path=ppt/theme/theme1.xml><?xml version="1.0" encoding="utf-8"?>
 <a:theme xmlns:a="http://schemas.openxmlformats.org/drawingml/2006/main" name="Office テーマ">
   <a:themeElements>

--- a/paper/ABC2020CookingChallenge/ABC2020_Fujii.pptx
+++ b/paper/ABC2020CookingChallenge/ABC2020_Fujii.pptx
@@ -201,7 +201,7 @@
           <a:p>
             <a:fld id="{D8422EA4-67AE-4623-8DD6-326650601D3C}" type="datetimeFigureOut">
               <a:rPr kumimoji="1" lang="ja-JP" altLang="en-US" smtClean="0"/>
-              <a:t>2020/8/16</a:t>
+              <a:t>2020/8/17</a:t>
             </a:fld>
             <a:endParaRPr kumimoji="1" lang="ja-JP" altLang="en-US"/>
           </a:p>
@@ -1290,7 +1290,7 @@
               <a:rPr lang="en-US" altLang="ja-JP" sz="1800" b="0" i="0" u="none" strike="noStrike" baseline="0" dirty="0">
                 <a:latin typeface="TeXGyreTermes-Regular"/>
               </a:rPr>
-              <a:t>The features are mean, variance, max, min, root mean square (RMS), interquartile range (IQR), and zero crossing rate (ZCR) for x, y, and z axis, respectively. </a:t>
+              <a:t>The features are mean, variance, max, min, root mean square (RMS), interquartile range (IQR), and zero crossing rate (ZCR) for each axis, respectively. </a:t>
             </a:r>
           </a:p>
           <a:p>
@@ -1308,21 +1308,112 @@
               <a:rPr lang="en-US" altLang="ja-JP" sz="1800" b="0" i="0" u="none" strike="noStrike" baseline="0" dirty="0">
                 <a:latin typeface="TeXGyreTermes-Regular"/>
               </a:rPr>
-              <a:t>From the preprocessing, 7 features </a:t>
-            </a:r>
-            <a:r>
-              <a:rPr lang="en-US" altLang="ja-JP" sz="1800" b="0" i="0" u="none" strike="noStrike" baseline="0" dirty="0">
-                <a:latin typeface="txsys"/>
-              </a:rPr>
-              <a:t> </a:t>
-            </a:r>
-            <a:r>
-              <a:rPr lang="en-US" altLang="ja-JP" sz="1800" b="0" i="0" u="none" strike="noStrike" baseline="0" dirty="0">
-                <a:latin typeface="TeXGyreTermes-Regular"/>
-              </a:rPr>
-              <a:t>3 axes = 21 dimensions feature time series are obtained for one sensor.</a:t>
-            </a:r>
-            <a:endParaRPr kumimoji="1" lang="ja-JP" altLang="en-US" dirty="0"/>
+              <a:t>From the preprocessing, 21 dimensions feature are obtained for one sensor.</a:t>
+            </a:r>
+          </a:p>
+          <a:p>
+            <a:pPr algn="l"/>
+            <a:endParaRPr kumimoji="1" lang="en-US" altLang="ja-JP" sz="1800" b="0" i="0" u="none" strike="noStrike" baseline="0" dirty="0">
+              <a:latin typeface="TeXGyreTermes-Regular"/>
+            </a:endParaRPr>
+          </a:p>
+          <a:p>
+            <a:pPr algn="l"/>
+            <a:endParaRPr kumimoji="1" lang="en-US" altLang="ja-JP" sz="1800" b="0" i="0" u="none" strike="noStrike" baseline="0" dirty="0">
+              <a:latin typeface="TeXGyreTermes-Regular"/>
+            </a:endParaRPr>
+          </a:p>
+          <a:p>
+            <a:pPr algn="l"/>
+            <a:r>
+              <a:rPr kumimoji="1" lang="ja-JP" altLang="en-US" dirty="0"/>
+              <a:t>生データから特徴量を抽</a:t>
+            </a:r>
+            <a:r>
+              <a:rPr lang="ja-JP" altLang="en-US" dirty="0"/>
+              <a:t>出する</a:t>
+            </a:r>
+            <a:r>
+              <a:rPr kumimoji="1" lang="ja-JP" altLang="en-US" dirty="0"/>
+              <a:t>。</a:t>
+            </a:r>
+          </a:p>
+          <a:p>
+            <a:pPr algn="l"/>
+            <a:r>
+              <a:rPr kumimoji="1" lang="ja-JP" altLang="en-US" dirty="0"/>
+              <a:t>特徴量は、各軸の平均、分散、最大、最小、二乗平均平方根（</a:t>
+            </a:r>
+            <a:r>
+              <a:rPr kumimoji="1" lang="en-US" altLang="ja-JP" dirty="0"/>
+              <a:t>RMS</a:t>
+            </a:r>
+            <a:r>
+              <a:rPr kumimoji="1" lang="ja-JP" altLang="en-US" dirty="0"/>
+              <a:t>）、四分位間距離（</a:t>
+            </a:r>
+            <a:r>
+              <a:rPr kumimoji="1" lang="en-US" altLang="ja-JP" dirty="0"/>
+              <a:t>IQR</a:t>
+            </a:r>
+            <a:r>
+              <a:rPr kumimoji="1" lang="ja-JP" altLang="en-US" dirty="0"/>
+              <a:t>）、ゼロクロスレート（</a:t>
+            </a:r>
+            <a:r>
+              <a:rPr kumimoji="1" lang="en-US" altLang="ja-JP" dirty="0"/>
+              <a:t>ZCR</a:t>
+            </a:r>
+            <a:r>
+              <a:rPr kumimoji="1" lang="ja-JP" altLang="en-US" dirty="0"/>
+              <a:t>）です。</a:t>
+            </a:r>
+          </a:p>
+          <a:p>
+            <a:pPr algn="l"/>
+            <a:r>
+              <a:rPr kumimoji="1" lang="ja-JP" altLang="en-US" dirty="0"/>
+              <a:t>これらの特徴は、</a:t>
+            </a:r>
+            <a:r>
+              <a:rPr kumimoji="1" lang="en-US" altLang="ja-JP" dirty="0"/>
+              <a:t>50ms</a:t>
+            </a:r>
+            <a:r>
+              <a:rPr kumimoji="1" lang="ja-JP" altLang="en-US" dirty="0"/>
+              <a:t>のウィンドウを</a:t>
+            </a:r>
+            <a:r>
+              <a:rPr kumimoji="1" lang="en-US" altLang="ja-JP" dirty="0"/>
+              <a:t>3</a:t>
+            </a:r>
+            <a:r>
+              <a:rPr kumimoji="1" lang="ja-JP" altLang="en-US" dirty="0"/>
+              <a:t>秒単位でスライドさせて計算されます。</a:t>
+            </a:r>
+          </a:p>
+          <a:p>
+            <a:pPr algn="l"/>
+            <a:r>
+              <a:rPr kumimoji="1" lang="ja-JP" altLang="en-US" dirty="0"/>
+              <a:t>前処理により、</a:t>
+            </a:r>
+            <a:r>
+              <a:rPr kumimoji="1" lang="en-US" altLang="ja-JP" dirty="0"/>
+              <a:t>1 </a:t>
+            </a:r>
+            <a:r>
+              <a:rPr kumimoji="1" lang="ja-JP" altLang="en-US" dirty="0"/>
+              <a:t>つのセンサに対して</a:t>
+            </a:r>
+            <a:r>
+              <a:rPr kumimoji="1" lang="en-US" altLang="ja-JP" dirty="0"/>
+              <a:t>21</a:t>
+            </a:r>
+            <a:r>
+              <a:rPr kumimoji="1" lang="ja-JP" altLang="en-US" dirty="0"/>
+              <a:t>次元の特徴量が得られた。</a:t>
+            </a:r>
           </a:p>
         </p:txBody>
       </p:sp>
@@ -1491,7 +1582,7 @@
           <a:p>
             <a:fld id="{28B1BEA1-2738-4C19-B133-02ABBF3E6E0C}" type="datetime1">
               <a:rPr kumimoji="1" lang="ja-JP" altLang="en-US" smtClean="0"/>
-              <a:t>2020/8/16</a:t>
+              <a:t>2020/8/17</a:t>
             </a:fld>
             <a:endParaRPr kumimoji="1" lang="ja-JP" altLang="en-US"/>
           </a:p>
@@ -1835,7 +1926,7 @@
           <a:p>
             <a:fld id="{321A0775-4641-4FD1-8F30-8577C8E45459}" type="datetime1">
               <a:rPr kumimoji="1" lang="ja-JP" altLang="en-US" smtClean="0"/>
-              <a:t>2020/8/16</a:t>
+              <a:t>2020/8/17</a:t>
             </a:fld>
             <a:endParaRPr kumimoji="1" lang="ja-JP" altLang="en-US"/>
           </a:p>
@@ -2045,7 +2136,7 @@
           <a:p>
             <a:fld id="{1A958096-B04A-44A1-BF3F-4EF7C63AEE7F}" type="datetime1">
               <a:rPr kumimoji="1" lang="ja-JP" altLang="en-US" smtClean="0"/>
-              <a:t>2020/8/16</a:t>
+              <a:t>2020/8/17</a:t>
             </a:fld>
             <a:endParaRPr kumimoji="1" lang="ja-JP" altLang="en-US"/>
           </a:p>
@@ -2245,7 +2336,7 @@
           <a:p>
             <a:fld id="{7E4BC299-9A2B-46B3-A868-72E6088D753F}" type="datetime1">
               <a:rPr kumimoji="1" lang="ja-JP" altLang="en-US" smtClean="0"/>
-              <a:t>2020/8/16</a:t>
+              <a:t>2020/8/17</a:t>
             </a:fld>
             <a:endParaRPr kumimoji="1" lang="ja-JP" altLang="en-US"/>
           </a:p>
@@ -2643,7 +2734,7 @@
           <a:p>
             <a:fld id="{5730D93F-C6A8-45DB-973B-2E9B74BB5747}" type="datetime1">
               <a:rPr kumimoji="1" lang="ja-JP" altLang="en-US" smtClean="0"/>
-              <a:t>2020/8/16</a:t>
+              <a:t>2020/8/17</a:t>
             </a:fld>
             <a:endParaRPr kumimoji="1" lang="ja-JP" altLang="en-US"/>
           </a:p>
@@ -2936,7 +3027,7 @@
           <a:p>
             <a:fld id="{8C8FBA03-08C5-445A-9675-5DD0E048D580}" type="datetime1">
               <a:rPr kumimoji="1" lang="ja-JP" altLang="en-US" smtClean="0"/>
-              <a:t>2020/8/16</a:t>
+              <a:t>2020/8/17</a:t>
             </a:fld>
             <a:endParaRPr kumimoji="1" lang="ja-JP" altLang="en-US"/>
           </a:p>
@@ -3364,7 +3455,7 @@
           <a:p>
             <a:fld id="{F22B3BE6-F63B-45DF-9657-6FEF2EDB1F30}" type="datetime1">
               <a:rPr kumimoji="1" lang="ja-JP" altLang="en-US" smtClean="0"/>
-              <a:t>2020/8/16</a:t>
+              <a:t>2020/8/17</a:t>
             </a:fld>
             <a:endParaRPr kumimoji="1" lang="ja-JP" altLang="en-US"/>
           </a:p>
@@ -3481,7 +3572,7 @@
           <a:p>
             <a:fld id="{C1D6E599-F080-45CC-8481-C833508C9D12}" type="datetime1">
               <a:rPr kumimoji="1" lang="ja-JP" altLang="en-US" smtClean="0"/>
-              <a:t>2020/8/16</a:t>
+              <a:t>2020/8/17</a:t>
             </a:fld>
             <a:endParaRPr kumimoji="1" lang="ja-JP" altLang="en-US"/>
           </a:p>
@@ -3576,7 +3667,7 @@
           <a:p>
             <a:fld id="{7D9B8A7E-64BC-4577-982E-7EC7218FD10F}" type="datetime1">
               <a:rPr kumimoji="1" lang="ja-JP" altLang="en-US" smtClean="0"/>
-              <a:t>2020/8/16</a:t>
+              <a:t>2020/8/17</a:t>
             </a:fld>
             <a:endParaRPr kumimoji="1" lang="ja-JP" altLang="en-US"/>
           </a:p>
@@ -3883,7 +3974,7 @@
           <a:p>
             <a:fld id="{8373066C-4ED1-4359-AD45-A7DE722C8BF8}" type="datetime1">
               <a:rPr kumimoji="1" lang="ja-JP" altLang="en-US" smtClean="0"/>
-              <a:t>2020/8/16</a:t>
+              <a:t>2020/8/17</a:t>
             </a:fld>
             <a:endParaRPr kumimoji="1" lang="ja-JP" altLang="en-US"/>
           </a:p>
@@ -4135,7 +4226,7 @@
           <a:p>
             <a:fld id="{BC0FD902-686B-4A0D-9EB1-37C4F06B03EF}" type="datetime1">
               <a:rPr kumimoji="1" lang="ja-JP" altLang="en-US" smtClean="0"/>
-              <a:t>2020/8/16</a:t>
+              <a:t>2020/8/17</a:t>
             </a:fld>
             <a:endParaRPr kumimoji="1" lang="ja-JP" altLang="en-US"/>
           </a:p>
@@ -4378,7 +4469,7 @@
           <a:p>
             <a:fld id="{E90FD2C9-6400-40CA-9626-E4ED2CBDBD1C}" type="datetime1">
               <a:rPr kumimoji="1" lang="ja-JP" altLang="en-US" smtClean="0"/>
-              <a:t>2020/8/16</a:t>
+              <a:t>2020/8/17</a:t>
             </a:fld>
             <a:endParaRPr kumimoji="1" lang="ja-JP" altLang="en-US"/>
           </a:p>
@@ -13590,7 +13681,7 @@
             <a:lstStyle/>
             <a:p>
               <a:pPr algn="ctr"/>
-              <a:endParaRPr kumimoji="1" lang="ja-JP" altLang="en-US"/>
+              <a:endParaRPr kumimoji="1" lang="ja-JP" altLang="en-US" dirty="0"/>
             </a:p>
           </p:txBody>
         </p:sp>

--- a/paper/ABC2020CookingChallenge/ABC2020_Fujii.pptx
+++ b/paper/ABC2020CookingChallenge/ABC2020_Fujii.pptx
@@ -577,20 +577,11 @@
               <a:defRPr/>
             </a:pPr>
             <a:r>
-              <a:rPr lang="en-US" altLang="ja-JP" dirty="0"/>
-              <a:t>E</a:t>
-            </a:r>
-            <a:r>
-              <a:rPr kumimoji="1" lang="en-US" altLang="ja-JP" dirty="0"/>
-              <a:t>ach team competes on the recognition accuracy of cooking activities.</a:t>
-            </a:r>
-            <a:endParaRPr lang="en-US" altLang="ja-JP" dirty="0"/>
-          </a:p>
-          <a:p>
-            <a:endParaRPr kumimoji="1" lang="en-US" altLang="ja-JP" dirty="0"/>
-          </a:p>
-          <a:p>
-            <a:endParaRPr kumimoji="1" lang="en-US" altLang="ja-JP" dirty="0"/>
+              <a:rPr kumimoji="1" lang="en-US" altLang="ja-JP" b="0" dirty="0">
+                <a:latin typeface="+mn-lt"/>
+              </a:rPr>
+              <a:t>Hello everyone.</a:t>
+            </a:r>
           </a:p>
           <a:p>
             <a:pPr marL="0" marR="0" lvl="0" indent="0" algn="l" defTabSz="914400" rtl="0" eaLnBrk="1" fontAlgn="auto" latinLnBrk="0" hangingPunct="1">
@@ -611,13 +602,396 @@
               <a:defRPr/>
             </a:pPr>
             <a:r>
-              <a:rPr kumimoji="1" lang="ja-JP" altLang="en-US" dirty="0"/>
-              <a:t>各チームは調理行動の識別精度を競う．</a:t>
-            </a:r>
-            <a:endParaRPr kumimoji="1" lang="en-US" altLang="ja-JP" dirty="0"/>
+              <a:rPr kumimoji="1" lang="en-US" altLang="ja-JP" b="0" dirty="0">
+                <a:latin typeface="+mn-lt"/>
+              </a:rPr>
+              <a:t>My name is </a:t>
+            </a:r>
+            <a:r>
+              <a:rPr kumimoji="1" lang="en-US" altLang="ja-JP" b="0" dirty="0" err="1">
+                <a:latin typeface="+mn-lt"/>
+              </a:rPr>
+              <a:t>Atsuhiro</a:t>
+            </a:r>
+            <a:r>
+              <a:rPr kumimoji="1" lang="en-US" altLang="ja-JP" b="0" dirty="0">
+                <a:latin typeface="+mn-lt"/>
+              </a:rPr>
+              <a:t> FUJII from </a:t>
+            </a:r>
+            <a:r>
+              <a:rPr kumimoji="1" lang="en-US" altLang="ja-JP" b="0" dirty="0" err="1">
+                <a:latin typeface="+mn-lt"/>
+              </a:rPr>
+              <a:t>Ritsumeikan</a:t>
+            </a:r>
+            <a:r>
+              <a:rPr kumimoji="1" lang="en-US" altLang="ja-JP" b="0" dirty="0">
+                <a:latin typeface="+mn-lt"/>
+              </a:rPr>
+              <a:t> University in Japan.</a:t>
+            </a:r>
           </a:p>
           <a:p>
-            <a:endParaRPr kumimoji="1" lang="ja-JP" altLang="en-US" dirty="0"/>
+            <a:pPr marL="0" marR="0" lvl="0" indent="0" algn="l" defTabSz="914400" rtl="0" eaLnBrk="1" fontAlgn="auto" latinLnBrk="0" hangingPunct="1">
+              <a:lnSpc>
+                <a:spcPct val="100000"/>
+              </a:lnSpc>
+              <a:spcBef>
+                <a:spcPts val="0"/>
+              </a:spcBef>
+              <a:spcAft>
+                <a:spcPts val="0"/>
+              </a:spcAft>
+              <a:buClrTx/>
+              <a:buSzTx/>
+              <a:buFontTx/>
+              <a:buNone/>
+              <a:tabLst/>
+              <a:defRPr/>
+            </a:pPr>
+            <a:r>
+              <a:rPr kumimoji="1" lang="en-US" altLang="ja-JP" b="0" dirty="0">
+                <a:latin typeface="+mn-lt"/>
+              </a:rPr>
+              <a:t>OK, Let’s start.</a:t>
+            </a:r>
+          </a:p>
+          <a:p>
+            <a:pPr marL="0" marR="0" lvl="0" indent="0" algn="l" defTabSz="914400" rtl="0" eaLnBrk="1" fontAlgn="auto" latinLnBrk="0" hangingPunct="1">
+              <a:lnSpc>
+                <a:spcPct val="100000"/>
+              </a:lnSpc>
+              <a:spcBef>
+                <a:spcPts val="0"/>
+              </a:spcBef>
+              <a:spcAft>
+                <a:spcPts val="0"/>
+              </a:spcAft>
+              <a:buClrTx/>
+              <a:buSzTx/>
+              <a:buFontTx/>
+              <a:buNone/>
+              <a:tabLst/>
+              <a:defRPr/>
+            </a:pPr>
+            <a:endParaRPr kumimoji="1" lang="en-US" altLang="ja-JP" b="0" dirty="0">
+              <a:latin typeface="+mn-lt"/>
+            </a:endParaRPr>
+          </a:p>
+          <a:p>
+            <a:pPr marL="0" marR="0" lvl="0" indent="0" algn="l" defTabSz="914400" rtl="0" eaLnBrk="1" fontAlgn="auto" latinLnBrk="0" hangingPunct="1">
+              <a:lnSpc>
+                <a:spcPct val="100000"/>
+              </a:lnSpc>
+              <a:spcBef>
+                <a:spcPts val="0"/>
+              </a:spcBef>
+              <a:spcAft>
+                <a:spcPts val="0"/>
+              </a:spcAft>
+              <a:buClrTx/>
+              <a:buSzTx/>
+              <a:buFontTx/>
+              <a:buNone/>
+              <a:tabLst/>
+              <a:defRPr/>
+            </a:pPr>
+            <a:r>
+              <a:rPr kumimoji="1" lang="en-US" altLang="ja-JP" b="0" dirty="0">
+                <a:latin typeface="+mn-lt"/>
+              </a:rPr>
+              <a:t>I will talk about “</a:t>
+            </a:r>
+            <a:r>
+              <a:rPr lang="en-US" altLang="ja-JP" sz="1200" b="0" i="0" u="none" strike="noStrike" baseline="0" dirty="0">
+                <a:latin typeface="+mn-lt"/>
+                <a:cs typeface="Times New Roman" panose="02020603050405020304" pitchFamily="18" charset="0"/>
+              </a:rPr>
+              <a:t>Cooking Activity Recognition with Convolutional LSTM using Multi-label Loss Function and Majority Vote</a:t>
+            </a:r>
+            <a:r>
+              <a:rPr kumimoji="1" lang="en-US" altLang="ja-JP" b="0" dirty="0">
+                <a:latin typeface="+mn-lt"/>
+              </a:rPr>
+              <a:t>”.</a:t>
+            </a:r>
+            <a:endParaRPr lang="en-US" altLang="ja-JP" dirty="0"/>
+          </a:p>
+          <a:p>
+            <a:pPr marL="0" marR="0" lvl="0" indent="0" algn="l" defTabSz="914400" rtl="0" eaLnBrk="1" fontAlgn="auto" latinLnBrk="0" hangingPunct="1">
+              <a:lnSpc>
+                <a:spcPct val="100000"/>
+              </a:lnSpc>
+              <a:spcBef>
+                <a:spcPts val="0"/>
+              </a:spcBef>
+              <a:spcAft>
+                <a:spcPts val="0"/>
+              </a:spcAft>
+              <a:buClrTx/>
+              <a:buSzTx/>
+              <a:buFontTx/>
+              <a:buNone/>
+              <a:tabLst/>
+              <a:defRPr/>
+            </a:pPr>
+            <a:endParaRPr lang="en-US" altLang="ja-JP" dirty="0"/>
+          </a:p>
+          <a:p>
+            <a:pPr marL="0" marR="0" lvl="0" indent="0" algn="l" defTabSz="914400" rtl="0" eaLnBrk="1" fontAlgn="auto" latinLnBrk="0" hangingPunct="1">
+              <a:lnSpc>
+                <a:spcPct val="100000"/>
+              </a:lnSpc>
+              <a:spcBef>
+                <a:spcPts val="0"/>
+              </a:spcBef>
+              <a:spcAft>
+                <a:spcPts val="0"/>
+              </a:spcAft>
+              <a:buClrTx/>
+              <a:buSzTx/>
+              <a:buFontTx/>
+              <a:buNone/>
+              <a:tabLst/>
+              <a:defRPr/>
+            </a:pPr>
+            <a:r>
+              <a:rPr lang="en-US" altLang="ja-JP" dirty="0"/>
+              <a:t>First, we will explain the rules and goals of the challenge.</a:t>
+            </a:r>
+          </a:p>
+          <a:p>
+            <a:pPr marL="0" marR="0" lvl="0" indent="0" algn="l" defTabSz="914400" rtl="0" eaLnBrk="1" fontAlgn="auto" latinLnBrk="0" hangingPunct="1">
+              <a:lnSpc>
+                <a:spcPct val="100000"/>
+              </a:lnSpc>
+              <a:spcBef>
+                <a:spcPts val="0"/>
+              </a:spcBef>
+              <a:spcAft>
+                <a:spcPts val="0"/>
+              </a:spcAft>
+              <a:buClrTx/>
+              <a:buSzTx/>
+              <a:buFontTx/>
+              <a:buNone/>
+              <a:tabLst/>
+              <a:defRPr/>
+            </a:pPr>
+            <a:r>
+              <a:rPr lang="en-US" altLang="ja-JP" dirty="0"/>
+              <a:t>In this challenge, we are given a data set obtained by four subjects performing cooking activities with sensors attached to their bodies.</a:t>
+            </a:r>
+          </a:p>
+          <a:p>
+            <a:pPr marL="0" marR="0" lvl="0" indent="0" algn="l" defTabSz="914400" rtl="0" eaLnBrk="1" fontAlgn="auto" latinLnBrk="0" hangingPunct="1">
+              <a:lnSpc>
+                <a:spcPct val="100000"/>
+              </a:lnSpc>
+              <a:spcBef>
+                <a:spcPts val="0"/>
+              </a:spcBef>
+              <a:spcAft>
+                <a:spcPts val="0"/>
+              </a:spcAft>
+              <a:buClrTx/>
+              <a:buSzTx/>
+              <a:buFontTx/>
+              <a:buNone/>
+              <a:tabLst/>
+              <a:defRPr/>
+            </a:pPr>
+            <a:r>
+              <a:rPr lang="en-US" altLang="ja-JP" dirty="0"/>
+              <a:t>This dataset contains training data for three subjects and test data for one subject.</a:t>
+            </a:r>
+          </a:p>
+          <a:p>
+            <a:pPr marL="0" marR="0" lvl="0" indent="0" algn="l" defTabSz="914400" rtl="0" eaLnBrk="1" fontAlgn="auto" latinLnBrk="0" hangingPunct="1">
+              <a:lnSpc>
+                <a:spcPct val="100000"/>
+              </a:lnSpc>
+              <a:spcBef>
+                <a:spcPts val="0"/>
+              </a:spcBef>
+              <a:spcAft>
+                <a:spcPts val="0"/>
+              </a:spcAft>
+              <a:buClrTx/>
+              <a:buSzTx/>
+              <a:buFontTx/>
+              <a:buNone/>
+              <a:tabLst/>
+              <a:defRPr/>
+            </a:pPr>
+            <a:r>
+              <a:rPr lang="en-US" altLang="ja-JP" dirty="0"/>
+              <a:t>Each team comes up with an optimal </a:t>
+            </a:r>
+            <a:r>
+              <a:rPr kumimoji="1" lang="en-US" altLang="ja-JP" dirty="0"/>
+              <a:t>identification</a:t>
+            </a:r>
+            <a:r>
+              <a:rPr lang="en-US" altLang="ja-JP" dirty="0"/>
+              <a:t> model and competes on the </a:t>
+            </a:r>
+            <a:r>
+              <a:rPr kumimoji="1" lang="en-US" altLang="ja-JP" dirty="0"/>
+              <a:t>identification</a:t>
+            </a:r>
+            <a:r>
+              <a:rPr lang="en-US" altLang="ja-JP" dirty="0"/>
+              <a:t> accuracy of the test data.</a:t>
+            </a:r>
+          </a:p>
+          <a:p>
+            <a:endParaRPr kumimoji="1" lang="en-US" altLang="ja-JP" b="0" dirty="0">
+              <a:latin typeface="+mn-lt"/>
+            </a:endParaRPr>
+          </a:p>
+          <a:p>
+            <a:endParaRPr kumimoji="1" lang="en-US" altLang="ja-JP" b="0" dirty="0">
+              <a:latin typeface="+mn-lt"/>
+            </a:endParaRPr>
+          </a:p>
+          <a:p>
+            <a:endParaRPr kumimoji="1" lang="en-US" altLang="ja-JP" b="0" dirty="0">
+              <a:latin typeface="+mn-lt"/>
+            </a:endParaRPr>
+          </a:p>
+          <a:p>
+            <a:r>
+              <a:rPr kumimoji="1" lang="en-US" altLang="ja-JP" b="0" dirty="0">
+                <a:latin typeface="+mn-lt"/>
+              </a:rPr>
+              <a:t>“</a:t>
+            </a:r>
+            <a:r>
+              <a:rPr lang="en-US" altLang="ja-JP" sz="1200" b="0" i="0" u="none" strike="noStrike" baseline="0" dirty="0">
+                <a:latin typeface="+mn-lt"/>
+                <a:cs typeface="Times New Roman" panose="02020603050405020304" pitchFamily="18" charset="0"/>
+              </a:rPr>
+              <a:t>Cooking Activity Recognition with Convolutional LSTM using Multi-label Loss Function and Majority Vote</a:t>
+            </a:r>
+            <a:r>
+              <a:rPr kumimoji="1" lang="en-US" altLang="ja-JP" b="0" dirty="0">
+                <a:latin typeface="+mn-lt"/>
+              </a:rPr>
+              <a:t>”</a:t>
+            </a:r>
+            <a:r>
+              <a:rPr kumimoji="1" lang="ja-JP" altLang="en-US" b="0" dirty="0">
+                <a:latin typeface="+mn-lt"/>
+              </a:rPr>
+              <a:t>について説明する．</a:t>
+            </a:r>
+            <a:endParaRPr kumimoji="1" lang="en-US" altLang="ja-JP" b="0" dirty="0">
+              <a:latin typeface="+mn-lt"/>
+            </a:endParaRPr>
+          </a:p>
+          <a:p>
+            <a:r>
+              <a:rPr kumimoji="1" lang="ja-JP" altLang="en-US" b="0" dirty="0">
+                <a:latin typeface="+mn-lt"/>
+              </a:rPr>
+              <a:t>まず，チャレンジのルールとゴールを説明する．</a:t>
+            </a:r>
+            <a:endParaRPr kumimoji="1" lang="en-US" altLang="ja-JP" b="0" dirty="0">
+              <a:latin typeface="+mn-lt"/>
+            </a:endParaRPr>
+          </a:p>
+          <a:p>
+            <a:r>
+              <a:rPr kumimoji="1" lang="ja-JP" altLang="en-US" b="0" dirty="0">
+                <a:latin typeface="+mn-lt"/>
+              </a:rPr>
+              <a:t>このチャレンジでは，</a:t>
+            </a:r>
+            <a:r>
+              <a:rPr kumimoji="1" lang="en-US" altLang="ja-JP" b="0" dirty="0">
+                <a:latin typeface="+mn-lt"/>
+              </a:rPr>
+              <a:t>4</a:t>
+            </a:r>
+            <a:r>
+              <a:rPr kumimoji="1" lang="ja-JP" altLang="en-US" b="0" dirty="0">
+                <a:latin typeface="+mn-lt"/>
+              </a:rPr>
+              <a:t>人の被験者が体にセンサを取り付けて調理活動を行うことで得られたデータセットが我々に与えられる．</a:t>
+            </a:r>
+            <a:endParaRPr kumimoji="1" lang="en-US" altLang="ja-JP" b="0" dirty="0">
+              <a:latin typeface="+mn-lt"/>
+            </a:endParaRPr>
+          </a:p>
+          <a:p>
+            <a:r>
+              <a:rPr kumimoji="1" lang="ja-JP" altLang="en-US" b="0" dirty="0">
+                <a:latin typeface="+mn-lt"/>
+              </a:rPr>
+              <a:t>このデータセットには，</a:t>
+            </a:r>
+            <a:r>
+              <a:rPr kumimoji="1" lang="en-US" altLang="ja-JP" b="0" dirty="0">
+                <a:latin typeface="+mn-lt"/>
+              </a:rPr>
+              <a:t>3</a:t>
+            </a:r>
+            <a:r>
+              <a:rPr kumimoji="1" lang="ja-JP" altLang="en-US" b="0" dirty="0">
+                <a:latin typeface="+mn-lt"/>
+              </a:rPr>
+              <a:t>人分の被験者の学習データと</a:t>
+            </a:r>
+            <a:r>
+              <a:rPr kumimoji="1" lang="en-US" altLang="ja-JP" b="0" dirty="0">
+                <a:latin typeface="+mn-lt"/>
+              </a:rPr>
+              <a:t>1</a:t>
+            </a:r>
+            <a:r>
+              <a:rPr kumimoji="1" lang="ja-JP" altLang="en-US" b="0" dirty="0">
+                <a:latin typeface="+mn-lt"/>
+              </a:rPr>
+              <a:t>人の被験者のテストデータが含まれる．</a:t>
+            </a:r>
+            <a:endParaRPr kumimoji="1" lang="en-US" altLang="ja-JP" b="0" dirty="0">
+              <a:latin typeface="+mn-lt"/>
+            </a:endParaRPr>
+          </a:p>
+          <a:p>
+            <a:pPr marL="0" marR="0" lvl="0" indent="0" algn="l" defTabSz="914400" rtl="0" eaLnBrk="1" fontAlgn="auto" latinLnBrk="0" hangingPunct="1">
+              <a:lnSpc>
+                <a:spcPct val="100000"/>
+              </a:lnSpc>
+              <a:spcBef>
+                <a:spcPts val="0"/>
+              </a:spcBef>
+              <a:spcAft>
+                <a:spcPts val="0"/>
+              </a:spcAft>
+              <a:buClrTx/>
+              <a:buSzTx/>
+              <a:buFontTx/>
+              <a:buNone/>
+              <a:tabLst/>
+              <a:defRPr/>
+            </a:pPr>
+            <a:r>
+              <a:rPr kumimoji="1" lang="ja-JP" altLang="en-US" b="0" dirty="0">
+                <a:latin typeface="+mn-lt"/>
+              </a:rPr>
+              <a:t>各チームは最適な識別モデルを考え，テストデータの識別精度を競う．</a:t>
+            </a:r>
+            <a:endParaRPr kumimoji="1" lang="en-US" altLang="ja-JP" b="0" dirty="0">
+              <a:latin typeface="+mn-lt"/>
+            </a:endParaRPr>
+          </a:p>
+          <a:p>
+            <a:endParaRPr kumimoji="1" lang="ja-JP" altLang="en-US" b="0" dirty="0">
+              <a:latin typeface="+mn-lt"/>
+            </a:endParaRPr>
           </a:p>
         </p:txBody>
       </p:sp>
@@ -780,7 +1154,7 @@
             </a:pPr>
             <a:r>
               <a:rPr lang="en-US" altLang="ja-JP" dirty="0"/>
-              <a:t>First, I will explain about this challenge.</a:t>
+              <a:t>I will explain about the given dataset.</a:t>
             </a:r>
           </a:p>
           <a:p>
@@ -939,7 +1313,7 @@
           <a:p>
             <a:r>
               <a:rPr kumimoji="1" lang="ja-JP" altLang="en-US" dirty="0"/>
-              <a:t>まず，このチャレンジについて説明する．</a:t>
+              <a:t>まず，与えられたデータセットについて説明する．</a:t>
             </a:r>
             <a:endParaRPr kumimoji="1" lang="en-US" altLang="ja-JP" dirty="0"/>
           </a:p>
@@ -1513,6 +1887,68 @@
           <a:lstStyle/>
           <a:p>
             <a:r>
+              <a:rPr kumimoji="1" lang="en-US" altLang="ja-JP" dirty="0"/>
+              <a:t>This is our identification model.</a:t>
+            </a:r>
+          </a:p>
+          <a:p>
+            <a:r>
+              <a:rPr kumimoji="1" lang="en-US" altLang="ja-JP" dirty="0"/>
+              <a:t>From left to right: "Conv1d layer", "LSTM layer", "Sigmoid layer", and There are "Activation layer" and "Final activation layer".</a:t>
+            </a:r>
+          </a:p>
+          <a:p>
+            <a:endParaRPr kumimoji="1" lang="en-US" altLang="ja-JP" dirty="0"/>
+          </a:p>
+          <a:p>
+            <a:r>
+              <a:rPr kumimoji="1" lang="en-US" altLang="ja-JP" dirty="0"/>
+              <a:t>In "Conv1d layer", </a:t>
+            </a:r>
+            <a:r>
+              <a:rPr kumimoji="1" lang="en-US" altLang="ja-JP" dirty="0" err="1"/>
+              <a:t>Mapsize</a:t>
+            </a:r>
+            <a:r>
+              <a:rPr kumimoji="1" lang="en-US" altLang="ja-JP" dirty="0"/>
+              <a:t> was set to 6, we input features of 21 dimensions with length N', and get a features of 21 dimensions with 6 map and length N''.</a:t>
+            </a:r>
+          </a:p>
+          <a:p>
+            <a:r>
+              <a:rPr kumimoji="1" lang="en-US" altLang="ja-JP" dirty="0"/>
+              <a:t>Then, in the "LSTM layer", that features are inputted to form a 24-dimensional feature.</a:t>
+            </a:r>
+          </a:p>
+          <a:p>
+            <a:r>
+              <a:rPr kumimoji="1" lang="en-US" altLang="ja-JP" dirty="0"/>
+              <a:t>"Linear layer" compresses 24 dimensional features into 10 dimensions for micro activities and 4 dimensions for macro activities.</a:t>
+            </a:r>
+          </a:p>
+          <a:p>
+            <a:r>
+              <a:rPr kumimoji="1" lang="en-US" altLang="ja-JP" dirty="0"/>
+              <a:t>"Sigmoid layer" applies a sigmoid function.</a:t>
+            </a:r>
+          </a:p>
+          <a:p>
+            <a:r>
+              <a:rPr kumimoji="1" lang="en-US" altLang="ja-JP" dirty="0"/>
+              <a:t>Next, we use the "activation layer" to obtain one-hot vectors.</a:t>
+            </a:r>
+          </a:p>
+          <a:p>
+            <a:endParaRPr kumimoji="1" lang="en-US" altLang="ja-JP" dirty="0"/>
+          </a:p>
+          <a:p>
+            <a:endParaRPr kumimoji="1" lang="en-US" altLang="ja-JP" dirty="0"/>
+          </a:p>
+          <a:p>
+            <a:endParaRPr kumimoji="1" lang="en-US" altLang="ja-JP" dirty="0"/>
+          </a:p>
+          <a:p>
+            <a:r>
               <a:rPr kumimoji="1" lang="ja-JP" altLang="en-US" dirty="0"/>
               <a:t>これが私達の識別モデルです．</a:t>
             </a:r>
@@ -1826,6 +2262,37 @@
           <a:p>
             <a:r>
               <a:rPr kumimoji="1" lang="en-US" altLang="ja-JP" dirty="0"/>
+              <a:t>We use "</a:t>
+            </a:r>
+            <a:r>
+              <a:rPr kumimoji="1" lang="en-US" altLang="ja-JP" dirty="0" err="1"/>
+              <a:t>BCEWithLogistsLoss</a:t>
+            </a:r>
+            <a:r>
+              <a:rPr kumimoji="1" lang="en-US" altLang="ja-JP" dirty="0"/>
+              <a:t>" in the case of "Micro activity" as "Loss Function and Optimizer", and in the case of "Macro activity", we use "</a:t>
+            </a:r>
+            <a:r>
+              <a:rPr kumimoji="1" lang="en-US" altLang="ja-JP" dirty="0" err="1"/>
+              <a:t>CrossEntropyLoss</a:t>
+            </a:r>
+            <a:r>
+              <a:rPr kumimoji="1" lang="en-US" altLang="ja-JP" dirty="0"/>
+              <a:t>".</a:t>
+            </a:r>
+          </a:p>
+          <a:p>
+            <a:endParaRPr kumimoji="1" lang="en-US" altLang="ja-JP" dirty="0"/>
+          </a:p>
+          <a:p>
+            <a:endParaRPr kumimoji="1" lang="en-US" altLang="ja-JP" dirty="0"/>
+          </a:p>
+          <a:p>
+            <a:endParaRPr kumimoji="1" lang="en-US" altLang="ja-JP" dirty="0"/>
+          </a:p>
+          <a:p>
+            <a:r>
+              <a:rPr kumimoji="1" lang="en-US" altLang="ja-JP" dirty="0"/>
               <a:t>“Loss Function and Optimizer”</a:t>
             </a:r>
             <a:r>
@@ -1965,6 +2432,45 @@
           <a:p>
             <a:r>
               <a:rPr kumimoji="1" lang="en-US" altLang="ja-JP" dirty="0"/>
+              <a:t>In "Final activation layer", a majority vote is taken.</a:t>
+            </a:r>
+          </a:p>
+          <a:p>
+            <a:endParaRPr kumimoji="1" lang="en-US" altLang="ja-JP" dirty="0"/>
+          </a:p>
+          <a:p>
+            <a:r>
+              <a:rPr kumimoji="1" lang="en-US" altLang="ja-JP" dirty="0"/>
+              <a:t>In the micro activity, the one-hot vectors of each position obtained in the "activation layer" are added together, and labels with a value of 2 or more is output as the result.</a:t>
+            </a:r>
+          </a:p>
+          <a:p>
+            <a:r>
+              <a:rPr kumimoji="1" lang="en-US" altLang="ja-JP" dirty="0"/>
+              <a:t>However, if the number of sensors is 2 or less because of missing data, we adopt labels with a value of 1 or more.</a:t>
+            </a:r>
+          </a:p>
+          <a:p>
+            <a:endParaRPr kumimoji="1" lang="en-US" altLang="ja-JP" dirty="0"/>
+          </a:p>
+          <a:p>
+            <a:r>
+              <a:rPr kumimoji="1" lang="en-US" altLang="ja-JP" dirty="0"/>
+              <a:t>On the other hand, in the macro activity, we add the results obtained by the "Sigmoid layer" and adopt the label with the largest value.</a:t>
+            </a:r>
+          </a:p>
+          <a:p>
+            <a:endParaRPr kumimoji="1" lang="en-US" altLang="ja-JP" dirty="0"/>
+          </a:p>
+          <a:p>
+            <a:endParaRPr kumimoji="1" lang="en-US" altLang="ja-JP" dirty="0"/>
+          </a:p>
+          <a:p>
+            <a:endParaRPr kumimoji="1" lang="en-US" altLang="ja-JP" dirty="0"/>
+          </a:p>
+          <a:p>
+            <a:r>
+              <a:rPr kumimoji="1" lang="en-US" altLang="ja-JP" dirty="0"/>
               <a:t>“Final activation layer”</a:t>
             </a:r>
             <a:r>
@@ -2105,6 +2611,345 @@
     <p:extLst>
       <p:ext uri="{BB962C8B-B14F-4D97-AF65-F5344CB8AC3E}">
         <p14:creationId xmlns:p14="http://schemas.microsoft.com/office/powerpoint/2010/main" val="510438592"/>
+      </p:ext>
+    </p:extLst>
+  </p:cSld>
+  <p:clrMapOvr>
+    <a:masterClrMapping/>
+  </p:clrMapOvr>
+</p:notes>
+</file>
+
+<file path=ppt/notesSlides/notesSlide8.xml><?xml version="1.0" encoding="utf-8"?>
+<p:notes xmlns:a="http://schemas.openxmlformats.org/drawingml/2006/main" xmlns:r="http://schemas.openxmlformats.org/officeDocument/2006/relationships" xmlns:p="http://schemas.openxmlformats.org/presentationml/2006/main">
+  <p:cSld>
+    <p:spTree>
+      <p:nvGrpSpPr>
+        <p:cNvPr id="1" name=""/>
+        <p:cNvGrpSpPr/>
+        <p:nvPr/>
+      </p:nvGrpSpPr>
+      <p:grpSpPr>
+        <a:xfrm>
+          <a:off x="0" y="0"/>
+          <a:ext cx="0" cy="0"/>
+          <a:chOff x="0" y="0"/>
+          <a:chExt cx="0" cy="0"/>
+        </a:xfrm>
+      </p:grpSpPr>
+      <p:sp>
+        <p:nvSpPr>
+          <p:cNvPr id="2" name="スライド イメージ プレースホルダー 1"/>
+          <p:cNvSpPr>
+            <a:spLocks noGrp="1" noRot="1" noChangeAspect="1"/>
+          </p:cNvSpPr>
+          <p:nvPr>
+            <p:ph type="sldImg"/>
+          </p:nvPr>
+        </p:nvSpPr>
+        <p:spPr/>
+      </p:sp>
+      <p:sp>
+        <p:nvSpPr>
+          <p:cNvPr id="3" name="ノート プレースホルダー 2"/>
+          <p:cNvSpPr>
+            <a:spLocks noGrp="1"/>
+          </p:cNvSpPr>
+          <p:nvPr>
+            <p:ph type="body" idx="1"/>
+          </p:nvPr>
+        </p:nvSpPr>
+        <p:spPr/>
+        <p:txBody>
+          <a:bodyPr/>
+          <a:lstStyle/>
+          <a:p>
+            <a:pPr algn="l"/>
+            <a:r>
+              <a:rPr lang="en-US" altLang="ja-JP" sz="1800" b="0" i="0" u="none" strike="noStrike" baseline="0" dirty="0">
+                <a:latin typeface="TeXGyreTermes-Regular"/>
+              </a:rPr>
+              <a:t>This table shows maximum accuracy and minimum loss of micro and macro activities over 1,000 epochs by changing training data and test data.</a:t>
+            </a:r>
+          </a:p>
+          <a:p>
+            <a:pPr algn="l"/>
+            <a:r>
+              <a:rPr lang="en-US" altLang="ja-JP" sz="1800" b="0" i="0" u="none" strike="noStrike" baseline="0" dirty="0">
+                <a:latin typeface="TeXGyreTermes-Regular"/>
+              </a:rPr>
+              <a:t>This is average value of the four sensor positions.</a:t>
+            </a:r>
+          </a:p>
+          <a:p>
+            <a:pPr algn="l"/>
+            <a:r>
+              <a:rPr lang="en-US" altLang="ja-JP" sz="1800" b="0" i="0" u="none" strike="noStrike" baseline="0" dirty="0">
+                <a:latin typeface="TeXGyreTermes-Regular"/>
+              </a:rPr>
+              <a:t>The accuracy was calculated using the one-hot vectors in the activation layer.</a:t>
+            </a:r>
+          </a:p>
+          <a:p>
+            <a:pPr algn="l"/>
+            <a:r>
+              <a:rPr lang="en-US" altLang="ja-JP" sz="1800" b="0" i="0" u="none" strike="noStrike" baseline="0" dirty="0">
+                <a:latin typeface="TeXGyreTermes-Regular"/>
+              </a:rPr>
+              <a:t>The loss was calculated using the vectors in the sigmoid layer.</a:t>
+            </a:r>
+          </a:p>
+          <a:p>
+            <a:pPr algn="l"/>
+            <a:endParaRPr kumimoji="1" lang="en-US" altLang="ja-JP" sz="1800" b="0" i="0" u="none" strike="noStrike" baseline="0" dirty="0">
+              <a:latin typeface="TeXGyreTermes-Regular"/>
+            </a:endParaRPr>
+          </a:p>
+          <a:p>
+            <a:pPr algn="l"/>
+            <a:r>
+              <a:rPr lang="en-US" altLang="ja-JP" sz="1800" b="0" i="0" u="none" strike="noStrike" baseline="0" dirty="0">
+                <a:latin typeface="TeXGyreTermes-Regular"/>
+              </a:rPr>
+              <a:t>From these results, average accuracy of 0.521 and 0.491 were achieved among subjects 1, 2, and 3 in leave-one-subject-out manner for micro and macro activities, respectively.</a:t>
+            </a:r>
+          </a:p>
+          <a:p>
+            <a:pPr algn="l"/>
+            <a:r>
+              <a:rPr lang="en-US" altLang="ja-JP" sz="1800" b="0" i="0" u="none" strike="noStrike" baseline="0" dirty="0">
+                <a:latin typeface="TeXGyreTermes-Regular"/>
+              </a:rPr>
+              <a:t>Considering ten multi-label micro activities, it would be said that 0.521 accuracy is good, while 0.491 accuracy for 3-class macro activity can be improved.</a:t>
+            </a:r>
+            <a:endParaRPr kumimoji="1" lang="en-US" altLang="ja-JP" sz="1800" b="0" i="0" u="none" strike="noStrike" baseline="0" dirty="0">
+              <a:latin typeface="TeXGyreTermes-Regular"/>
+            </a:endParaRPr>
+          </a:p>
+          <a:p>
+            <a:pPr algn="l"/>
+            <a:endParaRPr kumimoji="1" lang="en-US" altLang="ja-JP" sz="1800" b="0" i="0" u="none" strike="noStrike" baseline="0" dirty="0">
+              <a:latin typeface="TeXGyreTermes-Regular"/>
+            </a:endParaRPr>
+          </a:p>
+          <a:p>
+            <a:pPr algn="l"/>
+            <a:r>
+              <a:rPr kumimoji="1" lang="en-US" altLang="ja-JP" sz="1800" b="0" i="0" u="none" strike="noStrike" baseline="0" dirty="0">
+                <a:latin typeface="TeXGyreTermes-Regular"/>
+              </a:rPr>
+              <a:t>We trained the model on data from subjects 1, 2, and 3, and obtained prediction results for subject 4's data, and the results were then submitted.</a:t>
+            </a:r>
+          </a:p>
+          <a:p>
+            <a:pPr algn="l"/>
+            <a:endParaRPr kumimoji="1" lang="en-US" altLang="ja-JP" sz="1800" b="0" i="0" u="none" strike="noStrike" baseline="0" dirty="0">
+              <a:latin typeface="TeXGyreTermes-Regular"/>
+            </a:endParaRPr>
+          </a:p>
+          <a:p>
+            <a:pPr algn="l"/>
+            <a:r>
+              <a:rPr kumimoji="1" lang="en-US" altLang="ja-JP" sz="1800" b="0" i="0" u="none" strike="noStrike" baseline="0" dirty="0">
+                <a:latin typeface="TeXGyreTermes-Regular"/>
+              </a:rPr>
+              <a:t>Now all finished. Thank you for listening.</a:t>
+            </a:r>
+          </a:p>
+          <a:p>
+            <a:pPr algn="l"/>
+            <a:endParaRPr kumimoji="1" lang="en-US" altLang="ja-JP" sz="1800" b="0" i="0" u="none" strike="noStrike" baseline="0" dirty="0">
+              <a:latin typeface="TeXGyreTermes-Regular"/>
+            </a:endParaRPr>
+          </a:p>
+          <a:p>
+            <a:pPr algn="l"/>
+            <a:endParaRPr kumimoji="1" lang="en-US" altLang="ja-JP" sz="1800" b="0" i="0" u="none" strike="noStrike" baseline="0" dirty="0">
+              <a:latin typeface="TeXGyreTermes-Regular"/>
+            </a:endParaRPr>
+          </a:p>
+          <a:p>
+            <a:pPr algn="l"/>
+            <a:endParaRPr kumimoji="1" lang="en-US" altLang="ja-JP" sz="1800" b="0" i="0" u="none" strike="noStrike" baseline="0" dirty="0">
+              <a:latin typeface="TeXGyreTermes-Regular"/>
+            </a:endParaRPr>
+          </a:p>
+          <a:p>
+            <a:pPr algn="l"/>
+            <a:r>
+              <a:rPr kumimoji="1" lang="ja-JP" altLang="en-US" dirty="0"/>
+              <a:t>この表は、トレーニングデータとテストデータを変化させて、</a:t>
+            </a:r>
+            <a:r>
+              <a:rPr kumimoji="1" lang="en-US" altLang="ja-JP" dirty="0"/>
+              <a:t>1,000</a:t>
+            </a:r>
+            <a:r>
+              <a:rPr kumimoji="1" lang="ja-JP" altLang="en-US" dirty="0"/>
+              <a:t>エポック以上のミクロ活動とマクロ活動の最大精度と最小損失を示したものです。</a:t>
+            </a:r>
+            <a:endParaRPr kumimoji="1" lang="en-US" altLang="ja-JP" dirty="0"/>
+          </a:p>
+          <a:p>
+            <a:pPr algn="l"/>
+            <a:r>
+              <a:rPr kumimoji="1" lang="en-US" altLang="ja-JP" dirty="0"/>
+              <a:t>4</a:t>
+            </a:r>
+            <a:r>
+              <a:rPr kumimoji="1" lang="ja-JP" altLang="en-US" dirty="0"/>
+              <a:t>つのセンサ位置の平均値である。</a:t>
+            </a:r>
+            <a:endParaRPr kumimoji="1" lang="en-US" altLang="ja-JP" dirty="0"/>
+          </a:p>
+          <a:p>
+            <a:pPr algn="l"/>
+            <a:r>
+              <a:rPr kumimoji="1" lang="ja-JP" altLang="en-US" dirty="0"/>
+              <a:t>精度は活性化層のワンホットベクトルを用いて計算した。</a:t>
+            </a:r>
+            <a:endParaRPr kumimoji="1" lang="en-US" altLang="ja-JP" dirty="0"/>
+          </a:p>
+          <a:p>
+            <a:pPr algn="l"/>
+            <a:r>
+              <a:rPr kumimoji="1" lang="ja-JP" altLang="en-US" dirty="0"/>
+              <a:t>損失関数はシグモイド層のベクトルを用いて計算した。</a:t>
+            </a:r>
+            <a:endParaRPr kumimoji="1" lang="en-US" altLang="ja-JP" dirty="0"/>
+          </a:p>
+          <a:p>
+            <a:pPr algn="l"/>
+            <a:r>
+              <a:rPr kumimoji="1" lang="ja-JP" altLang="en-US" dirty="0"/>
+              <a:t>これらの結果から、被験者 </a:t>
+            </a:r>
+            <a:r>
+              <a:rPr kumimoji="1" lang="en-US" altLang="ja-JP" dirty="0"/>
+              <a:t>1,2,3 </a:t>
+            </a:r>
+            <a:r>
+              <a:rPr kumimoji="1" lang="ja-JP" altLang="en-US" dirty="0"/>
+              <a:t>の間では、マイクロアクティビティとマクロアクティビティの平均精度がそれぞれ </a:t>
+            </a:r>
+            <a:r>
+              <a:rPr kumimoji="1" lang="en-US" altLang="ja-JP" dirty="0"/>
+              <a:t>0.521, 0.491 </a:t>
+            </a:r>
+            <a:r>
+              <a:rPr kumimoji="1" lang="ja-JP" altLang="en-US" dirty="0"/>
+              <a:t>となった。</a:t>
+            </a:r>
+            <a:endParaRPr kumimoji="1" lang="en-US" altLang="ja-JP" dirty="0"/>
+          </a:p>
+          <a:p>
+            <a:pPr algn="l"/>
+            <a:r>
+              <a:rPr kumimoji="1" lang="en-US" altLang="ja-JP" dirty="0"/>
+              <a:t>10 </a:t>
+            </a:r>
+            <a:r>
+              <a:rPr kumimoji="1" lang="ja-JP" altLang="en-US" dirty="0"/>
+              <a:t>個のマルチラベルのマイクロアクティビティを考慮すると、</a:t>
+            </a:r>
+            <a:r>
+              <a:rPr kumimoji="1" lang="en-US" altLang="ja-JP" dirty="0"/>
+              <a:t>0.521 </a:t>
+            </a:r>
+            <a:r>
+              <a:rPr kumimoji="1" lang="ja-JP" altLang="en-US" dirty="0"/>
+              <a:t>の精度は良好であるが、</a:t>
+            </a:r>
+            <a:r>
+              <a:rPr kumimoji="1" lang="en-US" altLang="ja-JP" dirty="0"/>
+              <a:t>3 </a:t>
+            </a:r>
+            <a:r>
+              <a:rPr kumimoji="1" lang="ja-JP" altLang="en-US" dirty="0"/>
+              <a:t>クラスのマクロアクティビティでは </a:t>
+            </a:r>
+            <a:r>
+              <a:rPr kumimoji="1" lang="en-US" altLang="ja-JP" dirty="0"/>
+              <a:t>0.491 </a:t>
+            </a:r>
+            <a:r>
+              <a:rPr kumimoji="1" lang="ja-JP" altLang="en-US" dirty="0"/>
+              <a:t>の精度が向上する可能性があると言えるだろう。</a:t>
+            </a:r>
+            <a:endParaRPr kumimoji="1" lang="en-US" altLang="ja-JP" dirty="0"/>
+          </a:p>
+          <a:p>
+            <a:pPr algn="l"/>
+            <a:endParaRPr kumimoji="1" lang="en-US" altLang="ja-JP" dirty="0"/>
+          </a:p>
+          <a:p>
+            <a:pPr algn="l"/>
+            <a:r>
+              <a:rPr kumimoji="1" lang="ja-JP" altLang="en-US" dirty="0"/>
+              <a:t>我々は被験者</a:t>
+            </a:r>
+            <a:r>
+              <a:rPr kumimoji="1" lang="en-US" altLang="ja-JP" dirty="0"/>
+              <a:t>1,2,3</a:t>
+            </a:r>
+            <a:r>
+              <a:rPr kumimoji="1" lang="ja-JP" altLang="en-US" dirty="0"/>
+              <a:t>のデータでこのモデルを学習させ，被験者</a:t>
+            </a:r>
+            <a:r>
+              <a:rPr kumimoji="1" lang="en-US" altLang="ja-JP" dirty="0"/>
+              <a:t>4</a:t>
+            </a:r>
+            <a:r>
+              <a:rPr kumimoji="1" lang="ja-JP" altLang="en-US" dirty="0"/>
+              <a:t>のデータの予測結果を得た．</a:t>
+            </a:r>
+            <a:endParaRPr kumimoji="1" lang="en-US" altLang="ja-JP" dirty="0"/>
+          </a:p>
+          <a:p>
+            <a:pPr algn="l"/>
+            <a:r>
+              <a:rPr kumimoji="1" lang="ja-JP" altLang="en-US" dirty="0"/>
+              <a:t>そして，その結果を提出した．</a:t>
+            </a:r>
+            <a:endParaRPr kumimoji="1" lang="en-US" altLang="ja-JP" dirty="0"/>
+          </a:p>
+          <a:p>
+            <a:pPr algn="l"/>
+            <a:r>
+              <a:rPr kumimoji="1" lang="ja-JP" altLang="en-US" dirty="0"/>
+              <a:t>ご清聴ありがとうございました．</a:t>
+            </a:r>
+          </a:p>
+        </p:txBody>
+      </p:sp>
+      <p:sp>
+        <p:nvSpPr>
+          <p:cNvPr id="4" name="スライド番号プレースホルダー 3"/>
+          <p:cNvSpPr>
+            <a:spLocks noGrp="1"/>
+          </p:cNvSpPr>
+          <p:nvPr>
+            <p:ph type="sldNum" sz="quarter" idx="5"/>
+          </p:nvPr>
+        </p:nvSpPr>
+        <p:spPr/>
+        <p:txBody>
+          <a:bodyPr/>
+          <a:lstStyle/>
+          <a:p>
+            <a:fld id="{30C4CB3F-F62E-402B-B423-2F2652179FCC}" type="slidenum">
+              <a:rPr kumimoji="1" lang="ja-JP" altLang="en-US" smtClean="0"/>
+              <a:t>8</a:t>
+            </a:fld>
+            <a:endParaRPr kumimoji="1" lang="ja-JP" altLang="en-US"/>
+          </a:p>
+        </p:txBody>
+      </p:sp>
+    </p:spTree>
+    <p:extLst>
+      <p:ext uri="{BB962C8B-B14F-4D97-AF65-F5344CB8AC3E}">
+        <p14:creationId xmlns:p14="http://schemas.microsoft.com/office/powerpoint/2010/main" val="1146660456"/>
       </p:ext>
     </p:extLst>
   </p:cSld>
@@ -7187,7 +8032,7 @@
             <p:ph idx="1"/>
             <p:extLst>
               <p:ext uri="{D42A27DB-BD31-4B8C-83A1-F6EECF244321}">
-                <p14:modId xmlns:p14="http://schemas.microsoft.com/office/powerpoint/2010/main" val="2479918485"/>
+                <p14:modId xmlns:p14="http://schemas.microsoft.com/office/powerpoint/2010/main" val="1367798562"/>
               </p:ext>
             </p:extLst>
           </p:nvPr>
@@ -12186,7 +13031,7 @@
                     <a:p>
                       <a:pPr algn="ctr" fontAlgn="ctr"/>
                       <a:r>
-                        <a:rPr lang="en-US" altLang="ja-JP" sz="1100" b="0" i="0" u="none" strike="noStrike">
+                        <a:rPr lang="en-US" altLang="ja-JP" sz="1100" b="0" i="0" u="none" strike="noStrike" dirty="0">
                           <a:solidFill>
                             <a:srgbClr val="000000"/>
                           </a:solidFill>
@@ -12296,7 +13141,7 @@
                     <a:p>
                       <a:pPr algn="ctr" fontAlgn="ctr"/>
                       <a:r>
-                        <a:rPr lang="en-US" altLang="ja-JP" sz="1100" b="0" i="0" u="none" strike="noStrike">
+                        <a:rPr lang="en-US" altLang="ja-JP" sz="1100" b="0" i="0" u="none" strike="noStrike" dirty="0">
                           <a:solidFill>
                             <a:srgbClr val="000000"/>
                           </a:solidFill>
@@ -13261,7 +14106,7 @@
                     <a:p>
                       <a:pPr algn="ctr" fontAlgn="ctr"/>
                       <a:r>
-                        <a:rPr lang="en-US" sz="1100" b="0" i="0" u="none" strike="noStrike">
+                        <a:rPr lang="en-US" sz="1100" b="0" i="0" u="none" strike="noStrike" dirty="0">
                           <a:solidFill>
                             <a:srgbClr val="000000"/>
                           </a:solidFill>
@@ -23005,41 +23850,12 @@
           <a:chExt cx="0" cy="0"/>
         </a:xfrm>
       </p:grpSpPr>
-      <p:sp>
-        <p:nvSpPr>
-          <p:cNvPr id="2" name="タイトル 1">
+      <p:graphicFrame>
+        <p:nvGraphicFramePr>
+          <p:cNvPr id="5" name="表 4">
             <a:extLst>
               <a:ext uri="{FF2B5EF4-FFF2-40B4-BE49-F238E27FC236}">
-                <a16:creationId xmlns:a16="http://schemas.microsoft.com/office/drawing/2014/main" id="{EB966DB0-1F85-444A-A11E-44028AEDAF3F}"/>
-              </a:ext>
-            </a:extLst>
-          </p:cNvPr>
-          <p:cNvSpPr>
-            <a:spLocks noGrp="1"/>
-          </p:cNvSpPr>
-          <p:nvPr>
-            <p:ph type="title"/>
-          </p:nvPr>
-        </p:nvSpPr>
-        <p:spPr/>
-        <p:txBody>
-          <a:bodyPr/>
-          <a:lstStyle/>
-          <a:p>
-            <a:r>
-              <a:rPr kumimoji="1" lang="en-US" altLang="ja-JP" dirty="0"/>
-              <a:t>Result</a:t>
-            </a:r>
-            <a:endParaRPr kumimoji="1" lang="ja-JP" altLang="en-US" dirty="0"/>
-          </a:p>
-        </p:txBody>
-      </p:sp>
-      <p:graphicFrame>
-        <p:nvGraphicFramePr>
-          <p:cNvPr id="9" name="コンテンツ プレースホルダー 8">
-            <a:extLst>
-              <a:ext uri="{FF2B5EF4-FFF2-40B4-BE49-F238E27FC236}">
-                <a16:creationId xmlns:a16="http://schemas.microsoft.com/office/drawing/2014/main" id="{47DF02EF-7C79-4E57-B1F3-9F1D16E186CD}"/>
+                <a16:creationId xmlns:a16="http://schemas.microsoft.com/office/drawing/2014/main" id="{C9239785-7E11-40D4-B235-801DACB036AF}"/>
               </a:ext>
             </a:extLst>
           </p:cNvPr>
@@ -23047,60 +23863,59 @@
             <a:graphicFrameLocks noGrp="1"/>
           </p:cNvGraphicFramePr>
           <p:nvPr>
-            <p:ph idx="1"/>
             <p:extLst>
               <p:ext uri="{D42A27DB-BD31-4B8C-83A1-F6EECF244321}">
-                <p14:modId xmlns:p14="http://schemas.microsoft.com/office/powerpoint/2010/main" val="4009338395"/>
+                <p14:modId xmlns:p14="http://schemas.microsoft.com/office/powerpoint/2010/main" val="4215003403"/>
               </p:ext>
             </p:extLst>
           </p:nvPr>
         </p:nvGraphicFramePr>
         <p:xfrm>
-          <a:off x="2305050" y="1764000"/>
-          <a:ext cx="7581900" cy="4352459"/>
+          <a:off x="2305049" y="1764000"/>
+          <a:ext cx="7581898" cy="4352459"/>
         </p:xfrm>
         <a:graphic>
           <a:graphicData uri="http://schemas.openxmlformats.org/drawingml/2006/table">
             <a:tbl>
               <a:tblPr/>
               <a:tblGrid>
-                <a:gridCol w="1617177">
+                <a:gridCol w="1618359">
                   <a:extLst>
                     <a:ext uri="{9D8B030D-6E8A-4147-A177-3AD203B41FA5}">
-                      <a16:colId xmlns:a16="http://schemas.microsoft.com/office/drawing/2014/main" val="1574456656"/>
+                      <a16:colId xmlns:a16="http://schemas.microsoft.com/office/drawing/2014/main" val="2688989630"/>
                     </a:ext>
                   </a:extLst>
                 </a:gridCol>
-                <a:gridCol w="1683636">
+                <a:gridCol w="1684866">
                   <a:extLst>
                     <a:ext uri="{9D8B030D-6E8A-4147-A177-3AD203B41FA5}">
-                      <a16:colId xmlns:a16="http://schemas.microsoft.com/office/drawing/2014/main" val="1452914086"/>
+                      <a16:colId xmlns:a16="http://schemas.microsoft.com/office/drawing/2014/main" val="1893135139"/>
                     </a:ext>
                   </a:extLst>
                 </a:gridCol>
-                <a:gridCol w="1816554">
+                <a:gridCol w="1817882">
                   <a:extLst>
                     <a:ext uri="{9D8B030D-6E8A-4147-A177-3AD203B41FA5}">
-                      <a16:colId xmlns:a16="http://schemas.microsoft.com/office/drawing/2014/main" val="4277298501"/>
+                      <a16:colId xmlns:a16="http://schemas.microsoft.com/office/drawing/2014/main" val="1388489905"/>
                     </a:ext>
                   </a:extLst>
                 </a:gridCol>
-                <a:gridCol w="1312571">
+                <a:gridCol w="1307988">
                   <a:extLst>
                     <a:ext uri="{9D8B030D-6E8A-4147-A177-3AD203B41FA5}">
-                      <a16:colId xmlns:a16="http://schemas.microsoft.com/office/drawing/2014/main" val="2550889921"/>
+                      <a16:colId xmlns:a16="http://schemas.microsoft.com/office/drawing/2014/main" val="1604380884"/>
                     </a:ext>
                   </a:extLst>
                 </a:gridCol>
-                <a:gridCol w="1151962">
+                <a:gridCol w="1152803">
                   <a:extLst>
                     <a:ext uri="{9D8B030D-6E8A-4147-A177-3AD203B41FA5}">
-                      <a16:colId xmlns:a16="http://schemas.microsoft.com/office/drawing/2014/main" val="1530923887"/>
+                      <a16:colId xmlns:a16="http://schemas.microsoft.com/office/drawing/2014/main" val="1025594018"/>
                     </a:ext>
                   </a:extLst>
                 </a:gridCol>
               </a:tblGrid>
-              <a:tr h="661457">
+              <a:tr h="697327">
                 <a:tc>
                   <a:txBody>
                     <a:bodyPr/>
@@ -23120,7 +23935,7 @@
                       </a:r>
                     </a:p>
                   </a:txBody>
-                  <a:tcPr marL="9525" marR="9525" marT="9525" marB="0" anchor="ctr">
+                  <a:tcPr marL="6350" marR="6350" marT="6350" marB="0" anchor="ctr">
                     <a:lnL w="12700" cap="flat" cmpd="sng" algn="ctr">
                       <a:solidFill>
                         <a:srgbClr val="000000"/>
@@ -23178,7 +23993,7 @@
                       </a:r>
                     </a:p>
                   </a:txBody>
-                  <a:tcPr marL="9525" marR="9525" marT="9525" marB="0" anchor="ctr">
+                  <a:tcPr marL="6350" marR="6350" marT="6350" marB="0" anchor="ctr">
                     <a:lnL w="6350" cap="flat" cmpd="sng" algn="ctr">
                       <a:solidFill>
                         <a:srgbClr val="000000"/>
@@ -23236,7 +24051,7 @@
                       </a:r>
                     </a:p>
                   </a:txBody>
-                  <a:tcPr marL="9525" marR="9525" marT="9525" marB="0" anchor="ctr">
+                  <a:tcPr marL="6350" marR="6350" marT="6350" marB="0" anchor="ctr">
                     <a:lnL w="6350" cap="flat" cmpd="sng" algn="ctr">
                       <a:solidFill>
                         <a:srgbClr val="000000"/>
@@ -23294,7 +24109,7 @@
                       </a:r>
                     </a:p>
                   </a:txBody>
-                  <a:tcPr marL="9525" marR="9525" marT="9525" marB="0" anchor="ctr">
+                  <a:tcPr marL="6350" marR="6350" marT="6350" marB="0" anchor="ctr">
                     <a:lnL w="6350" cap="flat" cmpd="sng" algn="ctr">
                       <a:solidFill>
                         <a:srgbClr val="000000"/>
@@ -23352,7 +24167,7 @@
                       </a:r>
                     </a:p>
                   </a:txBody>
-                  <a:tcPr marL="9525" marR="9525" marT="9525" marB="0" anchor="ctr">
+                  <a:tcPr marL="6350" marR="6350" marT="6350" marB="0" anchor="ctr">
                     <a:lnL w="6350" cap="flat" cmpd="sng" algn="ctr">
                       <a:solidFill>
                         <a:srgbClr val="000000"/>
@@ -23393,11 +24208,11 @@
                 </a:tc>
                 <a:extLst>
                   <a:ext uri="{0D108BD9-81ED-4DB2-BD59-A6C34878D82A}">
-                    <a16:rowId xmlns:a16="http://schemas.microsoft.com/office/drawing/2014/main" val="1857435652"/>
+                    <a16:rowId xmlns:a16="http://schemas.microsoft.com/office/drawing/2014/main" val="2144572770"/>
                   </a:ext>
                 </a:extLst>
               </a:tr>
-              <a:tr h="365446">
+              <a:tr h="362921">
                 <a:tc rowSpan="5">
                   <a:txBody>
                     <a:bodyPr/>
@@ -23417,7 +24232,7 @@
                       </a:r>
                     </a:p>
                   </a:txBody>
-                  <a:tcPr marL="9525" marR="9525" marT="9525" marB="0" anchor="ctr">
+                  <a:tcPr marL="6350" marR="6350" marT="6350" marB="0" anchor="ctr">
                     <a:lnL w="12700" cap="flat" cmpd="sng" algn="ctr">
                       <a:solidFill>
                         <a:srgbClr val="000000"/>
@@ -23475,7 +24290,7 @@
                       </a:r>
                     </a:p>
                   </a:txBody>
-                  <a:tcPr marL="9525" marR="9525" marT="9525" marB="0" anchor="ctr">
+                  <a:tcPr marL="6350" marR="6350" marT="6350" marB="0" anchor="ctr">
                     <a:lnL w="6350" cap="flat" cmpd="sng" algn="ctr">
                       <a:solidFill>
                         <a:srgbClr val="000000"/>
@@ -23533,7 +24348,7 @@
                       </a:r>
                     </a:p>
                   </a:txBody>
-                  <a:tcPr marL="9525" marR="9525" marT="9525" marB="0" anchor="ctr">
+                  <a:tcPr marL="6350" marR="6350" marT="6350" marB="0" anchor="ctr">
                     <a:lnL w="6350" cap="flat" cmpd="sng" algn="ctr">
                       <a:solidFill>
                         <a:srgbClr val="000000"/>
@@ -23591,7 +24406,7 @@
                       </a:r>
                     </a:p>
                   </a:txBody>
-                  <a:tcPr marL="9525" marR="9525" marT="9525" marB="0" anchor="ctr">
+                  <a:tcPr marL="6350" marR="6350" marT="6350" marB="0" anchor="ctr">
                     <a:lnL w="6350" cap="flat" cmpd="sng" algn="ctr">
                       <a:solidFill>
                         <a:srgbClr val="000000"/>
@@ -23649,7 +24464,7 @@
                       </a:r>
                     </a:p>
                   </a:txBody>
-                  <a:tcPr marL="9525" marR="9525" marT="9525" marB="0" anchor="ctr">
+                  <a:tcPr marL="6350" marR="6350" marT="6350" marB="0" anchor="ctr">
                     <a:lnL w="6350" cap="flat" cmpd="sng" algn="ctr">
                       <a:solidFill>
                         <a:srgbClr val="000000"/>
@@ -23690,11 +24505,11 @@
                 </a:tc>
                 <a:extLst>
                   <a:ext uri="{0D108BD9-81ED-4DB2-BD59-A6C34878D82A}">
-                    <a16:rowId xmlns:a16="http://schemas.microsoft.com/office/drawing/2014/main" val="3035219325"/>
+                    <a16:rowId xmlns:a16="http://schemas.microsoft.com/office/drawing/2014/main" val="1066226751"/>
                   </a:ext>
                 </a:extLst>
               </a:tr>
-              <a:tr h="365446">
+              <a:tr h="362921">
                 <a:tc vMerge="1">
                   <a:txBody>
                     <a:bodyPr/>
@@ -23724,7 +24539,7 @@
                       </a:r>
                     </a:p>
                   </a:txBody>
-                  <a:tcPr marL="9525" marR="9525" marT="9525" marB="0" anchor="ctr">
+                  <a:tcPr marL="6350" marR="6350" marT="6350" marB="0" anchor="ctr">
                     <a:lnL w="6350" cap="flat" cmpd="sng" algn="ctr">
                       <a:solidFill>
                         <a:srgbClr val="000000"/>
@@ -23782,7 +24597,7 @@
                       </a:r>
                     </a:p>
                   </a:txBody>
-                  <a:tcPr marL="9525" marR="9525" marT="9525" marB="0" anchor="ctr">
+                  <a:tcPr marL="6350" marR="6350" marT="6350" marB="0" anchor="ctr">
                     <a:lnL w="6350" cap="flat" cmpd="sng" algn="ctr">
                       <a:solidFill>
                         <a:srgbClr val="000000"/>
@@ -23840,7 +24655,7 @@
                       </a:r>
                     </a:p>
                   </a:txBody>
-                  <a:tcPr marL="9525" marR="9525" marT="9525" marB="0" anchor="ctr">
+                  <a:tcPr marL="6350" marR="6350" marT="6350" marB="0" anchor="ctr">
                     <a:lnL w="6350" cap="flat" cmpd="sng" algn="ctr">
                       <a:solidFill>
                         <a:srgbClr val="000000"/>
@@ -23898,7 +24713,7 @@
                       </a:r>
                     </a:p>
                   </a:txBody>
-                  <a:tcPr marL="9525" marR="9525" marT="9525" marB="0" anchor="ctr">
+                  <a:tcPr marL="6350" marR="6350" marT="6350" marB="0" anchor="ctr">
                     <a:lnL w="6350" cap="flat" cmpd="sng" algn="ctr">
                       <a:solidFill>
                         <a:srgbClr val="000000"/>
@@ -23939,11 +24754,11 @@
                 </a:tc>
                 <a:extLst>
                   <a:ext uri="{0D108BD9-81ED-4DB2-BD59-A6C34878D82A}">
-                    <a16:rowId xmlns:a16="http://schemas.microsoft.com/office/drawing/2014/main" val="585777529"/>
+                    <a16:rowId xmlns:a16="http://schemas.microsoft.com/office/drawing/2014/main" val="4098487509"/>
                   </a:ext>
                 </a:extLst>
               </a:tr>
-              <a:tr h="365446">
+              <a:tr h="362921">
                 <a:tc vMerge="1">
                   <a:txBody>
                     <a:bodyPr/>
@@ -23973,7 +24788,7 @@
                       </a:r>
                     </a:p>
                   </a:txBody>
-                  <a:tcPr marL="9525" marR="9525" marT="9525" marB="0" anchor="ctr">
+                  <a:tcPr marL="6350" marR="6350" marT="6350" marB="0" anchor="ctr">
                     <a:lnL w="6350" cap="flat" cmpd="sng" algn="ctr">
                       <a:solidFill>
                         <a:srgbClr val="000000"/>
@@ -24031,7 +24846,7 @@
                       </a:r>
                     </a:p>
                   </a:txBody>
-                  <a:tcPr marL="9525" marR="9525" marT="9525" marB="0" anchor="ctr">
+                  <a:tcPr marL="6350" marR="6350" marT="6350" marB="0" anchor="ctr">
                     <a:lnL w="6350" cap="flat" cmpd="sng" algn="ctr">
                       <a:solidFill>
                         <a:srgbClr val="000000"/>
@@ -24089,7 +24904,7 @@
                       </a:r>
                     </a:p>
                   </a:txBody>
-                  <a:tcPr marL="9525" marR="9525" marT="9525" marB="0" anchor="ctr">
+                  <a:tcPr marL="6350" marR="6350" marT="6350" marB="0" anchor="ctr">
                     <a:lnL w="6350" cap="flat" cmpd="sng" algn="ctr">
                       <a:solidFill>
                         <a:srgbClr val="000000"/>
@@ -24147,7 +24962,7 @@
                       </a:r>
                     </a:p>
                   </a:txBody>
-                  <a:tcPr marL="9525" marR="9525" marT="9525" marB="0" anchor="ctr">
+                  <a:tcPr marL="6350" marR="6350" marT="6350" marB="0" anchor="ctr">
                     <a:lnL w="6350" cap="flat" cmpd="sng" algn="ctr">
                       <a:solidFill>
                         <a:srgbClr val="000000"/>
@@ -24188,11 +25003,11 @@
                 </a:tc>
                 <a:extLst>
                   <a:ext uri="{0D108BD9-81ED-4DB2-BD59-A6C34878D82A}">
-                    <a16:rowId xmlns:a16="http://schemas.microsoft.com/office/drawing/2014/main" val="2393292015"/>
+                    <a16:rowId xmlns:a16="http://schemas.microsoft.com/office/drawing/2014/main" val="578760593"/>
                   </a:ext>
                 </a:extLst>
               </a:tr>
-              <a:tr h="365446">
+              <a:tr h="362921">
                 <a:tc vMerge="1">
                   <a:txBody>
                     <a:bodyPr/>
@@ -24222,7 +25037,7 @@
                       </a:r>
                     </a:p>
                   </a:txBody>
-                  <a:tcPr marL="9525" marR="9525" marT="9525" marB="0" anchor="ctr">
+                  <a:tcPr marL="6350" marR="6350" marT="6350" marB="0" anchor="ctr">
                     <a:lnL w="6350" cap="flat" cmpd="sng" algn="ctr">
                       <a:solidFill>
                         <a:srgbClr val="000000"/>
@@ -24286,11 +25101,11 @@
                           <a:latin typeface="Times New Roman" panose="02020603050405020304" pitchFamily="18" charset="0"/>
                           <a:ea typeface="游ゴシック" panose="020B0400000000000000" pitchFamily="50" charset="-128"/>
                         </a:rPr>
-                        <a:t>0.522 </a:t>
+                        <a:t>0.521 </a:t>
                       </a:r>
                     </a:p>
                   </a:txBody>
-                  <a:tcPr marL="9525" marR="9525" marT="9525" marB="0" anchor="ctr">
+                  <a:tcPr marL="6350" marR="6350" marT="6350" marB="0" anchor="ctr">
                     <a:lnL w="6350" cap="flat" cmpd="sng" algn="ctr">
                       <a:solidFill>
                         <a:srgbClr val="000000"/>
@@ -24348,7 +25163,7 @@
                       </a:r>
                     </a:p>
                   </a:txBody>
-                  <a:tcPr marL="9525" marR="9525" marT="9525" marB="0" anchor="ctr">
+                  <a:tcPr marL="6350" marR="6350" marT="6350" marB="0" anchor="ctr">
                     <a:lnL w="6350" cap="flat" cmpd="sng" algn="ctr">
                       <a:solidFill>
                         <a:srgbClr val="000000"/>
@@ -24389,11 +25204,11 @@
                 </a:tc>
                 <a:extLst>
                   <a:ext uri="{0D108BD9-81ED-4DB2-BD59-A6C34878D82A}">
-                    <a16:rowId xmlns:a16="http://schemas.microsoft.com/office/drawing/2014/main" val="1640562014"/>
+                    <a16:rowId xmlns:a16="http://schemas.microsoft.com/office/drawing/2014/main" val="259302150"/>
                   </a:ext>
                 </a:extLst>
               </a:tr>
-              <a:tr h="383717">
+              <a:tr h="375882">
                 <a:tc vMerge="1">
                   <a:txBody>
                     <a:bodyPr/>
@@ -24423,7 +25238,7 @@
                       </a:r>
                     </a:p>
                   </a:txBody>
-                  <a:tcPr marL="9525" marR="9525" marT="9525" marB="0" anchor="ctr">
+                  <a:tcPr marL="6350" marR="6350" marT="6350" marB="0" anchor="ctr">
                     <a:lnL w="6350" cap="flat" cmpd="sng" algn="ctr">
                       <a:solidFill>
                         <a:srgbClr val="000000"/>
@@ -24481,7 +25296,7 @@
                       </a:r>
                     </a:p>
                   </a:txBody>
-                  <a:tcPr marL="9525" marR="9525" marT="9525" marB="0" anchor="ctr">
+                  <a:tcPr marL="6350" marR="6350" marT="6350" marB="0" anchor="ctr">
                     <a:lnL w="6350" cap="flat" cmpd="sng" algn="ctr">
                       <a:solidFill>
                         <a:srgbClr val="000000"/>
@@ -24539,7 +25354,7 @@
                       </a:r>
                     </a:p>
                   </a:txBody>
-                  <a:tcPr marL="9525" marR="9525" marT="9525" marB="0" anchor="ctr">
+                  <a:tcPr marL="6350" marR="6350" marT="6350" marB="0" anchor="ctr">
                     <a:lnL w="6350" cap="flat" cmpd="sng" algn="ctr">
                       <a:solidFill>
                         <a:srgbClr val="000000"/>
@@ -24597,7 +25412,7 @@
                       </a:r>
                     </a:p>
                   </a:txBody>
-                  <a:tcPr marL="9525" marR="9525" marT="9525" marB="0" anchor="ctr">
+                  <a:tcPr marL="6350" marR="6350" marT="6350" marB="0" anchor="ctr">
                     <a:lnL w="6350" cap="flat" cmpd="sng" algn="ctr">
                       <a:solidFill>
                         <a:srgbClr val="000000"/>
@@ -24638,11 +25453,11 @@
                 </a:tc>
                 <a:extLst>
                   <a:ext uri="{0D108BD9-81ED-4DB2-BD59-A6C34878D82A}">
-                    <a16:rowId xmlns:a16="http://schemas.microsoft.com/office/drawing/2014/main" val="22627918"/>
+                    <a16:rowId xmlns:a16="http://schemas.microsoft.com/office/drawing/2014/main" val="1903713810"/>
                   </a:ext>
                 </a:extLst>
               </a:tr>
-              <a:tr h="365446">
+              <a:tr h="362921">
                 <a:tc rowSpan="5">
                   <a:txBody>
                     <a:bodyPr/>
@@ -24650,7 +25465,7 @@
                     <a:p>
                       <a:pPr algn="ctr" fontAlgn="ctr"/>
                       <a:r>
-                        <a:rPr lang="en-US" sz="1100" b="0" i="0" u="none" strike="noStrike" dirty="0">
+                        <a:rPr lang="en-US" sz="1100" b="0" i="0" u="none" strike="noStrike">
                           <a:solidFill>
                             <a:srgbClr val="000000"/>
                           </a:solidFill>
@@ -24662,7 +25477,7 @@
                       </a:r>
                     </a:p>
                   </a:txBody>
-                  <a:tcPr marL="9525" marR="9525" marT="9525" marB="0" anchor="ctr">
+                  <a:tcPr marL="6350" marR="6350" marT="6350" marB="0" anchor="ctr">
                     <a:lnL w="12700" cap="flat" cmpd="sng" algn="ctr">
                       <a:solidFill>
                         <a:srgbClr val="000000"/>
@@ -24720,7 +25535,7 @@
                       </a:r>
                     </a:p>
                   </a:txBody>
-                  <a:tcPr marL="9525" marR="9525" marT="9525" marB="0" anchor="ctr">
+                  <a:tcPr marL="6350" marR="6350" marT="6350" marB="0" anchor="ctr">
                     <a:lnL w="6350" cap="flat" cmpd="sng" algn="ctr">
                       <a:solidFill>
                         <a:srgbClr val="000000"/>
@@ -24778,7 +25593,7 @@
                       </a:r>
                     </a:p>
                   </a:txBody>
-                  <a:tcPr marL="9525" marR="9525" marT="9525" marB="0" anchor="ctr">
+                  <a:tcPr marL="6350" marR="6350" marT="6350" marB="0" anchor="ctr">
                     <a:lnL w="6350" cap="flat" cmpd="sng" algn="ctr">
                       <a:solidFill>
                         <a:srgbClr val="000000"/>
@@ -24836,7 +25651,7 @@
                       </a:r>
                     </a:p>
                   </a:txBody>
-                  <a:tcPr marL="9525" marR="9525" marT="9525" marB="0" anchor="ctr">
+                  <a:tcPr marL="6350" marR="6350" marT="6350" marB="0" anchor="ctr">
                     <a:lnL w="6350" cap="flat" cmpd="sng" algn="ctr">
                       <a:solidFill>
                         <a:srgbClr val="000000"/>
@@ -24894,7 +25709,7 @@
                       </a:r>
                     </a:p>
                   </a:txBody>
-                  <a:tcPr marL="9525" marR="9525" marT="9525" marB="0" anchor="ctr">
+                  <a:tcPr marL="6350" marR="6350" marT="6350" marB="0" anchor="ctr">
                     <a:lnL w="6350" cap="flat" cmpd="sng" algn="ctr">
                       <a:solidFill>
                         <a:srgbClr val="000000"/>
@@ -24935,11 +25750,11 @@
                 </a:tc>
                 <a:extLst>
                   <a:ext uri="{0D108BD9-81ED-4DB2-BD59-A6C34878D82A}">
-                    <a16:rowId xmlns:a16="http://schemas.microsoft.com/office/drawing/2014/main" val="1587497819"/>
+                    <a16:rowId xmlns:a16="http://schemas.microsoft.com/office/drawing/2014/main" val="3989417978"/>
                   </a:ext>
                 </a:extLst>
               </a:tr>
-              <a:tr h="365446">
+              <a:tr h="362921">
                 <a:tc vMerge="1">
                   <a:txBody>
                     <a:bodyPr/>
@@ -24969,7 +25784,7 @@
                       </a:r>
                     </a:p>
                   </a:txBody>
-                  <a:tcPr marL="9525" marR="9525" marT="9525" marB="0" anchor="ctr">
+                  <a:tcPr marL="6350" marR="6350" marT="6350" marB="0" anchor="ctr">
                     <a:lnL w="6350" cap="flat" cmpd="sng" algn="ctr">
                       <a:solidFill>
                         <a:srgbClr val="000000"/>
@@ -25027,7 +25842,7 @@
                       </a:r>
                     </a:p>
                   </a:txBody>
-                  <a:tcPr marL="9525" marR="9525" marT="9525" marB="0" anchor="ctr">
+                  <a:tcPr marL="6350" marR="6350" marT="6350" marB="0" anchor="ctr">
                     <a:lnL w="6350" cap="flat" cmpd="sng" algn="ctr">
                       <a:solidFill>
                         <a:srgbClr val="000000"/>
@@ -25085,7 +25900,7 @@
                       </a:r>
                     </a:p>
                   </a:txBody>
-                  <a:tcPr marL="9525" marR="9525" marT="9525" marB="0" anchor="ctr">
+                  <a:tcPr marL="6350" marR="6350" marT="6350" marB="0" anchor="ctr">
                     <a:lnL w="6350" cap="flat" cmpd="sng" algn="ctr">
                       <a:solidFill>
                         <a:srgbClr val="000000"/>
@@ -25143,7 +25958,7 @@
                       </a:r>
                     </a:p>
                   </a:txBody>
-                  <a:tcPr marL="9525" marR="9525" marT="9525" marB="0" anchor="ctr">
+                  <a:tcPr marL="6350" marR="6350" marT="6350" marB="0" anchor="ctr">
                     <a:lnL w="6350" cap="flat" cmpd="sng" algn="ctr">
                       <a:solidFill>
                         <a:srgbClr val="000000"/>
@@ -25184,11 +25999,11 @@
                 </a:tc>
                 <a:extLst>
                   <a:ext uri="{0D108BD9-81ED-4DB2-BD59-A6C34878D82A}">
-                    <a16:rowId xmlns:a16="http://schemas.microsoft.com/office/drawing/2014/main" val="283630617"/>
+                    <a16:rowId xmlns:a16="http://schemas.microsoft.com/office/drawing/2014/main" val="1161414357"/>
                   </a:ext>
                 </a:extLst>
               </a:tr>
-              <a:tr h="365446">
+              <a:tr h="362921">
                 <a:tc vMerge="1">
                   <a:txBody>
                     <a:bodyPr/>
@@ -25218,7 +26033,7 @@
                       </a:r>
                     </a:p>
                   </a:txBody>
-                  <a:tcPr marL="9525" marR="9525" marT="9525" marB="0" anchor="ctr">
+                  <a:tcPr marL="6350" marR="6350" marT="6350" marB="0" anchor="ctr">
                     <a:lnL w="6350" cap="flat" cmpd="sng" algn="ctr">
                       <a:solidFill>
                         <a:srgbClr val="000000"/>
@@ -25276,7 +26091,7 @@
                       </a:r>
                     </a:p>
                   </a:txBody>
-                  <a:tcPr marL="9525" marR="9525" marT="9525" marB="0" anchor="ctr">
+                  <a:tcPr marL="6350" marR="6350" marT="6350" marB="0" anchor="ctr">
                     <a:lnL w="6350" cap="flat" cmpd="sng" algn="ctr">
                       <a:solidFill>
                         <a:srgbClr val="000000"/>
@@ -25334,7 +26149,7 @@
                       </a:r>
                     </a:p>
                   </a:txBody>
-                  <a:tcPr marL="9525" marR="9525" marT="9525" marB="0" anchor="ctr">
+                  <a:tcPr marL="6350" marR="6350" marT="6350" marB="0" anchor="ctr">
                     <a:lnL w="6350" cap="flat" cmpd="sng" algn="ctr">
                       <a:solidFill>
                         <a:srgbClr val="000000"/>
@@ -25392,7 +26207,7 @@
                       </a:r>
                     </a:p>
                   </a:txBody>
-                  <a:tcPr marL="9525" marR="9525" marT="9525" marB="0" anchor="ctr">
+                  <a:tcPr marL="6350" marR="6350" marT="6350" marB="0" anchor="ctr">
                     <a:lnL w="6350" cap="flat" cmpd="sng" algn="ctr">
                       <a:solidFill>
                         <a:srgbClr val="000000"/>
@@ -25433,11 +26248,11 @@
                 </a:tc>
                 <a:extLst>
                   <a:ext uri="{0D108BD9-81ED-4DB2-BD59-A6C34878D82A}">
-                    <a16:rowId xmlns:a16="http://schemas.microsoft.com/office/drawing/2014/main" val="3026092724"/>
+                    <a16:rowId xmlns:a16="http://schemas.microsoft.com/office/drawing/2014/main" val="1486308784"/>
                   </a:ext>
                 </a:extLst>
               </a:tr>
-              <a:tr h="365446">
+              <a:tr h="362921">
                 <a:tc vMerge="1">
                   <a:txBody>
                     <a:bodyPr/>
@@ -25467,7 +26282,7 @@
                       </a:r>
                     </a:p>
                   </a:txBody>
-                  <a:tcPr marL="9525" marR="9525" marT="9525" marB="0" anchor="ctr">
+                  <a:tcPr marL="6350" marR="6350" marT="6350" marB="0" anchor="ctr">
                     <a:lnL w="6350" cap="flat" cmpd="sng" algn="ctr">
                       <a:solidFill>
                         <a:srgbClr val="000000"/>
@@ -25535,7 +26350,7 @@
                       </a:r>
                     </a:p>
                   </a:txBody>
-                  <a:tcPr marL="9525" marR="9525" marT="9525" marB="0" anchor="ctr">
+                  <a:tcPr marL="6350" marR="6350" marT="6350" marB="0" anchor="ctr">
                     <a:lnL w="6350" cap="flat" cmpd="sng" algn="ctr">
                       <a:solidFill>
                         <a:srgbClr val="000000"/>
@@ -25593,7 +26408,7 @@
                       </a:r>
                     </a:p>
                   </a:txBody>
-                  <a:tcPr marL="9525" marR="9525" marT="9525" marB="0" anchor="ctr">
+                  <a:tcPr marL="6350" marR="6350" marT="6350" marB="0" anchor="ctr">
                     <a:lnL w="6350" cap="flat" cmpd="sng" algn="ctr">
                       <a:solidFill>
                         <a:srgbClr val="000000"/>
@@ -25634,11 +26449,11 @@
                 </a:tc>
                 <a:extLst>
                   <a:ext uri="{0D108BD9-81ED-4DB2-BD59-A6C34878D82A}">
-                    <a16:rowId xmlns:a16="http://schemas.microsoft.com/office/drawing/2014/main" val="1907986515"/>
+                    <a16:rowId xmlns:a16="http://schemas.microsoft.com/office/drawing/2014/main" val="508167571"/>
                   </a:ext>
                 </a:extLst>
               </a:tr>
-              <a:tr h="383717">
+              <a:tr h="375882">
                 <a:tc vMerge="1">
                   <a:txBody>
                     <a:bodyPr/>
@@ -25668,7 +26483,7 @@
                       </a:r>
                     </a:p>
                   </a:txBody>
-                  <a:tcPr marL="9525" marR="9525" marT="9525" marB="0" anchor="ctr">
+                  <a:tcPr marL="6350" marR="6350" marT="6350" marB="0" anchor="ctr">
                     <a:lnL w="6350" cap="flat" cmpd="sng" algn="ctr">
                       <a:solidFill>
                         <a:srgbClr val="000000"/>
@@ -25714,7 +26529,7 @@
                     <a:p>
                       <a:pPr algn="ctr" fontAlgn="ctr"/>
                       <a:r>
-                        <a:rPr lang="en-US" sz="1100" b="0" i="0" u="none" strike="noStrike" dirty="0">
+                        <a:rPr lang="en-US" sz="1100" b="0" i="0" u="none" strike="noStrike">
                           <a:solidFill>
                             <a:srgbClr val="000000"/>
                           </a:solidFill>
@@ -25726,7 +26541,7 @@
                       </a:r>
                     </a:p>
                   </a:txBody>
-                  <a:tcPr marL="9525" marR="9525" marT="9525" marB="0" anchor="ctr">
+                  <a:tcPr marL="6350" marR="6350" marT="6350" marB="0" anchor="ctr">
                     <a:lnL w="6350" cap="flat" cmpd="sng" algn="ctr">
                       <a:solidFill>
                         <a:srgbClr val="000000"/>
@@ -25784,7 +26599,7 @@
                       </a:r>
                     </a:p>
                   </a:txBody>
-                  <a:tcPr marL="9525" marR="9525" marT="9525" marB="0" anchor="ctr">
+                  <a:tcPr marL="6350" marR="6350" marT="6350" marB="0" anchor="ctr">
                     <a:lnL w="6350" cap="flat" cmpd="sng" algn="ctr">
                       <a:solidFill>
                         <a:srgbClr val="000000"/>
@@ -25842,7 +26657,7 @@
                       </a:r>
                     </a:p>
                   </a:txBody>
-                  <a:tcPr marL="9525" marR="9525" marT="9525" marB="0" anchor="ctr">
+                  <a:tcPr marL="6350" marR="6350" marT="6350" marB="0" anchor="ctr">
                     <a:lnL w="6350" cap="flat" cmpd="sng" algn="ctr">
                       <a:solidFill>
                         <a:srgbClr val="000000"/>
@@ -25883,7 +26698,7 @@
                 </a:tc>
                 <a:extLst>
                   <a:ext uri="{0D108BD9-81ED-4DB2-BD59-A6C34878D82A}">
-                    <a16:rowId xmlns:a16="http://schemas.microsoft.com/office/drawing/2014/main" val="3490331057"/>
+                    <a16:rowId xmlns:a16="http://schemas.microsoft.com/office/drawing/2014/main" val="621465059"/>
                   </a:ext>
                 </a:extLst>
               </a:tr>
@@ -25891,6 +26706,35 @@
           </a:graphicData>
         </a:graphic>
       </p:graphicFrame>
+      <p:sp>
+        <p:nvSpPr>
+          <p:cNvPr id="2" name="タイトル 1">
+            <a:extLst>
+              <a:ext uri="{FF2B5EF4-FFF2-40B4-BE49-F238E27FC236}">
+                <a16:creationId xmlns:a16="http://schemas.microsoft.com/office/drawing/2014/main" id="{EB966DB0-1F85-444A-A11E-44028AEDAF3F}"/>
+              </a:ext>
+            </a:extLst>
+          </p:cNvPr>
+          <p:cNvSpPr>
+            <a:spLocks noGrp="1"/>
+          </p:cNvSpPr>
+          <p:nvPr>
+            <p:ph type="title"/>
+          </p:nvPr>
+        </p:nvSpPr>
+        <p:spPr/>
+        <p:txBody>
+          <a:bodyPr/>
+          <a:lstStyle/>
+          <a:p>
+            <a:r>
+              <a:rPr kumimoji="1" lang="en-US" altLang="ja-JP" dirty="0"/>
+              <a:t>Result</a:t>
+            </a:r>
+            <a:endParaRPr kumimoji="1" lang="ja-JP" altLang="en-US" dirty="0"/>
+          </a:p>
+        </p:txBody>
+      </p:sp>
       <p:sp>
         <p:nvSpPr>
           <p:cNvPr id="4" name="スライド番号プレースホルダー 3">

--- a/paper/ABC2020CookingChallenge/ABC2020_Fujii.pptx
+++ b/paper/ABC2020CookingChallenge/ABC2020_Fujii.pptx
@@ -5,7 +5,7 @@
     <p:sldMasterId id="2147483648" r:id="rId1"/>
   </p:sldMasterIdLst>
   <p:notesMasterIdLst>
-    <p:notesMasterId r:id="rId10"/>
+    <p:notesMasterId r:id="rId11"/>
   </p:notesMasterIdLst>
   <p:sldIdLst>
     <p:sldId id="258" r:id="rId2"/>
@@ -16,6 +16,7 @@
     <p:sldId id="264" r:id="rId7"/>
     <p:sldId id="263" r:id="rId8"/>
     <p:sldId id="265" r:id="rId9"/>
+    <p:sldId id="266" r:id="rId10"/>
   </p:sldIdLst>
   <p:sldSz cx="12192000" cy="6858000"/>
   <p:notesSz cx="6883400" cy="10017125"/>
@@ -216,7 +217,7 @@
           <a:p>
             <a:fld id="{D8422EA4-67AE-4623-8DD6-326650601D3C}" type="datetimeFigureOut">
               <a:rPr kumimoji="1" lang="ja-JP" altLang="en-US" smtClean="0"/>
-              <a:t>2020/8/19</a:t>
+              <a:t>2020/8/20</a:t>
             </a:fld>
             <a:endParaRPr kumimoji="1" lang="ja-JP" altLang="en-US"/>
           </a:p>
@@ -1298,7 +1299,7 @@
               <a:rPr lang="en-US" altLang="ja-JP" sz="1800" b="0" i="0" u="none" strike="noStrike" baseline="0" dirty="0">
                 <a:latin typeface="TeXGyreTermes-Regular"/>
               </a:rPr>
-              <a:t>Training data contains data from three subjects (subject 1, 2, 3) out of the four subjects and test data contains the data from the fourth subject (subject 4).</a:t>
+              <a:t>Training data contains data from three subjects out of the four subjects and test data contains the data from the fourth subject.</a:t>
             </a:r>
           </a:p>
           <a:p>
@@ -1658,28 +1659,16 @@
               <a:rPr lang="en-US" altLang="ja-JP" sz="1800" b="0" i="0" u="none" strike="noStrike" baseline="0" dirty="0">
                 <a:latin typeface="TeXGyreTermes-Regular"/>
               </a:rPr>
-              <a:t>Hand crafted feature values are extracted from the </a:t>
-            </a:r>
-            <a:r>
-              <a:rPr lang="en-US" altLang="ja-JP" sz="1800" b="0" i="0" u="none" strike="noStrike" baseline="0" dirty="0" err="1">
-                <a:latin typeface="TeXGyreTermes-Regular"/>
-              </a:rPr>
-              <a:t>rawdata</a:t>
-            </a:r>
+              <a:t>Hand crafted feature values are extracted from the raw data.</a:t>
+            </a:r>
+          </a:p>
+          <a:p>
+            <a:pPr algn="l"/>
             <a:r>
               <a:rPr lang="en-US" altLang="ja-JP" sz="1800" b="0" i="0" u="none" strike="noStrike" baseline="0" dirty="0">
                 <a:latin typeface="TeXGyreTermes-Regular"/>
               </a:rPr>
-              <a:t>.</a:t>
-            </a:r>
-          </a:p>
-          <a:p>
-            <a:pPr algn="l"/>
-            <a:r>
-              <a:rPr lang="en-US" altLang="ja-JP" sz="1800" b="0" i="0" u="none" strike="noStrike" baseline="0" dirty="0">
-                <a:latin typeface="TeXGyreTermes-Regular"/>
-              </a:rPr>
-              <a:t>The features are mean, variance, max, min, root mean square (RMS), interquartile range (IQR), and zero crossing rate (ZCR) for each axis, respectively. </a:t>
+              <a:t>The features are mean, variance, max, min, root mean square, interquartile range, and zero crossing rate for each axis, respectively. </a:t>
             </a:r>
           </a:p>
           <a:p>
@@ -3088,7 +3077,7 @@
           <a:p>
             <a:fld id="{28B1BEA1-2738-4C19-B133-02ABBF3E6E0C}" type="datetime1">
               <a:rPr kumimoji="1" lang="ja-JP" altLang="en-US" smtClean="0"/>
-              <a:t>2020/8/19</a:t>
+              <a:t>2020/8/20</a:t>
             </a:fld>
             <a:endParaRPr kumimoji="1" lang="ja-JP" altLang="en-US"/>
           </a:p>
@@ -3432,7 +3421,7 @@
           <a:p>
             <a:fld id="{321A0775-4641-4FD1-8F30-8577C8E45459}" type="datetime1">
               <a:rPr kumimoji="1" lang="ja-JP" altLang="en-US" smtClean="0"/>
-              <a:t>2020/8/19</a:t>
+              <a:t>2020/8/20</a:t>
             </a:fld>
             <a:endParaRPr kumimoji="1" lang="ja-JP" altLang="en-US"/>
           </a:p>
@@ -3642,7 +3631,7 @@
           <a:p>
             <a:fld id="{1A958096-B04A-44A1-BF3F-4EF7C63AEE7F}" type="datetime1">
               <a:rPr kumimoji="1" lang="ja-JP" altLang="en-US" smtClean="0"/>
-              <a:t>2020/8/19</a:t>
+              <a:t>2020/8/20</a:t>
             </a:fld>
             <a:endParaRPr kumimoji="1" lang="ja-JP" altLang="en-US"/>
           </a:p>
@@ -3842,7 +3831,7 @@
           <a:p>
             <a:fld id="{7E4BC299-9A2B-46B3-A868-72E6088D753F}" type="datetime1">
               <a:rPr kumimoji="1" lang="ja-JP" altLang="en-US" smtClean="0"/>
-              <a:t>2020/8/19</a:t>
+              <a:t>2020/8/20</a:t>
             </a:fld>
             <a:endParaRPr kumimoji="1" lang="ja-JP" altLang="en-US"/>
           </a:p>
@@ -4240,7 +4229,7 @@
           <a:p>
             <a:fld id="{5730D93F-C6A8-45DB-973B-2E9B74BB5747}" type="datetime1">
               <a:rPr kumimoji="1" lang="ja-JP" altLang="en-US" smtClean="0"/>
-              <a:t>2020/8/19</a:t>
+              <a:t>2020/8/20</a:t>
             </a:fld>
             <a:endParaRPr kumimoji="1" lang="ja-JP" altLang="en-US"/>
           </a:p>
@@ -4533,7 +4522,7 @@
           <a:p>
             <a:fld id="{8C8FBA03-08C5-445A-9675-5DD0E048D580}" type="datetime1">
               <a:rPr kumimoji="1" lang="ja-JP" altLang="en-US" smtClean="0"/>
-              <a:t>2020/8/19</a:t>
+              <a:t>2020/8/20</a:t>
             </a:fld>
             <a:endParaRPr kumimoji="1" lang="ja-JP" altLang="en-US"/>
           </a:p>
@@ -4961,7 +4950,7 @@
           <a:p>
             <a:fld id="{F22B3BE6-F63B-45DF-9657-6FEF2EDB1F30}" type="datetime1">
               <a:rPr kumimoji="1" lang="ja-JP" altLang="en-US" smtClean="0"/>
-              <a:t>2020/8/19</a:t>
+              <a:t>2020/8/20</a:t>
             </a:fld>
             <a:endParaRPr kumimoji="1" lang="ja-JP" altLang="en-US"/>
           </a:p>
@@ -5078,7 +5067,7 @@
           <a:p>
             <a:fld id="{C1D6E599-F080-45CC-8481-C833508C9D12}" type="datetime1">
               <a:rPr kumimoji="1" lang="ja-JP" altLang="en-US" smtClean="0"/>
-              <a:t>2020/8/19</a:t>
+              <a:t>2020/8/20</a:t>
             </a:fld>
             <a:endParaRPr kumimoji="1" lang="ja-JP" altLang="en-US"/>
           </a:p>
@@ -5173,7 +5162,7 @@
           <a:p>
             <a:fld id="{7D9B8A7E-64BC-4577-982E-7EC7218FD10F}" type="datetime1">
               <a:rPr kumimoji="1" lang="ja-JP" altLang="en-US" smtClean="0"/>
-              <a:t>2020/8/19</a:t>
+              <a:t>2020/8/20</a:t>
             </a:fld>
             <a:endParaRPr kumimoji="1" lang="ja-JP" altLang="en-US"/>
           </a:p>
@@ -5480,7 +5469,7 @@
           <a:p>
             <a:fld id="{8373066C-4ED1-4359-AD45-A7DE722C8BF8}" type="datetime1">
               <a:rPr kumimoji="1" lang="ja-JP" altLang="en-US" smtClean="0"/>
-              <a:t>2020/8/19</a:t>
+              <a:t>2020/8/20</a:t>
             </a:fld>
             <a:endParaRPr kumimoji="1" lang="ja-JP" altLang="en-US"/>
           </a:p>
@@ -5732,7 +5721,7 @@
           <a:p>
             <a:fld id="{BC0FD902-686B-4A0D-9EB1-37C4F06B03EF}" type="datetime1">
               <a:rPr kumimoji="1" lang="ja-JP" altLang="en-US" smtClean="0"/>
-              <a:t>2020/8/19</a:t>
+              <a:t>2020/8/20</a:t>
             </a:fld>
             <a:endParaRPr kumimoji="1" lang="ja-JP" altLang="en-US"/>
           </a:p>
@@ -5975,7 +5964,7 @@
           <a:p>
             <a:fld id="{E90FD2C9-6400-40CA-9626-E4ED2CBDBD1C}" type="datetime1">
               <a:rPr kumimoji="1" lang="ja-JP" altLang="en-US" smtClean="0"/>
-              <a:t>2020/8/19</a:t>
+              <a:t>2020/8/20</a:t>
             </a:fld>
             <a:endParaRPr kumimoji="1" lang="ja-JP" altLang="en-US"/>
           </a:p>
@@ -19856,7 +19845,7 @@
               <a:pPr algn="ctr"/>
               <a:r>
                 <a:rPr lang="en-US" altLang="ja-JP" sz="1400" dirty="0"/>
-                <a:t>10 / 4</a:t>
+                <a:t>10 / 3</a:t>
               </a:r>
               <a:endParaRPr kumimoji="1" lang="ja-JP" altLang="en-US" sz="1400" dirty="0"/>
             </a:p>
@@ -19893,7 +19882,7 @@
               <a:pPr algn="ctr"/>
               <a:r>
                 <a:rPr lang="en-US" altLang="ja-JP" sz="1400" dirty="0"/>
-                <a:t>10 / 4</a:t>
+                <a:t>10 / 3</a:t>
               </a:r>
               <a:endParaRPr kumimoji="1" lang="ja-JP" altLang="en-US" sz="1400" dirty="0"/>
             </a:p>
@@ -19930,7 +19919,7 @@
               <a:pPr algn="ctr"/>
               <a:r>
                 <a:rPr lang="en-US" altLang="ja-JP" sz="1400" dirty="0"/>
-                <a:t>10 / 4</a:t>
+                <a:t>10 / 3</a:t>
               </a:r>
               <a:endParaRPr kumimoji="1" lang="ja-JP" altLang="en-US" sz="1400" dirty="0"/>
             </a:p>
@@ -19967,7 +19956,7 @@
               <a:pPr algn="ctr"/>
               <a:r>
                 <a:rPr lang="en-US" altLang="ja-JP" sz="1400" dirty="0"/>
-                <a:t>10 / 4</a:t>
+                <a:t>10 / 3</a:t>
               </a:r>
               <a:endParaRPr kumimoji="1" lang="ja-JP" altLang="en-US" sz="1400" dirty="0"/>
             </a:p>
@@ -26778,6 +26767,1058 @@
 </p:sld>
 </file>
 
+<file path=ppt/slides/slide9.xml><?xml version="1.0" encoding="utf-8"?>
+<p:sld xmlns:a="http://schemas.openxmlformats.org/drawingml/2006/main" xmlns:r="http://schemas.openxmlformats.org/officeDocument/2006/relationships" xmlns:p="http://schemas.openxmlformats.org/presentationml/2006/main">
+  <p:cSld>
+    <p:spTree>
+      <p:nvGrpSpPr>
+        <p:cNvPr id="1" name=""/>
+        <p:cNvGrpSpPr/>
+        <p:nvPr/>
+      </p:nvGrpSpPr>
+      <p:grpSpPr>
+        <a:xfrm>
+          <a:off x="0" y="0"/>
+          <a:ext cx="0" cy="0"/>
+          <a:chOff x="0" y="0"/>
+          <a:chExt cx="0" cy="0"/>
+        </a:xfrm>
+      </p:grpSpPr>
+      <p:sp>
+        <p:nvSpPr>
+          <p:cNvPr id="2" name="タイトル 1">
+            <a:extLst>
+              <a:ext uri="{FF2B5EF4-FFF2-40B4-BE49-F238E27FC236}">
+                <a16:creationId xmlns:a16="http://schemas.microsoft.com/office/drawing/2014/main" id="{3D0B7B28-537B-4075-AE42-619057A7DB4B}"/>
+              </a:ext>
+            </a:extLst>
+          </p:cNvPr>
+          <p:cNvSpPr>
+            <a:spLocks noGrp="1"/>
+          </p:cNvSpPr>
+          <p:nvPr>
+            <p:ph type="title"/>
+          </p:nvPr>
+        </p:nvSpPr>
+        <p:spPr/>
+        <p:txBody>
+          <a:bodyPr/>
+          <a:lstStyle/>
+          <a:p>
+            <a:endParaRPr kumimoji="1" lang="ja-JP" altLang="en-US"/>
+          </a:p>
+        </p:txBody>
+      </p:sp>
+      <p:graphicFrame>
+        <p:nvGraphicFramePr>
+          <p:cNvPr id="5" name="表 5">
+            <a:extLst>
+              <a:ext uri="{FF2B5EF4-FFF2-40B4-BE49-F238E27FC236}">
+                <a16:creationId xmlns:a16="http://schemas.microsoft.com/office/drawing/2014/main" id="{1610B136-ACFA-43B1-A387-31422D6671E2}"/>
+              </a:ext>
+            </a:extLst>
+          </p:cNvPr>
+          <p:cNvGraphicFramePr>
+            <a:graphicFrameLocks noGrp="1"/>
+          </p:cNvGraphicFramePr>
+          <p:nvPr>
+            <p:ph idx="1"/>
+            <p:extLst>
+              <p:ext uri="{D42A27DB-BD31-4B8C-83A1-F6EECF244321}">
+                <p14:modId xmlns:p14="http://schemas.microsoft.com/office/powerpoint/2010/main" val="3149905008"/>
+              </p:ext>
+            </p:extLst>
+          </p:nvPr>
+        </p:nvGraphicFramePr>
+        <p:xfrm>
+          <a:off x="838200" y="1825625"/>
+          <a:ext cx="10515600" cy="2966720"/>
+        </p:xfrm>
+        <a:graphic>
+          <a:graphicData uri="http://schemas.openxmlformats.org/drawingml/2006/table">
+            <a:tbl>
+              <a:tblPr firstRow="1" bandRow="1">
+                <a:tableStyleId>{F5AB1C69-6EDB-4FF4-983F-18BD219EF322}</a:tableStyleId>
+              </a:tblPr>
+              <a:tblGrid>
+                <a:gridCol w="1051560">
+                  <a:extLst>
+                    <a:ext uri="{9D8B030D-6E8A-4147-A177-3AD203B41FA5}">
+                      <a16:colId xmlns:a16="http://schemas.microsoft.com/office/drawing/2014/main" val="3809275443"/>
+                    </a:ext>
+                  </a:extLst>
+                </a:gridCol>
+                <a:gridCol w="1051560">
+                  <a:extLst>
+                    <a:ext uri="{9D8B030D-6E8A-4147-A177-3AD203B41FA5}">
+                      <a16:colId xmlns:a16="http://schemas.microsoft.com/office/drawing/2014/main" val="1686908210"/>
+                    </a:ext>
+                  </a:extLst>
+                </a:gridCol>
+                <a:gridCol w="1051560">
+                  <a:extLst>
+                    <a:ext uri="{9D8B030D-6E8A-4147-A177-3AD203B41FA5}">
+                      <a16:colId xmlns:a16="http://schemas.microsoft.com/office/drawing/2014/main" val="2884573268"/>
+                    </a:ext>
+                  </a:extLst>
+                </a:gridCol>
+                <a:gridCol w="1051560">
+                  <a:extLst>
+                    <a:ext uri="{9D8B030D-6E8A-4147-A177-3AD203B41FA5}">
+                      <a16:colId xmlns:a16="http://schemas.microsoft.com/office/drawing/2014/main" val="3027240530"/>
+                    </a:ext>
+                  </a:extLst>
+                </a:gridCol>
+                <a:gridCol w="1051560">
+                  <a:extLst>
+                    <a:ext uri="{9D8B030D-6E8A-4147-A177-3AD203B41FA5}">
+                      <a16:colId xmlns:a16="http://schemas.microsoft.com/office/drawing/2014/main" val="744260285"/>
+                    </a:ext>
+                  </a:extLst>
+                </a:gridCol>
+                <a:gridCol w="1051560">
+                  <a:extLst>
+                    <a:ext uri="{9D8B030D-6E8A-4147-A177-3AD203B41FA5}">
+                      <a16:colId xmlns:a16="http://schemas.microsoft.com/office/drawing/2014/main" val="1365964204"/>
+                    </a:ext>
+                  </a:extLst>
+                </a:gridCol>
+                <a:gridCol w="1051560">
+                  <a:extLst>
+                    <a:ext uri="{9D8B030D-6E8A-4147-A177-3AD203B41FA5}">
+                      <a16:colId xmlns:a16="http://schemas.microsoft.com/office/drawing/2014/main" val="198674059"/>
+                    </a:ext>
+                  </a:extLst>
+                </a:gridCol>
+                <a:gridCol w="1051560">
+                  <a:extLst>
+                    <a:ext uri="{9D8B030D-6E8A-4147-A177-3AD203B41FA5}">
+                      <a16:colId xmlns:a16="http://schemas.microsoft.com/office/drawing/2014/main" val="1145303048"/>
+                    </a:ext>
+                  </a:extLst>
+                </a:gridCol>
+                <a:gridCol w="1051560">
+                  <a:extLst>
+                    <a:ext uri="{9D8B030D-6E8A-4147-A177-3AD203B41FA5}">
+                      <a16:colId xmlns:a16="http://schemas.microsoft.com/office/drawing/2014/main" val="1936706967"/>
+                    </a:ext>
+                  </a:extLst>
+                </a:gridCol>
+                <a:gridCol w="1051560">
+                  <a:extLst>
+                    <a:ext uri="{9D8B030D-6E8A-4147-A177-3AD203B41FA5}">
+                      <a16:colId xmlns:a16="http://schemas.microsoft.com/office/drawing/2014/main" val="480918235"/>
+                    </a:ext>
+                  </a:extLst>
+                </a:gridCol>
+              </a:tblGrid>
+              <a:tr h="370840">
+                <a:tc>
+                  <a:txBody>
+                    <a:bodyPr/>
+                    <a:lstStyle/>
+                    <a:p>
+                      <a:r>
+                        <a:rPr kumimoji="1" lang="en-US" altLang="ja-JP" dirty="0"/>
+                        <a:t>100</a:t>
+                      </a:r>
+                      <a:endParaRPr kumimoji="1" lang="ja-JP" altLang="en-US" dirty="0"/>
+                    </a:p>
+                  </a:txBody>
+                  <a:tcPr/>
+                </a:tc>
+                <a:tc>
+                  <a:txBody>
+                    <a:bodyPr/>
+                    <a:lstStyle/>
+                    <a:p>
+                      <a:endParaRPr kumimoji="1" lang="ja-JP" altLang="en-US"/>
+                    </a:p>
+                  </a:txBody>
+                  <a:tcPr/>
+                </a:tc>
+                <a:tc>
+                  <a:txBody>
+                    <a:bodyPr/>
+                    <a:lstStyle/>
+                    <a:p>
+                      <a:endParaRPr kumimoji="1" lang="ja-JP" altLang="en-US"/>
+                    </a:p>
+                  </a:txBody>
+                  <a:tcPr/>
+                </a:tc>
+                <a:tc>
+                  <a:txBody>
+                    <a:bodyPr/>
+                    <a:lstStyle/>
+                    <a:p>
+                      <a:endParaRPr kumimoji="1" lang="ja-JP" altLang="en-US"/>
+                    </a:p>
+                  </a:txBody>
+                  <a:tcPr/>
+                </a:tc>
+                <a:tc>
+                  <a:txBody>
+                    <a:bodyPr/>
+                    <a:lstStyle/>
+                    <a:p>
+                      <a:endParaRPr kumimoji="1" lang="ja-JP" altLang="en-US"/>
+                    </a:p>
+                  </a:txBody>
+                  <a:tcPr/>
+                </a:tc>
+                <a:tc>
+                  <a:txBody>
+                    <a:bodyPr/>
+                    <a:lstStyle/>
+                    <a:p>
+                      <a:endParaRPr kumimoji="1" lang="ja-JP" altLang="en-US"/>
+                    </a:p>
+                  </a:txBody>
+                  <a:tcPr/>
+                </a:tc>
+                <a:tc>
+                  <a:txBody>
+                    <a:bodyPr/>
+                    <a:lstStyle/>
+                    <a:p>
+                      <a:endParaRPr kumimoji="1" lang="ja-JP" altLang="en-US"/>
+                    </a:p>
+                  </a:txBody>
+                  <a:tcPr/>
+                </a:tc>
+                <a:tc>
+                  <a:txBody>
+                    <a:bodyPr/>
+                    <a:lstStyle/>
+                    <a:p>
+                      <a:endParaRPr kumimoji="1" lang="ja-JP" altLang="en-US"/>
+                    </a:p>
+                  </a:txBody>
+                  <a:tcPr/>
+                </a:tc>
+                <a:tc>
+                  <a:txBody>
+                    <a:bodyPr/>
+                    <a:lstStyle/>
+                    <a:p>
+                      <a:endParaRPr kumimoji="1" lang="ja-JP" altLang="en-US"/>
+                    </a:p>
+                  </a:txBody>
+                  <a:tcPr/>
+                </a:tc>
+                <a:tc>
+                  <a:txBody>
+                    <a:bodyPr/>
+                    <a:lstStyle/>
+                    <a:p>
+                      <a:endParaRPr kumimoji="1" lang="ja-JP" altLang="en-US"/>
+                    </a:p>
+                  </a:txBody>
+                  <a:tcPr/>
+                </a:tc>
+                <a:extLst>
+                  <a:ext uri="{0D108BD9-81ED-4DB2-BD59-A6C34878D82A}">
+                    <a16:rowId xmlns:a16="http://schemas.microsoft.com/office/drawing/2014/main" val="3945377046"/>
+                  </a:ext>
+                </a:extLst>
+              </a:tr>
+              <a:tr h="370840">
+                <a:tc>
+                  <a:txBody>
+                    <a:bodyPr/>
+                    <a:lstStyle/>
+                    <a:p>
+                      <a:endParaRPr kumimoji="1" lang="ja-JP" altLang="en-US"/>
+                    </a:p>
+                  </a:txBody>
+                  <a:tcPr/>
+                </a:tc>
+                <a:tc>
+                  <a:txBody>
+                    <a:bodyPr/>
+                    <a:lstStyle/>
+                    <a:p>
+                      <a:endParaRPr kumimoji="1" lang="ja-JP" altLang="en-US"/>
+                    </a:p>
+                  </a:txBody>
+                  <a:tcPr/>
+                </a:tc>
+                <a:tc>
+                  <a:txBody>
+                    <a:bodyPr/>
+                    <a:lstStyle/>
+                    <a:p>
+                      <a:endParaRPr kumimoji="1" lang="ja-JP" altLang="en-US"/>
+                    </a:p>
+                  </a:txBody>
+                  <a:tcPr/>
+                </a:tc>
+                <a:tc>
+                  <a:txBody>
+                    <a:bodyPr/>
+                    <a:lstStyle/>
+                    <a:p>
+                      <a:endParaRPr kumimoji="1" lang="ja-JP" altLang="en-US"/>
+                    </a:p>
+                  </a:txBody>
+                  <a:tcPr/>
+                </a:tc>
+                <a:tc>
+                  <a:txBody>
+                    <a:bodyPr/>
+                    <a:lstStyle/>
+                    <a:p>
+                      <a:endParaRPr kumimoji="1" lang="ja-JP" altLang="en-US"/>
+                    </a:p>
+                  </a:txBody>
+                  <a:tcPr/>
+                </a:tc>
+                <a:tc>
+                  <a:txBody>
+                    <a:bodyPr/>
+                    <a:lstStyle/>
+                    <a:p>
+                      <a:endParaRPr kumimoji="1" lang="ja-JP" altLang="en-US"/>
+                    </a:p>
+                  </a:txBody>
+                  <a:tcPr/>
+                </a:tc>
+                <a:tc>
+                  <a:txBody>
+                    <a:bodyPr/>
+                    <a:lstStyle/>
+                    <a:p>
+                      <a:endParaRPr kumimoji="1" lang="ja-JP" altLang="en-US"/>
+                    </a:p>
+                  </a:txBody>
+                  <a:tcPr/>
+                </a:tc>
+                <a:tc>
+                  <a:txBody>
+                    <a:bodyPr/>
+                    <a:lstStyle/>
+                    <a:p>
+                      <a:endParaRPr kumimoji="1" lang="ja-JP" altLang="en-US"/>
+                    </a:p>
+                  </a:txBody>
+                  <a:tcPr/>
+                </a:tc>
+                <a:tc>
+                  <a:txBody>
+                    <a:bodyPr/>
+                    <a:lstStyle/>
+                    <a:p>
+                      <a:endParaRPr kumimoji="1" lang="ja-JP" altLang="en-US"/>
+                    </a:p>
+                  </a:txBody>
+                  <a:tcPr/>
+                </a:tc>
+                <a:tc>
+                  <a:txBody>
+                    <a:bodyPr/>
+                    <a:lstStyle/>
+                    <a:p>
+                      <a:endParaRPr kumimoji="1" lang="ja-JP" altLang="en-US"/>
+                    </a:p>
+                  </a:txBody>
+                  <a:tcPr/>
+                </a:tc>
+                <a:extLst>
+                  <a:ext uri="{0D108BD9-81ED-4DB2-BD59-A6C34878D82A}">
+                    <a16:rowId xmlns:a16="http://schemas.microsoft.com/office/drawing/2014/main" val="3155486708"/>
+                  </a:ext>
+                </a:extLst>
+              </a:tr>
+              <a:tr h="370840">
+                <a:tc>
+                  <a:txBody>
+                    <a:bodyPr/>
+                    <a:lstStyle/>
+                    <a:p>
+                      <a:endParaRPr kumimoji="1" lang="ja-JP" altLang="en-US"/>
+                    </a:p>
+                  </a:txBody>
+                  <a:tcPr/>
+                </a:tc>
+                <a:tc>
+                  <a:txBody>
+                    <a:bodyPr/>
+                    <a:lstStyle/>
+                    <a:p>
+                      <a:endParaRPr kumimoji="1" lang="ja-JP" altLang="en-US"/>
+                    </a:p>
+                  </a:txBody>
+                  <a:tcPr/>
+                </a:tc>
+                <a:tc>
+                  <a:txBody>
+                    <a:bodyPr/>
+                    <a:lstStyle/>
+                    <a:p>
+                      <a:endParaRPr kumimoji="1" lang="ja-JP" altLang="en-US"/>
+                    </a:p>
+                  </a:txBody>
+                  <a:tcPr/>
+                </a:tc>
+                <a:tc>
+                  <a:txBody>
+                    <a:bodyPr/>
+                    <a:lstStyle/>
+                    <a:p>
+                      <a:endParaRPr kumimoji="1" lang="ja-JP" altLang="en-US"/>
+                    </a:p>
+                  </a:txBody>
+                  <a:tcPr/>
+                </a:tc>
+                <a:tc>
+                  <a:txBody>
+                    <a:bodyPr/>
+                    <a:lstStyle/>
+                    <a:p>
+                      <a:endParaRPr kumimoji="1" lang="ja-JP" altLang="en-US"/>
+                    </a:p>
+                  </a:txBody>
+                  <a:tcPr/>
+                </a:tc>
+                <a:tc>
+                  <a:txBody>
+                    <a:bodyPr/>
+                    <a:lstStyle/>
+                    <a:p>
+                      <a:endParaRPr kumimoji="1" lang="ja-JP" altLang="en-US"/>
+                    </a:p>
+                  </a:txBody>
+                  <a:tcPr/>
+                </a:tc>
+                <a:tc>
+                  <a:txBody>
+                    <a:bodyPr/>
+                    <a:lstStyle/>
+                    <a:p>
+                      <a:endParaRPr kumimoji="1" lang="ja-JP" altLang="en-US"/>
+                    </a:p>
+                  </a:txBody>
+                  <a:tcPr/>
+                </a:tc>
+                <a:tc>
+                  <a:txBody>
+                    <a:bodyPr/>
+                    <a:lstStyle/>
+                    <a:p>
+                      <a:endParaRPr kumimoji="1" lang="ja-JP" altLang="en-US"/>
+                    </a:p>
+                  </a:txBody>
+                  <a:tcPr/>
+                </a:tc>
+                <a:tc>
+                  <a:txBody>
+                    <a:bodyPr/>
+                    <a:lstStyle/>
+                    <a:p>
+                      <a:endParaRPr kumimoji="1" lang="ja-JP" altLang="en-US"/>
+                    </a:p>
+                  </a:txBody>
+                  <a:tcPr/>
+                </a:tc>
+                <a:tc>
+                  <a:txBody>
+                    <a:bodyPr/>
+                    <a:lstStyle/>
+                    <a:p>
+                      <a:endParaRPr kumimoji="1" lang="ja-JP" altLang="en-US"/>
+                    </a:p>
+                  </a:txBody>
+                  <a:tcPr/>
+                </a:tc>
+                <a:extLst>
+                  <a:ext uri="{0D108BD9-81ED-4DB2-BD59-A6C34878D82A}">
+                    <a16:rowId xmlns:a16="http://schemas.microsoft.com/office/drawing/2014/main" val="71088490"/>
+                  </a:ext>
+                </a:extLst>
+              </a:tr>
+              <a:tr h="370840">
+                <a:tc>
+                  <a:txBody>
+                    <a:bodyPr/>
+                    <a:lstStyle/>
+                    <a:p>
+                      <a:endParaRPr kumimoji="1" lang="ja-JP" altLang="en-US"/>
+                    </a:p>
+                  </a:txBody>
+                  <a:tcPr/>
+                </a:tc>
+                <a:tc>
+                  <a:txBody>
+                    <a:bodyPr/>
+                    <a:lstStyle/>
+                    <a:p>
+                      <a:endParaRPr kumimoji="1" lang="ja-JP" altLang="en-US"/>
+                    </a:p>
+                  </a:txBody>
+                  <a:tcPr/>
+                </a:tc>
+                <a:tc>
+                  <a:txBody>
+                    <a:bodyPr/>
+                    <a:lstStyle/>
+                    <a:p>
+                      <a:endParaRPr kumimoji="1" lang="ja-JP" altLang="en-US"/>
+                    </a:p>
+                  </a:txBody>
+                  <a:tcPr/>
+                </a:tc>
+                <a:tc>
+                  <a:txBody>
+                    <a:bodyPr/>
+                    <a:lstStyle/>
+                    <a:p>
+                      <a:endParaRPr kumimoji="1" lang="ja-JP" altLang="en-US"/>
+                    </a:p>
+                  </a:txBody>
+                  <a:tcPr/>
+                </a:tc>
+                <a:tc>
+                  <a:txBody>
+                    <a:bodyPr/>
+                    <a:lstStyle/>
+                    <a:p>
+                      <a:endParaRPr kumimoji="1" lang="ja-JP" altLang="en-US"/>
+                    </a:p>
+                  </a:txBody>
+                  <a:tcPr/>
+                </a:tc>
+                <a:tc>
+                  <a:txBody>
+                    <a:bodyPr/>
+                    <a:lstStyle/>
+                    <a:p>
+                      <a:endParaRPr kumimoji="1" lang="ja-JP" altLang="en-US"/>
+                    </a:p>
+                  </a:txBody>
+                  <a:tcPr/>
+                </a:tc>
+                <a:tc>
+                  <a:txBody>
+                    <a:bodyPr/>
+                    <a:lstStyle/>
+                    <a:p>
+                      <a:endParaRPr kumimoji="1" lang="ja-JP" altLang="en-US"/>
+                    </a:p>
+                  </a:txBody>
+                  <a:tcPr/>
+                </a:tc>
+                <a:tc>
+                  <a:txBody>
+                    <a:bodyPr/>
+                    <a:lstStyle/>
+                    <a:p>
+                      <a:endParaRPr kumimoji="1" lang="ja-JP" altLang="en-US"/>
+                    </a:p>
+                  </a:txBody>
+                  <a:tcPr/>
+                </a:tc>
+                <a:tc>
+                  <a:txBody>
+                    <a:bodyPr/>
+                    <a:lstStyle/>
+                    <a:p>
+                      <a:endParaRPr kumimoji="1" lang="ja-JP" altLang="en-US"/>
+                    </a:p>
+                  </a:txBody>
+                  <a:tcPr/>
+                </a:tc>
+                <a:tc>
+                  <a:txBody>
+                    <a:bodyPr/>
+                    <a:lstStyle/>
+                    <a:p>
+                      <a:endParaRPr kumimoji="1" lang="ja-JP" altLang="en-US"/>
+                    </a:p>
+                  </a:txBody>
+                  <a:tcPr/>
+                </a:tc>
+                <a:extLst>
+                  <a:ext uri="{0D108BD9-81ED-4DB2-BD59-A6C34878D82A}">
+                    <a16:rowId xmlns:a16="http://schemas.microsoft.com/office/drawing/2014/main" val="3340918696"/>
+                  </a:ext>
+                </a:extLst>
+              </a:tr>
+              <a:tr h="370840">
+                <a:tc>
+                  <a:txBody>
+                    <a:bodyPr/>
+                    <a:lstStyle/>
+                    <a:p>
+                      <a:endParaRPr kumimoji="1" lang="ja-JP" altLang="en-US"/>
+                    </a:p>
+                  </a:txBody>
+                  <a:tcPr/>
+                </a:tc>
+                <a:tc>
+                  <a:txBody>
+                    <a:bodyPr/>
+                    <a:lstStyle/>
+                    <a:p>
+                      <a:endParaRPr kumimoji="1" lang="ja-JP" altLang="en-US"/>
+                    </a:p>
+                  </a:txBody>
+                  <a:tcPr/>
+                </a:tc>
+                <a:tc>
+                  <a:txBody>
+                    <a:bodyPr/>
+                    <a:lstStyle/>
+                    <a:p>
+                      <a:endParaRPr kumimoji="1" lang="ja-JP" altLang="en-US"/>
+                    </a:p>
+                  </a:txBody>
+                  <a:tcPr/>
+                </a:tc>
+                <a:tc>
+                  <a:txBody>
+                    <a:bodyPr/>
+                    <a:lstStyle/>
+                    <a:p>
+                      <a:endParaRPr kumimoji="1" lang="ja-JP" altLang="en-US"/>
+                    </a:p>
+                  </a:txBody>
+                  <a:tcPr/>
+                </a:tc>
+                <a:tc>
+                  <a:txBody>
+                    <a:bodyPr/>
+                    <a:lstStyle/>
+                    <a:p>
+                      <a:endParaRPr kumimoji="1" lang="ja-JP" altLang="en-US"/>
+                    </a:p>
+                  </a:txBody>
+                  <a:tcPr/>
+                </a:tc>
+                <a:tc>
+                  <a:txBody>
+                    <a:bodyPr/>
+                    <a:lstStyle/>
+                    <a:p>
+                      <a:endParaRPr kumimoji="1" lang="ja-JP" altLang="en-US"/>
+                    </a:p>
+                  </a:txBody>
+                  <a:tcPr/>
+                </a:tc>
+                <a:tc>
+                  <a:txBody>
+                    <a:bodyPr/>
+                    <a:lstStyle/>
+                    <a:p>
+                      <a:endParaRPr kumimoji="1" lang="ja-JP" altLang="en-US"/>
+                    </a:p>
+                  </a:txBody>
+                  <a:tcPr/>
+                </a:tc>
+                <a:tc>
+                  <a:txBody>
+                    <a:bodyPr/>
+                    <a:lstStyle/>
+                    <a:p>
+                      <a:endParaRPr kumimoji="1" lang="ja-JP" altLang="en-US"/>
+                    </a:p>
+                  </a:txBody>
+                  <a:tcPr/>
+                </a:tc>
+                <a:tc>
+                  <a:txBody>
+                    <a:bodyPr/>
+                    <a:lstStyle/>
+                    <a:p>
+                      <a:endParaRPr kumimoji="1" lang="ja-JP" altLang="en-US"/>
+                    </a:p>
+                  </a:txBody>
+                  <a:tcPr/>
+                </a:tc>
+                <a:tc>
+                  <a:txBody>
+                    <a:bodyPr/>
+                    <a:lstStyle/>
+                    <a:p>
+                      <a:endParaRPr kumimoji="1" lang="ja-JP" altLang="en-US"/>
+                    </a:p>
+                  </a:txBody>
+                  <a:tcPr/>
+                </a:tc>
+                <a:extLst>
+                  <a:ext uri="{0D108BD9-81ED-4DB2-BD59-A6C34878D82A}">
+                    <a16:rowId xmlns:a16="http://schemas.microsoft.com/office/drawing/2014/main" val="785173345"/>
+                  </a:ext>
+                </a:extLst>
+              </a:tr>
+              <a:tr h="370840">
+                <a:tc>
+                  <a:txBody>
+                    <a:bodyPr/>
+                    <a:lstStyle/>
+                    <a:p>
+                      <a:endParaRPr kumimoji="1" lang="ja-JP" altLang="en-US"/>
+                    </a:p>
+                  </a:txBody>
+                  <a:tcPr/>
+                </a:tc>
+                <a:tc>
+                  <a:txBody>
+                    <a:bodyPr/>
+                    <a:lstStyle/>
+                    <a:p>
+                      <a:endParaRPr kumimoji="1" lang="ja-JP" altLang="en-US"/>
+                    </a:p>
+                  </a:txBody>
+                  <a:tcPr/>
+                </a:tc>
+                <a:tc>
+                  <a:txBody>
+                    <a:bodyPr/>
+                    <a:lstStyle/>
+                    <a:p>
+                      <a:endParaRPr kumimoji="1" lang="ja-JP" altLang="en-US"/>
+                    </a:p>
+                  </a:txBody>
+                  <a:tcPr/>
+                </a:tc>
+                <a:tc>
+                  <a:txBody>
+                    <a:bodyPr/>
+                    <a:lstStyle/>
+                    <a:p>
+                      <a:endParaRPr kumimoji="1" lang="ja-JP" altLang="en-US"/>
+                    </a:p>
+                  </a:txBody>
+                  <a:tcPr/>
+                </a:tc>
+                <a:tc>
+                  <a:txBody>
+                    <a:bodyPr/>
+                    <a:lstStyle/>
+                    <a:p>
+                      <a:endParaRPr kumimoji="1" lang="ja-JP" altLang="en-US"/>
+                    </a:p>
+                  </a:txBody>
+                  <a:tcPr/>
+                </a:tc>
+                <a:tc>
+                  <a:txBody>
+                    <a:bodyPr/>
+                    <a:lstStyle/>
+                    <a:p>
+                      <a:endParaRPr kumimoji="1" lang="ja-JP" altLang="en-US"/>
+                    </a:p>
+                  </a:txBody>
+                  <a:tcPr/>
+                </a:tc>
+                <a:tc>
+                  <a:txBody>
+                    <a:bodyPr/>
+                    <a:lstStyle/>
+                    <a:p>
+                      <a:endParaRPr kumimoji="1" lang="ja-JP" altLang="en-US"/>
+                    </a:p>
+                  </a:txBody>
+                  <a:tcPr/>
+                </a:tc>
+                <a:tc>
+                  <a:txBody>
+                    <a:bodyPr/>
+                    <a:lstStyle/>
+                    <a:p>
+                      <a:endParaRPr kumimoji="1" lang="ja-JP" altLang="en-US"/>
+                    </a:p>
+                  </a:txBody>
+                  <a:tcPr/>
+                </a:tc>
+                <a:tc>
+                  <a:txBody>
+                    <a:bodyPr/>
+                    <a:lstStyle/>
+                    <a:p>
+                      <a:endParaRPr kumimoji="1" lang="ja-JP" altLang="en-US"/>
+                    </a:p>
+                  </a:txBody>
+                  <a:tcPr/>
+                </a:tc>
+                <a:tc>
+                  <a:txBody>
+                    <a:bodyPr/>
+                    <a:lstStyle/>
+                    <a:p>
+                      <a:endParaRPr kumimoji="1" lang="ja-JP" altLang="en-US"/>
+                    </a:p>
+                  </a:txBody>
+                  <a:tcPr/>
+                </a:tc>
+                <a:extLst>
+                  <a:ext uri="{0D108BD9-81ED-4DB2-BD59-A6C34878D82A}">
+                    <a16:rowId xmlns:a16="http://schemas.microsoft.com/office/drawing/2014/main" val="751071830"/>
+                  </a:ext>
+                </a:extLst>
+              </a:tr>
+              <a:tr h="370840">
+                <a:tc>
+                  <a:txBody>
+                    <a:bodyPr/>
+                    <a:lstStyle/>
+                    <a:p>
+                      <a:endParaRPr kumimoji="1" lang="ja-JP" altLang="en-US"/>
+                    </a:p>
+                  </a:txBody>
+                  <a:tcPr/>
+                </a:tc>
+                <a:tc>
+                  <a:txBody>
+                    <a:bodyPr/>
+                    <a:lstStyle/>
+                    <a:p>
+                      <a:endParaRPr kumimoji="1" lang="ja-JP" altLang="en-US"/>
+                    </a:p>
+                  </a:txBody>
+                  <a:tcPr/>
+                </a:tc>
+                <a:tc>
+                  <a:txBody>
+                    <a:bodyPr/>
+                    <a:lstStyle/>
+                    <a:p>
+                      <a:endParaRPr kumimoji="1" lang="ja-JP" altLang="en-US"/>
+                    </a:p>
+                  </a:txBody>
+                  <a:tcPr/>
+                </a:tc>
+                <a:tc>
+                  <a:txBody>
+                    <a:bodyPr/>
+                    <a:lstStyle/>
+                    <a:p>
+                      <a:endParaRPr kumimoji="1" lang="ja-JP" altLang="en-US"/>
+                    </a:p>
+                  </a:txBody>
+                  <a:tcPr/>
+                </a:tc>
+                <a:tc>
+                  <a:txBody>
+                    <a:bodyPr/>
+                    <a:lstStyle/>
+                    <a:p>
+                      <a:endParaRPr kumimoji="1" lang="ja-JP" altLang="en-US"/>
+                    </a:p>
+                  </a:txBody>
+                  <a:tcPr/>
+                </a:tc>
+                <a:tc>
+                  <a:txBody>
+                    <a:bodyPr/>
+                    <a:lstStyle/>
+                    <a:p>
+                      <a:endParaRPr kumimoji="1" lang="ja-JP" altLang="en-US"/>
+                    </a:p>
+                  </a:txBody>
+                  <a:tcPr/>
+                </a:tc>
+                <a:tc>
+                  <a:txBody>
+                    <a:bodyPr/>
+                    <a:lstStyle/>
+                    <a:p>
+                      <a:endParaRPr kumimoji="1" lang="ja-JP" altLang="en-US"/>
+                    </a:p>
+                  </a:txBody>
+                  <a:tcPr/>
+                </a:tc>
+                <a:tc>
+                  <a:txBody>
+                    <a:bodyPr/>
+                    <a:lstStyle/>
+                    <a:p>
+                      <a:endParaRPr kumimoji="1" lang="ja-JP" altLang="en-US"/>
+                    </a:p>
+                  </a:txBody>
+                  <a:tcPr/>
+                </a:tc>
+                <a:tc>
+                  <a:txBody>
+                    <a:bodyPr/>
+                    <a:lstStyle/>
+                    <a:p>
+                      <a:endParaRPr kumimoji="1" lang="ja-JP" altLang="en-US"/>
+                    </a:p>
+                  </a:txBody>
+                  <a:tcPr/>
+                </a:tc>
+                <a:tc>
+                  <a:txBody>
+                    <a:bodyPr/>
+                    <a:lstStyle/>
+                    <a:p>
+                      <a:endParaRPr kumimoji="1" lang="ja-JP" altLang="en-US"/>
+                    </a:p>
+                  </a:txBody>
+                  <a:tcPr/>
+                </a:tc>
+                <a:extLst>
+                  <a:ext uri="{0D108BD9-81ED-4DB2-BD59-A6C34878D82A}">
+                    <a16:rowId xmlns:a16="http://schemas.microsoft.com/office/drawing/2014/main" val="2474039793"/>
+                  </a:ext>
+                </a:extLst>
+              </a:tr>
+              <a:tr h="370840">
+                <a:tc>
+                  <a:txBody>
+                    <a:bodyPr/>
+                    <a:lstStyle/>
+                    <a:p>
+                      <a:endParaRPr kumimoji="1" lang="ja-JP" altLang="en-US"/>
+                    </a:p>
+                  </a:txBody>
+                  <a:tcPr/>
+                </a:tc>
+                <a:tc>
+                  <a:txBody>
+                    <a:bodyPr/>
+                    <a:lstStyle/>
+                    <a:p>
+                      <a:endParaRPr kumimoji="1" lang="ja-JP" altLang="en-US"/>
+                    </a:p>
+                  </a:txBody>
+                  <a:tcPr/>
+                </a:tc>
+                <a:tc>
+                  <a:txBody>
+                    <a:bodyPr/>
+                    <a:lstStyle/>
+                    <a:p>
+                      <a:endParaRPr kumimoji="1" lang="ja-JP" altLang="en-US"/>
+                    </a:p>
+                  </a:txBody>
+                  <a:tcPr/>
+                </a:tc>
+                <a:tc>
+                  <a:txBody>
+                    <a:bodyPr/>
+                    <a:lstStyle/>
+                    <a:p>
+                      <a:endParaRPr kumimoji="1" lang="ja-JP" altLang="en-US"/>
+                    </a:p>
+                  </a:txBody>
+                  <a:tcPr/>
+                </a:tc>
+                <a:tc>
+                  <a:txBody>
+                    <a:bodyPr/>
+                    <a:lstStyle/>
+                    <a:p>
+                      <a:endParaRPr kumimoji="1" lang="ja-JP" altLang="en-US"/>
+                    </a:p>
+                  </a:txBody>
+                  <a:tcPr/>
+                </a:tc>
+                <a:tc>
+                  <a:txBody>
+                    <a:bodyPr/>
+                    <a:lstStyle/>
+                    <a:p>
+                      <a:endParaRPr kumimoji="1" lang="ja-JP" altLang="en-US"/>
+                    </a:p>
+                  </a:txBody>
+                  <a:tcPr/>
+                </a:tc>
+                <a:tc>
+                  <a:txBody>
+                    <a:bodyPr/>
+                    <a:lstStyle/>
+                    <a:p>
+                      <a:endParaRPr kumimoji="1" lang="ja-JP" altLang="en-US"/>
+                    </a:p>
+                  </a:txBody>
+                  <a:tcPr/>
+                </a:tc>
+                <a:tc>
+                  <a:txBody>
+                    <a:bodyPr/>
+                    <a:lstStyle/>
+                    <a:p>
+                      <a:endParaRPr kumimoji="1" lang="ja-JP" altLang="en-US"/>
+                    </a:p>
+                  </a:txBody>
+                  <a:tcPr/>
+                </a:tc>
+                <a:tc>
+                  <a:txBody>
+                    <a:bodyPr/>
+                    <a:lstStyle/>
+                    <a:p>
+                      <a:endParaRPr kumimoji="1" lang="ja-JP" altLang="en-US"/>
+                    </a:p>
+                  </a:txBody>
+                  <a:tcPr/>
+                </a:tc>
+                <a:tc>
+                  <a:txBody>
+                    <a:bodyPr/>
+                    <a:lstStyle/>
+                    <a:p>
+                      <a:endParaRPr kumimoji="1" lang="ja-JP" altLang="en-US" dirty="0"/>
+                    </a:p>
+                  </a:txBody>
+                  <a:tcPr/>
+                </a:tc>
+                <a:extLst>
+                  <a:ext uri="{0D108BD9-81ED-4DB2-BD59-A6C34878D82A}">
+                    <a16:rowId xmlns:a16="http://schemas.microsoft.com/office/drawing/2014/main" val="4184278125"/>
+                  </a:ext>
+                </a:extLst>
+              </a:tr>
+            </a:tbl>
+          </a:graphicData>
+        </a:graphic>
+      </p:graphicFrame>
+      <p:sp>
+        <p:nvSpPr>
+          <p:cNvPr id="4" name="スライド番号プレースホルダー 3">
+            <a:extLst>
+              <a:ext uri="{FF2B5EF4-FFF2-40B4-BE49-F238E27FC236}">
+                <a16:creationId xmlns:a16="http://schemas.microsoft.com/office/drawing/2014/main" id="{6FFABB29-2654-4DB2-8185-DD4C98D254AD}"/>
+              </a:ext>
+            </a:extLst>
+          </p:cNvPr>
+          <p:cNvSpPr>
+            <a:spLocks noGrp="1"/>
+          </p:cNvSpPr>
+          <p:nvPr>
+            <p:ph type="sldNum" sz="quarter" idx="12"/>
+          </p:nvPr>
+        </p:nvSpPr>
+        <p:spPr/>
+        <p:txBody>
+          <a:bodyPr/>
+          <a:lstStyle/>
+          <a:p>
+            <a:fld id="{92084505-5355-43A2-B929-FD06D0DABC31}" type="slidenum">
+              <a:rPr lang="ja-JP" altLang="en-US" smtClean="0"/>
+              <a:pPr/>
+              <a:t>9</a:t>
+            </a:fld>
+            <a:endParaRPr lang="ja-JP" altLang="en-US" dirty="0"/>
+          </a:p>
+        </p:txBody>
+      </p:sp>
+    </p:spTree>
+    <p:extLst>
+      <p:ext uri="{BB962C8B-B14F-4D97-AF65-F5344CB8AC3E}">
+        <p14:creationId xmlns:p14="http://schemas.microsoft.com/office/powerpoint/2010/main" val="3984286631"/>
+      </p:ext>
+    </p:extLst>
+  </p:cSld>
+  <p:clrMapOvr>
+    <a:masterClrMapping/>
+  </p:clrMapOvr>
+</p:sld>
+</file>
+
 <file path=ppt/theme/theme1.xml><?xml version="1.0" encoding="utf-8"?>
 <a:theme xmlns:a="http://schemas.openxmlformats.org/drawingml/2006/main" name="Office テーマ">
   <a:themeElements>

--- a/paper/ABC2020CookingChallenge/ABC2020_Fujii.pptx
+++ b/paper/ABC2020CookingChallenge/ABC2020_Fujii.pptx
@@ -741,7 +741,7 @@
               <a:tabLst/>
               <a:defRPr/>
             </a:pPr>
-            <a:endParaRPr lang="en-US" altLang="ja-JP" dirty="0"/>
+            <a:endParaRPr lang="en-US" altLang="ja-JP"/>
           </a:p>
           <a:p>
             <a:pPr marL="0" marR="0" lvl="0" indent="0" algn="l" defTabSz="914400" rtl="0" eaLnBrk="1" fontAlgn="auto" latinLnBrk="0" hangingPunct="1">
@@ -761,10 +761,7 @@
               <a:tabLst/>
               <a:defRPr/>
             </a:pPr>
-            <a:r>
-              <a:rPr lang="en-US" altLang="ja-JP" dirty="0"/>
-              <a:t>First, we will explain the rules and goals of the challenge.</a:t>
-            </a:r>
+            <a:endParaRPr lang="en-US" altLang="ja-JP"/>
           </a:p>
           <a:p>
             <a:pPr marL="0" marR="0" lvl="0" indent="0" algn="l" defTabSz="914400" rtl="0" eaLnBrk="1" fontAlgn="auto" latinLnBrk="0" hangingPunct="1">
@@ -784,10 +781,7 @@
               <a:tabLst/>
               <a:defRPr/>
             </a:pPr>
-            <a:r>
-              <a:rPr lang="en-US" altLang="ja-JP" dirty="0"/>
-              <a:t>In this challenge, we are given a data set obtained by four subjects performing cooking activities with sensors attached to their bodies.</a:t>
-            </a:r>
+            <a:endParaRPr lang="en-US" altLang="ja-JP"/>
           </a:p>
           <a:p>
             <a:pPr marL="0" marR="0" lvl="0" indent="0" algn="l" defTabSz="914400" rtl="0" eaLnBrk="1" fontAlgn="auto" latinLnBrk="0" hangingPunct="1">
@@ -808,9 +802,33 @@
               <a:defRPr/>
             </a:pPr>
             <a:r>
-              <a:rPr lang="en-US" altLang="ja-JP" dirty="0"/>
-              <a:t>This dataset contains training data for three subjects and test data for one subject.</a:t>
-            </a:r>
+              <a:rPr kumimoji="1" lang="en-US" altLang="ja-JP" b="0">
+                <a:latin typeface="+mn-lt"/>
+              </a:rPr>
+              <a:t>“</a:t>
+            </a:r>
+            <a:r>
+              <a:rPr lang="en-US" altLang="ja-JP" sz="1200" b="0" i="0" u="none" strike="noStrike" baseline="0">
+                <a:latin typeface="+mn-lt"/>
+                <a:cs typeface="Times New Roman" panose="02020603050405020304" pitchFamily="18" charset="0"/>
+              </a:rPr>
+              <a:t>Cooking Activity Recognition with Convolutional LSTM using Multi-label Loss Function and Majority Vote</a:t>
+            </a:r>
+            <a:r>
+              <a:rPr kumimoji="1" lang="en-US" altLang="ja-JP" b="0">
+                <a:latin typeface="+mn-lt"/>
+              </a:rPr>
+              <a:t>”</a:t>
+            </a:r>
+            <a:r>
+              <a:rPr kumimoji="1" lang="ja-JP" altLang="en-US" b="0">
+                <a:latin typeface="+mn-lt"/>
+              </a:rPr>
+              <a:t>について説明する．</a:t>
+            </a:r>
+            <a:endParaRPr kumimoji="1" lang="en-US" altLang="ja-JP" b="0">
+              <a:latin typeface="+mn-lt"/>
+            </a:endParaRPr>
           </a:p>
           <a:p>
             <a:pPr marL="0" marR="0" lvl="0" indent="0" algn="l" defTabSz="914400" rtl="0" eaLnBrk="1" fontAlgn="auto" latinLnBrk="0" hangingPunct="1">
@@ -830,6 +848,158 @@
               <a:tabLst/>
               <a:defRPr/>
             </a:pPr>
+            <a:endParaRPr lang="en-US" altLang="ja-JP"/>
+          </a:p>
+          <a:p>
+            <a:pPr marL="0" marR="0" lvl="0" indent="0" algn="l" defTabSz="914400" rtl="0" eaLnBrk="1" fontAlgn="auto" latinLnBrk="0" hangingPunct="1">
+              <a:lnSpc>
+                <a:spcPct val="100000"/>
+              </a:lnSpc>
+              <a:spcBef>
+                <a:spcPts val="0"/>
+              </a:spcBef>
+              <a:spcAft>
+                <a:spcPts val="0"/>
+              </a:spcAft>
+              <a:buClrTx/>
+              <a:buSzTx/>
+              <a:buFontTx/>
+              <a:buNone/>
+              <a:tabLst/>
+              <a:defRPr/>
+            </a:pPr>
+            <a:endParaRPr lang="en-US" altLang="ja-JP" dirty="0"/>
+          </a:p>
+          <a:p>
+            <a:pPr marL="0" marR="0" lvl="0" indent="0" algn="l" defTabSz="914400" rtl="0" eaLnBrk="1" fontAlgn="auto" latinLnBrk="0" hangingPunct="1">
+              <a:lnSpc>
+                <a:spcPct val="100000"/>
+              </a:lnSpc>
+              <a:spcBef>
+                <a:spcPts val="0"/>
+              </a:spcBef>
+              <a:spcAft>
+                <a:spcPts val="0"/>
+              </a:spcAft>
+              <a:buClrTx/>
+              <a:buSzTx/>
+              <a:buFontTx/>
+              <a:buNone/>
+              <a:tabLst/>
+              <a:defRPr/>
+            </a:pPr>
+            <a:endParaRPr lang="en-US" altLang="ja-JP" dirty="0"/>
+          </a:p>
+          <a:p>
+            <a:pPr marL="0" marR="0" lvl="0" indent="0" algn="l" defTabSz="914400" rtl="0" eaLnBrk="1" fontAlgn="auto" latinLnBrk="0" hangingPunct="1">
+              <a:lnSpc>
+                <a:spcPct val="100000"/>
+              </a:lnSpc>
+              <a:spcBef>
+                <a:spcPts val="0"/>
+              </a:spcBef>
+              <a:spcAft>
+                <a:spcPts val="0"/>
+              </a:spcAft>
+              <a:buClrTx/>
+              <a:buSzTx/>
+              <a:buFontTx/>
+              <a:buNone/>
+              <a:tabLst/>
+              <a:defRPr/>
+            </a:pPr>
+            <a:r>
+              <a:rPr lang="en-US" altLang="ja-JP" dirty="0"/>
+              <a:t>***</a:t>
+            </a:r>
+          </a:p>
+          <a:p>
+            <a:pPr marL="0" marR="0" lvl="0" indent="0" algn="l" defTabSz="914400" rtl="0" eaLnBrk="1" fontAlgn="auto" latinLnBrk="0" hangingPunct="1">
+              <a:lnSpc>
+                <a:spcPct val="100000"/>
+              </a:lnSpc>
+              <a:spcBef>
+                <a:spcPts val="0"/>
+              </a:spcBef>
+              <a:spcAft>
+                <a:spcPts val="0"/>
+              </a:spcAft>
+              <a:buClrTx/>
+              <a:buSzTx/>
+              <a:buFontTx/>
+              <a:buNone/>
+              <a:tabLst/>
+              <a:defRPr/>
+            </a:pPr>
+            <a:r>
+              <a:rPr lang="en-US" altLang="ja-JP" dirty="0"/>
+              <a:t>First, we will explain the rules and goals of the challenge.</a:t>
+            </a:r>
+          </a:p>
+          <a:p>
+            <a:pPr marL="0" marR="0" lvl="0" indent="0" algn="l" defTabSz="914400" rtl="0" eaLnBrk="1" fontAlgn="auto" latinLnBrk="0" hangingPunct="1">
+              <a:lnSpc>
+                <a:spcPct val="100000"/>
+              </a:lnSpc>
+              <a:spcBef>
+                <a:spcPts val="0"/>
+              </a:spcBef>
+              <a:spcAft>
+                <a:spcPts val="0"/>
+              </a:spcAft>
+              <a:buClrTx/>
+              <a:buSzTx/>
+              <a:buFontTx/>
+              <a:buNone/>
+              <a:tabLst/>
+              <a:defRPr/>
+            </a:pPr>
+            <a:r>
+              <a:rPr lang="en-US" altLang="ja-JP" dirty="0"/>
+              <a:t>In this challenge, we are given a data set obtained by four subjects performing cooking activities with sensors attached to their bodies.</a:t>
+            </a:r>
+          </a:p>
+          <a:p>
+            <a:pPr marL="0" marR="0" lvl="0" indent="0" algn="l" defTabSz="914400" rtl="0" eaLnBrk="1" fontAlgn="auto" latinLnBrk="0" hangingPunct="1">
+              <a:lnSpc>
+                <a:spcPct val="100000"/>
+              </a:lnSpc>
+              <a:spcBef>
+                <a:spcPts val="0"/>
+              </a:spcBef>
+              <a:spcAft>
+                <a:spcPts val="0"/>
+              </a:spcAft>
+              <a:buClrTx/>
+              <a:buSzTx/>
+              <a:buFontTx/>
+              <a:buNone/>
+              <a:tabLst/>
+              <a:defRPr/>
+            </a:pPr>
+            <a:r>
+              <a:rPr lang="en-US" altLang="ja-JP" dirty="0"/>
+              <a:t>This dataset contains training data for three subjects and test data for one subject.</a:t>
+            </a:r>
+          </a:p>
+          <a:p>
+            <a:pPr marL="0" marR="0" lvl="0" indent="0" algn="l" defTabSz="914400" rtl="0" eaLnBrk="1" fontAlgn="auto" latinLnBrk="0" hangingPunct="1">
+              <a:lnSpc>
+                <a:spcPct val="100000"/>
+              </a:lnSpc>
+              <a:spcBef>
+                <a:spcPts val="0"/>
+              </a:spcBef>
+              <a:spcAft>
+                <a:spcPts val="0"/>
+              </a:spcAft>
+              <a:buClrTx/>
+              <a:buSzTx/>
+              <a:buFontTx/>
+              <a:buNone/>
+              <a:tabLst/>
+              <a:defRPr/>
+            </a:pPr>
             <a:r>
               <a:rPr lang="en-US" altLang="ja-JP" dirty="0"/>
               <a:t>Each team comes up with an optimal </a:t>
@@ -857,41 +1027,6 @@
             </a:endParaRPr>
           </a:p>
           <a:p>
-            <a:endParaRPr kumimoji="1" lang="en-US" altLang="ja-JP" b="0" dirty="0">
-              <a:latin typeface="+mn-lt"/>
-            </a:endParaRPr>
-          </a:p>
-          <a:p>
-            <a:endParaRPr kumimoji="1" lang="en-US" altLang="ja-JP" b="0" dirty="0">
-              <a:latin typeface="+mn-lt"/>
-            </a:endParaRPr>
-          </a:p>
-          <a:p>
-            <a:r>
-              <a:rPr kumimoji="1" lang="en-US" altLang="ja-JP" b="0" dirty="0">
-                <a:latin typeface="+mn-lt"/>
-              </a:rPr>
-              <a:t>“</a:t>
-            </a:r>
-            <a:r>
-              <a:rPr lang="en-US" altLang="ja-JP" sz="1200" b="0" i="0" u="none" strike="noStrike" baseline="0" dirty="0">
-                <a:latin typeface="+mn-lt"/>
-                <a:cs typeface="Times New Roman" panose="02020603050405020304" pitchFamily="18" charset="0"/>
-              </a:rPr>
-              <a:t>Cooking Activity Recognition with Convolutional LSTM using Multi-label Loss Function and Majority Vote</a:t>
-            </a:r>
-            <a:r>
-              <a:rPr kumimoji="1" lang="en-US" altLang="ja-JP" b="0" dirty="0">
-                <a:latin typeface="+mn-lt"/>
-              </a:rPr>
-              <a:t>”</a:t>
-            </a:r>
-            <a:r>
-              <a:rPr kumimoji="1" lang="ja-JP" altLang="en-US" b="0" dirty="0">
-                <a:latin typeface="+mn-lt"/>
-              </a:rPr>
-              <a:t>について説明する．</a:t>
-            </a:r>
             <a:endParaRPr kumimoji="1" lang="en-US" altLang="ja-JP" b="0" dirty="0">
               <a:latin typeface="+mn-lt"/>
             </a:endParaRPr>
@@ -1457,7 +1592,7 @@
               <a:tabLst/>
               <a:defRPr/>
             </a:pPr>
-            <a:endParaRPr lang="en-US" altLang="ja-JP" sz="1800" b="0" i="0" u="none" strike="noStrike" baseline="0" dirty="0">
+            <a:endParaRPr lang="en-US" altLang="ja-JP" sz="1200" b="0" i="0" u="none" strike="noStrike" baseline="0" dirty="0">
               <a:latin typeface="TeXGyreTermes-Regular"/>
             </a:endParaRPr>
           </a:p>
@@ -1480,7 +1615,7 @@
               <a:defRPr/>
             </a:pPr>
             <a:r>
-              <a:rPr lang="en-US" altLang="ja-JP" sz="1800" b="0" i="0" u="none" strike="noStrike" baseline="0" dirty="0">
+              <a:rPr lang="en-US" altLang="ja-JP" sz="1200" b="0" i="0" u="none" strike="noStrike" baseline="0" dirty="0">
                 <a:latin typeface="TeXGyreTermes-Regular"/>
               </a:rPr>
               <a:t>The subjects cooked three recipes (sandwich, fruit salad, cereal) five times each by following a script for each recipe.</a:t>
@@ -1488,14 +1623,14 @@
           </a:p>
           <a:p>
             <a:pPr algn="l"/>
-            <a:endParaRPr lang="en-US" altLang="ja-JP" sz="1800" b="0" i="0" u="none" strike="noStrike" baseline="0" dirty="0">
+            <a:endParaRPr lang="en-US" altLang="ja-JP" sz="1200" b="0" i="0" u="none" strike="noStrike" baseline="0" dirty="0">
               <a:latin typeface="TeXGyreTermes-Regular"/>
             </a:endParaRPr>
           </a:p>
           <a:p>
             <a:pPr algn="l"/>
             <a:r>
-              <a:rPr lang="en-US" altLang="ja-JP" sz="1800" b="0" i="0" u="none" strike="noStrike" baseline="0" dirty="0">
+              <a:rPr lang="en-US" altLang="ja-JP" sz="1200" b="0" i="0" u="none" strike="noStrike" baseline="0" dirty="0">
                 <a:latin typeface="TeXGyreTermes-Regular"/>
               </a:rPr>
               <a:t>The data has been collected from four subjects who had attached two smartphones on the right arm and left hip, two smartwatches on both wrists, and one motion capture system with 29 markers.</a:t>
@@ -1503,14 +1638,14 @@
           </a:p>
           <a:p>
             <a:pPr algn="l"/>
-            <a:endParaRPr lang="en-US" altLang="ja-JP" sz="1800" b="0" i="0" u="none" strike="noStrike" baseline="0" dirty="0">
+            <a:endParaRPr lang="en-US" altLang="ja-JP" sz="1200" b="0" i="0" u="none" strike="noStrike" baseline="0" dirty="0">
               <a:latin typeface="TeXGyreTermes-Regular"/>
             </a:endParaRPr>
           </a:p>
           <a:p>
             <a:pPr algn="l"/>
             <a:r>
-              <a:rPr lang="en-US" altLang="ja-JP" sz="1800" b="0" i="0" u="none" strike="noStrike" baseline="0" dirty="0">
+              <a:rPr lang="en-US" altLang="ja-JP" sz="1200" b="0" i="0" u="none" strike="noStrike" baseline="0" dirty="0">
                 <a:latin typeface="TeXGyreTermes-Regular"/>
               </a:rPr>
               <a:t>Each recording has been segmented into 30-second segments, like this figure.</a:t>
@@ -1519,7 +1654,7 @@
           <a:p>
             <a:pPr algn="l"/>
             <a:r>
-              <a:rPr lang="en-US" altLang="ja-JP" sz="1800" b="0" i="0" u="none" strike="noStrike" baseline="0" dirty="0">
+              <a:rPr lang="en-US" altLang="ja-JP" sz="1200" b="0" i="0" u="none" strike="noStrike" baseline="0" dirty="0">
                 <a:latin typeface="TeXGyreTermes-Regular"/>
               </a:rPr>
               <a:t>Each segment was assigned a random identifier, so the order of the segments is unknown.</a:t>
@@ -1527,14 +1662,14 @@
           </a:p>
           <a:p>
             <a:pPr algn="l"/>
-            <a:endParaRPr lang="en-US" altLang="ja-JP" sz="1800" b="0" i="0" u="none" strike="noStrike" baseline="0" dirty="0">
+            <a:endParaRPr lang="en-US" altLang="ja-JP" sz="1200" b="0" i="0" u="none" strike="noStrike" baseline="0" dirty="0">
               <a:latin typeface="TeXGyreTermes-Regular"/>
             </a:endParaRPr>
           </a:p>
           <a:p>
             <a:pPr algn="l"/>
             <a:r>
-              <a:rPr lang="en-US" altLang="ja-JP" sz="1800" b="0" i="0" u="none" strike="noStrike" baseline="0" dirty="0">
+              <a:rPr lang="en-US" altLang="ja-JP" sz="1200" b="0" i="0" u="none" strike="noStrike" baseline="0" dirty="0">
                 <a:latin typeface="TeXGyreTermes-Regular"/>
               </a:rPr>
               <a:t>Training data contains data from three subjects out of the four subjects and test data contains the data from the fourth subject.</a:t>
@@ -1562,6 +1697,201 @@
               <a:t>我々は学習用のデータセットとテスト用のデータセットを与えられた．</a:t>
             </a:r>
             <a:endParaRPr kumimoji="1" lang="en-US" altLang="ja-JP" dirty="0"/>
+          </a:p>
+          <a:p>
+            <a:r>
+              <a:rPr kumimoji="1" lang="ja-JP" altLang="en-US" dirty="0"/>
+              <a:t>データは</a:t>
+            </a:r>
+            <a:r>
+              <a:rPr kumimoji="1" lang="en-US" altLang="ja-JP" dirty="0"/>
+              <a:t>4</a:t>
+            </a:r>
+            <a:r>
+              <a:rPr kumimoji="1" lang="ja-JP" altLang="en-US" dirty="0"/>
+              <a:t>人の被験者にセンサを取り付けて収集されたものである．</a:t>
+            </a:r>
+            <a:endParaRPr kumimoji="1" lang="en-US" altLang="ja-JP" dirty="0"/>
+          </a:p>
+          <a:p>
+            <a:r>
+              <a:rPr kumimoji="1" lang="ja-JP" altLang="en-US" dirty="0"/>
+              <a:t>各記録は</a:t>
+            </a:r>
+            <a:r>
+              <a:rPr kumimoji="1" lang="en-US" altLang="ja-JP" dirty="0"/>
+              <a:t>30</a:t>
+            </a:r>
+            <a:r>
+              <a:rPr kumimoji="1" lang="ja-JP" altLang="en-US" dirty="0"/>
+              <a:t>秒ごとに別れており，各セグメントにはランダムな識別子が与えられている．</a:t>
+            </a:r>
+            <a:endParaRPr kumimoji="1" lang="en-US" altLang="ja-JP" dirty="0"/>
+          </a:p>
+          <a:p>
+            <a:pPr marL="0" marR="0" lvl="0" indent="0" defTabSz="914400" rtl="0" eaLnBrk="1" fontAlgn="auto" latinLnBrk="0" hangingPunct="1">
+              <a:lnSpc>
+                <a:spcPct val="90000"/>
+              </a:lnSpc>
+              <a:spcBef>
+                <a:spcPts val="1000"/>
+              </a:spcBef>
+              <a:spcAft>
+                <a:spcPts val="0"/>
+              </a:spcAft>
+              <a:buClrTx/>
+              <a:buSzTx/>
+              <a:buFont typeface="Arial" panose="020B0604020202020204" pitchFamily="34" charset="0"/>
+              <a:buNone/>
+              <a:tabLst/>
+              <a:defRPr/>
+            </a:pPr>
+            <a:r>
+              <a:rPr kumimoji="1" lang="ja-JP" altLang="en-US" dirty="0"/>
+              <a:t>マイクロアクティビティに</a:t>
+            </a:r>
+            <a:r>
+              <a:rPr kumimoji="1" lang="ja-JP" altLang="en-US" b="0" dirty="0">
+                <a:latin typeface="+mn-lt"/>
+              </a:rPr>
+              <a:t>は</a:t>
+            </a:r>
+            <a:r>
+              <a:rPr kumimoji="1" lang="en-US" altLang="ja-JP" sz="1200" b="0" i="0" u="none" strike="noStrike" kern="1200" cap="none" spc="0" normalizeH="0" baseline="0" noProof="0" dirty="0">
+                <a:ln>
+                  <a:noFill/>
+                </a:ln>
+                <a:solidFill>
+                  <a:prstClr val="black"/>
+                </a:solidFill>
+                <a:effectLst/>
+                <a:uLnTx/>
+                <a:uFillTx/>
+                <a:latin typeface="+mn-lt"/>
+                <a:ea typeface="ＭＳ Ｐゴシック"/>
+                <a:cs typeface="Times New Roman" panose="02020603050405020304" pitchFamily="18" charset="0"/>
+              </a:rPr>
+              <a:t>[“Cut”, “Peel”, “Open”, “Take”, “Put”, “Pour”, “Wash”, “Add”, “Mix”, “other”]</a:t>
+            </a:r>
+            <a:r>
+              <a:rPr kumimoji="1" lang="ja-JP" altLang="en-US" sz="1200" b="0" i="0" u="none" strike="noStrike" kern="1200" cap="none" spc="0" normalizeH="0" baseline="0" noProof="0" dirty="0">
+                <a:ln>
+                  <a:noFill/>
+                </a:ln>
+                <a:solidFill>
+                  <a:prstClr val="black"/>
+                </a:solidFill>
+                <a:effectLst/>
+                <a:uLnTx/>
+                <a:uFillTx/>
+                <a:latin typeface="+mn-lt"/>
+                <a:ea typeface="ＭＳ Ｐゴシック"/>
+                <a:cs typeface="Times New Roman" panose="02020603050405020304" pitchFamily="18" charset="0"/>
+              </a:rPr>
+              <a:t>のラベルから成り，マクロアクティビティは</a:t>
+            </a:r>
+            <a:r>
+              <a:rPr kumimoji="1" lang="en-US" altLang="ja-JP" sz="1200" b="0" i="0" u="none" strike="noStrike" kern="1200" cap="none" spc="0" normalizeH="0" baseline="0" noProof="0" dirty="0">
+                <a:ln>
+                  <a:noFill/>
+                </a:ln>
+                <a:solidFill>
+                  <a:prstClr val="black"/>
+                </a:solidFill>
+                <a:effectLst/>
+                <a:uLnTx/>
+                <a:uFillTx/>
+                <a:latin typeface="+mn-lt"/>
+                <a:ea typeface="ＭＳ Ｐゴシック"/>
+                <a:cs typeface="Times New Roman" panose="02020603050405020304" pitchFamily="18" charset="0"/>
+              </a:rPr>
+              <a:t>[“sandwich”, “</a:t>
+            </a:r>
+            <a:r>
+              <a:rPr kumimoji="1" lang="en-US" altLang="ja-JP" sz="1200" b="0" i="0" u="none" strike="noStrike" kern="1200" cap="none" spc="0" normalizeH="0" baseline="0" noProof="0" dirty="0" err="1">
+                <a:ln>
+                  <a:noFill/>
+                </a:ln>
+                <a:solidFill>
+                  <a:prstClr val="black"/>
+                </a:solidFill>
+                <a:effectLst/>
+                <a:uLnTx/>
+                <a:uFillTx/>
+                <a:latin typeface="+mn-lt"/>
+                <a:ea typeface="ＭＳ Ｐゴシック"/>
+                <a:cs typeface="Times New Roman" panose="02020603050405020304" pitchFamily="18" charset="0"/>
+              </a:rPr>
+              <a:t>fruitsalad</a:t>
+            </a:r>
+            <a:r>
+              <a:rPr kumimoji="1" lang="en-US" altLang="ja-JP" sz="1200" b="0" i="0" u="none" strike="noStrike" kern="1200" cap="none" spc="0" normalizeH="0" baseline="0" noProof="0" dirty="0">
+                <a:ln>
+                  <a:noFill/>
+                </a:ln>
+                <a:solidFill>
+                  <a:prstClr val="black"/>
+                </a:solidFill>
+                <a:effectLst/>
+                <a:uLnTx/>
+                <a:uFillTx/>
+                <a:latin typeface="+mn-lt"/>
+                <a:ea typeface="ＭＳ Ｐゴシック"/>
+                <a:cs typeface="Times New Roman" panose="02020603050405020304" pitchFamily="18" charset="0"/>
+              </a:rPr>
+              <a:t>”, “cereal”]</a:t>
+            </a:r>
+            <a:r>
+              <a:rPr kumimoji="1" lang="ja-JP" altLang="en-US" sz="1200" b="0" i="0" u="none" strike="noStrike" kern="1200" cap="none" spc="0" normalizeH="0" baseline="0" noProof="0" dirty="0">
+                <a:ln>
+                  <a:noFill/>
+                </a:ln>
+                <a:solidFill>
+                  <a:prstClr val="black"/>
+                </a:solidFill>
+                <a:effectLst/>
+                <a:uLnTx/>
+                <a:uFillTx/>
+                <a:latin typeface="+mn-lt"/>
+                <a:ea typeface="ＭＳ Ｐゴシック"/>
+                <a:cs typeface="Times New Roman" panose="02020603050405020304" pitchFamily="18" charset="0"/>
+              </a:rPr>
+              <a:t>のラベルから成る．</a:t>
+            </a:r>
+            <a:endParaRPr kumimoji="1" lang="en-US" altLang="ja-JP" sz="1200" b="0" i="0" u="none" strike="noStrike" kern="1200" cap="none" spc="0" normalizeH="0" baseline="0" noProof="0" dirty="0">
+              <a:ln>
+                <a:noFill/>
+              </a:ln>
+              <a:solidFill>
+                <a:prstClr val="black"/>
+              </a:solidFill>
+              <a:effectLst/>
+              <a:uLnTx/>
+              <a:uFillTx/>
+              <a:latin typeface="+mn-lt"/>
+              <a:ea typeface="ＭＳ Ｐゴシック"/>
+              <a:cs typeface="Times New Roman" panose="02020603050405020304" pitchFamily="18" charset="0"/>
+            </a:endParaRPr>
+          </a:p>
+          <a:p>
+            <a:pPr marL="0" marR="0" lvl="0" indent="0" defTabSz="914400" rtl="0" eaLnBrk="1" fontAlgn="auto" latinLnBrk="0" hangingPunct="1">
+              <a:lnSpc>
+                <a:spcPct val="90000"/>
+              </a:lnSpc>
+              <a:spcBef>
+                <a:spcPts val="1000"/>
+              </a:spcBef>
+              <a:spcAft>
+                <a:spcPts val="0"/>
+              </a:spcAft>
+              <a:buClrTx/>
+              <a:buSzTx/>
+              <a:buFont typeface="Arial" panose="020B0604020202020204" pitchFamily="34" charset="0"/>
+              <a:buNone/>
+              <a:tabLst/>
+              <a:defRPr/>
+            </a:pPr>
+            <a:endParaRPr lang="en-US" altLang="ja-JP" dirty="0"/>
           </a:p>
           <a:p>
             <a:pPr marL="0" marR="0" lvl="0" indent="0" algn="l" defTabSz="914400" rtl="0" eaLnBrk="1" fontAlgn="auto" latinLnBrk="0" hangingPunct="1">
@@ -1581,6 +1911,259 @@
               <a:tabLst/>
               <a:defRPr/>
             </a:pPr>
+            <a:endParaRPr lang="en-US" altLang="ja-JP" dirty="0"/>
+          </a:p>
+          <a:p>
+            <a:pPr marL="0" marR="0" lvl="0" indent="0" algn="l" defTabSz="914400" rtl="0" eaLnBrk="1" fontAlgn="auto" latinLnBrk="0" hangingPunct="1">
+              <a:lnSpc>
+                <a:spcPct val="100000"/>
+              </a:lnSpc>
+              <a:spcBef>
+                <a:spcPts val="0"/>
+              </a:spcBef>
+              <a:spcAft>
+                <a:spcPts val="0"/>
+              </a:spcAft>
+              <a:buClrTx/>
+              <a:buSzTx/>
+              <a:buFontTx/>
+              <a:buNone/>
+              <a:tabLst/>
+              <a:defRPr/>
+            </a:pPr>
+            <a:endParaRPr lang="en-US" altLang="ja-JP" dirty="0"/>
+          </a:p>
+          <a:p>
+            <a:pPr marL="0" marR="0" lvl="0" indent="0" algn="l" defTabSz="914400" rtl="0" eaLnBrk="1" fontAlgn="auto" latinLnBrk="0" hangingPunct="1">
+              <a:lnSpc>
+                <a:spcPct val="100000"/>
+              </a:lnSpc>
+              <a:spcBef>
+                <a:spcPts val="0"/>
+              </a:spcBef>
+              <a:spcAft>
+                <a:spcPts val="0"/>
+              </a:spcAft>
+              <a:buClrTx/>
+              <a:buSzTx/>
+              <a:buFontTx/>
+              <a:buNone/>
+              <a:tabLst/>
+              <a:defRPr/>
+            </a:pPr>
+            <a:r>
+              <a:rPr lang="en-US" altLang="ja-JP" dirty="0"/>
+              <a:t>***</a:t>
+            </a:r>
+          </a:p>
+          <a:p>
+            <a:pPr marL="0" marR="0" lvl="0" indent="0" algn="l" defTabSz="914400" rtl="0" eaLnBrk="1" fontAlgn="auto" latinLnBrk="0" hangingPunct="1">
+              <a:lnSpc>
+                <a:spcPct val="100000"/>
+              </a:lnSpc>
+              <a:spcBef>
+                <a:spcPts val="0"/>
+              </a:spcBef>
+              <a:spcAft>
+                <a:spcPts val="0"/>
+              </a:spcAft>
+              <a:buClrTx/>
+              <a:buSzTx/>
+              <a:buFontTx/>
+              <a:buNone/>
+              <a:tabLst/>
+              <a:defRPr/>
+            </a:pPr>
+            <a:r>
+              <a:rPr lang="en-US" altLang="ja-JP" dirty="0"/>
+              <a:t>I will explain about the given dataset.</a:t>
+            </a:r>
+          </a:p>
+          <a:p>
+            <a:pPr marL="0" marR="0" lvl="0" indent="0" algn="l" defTabSz="914400" rtl="0" eaLnBrk="1" fontAlgn="auto" latinLnBrk="0" hangingPunct="1">
+              <a:lnSpc>
+                <a:spcPct val="100000"/>
+              </a:lnSpc>
+              <a:spcBef>
+                <a:spcPts val="0"/>
+              </a:spcBef>
+              <a:spcAft>
+                <a:spcPts val="0"/>
+              </a:spcAft>
+              <a:buClrTx/>
+              <a:buSzTx/>
+              <a:buFontTx/>
+              <a:buNone/>
+              <a:tabLst/>
+              <a:defRPr/>
+            </a:pPr>
+            <a:endParaRPr lang="en-US" altLang="ja-JP" dirty="0"/>
+          </a:p>
+          <a:p>
+            <a:pPr marL="0" marR="0" lvl="0" indent="0" algn="l" defTabSz="914400" rtl="0" eaLnBrk="1" fontAlgn="auto" latinLnBrk="0" hangingPunct="1">
+              <a:lnSpc>
+                <a:spcPct val="100000"/>
+              </a:lnSpc>
+              <a:spcBef>
+                <a:spcPts val="0"/>
+              </a:spcBef>
+              <a:spcAft>
+                <a:spcPts val="0"/>
+              </a:spcAft>
+              <a:buClrTx/>
+              <a:buSzTx/>
+              <a:buFontTx/>
+              <a:buNone/>
+              <a:tabLst/>
+              <a:defRPr/>
+            </a:pPr>
+            <a:r>
+              <a:rPr lang="en-US" altLang="ja-JP" dirty="0"/>
+              <a:t>We were given train dataset and test dataset.</a:t>
+            </a:r>
+          </a:p>
+          <a:p>
+            <a:pPr marL="0" marR="0" lvl="0" indent="0" algn="l" defTabSz="914400" rtl="0" eaLnBrk="1" fontAlgn="auto" latinLnBrk="0" hangingPunct="1">
+              <a:lnSpc>
+                <a:spcPct val="100000"/>
+              </a:lnSpc>
+              <a:spcBef>
+                <a:spcPts val="0"/>
+              </a:spcBef>
+              <a:spcAft>
+                <a:spcPts val="0"/>
+              </a:spcAft>
+              <a:buClrTx/>
+              <a:buSzTx/>
+              <a:buFontTx/>
+              <a:buNone/>
+              <a:tabLst/>
+              <a:defRPr/>
+            </a:pPr>
+            <a:endParaRPr lang="en-US" altLang="ja-JP" sz="1800" b="0" i="0" u="none" strike="noStrike" baseline="0" dirty="0">
+              <a:latin typeface="TeXGyreTermes-Regular"/>
+            </a:endParaRPr>
+          </a:p>
+          <a:p>
+            <a:pPr marL="0" marR="0" lvl="0" indent="0" algn="l" defTabSz="914400" rtl="0" eaLnBrk="1" fontAlgn="auto" latinLnBrk="0" hangingPunct="1">
+              <a:lnSpc>
+                <a:spcPct val="100000"/>
+              </a:lnSpc>
+              <a:spcBef>
+                <a:spcPts val="0"/>
+              </a:spcBef>
+              <a:spcAft>
+                <a:spcPts val="0"/>
+              </a:spcAft>
+              <a:buClrTx/>
+              <a:buSzTx/>
+              <a:buFontTx/>
+              <a:buNone/>
+              <a:tabLst/>
+              <a:defRPr/>
+            </a:pPr>
+            <a:r>
+              <a:rPr lang="en-US" altLang="ja-JP" sz="1800" b="0" i="0" u="none" strike="noStrike" baseline="0" dirty="0">
+                <a:latin typeface="TeXGyreTermes-Regular"/>
+              </a:rPr>
+              <a:t>The subjects cooked three recipes (sandwich, fruit salad, cereal) five times each by following a script for each recipe.</a:t>
+            </a:r>
+          </a:p>
+          <a:p>
+            <a:pPr algn="l"/>
+            <a:endParaRPr lang="en-US" altLang="ja-JP" sz="1800" b="0" i="0" u="none" strike="noStrike" baseline="0" dirty="0">
+              <a:latin typeface="TeXGyreTermes-Regular"/>
+            </a:endParaRPr>
+          </a:p>
+          <a:p>
+            <a:pPr algn="l"/>
+            <a:r>
+              <a:rPr lang="en-US" altLang="ja-JP" sz="1800" b="0" i="0" u="none" strike="noStrike" baseline="0" dirty="0">
+                <a:latin typeface="TeXGyreTermes-Regular"/>
+              </a:rPr>
+              <a:t>The data has been collected from four subjects who had attached two smartphones on the right arm and left hip, two smartwatches on both wrists, and one motion capture system with 29 markers.</a:t>
+            </a:r>
+          </a:p>
+          <a:p>
+            <a:pPr algn="l"/>
+            <a:endParaRPr lang="en-US" altLang="ja-JP" sz="1800" b="0" i="0" u="none" strike="noStrike" baseline="0" dirty="0">
+              <a:latin typeface="TeXGyreTermes-Regular"/>
+            </a:endParaRPr>
+          </a:p>
+          <a:p>
+            <a:pPr algn="l"/>
+            <a:r>
+              <a:rPr lang="en-US" altLang="ja-JP" sz="1800" b="0" i="0" u="none" strike="noStrike" baseline="0" dirty="0">
+                <a:latin typeface="TeXGyreTermes-Regular"/>
+              </a:rPr>
+              <a:t>Each recording has been segmented into 30-second segments, like this figure.</a:t>
+            </a:r>
+          </a:p>
+          <a:p>
+            <a:pPr algn="l"/>
+            <a:r>
+              <a:rPr lang="en-US" altLang="ja-JP" sz="1800" b="0" i="0" u="none" strike="noStrike" baseline="0" dirty="0">
+                <a:latin typeface="TeXGyreTermes-Regular"/>
+              </a:rPr>
+              <a:t>Each segment was assigned a random identifier, so the order of the segments is unknown.</a:t>
+            </a:r>
+          </a:p>
+          <a:p>
+            <a:pPr algn="l"/>
+            <a:endParaRPr lang="en-US" altLang="ja-JP" sz="1800" b="0" i="0" u="none" strike="noStrike" baseline="0" dirty="0">
+              <a:latin typeface="TeXGyreTermes-Regular"/>
+            </a:endParaRPr>
+          </a:p>
+          <a:p>
+            <a:pPr algn="l"/>
+            <a:r>
+              <a:rPr lang="en-US" altLang="ja-JP" sz="1800" b="0" i="0" u="none" strike="noStrike" baseline="0" dirty="0">
+                <a:latin typeface="TeXGyreTermes-Regular"/>
+              </a:rPr>
+              <a:t>Training data contains data from three subjects out of the four subjects and test data contains the data from the fourth subject.</a:t>
+            </a:r>
+          </a:p>
+          <a:p>
+            <a:endParaRPr kumimoji="1" lang="en-US" altLang="ja-JP" dirty="0"/>
+          </a:p>
+          <a:p>
+            <a:endParaRPr kumimoji="1" lang="en-US" altLang="ja-JP" dirty="0"/>
+          </a:p>
+          <a:p>
+            <a:endParaRPr kumimoji="1" lang="en-US" altLang="ja-JP" dirty="0"/>
+          </a:p>
+          <a:p>
+            <a:r>
+              <a:rPr kumimoji="1" lang="ja-JP" altLang="en-US" dirty="0"/>
+              <a:t>まず，与えられたデータセットについて説明する．</a:t>
+            </a:r>
+            <a:endParaRPr kumimoji="1" lang="en-US" altLang="ja-JP" dirty="0"/>
+          </a:p>
+          <a:p>
+            <a:r>
+              <a:rPr kumimoji="1" lang="ja-JP" altLang="en-US" dirty="0"/>
+              <a:t>我々は学習用のデータセットとテスト用のデータセットを与えられた．</a:t>
+            </a:r>
+            <a:endParaRPr kumimoji="1" lang="en-US" altLang="ja-JP" dirty="0"/>
+          </a:p>
+          <a:p>
+            <a:pPr marL="0" marR="0" lvl="0" indent="0" algn="l" defTabSz="914400" rtl="0" eaLnBrk="1" fontAlgn="auto" latinLnBrk="0" hangingPunct="1">
+              <a:lnSpc>
+                <a:spcPct val="100000"/>
+              </a:lnSpc>
+              <a:spcBef>
+                <a:spcPts val="0"/>
+              </a:spcBef>
+              <a:spcAft>
+                <a:spcPts val="0"/>
+              </a:spcAft>
+              <a:buClrTx/>
+              <a:buSzTx/>
+              <a:buFontTx/>
+              <a:buNone/>
+              <a:tabLst/>
+              <a:defRPr/>
+            </a:pPr>
             <a:r>
               <a:rPr kumimoji="1" lang="ja-JP" altLang="en-US" dirty="0"/>
               <a:t>各被験者は</a:t>
@@ -1660,19 +2243,6 @@
             <a:r>
               <a:rPr kumimoji="1" lang="ja-JP" altLang="en-US" dirty="0"/>
               <a:t>人の被験者のデータが含まれる．</a:t>
-            </a:r>
-            <a:endParaRPr kumimoji="1" lang="en-US" altLang="ja-JP" dirty="0"/>
-          </a:p>
-          <a:p>
-            <a:endParaRPr kumimoji="1" lang="en-US" altLang="ja-JP" dirty="0"/>
-          </a:p>
-          <a:p>
-            <a:endParaRPr kumimoji="1" lang="en-US" altLang="ja-JP" dirty="0"/>
-          </a:p>
-          <a:p>
-            <a:r>
-              <a:rPr kumimoji="1" lang="ja-JP" altLang="en-US" dirty="0"/>
-              <a:t>マイクロアクティビティはこのラベルが含まれていて，マクロアクティビティはこのラベルが含まれているというのを過剰書き．</a:t>
             </a:r>
             <a:endParaRPr kumimoji="1" lang="en-US" altLang="ja-JP" dirty="0"/>
           </a:p>
@@ -1757,6 +2327,202 @@
         <p:txBody>
           <a:bodyPr/>
           <a:lstStyle/>
+          <a:p>
+            <a:r>
+              <a:rPr kumimoji="1" lang="en-US" altLang="ja-JP" dirty="0"/>
+              <a:t>This is the details of the dataset.</a:t>
+            </a:r>
+          </a:p>
+          <a:p>
+            <a:r>
+              <a:rPr kumimoji="1" lang="en-US" altLang="ja-JP" dirty="0"/>
+              <a:t>Each segment contains one macro behavior and up to six micro behaviors.</a:t>
+            </a:r>
+          </a:p>
+          <a:p>
+            <a:r>
+              <a:rPr kumimoji="1" lang="en-US" altLang="ja-JP" dirty="0"/>
+              <a:t>Some of the files may have missing data.</a:t>
+            </a:r>
+          </a:p>
+          <a:p>
+            <a:endParaRPr kumimoji="1" lang="en-US" altLang="ja-JP" dirty="0"/>
+          </a:p>
+          <a:p>
+            <a:endParaRPr kumimoji="1" lang="en-US" altLang="ja-JP" dirty="0"/>
+          </a:p>
+          <a:p>
+            <a:endParaRPr kumimoji="1" lang="en-US" altLang="ja-JP" dirty="0"/>
+          </a:p>
+          <a:p>
+            <a:r>
+              <a:rPr kumimoji="1" lang="ja-JP" altLang="en-US" dirty="0"/>
+              <a:t>これはデータセットの詳細です．</a:t>
+            </a:r>
+            <a:endParaRPr kumimoji="1" lang="en-US" altLang="ja-JP" dirty="0"/>
+          </a:p>
+          <a:p>
+            <a:r>
+              <a:rPr kumimoji="1" lang="en-US" altLang="ja-JP" dirty="0"/>
+              <a:t>1</a:t>
+            </a:r>
+            <a:r>
+              <a:rPr kumimoji="1" lang="ja-JP" altLang="en-US" dirty="0"/>
+              <a:t>つのセグメントにつき，マクロ行動は</a:t>
+            </a:r>
+            <a:r>
+              <a:rPr kumimoji="1" lang="en-US" altLang="ja-JP" dirty="0"/>
+              <a:t>1</a:t>
+            </a:r>
+            <a:r>
+              <a:rPr kumimoji="1" lang="ja-JP" altLang="en-US" dirty="0"/>
+              <a:t>つ，マイクロ行動は最大</a:t>
+            </a:r>
+            <a:r>
+              <a:rPr kumimoji="1" lang="en-US" altLang="ja-JP" dirty="0"/>
+              <a:t>6</a:t>
+            </a:r>
+            <a:r>
+              <a:rPr kumimoji="1" lang="ja-JP" altLang="en-US" dirty="0"/>
+              <a:t>つ含まれています．</a:t>
+            </a:r>
+            <a:endParaRPr kumimoji="1" lang="en-US" altLang="ja-JP" dirty="0"/>
+          </a:p>
+          <a:p>
+            <a:r>
+              <a:rPr kumimoji="1" lang="ja-JP" altLang="en-US" dirty="0"/>
+              <a:t>また，ファイルの中にはデータが欠損しているものも存在します．</a:t>
+            </a:r>
+            <a:endParaRPr kumimoji="1" lang="en-US" altLang="ja-JP" dirty="0"/>
+          </a:p>
+          <a:p>
+            <a:endParaRPr kumimoji="1" lang="en-US" altLang="ja-JP" dirty="0"/>
+          </a:p>
+          <a:p>
+            <a:r>
+              <a:rPr kumimoji="1" lang="en-US" altLang="ja-JP" dirty="0"/>
+              <a:t>Length</a:t>
+            </a:r>
+            <a:r>
+              <a:rPr kumimoji="1" lang="ja-JP" altLang="en-US" dirty="0"/>
+              <a:t>は</a:t>
+            </a:r>
+            <a:r>
+              <a:rPr kumimoji="1" lang="en-US" altLang="ja-JP" dirty="0"/>
+              <a:t>8000</a:t>
+            </a:r>
+            <a:r>
+              <a:rPr kumimoji="1" lang="ja-JP" altLang="en-US" dirty="0"/>
+              <a:t>から</a:t>
+            </a:r>
+            <a:r>
+              <a:rPr kumimoji="1" lang="en-US" altLang="ja-JP" dirty="0"/>
+              <a:t>0</a:t>
+            </a:r>
+            <a:r>
+              <a:rPr kumimoji="1" lang="ja-JP" altLang="en-US" dirty="0"/>
+              <a:t>まである．</a:t>
+            </a:r>
+            <a:r>
+              <a:rPr kumimoji="1" lang="en-US" altLang="ja-JP" dirty="0"/>
+              <a:t>0</a:t>
+            </a:r>
+            <a:r>
+              <a:rPr kumimoji="1" lang="ja-JP" altLang="en-US" dirty="0"/>
+              <a:t>の場合はデータが欠損している．</a:t>
+            </a:r>
+          </a:p>
+          <a:p>
+            <a:pPr marL="0" marR="0" lvl="0" indent="0" algn="l" defTabSz="914400" rtl="0" eaLnBrk="1" fontAlgn="auto" latinLnBrk="0" hangingPunct="1">
+              <a:lnSpc>
+                <a:spcPct val="100000"/>
+              </a:lnSpc>
+              <a:spcBef>
+                <a:spcPts val="0"/>
+              </a:spcBef>
+              <a:spcAft>
+                <a:spcPts val="0"/>
+              </a:spcAft>
+              <a:buClrTx/>
+              <a:buSzTx/>
+              <a:buFontTx/>
+              <a:buNone/>
+              <a:tabLst/>
+              <a:defRPr/>
+            </a:pPr>
+            <a:endParaRPr kumimoji="1" lang="en-US" altLang="ja-JP" dirty="0"/>
+          </a:p>
+          <a:p>
+            <a:pPr marL="0" marR="0" lvl="0" indent="0" algn="l" defTabSz="914400" rtl="0" eaLnBrk="1" fontAlgn="auto" latinLnBrk="0" hangingPunct="1">
+              <a:lnSpc>
+                <a:spcPct val="100000"/>
+              </a:lnSpc>
+              <a:spcBef>
+                <a:spcPts val="0"/>
+              </a:spcBef>
+              <a:spcAft>
+                <a:spcPts val="0"/>
+              </a:spcAft>
+              <a:buClrTx/>
+              <a:buSzTx/>
+              <a:buFontTx/>
+              <a:buNone/>
+              <a:tabLst/>
+              <a:defRPr/>
+            </a:pPr>
+            <a:r>
+              <a:rPr kumimoji="1" lang="ja-JP" altLang="en-US" dirty="0"/>
+              <a:t>被験者</a:t>
+            </a:r>
+            <a:r>
+              <a:rPr kumimoji="1" lang="en-US" altLang="ja-JP" dirty="0"/>
+              <a:t>1</a:t>
+            </a:r>
+            <a:r>
+              <a:rPr kumimoji="1" lang="ja-JP" altLang="en-US" dirty="0"/>
+              <a:t>，</a:t>
+            </a:r>
+            <a:r>
+              <a:rPr kumimoji="1" lang="en-US" altLang="ja-JP" dirty="0"/>
+              <a:t>2</a:t>
+            </a:r>
+            <a:r>
+              <a:rPr kumimoji="1" lang="ja-JP" altLang="en-US" dirty="0"/>
+              <a:t>，</a:t>
+            </a:r>
+            <a:r>
+              <a:rPr kumimoji="1" lang="en-US" altLang="ja-JP" dirty="0"/>
+              <a:t>3</a:t>
+            </a:r>
+            <a:r>
+              <a:rPr kumimoji="1" lang="ja-JP" altLang="en-US" dirty="0"/>
+              <a:t>のデータは学習用，被験者</a:t>
+            </a:r>
+            <a:r>
+              <a:rPr kumimoji="1" lang="en-US" altLang="ja-JP" dirty="0"/>
+              <a:t>4</a:t>
+            </a:r>
+            <a:r>
+              <a:rPr kumimoji="1" lang="ja-JP" altLang="en-US" dirty="0"/>
+              <a:t>のデータはテスト用である．</a:t>
+            </a:r>
+            <a:endParaRPr kumimoji="1" lang="en-US" altLang="ja-JP" dirty="0"/>
+          </a:p>
+          <a:p>
+            <a:endParaRPr kumimoji="1" lang="en-US" altLang="ja-JP" dirty="0"/>
+          </a:p>
+          <a:p>
+            <a:endParaRPr kumimoji="1" lang="en-US" altLang="ja-JP" dirty="0"/>
+          </a:p>
+          <a:p>
+            <a:endParaRPr kumimoji="1" lang="en-US" altLang="ja-JP" dirty="0"/>
+          </a:p>
+          <a:p>
+            <a:r>
+              <a:rPr kumimoji="1" lang="en-US" altLang="ja-JP" dirty="0"/>
+              <a:t>***</a:t>
+            </a:r>
+          </a:p>
           <a:p>
             <a:r>
               <a:rPr kumimoji="1" lang="en-US" altLang="ja-JP" dirty="0"/>
@@ -27875,8 +28641,8 @@
             </a:fontRef>
           </p:style>
         </p:cxnSp>
-        <mc:AlternateContent xmlns:mc="http://schemas.openxmlformats.org/markup-compatibility/2006">
-          <mc:Choice xmlns:a14="http://schemas.microsoft.com/office/drawing/2010/main" Requires="a14">
+        <mc:AlternateContent xmlns:mc="http://schemas.openxmlformats.org/markup-compatibility/2006" xmlns:a14="http://schemas.microsoft.com/office/drawing/2010/main">
+          <mc:Choice Requires="a14">
             <p:sp>
               <p:nvSpPr>
                 <p:cNvPr id="84" name="楕円 83">
@@ -27983,7 +28749,7 @@
               </p:txBody>
             </p:sp>
           </mc:Choice>
-          <mc:Fallback>
+          <mc:Fallback xmlns="">
             <p:sp>
               <p:nvSpPr>
                 <p:cNvPr id="84" name="楕円 83">

--- a/paper/ABC2020CookingChallenge/ABC2020_Fujii.pptx
+++ b/paper/ABC2020CookingChallenge/ABC2020_Fujii.pptx
@@ -221,7 +221,7 @@
           <a:p>
             <a:fld id="{D8422EA4-67AE-4623-8DD6-326650601D3C}" type="datetimeFigureOut">
               <a:rPr kumimoji="1" lang="ja-JP" altLang="en-US" smtClean="0"/>
-              <a:t>2020/8/22</a:t>
+              <a:t>2020/8/23</a:t>
             </a:fld>
             <a:endParaRPr kumimoji="1" lang="ja-JP" altLang="en-US"/>
           </a:p>
@@ -723,416 +723,6 @@
             </a:r>
             <a:endParaRPr lang="en-US" altLang="ja-JP" dirty="0"/>
           </a:p>
-          <a:p>
-            <a:pPr marL="0" marR="0" lvl="0" indent="0" algn="l" defTabSz="914400" rtl="0" eaLnBrk="1" fontAlgn="auto" latinLnBrk="0" hangingPunct="1">
-              <a:lnSpc>
-                <a:spcPct val="100000"/>
-              </a:lnSpc>
-              <a:spcBef>
-                <a:spcPts val="0"/>
-              </a:spcBef>
-              <a:spcAft>
-                <a:spcPts val="0"/>
-              </a:spcAft>
-              <a:buClrTx/>
-              <a:buSzTx/>
-              <a:buFontTx/>
-              <a:buNone/>
-              <a:tabLst/>
-              <a:defRPr/>
-            </a:pPr>
-            <a:endParaRPr lang="en-US" altLang="ja-JP"/>
-          </a:p>
-          <a:p>
-            <a:pPr marL="0" marR="0" lvl="0" indent="0" algn="l" defTabSz="914400" rtl="0" eaLnBrk="1" fontAlgn="auto" latinLnBrk="0" hangingPunct="1">
-              <a:lnSpc>
-                <a:spcPct val="100000"/>
-              </a:lnSpc>
-              <a:spcBef>
-                <a:spcPts val="0"/>
-              </a:spcBef>
-              <a:spcAft>
-                <a:spcPts val="0"/>
-              </a:spcAft>
-              <a:buClrTx/>
-              <a:buSzTx/>
-              <a:buFontTx/>
-              <a:buNone/>
-              <a:tabLst/>
-              <a:defRPr/>
-            </a:pPr>
-            <a:endParaRPr lang="en-US" altLang="ja-JP"/>
-          </a:p>
-          <a:p>
-            <a:pPr marL="0" marR="0" lvl="0" indent="0" algn="l" defTabSz="914400" rtl="0" eaLnBrk="1" fontAlgn="auto" latinLnBrk="0" hangingPunct="1">
-              <a:lnSpc>
-                <a:spcPct val="100000"/>
-              </a:lnSpc>
-              <a:spcBef>
-                <a:spcPts val="0"/>
-              </a:spcBef>
-              <a:spcAft>
-                <a:spcPts val="0"/>
-              </a:spcAft>
-              <a:buClrTx/>
-              <a:buSzTx/>
-              <a:buFontTx/>
-              <a:buNone/>
-              <a:tabLst/>
-              <a:defRPr/>
-            </a:pPr>
-            <a:endParaRPr lang="en-US" altLang="ja-JP"/>
-          </a:p>
-          <a:p>
-            <a:pPr marL="0" marR="0" lvl="0" indent="0" algn="l" defTabSz="914400" rtl="0" eaLnBrk="1" fontAlgn="auto" latinLnBrk="0" hangingPunct="1">
-              <a:lnSpc>
-                <a:spcPct val="100000"/>
-              </a:lnSpc>
-              <a:spcBef>
-                <a:spcPts val="0"/>
-              </a:spcBef>
-              <a:spcAft>
-                <a:spcPts val="0"/>
-              </a:spcAft>
-              <a:buClrTx/>
-              <a:buSzTx/>
-              <a:buFontTx/>
-              <a:buNone/>
-              <a:tabLst/>
-              <a:defRPr/>
-            </a:pPr>
-            <a:r>
-              <a:rPr kumimoji="1" lang="en-US" altLang="ja-JP" b="0">
-                <a:latin typeface="+mn-lt"/>
-              </a:rPr>
-              <a:t>“</a:t>
-            </a:r>
-            <a:r>
-              <a:rPr lang="en-US" altLang="ja-JP" sz="1200" b="0" i="0" u="none" strike="noStrike" baseline="0">
-                <a:latin typeface="+mn-lt"/>
-                <a:cs typeface="Times New Roman" panose="02020603050405020304" pitchFamily="18" charset="0"/>
-              </a:rPr>
-              <a:t>Cooking Activity Recognition with Convolutional LSTM using Multi-label Loss Function and Majority Vote</a:t>
-            </a:r>
-            <a:r>
-              <a:rPr kumimoji="1" lang="en-US" altLang="ja-JP" b="0">
-                <a:latin typeface="+mn-lt"/>
-              </a:rPr>
-              <a:t>”</a:t>
-            </a:r>
-            <a:r>
-              <a:rPr kumimoji="1" lang="ja-JP" altLang="en-US" b="0">
-                <a:latin typeface="+mn-lt"/>
-              </a:rPr>
-              <a:t>について説明する．</a:t>
-            </a:r>
-            <a:endParaRPr kumimoji="1" lang="en-US" altLang="ja-JP" b="0">
-              <a:latin typeface="+mn-lt"/>
-            </a:endParaRPr>
-          </a:p>
-          <a:p>
-            <a:pPr marL="0" marR="0" lvl="0" indent="0" algn="l" defTabSz="914400" rtl="0" eaLnBrk="1" fontAlgn="auto" latinLnBrk="0" hangingPunct="1">
-              <a:lnSpc>
-                <a:spcPct val="100000"/>
-              </a:lnSpc>
-              <a:spcBef>
-                <a:spcPts val="0"/>
-              </a:spcBef>
-              <a:spcAft>
-                <a:spcPts val="0"/>
-              </a:spcAft>
-              <a:buClrTx/>
-              <a:buSzTx/>
-              <a:buFontTx/>
-              <a:buNone/>
-              <a:tabLst/>
-              <a:defRPr/>
-            </a:pPr>
-            <a:endParaRPr lang="en-US" altLang="ja-JP"/>
-          </a:p>
-          <a:p>
-            <a:pPr marL="0" marR="0" lvl="0" indent="0" algn="l" defTabSz="914400" rtl="0" eaLnBrk="1" fontAlgn="auto" latinLnBrk="0" hangingPunct="1">
-              <a:lnSpc>
-                <a:spcPct val="100000"/>
-              </a:lnSpc>
-              <a:spcBef>
-                <a:spcPts val="0"/>
-              </a:spcBef>
-              <a:spcAft>
-                <a:spcPts val="0"/>
-              </a:spcAft>
-              <a:buClrTx/>
-              <a:buSzTx/>
-              <a:buFontTx/>
-              <a:buNone/>
-              <a:tabLst/>
-              <a:defRPr/>
-            </a:pPr>
-            <a:endParaRPr lang="en-US" altLang="ja-JP" dirty="0"/>
-          </a:p>
-          <a:p>
-            <a:pPr marL="0" marR="0" lvl="0" indent="0" algn="l" defTabSz="914400" rtl="0" eaLnBrk="1" fontAlgn="auto" latinLnBrk="0" hangingPunct="1">
-              <a:lnSpc>
-                <a:spcPct val="100000"/>
-              </a:lnSpc>
-              <a:spcBef>
-                <a:spcPts val="0"/>
-              </a:spcBef>
-              <a:spcAft>
-                <a:spcPts val="0"/>
-              </a:spcAft>
-              <a:buClrTx/>
-              <a:buSzTx/>
-              <a:buFontTx/>
-              <a:buNone/>
-              <a:tabLst/>
-              <a:defRPr/>
-            </a:pPr>
-            <a:endParaRPr lang="en-US" altLang="ja-JP" dirty="0"/>
-          </a:p>
-          <a:p>
-            <a:pPr marL="0" marR="0" lvl="0" indent="0" algn="l" defTabSz="914400" rtl="0" eaLnBrk="1" fontAlgn="auto" latinLnBrk="0" hangingPunct="1">
-              <a:lnSpc>
-                <a:spcPct val="100000"/>
-              </a:lnSpc>
-              <a:spcBef>
-                <a:spcPts val="0"/>
-              </a:spcBef>
-              <a:spcAft>
-                <a:spcPts val="0"/>
-              </a:spcAft>
-              <a:buClrTx/>
-              <a:buSzTx/>
-              <a:buFontTx/>
-              <a:buNone/>
-              <a:tabLst/>
-              <a:defRPr/>
-            </a:pPr>
-            <a:r>
-              <a:rPr lang="en-US" altLang="ja-JP" dirty="0"/>
-              <a:t>***</a:t>
-            </a:r>
-          </a:p>
-          <a:p>
-            <a:pPr marL="0" marR="0" lvl="0" indent="0" algn="l" defTabSz="914400" rtl="0" eaLnBrk="1" fontAlgn="auto" latinLnBrk="0" hangingPunct="1">
-              <a:lnSpc>
-                <a:spcPct val="100000"/>
-              </a:lnSpc>
-              <a:spcBef>
-                <a:spcPts val="0"/>
-              </a:spcBef>
-              <a:spcAft>
-                <a:spcPts val="0"/>
-              </a:spcAft>
-              <a:buClrTx/>
-              <a:buSzTx/>
-              <a:buFontTx/>
-              <a:buNone/>
-              <a:tabLst/>
-              <a:defRPr/>
-            </a:pPr>
-            <a:r>
-              <a:rPr lang="en-US" altLang="ja-JP" dirty="0"/>
-              <a:t>First, we will explain the rules and goals of the challenge.</a:t>
-            </a:r>
-          </a:p>
-          <a:p>
-            <a:pPr marL="0" marR="0" lvl="0" indent="0" algn="l" defTabSz="914400" rtl="0" eaLnBrk="1" fontAlgn="auto" latinLnBrk="0" hangingPunct="1">
-              <a:lnSpc>
-                <a:spcPct val="100000"/>
-              </a:lnSpc>
-              <a:spcBef>
-                <a:spcPts val="0"/>
-              </a:spcBef>
-              <a:spcAft>
-                <a:spcPts val="0"/>
-              </a:spcAft>
-              <a:buClrTx/>
-              <a:buSzTx/>
-              <a:buFontTx/>
-              <a:buNone/>
-              <a:tabLst/>
-              <a:defRPr/>
-            </a:pPr>
-            <a:r>
-              <a:rPr lang="en-US" altLang="ja-JP" dirty="0"/>
-              <a:t>In this challenge, we are given a data set obtained by four subjects performing cooking activities with sensors attached to their bodies.</a:t>
-            </a:r>
-          </a:p>
-          <a:p>
-            <a:pPr marL="0" marR="0" lvl="0" indent="0" algn="l" defTabSz="914400" rtl="0" eaLnBrk="1" fontAlgn="auto" latinLnBrk="0" hangingPunct="1">
-              <a:lnSpc>
-                <a:spcPct val="100000"/>
-              </a:lnSpc>
-              <a:spcBef>
-                <a:spcPts val="0"/>
-              </a:spcBef>
-              <a:spcAft>
-                <a:spcPts val="0"/>
-              </a:spcAft>
-              <a:buClrTx/>
-              <a:buSzTx/>
-              <a:buFontTx/>
-              <a:buNone/>
-              <a:tabLst/>
-              <a:defRPr/>
-            </a:pPr>
-            <a:r>
-              <a:rPr lang="en-US" altLang="ja-JP" dirty="0"/>
-              <a:t>This dataset contains training data for three subjects and test data for one subject.</a:t>
-            </a:r>
-          </a:p>
-          <a:p>
-            <a:pPr marL="0" marR="0" lvl="0" indent="0" algn="l" defTabSz="914400" rtl="0" eaLnBrk="1" fontAlgn="auto" latinLnBrk="0" hangingPunct="1">
-              <a:lnSpc>
-                <a:spcPct val="100000"/>
-              </a:lnSpc>
-              <a:spcBef>
-                <a:spcPts val="0"/>
-              </a:spcBef>
-              <a:spcAft>
-                <a:spcPts val="0"/>
-              </a:spcAft>
-              <a:buClrTx/>
-              <a:buSzTx/>
-              <a:buFontTx/>
-              <a:buNone/>
-              <a:tabLst/>
-              <a:defRPr/>
-            </a:pPr>
-            <a:r>
-              <a:rPr lang="en-US" altLang="ja-JP" dirty="0"/>
-              <a:t>Each team comes up with an optimal </a:t>
-            </a:r>
-            <a:r>
-              <a:rPr kumimoji="1" lang="en-US" altLang="ja-JP" dirty="0"/>
-              <a:t>identification</a:t>
-            </a:r>
-            <a:r>
-              <a:rPr lang="en-US" altLang="ja-JP" dirty="0"/>
-              <a:t> model and competes on the </a:t>
-            </a:r>
-            <a:r>
-              <a:rPr kumimoji="1" lang="en-US" altLang="ja-JP" dirty="0"/>
-              <a:t>identification</a:t>
-            </a:r>
-            <a:r>
-              <a:rPr lang="en-US" altLang="ja-JP" dirty="0"/>
-              <a:t> accuracy of the test data.</a:t>
-            </a:r>
-          </a:p>
-          <a:p>
-            <a:endParaRPr kumimoji="1" lang="en-US" altLang="ja-JP" b="0" dirty="0">
-              <a:latin typeface="+mn-lt"/>
-            </a:endParaRPr>
-          </a:p>
-          <a:p>
-            <a:endParaRPr kumimoji="1" lang="en-US" altLang="ja-JP" b="0" dirty="0">
-              <a:latin typeface="+mn-lt"/>
-            </a:endParaRPr>
-          </a:p>
-          <a:p>
-            <a:r>
-              <a:rPr kumimoji="1" lang="ja-JP" altLang="en-US" b="0" dirty="0">
-                <a:latin typeface="+mn-lt"/>
-              </a:rPr>
-              <a:t>まず，チャレンジのルールとゴールを説明する．</a:t>
-            </a:r>
-            <a:endParaRPr kumimoji="1" lang="en-US" altLang="ja-JP" b="0" dirty="0">
-              <a:latin typeface="+mn-lt"/>
-            </a:endParaRPr>
-          </a:p>
-          <a:p>
-            <a:r>
-              <a:rPr kumimoji="1" lang="ja-JP" altLang="en-US" b="0" dirty="0">
-                <a:latin typeface="+mn-lt"/>
-              </a:rPr>
-              <a:t>このチャレンジでは，</a:t>
-            </a:r>
-            <a:r>
-              <a:rPr kumimoji="1" lang="en-US" altLang="ja-JP" b="0" dirty="0">
-                <a:latin typeface="+mn-lt"/>
-              </a:rPr>
-              <a:t>4</a:t>
-            </a:r>
-            <a:r>
-              <a:rPr kumimoji="1" lang="ja-JP" altLang="en-US" b="0" dirty="0">
-                <a:latin typeface="+mn-lt"/>
-              </a:rPr>
-              <a:t>人の被験者が体にセンサを取り付けて調理活動を行うことで得られたデータセットが我々に与えられる．</a:t>
-            </a:r>
-            <a:endParaRPr kumimoji="1" lang="en-US" altLang="ja-JP" b="0" dirty="0">
-              <a:latin typeface="+mn-lt"/>
-            </a:endParaRPr>
-          </a:p>
-          <a:p>
-            <a:r>
-              <a:rPr kumimoji="1" lang="ja-JP" altLang="en-US" b="0" dirty="0">
-                <a:latin typeface="+mn-lt"/>
-              </a:rPr>
-              <a:t>このデータセットには，</a:t>
-            </a:r>
-            <a:r>
-              <a:rPr kumimoji="1" lang="en-US" altLang="ja-JP" b="0" dirty="0">
-                <a:latin typeface="+mn-lt"/>
-              </a:rPr>
-              <a:t>3</a:t>
-            </a:r>
-            <a:r>
-              <a:rPr kumimoji="1" lang="ja-JP" altLang="en-US" b="0" dirty="0">
-                <a:latin typeface="+mn-lt"/>
-              </a:rPr>
-              <a:t>人分の被験者の学習データと</a:t>
-            </a:r>
-            <a:r>
-              <a:rPr kumimoji="1" lang="en-US" altLang="ja-JP" b="0" dirty="0">
-                <a:latin typeface="+mn-lt"/>
-              </a:rPr>
-              <a:t>1</a:t>
-            </a:r>
-            <a:r>
-              <a:rPr kumimoji="1" lang="ja-JP" altLang="en-US" b="0" dirty="0">
-                <a:latin typeface="+mn-lt"/>
-              </a:rPr>
-              <a:t>人の被験者のテストデータが含まれる．</a:t>
-            </a:r>
-            <a:endParaRPr kumimoji="1" lang="en-US" altLang="ja-JP" b="0" dirty="0">
-              <a:latin typeface="+mn-lt"/>
-            </a:endParaRPr>
-          </a:p>
-          <a:p>
-            <a:pPr marL="0" marR="0" lvl="0" indent="0" algn="l" defTabSz="914400" rtl="0" eaLnBrk="1" fontAlgn="auto" latinLnBrk="0" hangingPunct="1">
-              <a:lnSpc>
-                <a:spcPct val="100000"/>
-              </a:lnSpc>
-              <a:spcBef>
-                <a:spcPts val="0"/>
-              </a:spcBef>
-              <a:spcAft>
-                <a:spcPts val="0"/>
-              </a:spcAft>
-              <a:buClrTx/>
-              <a:buSzTx/>
-              <a:buFontTx/>
-              <a:buNone/>
-              <a:tabLst/>
-              <a:defRPr/>
-            </a:pPr>
-            <a:r>
-              <a:rPr kumimoji="1" lang="ja-JP" altLang="en-US" b="0" dirty="0">
-                <a:latin typeface="+mn-lt"/>
-              </a:rPr>
-              <a:t>各チームは最適な識別モデルを考え，テストデータの識別精度を競う．</a:t>
-            </a:r>
-            <a:endParaRPr kumimoji="1" lang="en-US" altLang="ja-JP" b="0" dirty="0">
-              <a:latin typeface="+mn-lt"/>
-            </a:endParaRPr>
-          </a:p>
-          <a:p>
-            <a:endParaRPr kumimoji="1" lang="ja-JP" altLang="en-US" b="0" dirty="0">
-              <a:latin typeface="+mn-lt"/>
-            </a:endParaRPr>
-          </a:p>
         </p:txBody>
       </p:sp>
       <p:sp>
@@ -1276,6 +866,770 @@
           <a:lstStyle/>
           <a:p>
             <a:r>
+              <a:rPr lang="en-US" altLang="ja-JP" sz="1800" b="0" i="0" u="none" strike="noStrike" baseline="0" dirty="0">
+                <a:latin typeface="TeXGyreTermes-Regular"/>
+              </a:rPr>
+              <a:t>Hand crafted feature values are extracted from the raw data.</a:t>
+            </a:r>
+          </a:p>
+          <a:p>
+            <a:pPr algn="l"/>
+            <a:r>
+              <a:rPr lang="en-US" altLang="ja-JP" sz="1800" b="0" i="0" u="none" strike="noStrike" baseline="0" dirty="0">
+                <a:latin typeface="TeXGyreTermes-Regular"/>
+              </a:rPr>
+              <a:t>The features are mean, variance, max, min, root mean square, interquartile range, and zero crossing rate for each axis, respectively. </a:t>
+            </a:r>
+          </a:p>
+          <a:p>
+            <a:pPr algn="l"/>
+            <a:r>
+              <a:rPr lang="en-US" altLang="ja-JP" sz="1800" b="0" i="0" u="none" strike="noStrike" baseline="0" dirty="0">
+                <a:latin typeface="TeXGyreTermes-Regular"/>
+              </a:rPr>
+              <a:t>These features are calculated over a 50ms-window slid in steps of 3 seconds.</a:t>
+            </a:r>
+          </a:p>
+          <a:p>
+            <a:pPr algn="l"/>
+            <a:r>
+              <a:rPr lang="en-US" altLang="ja-JP" sz="1800" b="0" i="0" u="none" strike="noStrike" baseline="0" dirty="0">
+                <a:latin typeface="TeXGyreTermes-Regular"/>
+              </a:rPr>
+              <a:t>From the preprocessing, 21 dimensions feature are obtained for one sensor.</a:t>
+            </a:r>
+          </a:p>
+          <a:p>
+            <a:pPr algn="l"/>
+            <a:endParaRPr kumimoji="1" lang="en-US" altLang="ja-JP" sz="1800" b="0" i="0" u="none" strike="noStrike" baseline="0" dirty="0">
+              <a:latin typeface="TeXGyreTermes-Regular"/>
+            </a:endParaRPr>
+          </a:p>
+          <a:p>
+            <a:pPr algn="l"/>
+            <a:endParaRPr kumimoji="1" lang="en-US" altLang="ja-JP" sz="1800" b="0" i="0" u="none" strike="noStrike" baseline="0" dirty="0">
+              <a:latin typeface="TeXGyreTermes-Regular"/>
+            </a:endParaRPr>
+          </a:p>
+          <a:p>
+            <a:pPr algn="l"/>
+            <a:r>
+              <a:rPr kumimoji="1" lang="ja-JP" altLang="en-US" dirty="0"/>
+              <a:t>生データから特徴量を抽</a:t>
+            </a:r>
+            <a:r>
+              <a:rPr lang="ja-JP" altLang="en-US" dirty="0"/>
+              <a:t>出する</a:t>
+            </a:r>
+            <a:r>
+              <a:rPr kumimoji="1" lang="ja-JP" altLang="en-US" dirty="0"/>
+              <a:t>。</a:t>
+            </a:r>
+          </a:p>
+          <a:p>
+            <a:pPr algn="l"/>
+            <a:r>
+              <a:rPr kumimoji="1" lang="ja-JP" altLang="en-US" dirty="0"/>
+              <a:t>特徴量は、各軸の平均、分散、最大、最小、二乗平均平方根（</a:t>
+            </a:r>
+            <a:r>
+              <a:rPr kumimoji="1" lang="en-US" altLang="ja-JP" dirty="0"/>
+              <a:t>RMS</a:t>
+            </a:r>
+            <a:r>
+              <a:rPr kumimoji="1" lang="ja-JP" altLang="en-US" dirty="0"/>
+              <a:t>）、四分位間距離（</a:t>
+            </a:r>
+            <a:r>
+              <a:rPr kumimoji="1" lang="en-US" altLang="ja-JP" dirty="0"/>
+              <a:t>IQR</a:t>
+            </a:r>
+            <a:r>
+              <a:rPr kumimoji="1" lang="ja-JP" altLang="en-US" dirty="0"/>
+              <a:t>）、ゼロクロスレート（</a:t>
+            </a:r>
+            <a:r>
+              <a:rPr kumimoji="1" lang="en-US" altLang="ja-JP" dirty="0"/>
+              <a:t>ZCR</a:t>
+            </a:r>
+            <a:r>
+              <a:rPr kumimoji="1" lang="ja-JP" altLang="en-US" dirty="0"/>
+              <a:t>）です。</a:t>
+            </a:r>
+          </a:p>
+          <a:p>
+            <a:pPr algn="l"/>
+            <a:r>
+              <a:rPr kumimoji="1" lang="ja-JP" altLang="en-US" dirty="0"/>
+              <a:t>これらの特徴は、</a:t>
+            </a:r>
+            <a:r>
+              <a:rPr kumimoji="1" lang="en-US" altLang="ja-JP" dirty="0"/>
+              <a:t>50ms</a:t>
+            </a:r>
+            <a:r>
+              <a:rPr kumimoji="1" lang="ja-JP" altLang="en-US" dirty="0"/>
+              <a:t>のウィンドウを</a:t>
+            </a:r>
+            <a:r>
+              <a:rPr kumimoji="1" lang="en-US" altLang="ja-JP" dirty="0"/>
+              <a:t>3</a:t>
+            </a:r>
+            <a:r>
+              <a:rPr kumimoji="1" lang="ja-JP" altLang="en-US" dirty="0"/>
+              <a:t>秒単位でスライドさせて計算されます。</a:t>
+            </a:r>
+          </a:p>
+          <a:p>
+            <a:pPr algn="l"/>
+            <a:r>
+              <a:rPr kumimoji="1" lang="ja-JP" altLang="en-US" dirty="0"/>
+              <a:t>前処理により、</a:t>
+            </a:r>
+            <a:r>
+              <a:rPr kumimoji="1" lang="en-US" altLang="ja-JP" dirty="0"/>
+              <a:t>1 </a:t>
+            </a:r>
+            <a:r>
+              <a:rPr kumimoji="1" lang="ja-JP" altLang="en-US" dirty="0"/>
+              <a:t>つのセンサに対して</a:t>
+            </a:r>
+            <a:r>
+              <a:rPr kumimoji="1" lang="en-US" altLang="ja-JP" dirty="0"/>
+              <a:t>21</a:t>
+            </a:r>
+            <a:r>
+              <a:rPr kumimoji="1" lang="ja-JP" altLang="en-US" dirty="0"/>
+              <a:t>次元の特徴量が得られた。</a:t>
+            </a:r>
+          </a:p>
+        </p:txBody>
+      </p:sp>
+      <p:sp>
+        <p:nvSpPr>
+          <p:cNvPr id="4" name="スライド番号プレースホルダー 3"/>
+          <p:cNvSpPr>
+            <a:spLocks noGrp="1"/>
+          </p:cNvSpPr>
+          <p:nvPr>
+            <p:ph type="sldNum" sz="quarter" idx="5"/>
+          </p:nvPr>
+        </p:nvSpPr>
+        <p:spPr/>
+        <p:txBody>
+          <a:bodyPr/>
+          <a:lstStyle/>
+          <a:p>
+            <a:fld id="{30C4CB3F-F62E-402B-B423-2F2652179FCC}" type="slidenum">
+              <a:rPr kumimoji="1" lang="ja-JP" altLang="en-US" smtClean="0"/>
+              <a:t>10</a:t>
+            </a:fld>
+            <a:endParaRPr kumimoji="1" lang="ja-JP" altLang="en-US"/>
+          </a:p>
+        </p:txBody>
+      </p:sp>
+    </p:spTree>
+    <p:extLst>
+      <p:ext uri="{BB962C8B-B14F-4D97-AF65-F5344CB8AC3E}">
+        <p14:creationId xmlns:p14="http://schemas.microsoft.com/office/powerpoint/2010/main" val="1908707458"/>
+      </p:ext>
+    </p:extLst>
+  </p:cSld>
+  <p:clrMapOvr>
+    <a:masterClrMapping/>
+  </p:clrMapOvr>
+</p:notes>
+</file>
+
+<file path=ppt/notesSlides/notesSlide11.xml><?xml version="1.0" encoding="utf-8"?>
+<p:notes xmlns:a="http://schemas.openxmlformats.org/drawingml/2006/main" xmlns:r="http://schemas.openxmlformats.org/officeDocument/2006/relationships" xmlns:p="http://schemas.openxmlformats.org/presentationml/2006/main">
+  <p:cSld>
+    <p:spTree>
+      <p:nvGrpSpPr>
+        <p:cNvPr id="1" name=""/>
+        <p:cNvGrpSpPr/>
+        <p:nvPr/>
+      </p:nvGrpSpPr>
+      <p:grpSpPr>
+        <a:xfrm>
+          <a:off x="0" y="0"/>
+          <a:ext cx="0" cy="0"/>
+          <a:chOff x="0" y="0"/>
+          <a:chExt cx="0" cy="0"/>
+        </a:xfrm>
+      </p:grpSpPr>
+      <p:sp>
+        <p:nvSpPr>
+          <p:cNvPr id="2" name="スライド イメージ プレースホルダー 1"/>
+          <p:cNvSpPr>
+            <a:spLocks noGrp="1" noRot="1" noChangeAspect="1"/>
+          </p:cNvSpPr>
+          <p:nvPr>
+            <p:ph type="sldImg"/>
+          </p:nvPr>
+        </p:nvSpPr>
+        <p:spPr/>
+      </p:sp>
+      <p:sp>
+        <p:nvSpPr>
+          <p:cNvPr id="3" name="ノート プレースホルダー 2"/>
+          <p:cNvSpPr>
+            <a:spLocks noGrp="1"/>
+          </p:cNvSpPr>
+          <p:nvPr>
+            <p:ph type="body" idx="1"/>
+          </p:nvPr>
+        </p:nvSpPr>
+        <p:spPr/>
+        <p:txBody>
+          <a:bodyPr/>
+          <a:lstStyle/>
+          <a:p>
+            <a:r>
+              <a:rPr kumimoji="1" lang="en-US" altLang="ja-JP" dirty="0"/>
+              <a:t>This is our identification model.</a:t>
+            </a:r>
+          </a:p>
+          <a:p>
+            <a:r>
+              <a:rPr kumimoji="1" lang="en-US" altLang="ja-JP" dirty="0"/>
+              <a:t>From left to right: "Conv1d layer", "LSTM layer", "Sigmoid layer", and There are "Activation layer" and "Final activation layer".</a:t>
+            </a:r>
+          </a:p>
+          <a:p>
+            <a:endParaRPr kumimoji="1" lang="en-US" altLang="ja-JP" dirty="0"/>
+          </a:p>
+          <a:p>
+            <a:r>
+              <a:rPr kumimoji="1" lang="en-US" altLang="ja-JP" dirty="0"/>
+              <a:t>In "Conv1d layer", </a:t>
+            </a:r>
+            <a:r>
+              <a:rPr kumimoji="1" lang="en-US" altLang="ja-JP" dirty="0" err="1"/>
+              <a:t>Mapsize</a:t>
+            </a:r>
+            <a:r>
+              <a:rPr kumimoji="1" lang="en-US" altLang="ja-JP" dirty="0"/>
+              <a:t> was set to 6, we input features of 21 dimensions with length N', and get a features of 21 dimensions with 6 map and length N''.</a:t>
+            </a:r>
+          </a:p>
+          <a:p>
+            <a:r>
+              <a:rPr kumimoji="1" lang="en-US" altLang="ja-JP" dirty="0"/>
+              <a:t>Then, in the "LSTM layer", that features are inputted to form a 24-dimensional feature.</a:t>
+            </a:r>
+          </a:p>
+          <a:p>
+            <a:r>
+              <a:rPr kumimoji="1" lang="en-US" altLang="ja-JP" dirty="0"/>
+              <a:t>"Linear layer" compresses 24 dimensional features into 10 dimensions for micro activities and 4 dimensions for macro activities.</a:t>
+            </a:r>
+          </a:p>
+          <a:p>
+            <a:r>
+              <a:rPr kumimoji="1" lang="en-US" altLang="ja-JP" dirty="0"/>
+              <a:t>"Sigmoid layer" applies a sigmoid function.</a:t>
+            </a:r>
+          </a:p>
+          <a:p>
+            <a:r>
+              <a:rPr kumimoji="1" lang="en-US" altLang="ja-JP" dirty="0"/>
+              <a:t>Next, we use the "activation layer" to obtain one-hot vectors.</a:t>
+            </a:r>
+          </a:p>
+          <a:p>
+            <a:endParaRPr kumimoji="1" lang="en-US" altLang="ja-JP" dirty="0"/>
+          </a:p>
+          <a:p>
+            <a:endParaRPr kumimoji="1" lang="en-US" altLang="ja-JP" dirty="0"/>
+          </a:p>
+          <a:p>
+            <a:endParaRPr kumimoji="1" lang="en-US" altLang="ja-JP" dirty="0"/>
+          </a:p>
+          <a:p>
+            <a:r>
+              <a:rPr kumimoji="1" lang="ja-JP" altLang="en-US" dirty="0"/>
+              <a:t>これが私達の識別モデルです．</a:t>
+            </a:r>
+            <a:endParaRPr kumimoji="1" lang="en-US" altLang="ja-JP" dirty="0"/>
+          </a:p>
+          <a:p>
+            <a:r>
+              <a:rPr kumimoji="1" lang="ja-JP" altLang="en-US" dirty="0"/>
+              <a:t>左から順に</a:t>
+            </a:r>
+            <a:r>
+              <a:rPr kumimoji="1" lang="en-US" altLang="ja-JP" dirty="0"/>
+              <a:t>“Conv1d layer”</a:t>
+            </a:r>
+            <a:r>
+              <a:rPr kumimoji="1" lang="ja-JP" altLang="en-US" dirty="0"/>
+              <a:t>，</a:t>
+            </a:r>
+            <a:r>
+              <a:rPr kumimoji="1" lang="en-US" altLang="ja-JP" dirty="0"/>
+              <a:t>”LSTM layer”</a:t>
+            </a:r>
+            <a:r>
+              <a:rPr kumimoji="1" lang="ja-JP" altLang="en-US" dirty="0"/>
+              <a:t>，</a:t>
+            </a:r>
+            <a:r>
+              <a:rPr kumimoji="1" lang="en-US" altLang="ja-JP" dirty="0"/>
+              <a:t>”Sigmoid layer”</a:t>
+            </a:r>
+            <a:r>
+              <a:rPr kumimoji="1" lang="ja-JP" altLang="en-US" dirty="0"/>
+              <a:t>，</a:t>
+            </a:r>
+            <a:r>
+              <a:rPr kumimoji="1" lang="en-US" altLang="ja-JP" dirty="0"/>
+              <a:t>”Activation layer”</a:t>
+            </a:r>
+            <a:r>
+              <a:rPr kumimoji="1" lang="ja-JP" altLang="en-US" dirty="0"/>
+              <a:t>，</a:t>
+            </a:r>
+            <a:r>
+              <a:rPr kumimoji="1" lang="en-US" altLang="ja-JP" dirty="0"/>
+              <a:t>”Final activation layer”</a:t>
+            </a:r>
+            <a:r>
+              <a:rPr kumimoji="1" lang="ja-JP" altLang="en-US" dirty="0"/>
+              <a:t>があります．</a:t>
+            </a:r>
+            <a:endParaRPr kumimoji="1" lang="en-US" altLang="ja-JP" dirty="0"/>
+          </a:p>
+          <a:p>
+            <a:endParaRPr kumimoji="1" lang="en-US" altLang="ja-JP" dirty="0"/>
+          </a:p>
+          <a:p>
+            <a:r>
+              <a:rPr kumimoji="1" lang="en-US" altLang="ja-JP" dirty="0"/>
+              <a:t>“Conv1d layer”</a:t>
+            </a:r>
+            <a:r>
+              <a:rPr kumimoji="1" lang="ja-JP" altLang="en-US" dirty="0"/>
+              <a:t>は</a:t>
+            </a:r>
+            <a:r>
+              <a:rPr kumimoji="1" lang="en-US" altLang="ja-JP" dirty="0" err="1"/>
+              <a:t>mapsize</a:t>
+            </a:r>
+            <a:r>
+              <a:rPr kumimoji="1" lang="ja-JP" altLang="en-US" dirty="0"/>
+              <a:t>を</a:t>
+            </a:r>
+            <a:r>
+              <a:rPr kumimoji="1" lang="en-US" altLang="ja-JP" dirty="0"/>
+              <a:t>6</a:t>
+            </a:r>
+            <a:r>
+              <a:rPr kumimoji="1" lang="ja-JP" altLang="en-US" dirty="0"/>
+              <a:t>に設定しており，</a:t>
+            </a:r>
+            <a:r>
+              <a:rPr kumimoji="1" lang="en-US" altLang="ja-JP" dirty="0"/>
+              <a:t>21</a:t>
+            </a:r>
+            <a:r>
+              <a:rPr kumimoji="1" lang="ja-JP" altLang="en-US" dirty="0"/>
+              <a:t>次元で長さ</a:t>
+            </a:r>
+            <a:r>
+              <a:rPr kumimoji="1" lang="en-US" altLang="ja-JP" dirty="0"/>
+              <a:t>N’</a:t>
+            </a:r>
+            <a:r>
+              <a:rPr kumimoji="1" lang="ja-JP" altLang="en-US" dirty="0"/>
+              <a:t>の特徴量を入力して</a:t>
+            </a:r>
+            <a:r>
+              <a:rPr kumimoji="1" lang="en-US" altLang="ja-JP" dirty="0"/>
+              <a:t>21</a:t>
+            </a:r>
+            <a:r>
+              <a:rPr kumimoji="1" lang="ja-JP" altLang="en-US" dirty="0"/>
+              <a:t>次元</a:t>
+            </a:r>
+            <a:r>
+              <a:rPr kumimoji="1" lang="en-US" altLang="ja-JP" dirty="0"/>
+              <a:t>×6</a:t>
+            </a:r>
+            <a:r>
+              <a:rPr kumimoji="1" lang="ja-JP" altLang="en-US" dirty="0"/>
+              <a:t>マップで長さ</a:t>
+            </a:r>
+            <a:r>
+              <a:rPr kumimoji="1" lang="en-US" altLang="ja-JP" dirty="0"/>
+              <a:t>N’’</a:t>
+            </a:r>
+            <a:r>
+              <a:rPr kumimoji="1" lang="ja-JP" altLang="en-US" dirty="0"/>
+              <a:t>の特徴量を得る．</a:t>
+            </a:r>
+            <a:endParaRPr kumimoji="1" lang="en-US" altLang="ja-JP" dirty="0"/>
+          </a:p>
+          <a:p>
+            <a:r>
+              <a:rPr kumimoji="1" lang="ja-JP" altLang="en-US" dirty="0"/>
+              <a:t>次に</a:t>
+            </a:r>
+            <a:r>
+              <a:rPr kumimoji="1" lang="en-US" altLang="ja-JP" dirty="0"/>
+              <a:t>”LSTM layer”</a:t>
+            </a:r>
+            <a:r>
+              <a:rPr kumimoji="1" lang="ja-JP" altLang="en-US" dirty="0"/>
+              <a:t>ではその特徴量を入力し，</a:t>
+            </a:r>
+            <a:r>
+              <a:rPr kumimoji="1" lang="en-US" altLang="ja-JP" dirty="0"/>
+              <a:t>24</a:t>
+            </a:r>
+            <a:r>
+              <a:rPr kumimoji="1" lang="ja-JP" altLang="en-US" dirty="0"/>
+              <a:t>次元の特徴量とする．</a:t>
+            </a:r>
+            <a:endParaRPr kumimoji="1" lang="en-US" altLang="ja-JP" dirty="0"/>
+          </a:p>
+          <a:p>
+            <a:r>
+              <a:rPr kumimoji="1" lang="en-US" altLang="ja-JP" dirty="0"/>
+              <a:t>“Linear layer”</a:t>
+            </a:r>
+            <a:r>
+              <a:rPr kumimoji="1" lang="ja-JP" altLang="en-US" dirty="0"/>
+              <a:t>は</a:t>
+            </a:r>
+            <a:r>
+              <a:rPr kumimoji="1" lang="en-US" altLang="ja-JP" dirty="0"/>
+              <a:t>24</a:t>
+            </a:r>
+            <a:r>
+              <a:rPr kumimoji="1" lang="ja-JP" altLang="en-US" dirty="0"/>
+              <a:t>次元の特徴量を</a:t>
+            </a:r>
+            <a:r>
+              <a:rPr kumimoji="1" lang="en-US" altLang="ja-JP" dirty="0"/>
+              <a:t>macro</a:t>
+            </a:r>
+            <a:r>
+              <a:rPr kumimoji="1" lang="ja-JP" altLang="en-US" dirty="0"/>
+              <a:t>活動では</a:t>
+            </a:r>
+            <a:r>
+              <a:rPr kumimoji="1" lang="en-US" altLang="ja-JP" dirty="0"/>
+              <a:t>4</a:t>
+            </a:r>
+            <a:r>
+              <a:rPr kumimoji="1" lang="ja-JP" altLang="en-US" dirty="0"/>
+              <a:t>次元，</a:t>
+            </a:r>
+            <a:r>
+              <a:rPr kumimoji="1" lang="en-US" altLang="ja-JP" dirty="0"/>
+              <a:t>micro</a:t>
+            </a:r>
+            <a:r>
+              <a:rPr kumimoji="1" lang="ja-JP" altLang="en-US" dirty="0"/>
+              <a:t>活動では</a:t>
+            </a:r>
+            <a:r>
+              <a:rPr kumimoji="1" lang="en-US" altLang="ja-JP" dirty="0"/>
+              <a:t>10</a:t>
+            </a:r>
+            <a:r>
+              <a:rPr kumimoji="1" lang="ja-JP" altLang="en-US" dirty="0"/>
+              <a:t>次元に圧縮する．</a:t>
+            </a:r>
+            <a:endParaRPr kumimoji="1" lang="en-US" altLang="ja-JP" dirty="0"/>
+          </a:p>
+          <a:p>
+            <a:r>
+              <a:rPr kumimoji="1" lang="en-US" altLang="ja-JP" dirty="0"/>
+              <a:t>“Sigmoid layer”</a:t>
+            </a:r>
+            <a:r>
+              <a:rPr kumimoji="1" lang="ja-JP" altLang="en-US" dirty="0"/>
+              <a:t>ではシグモイド関数を適用する．</a:t>
+            </a:r>
+            <a:endParaRPr kumimoji="1" lang="en-US" altLang="ja-JP" dirty="0"/>
+          </a:p>
+          <a:p>
+            <a:r>
+              <a:rPr kumimoji="1" lang="ja-JP" altLang="en-US" dirty="0"/>
+              <a:t>次に</a:t>
+            </a:r>
+            <a:r>
+              <a:rPr kumimoji="1" lang="en-US" altLang="ja-JP" dirty="0"/>
+              <a:t>“Activation layer”</a:t>
+            </a:r>
+            <a:r>
+              <a:rPr kumimoji="1" lang="ja-JP" altLang="en-US" dirty="0"/>
+              <a:t>で</a:t>
+            </a:r>
+            <a:r>
+              <a:rPr kumimoji="1" lang="en-US" altLang="ja-JP" dirty="0"/>
+              <a:t>one-hot vector</a:t>
+            </a:r>
+            <a:r>
+              <a:rPr kumimoji="1" lang="ja-JP" altLang="en-US" dirty="0"/>
+              <a:t>を取得する．</a:t>
+            </a:r>
+          </a:p>
+        </p:txBody>
+      </p:sp>
+      <p:sp>
+        <p:nvSpPr>
+          <p:cNvPr id="4" name="スライド番号プレースホルダー 3"/>
+          <p:cNvSpPr>
+            <a:spLocks noGrp="1"/>
+          </p:cNvSpPr>
+          <p:nvPr>
+            <p:ph type="sldNum" sz="quarter" idx="5"/>
+          </p:nvPr>
+        </p:nvSpPr>
+        <p:spPr/>
+        <p:txBody>
+          <a:bodyPr/>
+          <a:lstStyle/>
+          <a:p>
+            <a:fld id="{30C4CB3F-F62E-402B-B423-2F2652179FCC}" type="slidenum">
+              <a:rPr kumimoji="1" lang="ja-JP" altLang="en-US" smtClean="0"/>
+              <a:t>11</a:t>
+            </a:fld>
+            <a:endParaRPr kumimoji="1" lang="ja-JP" altLang="en-US"/>
+          </a:p>
+        </p:txBody>
+      </p:sp>
+    </p:spTree>
+    <p:extLst>
+      <p:ext uri="{BB962C8B-B14F-4D97-AF65-F5344CB8AC3E}">
+        <p14:creationId xmlns:p14="http://schemas.microsoft.com/office/powerpoint/2010/main" val="693000435"/>
+      </p:ext>
+    </p:extLst>
+  </p:cSld>
+  <p:clrMapOvr>
+    <a:masterClrMapping/>
+  </p:clrMapOvr>
+</p:notes>
+</file>
+
+<file path=ppt/notesSlides/notesSlide12.xml><?xml version="1.0" encoding="utf-8"?>
+<p:notes xmlns:a="http://schemas.openxmlformats.org/drawingml/2006/main" xmlns:r="http://schemas.openxmlformats.org/officeDocument/2006/relationships" xmlns:p="http://schemas.openxmlformats.org/presentationml/2006/main">
+  <p:cSld>
+    <p:spTree>
+      <p:nvGrpSpPr>
+        <p:cNvPr id="1" name=""/>
+        <p:cNvGrpSpPr/>
+        <p:nvPr/>
+      </p:nvGrpSpPr>
+      <p:grpSpPr>
+        <a:xfrm>
+          <a:off x="0" y="0"/>
+          <a:ext cx="0" cy="0"/>
+          <a:chOff x="0" y="0"/>
+          <a:chExt cx="0" cy="0"/>
+        </a:xfrm>
+      </p:grpSpPr>
+      <p:sp>
+        <p:nvSpPr>
+          <p:cNvPr id="2" name="スライド イメージ プレースホルダー 1"/>
+          <p:cNvSpPr>
+            <a:spLocks noGrp="1" noRot="1" noChangeAspect="1"/>
+          </p:cNvSpPr>
+          <p:nvPr>
+            <p:ph type="sldImg"/>
+          </p:nvPr>
+        </p:nvSpPr>
+        <p:spPr/>
+      </p:sp>
+      <p:sp>
+        <p:nvSpPr>
+          <p:cNvPr id="3" name="ノート プレースホルダー 2"/>
+          <p:cNvSpPr>
+            <a:spLocks noGrp="1"/>
+          </p:cNvSpPr>
+          <p:nvPr>
+            <p:ph type="body" idx="1"/>
+          </p:nvPr>
+        </p:nvSpPr>
+        <p:spPr/>
+        <p:txBody>
+          <a:bodyPr/>
+          <a:lstStyle/>
+          <a:p>
+            <a:r>
+              <a:rPr kumimoji="1" lang="en-US" altLang="ja-JP" dirty="0"/>
+              <a:t>We use "</a:t>
+            </a:r>
+            <a:r>
+              <a:rPr kumimoji="1" lang="en-US" altLang="ja-JP" dirty="0" err="1"/>
+              <a:t>BCEWithLogistsLoss</a:t>
+            </a:r>
+            <a:r>
+              <a:rPr kumimoji="1" lang="en-US" altLang="ja-JP" dirty="0"/>
+              <a:t>" in the case of "Micro activity" as "Loss Function and Optimizer", and in the case of "Macro activity", we use "</a:t>
+            </a:r>
+            <a:r>
+              <a:rPr kumimoji="1" lang="en-US" altLang="ja-JP" dirty="0" err="1"/>
+              <a:t>CrossEntropyLoss</a:t>
+            </a:r>
+            <a:r>
+              <a:rPr kumimoji="1" lang="en-US" altLang="ja-JP" dirty="0"/>
+              <a:t>".</a:t>
+            </a:r>
+          </a:p>
+          <a:p>
+            <a:endParaRPr kumimoji="1" lang="en-US" altLang="ja-JP" dirty="0"/>
+          </a:p>
+          <a:p>
+            <a:endParaRPr kumimoji="1" lang="en-US" altLang="ja-JP" dirty="0"/>
+          </a:p>
+          <a:p>
+            <a:endParaRPr kumimoji="1" lang="en-US" altLang="ja-JP" dirty="0"/>
+          </a:p>
+          <a:p>
+            <a:r>
+              <a:rPr kumimoji="1" lang="en-US" altLang="ja-JP" dirty="0"/>
+              <a:t>“Loss Function and Optimizer”</a:t>
+            </a:r>
+            <a:r>
+              <a:rPr kumimoji="1" lang="ja-JP" altLang="en-US" dirty="0"/>
+              <a:t>には，</a:t>
+            </a:r>
+            <a:r>
+              <a:rPr kumimoji="1" lang="en-US" altLang="ja-JP" dirty="0"/>
+              <a:t>”Macro activity”</a:t>
+            </a:r>
+            <a:r>
+              <a:rPr kumimoji="1" lang="ja-JP" altLang="en-US" dirty="0"/>
+              <a:t>の場合は</a:t>
+            </a:r>
+            <a:r>
+              <a:rPr kumimoji="1" lang="en-US" altLang="ja-JP" dirty="0"/>
+              <a:t>”</a:t>
+            </a:r>
+            <a:r>
+              <a:rPr kumimoji="1" lang="en-US" altLang="ja-JP" dirty="0" err="1"/>
+              <a:t>CrossEntropyLoss</a:t>
+            </a:r>
+            <a:r>
+              <a:rPr kumimoji="1" lang="en-US" altLang="ja-JP" dirty="0"/>
+              <a:t>”</a:t>
+            </a:r>
+            <a:r>
+              <a:rPr kumimoji="1" lang="ja-JP" altLang="en-US" dirty="0"/>
+              <a:t>を，</a:t>
+            </a:r>
+            <a:r>
+              <a:rPr kumimoji="1" lang="en-US" altLang="ja-JP" dirty="0"/>
+              <a:t>”Micro activity”</a:t>
+            </a:r>
+            <a:r>
+              <a:rPr kumimoji="1" lang="ja-JP" altLang="en-US" dirty="0"/>
+              <a:t>の場合は</a:t>
+            </a:r>
+            <a:r>
+              <a:rPr kumimoji="1" lang="en-US" altLang="ja-JP" dirty="0"/>
+              <a:t>”</a:t>
+            </a:r>
+            <a:r>
+              <a:rPr kumimoji="1" lang="en-US" altLang="ja-JP" dirty="0" err="1"/>
+              <a:t>BCEWithLogistsLoss</a:t>
+            </a:r>
+            <a:r>
+              <a:rPr kumimoji="1" lang="en-US" altLang="ja-JP" dirty="0"/>
+              <a:t>”</a:t>
+            </a:r>
+            <a:r>
+              <a:rPr kumimoji="1" lang="ja-JP" altLang="en-US" dirty="0"/>
+              <a:t>を使用した．</a:t>
+            </a:r>
+          </a:p>
+        </p:txBody>
+      </p:sp>
+      <p:sp>
+        <p:nvSpPr>
+          <p:cNvPr id="4" name="スライド番号プレースホルダー 3"/>
+          <p:cNvSpPr>
+            <a:spLocks noGrp="1"/>
+          </p:cNvSpPr>
+          <p:nvPr>
+            <p:ph type="sldNum" sz="quarter" idx="5"/>
+          </p:nvPr>
+        </p:nvSpPr>
+        <p:spPr/>
+        <p:txBody>
+          <a:bodyPr/>
+          <a:lstStyle/>
+          <a:p>
+            <a:fld id="{30C4CB3F-F62E-402B-B423-2F2652179FCC}" type="slidenum">
+              <a:rPr kumimoji="1" lang="ja-JP" altLang="en-US" smtClean="0"/>
+              <a:t>12</a:t>
+            </a:fld>
+            <a:endParaRPr kumimoji="1" lang="ja-JP" altLang="en-US"/>
+          </a:p>
+        </p:txBody>
+      </p:sp>
+    </p:spTree>
+    <p:extLst>
+      <p:ext uri="{BB962C8B-B14F-4D97-AF65-F5344CB8AC3E}">
+        <p14:creationId xmlns:p14="http://schemas.microsoft.com/office/powerpoint/2010/main" val="1970661680"/>
+      </p:ext>
+    </p:extLst>
+  </p:cSld>
+  <p:clrMapOvr>
+    <a:masterClrMapping/>
+  </p:clrMapOvr>
+</p:notes>
+</file>
+
+<file path=ppt/notesSlides/notesSlide13.xml><?xml version="1.0" encoding="utf-8"?>
+<p:notes xmlns:a="http://schemas.openxmlformats.org/drawingml/2006/main" xmlns:r="http://schemas.openxmlformats.org/officeDocument/2006/relationships" xmlns:p="http://schemas.openxmlformats.org/presentationml/2006/main">
+  <p:cSld>
+    <p:spTree>
+      <p:nvGrpSpPr>
+        <p:cNvPr id="1" name=""/>
+        <p:cNvGrpSpPr/>
+        <p:nvPr/>
+      </p:nvGrpSpPr>
+      <p:grpSpPr>
+        <a:xfrm>
+          <a:off x="0" y="0"/>
+          <a:ext cx="0" cy="0"/>
+          <a:chOff x="0" y="0"/>
+          <a:chExt cx="0" cy="0"/>
+        </a:xfrm>
+      </p:grpSpPr>
+      <p:sp>
+        <p:nvSpPr>
+          <p:cNvPr id="2" name="スライド イメージ プレースホルダー 1"/>
+          <p:cNvSpPr>
+            <a:spLocks noGrp="1" noRot="1" noChangeAspect="1"/>
+          </p:cNvSpPr>
+          <p:nvPr>
+            <p:ph type="sldImg"/>
+          </p:nvPr>
+        </p:nvSpPr>
+        <p:spPr/>
+      </p:sp>
+      <p:sp>
+        <p:nvSpPr>
+          <p:cNvPr id="3" name="ノート プレースホルダー 2"/>
+          <p:cNvSpPr>
+            <a:spLocks noGrp="1"/>
+          </p:cNvSpPr>
+          <p:nvPr>
+            <p:ph type="body" idx="1"/>
+          </p:nvPr>
+        </p:nvSpPr>
+        <p:spPr/>
+        <p:txBody>
+          <a:bodyPr/>
+          <a:lstStyle/>
+          <a:p>
+            <a:r>
               <a:rPr kumimoji="1" lang="en-US" altLang="ja-JP" dirty="0"/>
               <a:t>In "Final activation layer", a majority vote is taken.</a:t>
             </a:r>
@@ -1575,53 +1929,6 @@
             </a:r>
           </a:p>
           <a:p>
-            <a:pPr marL="0" marR="0" lvl="0" indent="0" algn="l" defTabSz="914400" rtl="0" eaLnBrk="1" fontAlgn="auto" latinLnBrk="0" hangingPunct="1">
-              <a:lnSpc>
-                <a:spcPct val="100000"/>
-              </a:lnSpc>
-              <a:spcBef>
-                <a:spcPts val="0"/>
-              </a:spcBef>
-              <a:spcAft>
-                <a:spcPts val="0"/>
-              </a:spcAft>
-              <a:buClrTx/>
-              <a:buSzTx/>
-              <a:buFontTx/>
-              <a:buNone/>
-              <a:tabLst/>
-              <a:defRPr/>
-            </a:pPr>
-            <a:endParaRPr lang="en-US" altLang="ja-JP" sz="1200" b="0" i="0" u="none" strike="noStrike" baseline="0" dirty="0">
-              <a:latin typeface="TeXGyreTermes-Regular"/>
-            </a:endParaRPr>
-          </a:p>
-          <a:p>
-            <a:pPr marL="0" marR="0" lvl="0" indent="0" algn="l" defTabSz="914400" rtl="0" eaLnBrk="1" fontAlgn="auto" latinLnBrk="0" hangingPunct="1">
-              <a:lnSpc>
-                <a:spcPct val="100000"/>
-              </a:lnSpc>
-              <a:spcBef>
-                <a:spcPts val="0"/>
-              </a:spcBef>
-              <a:spcAft>
-                <a:spcPts val="0"/>
-              </a:spcAft>
-              <a:buClrTx/>
-              <a:buSzTx/>
-              <a:buFontTx/>
-              <a:buNone/>
-              <a:tabLst/>
-              <a:defRPr/>
-            </a:pPr>
-            <a:r>
-              <a:rPr lang="en-US" altLang="ja-JP" sz="1200" b="0" i="0" u="none" strike="noStrike" baseline="0" dirty="0">
-                <a:latin typeface="TeXGyreTermes-Regular"/>
-              </a:rPr>
-              <a:t>The subjects cooked three recipes (sandwich, fruit salad, cereal) five times each by following a script for each recipe.</a:t>
-            </a:r>
-          </a:p>
-          <a:p>
             <a:pPr algn="l"/>
             <a:endParaRPr lang="en-US" altLang="ja-JP" sz="1200" b="0" i="0" u="none" strike="noStrike" baseline="0" dirty="0">
               <a:latin typeface="TeXGyreTermes-Regular"/>
@@ -1633,46 +1940,25 @@
               <a:rPr lang="en-US" altLang="ja-JP" sz="1200" b="0" i="0" u="none" strike="noStrike" baseline="0" dirty="0">
                 <a:latin typeface="TeXGyreTermes-Regular"/>
               </a:rPr>
-              <a:t>The data has been collected from four subjects who had attached two smartphones on the right arm and left hip, two smartwatches on both wrists, and one motion capture system with 29 markers.</a:t>
-            </a:r>
-          </a:p>
-          <a:p>
-            <a:pPr algn="l"/>
-            <a:endParaRPr lang="en-US" altLang="ja-JP" sz="1200" b="0" i="0" u="none" strike="noStrike" baseline="0" dirty="0">
-              <a:latin typeface="TeXGyreTermes-Regular"/>
-            </a:endParaRPr>
-          </a:p>
-          <a:p>
-            <a:pPr algn="l"/>
+              <a:t>Micro-activities consist of the labels ["Cut", "Peel", "Open", "Take", "Put", "Pour", "Wash", "Add", "Mix", "other"], and macro-activities consist of the labels ["sandwich", "</a:t>
+            </a:r>
+            <a:r>
+              <a:rPr lang="en-US" altLang="ja-JP" sz="1200" b="0" i="0" u="none" strike="noStrike" baseline="0" dirty="0" err="1">
+                <a:latin typeface="TeXGyreTermes-Regular"/>
+              </a:rPr>
+              <a:t>fruitsalad</a:t>
+            </a:r>
             <a:r>
               <a:rPr lang="en-US" altLang="ja-JP" sz="1200" b="0" i="0" u="none" strike="noStrike" baseline="0" dirty="0">
                 <a:latin typeface="TeXGyreTermes-Regular"/>
               </a:rPr>
-              <a:t>Each recording has been segmented into 30-second segments, like this figure.</a:t>
+              <a:t>", "cereal"].</a:t>
             </a:r>
           </a:p>
           <a:p>
-            <a:pPr algn="l"/>
-            <a:r>
-              <a:rPr lang="en-US" altLang="ja-JP" sz="1200" b="0" i="0" u="none" strike="noStrike" baseline="0" dirty="0">
-                <a:latin typeface="TeXGyreTermes-Regular"/>
-              </a:rPr>
-              <a:t>Each segment was assigned a random identifier, so the order of the segments is unknown.</a:t>
-            </a:r>
-          </a:p>
-          <a:p>
-            <a:pPr algn="l"/>
-            <a:endParaRPr lang="en-US" altLang="ja-JP" sz="1200" b="0" i="0" u="none" strike="noStrike" baseline="0" dirty="0">
-              <a:latin typeface="TeXGyreTermes-Regular"/>
-            </a:endParaRPr>
-          </a:p>
-          <a:p>
-            <a:pPr algn="l"/>
-            <a:r>
-              <a:rPr lang="en-US" altLang="ja-JP" sz="1200" b="0" i="0" u="none" strike="noStrike" baseline="0" dirty="0">
-                <a:latin typeface="TeXGyreTermes-Regular"/>
-              </a:rPr>
-              <a:t>Training data contains data from three subjects out of the four subjects and test data contains the data from the fourth subject.</a:t>
+            <a:r>
+              <a:rPr kumimoji="1" lang="en-US" altLang="ja-JP" dirty="0"/>
+              <a:t>***</a:t>
             </a:r>
           </a:p>
           <a:p>
@@ -1682,567 +1968,27 @@
             <a:endParaRPr kumimoji="1" lang="en-US" altLang="ja-JP" dirty="0"/>
           </a:p>
           <a:p>
-            <a:endParaRPr kumimoji="1" lang="en-US" altLang="ja-JP" dirty="0"/>
+            <a:r>
+              <a:rPr kumimoji="1" lang="ja-JP" altLang="en-US" dirty="0"/>
+              <a:t>与えられたデータセットについて説明する。</a:t>
+            </a:r>
           </a:p>
           <a:p>
-            <a:r>
-              <a:rPr kumimoji="1" lang="ja-JP" altLang="en-US" dirty="0"/>
-              <a:t>まず，与えられたデータセットについて説明する．</a:t>
-            </a:r>
-            <a:endParaRPr kumimoji="1" lang="en-US" altLang="ja-JP" dirty="0"/>
+            <a:endParaRPr kumimoji="1" lang="ja-JP" altLang="en-US" dirty="0"/>
           </a:p>
           <a:p>
             <a:r>
               <a:rPr kumimoji="1" lang="ja-JP" altLang="en-US" dirty="0"/>
-              <a:t>我々は学習用のデータセットとテスト用のデータセットを与えられた．</a:t>
-            </a:r>
-            <a:endParaRPr kumimoji="1" lang="en-US" altLang="ja-JP" dirty="0"/>
+              <a:t>与えられたデータセットは、訓練データセットとテストデータセットである。</a:t>
+            </a:r>
           </a:p>
           <a:p>
-            <a:r>
-              <a:rPr kumimoji="1" lang="ja-JP" altLang="en-US" dirty="0"/>
-              <a:t>データは</a:t>
-            </a:r>
-            <a:r>
-              <a:rPr kumimoji="1" lang="en-US" altLang="ja-JP" dirty="0"/>
-              <a:t>4</a:t>
-            </a:r>
-            <a:r>
-              <a:rPr kumimoji="1" lang="ja-JP" altLang="en-US" dirty="0"/>
-              <a:t>人の被験者にセンサを取り付けて収集されたものである．</a:t>
-            </a:r>
-            <a:endParaRPr kumimoji="1" lang="en-US" altLang="ja-JP" dirty="0"/>
+            <a:endParaRPr kumimoji="1" lang="ja-JP" altLang="en-US" dirty="0"/>
           </a:p>
           <a:p>
             <a:r>
               <a:rPr kumimoji="1" lang="ja-JP" altLang="en-US" dirty="0"/>
-              <a:t>各記録は</a:t>
-            </a:r>
-            <a:r>
-              <a:rPr kumimoji="1" lang="en-US" altLang="ja-JP" dirty="0"/>
-              <a:t>30</a:t>
-            </a:r>
-            <a:r>
-              <a:rPr kumimoji="1" lang="ja-JP" altLang="en-US" dirty="0"/>
-              <a:t>秒ごとに別れており，各セグメントにはランダムな識別子が与えられている．</a:t>
-            </a:r>
-            <a:endParaRPr kumimoji="1" lang="en-US" altLang="ja-JP" dirty="0"/>
-          </a:p>
-          <a:p>
-            <a:pPr marL="0" marR="0" lvl="0" indent="0" defTabSz="914400" rtl="0" eaLnBrk="1" fontAlgn="auto" latinLnBrk="0" hangingPunct="1">
-              <a:lnSpc>
-                <a:spcPct val="90000"/>
-              </a:lnSpc>
-              <a:spcBef>
-                <a:spcPts val="1000"/>
-              </a:spcBef>
-              <a:spcAft>
-                <a:spcPts val="0"/>
-              </a:spcAft>
-              <a:buClrTx/>
-              <a:buSzTx/>
-              <a:buFont typeface="Arial" panose="020B0604020202020204" pitchFamily="34" charset="0"/>
-              <a:buNone/>
-              <a:tabLst/>
-              <a:defRPr/>
-            </a:pPr>
-            <a:r>
-              <a:rPr kumimoji="1" lang="ja-JP" altLang="en-US" dirty="0"/>
-              <a:t>マイクロアクティビティに</a:t>
-            </a:r>
-            <a:r>
-              <a:rPr kumimoji="1" lang="ja-JP" altLang="en-US" b="0" dirty="0">
-                <a:latin typeface="+mn-lt"/>
-              </a:rPr>
-              <a:t>は</a:t>
-            </a:r>
-            <a:r>
-              <a:rPr kumimoji="1" lang="en-US" altLang="ja-JP" sz="1200" b="0" i="0" u="none" strike="noStrike" kern="1200" cap="none" spc="0" normalizeH="0" baseline="0" noProof="0" dirty="0">
-                <a:ln>
-                  <a:noFill/>
-                </a:ln>
-                <a:solidFill>
-                  <a:prstClr val="black"/>
-                </a:solidFill>
-                <a:effectLst/>
-                <a:uLnTx/>
-                <a:uFillTx/>
-                <a:latin typeface="+mn-lt"/>
-                <a:ea typeface="ＭＳ Ｐゴシック"/>
-                <a:cs typeface="Times New Roman" panose="02020603050405020304" pitchFamily="18" charset="0"/>
-              </a:rPr>
-              <a:t>[“Cut”, “Peel”, “Open”, “Take”, “Put”, “Pour”, “Wash”, “Add”, “Mix”, “other”]</a:t>
-            </a:r>
-            <a:r>
-              <a:rPr kumimoji="1" lang="ja-JP" altLang="en-US" sz="1200" b="0" i="0" u="none" strike="noStrike" kern="1200" cap="none" spc="0" normalizeH="0" baseline="0" noProof="0" dirty="0">
-                <a:ln>
-                  <a:noFill/>
-                </a:ln>
-                <a:solidFill>
-                  <a:prstClr val="black"/>
-                </a:solidFill>
-                <a:effectLst/>
-                <a:uLnTx/>
-                <a:uFillTx/>
-                <a:latin typeface="+mn-lt"/>
-                <a:ea typeface="ＭＳ Ｐゴシック"/>
-                <a:cs typeface="Times New Roman" panose="02020603050405020304" pitchFamily="18" charset="0"/>
-              </a:rPr>
-              <a:t>のラベルから成り，マクロアクティビティは</a:t>
-            </a:r>
-            <a:r>
-              <a:rPr kumimoji="1" lang="en-US" altLang="ja-JP" sz="1200" b="0" i="0" u="none" strike="noStrike" kern="1200" cap="none" spc="0" normalizeH="0" baseline="0" noProof="0" dirty="0">
-                <a:ln>
-                  <a:noFill/>
-                </a:ln>
-                <a:solidFill>
-                  <a:prstClr val="black"/>
-                </a:solidFill>
-                <a:effectLst/>
-                <a:uLnTx/>
-                <a:uFillTx/>
-                <a:latin typeface="+mn-lt"/>
-                <a:ea typeface="ＭＳ Ｐゴシック"/>
-                <a:cs typeface="Times New Roman" panose="02020603050405020304" pitchFamily="18" charset="0"/>
-              </a:rPr>
-              <a:t>[“sandwich”, “</a:t>
-            </a:r>
-            <a:r>
-              <a:rPr kumimoji="1" lang="en-US" altLang="ja-JP" sz="1200" b="0" i="0" u="none" strike="noStrike" kern="1200" cap="none" spc="0" normalizeH="0" baseline="0" noProof="0" dirty="0" err="1">
-                <a:ln>
-                  <a:noFill/>
-                </a:ln>
-                <a:solidFill>
-                  <a:prstClr val="black"/>
-                </a:solidFill>
-                <a:effectLst/>
-                <a:uLnTx/>
-                <a:uFillTx/>
-                <a:latin typeface="+mn-lt"/>
-                <a:ea typeface="ＭＳ Ｐゴシック"/>
-                <a:cs typeface="Times New Roman" panose="02020603050405020304" pitchFamily="18" charset="0"/>
-              </a:rPr>
-              <a:t>fruitsalad</a:t>
-            </a:r>
-            <a:r>
-              <a:rPr kumimoji="1" lang="en-US" altLang="ja-JP" sz="1200" b="0" i="0" u="none" strike="noStrike" kern="1200" cap="none" spc="0" normalizeH="0" baseline="0" noProof="0" dirty="0">
-                <a:ln>
-                  <a:noFill/>
-                </a:ln>
-                <a:solidFill>
-                  <a:prstClr val="black"/>
-                </a:solidFill>
-                <a:effectLst/>
-                <a:uLnTx/>
-                <a:uFillTx/>
-                <a:latin typeface="+mn-lt"/>
-                <a:ea typeface="ＭＳ Ｐゴシック"/>
-                <a:cs typeface="Times New Roman" panose="02020603050405020304" pitchFamily="18" charset="0"/>
-              </a:rPr>
-              <a:t>”, “cereal”]</a:t>
-            </a:r>
-            <a:r>
-              <a:rPr kumimoji="1" lang="ja-JP" altLang="en-US" sz="1200" b="0" i="0" u="none" strike="noStrike" kern="1200" cap="none" spc="0" normalizeH="0" baseline="0" noProof="0" dirty="0">
-                <a:ln>
-                  <a:noFill/>
-                </a:ln>
-                <a:solidFill>
-                  <a:prstClr val="black"/>
-                </a:solidFill>
-                <a:effectLst/>
-                <a:uLnTx/>
-                <a:uFillTx/>
-                <a:latin typeface="+mn-lt"/>
-                <a:ea typeface="ＭＳ Ｐゴシック"/>
-                <a:cs typeface="Times New Roman" panose="02020603050405020304" pitchFamily="18" charset="0"/>
-              </a:rPr>
-              <a:t>のラベルから成る．</a:t>
-            </a:r>
-            <a:endParaRPr kumimoji="1" lang="en-US" altLang="ja-JP" sz="1200" b="0" i="0" u="none" strike="noStrike" kern="1200" cap="none" spc="0" normalizeH="0" baseline="0" noProof="0" dirty="0">
-              <a:ln>
-                <a:noFill/>
-              </a:ln>
-              <a:solidFill>
-                <a:prstClr val="black"/>
-              </a:solidFill>
-              <a:effectLst/>
-              <a:uLnTx/>
-              <a:uFillTx/>
-              <a:latin typeface="+mn-lt"/>
-              <a:ea typeface="ＭＳ Ｐゴシック"/>
-              <a:cs typeface="Times New Roman" panose="02020603050405020304" pitchFamily="18" charset="0"/>
-            </a:endParaRPr>
-          </a:p>
-          <a:p>
-            <a:pPr marL="0" marR="0" lvl="0" indent="0" defTabSz="914400" rtl="0" eaLnBrk="1" fontAlgn="auto" latinLnBrk="0" hangingPunct="1">
-              <a:lnSpc>
-                <a:spcPct val="90000"/>
-              </a:lnSpc>
-              <a:spcBef>
-                <a:spcPts val="1000"/>
-              </a:spcBef>
-              <a:spcAft>
-                <a:spcPts val="0"/>
-              </a:spcAft>
-              <a:buClrTx/>
-              <a:buSzTx/>
-              <a:buFont typeface="Arial" panose="020B0604020202020204" pitchFamily="34" charset="0"/>
-              <a:buNone/>
-              <a:tabLst/>
-              <a:defRPr/>
-            </a:pPr>
-            <a:endParaRPr lang="en-US" altLang="ja-JP" dirty="0"/>
-          </a:p>
-          <a:p>
-            <a:pPr marL="0" marR="0" lvl="0" indent="0" algn="l" defTabSz="914400" rtl="0" eaLnBrk="1" fontAlgn="auto" latinLnBrk="0" hangingPunct="1">
-              <a:lnSpc>
-                <a:spcPct val="100000"/>
-              </a:lnSpc>
-              <a:spcBef>
-                <a:spcPts val="0"/>
-              </a:spcBef>
-              <a:spcAft>
-                <a:spcPts val="0"/>
-              </a:spcAft>
-              <a:buClrTx/>
-              <a:buSzTx/>
-              <a:buFontTx/>
-              <a:buNone/>
-              <a:tabLst/>
-              <a:defRPr/>
-            </a:pPr>
-            <a:endParaRPr lang="en-US" altLang="ja-JP" dirty="0"/>
-          </a:p>
-          <a:p>
-            <a:pPr marL="0" marR="0" lvl="0" indent="0" algn="l" defTabSz="914400" rtl="0" eaLnBrk="1" fontAlgn="auto" latinLnBrk="0" hangingPunct="1">
-              <a:lnSpc>
-                <a:spcPct val="100000"/>
-              </a:lnSpc>
-              <a:spcBef>
-                <a:spcPts val="0"/>
-              </a:spcBef>
-              <a:spcAft>
-                <a:spcPts val="0"/>
-              </a:spcAft>
-              <a:buClrTx/>
-              <a:buSzTx/>
-              <a:buFontTx/>
-              <a:buNone/>
-              <a:tabLst/>
-              <a:defRPr/>
-            </a:pPr>
-            <a:endParaRPr lang="en-US" altLang="ja-JP" dirty="0"/>
-          </a:p>
-          <a:p>
-            <a:pPr marL="0" marR="0" lvl="0" indent="0" algn="l" defTabSz="914400" rtl="0" eaLnBrk="1" fontAlgn="auto" latinLnBrk="0" hangingPunct="1">
-              <a:lnSpc>
-                <a:spcPct val="100000"/>
-              </a:lnSpc>
-              <a:spcBef>
-                <a:spcPts val="0"/>
-              </a:spcBef>
-              <a:spcAft>
-                <a:spcPts val="0"/>
-              </a:spcAft>
-              <a:buClrTx/>
-              <a:buSzTx/>
-              <a:buFontTx/>
-              <a:buNone/>
-              <a:tabLst/>
-              <a:defRPr/>
-            </a:pPr>
-            <a:r>
-              <a:rPr lang="en-US" altLang="ja-JP" dirty="0"/>
-              <a:t>***</a:t>
-            </a:r>
-          </a:p>
-          <a:p>
-            <a:pPr marL="0" marR="0" lvl="0" indent="0" algn="l" defTabSz="914400" rtl="0" eaLnBrk="1" fontAlgn="auto" latinLnBrk="0" hangingPunct="1">
-              <a:lnSpc>
-                <a:spcPct val="100000"/>
-              </a:lnSpc>
-              <a:spcBef>
-                <a:spcPts val="0"/>
-              </a:spcBef>
-              <a:spcAft>
-                <a:spcPts val="0"/>
-              </a:spcAft>
-              <a:buClrTx/>
-              <a:buSzTx/>
-              <a:buFontTx/>
-              <a:buNone/>
-              <a:tabLst/>
-              <a:defRPr/>
-            </a:pPr>
-            <a:r>
-              <a:rPr lang="en-US" altLang="ja-JP" dirty="0"/>
-              <a:t>I will explain about the given dataset.</a:t>
-            </a:r>
-          </a:p>
-          <a:p>
-            <a:pPr marL="0" marR="0" lvl="0" indent="0" algn="l" defTabSz="914400" rtl="0" eaLnBrk="1" fontAlgn="auto" latinLnBrk="0" hangingPunct="1">
-              <a:lnSpc>
-                <a:spcPct val="100000"/>
-              </a:lnSpc>
-              <a:spcBef>
-                <a:spcPts val="0"/>
-              </a:spcBef>
-              <a:spcAft>
-                <a:spcPts val="0"/>
-              </a:spcAft>
-              <a:buClrTx/>
-              <a:buSzTx/>
-              <a:buFontTx/>
-              <a:buNone/>
-              <a:tabLst/>
-              <a:defRPr/>
-            </a:pPr>
-            <a:endParaRPr lang="en-US" altLang="ja-JP" dirty="0"/>
-          </a:p>
-          <a:p>
-            <a:pPr marL="0" marR="0" lvl="0" indent="0" algn="l" defTabSz="914400" rtl="0" eaLnBrk="1" fontAlgn="auto" latinLnBrk="0" hangingPunct="1">
-              <a:lnSpc>
-                <a:spcPct val="100000"/>
-              </a:lnSpc>
-              <a:spcBef>
-                <a:spcPts val="0"/>
-              </a:spcBef>
-              <a:spcAft>
-                <a:spcPts val="0"/>
-              </a:spcAft>
-              <a:buClrTx/>
-              <a:buSzTx/>
-              <a:buFontTx/>
-              <a:buNone/>
-              <a:tabLst/>
-              <a:defRPr/>
-            </a:pPr>
-            <a:r>
-              <a:rPr lang="en-US" altLang="ja-JP" dirty="0"/>
-              <a:t>We were given train dataset and test dataset.</a:t>
-            </a:r>
-          </a:p>
-          <a:p>
-            <a:pPr marL="0" marR="0" lvl="0" indent="0" algn="l" defTabSz="914400" rtl="0" eaLnBrk="1" fontAlgn="auto" latinLnBrk="0" hangingPunct="1">
-              <a:lnSpc>
-                <a:spcPct val="100000"/>
-              </a:lnSpc>
-              <a:spcBef>
-                <a:spcPts val="0"/>
-              </a:spcBef>
-              <a:spcAft>
-                <a:spcPts val="0"/>
-              </a:spcAft>
-              <a:buClrTx/>
-              <a:buSzTx/>
-              <a:buFontTx/>
-              <a:buNone/>
-              <a:tabLst/>
-              <a:defRPr/>
-            </a:pPr>
-            <a:endParaRPr lang="en-US" altLang="ja-JP" sz="1800" b="0" i="0" u="none" strike="noStrike" baseline="0" dirty="0">
-              <a:latin typeface="TeXGyreTermes-Regular"/>
-            </a:endParaRPr>
-          </a:p>
-          <a:p>
-            <a:pPr marL="0" marR="0" lvl="0" indent="0" algn="l" defTabSz="914400" rtl="0" eaLnBrk="1" fontAlgn="auto" latinLnBrk="0" hangingPunct="1">
-              <a:lnSpc>
-                <a:spcPct val="100000"/>
-              </a:lnSpc>
-              <a:spcBef>
-                <a:spcPts val="0"/>
-              </a:spcBef>
-              <a:spcAft>
-                <a:spcPts val="0"/>
-              </a:spcAft>
-              <a:buClrTx/>
-              <a:buSzTx/>
-              <a:buFontTx/>
-              <a:buNone/>
-              <a:tabLst/>
-              <a:defRPr/>
-            </a:pPr>
-            <a:r>
-              <a:rPr lang="en-US" altLang="ja-JP" sz="1800" b="0" i="0" u="none" strike="noStrike" baseline="0" dirty="0">
-                <a:latin typeface="TeXGyreTermes-Regular"/>
-              </a:rPr>
-              <a:t>The subjects cooked three recipes (sandwich, fruit salad, cereal) five times each by following a script for each recipe.</a:t>
-            </a:r>
-          </a:p>
-          <a:p>
-            <a:pPr algn="l"/>
-            <a:endParaRPr lang="en-US" altLang="ja-JP" sz="1800" b="0" i="0" u="none" strike="noStrike" baseline="0" dirty="0">
-              <a:latin typeface="TeXGyreTermes-Regular"/>
-            </a:endParaRPr>
-          </a:p>
-          <a:p>
-            <a:pPr algn="l"/>
-            <a:r>
-              <a:rPr lang="en-US" altLang="ja-JP" sz="1800" b="0" i="0" u="none" strike="noStrike" baseline="0" dirty="0">
-                <a:latin typeface="TeXGyreTermes-Regular"/>
-              </a:rPr>
-              <a:t>The data has been collected from four subjects who had attached two smartphones on the right arm and left hip, two smartwatches on both wrists, and one motion capture system with 29 markers.</a:t>
-            </a:r>
-          </a:p>
-          <a:p>
-            <a:pPr algn="l"/>
-            <a:endParaRPr lang="en-US" altLang="ja-JP" sz="1800" b="0" i="0" u="none" strike="noStrike" baseline="0" dirty="0">
-              <a:latin typeface="TeXGyreTermes-Regular"/>
-            </a:endParaRPr>
-          </a:p>
-          <a:p>
-            <a:pPr algn="l"/>
-            <a:r>
-              <a:rPr lang="en-US" altLang="ja-JP" sz="1800" b="0" i="0" u="none" strike="noStrike" baseline="0" dirty="0">
-                <a:latin typeface="TeXGyreTermes-Regular"/>
-              </a:rPr>
-              <a:t>Each recording has been segmented into 30-second segments, like this figure.</a:t>
-            </a:r>
-          </a:p>
-          <a:p>
-            <a:pPr algn="l"/>
-            <a:r>
-              <a:rPr lang="en-US" altLang="ja-JP" sz="1800" b="0" i="0" u="none" strike="noStrike" baseline="0" dirty="0">
-                <a:latin typeface="TeXGyreTermes-Regular"/>
-              </a:rPr>
-              <a:t>Each segment was assigned a random identifier, so the order of the segments is unknown.</a:t>
-            </a:r>
-          </a:p>
-          <a:p>
-            <a:pPr algn="l"/>
-            <a:endParaRPr lang="en-US" altLang="ja-JP" sz="1800" b="0" i="0" u="none" strike="noStrike" baseline="0" dirty="0">
-              <a:latin typeface="TeXGyreTermes-Regular"/>
-            </a:endParaRPr>
-          </a:p>
-          <a:p>
-            <a:pPr algn="l"/>
-            <a:r>
-              <a:rPr lang="en-US" altLang="ja-JP" sz="1800" b="0" i="0" u="none" strike="noStrike" baseline="0" dirty="0">
-                <a:latin typeface="TeXGyreTermes-Regular"/>
-              </a:rPr>
-              <a:t>Training data contains data from three subjects out of the four subjects and test data contains the data from the fourth subject.</a:t>
-            </a:r>
-          </a:p>
-          <a:p>
-            <a:endParaRPr kumimoji="1" lang="en-US" altLang="ja-JP" dirty="0"/>
-          </a:p>
-          <a:p>
-            <a:endParaRPr kumimoji="1" lang="en-US" altLang="ja-JP" dirty="0"/>
-          </a:p>
-          <a:p>
-            <a:endParaRPr kumimoji="1" lang="en-US" altLang="ja-JP" dirty="0"/>
-          </a:p>
-          <a:p>
-            <a:r>
-              <a:rPr kumimoji="1" lang="ja-JP" altLang="en-US" dirty="0"/>
-              <a:t>まず，与えられたデータセットについて説明する．</a:t>
-            </a:r>
-            <a:endParaRPr kumimoji="1" lang="en-US" altLang="ja-JP" dirty="0"/>
-          </a:p>
-          <a:p>
-            <a:r>
-              <a:rPr kumimoji="1" lang="ja-JP" altLang="en-US" dirty="0"/>
-              <a:t>我々は学習用のデータセットとテスト用のデータセットを与えられた．</a:t>
-            </a:r>
-            <a:endParaRPr kumimoji="1" lang="en-US" altLang="ja-JP" dirty="0"/>
-          </a:p>
-          <a:p>
-            <a:pPr marL="0" marR="0" lvl="0" indent="0" algn="l" defTabSz="914400" rtl="0" eaLnBrk="1" fontAlgn="auto" latinLnBrk="0" hangingPunct="1">
-              <a:lnSpc>
-                <a:spcPct val="100000"/>
-              </a:lnSpc>
-              <a:spcBef>
-                <a:spcPts val="0"/>
-              </a:spcBef>
-              <a:spcAft>
-                <a:spcPts val="0"/>
-              </a:spcAft>
-              <a:buClrTx/>
-              <a:buSzTx/>
-              <a:buFontTx/>
-              <a:buNone/>
-              <a:tabLst/>
-              <a:defRPr/>
-            </a:pPr>
-            <a:r>
-              <a:rPr kumimoji="1" lang="ja-JP" altLang="en-US" dirty="0"/>
-              <a:t>各被験者は</a:t>
-            </a:r>
-            <a:r>
-              <a:rPr kumimoji="1" lang="en-US" altLang="ja-JP" dirty="0"/>
-              <a:t>3</a:t>
-            </a:r>
-            <a:r>
-              <a:rPr kumimoji="1" lang="ja-JP" altLang="en-US" dirty="0"/>
-              <a:t>つのレシピを</a:t>
-            </a:r>
-            <a:r>
-              <a:rPr kumimoji="1" lang="en-US" altLang="ja-JP" dirty="0"/>
-              <a:t>5</a:t>
-            </a:r>
-            <a:r>
-              <a:rPr kumimoji="1" lang="ja-JP" altLang="en-US" dirty="0"/>
-              <a:t>回作った．</a:t>
-            </a:r>
-            <a:endParaRPr kumimoji="1" lang="en-US" altLang="ja-JP" dirty="0"/>
-          </a:p>
-          <a:p>
-            <a:r>
-              <a:rPr kumimoji="1" lang="ja-JP" altLang="en-US" dirty="0"/>
-              <a:t>データは</a:t>
-            </a:r>
-            <a:r>
-              <a:rPr kumimoji="1" lang="en-US" altLang="ja-JP" dirty="0"/>
-              <a:t>4</a:t>
-            </a:r>
-            <a:r>
-              <a:rPr kumimoji="1" lang="ja-JP" altLang="en-US" dirty="0"/>
-              <a:t>人の被験者にセンサを取り付けて収集されたものである．</a:t>
-            </a:r>
-            <a:endParaRPr kumimoji="1" lang="en-US" altLang="ja-JP" dirty="0"/>
-          </a:p>
-          <a:p>
-            <a:r>
-              <a:rPr kumimoji="1" lang="ja-JP" altLang="en-US" dirty="0"/>
-              <a:t>各記録は</a:t>
-            </a:r>
-            <a:r>
-              <a:rPr kumimoji="1" lang="en-US" altLang="ja-JP" dirty="0"/>
-              <a:t>30</a:t>
-            </a:r>
-            <a:r>
-              <a:rPr kumimoji="1" lang="ja-JP" altLang="en-US" dirty="0"/>
-              <a:t>秒ごとに別れている．</a:t>
-            </a:r>
-            <a:endParaRPr kumimoji="1" lang="en-US" altLang="ja-JP" dirty="0"/>
-          </a:p>
-          <a:p>
-            <a:r>
-              <a:rPr kumimoji="1" lang="ja-JP" altLang="en-US" dirty="0"/>
-              <a:t>各セグメントにはランダムな識別子が与えられており，順番は不明．</a:t>
-            </a:r>
-            <a:endParaRPr kumimoji="1" lang="en-US" altLang="ja-JP" dirty="0"/>
-          </a:p>
-          <a:p>
-            <a:r>
-              <a:rPr kumimoji="1" lang="ja-JP" altLang="en-US" dirty="0"/>
-              <a:t>学習データは</a:t>
-            </a:r>
-            <a:r>
-              <a:rPr kumimoji="1" lang="en-US" altLang="ja-JP" dirty="0"/>
-              <a:t>3</a:t>
-            </a:r>
-            <a:r>
-              <a:rPr kumimoji="1" lang="ja-JP" altLang="en-US" dirty="0"/>
-              <a:t>人の被験者のデータを含み，テストデータには</a:t>
-            </a:r>
-            <a:r>
-              <a:rPr kumimoji="1" lang="en-US" altLang="ja-JP" dirty="0"/>
-              <a:t>1</a:t>
-            </a:r>
-            <a:r>
-              <a:rPr kumimoji="1" lang="ja-JP" altLang="en-US" dirty="0"/>
-              <a:t>人の被験者のデータが含まれる．</a:t>
+              <a:t>マイクロアクティビティは、「切る」、「皮をむく」、「開く」、「取る」、「置く」、「注ぐ」、「洗う」、「加える」、「混ぜる」、「その他」のラベルで構成され、マクロアクティビティは、「サンドイッチ」、「フルーツサラダ」、「シリアル」のラベルで構成されている。</a:t>
             </a:r>
             <a:endParaRPr kumimoji="1" lang="en-US" altLang="ja-JP" dirty="0"/>
           </a:p>
@@ -2342,7 +2088,25 @@
           <a:p>
             <a:r>
               <a:rPr kumimoji="1" lang="en-US" altLang="ja-JP" dirty="0"/>
-              <a:t>Some of the files may have missing data.</a:t>
+              <a:t>The length of the data ranges from 0 to about 9000.</a:t>
+            </a:r>
+          </a:p>
+          <a:p>
+            <a:r>
+              <a:rPr kumimoji="1" lang="en-US" altLang="ja-JP" dirty="0"/>
+              <a:t>Zero length means that the data is missing.</a:t>
+            </a:r>
+          </a:p>
+          <a:p>
+            <a:r>
+              <a:rPr kumimoji="1" lang="en-US" altLang="ja-JP" dirty="0"/>
+              <a:t>The data for Subjects 1, 2, and 3 are for training and the data for Subject 4 are for testing.</a:t>
+            </a:r>
+          </a:p>
+          <a:p>
+            <a:r>
+              <a:rPr kumimoji="1" lang="en-US" altLang="ja-JP" dirty="0"/>
+              <a:t>***</a:t>
             </a:r>
           </a:p>
           <a:p>
@@ -2352,135 +2116,81 @@
             <a:endParaRPr kumimoji="1" lang="en-US" altLang="ja-JP" dirty="0"/>
           </a:p>
           <a:p>
-            <a:endParaRPr kumimoji="1" lang="en-US" altLang="ja-JP" dirty="0"/>
+            <a:r>
+              <a:rPr kumimoji="1" lang="ja-JP" altLang="en-US" dirty="0"/>
+              <a:t>これがデータセットの詳細です。</a:t>
+            </a:r>
           </a:p>
           <a:p>
             <a:r>
               <a:rPr kumimoji="1" lang="ja-JP" altLang="en-US" dirty="0"/>
-              <a:t>これはデータセットの詳細です．</a:t>
-            </a:r>
-            <a:endParaRPr kumimoji="1" lang="en-US" altLang="ja-JP" dirty="0"/>
+              <a:t>各セグメントには、</a:t>
+            </a:r>
+            <a:r>
+              <a:rPr kumimoji="1" lang="en-US" altLang="ja-JP" dirty="0"/>
+              <a:t>1</a:t>
+            </a:r>
+            <a:r>
+              <a:rPr kumimoji="1" lang="ja-JP" altLang="en-US" dirty="0"/>
+              <a:t>つのマクロ行動と最大</a:t>
+            </a:r>
+            <a:r>
+              <a:rPr kumimoji="1" lang="en-US" altLang="ja-JP" dirty="0"/>
+              <a:t>6</a:t>
+            </a:r>
+            <a:r>
+              <a:rPr kumimoji="1" lang="ja-JP" altLang="en-US" dirty="0"/>
+              <a:t>つのマイクロ行動が含まれています。</a:t>
+            </a:r>
           </a:p>
           <a:p>
             <a:r>
+              <a:rPr kumimoji="1" lang="ja-JP" altLang="en-US" dirty="0"/>
+              <a:t>データの長さは</a:t>
+            </a:r>
+            <a:r>
+              <a:rPr kumimoji="1" lang="en-US" altLang="ja-JP" dirty="0"/>
+              <a:t>0</a:t>
+            </a:r>
+            <a:r>
+              <a:rPr kumimoji="1" lang="ja-JP" altLang="en-US" dirty="0"/>
+              <a:t>から約</a:t>
+            </a:r>
+            <a:r>
+              <a:rPr kumimoji="1" lang="en-US" altLang="ja-JP" dirty="0"/>
+              <a:t>9000</a:t>
+            </a:r>
+            <a:r>
+              <a:rPr kumimoji="1" lang="ja-JP" altLang="en-US" dirty="0"/>
+              <a:t>までの範囲です。</a:t>
+            </a:r>
+          </a:p>
+          <a:p>
+            <a:r>
+              <a:rPr kumimoji="1" lang="ja-JP" altLang="en-US" dirty="0"/>
+              <a:t>長さが</a:t>
+            </a:r>
+            <a:r>
+              <a:rPr kumimoji="1" lang="en-US" altLang="ja-JP" dirty="0"/>
+              <a:t>0</a:t>
+            </a:r>
+            <a:r>
+              <a:rPr kumimoji="1" lang="ja-JP" altLang="en-US" dirty="0"/>
+              <a:t>の場合は、データが欠落していることを意味します。</a:t>
+            </a:r>
+          </a:p>
+          <a:p>
+            <a:r>
+              <a:rPr kumimoji="1" lang="ja-JP" altLang="en-US" dirty="0"/>
+              <a:t>被験者</a:t>
+            </a:r>
+            <a:r>
               <a:rPr kumimoji="1" lang="en-US" altLang="ja-JP" dirty="0"/>
               <a:t>1</a:t>
             </a:r>
             <a:r>
               <a:rPr kumimoji="1" lang="ja-JP" altLang="en-US" dirty="0"/>
-              <a:t>つのセグメントにつき，マクロ行動は</a:t>
-            </a:r>
-            <a:r>
-              <a:rPr kumimoji="1" lang="en-US" altLang="ja-JP" dirty="0"/>
-              <a:t>1</a:t>
-            </a:r>
-            <a:r>
-              <a:rPr kumimoji="1" lang="ja-JP" altLang="en-US" dirty="0"/>
-              <a:t>つ，マイクロ行動は最大</a:t>
-            </a:r>
-            <a:r>
-              <a:rPr kumimoji="1" lang="en-US" altLang="ja-JP" dirty="0"/>
-              <a:t>6</a:t>
-            </a:r>
-            <a:r>
-              <a:rPr kumimoji="1" lang="ja-JP" altLang="en-US" dirty="0"/>
-              <a:t>つ含まれています．</a:t>
-            </a:r>
-            <a:endParaRPr kumimoji="1" lang="en-US" altLang="ja-JP" dirty="0"/>
-          </a:p>
-          <a:p>
-            <a:r>
-              <a:rPr kumimoji="1" lang="ja-JP" altLang="en-US" dirty="0"/>
-              <a:t>また，ファイルの中にはデータが欠損しているものも存在します．</a:t>
-            </a:r>
-            <a:endParaRPr kumimoji="1" lang="en-US" altLang="ja-JP" dirty="0"/>
-          </a:p>
-          <a:p>
-            <a:endParaRPr kumimoji="1" lang="en-US" altLang="ja-JP" dirty="0"/>
-          </a:p>
-          <a:p>
-            <a:r>
-              <a:rPr kumimoji="1" lang="en-US" altLang="ja-JP" dirty="0"/>
-              <a:t>Length</a:t>
-            </a:r>
-            <a:r>
-              <a:rPr kumimoji="1" lang="ja-JP" altLang="en-US" dirty="0"/>
-              <a:t>は</a:t>
-            </a:r>
-            <a:r>
-              <a:rPr kumimoji="1" lang="en-US" altLang="ja-JP" dirty="0"/>
-              <a:t>8000</a:t>
-            </a:r>
-            <a:r>
-              <a:rPr kumimoji="1" lang="ja-JP" altLang="en-US" dirty="0"/>
-              <a:t>から</a:t>
-            </a:r>
-            <a:r>
-              <a:rPr kumimoji="1" lang="en-US" altLang="ja-JP" dirty="0"/>
-              <a:t>0</a:t>
-            </a:r>
-            <a:r>
-              <a:rPr kumimoji="1" lang="ja-JP" altLang="en-US" dirty="0"/>
-              <a:t>まである．</a:t>
-            </a:r>
-            <a:r>
-              <a:rPr kumimoji="1" lang="en-US" altLang="ja-JP" dirty="0"/>
-              <a:t>0</a:t>
-            </a:r>
-            <a:r>
-              <a:rPr kumimoji="1" lang="ja-JP" altLang="en-US" dirty="0"/>
-              <a:t>の場合はデータが欠損している．</a:t>
-            </a:r>
-          </a:p>
-          <a:p>
-            <a:pPr marL="0" marR="0" lvl="0" indent="0" algn="l" defTabSz="914400" rtl="0" eaLnBrk="1" fontAlgn="auto" latinLnBrk="0" hangingPunct="1">
-              <a:lnSpc>
-                <a:spcPct val="100000"/>
-              </a:lnSpc>
-              <a:spcBef>
-                <a:spcPts val="0"/>
-              </a:spcBef>
-              <a:spcAft>
-                <a:spcPts val="0"/>
-              </a:spcAft>
-              <a:buClrTx/>
-              <a:buSzTx/>
-              <a:buFontTx/>
-              <a:buNone/>
-              <a:tabLst/>
-              <a:defRPr/>
-            </a:pPr>
-            <a:endParaRPr kumimoji="1" lang="en-US" altLang="ja-JP" dirty="0"/>
-          </a:p>
-          <a:p>
-            <a:pPr marL="0" marR="0" lvl="0" indent="0" algn="l" defTabSz="914400" rtl="0" eaLnBrk="1" fontAlgn="auto" latinLnBrk="0" hangingPunct="1">
-              <a:lnSpc>
-                <a:spcPct val="100000"/>
-              </a:lnSpc>
-              <a:spcBef>
-                <a:spcPts val="0"/>
-              </a:spcBef>
-              <a:spcAft>
-                <a:spcPts val="0"/>
-              </a:spcAft>
-              <a:buClrTx/>
-              <a:buSzTx/>
-              <a:buFontTx/>
-              <a:buNone/>
-              <a:tabLst/>
-              <a:defRPr/>
-            </a:pPr>
-            <a:r>
-              <a:rPr kumimoji="1" lang="ja-JP" altLang="en-US" dirty="0"/>
-              <a:t>被験者</a:t>
-            </a:r>
-            <a:r>
-              <a:rPr kumimoji="1" lang="en-US" altLang="ja-JP" dirty="0"/>
-              <a:t>1</a:t>
-            </a:r>
-            <a:r>
-              <a:rPr kumimoji="1" lang="ja-JP" altLang="en-US" dirty="0"/>
-              <a:t>，</a:t>
+              <a:t>、</a:t>
             </a:r>
             <a:r>
               <a:rPr kumimoji="1" lang="en-US" altLang="ja-JP" dirty="0"/>
@@ -2488,7 +2198,7 @@
             </a:r>
             <a:r>
               <a:rPr kumimoji="1" lang="ja-JP" altLang="en-US" dirty="0"/>
-              <a:t>，</a:t>
+              <a:t>、</a:t>
             </a:r>
             <a:r>
               <a:rPr kumimoji="1" lang="en-US" altLang="ja-JP" dirty="0"/>
@@ -2496,7 +2206,7 @@
             </a:r>
             <a:r>
               <a:rPr kumimoji="1" lang="ja-JP" altLang="en-US" dirty="0"/>
-              <a:t>のデータは学習用，被験者</a:t>
+              <a:t>のデータはトレーニング用で、被験者</a:t>
             </a:r>
             <a:r>
               <a:rPr kumimoji="1" lang="en-US" altLang="ja-JP" dirty="0"/>
@@ -2504,128 +2214,7 @@
             </a:r>
             <a:r>
               <a:rPr kumimoji="1" lang="ja-JP" altLang="en-US" dirty="0"/>
-              <a:t>のデータはテスト用である．</a:t>
-            </a:r>
-            <a:endParaRPr kumimoji="1" lang="en-US" altLang="ja-JP" dirty="0"/>
-          </a:p>
-          <a:p>
-            <a:endParaRPr kumimoji="1" lang="en-US" altLang="ja-JP" dirty="0"/>
-          </a:p>
-          <a:p>
-            <a:endParaRPr kumimoji="1" lang="en-US" altLang="ja-JP" dirty="0"/>
-          </a:p>
-          <a:p>
-            <a:endParaRPr kumimoji="1" lang="en-US" altLang="ja-JP" dirty="0"/>
-          </a:p>
-          <a:p>
-            <a:r>
-              <a:rPr kumimoji="1" lang="en-US" altLang="ja-JP" dirty="0"/>
-              <a:t>***</a:t>
-            </a:r>
-          </a:p>
-          <a:p>
-            <a:r>
-              <a:rPr kumimoji="1" lang="en-US" altLang="ja-JP" dirty="0"/>
-              <a:t>This is the details of the dataset.</a:t>
-            </a:r>
-          </a:p>
-          <a:p>
-            <a:r>
-              <a:rPr kumimoji="1" lang="en-US" altLang="ja-JP" dirty="0"/>
-              <a:t>Each segment contains one macro behavior and up to six micro behaviors.</a:t>
-            </a:r>
-          </a:p>
-          <a:p>
-            <a:r>
-              <a:rPr kumimoji="1" lang="en-US" altLang="ja-JP" dirty="0"/>
-              <a:t>Some of the files may have missing data.</a:t>
-            </a:r>
-          </a:p>
-          <a:p>
-            <a:endParaRPr kumimoji="1" lang="en-US" altLang="ja-JP" dirty="0"/>
-          </a:p>
-          <a:p>
-            <a:endParaRPr kumimoji="1" lang="en-US" altLang="ja-JP" dirty="0"/>
-          </a:p>
-          <a:p>
-            <a:endParaRPr kumimoji="1" lang="en-US" altLang="ja-JP" dirty="0"/>
-          </a:p>
-          <a:p>
-            <a:r>
-              <a:rPr kumimoji="1" lang="ja-JP" altLang="en-US" dirty="0"/>
-              <a:t>これはデータセットの詳細です．</a:t>
-            </a:r>
-            <a:endParaRPr kumimoji="1" lang="en-US" altLang="ja-JP" dirty="0"/>
-          </a:p>
-          <a:p>
-            <a:r>
-              <a:rPr kumimoji="1" lang="en-US" altLang="ja-JP" dirty="0"/>
-              <a:t>1</a:t>
-            </a:r>
-            <a:r>
-              <a:rPr kumimoji="1" lang="ja-JP" altLang="en-US" dirty="0"/>
-              <a:t>つのセグメントにつき，マクロ行動は</a:t>
-            </a:r>
-            <a:r>
-              <a:rPr kumimoji="1" lang="en-US" altLang="ja-JP" dirty="0"/>
-              <a:t>1</a:t>
-            </a:r>
-            <a:r>
-              <a:rPr kumimoji="1" lang="ja-JP" altLang="en-US" dirty="0"/>
-              <a:t>つ，マイクロ行動は最大</a:t>
-            </a:r>
-            <a:r>
-              <a:rPr kumimoji="1" lang="en-US" altLang="ja-JP" dirty="0"/>
-              <a:t>6</a:t>
-            </a:r>
-            <a:r>
-              <a:rPr kumimoji="1" lang="ja-JP" altLang="en-US" dirty="0"/>
-              <a:t>つ含まれています．</a:t>
-            </a:r>
-            <a:endParaRPr kumimoji="1" lang="en-US" altLang="ja-JP" dirty="0"/>
-          </a:p>
-          <a:p>
-            <a:r>
-              <a:rPr kumimoji="1" lang="ja-JP" altLang="en-US" dirty="0"/>
-              <a:t>また，ファイルの中にはデータが欠損しているものも存在します．</a:t>
-            </a:r>
-            <a:endParaRPr kumimoji="1" lang="en-US" altLang="ja-JP" dirty="0"/>
-          </a:p>
-          <a:p>
-            <a:endParaRPr kumimoji="1" lang="en-US" altLang="ja-JP" dirty="0"/>
-          </a:p>
-          <a:p>
-            <a:r>
-              <a:rPr kumimoji="1" lang="en-US" altLang="ja-JP" dirty="0"/>
-              <a:t>Length</a:t>
-            </a:r>
-            <a:r>
-              <a:rPr kumimoji="1" lang="ja-JP" altLang="en-US" dirty="0"/>
-              <a:t>は</a:t>
-            </a:r>
-            <a:r>
-              <a:rPr kumimoji="1" lang="en-US" altLang="ja-JP" dirty="0"/>
-              <a:t>8000</a:t>
-            </a:r>
-            <a:r>
-              <a:rPr kumimoji="1" lang="ja-JP" altLang="en-US" dirty="0"/>
-              <a:t>から</a:t>
-            </a:r>
-            <a:r>
-              <a:rPr kumimoji="1" lang="en-US" altLang="ja-JP" dirty="0"/>
-              <a:t>0</a:t>
-            </a:r>
-            <a:r>
-              <a:rPr kumimoji="1" lang="ja-JP" altLang="en-US" dirty="0"/>
-              <a:t>まである．</a:t>
-            </a:r>
-            <a:r>
-              <a:rPr kumimoji="1" lang="en-US" altLang="ja-JP" dirty="0"/>
-              <a:t>0</a:t>
-            </a:r>
-            <a:r>
-              <a:rPr kumimoji="1" lang="ja-JP" altLang="en-US" dirty="0"/>
-              <a:t>の場合はデータが欠損している．</a:t>
+              <a:t>のデータはテスト用です。</a:t>
             </a:r>
           </a:p>
         </p:txBody>
@@ -2723,15 +2312,6 @@
               <a:rPr lang="en-US" altLang="ja-JP" sz="1800" b="0" i="0" u="none" strike="noStrike" baseline="0" dirty="0">
                 <a:latin typeface="TeXGyreTermes-Regular"/>
               </a:rPr>
-              <a:t>The features are mean, variance, max, min, root mean square, interquartile range, and zero crossing rate for each axis, respectively. </a:t>
-            </a:r>
-          </a:p>
-          <a:p>
-            <a:pPr algn="l"/>
-            <a:r>
-              <a:rPr lang="en-US" altLang="ja-JP" sz="1800" b="0" i="0" u="none" strike="noStrike" baseline="0" dirty="0">
-                <a:latin typeface="TeXGyreTermes-Regular"/>
-              </a:rPr>
               <a:t>These features are calculated over a 50ms-window slid in steps of 3 seconds.</a:t>
             </a:r>
           </a:p>
@@ -2742,6 +2322,15 @@
                 <a:latin typeface="TeXGyreTermes-Regular"/>
               </a:rPr>
               <a:t>From the preprocessing, 21 dimensions feature are obtained for one sensor.</a:t>
+            </a:r>
+          </a:p>
+          <a:p>
+            <a:pPr algn="l"/>
+            <a:r>
+              <a:rPr lang="en-US" altLang="ja-JP" sz="1800" b="0" i="0" u="none" strike="noStrike" baseline="0" dirty="0">
+                <a:latin typeface="TeXGyreTermes-Regular"/>
+              </a:rPr>
+              <a:t>***</a:t>
             </a:r>
           </a:p>
           <a:p>
@@ -2775,65 +2364,34 @@
             <a:pPr algn="l"/>
             <a:r>
               <a:rPr kumimoji="1" lang="ja-JP" altLang="en-US" dirty="0"/>
-              <a:t>特徴量は、各軸の平均、分散、最大、最小、二乗平均平方根（</a:t>
+              <a:t>これらの特徴は、</a:t>
             </a:r>
             <a:r>
               <a:rPr kumimoji="1" lang="en-US" altLang="ja-JP" dirty="0"/>
-              <a:t>RMS</a:t>
+              <a:t>50ms</a:t>
             </a:r>
             <a:r>
               <a:rPr kumimoji="1" lang="ja-JP" altLang="en-US" dirty="0"/>
-              <a:t>）、四分位間距離（</a:t>
+              <a:t>のウィンドウを</a:t>
             </a:r>
             <a:r>
               <a:rPr kumimoji="1" lang="en-US" altLang="ja-JP" dirty="0"/>
-              <a:t>IQR</a:t>
+              <a:t>3</a:t>
             </a:r>
             <a:r>
               <a:rPr kumimoji="1" lang="ja-JP" altLang="en-US" dirty="0"/>
-              <a:t>）、ゼロクロスレート（</a:t>
-            </a:r>
-            <a:r>
-              <a:rPr kumimoji="1" lang="en-US" altLang="ja-JP" dirty="0"/>
-              <a:t>ZCR</a:t>
-            </a:r>
-            <a:r>
-              <a:rPr kumimoji="1" lang="ja-JP" altLang="en-US" dirty="0"/>
-              <a:t>）です。</a:t>
+              <a:t>秒単位でスライドさせて計算されます。</a:t>
             </a:r>
           </a:p>
           <a:p>
             <a:pPr algn="l"/>
             <a:r>
               <a:rPr kumimoji="1" lang="ja-JP" altLang="en-US" dirty="0"/>
-              <a:t>これらの特徴は、</a:t>
+              <a:t>前処理により、</a:t>
             </a:r>
             <a:r>
               <a:rPr kumimoji="1" lang="en-US" altLang="ja-JP" dirty="0"/>
-              <a:t>50ms</a:t>
-            </a:r>
-            <a:r>
-              <a:rPr kumimoji="1" lang="ja-JP" altLang="en-US" dirty="0"/>
-              <a:t>のウィンドウを</a:t>
-            </a:r>
-            <a:r>
-              <a:rPr kumimoji="1" lang="en-US" altLang="ja-JP" dirty="0"/>
-              <a:t>3</a:t>
-            </a:r>
-            <a:r>
-              <a:rPr kumimoji="1" lang="ja-JP" altLang="en-US" dirty="0"/>
-              <a:t>秒単位でスライドさせて計算されます。</a:t>
-            </a:r>
-          </a:p>
-          <a:p>
-            <a:pPr algn="l"/>
-            <a:r>
-              <a:rPr kumimoji="1" lang="ja-JP" altLang="en-US" dirty="0"/>
-              <a:t>前処理により、</a:t>
-            </a:r>
-            <a:r>
-              <a:rPr kumimoji="1" lang="en-US" altLang="ja-JP" dirty="0"/>
-              <a:t>1 </a:t>
+              <a:t>1</a:t>
             </a:r>
             <a:r>
               <a:rPr kumimoji="1" lang="ja-JP" altLang="en-US" dirty="0"/>
@@ -2930,262 +2488,371 @@
           <a:bodyPr/>
           <a:lstStyle/>
           <a:p>
-            <a:pPr algn="l"/>
-            <a:r>
-              <a:rPr lang="en-US" altLang="ja-JP" sz="1800" b="0" i="0" u="none" strike="noStrike" baseline="0" dirty="0">
-                <a:latin typeface="TeXGyreTermes-Regular"/>
-              </a:rPr>
-              <a:t>This table shows maximum accuracy and minimum loss of micro and macro activities over 1,000 epochs by changing training data and test data.</a:t>
+            <a:r>
+              <a:rPr kumimoji="1" lang="en-US" altLang="ja-JP" dirty="0"/>
+              <a:t>This is our identification model.</a:t>
             </a:r>
           </a:p>
           <a:p>
-            <a:pPr algn="l"/>
-            <a:r>
-              <a:rPr lang="en-US" altLang="ja-JP" sz="1800" b="0" i="0" u="none" strike="noStrike" baseline="0" dirty="0">
-                <a:latin typeface="TeXGyreTermes-Regular"/>
-              </a:rPr>
-              <a:t>This is average value of the four sensor positions.</a:t>
-            </a:r>
-          </a:p>
-          <a:p>
-            <a:pPr algn="l"/>
-            <a:r>
-              <a:rPr lang="en-US" altLang="ja-JP" sz="1800" b="0" i="0" u="none" strike="noStrike" baseline="0" dirty="0">
-                <a:latin typeface="TeXGyreTermes-Regular"/>
-              </a:rPr>
-              <a:t>The accuracy was calculated using the one-hot vectors in the activation layer.</a:t>
-            </a:r>
-          </a:p>
-          <a:p>
-            <a:pPr algn="l"/>
-            <a:r>
-              <a:rPr lang="en-US" altLang="ja-JP" sz="1800" b="0" i="0" u="none" strike="noStrike" baseline="0" dirty="0">
-                <a:latin typeface="TeXGyreTermes-Regular"/>
-              </a:rPr>
-              <a:t>The loss was calculated using the vectors in the sigmoid layer.</a:t>
-            </a:r>
-          </a:p>
-          <a:p>
-            <a:pPr algn="l"/>
-            <a:endParaRPr kumimoji="1" lang="en-US" altLang="ja-JP" sz="1800" b="0" i="0" u="none" strike="noStrike" baseline="0" dirty="0">
-              <a:latin typeface="TeXGyreTermes-Regular"/>
-            </a:endParaRPr>
-          </a:p>
-          <a:p>
-            <a:pPr algn="l"/>
-            <a:r>
-              <a:rPr lang="en-US" altLang="ja-JP" sz="1800" b="0" i="0" u="none" strike="noStrike" baseline="0" dirty="0">
-                <a:latin typeface="TeXGyreTermes-Regular"/>
-              </a:rPr>
-              <a:t>From these results, average accuracy of 0.521 and 0.491 were achieved among subjects 1, 2, and 3 in leave-one-subject-out manner for micro and macro activities, respectively.</a:t>
-            </a:r>
-          </a:p>
-          <a:p>
-            <a:pPr algn="l"/>
-            <a:r>
-              <a:rPr lang="en-US" altLang="ja-JP" sz="1800" b="0" i="0" u="none" strike="noStrike" baseline="0" dirty="0">
-                <a:latin typeface="TeXGyreTermes-Regular"/>
-              </a:rPr>
-              <a:t>Considering ten multi-label micro activities, it would be said that 0.521 accuracy is good, while 0.491 accuracy for 3-class macro activity can be improved.</a:t>
-            </a:r>
-            <a:endParaRPr kumimoji="1" lang="en-US" altLang="ja-JP" sz="1800" b="0" i="0" u="none" strike="noStrike" baseline="0" dirty="0">
-              <a:latin typeface="TeXGyreTermes-Regular"/>
-            </a:endParaRPr>
-          </a:p>
-          <a:p>
-            <a:pPr algn="l"/>
-            <a:endParaRPr kumimoji="1" lang="en-US" altLang="ja-JP" sz="1800" b="0" i="0" u="none" strike="noStrike" baseline="0" dirty="0">
-              <a:latin typeface="TeXGyreTermes-Regular"/>
-            </a:endParaRPr>
-          </a:p>
-          <a:p>
-            <a:pPr algn="l"/>
-            <a:r>
-              <a:rPr kumimoji="1" lang="en-US" altLang="ja-JP" sz="1800" b="0" i="0" u="none" strike="noStrike" baseline="0" dirty="0">
-                <a:latin typeface="TeXGyreTermes-Regular"/>
-              </a:rPr>
-              <a:t>We trained the model on data from subjects 1, 2, and 3, and obtained prediction results for subject 4's data, and the results were then submitted.</a:t>
-            </a:r>
-          </a:p>
-          <a:p>
-            <a:pPr algn="l"/>
-            <a:endParaRPr kumimoji="1" lang="en-US" altLang="ja-JP" sz="1800" b="0" i="0" u="none" strike="noStrike" baseline="0" dirty="0">
-              <a:latin typeface="TeXGyreTermes-Regular"/>
-            </a:endParaRPr>
-          </a:p>
-          <a:p>
-            <a:pPr algn="l"/>
-            <a:r>
-              <a:rPr kumimoji="1" lang="en-US" altLang="ja-JP" sz="1800" b="0" i="0" u="none" strike="noStrike" baseline="0" dirty="0">
-                <a:latin typeface="TeXGyreTermes-Regular"/>
-              </a:rPr>
-              <a:t>Now all finished. Thank you for listening.</a:t>
-            </a:r>
-          </a:p>
-          <a:p>
-            <a:pPr algn="l"/>
-            <a:endParaRPr kumimoji="1" lang="en-US" altLang="ja-JP" sz="1800" b="0" i="0" u="none" strike="noStrike" baseline="0" dirty="0">
-              <a:latin typeface="TeXGyreTermes-Regular"/>
-            </a:endParaRPr>
-          </a:p>
-          <a:p>
-            <a:pPr algn="l"/>
-            <a:endParaRPr kumimoji="1" lang="en-US" altLang="ja-JP" sz="1800" b="0" i="0" u="none" strike="noStrike" baseline="0" dirty="0">
-              <a:latin typeface="TeXGyreTermes-Regular"/>
-            </a:endParaRPr>
-          </a:p>
-          <a:p>
-            <a:pPr algn="l"/>
-            <a:endParaRPr kumimoji="1" lang="en-US" altLang="ja-JP" sz="1800" b="0" i="0" u="none" strike="noStrike" baseline="0" dirty="0">
-              <a:latin typeface="TeXGyreTermes-Regular"/>
-            </a:endParaRPr>
-          </a:p>
-          <a:p>
-            <a:pPr algn="l"/>
-            <a:r>
-              <a:rPr kumimoji="1" lang="ja-JP" altLang="en-US" dirty="0"/>
-              <a:t>この表は、トレーニングデータとテストデータを変化させて、</a:t>
-            </a:r>
-            <a:r>
-              <a:rPr kumimoji="1" lang="en-US" altLang="ja-JP" dirty="0"/>
-              <a:t>1,000</a:t>
-            </a:r>
-            <a:r>
-              <a:rPr kumimoji="1" lang="ja-JP" altLang="en-US" dirty="0"/>
-              <a:t>エポック以上のミクロ活動とマクロ活動の最大精度と最小損失を示したものです。</a:t>
-            </a:r>
             <a:endParaRPr kumimoji="1" lang="en-US" altLang="ja-JP" dirty="0"/>
           </a:p>
           <a:p>
-            <a:pPr algn="l"/>
             <a:r>
               <a:rPr kumimoji="1" lang="en-US" altLang="ja-JP" dirty="0"/>
-              <a:t>4</a:t>
-            </a:r>
-            <a:r>
-              <a:rPr kumimoji="1" lang="ja-JP" altLang="en-US" dirty="0"/>
-              <a:t>つのセンサ位置の平均値である。</a:t>
-            </a:r>
+              <a:t>In "Conv1d layer", </a:t>
+            </a:r>
+            <a:r>
+              <a:rPr kumimoji="1" lang="en-US" altLang="ja-JP" dirty="0" err="1"/>
+              <a:t>Mapsize</a:t>
+            </a:r>
+            <a:r>
+              <a:rPr kumimoji="1" lang="en-US" altLang="ja-JP" dirty="0"/>
+              <a:t> was set to 6, we input features of 21 dimensions with length N', and get a features of 21 dimensions with 6 map and length N''.</a:t>
+            </a:r>
+          </a:p>
+          <a:p>
+            <a:r>
+              <a:rPr kumimoji="1" lang="en-US" altLang="ja-JP" dirty="0"/>
+              <a:t>Then, in the "LSTM layer", that features are inputted to form a 24-dimensional feature.</a:t>
+            </a:r>
+          </a:p>
+          <a:p>
+            <a:r>
+              <a:rPr kumimoji="1" lang="en-US" altLang="ja-JP" dirty="0"/>
+              <a:t>"Linear layer" compresses 24 dimensional features into 10 dimensional ones.</a:t>
+            </a:r>
+          </a:p>
+          <a:p>
+            <a:r>
+              <a:rPr kumimoji="1" lang="en-US" altLang="ja-JP" dirty="0"/>
+              <a:t>In the "Sigmoid layer", "</a:t>
+            </a:r>
+            <a:r>
+              <a:rPr kumimoji="1" lang="en-US" altLang="ja-JP" dirty="0" err="1"/>
+              <a:t>BCEWithLogistsLoss</a:t>
+            </a:r>
+            <a:r>
+              <a:rPr kumimoji="1" lang="en-US" altLang="ja-JP" dirty="0"/>
+              <a:t>" is applied.</a:t>
+            </a:r>
+          </a:p>
+          <a:p>
+            <a:r>
+              <a:rPr kumimoji="1" lang="en-US" altLang="ja-JP" dirty="0"/>
+              <a:t>Next, we obtain one-hot vectors in the "activation layer" using the threshold </a:t>
+            </a:r>
+            <a:r>
+              <a:rPr kumimoji="1" lang="en-US" altLang="ja-JP" dirty="0" err="1"/>
+              <a:t>T_h</a:t>
+            </a:r>
+            <a:r>
+              <a:rPr kumimoji="1" lang="en-US" altLang="ja-JP" dirty="0"/>
+              <a:t>.</a:t>
+            </a:r>
+          </a:p>
+          <a:p>
+            <a:r>
+              <a:rPr kumimoji="1" lang="en-US" altLang="ja-JP" dirty="0"/>
+              <a:t>This </a:t>
+            </a:r>
+            <a:r>
+              <a:rPr kumimoji="1" lang="en-US" altLang="ja-JP" dirty="0" err="1"/>
+              <a:t>T_h</a:t>
+            </a:r>
+            <a:r>
+              <a:rPr kumimoji="1" lang="en-US" altLang="ja-JP" dirty="0"/>
+              <a:t> is the threshold at which the most accuracy is achieved in the tests within the training data.</a:t>
+            </a:r>
+          </a:p>
+          <a:p>
+            <a:r>
+              <a:rPr kumimoji="1" lang="en-US" altLang="ja-JP" dirty="0"/>
+              <a:t>In "Final activation layer", a majority vote is taken.</a:t>
+            </a:r>
+          </a:p>
+          <a:p>
+            <a:r>
+              <a:rPr kumimoji="1" lang="en-US" altLang="ja-JP" dirty="0"/>
+              <a:t>The one-hot vectors of each position obtained by the "activation layer" are added together, and the label with a result of 2 or more is output as the result.</a:t>
+            </a:r>
+          </a:p>
+          <a:p>
+            <a:r>
+              <a:rPr kumimoji="1" lang="en-US" altLang="ja-JP" dirty="0"/>
+              <a:t>However, if the number of sensors is 2 or less because of missing data, we adopt a label with a result of 1 or more.</a:t>
+            </a:r>
+          </a:p>
+          <a:p>
+            <a:r>
+              <a:rPr kumimoji="1" lang="en-US" altLang="ja-JP" dirty="0"/>
+              <a:t>***</a:t>
+            </a:r>
+          </a:p>
+          <a:p>
             <a:endParaRPr kumimoji="1" lang="en-US" altLang="ja-JP" dirty="0"/>
           </a:p>
           <a:p>
-            <a:pPr algn="l"/>
-            <a:r>
-              <a:rPr kumimoji="1" lang="ja-JP" altLang="en-US" dirty="0"/>
-              <a:t>精度は活性化層のワンホットベクトルを用いて計算した。</a:t>
-            </a:r>
             <a:endParaRPr kumimoji="1" lang="en-US" altLang="ja-JP" dirty="0"/>
           </a:p>
           <a:p>
-            <a:pPr algn="l"/>
             <a:r>
               <a:rPr kumimoji="1" lang="ja-JP" altLang="en-US" dirty="0"/>
-              <a:t>損失関数はシグモイド層のベクトルを用いて計算した。</a:t>
+              <a:t>これが私達の識別モデルです．</a:t>
             </a:r>
             <a:endParaRPr kumimoji="1" lang="en-US" altLang="ja-JP" dirty="0"/>
           </a:p>
           <a:p>
-            <a:pPr algn="l"/>
-            <a:r>
-              <a:rPr kumimoji="1" lang="ja-JP" altLang="en-US" dirty="0"/>
-              <a:t>これらの結果から、被験者 </a:t>
-            </a:r>
-            <a:r>
-              <a:rPr kumimoji="1" lang="en-US" altLang="ja-JP" dirty="0"/>
-              <a:t>1,2,3 </a:t>
-            </a:r>
-            <a:r>
-              <a:rPr kumimoji="1" lang="ja-JP" altLang="en-US" dirty="0"/>
-              <a:t>の間では、マイクロアクティビティとマクロアクティビティの平均精度がそれぞれ </a:t>
-            </a:r>
-            <a:r>
-              <a:rPr kumimoji="1" lang="en-US" altLang="ja-JP" dirty="0"/>
-              <a:t>0.521, 0.491 </a:t>
-            </a:r>
-            <a:r>
-              <a:rPr kumimoji="1" lang="ja-JP" altLang="en-US" dirty="0"/>
-              <a:t>となった。</a:t>
-            </a:r>
             <a:endParaRPr kumimoji="1" lang="en-US" altLang="ja-JP" dirty="0"/>
           </a:p>
           <a:p>
-            <a:pPr algn="l"/>
             <a:r>
               <a:rPr kumimoji="1" lang="en-US" altLang="ja-JP" dirty="0"/>
-              <a:t>10 </a:t>
+              <a:t>“Conv1d layer”</a:t>
             </a:r>
             <a:r>
               <a:rPr kumimoji="1" lang="ja-JP" altLang="en-US" dirty="0"/>
-              <a:t>個のマルチラベルのマイクロアクティビティを考慮すると、</a:t>
+              <a:t>は</a:t>
+            </a:r>
+            <a:r>
+              <a:rPr kumimoji="1" lang="en-US" altLang="ja-JP" dirty="0" err="1"/>
+              <a:t>mapsize</a:t>
+            </a:r>
+            <a:r>
+              <a:rPr kumimoji="1" lang="ja-JP" altLang="en-US" dirty="0"/>
+              <a:t>を</a:t>
             </a:r>
             <a:r>
               <a:rPr kumimoji="1" lang="en-US" altLang="ja-JP" dirty="0"/>
-              <a:t>0.521 </a:t>
+              <a:t>6</a:t>
             </a:r>
             <a:r>
               <a:rPr kumimoji="1" lang="ja-JP" altLang="en-US" dirty="0"/>
-              <a:t>の精度は良好であるが、</a:t>
+              <a:t>に設定しており，</a:t>
             </a:r>
             <a:r>
               <a:rPr kumimoji="1" lang="en-US" altLang="ja-JP" dirty="0"/>
-              <a:t>3 </a:t>
+              <a:t>21</a:t>
             </a:r>
             <a:r>
               <a:rPr kumimoji="1" lang="ja-JP" altLang="en-US" dirty="0"/>
-              <a:t>クラスのマクロアクティビティでは </a:t>
+              <a:t>次元で長さ</a:t>
             </a:r>
             <a:r>
               <a:rPr kumimoji="1" lang="en-US" altLang="ja-JP" dirty="0"/>
-              <a:t>0.491 </a:t>
+              <a:t>N’</a:t>
             </a:r>
             <a:r>
               <a:rPr kumimoji="1" lang="ja-JP" altLang="en-US" dirty="0"/>
-              <a:t>の精度が向上する可能性があると言えるだろう。</a:t>
+              <a:t>の特徴量を入力して</a:t>
+            </a:r>
+            <a:r>
+              <a:rPr kumimoji="1" lang="en-US" altLang="ja-JP" dirty="0"/>
+              <a:t>21</a:t>
+            </a:r>
+            <a:r>
+              <a:rPr kumimoji="1" lang="ja-JP" altLang="en-US" dirty="0"/>
+              <a:t>次元</a:t>
+            </a:r>
+            <a:r>
+              <a:rPr kumimoji="1" lang="en-US" altLang="ja-JP" dirty="0"/>
+              <a:t>×6</a:t>
+            </a:r>
+            <a:r>
+              <a:rPr kumimoji="1" lang="ja-JP" altLang="en-US" dirty="0"/>
+              <a:t>マップで長さ</a:t>
+            </a:r>
+            <a:r>
+              <a:rPr kumimoji="1" lang="en-US" altLang="ja-JP" dirty="0"/>
+              <a:t>N’’</a:t>
+            </a:r>
+            <a:r>
+              <a:rPr kumimoji="1" lang="ja-JP" altLang="en-US" dirty="0"/>
+              <a:t>の特徴量を得る．</a:t>
             </a:r>
             <a:endParaRPr kumimoji="1" lang="en-US" altLang="ja-JP" dirty="0"/>
           </a:p>
           <a:p>
-            <a:pPr algn="l"/>
+            <a:r>
+              <a:rPr kumimoji="1" lang="ja-JP" altLang="en-US" dirty="0"/>
+              <a:t>次に</a:t>
+            </a:r>
+            <a:r>
+              <a:rPr kumimoji="1" lang="en-US" altLang="ja-JP" dirty="0"/>
+              <a:t>”LSTM layer”</a:t>
+            </a:r>
+            <a:r>
+              <a:rPr kumimoji="1" lang="ja-JP" altLang="en-US" dirty="0"/>
+              <a:t>ではその特徴量を入力し，</a:t>
+            </a:r>
+            <a:r>
+              <a:rPr kumimoji="1" lang="en-US" altLang="ja-JP" dirty="0"/>
+              <a:t>24</a:t>
+            </a:r>
+            <a:r>
+              <a:rPr kumimoji="1" lang="ja-JP" altLang="en-US" dirty="0"/>
+              <a:t>次元の特徴量とする．</a:t>
+            </a:r>
             <a:endParaRPr kumimoji="1" lang="en-US" altLang="ja-JP" dirty="0"/>
           </a:p>
           <a:p>
-            <a:pPr algn="l"/>
+            <a:r>
+              <a:rPr kumimoji="1" lang="en-US" altLang="ja-JP" dirty="0"/>
+              <a:t>“Linear layer”</a:t>
+            </a:r>
             <a:r>
               <a:rPr kumimoji="1" lang="ja-JP" altLang="en-US" dirty="0"/>
-              <a:t>我々は被験者</a:t>
+              <a:t>は</a:t>
             </a:r>
             <a:r>
               <a:rPr kumimoji="1" lang="en-US" altLang="ja-JP" dirty="0"/>
-              <a:t>1,2,3</a:t>
+              <a:t>24</a:t>
             </a:r>
             <a:r>
               <a:rPr kumimoji="1" lang="ja-JP" altLang="en-US" dirty="0"/>
-              <a:t>のデータでこのモデルを学習させ，被験者</a:t>
+              <a:t>次元の特徴量を</a:t>
             </a:r>
             <a:r>
               <a:rPr kumimoji="1" lang="en-US" altLang="ja-JP" dirty="0"/>
-              <a:t>4</a:t>
+              <a:t>10</a:t>
             </a:r>
             <a:r>
               <a:rPr kumimoji="1" lang="ja-JP" altLang="en-US" dirty="0"/>
-              <a:t>のデータの予測結果を得た．</a:t>
+              <a:t>次元に圧縮する．</a:t>
             </a:r>
             <a:endParaRPr kumimoji="1" lang="en-US" altLang="ja-JP" dirty="0"/>
           </a:p>
           <a:p>
-            <a:pPr algn="l"/>
+            <a:r>
+              <a:rPr kumimoji="1" lang="en-US" altLang="ja-JP" dirty="0"/>
+              <a:t>“Sigmoid layer”</a:t>
+            </a:r>
             <a:r>
               <a:rPr kumimoji="1" lang="ja-JP" altLang="en-US" dirty="0"/>
-              <a:t>そして，その結果を提出した．</a:t>
+              <a:t>では</a:t>
+            </a:r>
+            <a:r>
+              <a:rPr kumimoji="1" lang="en-US" altLang="ja-JP" dirty="0"/>
+              <a:t>” </a:t>
+            </a:r>
+            <a:r>
+              <a:rPr kumimoji="1" lang="en-US" altLang="ja-JP" dirty="0" err="1"/>
+              <a:t>BCEWithLogistsLoss</a:t>
+            </a:r>
+            <a:r>
+              <a:rPr kumimoji="1" lang="en-US" altLang="ja-JP" dirty="0"/>
+              <a:t>”</a:t>
+            </a:r>
+            <a:r>
+              <a:rPr kumimoji="1" lang="ja-JP" altLang="en-US" dirty="0"/>
+              <a:t>を適用する．</a:t>
             </a:r>
             <a:endParaRPr kumimoji="1" lang="en-US" altLang="ja-JP" dirty="0"/>
           </a:p>
           <a:p>
-            <a:pPr algn="l"/>
             <a:r>
               <a:rPr kumimoji="1" lang="ja-JP" altLang="en-US" dirty="0"/>
-              <a:t>ご清聴ありがとうございました．</a:t>
-            </a:r>
+              <a:t>次に</a:t>
+            </a:r>
+            <a:r>
+              <a:rPr kumimoji="1" lang="en-US" altLang="ja-JP" dirty="0"/>
+              <a:t>“Activation layer”</a:t>
+            </a:r>
+            <a:r>
+              <a:rPr kumimoji="1" lang="ja-JP" altLang="en-US" dirty="0"/>
+              <a:t>で閾値</a:t>
+            </a:r>
+            <a:r>
+              <a:rPr kumimoji="1" lang="en-US" altLang="ja-JP" dirty="0" err="1"/>
+              <a:t>T_h</a:t>
+            </a:r>
+            <a:r>
+              <a:rPr kumimoji="1" lang="ja-JP" altLang="en-US" dirty="0"/>
+              <a:t>を使って，</a:t>
+            </a:r>
+            <a:r>
+              <a:rPr kumimoji="1" lang="en-US" altLang="ja-JP" dirty="0"/>
+              <a:t>one-hot vector</a:t>
+            </a:r>
+            <a:r>
+              <a:rPr kumimoji="1" lang="ja-JP" altLang="en-US" dirty="0"/>
+              <a:t>を取得する．</a:t>
+            </a:r>
+          </a:p>
+          <a:p>
+            <a:r>
+              <a:rPr kumimoji="1" lang="ja-JP" altLang="en-US" dirty="0"/>
+              <a:t>この</a:t>
+            </a:r>
+            <a:r>
+              <a:rPr kumimoji="1" lang="en-US" altLang="ja-JP" dirty="0" err="1"/>
+              <a:t>T_h</a:t>
+            </a:r>
+            <a:r>
+              <a:rPr kumimoji="1" lang="ja-JP" altLang="en-US" dirty="0"/>
+              <a:t>は，学習データ内でのテストにおいて，最も精度が高くなった閾値である．</a:t>
+            </a:r>
+            <a:endParaRPr kumimoji="1" lang="en-US" altLang="ja-JP" dirty="0"/>
+          </a:p>
+          <a:p>
+            <a:r>
+              <a:rPr kumimoji="1" lang="en-US" altLang="ja-JP" dirty="0"/>
+              <a:t>“Final activation layer”</a:t>
+            </a:r>
+            <a:r>
+              <a:rPr kumimoji="1" lang="ja-JP" altLang="en-US" dirty="0"/>
+              <a:t>では多数決を行う．</a:t>
+            </a:r>
+            <a:endParaRPr kumimoji="1" lang="en-US" altLang="ja-JP" dirty="0"/>
+          </a:p>
+          <a:p>
+            <a:r>
+              <a:rPr kumimoji="1" lang="en-US" altLang="ja-JP" dirty="0"/>
+              <a:t>“Activation layer”</a:t>
+            </a:r>
+            <a:r>
+              <a:rPr kumimoji="1" lang="ja-JP" altLang="en-US" dirty="0"/>
+              <a:t>で得られた各部位の</a:t>
+            </a:r>
+            <a:r>
+              <a:rPr kumimoji="1" lang="en-US" altLang="ja-JP" dirty="0"/>
+              <a:t>one-hot vector</a:t>
+            </a:r>
+            <a:r>
+              <a:rPr kumimoji="1" lang="ja-JP" altLang="en-US" dirty="0"/>
+              <a:t>を加算し，結果が</a:t>
+            </a:r>
+            <a:r>
+              <a:rPr kumimoji="1" lang="en-US" altLang="ja-JP" dirty="0"/>
+              <a:t>2</a:t>
+            </a:r>
+            <a:r>
+              <a:rPr kumimoji="1" lang="ja-JP" altLang="en-US" dirty="0"/>
+              <a:t>以上となったラベルを結果として出力する．</a:t>
+            </a:r>
+            <a:endParaRPr kumimoji="1" lang="en-US" altLang="ja-JP" dirty="0"/>
+          </a:p>
+          <a:p>
+            <a:r>
+              <a:rPr kumimoji="1" lang="ja-JP" altLang="en-US" dirty="0"/>
+              <a:t>ただし，欠損のため，センサ数が</a:t>
+            </a:r>
+            <a:r>
+              <a:rPr kumimoji="1" lang="en-US" altLang="ja-JP" dirty="0"/>
+              <a:t>2</a:t>
+            </a:r>
+            <a:r>
+              <a:rPr kumimoji="1" lang="ja-JP" altLang="en-US" dirty="0"/>
+              <a:t>個以下である場合は，結果が</a:t>
+            </a:r>
+            <a:r>
+              <a:rPr kumimoji="1" lang="en-US" altLang="ja-JP" dirty="0"/>
+              <a:t>1</a:t>
+            </a:r>
+            <a:r>
+              <a:rPr kumimoji="1" lang="ja-JP" altLang="en-US" dirty="0"/>
+              <a:t>以上のラベルを採用する．</a:t>
+            </a:r>
+            <a:endParaRPr kumimoji="1" lang="en-US" altLang="ja-JP" dirty="0"/>
           </a:p>
         </p:txBody>
       </p:sp>
@@ -3206,7 +2873,7 @@
           <a:p>
             <a:fld id="{30C4CB3F-F62E-402B-B423-2F2652179FCC}" type="slidenum">
               <a:rPr kumimoji="1" lang="ja-JP" altLang="en-US" smtClean="0"/>
-              <a:t>7</a:t>
+              <a:t>5</a:t>
             </a:fld>
             <a:endParaRPr kumimoji="1" lang="ja-JP" altLang="en-US"/>
           </a:p>
@@ -3215,7 +2882,7 @@
     </p:spTree>
     <p:extLst>
       <p:ext uri="{BB962C8B-B14F-4D97-AF65-F5344CB8AC3E}">
-        <p14:creationId xmlns:p14="http://schemas.microsoft.com/office/powerpoint/2010/main" val="1146660456"/>
+        <p14:creationId xmlns:p14="http://schemas.microsoft.com/office/powerpoint/2010/main" val="186269983"/>
       </p:ext>
     </p:extLst>
   </p:cSld>
@@ -3287,8 +2954,16 @@
               <a:defRPr/>
             </a:pPr>
             <a:r>
-              <a:rPr lang="en-US" altLang="ja-JP" dirty="0"/>
-              <a:t>I will explain about the given dataset.</a:t>
+              <a:rPr kumimoji="1" lang="en-US" altLang="ja-JP" dirty="0"/>
+              <a:t>On the other hand, for macro activities, we apply "</a:t>
+            </a:r>
+            <a:r>
+              <a:rPr kumimoji="1" lang="en-US" altLang="ja-JP" dirty="0" err="1"/>
+              <a:t>CrossEntropyLoss</a:t>
+            </a:r>
+            <a:r>
+              <a:rPr kumimoji="1" lang="en-US" altLang="ja-JP" dirty="0"/>
+              <a:t>" in the "Sigmoid layer".</a:t>
             </a:r>
           </a:p>
           <a:p>
@@ -3309,7 +2984,10 @@
               <a:tabLst/>
               <a:defRPr/>
             </a:pPr>
-            <a:endParaRPr lang="en-US" altLang="ja-JP" dirty="0"/>
+            <a:r>
+              <a:rPr kumimoji="1" lang="en-US" altLang="ja-JP" dirty="0"/>
+              <a:t>Then, the results obtained by the "Sigmoid layer" are added together and the label with the largest value is adopted.</a:t>
+            </a:r>
           </a:p>
           <a:p>
             <a:pPr marL="0" marR="0" lvl="0" indent="0" algn="l" defTabSz="914400" rtl="0" eaLnBrk="1" fontAlgn="auto" latinLnBrk="0" hangingPunct="1">
@@ -3330,8 +3008,8 @@
               <a:defRPr/>
             </a:pPr>
             <a:r>
-              <a:rPr lang="en-US" altLang="ja-JP" dirty="0"/>
-              <a:t>We were given train dataset and test dataset.</a:t>
+              <a:rPr kumimoji="1" lang="en-US" altLang="ja-JP" dirty="0"/>
+              <a:t>***</a:t>
             </a:r>
           </a:p>
           <a:p>
@@ -3352,110 +3030,6 @@
               <a:tabLst/>
               <a:defRPr/>
             </a:pPr>
-            <a:endParaRPr lang="en-US" altLang="ja-JP" sz="1800" b="0" i="0" u="none" strike="noStrike" baseline="0" dirty="0">
-              <a:latin typeface="TeXGyreTermes-Regular"/>
-            </a:endParaRPr>
-          </a:p>
-          <a:p>
-            <a:pPr marL="0" marR="0" lvl="0" indent="0" algn="l" defTabSz="914400" rtl="0" eaLnBrk="1" fontAlgn="auto" latinLnBrk="0" hangingPunct="1">
-              <a:lnSpc>
-                <a:spcPct val="100000"/>
-              </a:lnSpc>
-              <a:spcBef>
-                <a:spcPts val="0"/>
-              </a:spcBef>
-              <a:spcAft>
-                <a:spcPts val="0"/>
-              </a:spcAft>
-              <a:buClrTx/>
-              <a:buSzTx/>
-              <a:buFontTx/>
-              <a:buNone/>
-              <a:tabLst/>
-              <a:defRPr/>
-            </a:pPr>
-            <a:r>
-              <a:rPr lang="en-US" altLang="ja-JP" sz="1800" b="0" i="0" u="none" strike="noStrike" baseline="0" dirty="0">
-                <a:latin typeface="TeXGyreTermes-Regular"/>
-              </a:rPr>
-              <a:t>The subjects cooked three recipes (sandwich, fruit salad, cereal) five times each by following a script for each recipe.</a:t>
-            </a:r>
-          </a:p>
-          <a:p>
-            <a:pPr algn="l"/>
-            <a:endParaRPr lang="en-US" altLang="ja-JP" sz="1800" b="0" i="0" u="none" strike="noStrike" baseline="0" dirty="0">
-              <a:latin typeface="TeXGyreTermes-Regular"/>
-            </a:endParaRPr>
-          </a:p>
-          <a:p>
-            <a:pPr algn="l"/>
-            <a:r>
-              <a:rPr lang="en-US" altLang="ja-JP" sz="1800" b="0" i="0" u="none" strike="noStrike" baseline="0" dirty="0">
-                <a:latin typeface="TeXGyreTermes-Regular"/>
-              </a:rPr>
-              <a:t>The data has been collected from four subjects who had attached two smartphones on the right arm and left hip, two smartwatches on both wrists, and one motion capture system with 29 markers.</a:t>
-            </a:r>
-          </a:p>
-          <a:p>
-            <a:pPr algn="l"/>
-            <a:endParaRPr lang="en-US" altLang="ja-JP" sz="1800" b="0" i="0" u="none" strike="noStrike" baseline="0" dirty="0">
-              <a:latin typeface="TeXGyreTermes-Regular"/>
-            </a:endParaRPr>
-          </a:p>
-          <a:p>
-            <a:pPr algn="l"/>
-            <a:r>
-              <a:rPr lang="en-US" altLang="ja-JP" sz="1800" b="0" i="0" u="none" strike="noStrike" baseline="0" dirty="0">
-                <a:latin typeface="TeXGyreTermes-Regular"/>
-              </a:rPr>
-              <a:t>Each recording has been segmented into 30-second segments, like this figure.</a:t>
-            </a:r>
-          </a:p>
-          <a:p>
-            <a:pPr algn="l"/>
-            <a:r>
-              <a:rPr lang="en-US" altLang="ja-JP" sz="1800" b="0" i="0" u="none" strike="noStrike" baseline="0" dirty="0">
-                <a:latin typeface="TeXGyreTermes-Regular"/>
-              </a:rPr>
-              <a:t>Each segment was assigned a random identifier, so the order of the segments is unknown.</a:t>
-            </a:r>
-          </a:p>
-          <a:p>
-            <a:pPr algn="l"/>
-            <a:endParaRPr lang="en-US" altLang="ja-JP" sz="1800" b="0" i="0" u="none" strike="noStrike" baseline="0" dirty="0">
-              <a:latin typeface="TeXGyreTermes-Regular"/>
-            </a:endParaRPr>
-          </a:p>
-          <a:p>
-            <a:pPr algn="l"/>
-            <a:r>
-              <a:rPr lang="en-US" altLang="ja-JP" sz="1800" b="0" i="0" u="none" strike="noStrike" baseline="0" dirty="0">
-                <a:latin typeface="TeXGyreTermes-Regular"/>
-              </a:rPr>
-              <a:t>Training data contains data from three subjects out of the four subjects and test data contains the data from the fourth subject.</a:t>
-            </a:r>
-          </a:p>
-          <a:p>
-            <a:endParaRPr kumimoji="1" lang="en-US" altLang="ja-JP" dirty="0"/>
-          </a:p>
-          <a:p>
-            <a:endParaRPr kumimoji="1" lang="en-US" altLang="ja-JP" dirty="0"/>
-          </a:p>
-          <a:p>
-            <a:endParaRPr kumimoji="1" lang="en-US" altLang="ja-JP" dirty="0"/>
-          </a:p>
-          <a:p>
-            <a:r>
-              <a:rPr kumimoji="1" lang="ja-JP" altLang="en-US" dirty="0"/>
-              <a:t>まず，与えられたデータセットについて説明する．</a:t>
-            </a:r>
-            <a:endParaRPr kumimoji="1" lang="en-US" altLang="ja-JP" dirty="0"/>
-          </a:p>
-          <a:p>
-            <a:r>
-              <a:rPr kumimoji="1" lang="ja-JP" altLang="en-US" dirty="0"/>
-              <a:t>我々は学習用のデータセットとテスト用のデータセットを与えられた．</a:t>
-            </a:r>
             <a:endParaRPr kumimoji="1" lang="en-US" altLang="ja-JP" dirty="0"/>
           </a:p>
           <a:p>
@@ -3476,98 +3050,93 @@
               <a:tabLst/>
               <a:defRPr/>
             </a:pPr>
-            <a:r>
-              <a:rPr kumimoji="1" lang="ja-JP" altLang="en-US" dirty="0"/>
-              <a:t>各被験者は</a:t>
-            </a:r>
-            <a:r>
-              <a:rPr kumimoji="1" lang="en-US" altLang="ja-JP" dirty="0"/>
-              <a:t>3</a:t>
-            </a:r>
-            <a:r>
-              <a:rPr kumimoji="1" lang="ja-JP" altLang="en-US" dirty="0"/>
-              <a:t>つのレシピを</a:t>
-            </a:r>
-            <a:r>
-              <a:rPr kumimoji="1" lang="en-US" altLang="ja-JP" dirty="0"/>
-              <a:t>5</a:t>
-            </a:r>
-            <a:r>
-              <a:rPr kumimoji="1" lang="ja-JP" altLang="en-US" dirty="0"/>
-              <a:t>回作った．</a:t>
-            </a:r>
             <a:endParaRPr kumimoji="1" lang="en-US" altLang="ja-JP" dirty="0"/>
           </a:p>
           <a:p>
+            <a:pPr marL="0" marR="0" lvl="0" indent="0" algn="l" defTabSz="914400" rtl="0" eaLnBrk="1" fontAlgn="auto" latinLnBrk="0" hangingPunct="1">
+              <a:lnSpc>
+                <a:spcPct val="100000"/>
+              </a:lnSpc>
+              <a:spcBef>
+                <a:spcPts val="0"/>
+              </a:spcBef>
+              <a:spcAft>
+                <a:spcPts val="0"/>
+              </a:spcAft>
+              <a:buClrTx/>
+              <a:buSzTx/>
+              <a:buFontTx/>
+              <a:buNone/>
+              <a:tabLst/>
+              <a:defRPr/>
+            </a:pPr>
             <a:r>
               <a:rPr kumimoji="1" lang="ja-JP" altLang="en-US" dirty="0"/>
-              <a:t>データは</a:t>
+              <a:t>一方，</a:t>
             </a:r>
             <a:r>
               <a:rPr kumimoji="1" lang="en-US" altLang="ja-JP" dirty="0"/>
-              <a:t>4</a:t>
+              <a:t>macro</a:t>
             </a:r>
             <a:r>
               <a:rPr kumimoji="1" lang="ja-JP" altLang="en-US" dirty="0"/>
-              <a:t>人の被験者にセンサを取り付けて収集されたものである．</a:t>
+              <a:t>活動では</a:t>
+            </a:r>
+            <a:r>
+              <a:rPr kumimoji="1" lang="en-US" altLang="ja-JP" dirty="0"/>
+              <a:t>“Sigmoid layer”</a:t>
+            </a:r>
+            <a:r>
+              <a:rPr kumimoji="1" lang="ja-JP" altLang="en-US" dirty="0"/>
+              <a:t>で</a:t>
+            </a:r>
+            <a:r>
+              <a:rPr kumimoji="1" lang="en-US" altLang="ja-JP" dirty="0"/>
+              <a:t>” </a:t>
+            </a:r>
+            <a:r>
+              <a:rPr kumimoji="1" lang="en-US" altLang="ja-JP" dirty="0" err="1"/>
+              <a:t>CrossEntropyLoss</a:t>
+            </a:r>
+            <a:r>
+              <a:rPr kumimoji="1" lang="en-US" altLang="ja-JP" dirty="0"/>
+              <a:t>”</a:t>
+            </a:r>
+            <a:r>
+              <a:rPr kumimoji="1" lang="ja-JP" altLang="en-US" dirty="0"/>
+              <a:t>を適用する．</a:t>
             </a:r>
             <a:endParaRPr kumimoji="1" lang="en-US" altLang="ja-JP" dirty="0"/>
           </a:p>
           <a:p>
+            <a:pPr marL="0" marR="0" lvl="0" indent="0" algn="l" defTabSz="914400" rtl="0" eaLnBrk="1" fontAlgn="auto" latinLnBrk="0" hangingPunct="1">
+              <a:lnSpc>
+                <a:spcPct val="100000"/>
+              </a:lnSpc>
+              <a:spcBef>
+                <a:spcPts val="0"/>
+              </a:spcBef>
+              <a:spcAft>
+                <a:spcPts val="0"/>
+              </a:spcAft>
+              <a:buClrTx/>
+              <a:buSzTx/>
+              <a:buFontTx/>
+              <a:buNone/>
+              <a:tabLst/>
+              <a:defRPr/>
+            </a:pPr>
             <a:r>
               <a:rPr kumimoji="1" lang="ja-JP" altLang="en-US" dirty="0"/>
-              <a:t>各記録は</a:t>
+              <a:t>そして，</a:t>
             </a:r>
             <a:r>
               <a:rPr kumimoji="1" lang="en-US" altLang="ja-JP" dirty="0"/>
-              <a:t>30</a:t>
+              <a:t>”Sigmoid layer”</a:t>
             </a:r>
             <a:r>
               <a:rPr kumimoji="1" lang="ja-JP" altLang="en-US" dirty="0"/>
-              <a:t>秒ごとに別れている．</a:t>
-            </a:r>
-            <a:endParaRPr kumimoji="1" lang="en-US" altLang="ja-JP" dirty="0"/>
-          </a:p>
-          <a:p>
-            <a:r>
-              <a:rPr kumimoji="1" lang="ja-JP" altLang="en-US" dirty="0"/>
-              <a:t>各セグメントにはランダムな識別子が与えられており，順番は不明．</a:t>
-            </a:r>
-            <a:endParaRPr kumimoji="1" lang="en-US" altLang="ja-JP" dirty="0"/>
-          </a:p>
-          <a:p>
-            <a:r>
-              <a:rPr kumimoji="1" lang="ja-JP" altLang="en-US" dirty="0"/>
-              <a:t>学習データは</a:t>
-            </a:r>
-            <a:r>
-              <a:rPr kumimoji="1" lang="en-US" altLang="ja-JP" dirty="0"/>
-              <a:t>3</a:t>
-            </a:r>
-            <a:r>
-              <a:rPr kumimoji="1" lang="ja-JP" altLang="en-US" dirty="0"/>
-              <a:t>人の被験者のデータを含み，テストデータには</a:t>
-            </a:r>
-            <a:r>
-              <a:rPr kumimoji="1" lang="en-US" altLang="ja-JP" dirty="0"/>
-              <a:t>1</a:t>
-            </a:r>
-            <a:r>
-              <a:rPr kumimoji="1" lang="ja-JP" altLang="en-US" dirty="0"/>
-              <a:t>人の被験者のデータが含まれる．</a:t>
-            </a:r>
-            <a:endParaRPr kumimoji="1" lang="en-US" altLang="ja-JP" dirty="0"/>
-          </a:p>
-          <a:p>
-            <a:endParaRPr kumimoji="1" lang="en-US" altLang="ja-JP" dirty="0"/>
-          </a:p>
-          <a:p>
-            <a:endParaRPr kumimoji="1" lang="en-US" altLang="ja-JP" dirty="0"/>
-          </a:p>
-          <a:p>
-            <a:r>
-              <a:rPr kumimoji="1" lang="ja-JP" altLang="en-US" dirty="0"/>
-              <a:t>マイクロアクティビティはこのラベルが含まれていて，マクロアクティビティはこのラベルが含まれているというのを過剰書き．</a:t>
+              <a:t>で得られた結果を加算し，値が最大となったラベルを採用する．</a:t>
             </a:r>
             <a:endParaRPr kumimoji="1" lang="en-US" altLang="ja-JP" dirty="0"/>
           </a:p>
@@ -3590,7 +3159,7 @@
           <a:p>
             <a:fld id="{30C4CB3F-F62E-402B-B423-2F2652179FCC}" type="slidenum">
               <a:rPr kumimoji="1" lang="ja-JP" altLang="en-US" smtClean="0"/>
-              <a:t>9</a:t>
+              <a:t>6</a:t>
             </a:fld>
             <a:endParaRPr kumimoji="1" lang="ja-JP" altLang="en-US"/>
           </a:p>
@@ -3599,7 +3168,7 @@
     </p:spTree>
     <p:extLst>
       <p:ext uri="{BB962C8B-B14F-4D97-AF65-F5344CB8AC3E}">
-        <p14:creationId xmlns:p14="http://schemas.microsoft.com/office/powerpoint/2010/main" val="1220229473"/>
+        <p14:creationId xmlns:p14="http://schemas.microsoft.com/office/powerpoint/2010/main" val="65053113"/>
       </p:ext>
     </p:extLst>
   </p:cSld>
@@ -3653,11 +3222,12 @@
           <a:bodyPr/>
           <a:lstStyle/>
           <a:p>
+            <a:pPr algn="l"/>
             <a:r>
               <a:rPr lang="en-US" altLang="ja-JP" sz="1800" b="0" i="0" u="none" strike="noStrike" baseline="0" dirty="0">
                 <a:latin typeface="TeXGyreTermes-Regular"/>
               </a:rPr>
-              <a:t>Hand crafted feature values are extracted from the raw data.</a:t>
+              <a:t>From these results, the average accuracy of 0.521 and 0.491 were achieved among subjects 1, 2, and 3 in leave-one-subject-out manner for micro and macro activities, respectively.</a:t>
             </a:r>
           </a:p>
           <a:p>
@@ -3666,7 +3236,7 @@
               <a:rPr lang="en-US" altLang="ja-JP" sz="1800" b="0" i="0" u="none" strike="noStrike" baseline="0" dirty="0">
                 <a:latin typeface="TeXGyreTermes-Regular"/>
               </a:rPr>
-              <a:t>The features are mean, variance, max, min, root mean square, interquartile range, and zero crossing rate for each axis, respectively. </a:t>
+              <a:t>Considering ten multi-label micro activities, it would be said that 0.521 accuracy is good.</a:t>
             </a:r>
           </a:p>
           <a:p>
@@ -3675,16 +3245,34 @@
               <a:rPr lang="en-US" altLang="ja-JP" sz="1800" b="0" i="0" u="none" strike="noStrike" baseline="0" dirty="0">
                 <a:latin typeface="TeXGyreTermes-Regular"/>
               </a:rPr>
-              <a:t>These features are calculated over a 50ms-window slid in steps of 3 seconds.</a:t>
-            </a:r>
+              <a:t>On the other hand, 0.491 accuracy for 3-class macro activity may be improved.</a:t>
+            </a:r>
+            <a:endParaRPr kumimoji="1" lang="en-US" altLang="ja-JP" sz="1800" b="0" i="0" u="none" strike="noStrike" baseline="0" dirty="0">
+              <a:latin typeface="TeXGyreTermes-Regular"/>
+            </a:endParaRPr>
           </a:p>
           <a:p>
             <a:pPr algn="l"/>
-            <a:r>
-              <a:rPr lang="en-US" altLang="ja-JP" sz="1800" b="0" i="0" u="none" strike="noStrike" baseline="0" dirty="0">
+            <a:endParaRPr kumimoji="1" lang="en-US" altLang="ja-JP" sz="1800" b="0" i="0" u="none" strike="noStrike" baseline="0" dirty="0">
+              <a:latin typeface="TeXGyreTermes-Regular"/>
+            </a:endParaRPr>
+          </a:p>
+          <a:p>
+            <a:pPr algn="l"/>
+            <a:r>
+              <a:rPr kumimoji="1" lang="en-US" altLang="ja-JP" sz="1800" b="0" i="0" u="none" strike="noStrike" baseline="0" dirty="0">
                 <a:latin typeface="TeXGyreTermes-Regular"/>
               </a:rPr>
-              <a:t>From the preprocessing, 21 dimensions feature are obtained for one sensor.</a:t>
+              <a:t>We trained the model on data from subjects 1, 2, and 3, and obtained prediction results for subject 4's data, and the results were then submitted.</a:t>
+            </a:r>
+          </a:p>
+          <a:p>
+            <a:pPr algn="l"/>
+            <a:r>
+              <a:rPr kumimoji="1" lang="en-US" altLang="ja-JP" sz="1800" b="0" i="0" u="none" strike="noStrike" baseline="0" dirty="0">
+                <a:latin typeface="TeXGyreTermes-Regular"/>
+              </a:rPr>
+              <a:t>***</a:t>
             </a:r>
           </a:p>
           <a:p>
@@ -3702,93 +3290,145 @@
           <a:p>
             <a:pPr algn="l"/>
             <a:r>
-              <a:rPr kumimoji="1" lang="ja-JP" altLang="en-US" dirty="0"/>
-              <a:t>生データから特徴量を抽</a:t>
-            </a:r>
-            <a:r>
-              <a:rPr lang="ja-JP" altLang="en-US" dirty="0"/>
-              <a:t>出する</a:t>
-            </a:r>
-            <a:r>
-              <a:rPr kumimoji="1" lang="ja-JP" altLang="en-US" dirty="0"/>
-              <a:t>。</a:t>
+              <a:rPr kumimoji="1" lang="ja-JP" altLang="en-US" sz="1800" b="0" i="0" u="none" strike="noStrike" baseline="0" dirty="0">
+                <a:latin typeface="TeXGyreTermes-Regular"/>
+              </a:rPr>
+              <a:t>これらの結果から、被験者１、被験者２、被験者３の間では、マイクロアクティビティ、マクロアクティビティについて、それぞれ</a:t>
+            </a:r>
+            <a:r>
+              <a:rPr kumimoji="1" lang="en-US" altLang="ja-JP" sz="1800" b="0" i="0" u="none" strike="noStrike" baseline="0" dirty="0">
+                <a:latin typeface="TeXGyreTermes-Regular"/>
+              </a:rPr>
+              <a:t>Leave-one-subject-out</a:t>
+            </a:r>
+            <a:r>
+              <a:rPr kumimoji="1" lang="ja-JP" altLang="en-US" sz="1800" b="0" i="0" u="none" strike="noStrike" baseline="0" dirty="0">
+                <a:latin typeface="TeXGyreTermes-Regular"/>
+              </a:rPr>
+              <a:t>方式で平均</a:t>
+            </a:r>
+            <a:r>
+              <a:rPr kumimoji="1" lang="en-US" altLang="ja-JP" sz="1800" b="0" i="0" u="none" strike="noStrike" baseline="0" dirty="0">
+                <a:latin typeface="TeXGyreTermes-Regular"/>
+              </a:rPr>
+              <a:t>0.521</a:t>
+            </a:r>
+            <a:r>
+              <a:rPr kumimoji="1" lang="ja-JP" altLang="en-US" sz="1800" b="0" i="0" u="none" strike="noStrike" baseline="0" dirty="0">
+                <a:latin typeface="TeXGyreTermes-Regular"/>
+              </a:rPr>
+              <a:t>、</a:t>
+            </a:r>
+            <a:r>
+              <a:rPr kumimoji="1" lang="en-US" altLang="ja-JP" sz="1800" b="0" i="0" u="none" strike="noStrike" baseline="0" dirty="0">
+                <a:latin typeface="TeXGyreTermes-Regular"/>
+              </a:rPr>
+              <a:t>0.491</a:t>
+            </a:r>
+            <a:r>
+              <a:rPr kumimoji="1" lang="ja-JP" altLang="en-US" sz="1800" b="0" i="0" u="none" strike="noStrike" baseline="0" dirty="0">
+                <a:latin typeface="TeXGyreTermes-Regular"/>
+              </a:rPr>
+              <a:t>の精度が得られた。</a:t>
             </a:r>
           </a:p>
           <a:p>
             <a:pPr algn="l"/>
             <a:r>
-              <a:rPr kumimoji="1" lang="ja-JP" altLang="en-US" dirty="0"/>
-              <a:t>特徴量は、各軸の平均、分散、最大、最小、二乗平均平方根（</a:t>
-            </a:r>
-            <a:r>
-              <a:rPr kumimoji="1" lang="en-US" altLang="ja-JP" dirty="0"/>
-              <a:t>RMS</a:t>
-            </a:r>
-            <a:r>
-              <a:rPr kumimoji="1" lang="ja-JP" altLang="en-US" dirty="0"/>
-              <a:t>）、四分位間距離（</a:t>
-            </a:r>
-            <a:r>
-              <a:rPr kumimoji="1" lang="en-US" altLang="ja-JP" dirty="0"/>
-              <a:t>IQR</a:t>
-            </a:r>
-            <a:r>
-              <a:rPr kumimoji="1" lang="ja-JP" altLang="en-US" dirty="0"/>
-              <a:t>）、ゼロクロスレート（</a:t>
-            </a:r>
-            <a:r>
-              <a:rPr kumimoji="1" lang="en-US" altLang="ja-JP" dirty="0"/>
-              <a:t>ZCR</a:t>
-            </a:r>
-            <a:r>
-              <a:rPr kumimoji="1" lang="ja-JP" altLang="en-US" dirty="0"/>
-              <a:t>）です。</a:t>
+              <a:rPr kumimoji="1" lang="en-US" altLang="ja-JP" sz="1800" b="0" i="0" u="none" strike="noStrike" baseline="0" dirty="0">
+                <a:latin typeface="TeXGyreTermes-Regular"/>
+              </a:rPr>
+              <a:t>10</a:t>
+            </a:r>
+            <a:r>
+              <a:rPr kumimoji="1" lang="ja-JP" altLang="en-US" sz="1800" b="0" i="0" u="none" strike="noStrike" baseline="0" dirty="0">
+                <a:latin typeface="TeXGyreTermes-Regular"/>
+              </a:rPr>
+              <a:t>個のマルチラベルのマイクロアクティビティを考えると、</a:t>
+            </a:r>
+            <a:r>
+              <a:rPr kumimoji="1" lang="en-US" altLang="ja-JP" sz="1800" b="0" i="0" u="none" strike="noStrike" baseline="0" dirty="0">
+                <a:latin typeface="TeXGyreTermes-Regular"/>
+              </a:rPr>
+              <a:t>0.521</a:t>
+            </a:r>
+            <a:r>
+              <a:rPr kumimoji="1" lang="ja-JP" altLang="en-US" sz="1800" b="0" i="0" u="none" strike="noStrike" baseline="0" dirty="0">
+                <a:latin typeface="TeXGyreTermes-Regular"/>
+              </a:rPr>
+              <a:t>の精度が良いと言えるだろう。</a:t>
             </a:r>
           </a:p>
           <a:p>
             <a:pPr algn="l"/>
             <a:r>
-              <a:rPr kumimoji="1" lang="ja-JP" altLang="en-US" dirty="0"/>
-              <a:t>これらの特徴は、</a:t>
-            </a:r>
-            <a:r>
-              <a:rPr kumimoji="1" lang="en-US" altLang="ja-JP" dirty="0"/>
-              <a:t>50ms</a:t>
-            </a:r>
-            <a:r>
-              <a:rPr kumimoji="1" lang="ja-JP" altLang="en-US" dirty="0"/>
-              <a:t>のウィンドウを</a:t>
-            </a:r>
-            <a:r>
-              <a:rPr kumimoji="1" lang="en-US" altLang="ja-JP" dirty="0"/>
+              <a:rPr kumimoji="1" lang="ja-JP" altLang="en-US" sz="1800" b="0" i="0" u="none" strike="noStrike" baseline="0" dirty="0">
+                <a:latin typeface="TeXGyreTermes-Regular"/>
+              </a:rPr>
+              <a:t>一方、</a:t>
+            </a:r>
+            <a:r>
+              <a:rPr kumimoji="1" lang="en-US" altLang="ja-JP" sz="1800" b="0" i="0" u="none" strike="noStrike" baseline="0" dirty="0">
+                <a:latin typeface="TeXGyreTermes-Regular"/>
+              </a:rPr>
               <a:t>3</a:t>
             </a:r>
             <a:r>
-              <a:rPr kumimoji="1" lang="ja-JP" altLang="en-US" dirty="0"/>
-              <a:t>秒単位でスライドさせて計算されます。</a:t>
+              <a:rPr kumimoji="1" lang="ja-JP" altLang="en-US" sz="1800" b="0" i="0" u="none" strike="noStrike" baseline="0" dirty="0">
+                <a:latin typeface="TeXGyreTermes-Regular"/>
+              </a:rPr>
+              <a:t>クラスのマクロアクティビティについては、</a:t>
+            </a:r>
+            <a:r>
+              <a:rPr kumimoji="1" lang="en-US" altLang="ja-JP" sz="1800" b="0" i="0" u="none" strike="noStrike" baseline="0" dirty="0">
+                <a:latin typeface="TeXGyreTermes-Regular"/>
+              </a:rPr>
+              <a:t>0.491</a:t>
+            </a:r>
+            <a:r>
+              <a:rPr kumimoji="1" lang="ja-JP" altLang="en-US" sz="1800" b="0" i="0" u="none" strike="noStrike" baseline="0" dirty="0">
+                <a:latin typeface="TeXGyreTermes-Regular"/>
+              </a:rPr>
+              <a:t>の精度が改善される可能性がある。</a:t>
             </a:r>
           </a:p>
           <a:p>
             <a:pPr algn="l"/>
-            <a:r>
-              <a:rPr kumimoji="1" lang="ja-JP" altLang="en-US" dirty="0"/>
-              <a:t>前処理により、</a:t>
-            </a:r>
-            <a:r>
-              <a:rPr kumimoji="1" lang="en-US" altLang="ja-JP" dirty="0"/>
-              <a:t>1 </a:t>
-            </a:r>
-            <a:r>
-              <a:rPr kumimoji="1" lang="ja-JP" altLang="en-US" dirty="0"/>
-              <a:t>つのセンサに対して</a:t>
-            </a:r>
-            <a:r>
-              <a:rPr kumimoji="1" lang="en-US" altLang="ja-JP" dirty="0"/>
-              <a:t>21</a:t>
-            </a:r>
-            <a:r>
-              <a:rPr kumimoji="1" lang="ja-JP" altLang="en-US" dirty="0"/>
-              <a:t>次元の特徴量が得られた。</a:t>
+            <a:endParaRPr kumimoji="1" lang="ja-JP" altLang="en-US" sz="1800" b="0" i="0" u="none" strike="noStrike" baseline="0" dirty="0">
+              <a:latin typeface="TeXGyreTermes-Regular"/>
+            </a:endParaRPr>
+          </a:p>
+          <a:p>
+            <a:pPr algn="l"/>
+            <a:r>
+              <a:rPr kumimoji="1" lang="ja-JP" altLang="en-US" sz="1800" b="0" i="0" u="none" strike="noStrike" baseline="0" dirty="0">
+                <a:latin typeface="TeXGyreTermes-Regular"/>
+              </a:rPr>
+              <a:t>そこで、被験者</a:t>
+            </a:r>
+            <a:r>
+              <a:rPr kumimoji="1" lang="en-US" altLang="ja-JP" sz="1800" b="0" i="0" u="none" strike="noStrike" baseline="0" dirty="0">
+                <a:latin typeface="TeXGyreTermes-Regular"/>
+              </a:rPr>
+              <a:t>1,2,3</a:t>
+            </a:r>
+            <a:r>
+              <a:rPr kumimoji="1" lang="ja-JP" altLang="en-US" sz="1800" b="0" i="0" u="none" strike="noStrike" baseline="0" dirty="0">
+                <a:latin typeface="TeXGyreTermes-Regular"/>
+              </a:rPr>
+              <a:t>のデータに対してモデルを学習させ、被験者</a:t>
+            </a:r>
+            <a:r>
+              <a:rPr kumimoji="1" lang="en-US" altLang="ja-JP" sz="1800" b="0" i="0" u="none" strike="noStrike" baseline="0" dirty="0">
+                <a:latin typeface="TeXGyreTermes-Regular"/>
+              </a:rPr>
+              <a:t>4</a:t>
+            </a:r>
+            <a:r>
+              <a:rPr kumimoji="1" lang="ja-JP" altLang="en-US" sz="1800" b="0" i="0" u="none" strike="noStrike" baseline="0" dirty="0">
+                <a:latin typeface="TeXGyreTermes-Regular"/>
+              </a:rPr>
+              <a:t>のデータに対して予測結果を得て、その結果を提出した。</a:t>
             </a:r>
           </a:p>
         </p:txBody>
@@ -3810,7 +3450,7 @@
           <a:p>
             <a:fld id="{30C4CB3F-F62E-402B-B423-2F2652179FCC}" type="slidenum">
               <a:rPr kumimoji="1" lang="ja-JP" altLang="en-US" smtClean="0"/>
-              <a:t>10</a:t>
+              <a:t>7</a:t>
             </a:fld>
             <a:endParaRPr kumimoji="1" lang="ja-JP" altLang="en-US"/>
           </a:p>
@@ -3819,7 +3459,7 @@
     </p:spTree>
     <p:extLst>
       <p:ext uri="{BB962C8B-B14F-4D97-AF65-F5344CB8AC3E}">
-        <p14:creationId xmlns:p14="http://schemas.microsoft.com/office/powerpoint/2010/main" val="1908707458"/>
+        <p14:creationId xmlns:p14="http://schemas.microsoft.com/office/powerpoint/2010/main" val="1146660456"/>
       </p:ext>
     </p:extLst>
   </p:cSld>
@@ -3873,56 +3513,118 @@
           <a:bodyPr/>
           <a:lstStyle/>
           <a:p>
+            <a:pPr marL="0" marR="0" lvl="0" indent="0" algn="l" defTabSz="914400" rtl="0" eaLnBrk="1" fontAlgn="auto" latinLnBrk="0" hangingPunct="1">
+              <a:lnSpc>
+                <a:spcPct val="100000"/>
+              </a:lnSpc>
+              <a:spcBef>
+                <a:spcPts val="0"/>
+              </a:spcBef>
+              <a:spcAft>
+                <a:spcPts val="0"/>
+              </a:spcAft>
+              <a:buClrTx/>
+              <a:buSzTx/>
+              <a:buFontTx/>
+              <a:buNone/>
+              <a:tabLst/>
+              <a:defRPr/>
+            </a:pPr>
+            <a:r>
+              <a:rPr kumimoji="1" lang="en-US" altLang="ja-JP" sz="1200" b="0" i="0" u="none" strike="noStrike" baseline="0" dirty="0">
+                <a:latin typeface="TeXGyreTermes-Regular"/>
+              </a:rPr>
+              <a:t>Conclusion, o</a:t>
+            </a:r>
             <a:r>
               <a:rPr kumimoji="1" lang="en-US" altLang="ja-JP" dirty="0"/>
-              <a:t>This is our identification model.</a:t>
+              <a:t>ur model uses convolution layer and LSTM.</a:t>
             </a:r>
           </a:p>
           <a:p>
             <a:r>
               <a:rPr kumimoji="1" lang="en-US" altLang="ja-JP" dirty="0"/>
-              <a:t>From left to right: "Conv1d layer", "LSTM layer", "Sigmoid layer", and There are "Activation layer" and "Final activation layer".</a:t>
-            </a:r>
+              <a:t>The evaluation results showed that the average accuracy of </a:t>
+            </a:r>
+            <a:r>
+              <a:rPr kumimoji="1" lang="en-US" altLang="ja-JP" dirty="0">
+                <a:solidFill>
+                  <a:srgbClr val="FF0000"/>
+                </a:solidFill>
+              </a:rPr>
+              <a:t>0.521</a:t>
+            </a:r>
+            <a:r>
+              <a:rPr kumimoji="1" lang="en-US" altLang="ja-JP" dirty="0"/>
+              <a:t> and </a:t>
+            </a:r>
+            <a:r>
+              <a:rPr kumimoji="1" lang="en-US" altLang="ja-JP" dirty="0">
+                <a:solidFill>
+                  <a:srgbClr val="FF0000"/>
+                </a:solidFill>
+              </a:rPr>
+              <a:t>0.491</a:t>
+            </a:r>
+            <a:r>
+              <a:rPr kumimoji="1" lang="en-US" altLang="ja-JP" dirty="0"/>
+              <a:t> for micro and macro activities.</a:t>
+            </a:r>
+            <a:endParaRPr kumimoji="1" lang="en-US" altLang="ja-JP" sz="1200" b="0" i="0" u="none" strike="noStrike" baseline="0" dirty="0">
+              <a:latin typeface="TeXGyreTermes-Regular"/>
+            </a:endParaRPr>
           </a:p>
           <a:p>
-            <a:endParaRPr kumimoji="1" lang="en-US" altLang="ja-JP" dirty="0"/>
+            <a:pPr marL="0" marR="0" lvl="0" indent="0" algn="l" defTabSz="914400" rtl="0" eaLnBrk="1" fontAlgn="auto" latinLnBrk="0" hangingPunct="1">
+              <a:lnSpc>
+                <a:spcPct val="100000"/>
+              </a:lnSpc>
+              <a:spcBef>
+                <a:spcPts val="0"/>
+              </a:spcBef>
+              <a:spcAft>
+                <a:spcPts val="0"/>
+              </a:spcAft>
+              <a:buClrTx/>
+              <a:buSzTx/>
+              <a:buFontTx/>
+              <a:buNone/>
+              <a:tabLst/>
+              <a:defRPr/>
+            </a:pPr>
+            <a:endParaRPr kumimoji="1" lang="en-US" altLang="ja-JP" sz="1200" b="0" i="0" u="none" strike="noStrike" baseline="0" dirty="0">
+              <a:latin typeface="TeXGyreTermes-Regular"/>
+            </a:endParaRPr>
           </a:p>
           <a:p>
-            <a:r>
-              <a:rPr kumimoji="1" lang="en-US" altLang="ja-JP" dirty="0"/>
-              <a:t>In "Conv1d layer", </a:t>
-            </a:r>
-            <a:r>
-              <a:rPr kumimoji="1" lang="en-US" altLang="ja-JP" dirty="0" err="1"/>
-              <a:t>Mapsize</a:t>
-            </a:r>
-            <a:r>
-              <a:rPr kumimoji="1" lang="en-US" altLang="ja-JP" dirty="0"/>
-              <a:t> was set to 6, we input features of 21 dimensions with length N', and get a features of 21 dimensions with 6 map and length N''.</a:t>
+            <a:pPr marL="0" marR="0" lvl="0" indent="0" algn="l" defTabSz="914400" rtl="0" eaLnBrk="1" fontAlgn="auto" latinLnBrk="0" hangingPunct="1">
+              <a:lnSpc>
+                <a:spcPct val="100000"/>
+              </a:lnSpc>
+              <a:spcBef>
+                <a:spcPts val="0"/>
+              </a:spcBef>
+              <a:spcAft>
+                <a:spcPts val="0"/>
+              </a:spcAft>
+              <a:buClrTx/>
+              <a:buSzTx/>
+              <a:buFontTx/>
+              <a:buNone/>
+              <a:tabLst/>
+              <a:defRPr/>
+            </a:pPr>
+            <a:r>
+              <a:rPr kumimoji="1" lang="en-US" altLang="ja-JP" sz="1200" b="0" i="0" u="none" strike="noStrike" baseline="0" dirty="0">
+                <a:latin typeface="TeXGyreTermes-Regular"/>
+              </a:rPr>
+              <a:t>Now all finished. Thank you for listening.</a:t>
             </a:r>
           </a:p>
           <a:p>
             <a:r>
               <a:rPr kumimoji="1" lang="en-US" altLang="ja-JP" dirty="0"/>
-              <a:t>Then, in the "LSTM layer", that features are inputted to form a 24-dimensional feature.</a:t>
-            </a:r>
-          </a:p>
-          <a:p>
-            <a:r>
-              <a:rPr kumimoji="1" lang="en-US" altLang="ja-JP" dirty="0"/>
-              <a:t>"Linear layer" compresses 24 dimensional features into 10 dimensions for micro activities and 4 dimensions for macro activities.</a:t>
-            </a:r>
-          </a:p>
-          <a:p>
-            <a:r>
-              <a:rPr kumimoji="1" lang="en-US" altLang="ja-JP" dirty="0"/>
-              <a:t>"Sigmoid layer" applies a sigmoid function.</a:t>
-            </a:r>
-          </a:p>
-          <a:p>
-            <a:r>
-              <a:rPr kumimoji="1" lang="en-US" altLang="ja-JP" dirty="0"/>
-              <a:t>Next, we use the "activation layer" to obtain one-hot vectors.</a:t>
+              <a:t>***</a:t>
             </a:r>
           </a:p>
           <a:p>
@@ -3932,237 +3634,48 @@
             <a:endParaRPr kumimoji="1" lang="en-US" altLang="ja-JP" dirty="0"/>
           </a:p>
           <a:p>
-            <a:endParaRPr kumimoji="1" lang="en-US" altLang="ja-JP" dirty="0"/>
+            <a:r>
+              <a:rPr kumimoji="1" lang="ja-JP" altLang="en-US" dirty="0"/>
+              <a:t>結論として、我々のモデルは畳み込み層と</a:t>
+            </a:r>
+            <a:r>
+              <a:rPr kumimoji="1" lang="en-US" altLang="ja-JP" dirty="0"/>
+              <a:t>LSTM</a:t>
+            </a:r>
+            <a:r>
+              <a:rPr kumimoji="1" lang="ja-JP" altLang="en-US" dirty="0"/>
+              <a:t>を使用している。</a:t>
+            </a:r>
           </a:p>
           <a:p>
             <a:r>
               <a:rPr kumimoji="1" lang="ja-JP" altLang="en-US" dirty="0"/>
-              <a:t>これが私達の識別モデルです．</a:t>
-            </a:r>
-            <a:endParaRPr kumimoji="1" lang="en-US" altLang="ja-JP" dirty="0"/>
+              <a:t>評価の結果、ミクロとマクロの平均精度は</a:t>
+            </a:r>
+            <a:r>
+              <a:rPr kumimoji="1" lang="en-US" altLang="ja-JP" dirty="0"/>
+              <a:t>0.521</a:t>
+            </a:r>
+            <a:r>
+              <a:rPr kumimoji="1" lang="ja-JP" altLang="en-US" dirty="0"/>
+              <a:t>、</a:t>
+            </a:r>
+            <a:r>
+              <a:rPr kumimoji="1" lang="en-US" altLang="ja-JP" dirty="0"/>
+              <a:t>0.491</a:t>
+            </a:r>
+            <a:r>
+              <a:rPr kumimoji="1" lang="ja-JP" altLang="en-US" dirty="0"/>
+              <a:t>であった。</a:t>
+            </a:r>
           </a:p>
           <a:p>
-            <a:r>
-              <a:rPr kumimoji="1" lang="ja-JP" altLang="en-US" dirty="0"/>
-              <a:t>左から順に</a:t>
-            </a:r>
-            <a:r>
-              <a:rPr kumimoji="1" lang="en-US" altLang="ja-JP" dirty="0"/>
-              <a:t>“Conv1d layer”</a:t>
-            </a:r>
-            <a:r>
-              <a:rPr kumimoji="1" lang="ja-JP" altLang="en-US" dirty="0"/>
-              <a:t>，</a:t>
-            </a:r>
-            <a:r>
-              <a:rPr kumimoji="1" lang="en-US" altLang="ja-JP" dirty="0"/>
-              <a:t>”LSTM layer”</a:t>
-            </a:r>
-            <a:r>
-              <a:rPr kumimoji="1" lang="ja-JP" altLang="en-US" dirty="0"/>
-              <a:t>，</a:t>
-            </a:r>
-            <a:r>
-              <a:rPr kumimoji="1" lang="en-US" altLang="ja-JP" dirty="0"/>
-              <a:t>”Sigmoid layer”</a:t>
-            </a:r>
-            <a:r>
-              <a:rPr kumimoji="1" lang="ja-JP" altLang="en-US" dirty="0"/>
-              <a:t>，</a:t>
-            </a:r>
-            <a:r>
-              <a:rPr kumimoji="1" lang="en-US" altLang="ja-JP" dirty="0"/>
-              <a:t>”Activation layer”</a:t>
-            </a:r>
-            <a:r>
-              <a:rPr kumimoji="1" lang="ja-JP" altLang="en-US" dirty="0"/>
-              <a:t>，</a:t>
-            </a:r>
-            <a:r>
-              <a:rPr kumimoji="1" lang="en-US" altLang="ja-JP" dirty="0"/>
-              <a:t>”Final activation layer”</a:t>
-            </a:r>
-            <a:r>
-              <a:rPr kumimoji="1" lang="ja-JP" altLang="en-US" dirty="0"/>
-              <a:t>があります．</a:t>
-            </a:r>
-            <a:endParaRPr kumimoji="1" lang="en-US" altLang="ja-JP" dirty="0"/>
+            <a:endParaRPr kumimoji="1" lang="ja-JP" altLang="en-US" dirty="0"/>
           </a:p>
           <a:p>
-            <a:endParaRPr kumimoji="1" lang="en-US" altLang="ja-JP" dirty="0"/>
-          </a:p>
-          <a:p>
-            <a:r>
-              <a:rPr kumimoji="1" lang="en-US" altLang="ja-JP" dirty="0"/>
-              <a:t>“Conv1d layer”</a:t>
-            </a:r>
             <a:r>
               <a:rPr kumimoji="1" lang="ja-JP" altLang="en-US" dirty="0"/>
-              <a:t>は</a:t>
-            </a:r>
-            <a:r>
-              <a:rPr kumimoji="1" lang="en-US" altLang="ja-JP" dirty="0" err="1"/>
-              <a:t>mapsize</a:t>
-            </a:r>
-            <a:r>
-              <a:rPr kumimoji="1" lang="ja-JP" altLang="en-US" dirty="0"/>
-              <a:t>を</a:t>
-            </a:r>
-            <a:r>
-              <a:rPr kumimoji="1" lang="en-US" altLang="ja-JP" dirty="0"/>
-              <a:t>6</a:t>
-            </a:r>
-            <a:r>
-              <a:rPr kumimoji="1" lang="ja-JP" altLang="en-US" dirty="0"/>
-              <a:t>に設定しており，</a:t>
-            </a:r>
-            <a:r>
-              <a:rPr kumimoji="1" lang="en-US" altLang="ja-JP" dirty="0"/>
-              <a:t>21</a:t>
-            </a:r>
-            <a:r>
-              <a:rPr kumimoji="1" lang="ja-JP" altLang="en-US" dirty="0"/>
-              <a:t>次元で長さ</a:t>
-            </a:r>
-            <a:r>
-              <a:rPr kumimoji="1" lang="en-US" altLang="ja-JP" dirty="0"/>
-              <a:t>N’</a:t>
-            </a:r>
-            <a:r>
-              <a:rPr kumimoji="1" lang="ja-JP" altLang="en-US" dirty="0"/>
-              <a:t>の特徴量を入力して</a:t>
-            </a:r>
-            <a:r>
-              <a:rPr kumimoji="1" lang="en-US" altLang="ja-JP" dirty="0"/>
-              <a:t>21</a:t>
-            </a:r>
-            <a:r>
-              <a:rPr kumimoji="1" lang="ja-JP" altLang="en-US" dirty="0"/>
-              <a:t>次元</a:t>
-            </a:r>
-            <a:r>
-              <a:rPr kumimoji="1" lang="en-US" altLang="ja-JP" dirty="0"/>
-              <a:t>×6</a:t>
-            </a:r>
-            <a:r>
-              <a:rPr kumimoji="1" lang="ja-JP" altLang="en-US" dirty="0"/>
-              <a:t>マップで長さ</a:t>
-            </a:r>
-            <a:r>
-              <a:rPr kumimoji="1" lang="en-US" altLang="ja-JP" dirty="0"/>
-              <a:t>N’’</a:t>
-            </a:r>
-            <a:r>
-              <a:rPr kumimoji="1" lang="ja-JP" altLang="en-US" dirty="0"/>
-              <a:t>の特徴量を得る．</a:t>
-            </a:r>
-            <a:endParaRPr kumimoji="1" lang="en-US" altLang="ja-JP" dirty="0"/>
-          </a:p>
-          <a:p>
-            <a:r>
-              <a:rPr kumimoji="1" lang="ja-JP" altLang="en-US" dirty="0"/>
-              <a:t>次に</a:t>
-            </a:r>
-            <a:r>
-              <a:rPr kumimoji="1" lang="en-US" altLang="ja-JP" dirty="0"/>
-              <a:t>”LSTM layer”</a:t>
-            </a:r>
-            <a:r>
-              <a:rPr kumimoji="1" lang="ja-JP" altLang="en-US" dirty="0"/>
-              <a:t>ではその特徴量を入力し，</a:t>
-            </a:r>
-            <a:r>
-              <a:rPr kumimoji="1" lang="en-US" altLang="ja-JP" dirty="0"/>
-              <a:t>24</a:t>
-            </a:r>
-            <a:r>
-              <a:rPr kumimoji="1" lang="ja-JP" altLang="en-US" dirty="0"/>
-              <a:t>次元の特徴量とする．</a:t>
-            </a:r>
-            <a:endParaRPr kumimoji="1" lang="en-US" altLang="ja-JP" dirty="0"/>
-          </a:p>
-          <a:p>
-            <a:r>
-              <a:rPr kumimoji="1" lang="en-US" altLang="ja-JP" dirty="0"/>
-              <a:t>“Linear layer”</a:t>
-            </a:r>
-            <a:r>
-              <a:rPr kumimoji="1" lang="ja-JP" altLang="en-US" dirty="0"/>
-              <a:t>は</a:t>
-            </a:r>
-            <a:r>
-              <a:rPr kumimoji="1" lang="en-US" altLang="ja-JP" dirty="0"/>
-              <a:t>24</a:t>
-            </a:r>
-            <a:r>
-              <a:rPr kumimoji="1" lang="ja-JP" altLang="en-US" dirty="0"/>
-              <a:t>次元の特徴量を</a:t>
-            </a:r>
-            <a:r>
-              <a:rPr kumimoji="1" lang="en-US" altLang="ja-JP" dirty="0"/>
-              <a:t>macro</a:t>
-            </a:r>
-            <a:r>
-              <a:rPr kumimoji="1" lang="ja-JP" altLang="en-US" dirty="0"/>
-              <a:t>活動では</a:t>
-            </a:r>
-            <a:r>
-              <a:rPr kumimoji="1" lang="en-US" altLang="ja-JP" dirty="0"/>
-              <a:t>4</a:t>
-            </a:r>
-            <a:r>
-              <a:rPr kumimoji="1" lang="ja-JP" altLang="en-US" dirty="0"/>
-              <a:t>次元，</a:t>
-            </a:r>
-            <a:r>
-              <a:rPr kumimoji="1" lang="en-US" altLang="ja-JP" dirty="0"/>
-              <a:t>micro</a:t>
-            </a:r>
-            <a:r>
-              <a:rPr kumimoji="1" lang="ja-JP" altLang="en-US" dirty="0"/>
-              <a:t>活動では</a:t>
-            </a:r>
-            <a:r>
-              <a:rPr kumimoji="1" lang="en-US" altLang="ja-JP" dirty="0"/>
-              <a:t>10</a:t>
-            </a:r>
-            <a:r>
-              <a:rPr kumimoji="1" lang="ja-JP" altLang="en-US" dirty="0"/>
-              <a:t>次元に圧縮する．</a:t>
-            </a:r>
-            <a:endParaRPr kumimoji="1" lang="en-US" altLang="ja-JP" dirty="0"/>
-          </a:p>
-          <a:p>
-            <a:r>
-              <a:rPr kumimoji="1" lang="en-US" altLang="ja-JP" dirty="0"/>
-              <a:t>“Sigmoid layer”</a:t>
-            </a:r>
-            <a:r>
-              <a:rPr kumimoji="1" lang="ja-JP" altLang="en-US" dirty="0"/>
-              <a:t>ではシグモイド関数を適用する．</a:t>
-            </a:r>
-            <a:endParaRPr kumimoji="1" lang="en-US" altLang="ja-JP" dirty="0"/>
-          </a:p>
-          <a:p>
-            <a:r>
-              <a:rPr kumimoji="1" lang="ja-JP" altLang="en-US" dirty="0"/>
-              <a:t>次に</a:t>
-            </a:r>
-            <a:r>
-              <a:rPr kumimoji="1" lang="en-US" altLang="ja-JP" dirty="0"/>
-              <a:t>“Activation layer”</a:t>
-            </a:r>
-            <a:r>
-              <a:rPr kumimoji="1" lang="ja-JP" altLang="en-US" dirty="0"/>
-              <a:t>で</a:t>
-            </a:r>
-            <a:r>
-              <a:rPr kumimoji="1" lang="en-US" altLang="ja-JP" dirty="0"/>
-              <a:t>one-hot vector</a:t>
-            </a:r>
-            <a:r>
-              <a:rPr kumimoji="1" lang="ja-JP" altLang="en-US" dirty="0"/>
-              <a:t>を取得する．</a:t>
+              <a:t>以上で全て終了です。ご清聴ありがとうございました。</a:t>
             </a:r>
           </a:p>
         </p:txBody>
@@ -4184,7 +3697,7 @@
           <a:p>
             <a:fld id="{30C4CB3F-F62E-402B-B423-2F2652179FCC}" type="slidenum">
               <a:rPr kumimoji="1" lang="ja-JP" altLang="en-US" smtClean="0"/>
-              <a:t>11</a:t>
+              <a:t>8</a:t>
             </a:fld>
             <a:endParaRPr kumimoji="1" lang="ja-JP" altLang="en-US"/>
           </a:p>
@@ -4193,7 +3706,7 @@
     </p:spTree>
     <p:extLst>
       <p:ext uri="{BB962C8B-B14F-4D97-AF65-F5344CB8AC3E}">
-        <p14:creationId xmlns:p14="http://schemas.microsoft.com/office/powerpoint/2010/main" val="693000435"/>
+        <p14:creationId xmlns:p14="http://schemas.microsoft.com/office/powerpoint/2010/main" val="4127043301"/>
       </p:ext>
     </p:extLst>
   </p:cSld>
@@ -4247,25 +3760,170 @@
           <a:bodyPr/>
           <a:lstStyle/>
           <a:p>
-            <a:r>
-              <a:rPr kumimoji="1" lang="en-US" altLang="ja-JP" dirty="0"/>
-              <a:t>We use "</a:t>
-            </a:r>
-            <a:r>
-              <a:rPr kumimoji="1" lang="en-US" altLang="ja-JP" dirty="0" err="1"/>
-              <a:t>BCEWithLogistsLoss</a:t>
-            </a:r>
-            <a:r>
-              <a:rPr kumimoji="1" lang="en-US" altLang="ja-JP" dirty="0"/>
-              <a:t>" in the case of "Micro activity" as "Loss Function and Optimizer", and in the case of "Macro activity", we use "</a:t>
-            </a:r>
-            <a:r>
-              <a:rPr kumimoji="1" lang="en-US" altLang="ja-JP" dirty="0" err="1"/>
-              <a:t>CrossEntropyLoss</a:t>
-            </a:r>
-            <a:r>
-              <a:rPr kumimoji="1" lang="en-US" altLang="ja-JP" dirty="0"/>
-              <a:t>".</a:t>
+            <a:pPr marL="0" marR="0" lvl="0" indent="0" algn="l" defTabSz="914400" rtl="0" eaLnBrk="1" fontAlgn="auto" latinLnBrk="0" hangingPunct="1">
+              <a:lnSpc>
+                <a:spcPct val="100000"/>
+              </a:lnSpc>
+              <a:spcBef>
+                <a:spcPts val="0"/>
+              </a:spcBef>
+              <a:spcAft>
+                <a:spcPts val="0"/>
+              </a:spcAft>
+              <a:buClrTx/>
+              <a:buSzTx/>
+              <a:buFontTx/>
+              <a:buNone/>
+              <a:tabLst/>
+              <a:defRPr/>
+            </a:pPr>
+            <a:r>
+              <a:rPr lang="en-US" altLang="ja-JP" dirty="0"/>
+              <a:t>I will explain about the given dataset.</a:t>
+            </a:r>
+          </a:p>
+          <a:p>
+            <a:pPr marL="0" marR="0" lvl="0" indent="0" algn="l" defTabSz="914400" rtl="0" eaLnBrk="1" fontAlgn="auto" latinLnBrk="0" hangingPunct="1">
+              <a:lnSpc>
+                <a:spcPct val="100000"/>
+              </a:lnSpc>
+              <a:spcBef>
+                <a:spcPts val="0"/>
+              </a:spcBef>
+              <a:spcAft>
+                <a:spcPts val="0"/>
+              </a:spcAft>
+              <a:buClrTx/>
+              <a:buSzTx/>
+              <a:buFontTx/>
+              <a:buNone/>
+              <a:tabLst/>
+              <a:defRPr/>
+            </a:pPr>
+            <a:endParaRPr lang="en-US" altLang="ja-JP" dirty="0"/>
+          </a:p>
+          <a:p>
+            <a:pPr marL="0" marR="0" lvl="0" indent="0" algn="l" defTabSz="914400" rtl="0" eaLnBrk="1" fontAlgn="auto" latinLnBrk="0" hangingPunct="1">
+              <a:lnSpc>
+                <a:spcPct val="100000"/>
+              </a:lnSpc>
+              <a:spcBef>
+                <a:spcPts val="0"/>
+              </a:spcBef>
+              <a:spcAft>
+                <a:spcPts val="0"/>
+              </a:spcAft>
+              <a:buClrTx/>
+              <a:buSzTx/>
+              <a:buFontTx/>
+              <a:buNone/>
+              <a:tabLst/>
+              <a:defRPr/>
+            </a:pPr>
+            <a:r>
+              <a:rPr lang="en-US" altLang="ja-JP" dirty="0"/>
+              <a:t>We were given train dataset and test dataset.</a:t>
+            </a:r>
+          </a:p>
+          <a:p>
+            <a:pPr marL="0" marR="0" lvl="0" indent="0" algn="l" defTabSz="914400" rtl="0" eaLnBrk="1" fontAlgn="auto" latinLnBrk="0" hangingPunct="1">
+              <a:lnSpc>
+                <a:spcPct val="100000"/>
+              </a:lnSpc>
+              <a:spcBef>
+                <a:spcPts val="0"/>
+              </a:spcBef>
+              <a:spcAft>
+                <a:spcPts val="0"/>
+              </a:spcAft>
+              <a:buClrTx/>
+              <a:buSzTx/>
+              <a:buFontTx/>
+              <a:buNone/>
+              <a:tabLst/>
+              <a:defRPr/>
+            </a:pPr>
+            <a:endParaRPr lang="en-US" altLang="ja-JP" sz="1800" b="0" i="0" u="none" strike="noStrike" baseline="0" dirty="0">
+              <a:latin typeface="TeXGyreTermes-Regular"/>
+            </a:endParaRPr>
+          </a:p>
+          <a:p>
+            <a:pPr marL="0" marR="0" lvl="0" indent="0" algn="l" defTabSz="914400" rtl="0" eaLnBrk="1" fontAlgn="auto" latinLnBrk="0" hangingPunct="1">
+              <a:lnSpc>
+                <a:spcPct val="100000"/>
+              </a:lnSpc>
+              <a:spcBef>
+                <a:spcPts val="0"/>
+              </a:spcBef>
+              <a:spcAft>
+                <a:spcPts val="0"/>
+              </a:spcAft>
+              <a:buClrTx/>
+              <a:buSzTx/>
+              <a:buFontTx/>
+              <a:buNone/>
+              <a:tabLst/>
+              <a:defRPr/>
+            </a:pPr>
+            <a:r>
+              <a:rPr lang="en-US" altLang="ja-JP" sz="1800" b="0" i="0" u="none" strike="noStrike" baseline="0" dirty="0">
+                <a:latin typeface="TeXGyreTermes-Regular"/>
+              </a:rPr>
+              <a:t>The subjects cooked three recipes (sandwich, fruit salad, cereal) five times each by following a script for each recipe.</a:t>
+            </a:r>
+          </a:p>
+          <a:p>
+            <a:pPr algn="l"/>
+            <a:endParaRPr lang="en-US" altLang="ja-JP" sz="1800" b="0" i="0" u="none" strike="noStrike" baseline="0" dirty="0">
+              <a:latin typeface="TeXGyreTermes-Regular"/>
+            </a:endParaRPr>
+          </a:p>
+          <a:p>
+            <a:pPr algn="l"/>
+            <a:r>
+              <a:rPr lang="en-US" altLang="ja-JP" sz="1800" b="0" i="0" u="none" strike="noStrike" baseline="0" dirty="0">
+                <a:latin typeface="TeXGyreTermes-Regular"/>
+              </a:rPr>
+              <a:t>The data has been collected from four subjects who had attached two smartphones on the right arm and left hip, two smartwatches on both wrists, and one motion capture system with 29 markers.</a:t>
+            </a:r>
+          </a:p>
+          <a:p>
+            <a:pPr algn="l"/>
+            <a:endParaRPr lang="en-US" altLang="ja-JP" sz="1800" b="0" i="0" u="none" strike="noStrike" baseline="0" dirty="0">
+              <a:latin typeface="TeXGyreTermes-Regular"/>
+            </a:endParaRPr>
+          </a:p>
+          <a:p>
+            <a:pPr algn="l"/>
+            <a:r>
+              <a:rPr lang="en-US" altLang="ja-JP" sz="1800" b="0" i="0" u="none" strike="noStrike" baseline="0" dirty="0">
+                <a:latin typeface="TeXGyreTermes-Regular"/>
+              </a:rPr>
+              <a:t>Each recording has been segmented into 30-second segments, like this figure.</a:t>
+            </a:r>
+          </a:p>
+          <a:p>
+            <a:pPr algn="l"/>
+            <a:r>
+              <a:rPr lang="en-US" altLang="ja-JP" sz="1800" b="0" i="0" u="none" strike="noStrike" baseline="0" dirty="0">
+                <a:latin typeface="TeXGyreTermes-Regular"/>
+              </a:rPr>
+              <a:t>Each segment was assigned a random identifier, so the order of the segments is unknown.</a:t>
+            </a:r>
+          </a:p>
+          <a:p>
+            <a:pPr algn="l"/>
+            <a:endParaRPr lang="en-US" altLang="ja-JP" sz="1800" b="0" i="0" u="none" strike="noStrike" baseline="0" dirty="0">
+              <a:latin typeface="TeXGyreTermes-Regular"/>
+            </a:endParaRPr>
+          </a:p>
+          <a:p>
+            <a:pPr algn="l"/>
+            <a:r>
+              <a:rPr lang="en-US" altLang="ja-JP" sz="1800" b="0" i="0" u="none" strike="noStrike" baseline="0" dirty="0">
+                <a:latin typeface="TeXGyreTermes-Regular"/>
+              </a:rPr>
+              <a:t>Training data contains data from three subjects out of the four subjects and test data contains the data from the fourth subject.</a:t>
             </a:r>
           </a:p>
           <a:p>
@@ -4279,61 +3937,130 @@
           </a:p>
           <a:p>
             <a:r>
+              <a:rPr kumimoji="1" lang="ja-JP" altLang="en-US" dirty="0"/>
+              <a:t>まず，与えられたデータセットについて説明する．</a:t>
+            </a:r>
+            <a:endParaRPr kumimoji="1" lang="en-US" altLang="ja-JP" dirty="0"/>
+          </a:p>
+          <a:p>
+            <a:r>
+              <a:rPr kumimoji="1" lang="ja-JP" altLang="en-US" dirty="0"/>
+              <a:t>我々は学習用のデータセットとテスト用のデータセットを与えられた．</a:t>
+            </a:r>
+            <a:endParaRPr kumimoji="1" lang="en-US" altLang="ja-JP" dirty="0"/>
+          </a:p>
+          <a:p>
+            <a:pPr marL="0" marR="0" lvl="0" indent="0" algn="l" defTabSz="914400" rtl="0" eaLnBrk="1" fontAlgn="auto" latinLnBrk="0" hangingPunct="1">
+              <a:lnSpc>
+                <a:spcPct val="100000"/>
+              </a:lnSpc>
+              <a:spcBef>
+                <a:spcPts val="0"/>
+              </a:spcBef>
+              <a:spcAft>
+                <a:spcPts val="0"/>
+              </a:spcAft>
+              <a:buClrTx/>
+              <a:buSzTx/>
+              <a:buFontTx/>
+              <a:buNone/>
+              <a:tabLst/>
+              <a:defRPr/>
+            </a:pPr>
+            <a:r>
+              <a:rPr kumimoji="1" lang="ja-JP" altLang="en-US" dirty="0"/>
+              <a:t>各被験者は</a:t>
+            </a:r>
+            <a:r>
               <a:rPr kumimoji="1" lang="en-US" altLang="ja-JP" dirty="0"/>
-              <a:t>“Loss Function and Optimizer”</a:t>
+              <a:t>3</a:t>
             </a:r>
             <a:r>
               <a:rPr kumimoji="1" lang="ja-JP" altLang="en-US" dirty="0"/>
-              <a:t>には，</a:t>
+              <a:t>つのレシピを</a:t>
             </a:r>
             <a:r>
               <a:rPr kumimoji="1" lang="en-US" altLang="ja-JP" dirty="0"/>
-              <a:t>”Macro activity”</a:t>
+              <a:t>5</a:t>
             </a:r>
             <a:r>
               <a:rPr kumimoji="1" lang="ja-JP" altLang="en-US" dirty="0"/>
-              <a:t>の場合は</a:t>
+              <a:t>回作った．</a:t>
+            </a:r>
+            <a:endParaRPr kumimoji="1" lang="en-US" altLang="ja-JP" dirty="0"/>
+          </a:p>
+          <a:p>
+            <a:r>
+              <a:rPr kumimoji="1" lang="ja-JP" altLang="en-US" dirty="0"/>
+              <a:t>データは</a:t>
             </a:r>
             <a:r>
               <a:rPr kumimoji="1" lang="en-US" altLang="ja-JP" dirty="0"/>
-              <a:t>”</a:t>
-            </a:r>
-            <a:r>
-              <a:rPr kumimoji="1" lang="en-US" altLang="ja-JP" dirty="0" err="1"/>
-              <a:t>CrossEntropyLoss</a:t>
+              <a:t>4</a:t>
+            </a:r>
+            <a:r>
+              <a:rPr kumimoji="1" lang="ja-JP" altLang="en-US" dirty="0"/>
+              <a:t>人の被験者にセンサを取り付けて収集されたものである．</a:t>
+            </a:r>
+            <a:endParaRPr kumimoji="1" lang="en-US" altLang="ja-JP" dirty="0"/>
+          </a:p>
+          <a:p>
+            <a:r>
+              <a:rPr kumimoji="1" lang="ja-JP" altLang="en-US" dirty="0"/>
+              <a:t>各記録は</a:t>
             </a:r>
             <a:r>
               <a:rPr kumimoji="1" lang="en-US" altLang="ja-JP" dirty="0"/>
-              <a:t>”</a:t>
+              <a:t>30</a:t>
             </a:r>
             <a:r>
               <a:rPr kumimoji="1" lang="ja-JP" altLang="en-US" dirty="0"/>
-              <a:t>を，</a:t>
+              <a:t>秒ごとに別れている．</a:t>
+            </a:r>
+            <a:endParaRPr kumimoji="1" lang="en-US" altLang="ja-JP" dirty="0"/>
+          </a:p>
+          <a:p>
+            <a:r>
+              <a:rPr kumimoji="1" lang="ja-JP" altLang="en-US" dirty="0"/>
+              <a:t>各セグメントにはランダムな識別子が与えられており，順番は不明．</a:t>
+            </a:r>
+            <a:endParaRPr kumimoji="1" lang="en-US" altLang="ja-JP" dirty="0"/>
+          </a:p>
+          <a:p>
+            <a:r>
+              <a:rPr kumimoji="1" lang="ja-JP" altLang="en-US" dirty="0"/>
+              <a:t>学習データは</a:t>
             </a:r>
             <a:r>
               <a:rPr kumimoji="1" lang="en-US" altLang="ja-JP" dirty="0"/>
-              <a:t>”Micro activity”</a:t>
+              <a:t>3</a:t>
             </a:r>
             <a:r>
               <a:rPr kumimoji="1" lang="ja-JP" altLang="en-US" dirty="0"/>
-              <a:t>の場合は</a:t>
+              <a:t>人の被験者のデータを含み，テストデータには</a:t>
             </a:r>
             <a:r>
               <a:rPr kumimoji="1" lang="en-US" altLang="ja-JP" dirty="0"/>
-              <a:t>”</a:t>
-            </a:r>
-            <a:r>
-              <a:rPr kumimoji="1" lang="en-US" altLang="ja-JP" dirty="0" err="1"/>
-              <a:t>BCEWithLogistsLoss</a:t>
-            </a:r>
-            <a:r>
-              <a:rPr kumimoji="1" lang="en-US" altLang="ja-JP" dirty="0"/>
-              <a:t>”</a:t>
+              <a:t>1</a:t>
             </a:r>
             <a:r>
               <a:rPr kumimoji="1" lang="ja-JP" altLang="en-US" dirty="0"/>
-              <a:t>を使用した．</a:t>
-            </a:r>
+              <a:t>人の被験者のデータが含まれる．</a:t>
+            </a:r>
+            <a:endParaRPr kumimoji="1" lang="en-US" altLang="ja-JP" dirty="0"/>
+          </a:p>
+          <a:p>
+            <a:endParaRPr kumimoji="1" lang="en-US" altLang="ja-JP" dirty="0"/>
+          </a:p>
+          <a:p>
+            <a:endParaRPr kumimoji="1" lang="en-US" altLang="ja-JP" dirty="0"/>
+          </a:p>
+          <a:p>
+            <a:r>
+              <a:rPr kumimoji="1" lang="ja-JP" altLang="en-US" dirty="0"/>
+              <a:t>マイクロアクティビティはこのラベルが含まれていて，マクロアクティビティはこのラベルが含まれているというのを過剰書き．</a:t>
+            </a:r>
+            <a:endParaRPr kumimoji="1" lang="en-US" altLang="ja-JP" dirty="0"/>
           </a:p>
         </p:txBody>
       </p:sp>
@@ -4354,7 +4081,7 @@
           <a:p>
             <a:fld id="{30C4CB3F-F62E-402B-B423-2F2652179FCC}" type="slidenum">
               <a:rPr kumimoji="1" lang="ja-JP" altLang="en-US" smtClean="0"/>
-              <a:t>12</a:t>
+              <a:t>9</a:t>
             </a:fld>
             <a:endParaRPr kumimoji="1" lang="ja-JP" altLang="en-US"/>
           </a:p>
@@ -4363,7 +4090,7 @@
     </p:spTree>
     <p:extLst>
       <p:ext uri="{BB962C8B-B14F-4D97-AF65-F5344CB8AC3E}">
-        <p14:creationId xmlns:p14="http://schemas.microsoft.com/office/powerpoint/2010/main" val="1970661680"/>
+        <p14:creationId xmlns:p14="http://schemas.microsoft.com/office/powerpoint/2010/main" val="1220229473"/>
       </p:ext>
     </p:extLst>
   </p:cSld>
@@ -4502,7 +4229,7 @@
           <a:p>
             <a:fld id="{28B1BEA1-2738-4C19-B133-02ABBF3E6E0C}" type="datetime1">
               <a:rPr kumimoji="1" lang="ja-JP" altLang="en-US" smtClean="0"/>
-              <a:t>2020/8/22</a:t>
+              <a:t>2020/8/23</a:t>
             </a:fld>
             <a:endParaRPr kumimoji="1" lang="ja-JP" altLang="en-US"/>
           </a:p>
@@ -4846,7 +4573,7 @@
           <a:p>
             <a:fld id="{321A0775-4641-4FD1-8F30-8577C8E45459}" type="datetime1">
               <a:rPr kumimoji="1" lang="ja-JP" altLang="en-US" smtClean="0"/>
-              <a:t>2020/8/22</a:t>
+              <a:t>2020/8/23</a:t>
             </a:fld>
             <a:endParaRPr kumimoji="1" lang="ja-JP" altLang="en-US"/>
           </a:p>
@@ -5056,7 +4783,7 @@
           <a:p>
             <a:fld id="{1A958096-B04A-44A1-BF3F-4EF7C63AEE7F}" type="datetime1">
               <a:rPr kumimoji="1" lang="ja-JP" altLang="en-US" smtClean="0"/>
-              <a:t>2020/8/22</a:t>
+              <a:t>2020/8/23</a:t>
             </a:fld>
             <a:endParaRPr kumimoji="1" lang="ja-JP" altLang="en-US"/>
           </a:p>
@@ -5256,7 +4983,7 @@
           <a:p>
             <a:fld id="{7E4BC299-9A2B-46B3-A868-72E6088D753F}" type="datetime1">
               <a:rPr kumimoji="1" lang="ja-JP" altLang="en-US" smtClean="0"/>
-              <a:t>2020/8/22</a:t>
+              <a:t>2020/8/23</a:t>
             </a:fld>
             <a:endParaRPr kumimoji="1" lang="ja-JP" altLang="en-US"/>
           </a:p>
@@ -5654,7 +5381,7 @@
           <a:p>
             <a:fld id="{5730D93F-C6A8-45DB-973B-2E9B74BB5747}" type="datetime1">
               <a:rPr kumimoji="1" lang="ja-JP" altLang="en-US" smtClean="0"/>
-              <a:t>2020/8/22</a:t>
+              <a:t>2020/8/23</a:t>
             </a:fld>
             <a:endParaRPr kumimoji="1" lang="ja-JP" altLang="en-US"/>
           </a:p>
@@ -5947,7 +5674,7 @@
           <a:p>
             <a:fld id="{8C8FBA03-08C5-445A-9675-5DD0E048D580}" type="datetime1">
               <a:rPr kumimoji="1" lang="ja-JP" altLang="en-US" smtClean="0"/>
-              <a:t>2020/8/22</a:t>
+              <a:t>2020/8/23</a:t>
             </a:fld>
             <a:endParaRPr kumimoji="1" lang="ja-JP" altLang="en-US"/>
           </a:p>
@@ -6375,7 +6102,7 @@
           <a:p>
             <a:fld id="{F22B3BE6-F63B-45DF-9657-6FEF2EDB1F30}" type="datetime1">
               <a:rPr kumimoji="1" lang="ja-JP" altLang="en-US" smtClean="0"/>
-              <a:t>2020/8/22</a:t>
+              <a:t>2020/8/23</a:t>
             </a:fld>
             <a:endParaRPr kumimoji="1" lang="ja-JP" altLang="en-US"/>
           </a:p>
@@ -6492,7 +6219,7 @@
           <a:p>
             <a:fld id="{C1D6E599-F080-45CC-8481-C833508C9D12}" type="datetime1">
               <a:rPr kumimoji="1" lang="ja-JP" altLang="en-US" smtClean="0"/>
-              <a:t>2020/8/22</a:t>
+              <a:t>2020/8/23</a:t>
             </a:fld>
             <a:endParaRPr kumimoji="1" lang="ja-JP" altLang="en-US"/>
           </a:p>
@@ -6587,7 +6314,7 @@
           <a:p>
             <a:fld id="{7D9B8A7E-64BC-4577-982E-7EC7218FD10F}" type="datetime1">
               <a:rPr kumimoji="1" lang="ja-JP" altLang="en-US" smtClean="0"/>
-              <a:t>2020/8/22</a:t>
+              <a:t>2020/8/23</a:t>
             </a:fld>
             <a:endParaRPr kumimoji="1" lang="ja-JP" altLang="en-US"/>
           </a:p>
@@ -6894,7 +6621,7 @@
           <a:p>
             <a:fld id="{8373066C-4ED1-4359-AD45-A7DE722C8BF8}" type="datetime1">
               <a:rPr kumimoji="1" lang="ja-JP" altLang="en-US" smtClean="0"/>
-              <a:t>2020/8/22</a:t>
+              <a:t>2020/8/23</a:t>
             </a:fld>
             <a:endParaRPr kumimoji="1" lang="ja-JP" altLang="en-US"/>
           </a:p>
@@ -7146,7 +6873,7 @@
           <a:p>
             <a:fld id="{BC0FD902-686B-4A0D-9EB1-37C4F06B03EF}" type="datetime1">
               <a:rPr kumimoji="1" lang="ja-JP" altLang="en-US" smtClean="0"/>
-              <a:t>2020/8/22</a:t>
+              <a:t>2020/8/23</a:t>
             </a:fld>
             <a:endParaRPr kumimoji="1" lang="ja-JP" altLang="en-US"/>
           </a:p>
@@ -7389,7 +7116,7 @@
           <a:p>
             <a:fld id="{E90FD2C9-6400-40CA-9626-E4ED2CBDBD1C}" type="datetime1">
               <a:rPr kumimoji="1" lang="ja-JP" altLang="en-US" smtClean="0"/>
-              <a:t>2020/8/22</a:t>
+              <a:t>2020/8/23</a:t>
             </a:fld>
             <a:endParaRPr kumimoji="1" lang="ja-JP" altLang="en-US"/>
           </a:p>
@@ -24354,7 +24081,7 @@
             <p:nvPr/>
           </p:nvPicPr>
           <p:blipFill>
-            <a:blip r:embed="rId2">
+            <a:blip r:embed="rId3">
               <a:extLst>
                 <a:ext uri="{28A0092B-C50C-407E-A947-70E740481C1C}">
                   <a14:useLocalDpi xmlns:a14="http://schemas.microsoft.com/office/drawing/2010/main" val="0"/>
@@ -24390,7 +24117,7 @@
             <p:nvPr/>
           </p:nvPicPr>
           <p:blipFill>
-            <a:blip r:embed="rId2">
+            <a:blip r:embed="rId3">
               <a:extLst>
                 <a:ext uri="{28A0092B-C50C-407E-A947-70E740481C1C}">
                   <a14:useLocalDpi xmlns:a14="http://schemas.microsoft.com/office/drawing/2010/main" val="0"/>
@@ -24426,7 +24153,7 @@
             <p:nvPr/>
           </p:nvPicPr>
           <p:blipFill>
-            <a:blip r:embed="rId2">
+            <a:blip r:embed="rId3">
               <a:extLst>
                 <a:ext uri="{28A0092B-C50C-407E-A947-70E740481C1C}">
                   <a14:useLocalDpi xmlns:a14="http://schemas.microsoft.com/office/drawing/2010/main" val="0"/>
@@ -24462,7 +24189,7 @@
             <p:nvPr/>
           </p:nvPicPr>
           <p:blipFill>
-            <a:blip r:embed="rId2">
+            <a:blip r:embed="rId3">
               <a:extLst>
                 <a:ext uri="{28A0092B-C50C-407E-A947-70E740481C1C}">
                   <a14:useLocalDpi xmlns:a14="http://schemas.microsoft.com/office/drawing/2010/main" val="0"/>
@@ -28773,7 +28500,7 @@
                   <a:avLst/>
                 </a:prstGeom>
                 <a:blipFill>
-                  <a:blip r:embed="rId3"/>
+                  <a:blip r:embed="rId4"/>
                   <a:stretch>
                     <a:fillRect/>
                   </a:stretch>
@@ -29034,7 +28761,7 @@
             <p:nvPr/>
           </p:nvPicPr>
           <p:blipFill>
-            <a:blip r:embed="rId2">
+            <a:blip r:embed="rId3">
               <a:extLst>
                 <a:ext uri="{28A0092B-C50C-407E-A947-70E740481C1C}">
                   <a14:useLocalDpi xmlns:a14="http://schemas.microsoft.com/office/drawing/2010/main" val="0"/>
@@ -29070,7 +28797,7 @@
             <p:nvPr/>
           </p:nvPicPr>
           <p:blipFill>
-            <a:blip r:embed="rId2">
+            <a:blip r:embed="rId3">
               <a:extLst>
                 <a:ext uri="{28A0092B-C50C-407E-A947-70E740481C1C}">
                   <a14:useLocalDpi xmlns:a14="http://schemas.microsoft.com/office/drawing/2010/main" val="0"/>
@@ -29106,7 +28833,7 @@
             <p:nvPr/>
           </p:nvPicPr>
           <p:blipFill>
-            <a:blip r:embed="rId2">
+            <a:blip r:embed="rId3">
               <a:extLst>
                 <a:ext uri="{28A0092B-C50C-407E-A947-70E740481C1C}">
                   <a14:useLocalDpi xmlns:a14="http://schemas.microsoft.com/office/drawing/2010/main" val="0"/>
@@ -29142,7 +28869,7 @@
             <p:nvPr/>
           </p:nvPicPr>
           <p:blipFill>
-            <a:blip r:embed="rId2">
+            <a:blip r:embed="rId3">
               <a:extLst>
                 <a:ext uri="{28A0092B-C50C-407E-A947-70E740481C1C}">
                   <a14:useLocalDpi xmlns:a14="http://schemas.microsoft.com/office/drawing/2010/main" val="0"/>

--- a/paper/ABC2020CookingChallenge/ABC2020_Fujii.pptx
+++ b/paper/ABC2020CookingChallenge/ABC2020_Fujii.pptx
@@ -221,7 +221,7 @@
           <a:p>
             <a:fld id="{D8422EA4-67AE-4623-8DD6-326650601D3C}" type="datetimeFigureOut">
               <a:rPr kumimoji="1" lang="ja-JP" altLang="en-US" smtClean="0"/>
-              <a:t>2020/8/23</a:t>
+              <a:t>2020/8/24</a:t>
             </a:fld>
             <a:endParaRPr kumimoji="1" lang="ja-JP" altLang="en-US"/>
           </a:p>
@@ -4229,7 +4229,7 @@
           <a:p>
             <a:fld id="{28B1BEA1-2738-4C19-B133-02ABBF3E6E0C}" type="datetime1">
               <a:rPr kumimoji="1" lang="ja-JP" altLang="en-US" smtClean="0"/>
-              <a:t>2020/8/23</a:t>
+              <a:t>2020/8/24</a:t>
             </a:fld>
             <a:endParaRPr kumimoji="1" lang="ja-JP" altLang="en-US"/>
           </a:p>
@@ -4573,7 +4573,7 @@
           <a:p>
             <a:fld id="{321A0775-4641-4FD1-8F30-8577C8E45459}" type="datetime1">
               <a:rPr kumimoji="1" lang="ja-JP" altLang="en-US" smtClean="0"/>
-              <a:t>2020/8/23</a:t>
+              <a:t>2020/8/24</a:t>
             </a:fld>
             <a:endParaRPr kumimoji="1" lang="ja-JP" altLang="en-US"/>
           </a:p>
@@ -4783,7 +4783,7 @@
           <a:p>
             <a:fld id="{1A958096-B04A-44A1-BF3F-4EF7C63AEE7F}" type="datetime1">
               <a:rPr kumimoji="1" lang="ja-JP" altLang="en-US" smtClean="0"/>
-              <a:t>2020/8/23</a:t>
+              <a:t>2020/8/24</a:t>
             </a:fld>
             <a:endParaRPr kumimoji="1" lang="ja-JP" altLang="en-US"/>
           </a:p>
@@ -4983,7 +4983,7 @@
           <a:p>
             <a:fld id="{7E4BC299-9A2B-46B3-A868-72E6088D753F}" type="datetime1">
               <a:rPr kumimoji="1" lang="ja-JP" altLang="en-US" smtClean="0"/>
-              <a:t>2020/8/23</a:t>
+              <a:t>2020/8/24</a:t>
             </a:fld>
             <a:endParaRPr kumimoji="1" lang="ja-JP" altLang="en-US"/>
           </a:p>
@@ -5381,7 +5381,7 @@
           <a:p>
             <a:fld id="{5730D93F-C6A8-45DB-973B-2E9B74BB5747}" type="datetime1">
               <a:rPr kumimoji="1" lang="ja-JP" altLang="en-US" smtClean="0"/>
-              <a:t>2020/8/23</a:t>
+              <a:t>2020/8/24</a:t>
             </a:fld>
             <a:endParaRPr kumimoji="1" lang="ja-JP" altLang="en-US"/>
           </a:p>
@@ -5674,7 +5674,7 @@
           <a:p>
             <a:fld id="{8C8FBA03-08C5-445A-9675-5DD0E048D580}" type="datetime1">
               <a:rPr kumimoji="1" lang="ja-JP" altLang="en-US" smtClean="0"/>
-              <a:t>2020/8/23</a:t>
+              <a:t>2020/8/24</a:t>
             </a:fld>
             <a:endParaRPr kumimoji="1" lang="ja-JP" altLang="en-US"/>
           </a:p>
@@ -6102,7 +6102,7 @@
           <a:p>
             <a:fld id="{F22B3BE6-F63B-45DF-9657-6FEF2EDB1F30}" type="datetime1">
               <a:rPr kumimoji="1" lang="ja-JP" altLang="en-US" smtClean="0"/>
-              <a:t>2020/8/23</a:t>
+              <a:t>2020/8/24</a:t>
             </a:fld>
             <a:endParaRPr kumimoji="1" lang="ja-JP" altLang="en-US"/>
           </a:p>
@@ -6219,7 +6219,7 @@
           <a:p>
             <a:fld id="{C1D6E599-F080-45CC-8481-C833508C9D12}" type="datetime1">
               <a:rPr kumimoji="1" lang="ja-JP" altLang="en-US" smtClean="0"/>
-              <a:t>2020/8/23</a:t>
+              <a:t>2020/8/24</a:t>
             </a:fld>
             <a:endParaRPr kumimoji="1" lang="ja-JP" altLang="en-US"/>
           </a:p>
@@ -6314,7 +6314,7 @@
           <a:p>
             <a:fld id="{7D9B8A7E-64BC-4577-982E-7EC7218FD10F}" type="datetime1">
               <a:rPr kumimoji="1" lang="ja-JP" altLang="en-US" smtClean="0"/>
-              <a:t>2020/8/23</a:t>
+              <a:t>2020/8/24</a:t>
             </a:fld>
             <a:endParaRPr kumimoji="1" lang="ja-JP" altLang="en-US"/>
           </a:p>
@@ -6621,7 +6621,7 @@
           <a:p>
             <a:fld id="{8373066C-4ED1-4359-AD45-A7DE722C8BF8}" type="datetime1">
               <a:rPr kumimoji="1" lang="ja-JP" altLang="en-US" smtClean="0"/>
-              <a:t>2020/8/23</a:t>
+              <a:t>2020/8/24</a:t>
             </a:fld>
             <a:endParaRPr kumimoji="1" lang="ja-JP" altLang="en-US"/>
           </a:p>
@@ -6873,7 +6873,7 @@
           <a:p>
             <a:fld id="{BC0FD902-686B-4A0D-9EB1-37C4F06B03EF}" type="datetime1">
               <a:rPr kumimoji="1" lang="ja-JP" altLang="en-US" smtClean="0"/>
-              <a:t>2020/8/23</a:t>
+              <a:t>2020/8/24</a:t>
             </a:fld>
             <a:endParaRPr kumimoji="1" lang="ja-JP" altLang="en-US"/>
           </a:p>
@@ -7116,7 +7116,7 @@
           <a:p>
             <a:fld id="{E90FD2C9-6400-40CA-9626-E4ED2CBDBD1C}" type="datetime1">
               <a:rPr kumimoji="1" lang="ja-JP" altLang="en-US" smtClean="0"/>
-              <a:t>2020/8/23</a:t>
+              <a:t>2020/8/24</a:t>
             </a:fld>
             <a:endParaRPr kumimoji="1" lang="ja-JP" altLang="en-US"/>
           </a:p>
@@ -22667,8 +22667,8 @@
             </a:p>
           </p:txBody>
         </p:sp>
-        <mc:AlternateContent xmlns:mc="http://schemas.openxmlformats.org/markup-compatibility/2006" xmlns:a14="http://schemas.microsoft.com/office/drawing/2010/main">
-          <mc:Choice Requires="a14">
+        <mc:AlternateContent xmlns:mc="http://schemas.openxmlformats.org/markup-compatibility/2006">
+          <mc:Choice xmlns:a14="http://schemas.microsoft.com/office/drawing/2010/main" Requires="a14">
             <p:sp>
               <p:nvSpPr>
                 <p:cNvPr id="98" name="テキスト ボックス 97">
@@ -22704,31 +22704,12 @@
                         <m:jc m:val="centerGroup"/>
                       </m:oMathParaPr>
                       <m:oMath xmlns:m="http://schemas.openxmlformats.org/officeDocument/2006/math">
-                        <m:sSub>
-                          <m:sSubPr>
-                            <m:ctrlPr>
-                              <a:rPr kumimoji="1" lang="en-US" altLang="ja-JP" sz="2400" i="1" smtClean="0">
-                                <a:latin typeface="Cambria Math" panose="02040503050406030204" pitchFamily="18" charset="0"/>
-                              </a:rPr>
-                            </m:ctrlPr>
-                          </m:sSubPr>
-                          <m:e>
-                            <m:r>
-                              <a:rPr kumimoji="1" lang="en-US" altLang="ja-JP" sz="2400" b="0" i="1" smtClean="0">
-                                <a:latin typeface="Cambria Math" panose="02040503050406030204" pitchFamily="18" charset="0"/>
-                              </a:rPr>
-                              <m:t>𝑁</m:t>
-                            </m:r>
-                          </m:e>
-                          <m:sub>
-                            <m:r>
-                              <a:rPr kumimoji="1" lang="en-US" altLang="ja-JP" sz="2400" b="0" i="1" smtClean="0">
-                                <a:latin typeface="Cambria Math" panose="02040503050406030204" pitchFamily="18" charset="0"/>
-                              </a:rPr>
-                              <m:t>𝑥</m:t>
-                            </m:r>
-                          </m:sub>
-                        </m:sSub>
+                        <m:r>
+                          <a:rPr kumimoji="1" lang="en-US" altLang="ja-JP" sz="2400" b="0" i="1" smtClean="0">
+                            <a:latin typeface="Cambria Math" panose="02040503050406030204" pitchFamily="18" charset="0"/>
+                          </a:rPr>
+                          <m:t>𝑁</m:t>
+                        </m:r>
                       </m:oMath>
                     </m:oMathPara>
                   </a14:m>
@@ -22737,7 +22718,7 @@
               </p:txBody>
             </p:sp>
           </mc:Choice>
-          <mc:Fallback xmlns="">
+          <mc:Fallback>
             <p:sp>
               <p:nvSpPr>
                 <p:cNvPr id="98" name="テキスト ボックス 97">
@@ -23957,6 +23938,45 @@
           </p:style>
         </p:cxnSp>
       </p:grpSp>
+      <p:cxnSp>
+        <p:nvCxnSpPr>
+          <p:cNvPr id="6" name="直線矢印コネクタ 5">
+            <a:extLst>
+              <a:ext uri="{FF2B5EF4-FFF2-40B4-BE49-F238E27FC236}">
+                <a16:creationId xmlns:a16="http://schemas.microsoft.com/office/drawing/2014/main" id="{D664FD84-C814-45B3-BF62-1CC9D64D95A7}"/>
+              </a:ext>
+            </a:extLst>
+          </p:cNvPr>
+          <p:cNvCxnSpPr/>
+          <p:nvPr/>
+        </p:nvCxnSpPr>
+        <p:spPr>
+          <a:xfrm>
+            <a:off x="2151898" y="4209214"/>
+            <a:ext cx="198146" cy="233095"/>
+          </a:xfrm>
+          <a:prstGeom prst="straightConnector1">
+            <a:avLst/>
+          </a:prstGeom>
+          <a:ln>
+            <a:tailEnd type="triangle"/>
+          </a:ln>
+        </p:spPr>
+        <p:style>
+          <a:lnRef idx="1">
+            <a:schemeClr val="dk1"/>
+          </a:lnRef>
+          <a:fillRef idx="0">
+            <a:schemeClr val="dk1"/>
+          </a:fillRef>
+          <a:effectRef idx="0">
+            <a:schemeClr val="dk1"/>
+          </a:effectRef>
+          <a:fontRef idx="minor">
+            <a:schemeClr val="tx1"/>
+          </a:fontRef>
+        </p:style>
+      </p:cxnSp>
     </p:spTree>
     <p:extLst>
       <p:ext uri="{BB962C8B-B14F-4D97-AF65-F5344CB8AC3E}">

--- a/paper/ABC2020CookingChallenge/ABC2020_Fujii.pptx
+++ b/paper/ABC2020CookingChallenge/ABC2020_Fujii.pptx
@@ -221,7 +221,7 @@
           <a:p>
             <a:fld id="{D8422EA4-67AE-4623-8DD6-326650601D3C}" type="datetimeFigureOut">
               <a:rPr kumimoji="1" lang="ja-JP" altLang="en-US" smtClean="0"/>
-              <a:t>2020/8/24</a:t>
+              <a:t>2020/8/26</a:t>
             </a:fld>
             <a:endParaRPr kumimoji="1" lang="ja-JP" altLang="en-US"/>
           </a:p>
@@ -1903,33 +1903,10 @@
               <a:tabLst/>
               <a:defRPr/>
             </a:pPr>
-            <a:endParaRPr lang="en-US" altLang="ja-JP" dirty="0"/>
-          </a:p>
-          <a:p>
-            <a:pPr marL="0" marR="0" lvl="0" indent="0" algn="l" defTabSz="914400" rtl="0" eaLnBrk="1" fontAlgn="auto" latinLnBrk="0" hangingPunct="1">
-              <a:lnSpc>
-                <a:spcPct val="100000"/>
-              </a:lnSpc>
-              <a:spcBef>
-                <a:spcPts val="0"/>
-              </a:spcBef>
-              <a:spcAft>
-                <a:spcPts val="0"/>
-              </a:spcAft>
-              <a:buClrTx/>
-              <a:buSzTx/>
-              <a:buFontTx/>
-              <a:buNone/>
-              <a:tabLst/>
-              <a:defRPr/>
-            </a:pPr>
             <a:r>
               <a:rPr lang="en-US" altLang="ja-JP" dirty="0"/>
               <a:t>We were given train dataset and test dataset.</a:t>
             </a:r>
-          </a:p>
-          <a:p>
-            <a:pPr algn="l"/>
             <a:endParaRPr lang="en-US" altLang="ja-JP" sz="1200" b="0" i="0" u="none" strike="noStrike" baseline="0" dirty="0">
               <a:latin typeface="TeXGyreTermes-Regular"/>
             </a:endParaRPr>
@@ -1940,19 +1917,7 @@
               <a:rPr lang="en-US" altLang="ja-JP" sz="1200" b="0" i="0" u="none" strike="noStrike" baseline="0" dirty="0">
                 <a:latin typeface="TeXGyreTermes-Regular"/>
               </a:rPr>
-              <a:t>Micro-activities consist of the labels ["Cut", "Peel", "Open", "Take", "Put", "Pour", "Wash", "Add", "Mix", "other"], and macro-activities consist of the labels ["sandwich", "</a:t>
-            </a:r>
-            <a:r>
-              <a:rPr lang="en-US" altLang="ja-JP" sz="1200" b="0" i="0" u="none" strike="noStrike" baseline="0" dirty="0" err="1">
-                <a:latin typeface="TeXGyreTermes-Regular"/>
-              </a:rPr>
-              <a:t>fruitsalad</a:t>
-            </a:r>
-            <a:r>
-              <a:rPr lang="en-US" altLang="ja-JP" sz="1200" b="0" i="0" u="none" strike="noStrike" baseline="0" dirty="0">
-                <a:latin typeface="TeXGyreTermes-Regular"/>
-              </a:rPr>
-              <a:t>", "cereal"].</a:t>
+              <a:t>Micro-activities consist of ten labels, and macro-activities consist of three labels.</a:t>
             </a:r>
           </a:p>
           <a:p>
@@ -1974,23 +1939,32 @@
             </a:r>
           </a:p>
           <a:p>
-            <a:endParaRPr kumimoji="1" lang="ja-JP" altLang="en-US" dirty="0"/>
+            <a:r>
+              <a:rPr kumimoji="1" lang="ja-JP" altLang="en-US" dirty="0"/>
+              <a:t>与えられたデータセットは、訓練データセットとテストデータセットである。</a:t>
+            </a:r>
           </a:p>
           <a:p>
             <a:r>
               <a:rPr kumimoji="1" lang="ja-JP" altLang="en-US" dirty="0"/>
-              <a:t>与えられたデータセットは、訓練データセットとテストデータセットである。</a:t>
-            </a:r>
-          </a:p>
-          <a:p>
-            <a:endParaRPr kumimoji="1" lang="ja-JP" altLang="en-US" dirty="0"/>
-          </a:p>
-          <a:p>
+              <a:t>マイクロアクティビティは</a:t>
+            </a:r>
+            <a:r>
+              <a:rPr kumimoji="1" lang="en-US" altLang="ja-JP" dirty="0"/>
+              <a:t>10</a:t>
+            </a:r>
             <a:r>
               <a:rPr kumimoji="1" lang="ja-JP" altLang="en-US" dirty="0"/>
-              <a:t>マイクロアクティビティは、「切る」、「皮をむく」、「開く」、「取る」、「置く」、「注ぐ」、「洗う」、「加える」、「混ぜる」、「その他」のラベルで構成され、マクロアクティビティは、「サンドイッチ」、「フルーツサラダ」、「シリアル」のラベルで構成されている。</a:t>
-            </a:r>
-            <a:endParaRPr kumimoji="1" lang="en-US" altLang="ja-JP" dirty="0"/>
+              <a:t>個のラベルで構成され、マクロアクティビティは</a:t>
+            </a:r>
+            <a:r>
+              <a:rPr kumimoji="1" lang="en-US" altLang="ja-JP" dirty="0"/>
+              <a:t>3</a:t>
+            </a:r>
+            <a:r>
+              <a:rPr kumimoji="1" lang="ja-JP" altLang="en-US" dirty="0"/>
+              <a:t>個のラベルで構成されています。</a:t>
+            </a:r>
           </a:p>
         </p:txBody>
       </p:sp>
@@ -2078,24 +2052,41 @@
               <a:rPr kumimoji="1" lang="en-US" altLang="ja-JP" dirty="0"/>
               <a:t>This is the details of the dataset.</a:t>
             </a:r>
+            <a:r>
+              <a:rPr kumimoji="1" lang="ja-JP" altLang="en-US" dirty="0"/>
+              <a:t> </a:t>
+            </a:r>
+            <a:r>
+              <a:rPr kumimoji="1" lang="en-US" altLang="ja-JP" dirty="0"/>
+              <a:t>!!</a:t>
+            </a:r>
           </a:p>
           <a:p>
-            <a:r>
-              <a:rPr kumimoji="1" lang="en-US" altLang="ja-JP" dirty="0"/>
-              <a:t>Each segment contains one macro behavior and up to six micro behaviors.</a:t>
-            </a:r>
+            <a:endParaRPr kumimoji="1" lang="en-US" altLang="ja-JP" dirty="0"/>
           </a:p>
           <a:p>
             <a:r>
               <a:rPr kumimoji="1" lang="en-US" altLang="ja-JP" dirty="0"/>
-              <a:t>The length of the data ranges from 0 to about 9000.</a:t>
+              <a:t>Each segment contains one macro behavior !! and up to six micro behaviors. !!</a:t>
             </a:r>
           </a:p>
           <a:p>
+            <a:endParaRPr kumimoji="1" lang="en-US" altLang="ja-JP" dirty="0"/>
+          </a:p>
+          <a:p>
+            <a:r>
+              <a:rPr kumimoji="1" lang="en-US" altLang="ja-JP" dirty="0"/>
+              <a:t>The length of the data ranges from 0 to about 9000.</a:t>
+            </a:r>
+          </a:p>
+          <a:p>
             <a:r>
               <a:rPr kumimoji="1" lang="en-US" altLang="ja-JP" dirty="0"/>
               <a:t>Zero length means that the data is missing.</a:t>
             </a:r>
+          </a:p>
+          <a:p>
+            <a:endParaRPr kumimoji="1" lang="en-US" altLang="ja-JP" dirty="0"/>
           </a:p>
           <a:p>
             <a:r>
@@ -2312,7 +2303,19 @@
               <a:rPr lang="en-US" altLang="ja-JP" sz="1800" b="0" i="0" u="none" strike="noStrike" baseline="0" dirty="0">
                 <a:latin typeface="TeXGyreTermes-Regular"/>
               </a:rPr>
-              <a:t>These features are calculated over a 50ms-window slid in steps of 3 seconds.</a:t>
+              <a:t>These features are calculated over </a:t>
+            </a:r>
+            <a:r>
+              <a:rPr lang="en-US" altLang="ja-JP" sz="1800" b="0" i="0" u="none" strike="noStrike" baseline="0">
+                <a:latin typeface="TeXGyreTermes-Regular"/>
+              </a:rPr>
+              <a:t>a 50 milliseconds-window </a:t>
+            </a:r>
+            <a:r>
+              <a:rPr lang="en-US" altLang="ja-JP" sz="1800" b="0" i="0" u="none" strike="noStrike" baseline="0" dirty="0">
+                <a:latin typeface="TeXGyreTermes-Regular"/>
+              </a:rPr>
+              <a:t>slid in steps of 3 seconds.</a:t>
             </a:r>
           </a:p>
           <a:p>
@@ -2490,8 +2493,13 @@
           <a:p>
             <a:r>
               <a:rPr kumimoji="1" lang="en-US" altLang="ja-JP" dirty="0"/>
-              <a:t>This is our identification model.</a:t>
-            </a:r>
+              <a:t>This is our identification </a:t>
+            </a:r>
+            <a:r>
+              <a:rPr kumimoji="1" lang="en-US" altLang="ja-JP"/>
+              <a:t>model. !!</a:t>
+            </a:r>
+            <a:endParaRPr kumimoji="1" lang="en-US" altLang="ja-JP" dirty="0"/>
           </a:p>
           <a:p>
             <a:endParaRPr kumimoji="1" lang="en-US" altLang="ja-JP" dirty="0"/>
@@ -2507,25 +2515,31 @@
             </a:r>
             <a:r>
               <a:rPr kumimoji="1" lang="en-US" altLang="ja-JP" dirty="0"/>
-              <a:t> was set to 6, we input features of 21 dimensions with length N', and get a features of 21 dimensions with 6 map and length N''.</a:t>
+              <a:t> was set to 6, we input features of 21 dimensions with length N', and get a features of 21 dimensions with 6 map and length N‘’. !!</a:t>
             </a:r>
           </a:p>
           <a:p>
-            <a:r>
-              <a:rPr kumimoji="1" lang="en-US" altLang="ja-JP" dirty="0"/>
-              <a:t>Then, in the "LSTM layer", that features are inputted to form a 24-dimensional feature.</a:t>
-            </a:r>
+            <a:endParaRPr kumimoji="1" lang="en-US" altLang="ja-JP" dirty="0"/>
           </a:p>
           <a:p>
             <a:r>
               <a:rPr kumimoji="1" lang="en-US" altLang="ja-JP" dirty="0"/>
-              <a:t>"Linear layer" compresses 24 dimensional features into 10 dimensional ones.</a:t>
+              <a:t>Then, in the "LSTM layer", that features are inputted to form a 24-dimensional feature. !!</a:t>
             </a:r>
           </a:p>
           <a:p>
+            <a:endParaRPr kumimoji="1" lang="en-US" altLang="ja-JP" dirty="0"/>
+          </a:p>
+          <a:p>
             <a:r>
               <a:rPr kumimoji="1" lang="en-US" altLang="ja-JP" dirty="0"/>
-              <a:t>In the "Sigmoid layer", "</a:t>
+              <a:t>"Linear layer" compresses 24 dimensional features into 10 dimensional ones.</a:t>
+            </a:r>
+          </a:p>
+          <a:p>
+            <a:r>
+              <a:rPr kumimoji="1" lang="en-US" altLang="ja-JP" dirty="0"/>
+              <a:t>In training phase, that output data are inputted to "</a:t>
             </a:r>
             <a:r>
               <a:rPr kumimoji="1" lang="en-US" altLang="ja-JP" dirty="0" err="1"/>
@@ -2533,10 +2547,30 @@
             </a:r>
             <a:r>
               <a:rPr kumimoji="1" lang="en-US" altLang="ja-JP" dirty="0"/>
-              <a:t>" is applied.</a:t>
+              <a:t>“ in </a:t>
+            </a:r>
+            <a:r>
+              <a:rPr kumimoji="1" lang="en-US" altLang="ja-JP" dirty="0" err="1"/>
+              <a:t>Pytorch</a:t>
+            </a:r>
+            <a:r>
+              <a:rPr kumimoji="1" lang="en-US" altLang="ja-JP" dirty="0"/>
+              <a:t> library, and train model. !!</a:t>
             </a:r>
           </a:p>
           <a:p>
+            <a:endParaRPr kumimoji="1" lang="en-US" altLang="ja-JP" dirty="0"/>
+          </a:p>
+          <a:p>
+            <a:r>
+              <a:rPr kumimoji="1" lang="en-US" altLang="ja-JP" dirty="0"/>
+              <a:t>In the "Sigmoid layer", Sigmoid function is applied. !!</a:t>
+            </a:r>
+          </a:p>
+          <a:p>
+            <a:endParaRPr kumimoji="1" lang="en-US" altLang="ja-JP" dirty="0"/>
+          </a:p>
+          <a:p>
             <a:r>
               <a:rPr kumimoji="1" lang="en-US" altLang="ja-JP" dirty="0"/>
               <a:t>Next, we obtain one-hot vectors in the "activation layer" using the threshold </a:t>
@@ -2561,8 +2595,11 @@
             </a:r>
             <a:r>
               <a:rPr kumimoji="1" lang="en-US" altLang="ja-JP" dirty="0"/>
-              <a:t> is the threshold at which the most accuracy is achieved in the tests within the training data.</a:t>
-            </a:r>
+              <a:t> is the threshold at which the most accuracy is achieved in the tests within the training data. !!</a:t>
+            </a:r>
+          </a:p>
+          <a:p>
+            <a:endParaRPr kumimoji="1" lang="en-US" altLang="ja-JP" dirty="0"/>
           </a:p>
           <a:p>
             <a:r>
@@ -2697,7 +2734,7 @@
           <a:p>
             <a:r>
               <a:rPr kumimoji="1" lang="en-US" altLang="ja-JP" dirty="0"/>
-              <a:t>“Linear layer”</a:t>
+              <a:t>"Linear layer"</a:t>
             </a:r>
             <a:r>
               <a:rPr kumimoji="1" lang="ja-JP" altLang="en-US" dirty="0"/>
@@ -2717,7 +2754,37 @@
             </a:r>
             <a:r>
               <a:rPr kumimoji="1" lang="ja-JP" altLang="en-US" dirty="0"/>
-              <a:t>次元に圧縮する．</a:t>
+              <a:t>次元の特徴量に圧縮する。</a:t>
+            </a:r>
+          </a:p>
+          <a:p>
+            <a:r>
+              <a:rPr kumimoji="1" lang="ja-JP" altLang="en-US" dirty="0"/>
+              <a:t>訓練段階では、その出力データを</a:t>
+            </a:r>
+            <a:r>
+              <a:rPr kumimoji="1" lang="en-US" altLang="ja-JP" dirty="0" err="1"/>
+              <a:t>Pytorch</a:t>
+            </a:r>
+            <a:r>
+              <a:rPr kumimoji="1" lang="ja-JP" altLang="en-US" dirty="0"/>
+              <a:t>ライブラリの </a:t>
+            </a:r>
+            <a:r>
+              <a:rPr kumimoji="1" lang="en-US" altLang="ja-JP" dirty="0"/>
+              <a:t>"</a:t>
+            </a:r>
+            <a:r>
+              <a:rPr kumimoji="1" lang="en-US" altLang="ja-JP" dirty="0" err="1"/>
+              <a:t>BCEWithLogistsLoss</a:t>
+            </a:r>
+            <a:r>
+              <a:rPr kumimoji="1" lang="en-US" altLang="ja-JP" dirty="0"/>
+              <a:t> "</a:t>
+            </a:r>
+            <a:r>
+              <a:rPr kumimoji="1" lang="ja-JP" altLang="en-US" dirty="0"/>
+              <a:t>に入力し、モデルを訓練する。</a:t>
             </a:r>
             <a:endParaRPr kumimoji="1" lang="en-US" altLang="ja-JP" dirty="0"/>
           </a:p>
@@ -2955,15 +3022,15 @@
             </a:pPr>
             <a:r>
               <a:rPr kumimoji="1" lang="en-US" altLang="ja-JP" dirty="0"/>
-              <a:t>On the other hand, for macro activities, we apply "</a:t>
+              <a:t>On the other hand, for macro activities, !! in training phase, we apply "</a:t>
             </a:r>
             <a:r>
               <a:rPr kumimoji="1" lang="en-US" altLang="ja-JP" dirty="0" err="1"/>
-              <a:t>CrossEntropyLoss</a:t>
+              <a:t>CrossEntropyLoss“after</a:t>
             </a:r>
             <a:r>
               <a:rPr kumimoji="1" lang="en-US" altLang="ja-JP" dirty="0"/>
-              <a:t>" in the "Sigmoid layer".</a:t>
+              <a:t> the “Linear layer“, and train model. !!</a:t>
             </a:r>
           </a:p>
           <a:p>
@@ -2984,9 +3051,29 @@
               <a:tabLst/>
               <a:defRPr/>
             </a:pPr>
+            <a:endParaRPr kumimoji="1" lang="en-US" altLang="ja-JP" dirty="0"/>
+          </a:p>
+          <a:p>
+            <a:pPr marL="0" marR="0" lvl="0" indent="0" algn="l" defTabSz="914400" rtl="0" eaLnBrk="1" fontAlgn="auto" latinLnBrk="0" hangingPunct="1">
+              <a:lnSpc>
+                <a:spcPct val="100000"/>
+              </a:lnSpc>
+              <a:spcBef>
+                <a:spcPts val="0"/>
+              </a:spcBef>
+              <a:spcAft>
+                <a:spcPts val="0"/>
+              </a:spcAft>
+              <a:buClrTx/>
+              <a:buSzTx/>
+              <a:buFontTx/>
+              <a:buNone/>
+              <a:tabLst/>
+              <a:defRPr/>
+            </a:pPr>
             <a:r>
               <a:rPr kumimoji="1" lang="en-US" altLang="ja-JP" dirty="0"/>
-              <a:t>Then, the results obtained by the "Sigmoid layer" are added together and the label with the largest value is adopted.</a:t>
+              <a:t>Then, the results obtained by the "Sigmoid layer“ !! are added together and the label with the largest value is adopted.</a:t>
             </a:r>
           </a:p>
           <a:p>
@@ -3072,27 +3159,15 @@
             </a:pPr>
             <a:r>
               <a:rPr kumimoji="1" lang="ja-JP" altLang="en-US" dirty="0"/>
-              <a:t>一方，</a:t>
+              <a:t>一方、マクロ活動については、学習段階で</a:t>
             </a:r>
             <a:r>
               <a:rPr kumimoji="1" lang="en-US" altLang="ja-JP" dirty="0"/>
-              <a:t>macro</a:t>
+              <a:t>“Linear layer“</a:t>
             </a:r>
             <a:r>
               <a:rPr kumimoji="1" lang="ja-JP" altLang="en-US" dirty="0"/>
-              <a:t>活動では</a:t>
-            </a:r>
-            <a:r>
-              <a:rPr kumimoji="1" lang="en-US" altLang="ja-JP" dirty="0"/>
-              <a:t>“Sigmoid layer”</a:t>
-            </a:r>
-            <a:r>
-              <a:rPr kumimoji="1" lang="ja-JP" altLang="en-US" dirty="0"/>
-              <a:t>で</a:t>
-            </a:r>
-            <a:r>
-              <a:rPr kumimoji="1" lang="en-US" altLang="ja-JP" dirty="0"/>
-              <a:t>” </a:t>
+              <a:t>の後に</a:t>
             </a:r>
             <a:r>
               <a:rPr kumimoji="1" lang="en-US" altLang="ja-JP" dirty="0" err="1"/>
@@ -3104,9 +3179,8 @@
             </a:r>
             <a:r>
               <a:rPr kumimoji="1" lang="ja-JP" altLang="en-US" dirty="0"/>
-              <a:t>を適用する．</a:t>
-            </a:r>
-            <a:endParaRPr kumimoji="1" lang="en-US" altLang="ja-JP" dirty="0"/>
+              <a:t>を適用し、モデルを学習します。</a:t>
+            </a:r>
           </a:p>
           <a:p>
             <a:pPr marL="0" marR="0" lvl="0" indent="0" algn="l" defTabSz="914400" rtl="0" eaLnBrk="1" fontAlgn="auto" latinLnBrk="0" hangingPunct="1">
@@ -3128,17 +3202,16 @@
             </a:pPr>
             <a:r>
               <a:rPr kumimoji="1" lang="ja-JP" altLang="en-US" dirty="0"/>
-              <a:t>そして，</a:t>
+              <a:t>そして、</a:t>
             </a:r>
             <a:r>
               <a:rPr kumimoji="1" lang="en-US" altLang="ja-JP" dirty="0"/>
-              <a:t>”Sigmoid layer”</a:t>
+              <a:t>“Sigmoid layer”</a:t>
             </a:r>
             <a:r>
               <a:rPr kumimoji="1" lang="ja-JP" altLang="en-US" dirty="0"/>
-              <a:t>で得られた結果を加算し，値が最大となったラベルを採用する．</a:t>
-            </a:r>
-            <a:endParaRPr kumimoji="1" lang="en-US" altLang="ja-JP" dirty="0"/>
+              <a:t>で得られた結果を加算し、最も値の大きいラベルを採用します。</a:t>
+            </a:r>
           </a:p>
         </p:txBody>
       </p:sp>
@@ -3227,7 +3300,7 @@
               <a:rPr lang="en-US" altLang="ja-JP" sz="1800" b="0" i="0" u="none" strike="noStrike" baseline="0" dirty="0">
                 <a:latin typeface="TeXGyreTermes-Regular"/>
               </a:rPr>
-              <a:t>From these results, the average accuracy of 0.521 and 0.491 were achieved among subjects 1, 2, and 3 in leave-one-subject-out manner for micro and macro activities, respectively.</a:t>
+              <a:t>From these results, !! the average accuracy of 0.521 and 0.491 were achieved among subjects 1, 2, and 3 in leave-one-subject-out manner for micro and macro activities, respectively.</a:t>
             </a:r>
           </a:p>
           <a:p>
@@ -4229,7 +4302,7 @@
           <a:p>
             <a:fld id="{28B1BEA1-2738-4C19-B133-02ABBF3E6E0C}" type="datetime1">
               <a:rPr kumimoji="1" lang="ja-JP" altLang="en-US" smtClean="0"/>
-              <a:t>2020/8/24</a:t>
+              <a:t>2020/8/26</a:t>
             </a:fld>
             <a:endParaRPr kumimoji="1" lang="ja-JP" altLang="en-US"/>
           </a:p>
@@ -4573,7 +4646,7 @@
           <a:p>
             <a:fld id="{321A0775-4641-4FD1-8F30-8577C8E45459}" type="datetime1">
               <a:rPr kumimoji="1" lang="ja-JP" altLang="en-US" smtClean="0"/>
-              <a:t>2020/8/24</a:t>
+              <a:t>2020/8/26</a:t>
             </a:fld>
             <a:endParaRPr kumimoji="1" lang="ja-JP" altLang="en-US"/>
           </a:p>
@@ -4783,7 +4856,7 @@
           <a:p>
             <a:fld id="{1A958096-B04A-44A1-BF3F-4EF7C63AEE7F}" type="datetime1">
               <a:rPr kumimoji="1" lang="ja-JP" altLang="en-US" smtClean="0"/>
-              <a:t>2020/8/24</a:t>
+              <a:t>2020/8/26</a:t>
             </a:fld>
             <a:endParaRPr kumimoji="1" lang="ja-JP" altLang="en-US"/>
           </a:p>
@@ -4983,7 +5056,7 @@
           <a:p>
             <a:fld id="{7E4BC299-9A2B-46B3-A868-72E6088D753F}" type="datetime1">
               <a:rPr kumimoji="1" lang="ja-JP" altLang="en-US" smtClean="0"/>
-              <a:t>2020/8/24</a:t>
+              <a:t>2020/8/26</a:t>
             </a:fld>
             <a:endParaRPr kumimoji="1" lang="ja-JP" altLang="en-US"/>
           </a:p>
@@ -5381,7 +5454,7 @@
           <a:p>
             <a:fld id="{5730D93F-C6A8-45DB-973B-2E9B74BB5747}" type="datetime1">
               <a:rPr kumimoji="1" lang="ja-JP" altLang="en-US" smtClean="0"/>
-              <a:t>2020/8/24</a:t>
+              <a:t>2020/8/26</a:t>
             </a:fld>
             <a:endParaRPr kumimoji="1" lang="ja-JP" altLang="en-US"/>
           </a:p>
@@ -5674,7 +5747,7 @@
           <a:p>
             <a:fld id="{8C8FBA03-08C5-445A-9675-5DD0E048D580}" type="datetime1">
               <a:rPr kumimoji="1" lang="ja-JP" altLang="en-US" smtClean="0"/>
-              <a:t>2020/8/24</a:t>
+              <a:t>2020/8/26</a:t>
             </a:fld>
             <a:endParaRPr kumimoji="1" lang="ja-JP" altLang="en-US"/>
           </a:p>
@@ -6102,7 +6175,7 @@
           <a:p>
             <a:fld id="{F22B3BE6-F63B-45DF-9657-6FEF2EDB1F30}" type="datetime1">
               <a:rPr kumimoji="1" lang="ja-JP" altLang="en-US" smtClean="0"/>
-              <a:t>2020/8/24</a:t>
+              <a:t>2020/8/26</a:t>
             </a:fld>
             <a:endParaRPr kumimoji="1" lang="ja-JP" altLang="en-US"/>
           </a:p>
@@ -6219,7 +6292,7 @@
           <a:p>
             <a:fld id="{C1D6E599-F080-45CC-8481-C833508C9D12}" type="datetime1">
               <a:rPr kumimoji="1" lang="ja-JP" altLang="en-US" smtClean="0"/>
-              <a:t>2020/8/24</a:t>
+              <a:t>2020/8/26</a:t>
             </a:fld>
             <a:endParaRPr kumimoji="1" lang="ja-JP" altLang="en-US"/>
           </a:p>
@@ -6314,7 +6387,7 @@
           <a:p>
             <a:fld id="{7D9B8A7E-64BC-4577-982E-7EC7218FD10F}" type="datetime1">
               <a:rPr kumimoji="1" lang="ja-JP" altLang="en-US" smtClean="0"/>
-              <a:t>2020/8/24</a:t>
+              <a:t>2020/8/26</a:t>
             </a:fld>
             <a:endParaRPr kumimoji="1" lang="ja-JP" altLang="en-US"/>
           </a:p>
@@ -6621,7 +6694,7 @@
           <a:p>
             <a:fld id="{8373066C-4ED1-4359-AD45-A7DE722C8BF8}" type="datetime1">
               <a:rPr kumimoji="1" lang="ja-JP" altLang="en-US" smtClean="0"/>
-              <a:t>2020/8/24</a:t>
+              <a:t>2020/8/26</a:t>
             </a:fld>
             <a:endParaRPr kumimoji="1" lang="ja-JP" altLang="en-US"/>
           </a:p>
@@ -6873,7 +6946,7 @@
           <a:p>
             <a:fld id="{BC0FD902-686B-4A0D-9EB1-37C4F06B03EF}" type="datetime1">
               <a:rPr kumimoji="1" lang="ja-JP" altLang="en-US" smtClean="0"/>
-              <a:t>2020/8/24</a:t>
+              <a:t>2020/8/26</a:t>
             </a:fld>
             <a:endParaRPr kumimoji="1" lang="ja-JP" altLang="en-US"/>
           </a:p>
@@ -7116,7 +7189,7 @@
           <a:p>
             <a:fld id="{E90FD2C9-6400-40CA-9626-E4ED2CBDBD1C}" type="datetime1">
               <a:rPr kumimoji="1" lang="ja-JP" altLang="en-US" smtClean="0"/>
-              <a:t>2020/8/24</a:t>
+              <a:t>2020/8/26</a:t>
             </a:fld>
             <a:endParaRPr kumimoji="1" lang="ja-JP" altLang="en-US"/>
           </a:p>
@@ -7588,7 +7661,7 @@
         </p:nvSpPr>
         <p:spPr>
           <a:xfrm>
-            <a:off x="4471148" y="1933894"/>
+            <a:off x="5385546" y="1933894"/>
             <a:ext cx="6470277" cy="849646"/>
           </a:xfrm>
         </p:spPr>
@@ -7764,10 +7837,10 @@
       </p:sp>
       <p:pic>
         <p:nvPicPr>
-          <p:cNvPr id="482" name="図 481">
+          <p:cNvPr id="4" name="図 3">
             <a:extLst>
               <a:ext uri="{FF2B5EF4-FFF2-40B4-BE49-F238E27FC236}">
-                <a16:creationId xmlns:a16="http://schemas.microsoft.com/office/drawing/2014/main" id="{A0BCD33C-CF8D-467E-905C-1B946515999B}"/>
+                <a16:creationId xmlns:a16="http://schemas.microsoft.com/office/drawing/2014/main" id="{4A2E74CD-E103-4485-9887-F2DBC69AF6E1}"/>
               </a:ext>
             </a:extLst>
           </p:cNvPr>
@@ -7784,8 +7857,8 @@
         </p:blipFill>
         <p:spPr>
           <a:xfrm>
-            <a:off x="2109823" y="2540452"/>
-            <a:ext cx="7972353" cy="3864959"/>
+            <a:off x="1936564" y="2449727"/>
+            <a:ext cx="8318872" cy="4028239"/>
           </a:xfrm>
           <a:prstGeom prst="rect">
             <a:avLst/>
@@ -17647,14 +17720,14 @@
           <p:nvPr>
             <p:extLst>
               <p:ext uri="{D42A27DB-BD31-4B8C-83A1-F6EECF244321}">
-                <p14:modId xmlns:p14="http://schemas.microsoft.com/office/powerpoint/2010/main" val="3513530082"/>
+                <p14:modId xmlns:p14="http://schemas.microsoft.com/office/powerpoint/2010/main" val="3840510956"/>
               </p:ext>
             </p:extLst>
           </p:nvPr>
         </p:nvGraphicFramePr>
         <p:xfrm>
-          <a:off x="1525583" y="1764000"/>
-          <a:ext cx="9140826" cy="4352454"/>
+          <a:off x="1525583" y="1576432"/>
+          <a:ext cx="9140826" cy="4555279"/>
         </p:xfrm>
         <a:graphic>
           <a:graphicData uri="http://schemas.openxmlformats.org/drawingml/2006/table">
@@ -17677,35 +17750,35 @@
                     </a:ext>
                   </a:extLst>
                 </a:gridCol>
-                <a:gridCol w="1508145">
+                <a:gridCol w="1056285">
                   <a:extLst>
                     <a:ext uri="{9D8B030D-6E8A-4147-A177-3AD203B41FA5}">
                       <a16:colId xmlns:a16="http://schemas.microsoft.com/office/drawing/2014/main" val="3179252813"/>
                     </a:ext>
                   </a:extLst>
                 </a:gridCol>
-                <a:gridCol w="1085128">
+                <a:gridCol w="926123">
                   <a:extLst>
                     <a:ext uri="{9D8B030D-6E8A-4147-A177-3AD203B41FA5}">
                       <a16:colId xmlns:a16="http://schemas.microsoft.com/office/drawing/2014/main" val="1073528951"/>
                     </a:ext>
                   </a:extLst>
                 </a:gridCol>
-                <a:gridCol w="634524">
+                <a:gridCol w="867508">
                   <a:extLst>
                     <a:ext uri="{9D8B030D-6E8A-4147-A177-3AD203B41FA5}">
                       <a16:colId xmlns:a16="http://schemas.microsoft.com/office/drawing/2014/main" val="745145067"/>
                     </a:ext>
                   </a:extLst>
                 </a:gridCol>
-                <a:gridCol w="634524">
+                <a:gridCol w="820615">
                   <a:extLst>
                     <a:ext uri="{9D8B030D-6E8A-4147-A177-3AD203B41FA5}">
                       <a16:colId xmlns:a16="http://schemas.microsoft.com/office/drawing/2014/main" val="675967030"/>
                     </a:ext>
                   </a:extLst>
                 </a:gridCol>
-                <a:gridCol w="634524">
+                <a:gridCol w="826314">
                   <a:extLst>
                     <a:ext uri="{9D8B030D-6E8A-4147-A177-3AD203B41FA5}">
                       <a16:colId xmlns:a16="http://schemas.microsoft.com/office/drawing/2014/main" val="1927277653"/>
@@ -17742,18 +17815,21 @@
                     <a:p>
                       <a:pPr algn="ctr" fontAlgn="ctr"/>
                       <a:r>
-                        <a:rPr lang="en-US" sz="1100" u="none" strike="noStrike">
+                        <a:rPr lang="en-US" sz="1400" u="none" strike="noStrike">
                           <a:effectLst/>
+                          <a:latin typeface="Arial" panose="020B0604020202020204" pitchFamily="34" charset="0"/>
+                          <a:cs typeface="Arial" panose="020B0604020202020204" pitchFamily="34" charset="0"/>
                         </a:rPr>
                         <a:t>Subject</a:t>
                       </a:r>
-                      <a:endParaRPr lang="en-US" sz="1100" b="0" i="0" u="none" strike="noStrike">
+                      <a:endParaRPr lang="en-US" sz="1400" b="0" i="0" u="none" strike="noStrike">
                         <a:solidFill>
                           <a:srgbClr val="000000"/>
                         </a:solidFill>
                         <a:effectLst/>
-                        <a:latin typeface="Times New Roman" panose="02020603050405020304" pitchFamily="18" charset="0"/>
+                        <a:latin typeface="Arial" panose="020B0604020202020204" pitchFamily="34" charset="0"/>
                         <a:ea typeface="游ゴシック" panose="020B0400000000000000" pitchFamily="50" charset="-128"/>
+                        <a:cs typeface="Arial" panose="020B0604020202020204" pitchFamily="34" charset="0"/>
                       </a:endParaRPr>
                     </a:p>
                   </a:txBody>
@@ -17766,18 +17842,21 @@
                     <a:p>
                       <a:pPr algn="ctr" fontAlgn="ctr"/>
                       <a:r>
-                        <a:rPr lang="en-US" sz="1100" u="none" strike="noStrike">
+                        <a:rPr lang="en-US" sz="1400" u="none" strike="noStrike">
                           <a:effectLst/>
+                          <a:latin typeface="Arial" panose="020B0604020202020204" pitchFamily="34" charset="0"/>
+                          <a:cs typeface="Arial" panose="020B0604020202020204" pitchFamily="34" charset="0"/>
                         </a:rPr>
                         <a:t>Body part</a:t>
                       </a:r>
-                      <a:endParaRPr lang="en-US" sz="1100" b="0" i="0" u="none" strike="noStrike">
+                      <a:endParaRPr lang="en-US" sz="1400" b="0" i="0" u="none" strike="noStrike">
                         <a:solidFill>
                           <a:srgbClr val="000000"/>
                         </a:solidFill>
                         <a:effectLst/>
-                        <a:latin typeface="Times New Roman" panose="02020603050405020304" pitchFamily="18" charset="0"/>
+                        <a:latin typeface="Arial" panose="020B0604020202020204" pitchFamily="34" charset="0"/>
                         <a:ea typeface="游ゴシック" panose="020B0400000000000000" pitchFamily="50" charset="-128"/>
+                        <a:cs typeface="Arial" panose="020B0604020202020204" pitchFamily="34" charset="0"/>
                       </a:endParaRPr>
                     </a:p>
                   </a:txBody>
@@ -17790,18 +17869,21 @@
                     <a:p>
                       <a:pPr algn="ctr" fontAlgn="ctr"/>
                       <a:r>
-                        <a:rPr lang="en-US" sz="1100" u="none" strike="noStrike">
+                        <a:rPr lang="en-US" sz="1400" u="none" strike="noStrike">
                           <a:effectLst/>
+                          <a:latin typeface="Arial" panose="020B0604020202020204" pitchFamily="34" charset="0"/>
+                          <a:cs typeface="Arial" panose="020B0604020202020204" pitchFamily="34" charset="0"/>
                         </a:rPr>
                         <a:t># of segments</a:t>
                       </a:r>
-                      <a:endParaRPr lang="en-US" sz="1100" b="0" i="0" u="none" strike="noStrike">
+                      <a:endParaRPr lang="en-US" sz="1400" b="0" i="0" u="none" strike="noStrike">
                         <a:solidFill>
                           <a:srgbClr val="000000"/>
                         </a:solidFill>
                         <a:effectLst/>
-                        <a:latin typeface="Times New Roman" panose="02020603050405020304" pitchFamily="18" charset="0"/>
+                        <a:latin typeface="Arial" panose="020B0604020202020204" pitchFamily="34" charset="0"/>
                         <a:ea typeface="游ゴシック" panose="020B0400000000000000" pitchFamily="50" charset="-128"/>
+                        <a:cs typeface="Arial" panose="020B0604020202020204" pitchFamily="34" charset="0"/>
                       </a:endParaRPr>
                     </a:p>
                   </a:txBody>
@@ -17814,18 +17896,21 @@
                     <a:p>
                       <a:pPr algn="ctr" fontAlgn="ctr"/>
                       <a:r>
-                        <a:rPr lang="en-US" sz="1100" u="none" strike="noStrike">
+                        <a:rPr lang="en-US" sz="1400" u="none" strike="noStrike">
                           <a:effectLst/>
+                          <a:latin typeface="Arial" panose="020B0604020202020204" pitchFamily="34" charset="0"/>
+                          <a:cs typeface="Arial" panose="020B0604020202020204" pitchFamily="34" charset="0"/>
                         </a:rPr>
                         <a:t># of macro</a:t>
                       </a:r>
-                      <a:endParaRPr lang="en-US" sz="1100" b="0" i="0" u="none" strike="noStrike">
+                      <a:endParaRPr lang="en-US" sz="1400" b="0" i="0" u="none" strike="noStrike">
                         <a:solidFill>
                           <a:srgbClr val="000000"/>
                         </a:solidFill>
                         <a:effectLst/>
-                        <a:latin typeface="Times New Roman" panose="02020603050405020304" pitchFamily="18" charset="0"/>
+                        <a:latin typeface="Arial" panose="020B0604020202020204" pitchFamily="34" charset="0"/>
                         <a:ea typeface="游ゴシック" panose="020B0400000000000000" pitchFamily="50" charset="-128"/>
+                        <a:cs typeface="Arial" panose="020B0604020202020204" pitchFamily="34" charset="0"/>
                       </a:endParaRPr>
                     </a:p>
                   </a:txBody>
@@ -17838,18 +17923,21 @@
                     <a:p>
                       <a:pPr algn="ctr" fontAlgn="ctr"/>
                       <a:r>
-                        <a:rPr lang="en-US" sz="1100" u="none" strike="noStrike">
+                        <a:rPr lang="en-US" sz="1400" u="none" strike="noStrike">
                           <a:effectLst/>
+                          <a:latin typeface="Arial" panose="020B0604020202020204" pitchFamily="34" charset="0"/>
+                          <a:cs typeface="Arial" panose="020B0604020202020204" pitchFamily="34" charset="0"/>
                         </a:rPr>
                         <a:t># of micro</a:t>
                       </a:r>
-                      <a:endParaRPr lang="en-US" sz="1100" b="0" i="0" u="none" strike="noStrike">
+                      <a:endParaRPr lang="en-US" sz="1400" b="0" i="0" u="none" strike="noStrike">
                         <a:solidFill>
                           <a:srgbClr val="000000"/>
                         </a:solidFill>
                         <a:effectLst/>
-                        <a:latin typeface="Times New Roman" panose="02020603050405020304" pitchFamily="18" charset="0"/>
+                        <a:latin typeface="Arial" panose="020B0604020202020204" pitchFamily="34" charset="0"/>
                         <a:ea typeface="游ゴシック" panose="020B0400000000000000" pitchFamily="50" charset="-128"/>
+                        <a:cs typeface="Arial" panose="020B0604020202020204" pitchFamily="34" charset="0"/>
                       </a:endParaRPr>
                     </a:p>
                   </a:txBody>
@@ -17882,18 +17970,21 @@
                     <a:p>
                       <a:pPr algn="ctr" fontAlgn="ctr"/>
                       <a:r>
-                        <a:rPr lang="en-US" sz="1100" u="none" strike="noStrike">
+                        <a:rPr lang="en-US" sz="1400" u="none" strike="noStrike">
                           <a:effectLst/>
+                          <a:latin typeface="Arial" panose="020B0604020202020204" pitchFamily="34" charset="0"/>
+                          <a:cs typeface="Arial" panose="020B0604020202020204" pitchFamily="34" charset="0"/>
                         </a:rPr>
                         <a:t>Length</a:t>
                       </a:r>
-                      <a:endParaRPr lang="en-US" sz="1100" b="0" i="0" u="none" strike="noStrike">
+                      <a:endParaRPr lang="en-US" sz="1400" b="0" i="0" u="none" strike="noStrike">
                         <a:solidFill>
                           <a:srgbClr val="000000"/>
                         </a:solidFill>
                         <a:effectLst/>
-                        <a:latin typeface="Times New Roman" panose="02020603050405020304" pitchFamily="18" charset="0"/>
+                        <a:latin typeface="Arial" panose="020B0604020202020204" pitchFamily="34" charset="0"/>
                         <a:ea typeface="游ゴシック" panose="020B0400000000000000" pitchFamily="50" charset="-128"/>
+                        <a:cs typeface="Arial" panose="020B0604020202020204" pitchFamily="34" charset="0"/>
                       </a:endParaRPr>
                     </a:p>
                   </a:txBody>
@@ -17933,18 +18024,21 @@
                     <a:p>
                       <a:pPr algn="ctr" fontAlgn="ctr"/>
                       <a:r>
-                        <a:rPr lang="ja-JP" altLang="en-US" sz="1100" u="none" strike="noStrike">
+                        <a:rPr lang="ja-JP" altLang="en-US" sz="1400" u="none" strike="noStrike">
                           <a:effectLst/>
+                          <a:latin typeface="Arial" panose="020B0604020202020204" pitchFamily="34" charset="0"/>
+                          <a:cs typeface="Arial" panose="020B0604020202020204" pitchFamily="34" charset="0"/>
                         </a:rPr>
                         <a:t>　</a:t>
                       </a:r>
-                      <a:endParaRPr lang="ja-JP" altLang="en-US" sz="1100" b="0" i="0" u="none" strike="noStrike">
+                      <a:endParaRPr lang="ja-JP" altLang="en-US" sz="1400" b="0" i="0" u="none" strike="noStrike">
                         <a:solidFill>
                           <a:srgbClr val="000000"/>
                         </a:solidFill>
                         <a:effectLst/>
-                        <a:latin typeface="Times New Roman" panose="02020603050405020304" pitchFamily="18" charset="0"/>
+                        <a:latin typeface="Arial" panose="020B0604020202020204" pitchFamily="34" charset="0"/>
                         <a:ea typeface="游ゴシック" panose="020B0400000000000000" pitchFamily="50" charset="-128"/>
+                        <a:cs typeface="Arial" panose="020B0604020202020204" pitchFamily="34" charset="0"/>
                       </a:endParaRPr>
                     </a:p>
                   </a:txBody>
@@ -17957,18 +18051,21 @@
                     <a:p>
                       <a:pPr algn="ctr" fontAlgn="ctr"/>
                       <a:r>
-                        <a:rPr lang="ja-JP" altLang="en-US" sz="1100" u="none" strike="noStrike">
+                        <a:rPr lang="ja-JP" altLang="en-US" sz="1400" u="none" strike="noStrike">
                           <a:effectLst/>
+                          <a:latin typeface="Arial" panose="020B0604020202020204" pitchFamily="34" charset="0"/>
+                          <a:cs typeface="Arial" panose="020B0604020202020204" pitchFamily="34" charset="0"/>
                         </a:rPr>
                         <a:t>　</a:t>
                       </a:r>
-                      <a:endParaRPr lang="ja-JP" altLang="en-US" sz="1100" b="0" i="0" u="none" strike="noStrike">
+                      <a:endParaRPr lang="ja-JP" altLang="en-US" sz="1400" b="0" i="0" u="none" strike="noStrike">
                         <a:solidFill>
                           <a:srgbClr val="000000"/>
                         </a:solidFill>
                         <a:effectLst/>
-                        <a:latin typeface="Times New Roman" panose="02020603050405020304" pitchFamily="18" charset="0"/>
+                        <a:latin typeface="Arial" panose="020B0604020202020204" pitchFamily="34" charset="0"/>
                         <a:ea typeface="游ゴシック" panose="020B0400000000000000" pitchFamily="50" charset="-128"/>
+                        <a:cs typeface="Arial" panose="020B0604020202020204" pitchFamily="34" charset="0"/>
                       </a:endParaRPr>
                     </a:p>
                   </a:txBody>
@@ -17981,18 +18078,21 @@
                     <a:p>
                       <a:pPr algn="ctr" fontAlgn="ctr"/>
                       <a:r>
-                        <a:rPr lang="ja-JP" altLang="en-US" sz="1100" u="none" strike="noStrike">
+                        <a:rPr lang="ja-JP" altLang="en-US" sz="1400" u="none" strike="noStrike">
                           <a:effectLst/>
+                          <a:latin typeface="Arial" panose="020B0604020202020204" pitchFamily="34" charset="0"/>
+                          <a:cs typeface="Arial" panose="020B0604020202020204" pitchFamily="34" charset="0"/>
                         </a:rPr>
                         <a:t>　</a:t>
                       </a:r>
-                      <a:endParaRPr lang="ja-JP" altLang="en-US" sz="1100" b="0" i="0" u="none" strike="noStrike">
+                      <a:endParaRPr lang="ja-JP" altLang="en-US" sz="1400" b="0" i="0" u="none" strike="noStrike">
                         <a:solidFill>
                           <a:srgbClr val="000000"/>
                         </a:solidFill>
                         <a:effectLst/>
-                        <a:latin typeface="Times New Roman" panose="02020603050405020304" pitchFamily="18" charset="0"/>
+                        <a:latin typeface="Arial" panose="020B0604020202020204" pitchFamily="34" charset="0"/>
                         <a:ea typeface="游ゴシック" panose="020B0400000000000000" pitchFamily="50" charset="-128"/>
+                        <a:cs typeface="Arial" panose="020B0604020202020204" pitchFamily="34" charset="0"/>
                       </a:endParaRPr>
                     </a:p>
                   </a:txBody>
@@ -18005,18 +18105,21 @@
                     <a:p>
                       <a:pPr algn="ctr" fontAlgn="ctr"/>
                       <a:r>
-                        <a:rPr lang="ja-JP" altLang="en-US" sz="1100" u="none" strike="noStrike">
+                        <a:rPr lang="ja-JP" altLang="en-US" sz="1400" u="none" strike="noStrike">
                           <a:effectLst/>
+                          <a:latin typeface="Arial" panose="020B0604020202020204" pitchFamily="34" charset="0"/>
+                          <a:cs typeface="Arial" panose="020B0604020202020204" pitchFamily="34" charset="0"/>
                         </a:rPr>
                         <a:t>　</a:t>
                       </a:r>
-                      <a:endParaRPr lang="ja-JP" altLang="en-US" sz="1100" b="0" i="0" u="none" strike="noStrike">
+                      <a:endParaRPr lang="ja-JP" altLang="en-US" sz="1400" b="0" i="0" u="none" strike="noStrike">
                         <a:solidFill>
                           <a:srgbClr val="000000"/>
                         </a:solidFill>
                         <a:effectLst/>
-                        <a:latin typeface="Times New Roman" panose="02020603050405020304" pitchFamily="18" charset="0"/>
+                        <a:latin typeface="Arial" panose="020B0604020202020204" pitchFamily="34" charset="0"/>
                         <a:ea typeface="游ゴシック" panose="020B0400000000000000" pitchFamily="50" charset="-128"/>
+                        <a:cs typeface="Arial" panose="020B0604020202020204" pitchFamily="34" charset="0"/>
                       </a:endParaRPr>
                     </a:p>
                   </a:txBody>
@@ -18029,18 +18132,21 @@
                     <a:p>
                       <a:pPr algn="ctr" fontAlgn="ctr"/>
                       <a:r>
-                        <a:rPr lang="en-US" sz="1100" u="none" strike="noStrike">
+                        <a:rPr lang="en-US" sz="1400" u="none" strike="noStrike">
                           <a:effectLst/>
+                          <a:latin typeface="Arial" panose="020B0604020202020204" pitchFamily="34" charset="0"/>
+                          <a:cs typeface="Arial" panose="020B0604020202020204" pitchFamily="34" charset="0"/>
                         </a:rPr>
                         <a:t>max</a:t>
                       </a:r>
-                      <a:endParaRPr lang="en-US" sz="1100" b="0" i="0" u="none" strike="noStrike">
+                      <a:endParaRPr lang="en-US" sz="1400" b="0" i="0" u="none" strike="noStrike">
                         <a:solidFill>
                           <a:srgbClr val="000000"/>
                         </a:solidFill>
                         <a:effectLst/>
-                        <a:latin typeface="Times New Roman" panose="02020603050405020304" pitchFamily="18" charset="0"/>
+                        <a:latin typeface="Arial" panose="020B0604020202020204" pitchFamily="34" charset="0"/>
                         <a:ea typeface="游ゴシック" panose="020B0400000000000000" pitchFamily="50" charset="-128"/>
+                        <a:cs typeface="Arial" panose="020B0604020202020204" pitchFamily="34" charset="0"/>
                       </a:endParaRPr>
                     </a:p>
                   </a:txBody>
@@ -18053,18 +18159,21 @@
                     <a:p>
                       <a:pPr algn="ctr" fontAlgn="ctr"/>
                       <a:r>
-                        <a:rPr lang="en-US" sz="1100" u="none" strike="noStrike">
+                        <a:rPr lang="en-US" sz="1400" u="none" strike="noStrike">
                           <a:effectLst/>
+                          <a:latin typeface="Arial" panose="020B0604020202020204" pitchFamily="34" charset="0"/>
+                          <a:cs typeface="Arial" panose="020B0604020202020204" pitchFamily="34" charset="0"/>
                         </a:rPr>
                         <a:t>mean</a:t>
                       </a:r>
-                      <a:endParaRPr lang="en-US" sz="1100" b="0" i="0" u="none" strike="noStrike">
+                      <a:endParaRPr lang="en-US" sz="1400" b="0" i="0" u="none" strike="noStrike">
                         <a:solidFill>
                           <a:srgbClr val="000000"/>
                         </a:solidFill>
                         <a:effectLst/>
-                        <a:latin typeface="Times New Roman" panose="02020603050405020304" pitchFamily="18" charset="0"/>
+                        <a:latin typeface="Arial" panose="020B0604020202020204" pitchFamily="34" charset="0"/>
                         <a:ea typeface="游ゴシック" panose="020B0400000000000000" pitchFamily="50" charset="-128"/>
+                        <a:cs typeface="Arial" panose="020B0604020202020204" pitchFamily="34" charset="0"/>
                       </a:endParaRPr>
                     </a:p>
                   </a:txBody>
@@ -18077,18 +18186,21 @@
                     <a:p>
                       <a:pPr algn="ctr" fontAlgn="ctr"/>
                       <a:r>
-                        <a:rPr lang="en-US" sz="1100" u="none" strike="noStrike">
+                        <a:rPr lang="en-US" sz="1400" u="none" strike="noStrike" dirty="0">
                           <a:effectLst/>
+                          <a:latin typeface="Arial" panose="020B0604020202020204" pitchFamily="34" charset="0"/>
+                          <a:cs typeface="Arial" panose="020B0604020202020204" pitchFamily="34" charset="0"/>
                         </a:rPr>
                         <a:t>min</a:t>
                       </a:r>
-                      <a:endParaRPr lang="en-US" sz="1100" b="0" i="0" u="none" strike="noStrike">
+                      <a:endParaRPr lang="en-US" sz="1400" b="0" i="0" u="none" strike="noStrike" dirty="0">
                         <a:solidFill>
                           <a:srgbClr val="000000"/>
                         </a:solidFill>
                         <a:effectLst/>
-                        <a:latin typeface="Times New Roman" panose="02020603050405020304" pitchFamily="18" charset="0"/>
+                        <a:latin typeface="Arial" panose="020B0604020202020204" pitchFamily="34" charset="0"/>
                         <a:ea typeface="游ゴシック" panose="020B0400000000000000" pitchFamily="50" charset="-128"/>
+                        <a:cs typeface="Arial" panose="020B0604020202020204" pitchFamily="34" charset="0"/>
                       </a:endParaRPr>
                     </a:p>
                   </a:txBody>
@@ -18101,18 +18213,21 @@
                     <a:p>
                       <a:pPr algn="ctr" fontAlgn="ctr"/>
                       <a:r>
-                        <a:rPr lang="en-US" sz="1100" u="none" strike="noStrike">
+                        <a:rPr lang="en-US" sz="1400" u="none" strike="noStrike">
                           <a:effectLst/>
+                          <a:latin typeface="Arial" panose="020B0604020202020204" pitchFamily="34" charset="0"/>
+                          <a:cs typeface="Arial" panose="020B0604020202020204" pitchFamily="34" charset="0"/>
                         </a:rPr>
                         <a:t>max</a:t>
                       </a:r>
-                      <a:endParaRPr lang="en-US" sz="1100" b="0" i="0" u="none" strike="noStrike">
+                      <a:endParaRPr lang="en-US" sz="1400" b="0" i="0" u="none" strike="noStrike">
                         <a:solidFill>
                           <a:srgbClr val="000000"/>
                         </a:solidFill>
                         <a:effectLst/>
-                        <a:latin typeface="Times New Roman" panose="02020603050405020304" pitchFamily="18" charset="0"/>
+                        <a:latin typeface="Arial" panose="020B0604020202020204" pitchFamily="34" charset="0"/>
                         <a:ea typeface="游ゴシック" panose="020B0400000000000000" pitchFamily="50" charset="-128"/>
+                        <a:cs typeface="Arial" panose="020B0604020202020204" pitchFamily="34" charset="0"/>
                       </a:endParaRPr>
                     </a:p>
                   </a:txBody>
@@ -18125,18 +18240,21 @@
                     <a:p>
                       <a:pPr algn="ctr" fontAlgn="ctr"/>
                       <a:r>
-                        <a:rPr lang="en-US" sz="1100" u="none" strike="noStrike">
+                        <a:rPr lang="en-US" sz="1400" u="none" strike="noStrike">
                           <a:effectLst/>
+                          <a:latin typeface="Arial" panose="020B0604020202020204" pitchFamily="34" charset="0"/>
+                          <a:cs typeface="Arial" panose="020B0604020202020204" pitchFamily="34" charset="0"/>
                         </a:rPr>
                         <a:t>mean</a:t>
                       </a:r>
-                      <a:endParaRPr lang="en-US" sz="1100" b="0" i="0" u="none" strike="noStrike">
+                      <a:endParaRPr lang="en-US" sz="1400" b="0" i="0" u="none" strike="noStrike">
                         <a:solidFill>
                           <a:srgbClr val="000000"/>
                         </a:solidFill>
                         <a:effectLst/>
-                        <a:latin typeface="Times New Roman" panose="02020603050405020304" pitchFamily="18" charset="0"/>
+                        <a:latin typeface="Arial" panose="020B0604020202020204" pitchFamily="34" charset="0"/>
                         <a:ea typeface="游ゴシック" panose="020B0400000000000000" pitchFamily="50" charset="-128"/>
+                        <a:cs typeface="Arial" panose="020B0604020202020204" pitchFamily="34" charset="0"/>
                       </a:endParaRPr>
                     </a:p>
                   </a:txBody>
@@ -18149,18 +18267,21 @@
                     <a:p>
                       <a:pPr algn="ctr" fontAlgn="ctr"/>
                       <a:r>
-                        <a:rPr lang="en-US" sz="1100" u="none" strike="noStrike">
+                        <a:rPr lang="en-US" sz="1400" u="none" strike="noStrike">
                           <a:effectLst/>
+                          <a:latin typeface="Arial" panose="020B0604020202020204" pitchFamily="34" charset="0"/>
+                          <a:cs typeface="Arial" panose="020B0604020202020204" pitchFamily="34" charset="0"/>
                         </a:rPr>
                         <a:t>min</a:t>
                       </a:r>
-                      <a:endParaRPr lang="en-US" sz="1100" b="0" i="0" u="none" strike="noStrike">
+                      <a:endParaRPr lang="en-US" sz="1400" b="0" i="0" u="none" strike="noStrike">
                         <a:solidFill>
                           <a:srgbClr val="000000"/>
                         </a:solidFill>
                         <a:effectLst/>
-                        <a:latin typeface="Times New Roman" panose="02020603050405020304" pitchFamily="18" charset="0"/>
+                        <a:latin typeface="Arial" panose="020B0604020202020204" pitchFamily="34" charset="0"/>
                         <a:ea typeface="游ゴシック" panose="020B0400000000000000" pitchFamily="50" charset="-128"/>
+                        <a:cs typeface="Arial" panose="020B0604020202020204" pitchFamily="34" charset="0"/>
                       </a:endParaRPr>
                     </a:p>
                   </a:txBody>
@@ -18180,18 +18301,21 @@
                     <a:p>
                       <a:pPr algn="ctr" fontAlgn="ctr"/>
                       <a:r>
-                        <a:rPr lang="en-US" altLang="ja-JP" sz="1100" u="none" strike="noStrike" dirty="0">
+                        <a:rPr lang="en-US" altLang="ja-JP" sz="1400" u="none" strike="noStrike" dirty="0">
                           <a:effectLst/>
+                          <a:latin typeface="Arial" panose="020B0604020202020204" pitchFamily="34" charset="0"/>
+                          <a:cs typeface="Arial" panose="020B0604020202020204" pitchFamily="34" charset="0"/>
                         </a:rPr>
                         <a:t>1</a:t>
                       </a:r>
-                      <a:endParaRPr lang="en-US" altLang="ja-JP" sz="1100" b="0" i="0" u="none" strike="noStrike" dirty="0">
+                      <a:endParaRPr lang="en-US" altLang="ja-JP" sz="1400" b="0" i="0" u="none" strike="noStrike" dirty="0">
                         <a:solidFill>
                           <a:srgbClr val="000000"/>
                         </a:solidFill>
                         <a:effectLst/>
-                        <a:latin typeface="Times New Roman" panose="02020603050405020304" pitchFamily="18" charset="0"/>
+                        <a:latin typeface="Arial" panose="020B0604020202020204" pitchFamily="34" charset="0"/>
                         <a:ea typeface="游ゴシック" panose="020B0400000000000000" pitchFamily="50" charset="-128"/>
+                        <a:cs typeface="Arial" panose="020B0604020202020204" pitchFamily="34" charset="0"/>
                       </a:endParaRPr>
                     </a:p>
                   </a:txBody>
@@ -18204,18 +18328,21 @@
                     <a:p>
                       <a:pPr algn="ctr" fontAlgn="ctr"/>
                       <a:r>
-                        <a:rPr lang="en-US" sz="1100" u="none" strike="noStrike">
+                        <a:rPr lang="en-US" sz="1400" u="none" strike="noStrike">
                           <a:effectLst/>
+                          <a:latin typeface="Arial" panose="020B0604020202020204" pitchFamily="34" charset="0"/>
+                          <a:cs typeface="Arial" panose="020B0604020202020204" pitchFamily="34" charset="0"/>
                         </a:rPr>
                         <a:t>left hip</a:t>
                       </a:r>
-                      <a:endParaRPr lang="en-US" sz="1100" b="0" i="0" u="none" strike="noStrike">
+                      <a:endParaRPr lang="en-US" sz="1400" b="0" i="0" u="none" strike="noStrike">
                         <a:solidFill>
                           <a:srgbClr val="000000"/>
                         </a:solidFill>
                         <a:effectLst/>
-                        <a:latin typeface="Times New Roman" panose="02020603050405020304" pitchFamily="18" charset="0"/>
+                        <a:latin typeface="Arial" panose="020B0604020202020204" pitchFamily="34" charset="0"/>
                         <a:ea typeface="游ゴシック" panose="020B0400000000000000" pitchFamily="50" charset="-128"/>
+                        <a:cs typeface="Arial" panose="020B0604020202020204" pitchFamily="34" charset="0"/>
                       </a:endParaRPr>
                     </a:p>
                   </a:txBody>
@@ -18228,18 +18355,21 @@
                     <a:p>
                       <a:pPr algn="ctr" fontAlgn="ctr"/>
                       <a:r>
-                        <a:rPr lang="en-US" altLang="ja-JP" sz="1100" u="none" strike="noStrike">
+                        <a:rPr lang="en-US" altLang="ja-JP" sz="1400" u="none" strike="noStrike">
                           <a:effectLst/>
+                          <a:latin typeface="Arial" panose="020B0604020202020204" pitchFamily="34" charset="0"/>
+                          <a:cs typeface="Arial" panose="020B0604020202020204" pitchFamily="34" charset="0"/>
                         </a:rPr>
                         <a:t>80</a:t>
                       </a:r>
-                      <a:endParaRPr lang="en-US" altLang="ja-JP" sz="1100" b="0" i="0" u="none" strike="noStrike">
+                      <a:endParaRPr lang="en-US" altLang="ja-JP" sz="1400" b="0" i="0" u="none" strike="noStrike">
                         <a:solidFill>
                           <a:srgbClr val="000000"/>
                         </a:solidFill>
                         <a:effectLst/>
-                        <a:latin typeface="Times New Roman" panose="02020603050405020304" pitchFamily="18" charset="0"/>
+                        <a:latin typeface="Arial" panose="020B0604020202020204" pitchFamily="34" charset="0"/>
                         <a:ea typeface="游ゴシック" panose="020B0400000000000000" pitchFamily="50" charset="-128"/>
+                        <a:cs typeface="Arial" panose="020B0604020202020204" pitchFamily="34" charset="0"/>
                       </a:endParaRPr>
                     </a:p>
                   </a:txBody>
@@ -18252,18 +18382,21 @@
                     <a:p>
                       <a:pPr algn="ctr" fontAlgn="ctr"/>
                       <a:r>
-                        <a:rPr lang="en-US" altLang="ja-JP" sz="1100" u="none" strike="noStrike">
+                        <a:rPr lang="en-US" altLang="ja-JP" sz="1400" u="none" strike="noStrike">
                           <a:effectLst/>
+                          <a:latin typeface="Arial" panose="020B0604020202020204" pitchFamily="34" charset="0"/>
+                          <a:cs typeface="Arial" panose="020B0604020202020204" pitchFamily="34" charset="0"/>
                         </a:rPr>
                         <a:t>1</a:t>
                       </a:r>
-                      <a:endParaRPr lang="en-US" altLang="ja-JP" sz="1100" b="0" i="0" u="none" strike="noStrike">
+                      <a:endParaRPr lang="en-US" altLang="ja-JP" sz="1400" b="0" i="0" u="none" strike="noStrike">
                         <a:solidFill>
                           <a:srgbClr val="000000"/>
                         </a:solidFill>
                         <a:effectLst/>
-                        <a:latin typeface="Times New Roman" panose="02020603050405020304" pitchFamily="18" charset="0"/>
+                        <a:latin typeface="Arial" panose="020B0604020202020204" pitchFamily="34" charset="0"/>
                         <a:ea typeface="游ゴシック" panose="020B0400000000000000" pitchFamily="50" charset="-128"/>
+                        <a:cs typeface="Arial" panose="020B0604020202020204" pitchFamily="34" charset="0"/>
                       </a:endParaRPr>
                     </a:p>
                   </a:txBody>
@@ -18276,18 +18409,21 @@
                     <a:p>
                       <a:pPr algn="ctr" fontAlgn="ctr"/>
                       <a:r>
-                        <a:rPr lang="en-US" altLang="ja-JP" sz="1100" u="none" strike="noStrike">
+                        <a:rPr lang="en-US" altLang="ja-JP" sz="1400" u="none" strike="noStrike">
                           <a:effectLst/>
+                          <a:latin typeface="Arial" panose="020B0604020202020204" pitchFamily="34" charset="0"/>
+                          <a:cs typeface="Arial" panose="020B0604020202020204" pitchFamily="34" charset="0"/>
                         </a:rPr>
                         <a:t>5</a:t>
                       </a:r>
-                      <a:endParaRPr lang="en-US" altLang="ja-JP" sz="1100" b="0" i="0" u="none" strike="noStrike">
+                      <a:endParaRPr lang="en-US" altLang="ja-JP" sz="1400" b="0" i="0" u="none" strike="noStrike">
                         <a:solidFill>
                           <a:srgbClr val="000000"/>
                         </a:solidFill>
                         <a:effectLst/>
-                        <a:latin typeface="Times New Roman" panose="02020603050405020304" pitchFamily="18" charset="0"/>
+                        <a:latin typeface="Arial" panose="020B0604020202020204" pitchFamily="34" charset="0"/>
                         <a:ea typeface="游ゴシック" panose="020B0400000000000000" pitchFamily="50" charset="-128"/>
+                        <a:cs typeface="Arial" panose="020B0604020202020204" pitchFamily="34" charset="0"/>
                       </a:endParaRPr>
                     </a:p>
                   </a:txBody>
@@ -18300,18 +18436,21 @@
                     <a:p>
                       <a:pPr algn="ctr" fontAlgn="ctr"/>
                       <a:r>
-                        <a:rPr lang="en-US" altLang="ja-JP" sz="1100" u="none" strike="noStrike">
+                        <a:rPr lang="en-US" altLang="ja-JP" sz="1400" u="none" strike="noStrike" dirty="0">
                           <a:effectLst/>
+                          <a:latin typeface="Arial" panose="020B0604020202020204" pitchFamily="34" charset="0"/>
+                          <a:cs typeface="Arial" panose="020B0604020202020204" pitchFamily="34" charset="0"/>
                         </a:rPr>
                         <a:t>2.09</a:t>
                       </a:r>
-                      <a:endParaRPr lang="en-US" altLang="ja-JP" sz="1100" b="0" i="0" u="none" strike="noStrike">
+                      <a:endParaRPr lang="en-US" altLang="ja-JP" sz="1400" b="0" i="0" u="none" strike="noStrike" dirty="0">
                         <a:solidFill>
                           <a:srgbClr val="000000"/>
                         </a:solidFill>
                         <a:effectLst/>
-                        <a:latin typeface="Times New Roman" panose="02020603050405020304" pitchFamily="18" charset="0"/>
+                        <a:latin typeface="Arial" panose="020B0604020202020204" pitchFamily="34" charset="0"/>
                         <a:ea typeface="游ゴシック" panose="020B0400000000000000" pitchFamily="50" charset="-128"/>
+                        <a:cs typeface="Arial" panose="020B0604020202020204" pitchFamily="34" charset="0"/>
                       </a:endParaRPr>
                     </a:p>
                   </a:txBody>
@@ -18324,18 +18463,21 @@
                     <a:p>
                       <a:pPr algn="ctr" fontAlgn="ctr"/>
                       <a:r>
-                        <a:rPr lang="en-US" altLang="ja-JP" sz="1100" u="none" strike="noStrike">
+                        <a:rPr lang="en-US" altLang="ja-JP" sz="1400" u="none" strike="noStrike">
                           <a:effectLst/>
+                          <a:latin typeface="Arial" panose="020B0604020202020204" pitchFamily="34" charset="0"/>
+                          <a:cs typeface="Arial" panose="020B0604020202020204" pitchFamily="34" charset="0"/>
                         </a:rPr>
                         <a:t>1</a:t>
                       </a:r>
-                      <a:endParaRPr lang="en-US" altLang="ja-JP" sz="1100" b="0" i="0" u="none" strike="noStrike">
+                      <a:endParaRPr lang="en-US" altLang="ja-JP" sz="1400" b="0" i="0" u="none" strike="noStrike">
                         <a:solidFill>
                           <a:srgbClr val="000000"/>
                         </a:solidFill>
                         <a:effectLst/>
-                        <a:latin typeface="Times New Roman" panose="02020603050405020304" pitchFamily="18" charset="0"/>
+                        <a:latin typeface="Arial" panose="020B0604020202020204" pitchFamily="34" charset="0"/>
                         <a:ea typeface="游ゴシック" panose="020B0400000000000000" pitchFamily="50" charset="-128"/>
+                        <a:cs typeface="Arial" panose="020B0604020202020204" pitchFamily="34" charset="0"/>
                       </a:endParaRPr>
                     </a:p>
                   </a:txBody>
@@ -18348,18 +18490,21 @@
                     <a:p>
                       <a:pPr algn="ctr" fontAlgn="ctr"/>
                       <a:r>
-                        <a:rPr lang="en-US" altLang="ja-JP" sz="1100" u="none" strike="noStrike">
+                        <a:rPr lang="en-US" altLang="ja-JP" sz="1400" u="none" strike="noStrike">
                           <a:effectLst/>
+                          <a:latin typeface="Arial" panose="020B0604020202020204" pitchFamily="34" charset="0"/>
+                          <a:cs typeface="Arial" panose="020B0604020202020204" pitchFamily="34" charset="0"/>
                         </a:rPr>
                         <a:t>159</a:t>
                       </a:r>
-                      <a:endParaRPr lang="en-US" altLang="ja-JP" sz="1100" b="0" i="0" u="none" strike="noStrike">
+                      <a:endParaRPr lang="en-US" altLang="ja-JP" sz="1400" b="0" i="0" u="none" strike="noStrike">
                         <a:solidFill>
                           <a:srgbClr val="000000"/>
                         </a:solidFill>
                         <a:effectLst/>
-                        <a:latin typeface="Times New Roman" panose="02020603050405020304" pitchFamily="18" charset="0"/>
+                        <a:latin typeface="Arial" panose="020B0604020202020204" pitchFamily="34" charset="0"/>
                         <a:ea typeface="游ゴシック" panose="020B0400000000000000" pitchFamily="50" charset="-128"/>
+                        <a:cs typeface="Arial" panose="020B0604020202020204" pitchFamily="34" charset="0"/>
                       </a:endParaRPr>
                     </a:p>
                   </a:txBody>
@@ -18372,18 +18517,21 @@
                     <a:p>
                       <a:pPr algn="ctr" fontAlgn="ctr"/>
                       <a:r>
-                        <a:rPr lang="en-US" altLang="ja-JP" sz="1100" u="none" strike="noStrike">
+                        <a:rPr lang="en-US" altLang="ja-JP" sz="1400" u="none" strike="noStrike">
                           <a:effectLst/>
+                          <a:latin typeface="Arial" panose="020B0604020202020204" pitchFamily="34" charset="0"/>
+                          <a:cs typeface="Arial" panose="020B0604020202020204" pitchFamily="34" charset="0"/>
                         </a:rPr>
                         <a:t>131.9</a:t>
                       </a:r>
-                      <a:endParaRPr lang="en-US" altLang="ja-JP" sz="1100" b="0" i="0" u="none" strike="noStrike">
+                      <a:endParaRPr lang="en-US" altLang="ja-JP" sz="1400" b="0" i="0" u="none" strike="noStrike">
                         <a:solidFill>
                           <a:srgbClr val="000000"/>
                         </a:solidFill>
                         <a:effectLst/>
-                        <a:latin typeface="Times New Roman" panose="02020603050405020304" pitchFamily="18" charset="0"/>
+                        <a:latin typeface="Arial" panose="020B0604020202020204" pitchFamily="34" charset="0"/>
                         <a:ea typeface="游ゴシック" panose="020B0400000000000000" pitchFamily="50" charset="-128"/>
+                        <a:cs typeface="Arial" panose="020B0604020202020204" pitchFamily="34" charset="0"/>
                       </a:endParaRPr>
                     </a:p>
                   </a:txBody>
@@ -18396,18 +18544,21 @@
                     <a:p>
                       <a:pPr algn="ctr" fontAlgn="ctr"/>
                       <a:r>
-                        <a:rPr lang="en-US" altLang="ja-JP" sz="1100" u="none" strike="noStrike">
+                        <a:rPr lang="en-US" altLang="ja-JP" sz="1400" u="none" strike="noStrike">
                           <a:effectLst/>
+                          <a:latin typeface="Arial" panose="020B0604020202020204" pitchFamily="34" charset="0"/>
+                          <a:cs typeface="Arial" panose="020B0604020202020204" pitchFamily="34" charset="0"/>
                         </a:rPr>
                         <a:t>1</a:t>
                       </a:r>
-                      <a:endParaRPr lang="en-US" altLang="ja-JP" sz="1100" b="0" i="0" u="none" strike="noStrike">
+                      <a:endParaRPr lang="en-US" altLang="ja-JP" sz="1400" b="0" i="0" u="none" strike="noStrike">
                         <a:solidFill>
                           <a:srgbClr val="000000"/>
                         </a:solidFill>
                         <a:effectLst/>
-                        <a:latin typeface="Times New Roman" panose="02020603050405020304" pitchFamily="18" charset="0"/>
+                        <a:latin typeface="Arial" panose="020B0604020202020204" pitchFamily="34" charset="0"/>
                         <a:ea typeface="游ゴシック" panose="020B0400000000000000" pitchFamily="50" charset="-128"/>
+                        <a:cs typeface="Arial" panose="020B0604020202020204" pitchFamily="34" charset="0"/>
                       </a:endParaRPr>
                     </a:p>
                   </a:txBody>
@@ -18437,18 +18588,21 @@
                     <a:p>
                       <a:pPr algn="ctr" fontAlgn="ctr"/>
                       <a:r>
-                        <a:rPr lang="en-US" sz="1100" u="none" strike="noStrike">
+                        <a:rPr lang="en-US" sz="1400" u="none" strike="noStrike">
                           <a:effectLst/>
+                          <a:latin typeface="Arial" panose="020B0604020202020204" pitchFamily="34" charset="0"/>
+                          <a:cs typeface="Arial" panose="020B0604020202020204" pitchFamily="34" charset="0"/>
                         </a:rPr>
                         <a:t>left wrist</a:t>
                       </a:r>
-                      <a:endParaRPr lang="en-US" sz="1100" b="0" i="0" u="none" strike="noStrike">
+                      <a:endParaRPr lang="en-US" sz="1400" b="0" i="0" u="none" strike="noStrike">
                         <a:solidFill>
                           <a:srgbClr val="000000"/>
                         </a:solidFill>
                         <a:effectLst/>
-                        <a:latin typeface="Times New Roman" panose="02020603050405020304" pitchFamily="18" charset="0"/>
+                        <a:latin typeface="Arial" panose="020B0604020202020204" pitchFamily="34" charset="0"/>
                         <a:ea typeface="游ゴシック" panose="020B0400000000000000" pitchFamily="50" charset="-128"/>
+                        <a:cs typeface="Arial" panose="020B0604020202020204" pitchFamily="34" charset="0"/>
                       </a:endParaRPr>
                     </a:p>
                   </a:txBody>
@@ -18511,18 +18665,21 @@
                     <a:p>
                       <a:pPr algn="ctr" fontAlgn="ctr"/>
                       <a:r>
-                        <a:rPr lang="en-US" altLang="ja-JP" sz="1100" u="none" strike="noStrike">
+                        <a:rPr lang="en-US" altLang="ja-JP" sz="1400" u="none" strike="noStrike">
                           <a:effectLst/>
+                          <a:latin typeface="Arial" panose="020B0604020202020204" pitchFamily="34" charset="0"/>
+                          <a:cs typeface="Arial" panose="020B0604020202020204" pitchFamily="34" charset="0"/>
                         </a:rPr>
                         <a:t>8191</a:t>
                       </a:r>
-                      <a:endParaRPr lang="en-US" altLang="ja-JP" sz="1100" b="0" i="0" u="none" strike="noStrike">
+                      <a:endParaRPr lang="en-US" altLang="ja-JP" sz="1400" b="0" i="0" u="none" strike="noStrike">
                         <a:solidFill>
                           <a:srgbClr val="000000"/>
                         </a:solidFill>
                         <a:effectLst/>
-                        <a:latin typeface="Times New Roman" panose="02020603050405020304" pitchFamily="18" charset="0"/>
+                        <a:latin typeface="Arial" panose="020B0604020202020204" pitchFamily="34" charset="0"/>
                         <a:ea typeface="游ゴシック" panose="020B0400000000000000" pitchFamily="50" charset="-128"/>
+                        <a:cs typeface="Arial" panose="020B0604020202020204" pitchFamily="34" charset="0"/>
                       </a:endParaRPr>
                     </a:p>
                   </a:txBody>
@@ -18535,18 +18692,21 @@
                     <a:p>
                       <a:pPr algn="ctr" fontAlgn="ctr"/>
                       <a:r>
-                        <a:rPr lang="en-US" altLang="ja-JP" sz="1100" u="none" strike="noStrike">
+                        <a:rPr lang="en-US" altLang="ja-JP" sz="1400" u="none" strike="noStrike">
                           <a:effectLst/>
+                          <a:latin typeface="Arial" panose="020B0604020202020204" pitchFamily="34" charset="0"/>
+                          <a:cs typeface="Arial" panose="020B0604020202020204" pitchFamily="34" charset="0"/>
                         </a:rPr>
                         <a:t>2945</a:t>
                       </a:r>
-                      <a:endParaRPr lang="en-US" altLang="ja-JP" sz="1100" b="0" i="0" u="none" strike="noStrike">
+                      <a:endParaRPr lang="en-US" altLang="ja-JP" sz="1400" b="0" i="0" u="none" strike="noStrike">
                         <a:solidFill>
                           <a:srgbClr val="000000"/>
                         </a:solidFill>
                         <a:effectLst/>
-                        <a:latin typeface="Times New Roman" panose="02020603050405020304" pitchFamily="18" charset="0"/>
+                        <a:latin typeface="Arial" panose="020B0604020202020204" pitchFamily="34" charset="0"/>
                         <a:ea typeface="游ゴシック" panose="020B0400000000000000" pitchFamily="50" charset="-128"/>
+                        <a:cs typeface="Arial" panose="020B0604020202020204" pitchFamily="34" charset="0"/>
                       </a:endParaRPr>
                     </a:p>
                   </a:txBody>
@@ -18559,18 +18719,21 @@
                     <a:p>
                       <a:pPr algn="ctr" fontAlgn="ctr"/>
                       <a:r>
-                        <a:rPr lang="en-US" altLang="ja-JP" sz="1100" u="none" strike="noStrike">
+                        <a:rPr lang="en-US" altLang="ja-JP" sz="1400" u="none" strike="noStrike">
                           <a:effectLst/>
+                          <a:latin typeface="Arial" panose="020B0604020202020204" pitchFamily="34" charset="0"/>
+                          <a:cs typeface="Arial" panose="020B0604020202020204" pitchFamily="34" charset="0"/>
                         </a:rPr>
                         <a:t>0</a:t>
                       </a:r>
-                      <a:endParaRPr lang="en-US" altLang="ja-JP" sz="1100" b="0" i="0" u="none" strike="noStrike">
+                      <a:endParaRPr lang="en-US" altLang="ja-JP" sz="1400" b="0" i="0" u="none" strike="noStrike">
                         <a:solidFill>
                           <a:srgbClr val="000000"/>
                         </a:solidFill>
                         <a:effectLst/>
-                        <a:latin typeface="Times New Roman" panose="02020603050405020304" pitchFamily="18" charset="0"/>
+                        <a:latin typeface="Arial" panose="020B0604020202020204" pitchFamily="34" charset="0"/>
                         <a:ea typeface="游ゴシック" panose="020B0400000000000000" pitchFamily="50" charset="-128"/>
+                        <a:cs typeface="Arial" panose="020B0604020202020204" pitchFamily="34" charset="0"/>
                       </a:endParaRPr>
                     </a:p>
                   </a:txBody>
@@ -18600,18 +18763,21 @@
                     <a:p>
                       <a:pPr algn="ctr" fontAlgn="ctr"/>
                       <a:r>
-                        <a:rPr lang="en-US" sz="1100" u="none" strike="noStrike">
+                        <a:rPr lang="en-US" sz="1400" u="none" strike="noStrike">
                           <a:effectLst/>
+                          <a:latin typeface="Arial" panose="020B0604020202020204" pitchFamily="34" charset="0"/>
+                          <a:cs typeface="Arial" panose="020B0604020202020204" pitchFamily="34" charset="0"/>
                         </a:rPr>
                         <a:t>right arm</a:t>
                       </a:r>
-                      <a:endParaRPr lang="en-US" sz="1100" b="0" i="0" u="none" strike="noStrike">
+                      <a:endParaRPr lang="en-US" sz="1400" b="0" i="0" u="none" strike="noStrike">
                         <a:solidFill>
                           <a:srgbClr val="000000"/>
                         </a:solidFill>
                         <a:effectLst/>
-                        <a:latin typeface="Times New Roman" panose="02020603050405020304" pitchFamily="18" charset="0"/>
+                        <a:latin typeface="Arial" panose="020B0604020202020204" pitchFamily="34" charset="0"/>
                         <a:ea typeface="游ゴシック" panose="020B0400000000000000" pitchFamily="50" charset="-128"/>
+                        <a:cs typeface="Arial" panose="020B0604020202020204" pitchFamily="34" charset="0"/>
                       </a:endParaRPr>
                     </a:p>
                   </a:txBody>
@@ -18674,18 +18840,21 @@
                     <a:p>
                       <a:pPr algn="ctr" fontAlgn="ctr"/>
                       <a:r>
-                        <a:rPr lang="en-US" altLang="ja-JP" sz="1100" u="none" strike="noStrike">
+                        <a:rPr lang="en-US" altLang="ja-JP" sz="1400" u="none" strike="noStrike">
                           <a:effectLst/>
+                          <a:latin typeface="Arial" panose="020B0604020202020204" pitchFamily="34" charset="0"/>
+                          <a:cs typeface="Arial" panose="020B0604020202020204" pitchFamily="34" charset="0"/>
                         </a:rPr>
                         <a:t>1470</a:t>
                       </a:r>
-                      <a:endParaRPr lang="en-US" altLang="ja-JP" sz="1100" b="0" i="0" u="none" strike="noStrike">
+                      <a:endParaRPr lang="en-US" altLang="ja-JP" sz="1400" b="0" i="0" u="none" strike="noStrike">
                         <a:solidFill>
                           <a:srgbClr val="000000"/>
                         </a:solidFill>
                         <a:effectLst/>
-                        <a:latin typeface="Times New Roman" panose="02020603050405020304" pitchFamily="18" charset="0"/>
+                        <a:latin typeface="Arial" panose="020B0604020202020204" pitchFamily="34" charset="0"/>
                         <a:ea typeface="游ゴシック" panose="020B0400000000000000" pitchFamily="50" charset="-128"/>
+                        <a:cs typeface="Arial" panose="020B0604020202020204" pitchFamily="34" charset="0"/>
                       </a:endParaRPr>
                     </a:p>
                   </a:txBody>
@@ -18698,18 +18867,21 @@
                     <a:p>
                       <a:pPr algn="ctr" fontAlgn="ctr"/>
                       <a:r>
-                        <a:rPr lang="en-US" altLang="ja-JP" sz="1100" u="none" strike="noStrike">
+                        <a:rPr lang="en-US" altLang="ja-JP" sz="1400" u="none" strike="noStrike">
                           <a:effectLst/>
+                          <a:latin typeface="Arial" panose="020B0604020202020204" pitchFamily="34" charset="0"/>
+                          <a:cs typeface="Arial" panose="020B0604020202020204" pitchFamily="34" charset="0"/>
                         </a:rPr>
                         <a:t>1309</a:t>
                       </a:r>
-                      <a:endParaRPr lang="en-US" altLang="ja-JP" sz="1100" b="0" i="0" u="none" strike="noStrike">
+                      <a:endParaRPr lang="en-US" altLang="ja-JP" sz="1400" b="0" i="0" u="none" strike="noStrike">
                         <a:solidFill>
                           <a:srgbClr val="000000"/>
                         </a:solidFill>
                         <a:effectLst/>
-                        <a:latin typeface="Times New Roman" panose="02020603050405020304" pitchFamily="18" charset="0"/>
+                        <a:latin typeface="Arial" panose="020B0604020202020204" pitchFamily="34" charset="0"/>
                         <a:ea typeface="游ゴシック" panose="020B0400000000000000" pitchFamily="50" charset="-128"/>
+                        <a:cs typeface="Arial" panose="020B0604020202020204" pitchFamily="34" charset="0"/>
                       </a:endParaRPr>
                     </a:p>
                   </a:txBody>
@@ -18722,18 +18894,21 @@
                     <a:p>
                       <a:pPr algn="ctr" fontAlgn="ctr"/>
                       <a:r>
-                        <a:rPr lang="en-US" altLang="ja-JP" sz="1100" u="none" strike="noStrike">
+                        <a:rPr lang="en-US" altLang="ja-JP" sz="1400" u="none" strike="noStrike">
                           <a:effectLst/>
+                          <a:latin typeface="Arial" panose="020B0604020202020204" pitchFamily="34" charset="0"/>
+                          <a:cs typeface="Arial" panose="020B0604020202020204" pitchFamily="34" charset="0"/>
                         </a:rPr>
                         <a:t>8</a:t>
                       </a:r>
-                      <a:endParaRPr lang="en-US" altLang="ja-JP" sz="1100" b="0" i="0" u="none" strike="noStrike">
+                      <a:endParaRPr lang="en-US" altLang="ja-JP" sz="1400" b="0" i="0" u="none" strike="noStrike">
                         <a:solidFill>
                           <a:srgbClr val="000000"/>
                         </a:solidFill>
                         <a:effectLst/>
-                        <a:latin typeface="Times New Roman" panose="02020603050405020304" pitchFamily="18" charset="0"/>
+                        <a:latin typeface="Arial" panose="020B0604020202020204" pitchFamily="34" charset="0"/>
                         <a:ea typeface="游ゴシック" panose="020B0400000000000000" pitchFamily="50" charset="-128"/>
+                        <a:cs typeface="Arial" panose="020B0604020202020204" pitchFamily="34" charset="0"/>
                       </a:endParaRPr>
                     </a:p>
                   </a:txBody>
@@ -18763,18 +18938,21 @@
                     <a:p>
                       <a:pPr algn="ctr" fontAlgn="ctr"/>
                       <a:r>
-                        <a:rPr lang="en-US" sz="1100" u="none" strike="noStrike">
+                        <a:rPr lang="en-US" sz="1400" u="none" strike="noStrike">
                           <a:effectLst/>
+                          <a:latin typeface="Arial" panose="020B0604020202020204" pitchFamily="34" charset="0"/>
+                          <a:cs typeface="Arial" panose="020B0604020202020204" pitchFamily="34" charset="0"/>
                         </a:rPr>
                         <a:t>right wrist</a:t>
                       </a:r>
-                      <a:endParaRPr lang="en-US" sz="1100" b="0" i="0" u="none" strike="noStrike">
+                      <a:endParaRPr lang="en-US" sz="1400" b="0" i="0" u="none" strike="noStrike">
                         <a:solidFill>
                           <a:srgbClr val="000000"/>
                         </a:solidFill>
                         <a:effectLst/>
-                        <a:latin typeface="Times New Roman" panose="02020603050405020304" pitchFamily="18" charset="0"/>
+                        <a:latin typeface="Arial" panose="020B0604020202020204" pitchFamily="34" charset="0"/>
                         <a:ea typeface="游ゴシック" panose="020B0400000000000000" pitchFamily="50" charset="-128"/>
+                        <a:cs typeface="Arial" panose="020B0604020202020204" pitchFamily="34" charset="0"/>
                       </a:endParaRPr>
                     </a:p>
                   </a:txBody>
@@ -18837,18 +19015,21 @@
                     <a:p>
                       <a:pPr algn="ctr" fontAlgn="ctr"/>
                       <a:r>
-                        <a:rPr lang="en-US" altLang="ja-JP" sz="1100" u="none" strike="noStrike">
+                        <a:rPr lang="en-US" altLang="ja-JP" sz="1400" u="none" strike="noStrike">
                           <a:effectLst/>
+                          <a:latin typeface="Arial" panose="020B0604020202020204" pitchFamily="34" charset="0"/>
+                          <a:cs typeface="Arial" panose="020B0604020202020204" pitchFamily="34" charset="0"/>
                         </a:rPr>
                         <a:t>8257</a:t>
                       </a:r>
-                      <a:endParaRPr lang="en-US" altLang="ja-JP" sz="1100" b="0" i="0" u="none" strike="noStrike">
+                      <a:endParaRPr lang="en-US" altLang="ja-JP" sz="1400" b="0" i="0" u="none" strike="noStrike">
                         <a:solidFill>
                           <a:srgbClr val="000000"/>
                         </a:solidFill>
                         <a:effectLst/>
-                        <a:latin typeface="Times New Roman" panose="02020603050405020304" pitchFamily="18" charset="0"/>
+                        <a:latin typeface="Arial" panose="020B0604020202020204" pitchFamily="34" charset="0"/>
                         <a:ea typeface="游ゴシック" panose="020B0400000000000000" pitchFamily="50" charset="-128"/>
+                        <a:cs typeface="Arial" panose="020B0604020202020204" pitchFamily="34" charset="0"/>
                       </a:endParaRPr>
                     </a:p>
                   </a:txBody>
@@ -18861,18 +19042,21 @@
                     <a:p>
                       <a:pPr algn="ctr" fontAlgn="ctr"/>
                       <a:r>
-                        <a:rPr lang="en-US" altLang="ja-JP" sz="1100" u="none" strike="noStrike">
+                        <a:rPr lang="en-US" altLang="ja-JP" sz="1400" u="none" strike="noStrike" dirty="0">
                           <a:effectLst/>
+                          <a:latin typeface="Arial" panose="020B0604020202020204" pitchFamily="34" charset="0"/>
+                          <a:cs typeface="Arial" panose="020B0604020202020204" pitchFamily="34" charset="0"/>
                         </a:rPr>
                         <a:t>4484</a:t>
                       </a:r>
-                      <a:endParaRPr lang="en-US" altLang="ja-JP" sz="1100" b="0" i="0" u="none" strike="noStrike">
+                      <a:endParaRPr lang="en-US" altLang="ja-JP" sz="1400" b="0" i="0" u="none" strike="noStrike" dirty="0">
                         <a:solidFill>
                           <a:srgbClr val="000000"/>
                         </a:solidFill>
                         <a:effectLst/>
-                        <a:latin typeface="Times New Roman" panose="02020603050405020304" pitchFamily="18" charset="0"/>
+                        <a:latin typeface="Arial" panose="020B0604020202020204" pitchFamily="34" charset="0"/>
                         <a:ea typeface="游ゴシック" panose="020B0400000000000000" pitchFamily="50" charset="-128"/>
+                        <a:cs typeface="Arial" panose="020B0604020202020204" pitchFamily="34" charset="0"/>
                       </a:endParaRPr>
                     </a:p>
                   </a:txBody>
@@ -18885,18 +19069,21 @@
                     <a:p>
                       <a:pPr algn="ctr" fontAlgn="ctr"/>
                       <a:r>
-                        <a:rPr lang="en-US" altLang="ja-JP" sz="1100" u="none" strike="noStrike">
+                        <a:rPr lang="en-US" altLang="ja-JP" sz="1400" u="none" strike="noStrike">
                           <a:effectLst/>
+                          <a:latin typeface="Arial" panose="020B0604020202020204" pitchFamily="34" charset="0"/>
+                          <a:cs typeface="Arial" panose="020B0604020202020204" pitchFamily="34" charset="0"/>
                         </a:rPr>
                         <a:t>0</a:t>
                       </a:r>
-                      <a:endParaRPr lang="en-US" altLang="ja-JP" sz="1100" b="0" i="0" u="none" strike="noStrike">
+                      <a:endParaRPr lang="en-US" altLang="ja-JP" sz="1400" b="0" i="0" u="none" strike="noStrike">
                         <a:solidFill>
                           <a:srgbClr val="000000"/>
                         </a:solidFill>
                         <a:effectLst/>
-                        <a:latin typeface="Times New Roman" panose="02020603050405020304" pitchFamily="18" charset="0"/>
+                        <a:latin typeface="Arial" panose="020B0604020202020204" pitchFamily="34" charset="0"/>
                         <a:ea typeface="游ゴシック" panose="020B0400000000000000" pitchFamily="50" charset="-128"/>
+                        <a:cs typeface="Arial" panose="020B0604020202020204" pitchFamily="34" charset="0"/>
                       </a:endParaRPr>
                     </a:p>
                   </a:txBody>
@@ -18916,18 +19103,21 @@
                     <a:p>
                       <a:pPr algn="ctr" fontAlgn="ctr"/>
                       <a:r>
-                        <a:rPr lang="en-US" altLang="ja-JP" sz="1100" u="none" strike="noStrike">
+                        <a:rPr lang="en-US" altLang="ja-JP" sz="1400" u="none" strike="noStrike">
                           <a:effectLst/>
+                          <a:latin typeface="Arial" panose="020B0604020202020204" pitchFamily="34" charset="0"/>
+                          <a:cs typeface="Arial" panose="020B0604020202020204" pitchFamily="34" charset="0"/>
                         </a:rPr>
                         <a:t>2</a:t>
                       </a:r>
-                      <a:endParaRPr lang="en-US" altLang="ja-JP" sz="1100" b="0" i="0" u="none" strike="noStrike">
+                      <a:endParaRPr lang="en-US" altLang="ja-JP" sz="1400" b="0" i="0" u="none" strike="noStrike">
                         <a:solidFill>
                           <a:srgbClr val="000000"/>
                         </a:solidFill>
                         <a:effectLst/>
-                        <a:latin typeface="Times New Roman" panose="02020603050405020304" pitchFamily="18" charset="0"/>
+                        <a:latin typeface="Arial" panose="020B0604020202020204" pitchFamily="34" charset="0"/>
                         <a:ea typeface="游ゴシック" panose="020B0400000000000000" pitchFamily="50" charset="-128"/>
+                        <a:cs typeface="Arial" panose="020B0604020202020204" pitchFamily="34" charset="0"/>
                       </a:endParaRPr>
                     </a:p>
                   </a:txBody>
@@ -18940,18 +19130,21 @@
                     <a:p>
                       <a:pPr algn="ctr" fontAlgn="ctr"/>
                       <a:r>
-                        <a:rPr lang="en-US" sz="1100" u="none" strike="noStrike">
+                        <a:rPr lang="en-US" sz="1400" u="none" strike="noStrike">
                           <a:effectLst/>
+                          <a:latin typeface="Arial" panose="020B0604020202020204" pitchFamily="34" charset="0"/>
+                          <a:cs typeface="Arial" panose="020B0604020202020204" pitchFamily="34" charset="0"/>
                         </a:rPr>
                         <a:t>left hip</a:t>
                       </a:r>
-                      <a:endParaRPr lang="en-US" sz="1100" b="0" i="0" u="none" strike="noStrike">
+                      <a:endParaRPr lang="en-US" sz="1400" b="0" i="0" u="none" strike="noStrike">
                         <a:solidFill>
                           <a:srgbClr val="000000"/>
                         </a:solidFill>
                         <a:effectLst/>
-                        <a:latin typeface="Times New Roman" panose="02020603050405020304" pitchFamily="18" charset="0"/>
+                        <a:latin typeface="Arial" panose="020B0604020202020204" pitchFamily="34" charset="0"/>
                         <a:ea typeface="游ゴシック" panose="020B0400000000000000" pitchFamily="50" charset="-128"/>
+                        <a:cs typeface="Arial" panose="020B0604020202020204" pitchFamily="34" charset="0"/>
                       </a:endParaRPr>
                     </a:p>
                   </a:txBody>
@@ -18964,18 +19157,21 @@
                     <a:p>
                       <a:pPr algn="ctr" fontAlgn="ctr"/>
                       <a:r>
-                        <a:rPr lang="en-US" altLang="ja-JP" sz="1100" u="none" strike="noStrike">
+                        <a:rPr lang="en-US" altLang="ja-JP" sz="1400" u="none" strike="noStrike">
                           <a:effectLst/>
+                          <a:latin typeface="Arial" panose="020B0604020202020204" pitchFamily="34" charset="0"/>
+                          <a:cs typeface="Arial" panose="020B0604020202020204" pitchFamily="34" charset="0"/>
                         </a:rPr>
                         <a:t>105</a:t>
                       </a:r>
-                      <a:endParaRPr lang="en-US" altLang="ja-JP" sz="1100" b="0" i="0" u="none" strike="noStrike">
+                      <a:endParaRPr lang="en-US" altLang="ja-JP" sz="1400" b="0" i="0" u="none" strike="noStrike">
                         <a:solidFill>
                           <a:srgbClr val="000000"/>
                         </a:solidFill>
                         <a:effectLst/>
-                        <a:latin typeface="Times New Roman" panose="02020603050405020304" pitchFamily="18" charset="0"/>
+                        <a:latin typeface="Arial" panose="020B0604020202020204" pitchFamily="34" charset="0"/>
                         <a:ea typeface="游ゴシック" panose="020B0400000000000000" pitchFamily="50" charset="-128"/>
+                        <a:cs typeface="Arial" panose="020B0604020202020204" pitchFamily="34" charset="0"/>
                       </a:endParaRPr>
                     </a:p>
                   </a:txBody>
@@ -18988,18 +19184,21 @@
                     <a:p>
                       <a:pPr algn="ctr" fontAlgn="ctr"/>
                       <a:r>
-                        <a:rPr lang="en-US" altLang="ja-JP" sz="1100" u="none" strike="noStrike">
+                        <a:rPr lang="en-US" altLang="ja-JP" sz="1400" u="none" strike="noStrike">
                           <a:effectLst/>
+                          <a:latin typeface="Arial" panose="020B0604020202020204" pitchFamily="34" charset="0"/>
+                          <a:cs typeface="Arial" panose="020B0604020202020204" pitchFamily="34" charset="0"/>
                         </a:rPr>
                         <a:t>1</a:t>
                       </a:r>
-                      <a:endParaRPr lang="en-US" altLang="ja-JP" sz="1100" b="0" i="0" u="none" strike="noStrike">
+                      <a:endParaRPr lang="en-US" altLang="ja-JP" sz="1400" b="0" i="0" u="none" strike="noStrike">
                         <a:solidFill>
                           <a:srgbClr val="000000"/>
                         </a:solidFill>
                         <a:effectLst/>
-                        <a:latin typeface="Times New Roman" panose="02020603050405020304" pitchFamily="18" charset="0"/>
+                        <a:latin typeface="Arial" panose="020B0604020202020204" pitchFamily="34" charset="0"/>
                         <a:ea typeface="游ゴシック" panose="020B0400000000000000" pitchFamily="50" charset="-128"/>
+                        <a:cs typeface="Arial" panose="020B0604020202020204" pitchFamily="34" charset="0"/>
                       </a:endParaRPr>
                     </a:p>
                   </a:txBody>
@@ -19012,18 +19211,21 @@
                     <a:p>
                       <a:pPr algn="ctr" fontAlgn="ctr"/>
                       <a:r>
-                        <a:rPr lang="en-US" altLang="ja-JP" sz="1100" u="none" strike="noStrike">
+                        <a:rPr lang="en-US" altLang="ja-JP" sz="1400" u="none" strike="noStrike" dirty="0">
                           <a:effectLst/>
+                          <a:latin typeface="Arial" panose="020B0604020202020204" pitchFamily="34" charset="0"/>
+                          <a:cs typeface="Arial" panose="020B0604020202020204" pitchFamily="34" charset="0"/>
                         </a:rPr>
                         <a:t>6</a:t>
                       </a:r>
-                      <a:endParaRPr lang="en-US" altLang="ja-JP" sz="1100" b="0" i="0" u="none" strike="noStrike">
+                      <a:endParaRPr lang="en-US" altLang="ja-JP" sz="1400" b="0" i="0" u="none" strike="noStrike" dirty="0">
                         <a:solidFill>
                           <a:srgbClr val="000000"/>
                         </a:solidFill>
                         <a:effectLst/>
-                        <a:latin typeface="Times New Roman" panose="02020603050405020304" pitchFamily="18" charset="0"/>
+                        <a:latin typeface="Arial" panose="020B0604020202020204" pitchFamily="34" charset="0"/>
                         <a:ea typeface="游ゴシック" panose="020B0400000000000000" pitchFamily="50" charset="-128"/>
+                        <a:cs typeface="Arial" panose="020B0604020202020204" pitchFamily="34" charset="0"/>
                       </a:endParaRPr>
                     </a:p>
                   </a:txBody>
@@ -19036,18 +19238,21 @@
                     <a:p>
                       <a:pPr algn="ctr" fontAlgn="ctr"/>
                       <a:r>
-                        <a:rPr lang="en-US" altLang="ja-JP" sz="1100" u="none" strike="noStrike">
+                        <a:rPr lang="en-US" altLang="ja-JP" sz="1400" u="none" strike="noStrike">
                           <a:effectLst/>
+                          <a:latin typeface="Arial" panose="020B0604020202020204" pitchFamily="34" charset="0"/>
+                          <a:cs typeface="Arial" panose="020B0604020202020204" pitchFamily="34" charset="0"/>
                         </a:rPr>
                         <a:t>2.26</a:t>
                       </a:r>
-                      <a:endParaRPr lang="en-US" altLang="ja-JP" sz="1100" b="0" i="0" u="none" strike="noStrike">
+                      <a:endParaRPr lang="en-US" altLang="ja-JP" sz="1400" b="0" i="0" u="none" strike="noStrike">
                         <a:solidFill>
                           <a:srgbClr val="000000"/>
                         </a:solidFill>
                         <a:effectLst/>
-                        <a:latin typeface="Times New Roman" panose="02020603050405020304" pitchFamily="18" charset="0"/>
+                        <a:latin typeface="Arial" panose="020B0604020202020204" pitchFamily="34" charset="0"/>
                         <a:ea typeface="游ゴシック" panose="020B0400000000000000" pitchFamily="50" charset="-128"/>
+                        <a:cs typeface="Arial" panose="020B0604020202020204" pitchFamily="34" charset="0"/>
                       </a:endParaRPr>
                     </a:p>
                   </a:txBody>
@@ -19060,18 +19265,21 @@
                     <a:p>
                       <a:pPr algn="ctr" fontAlgn="ctr"/>
                       <a:r>
-                        <a:rPr lang="en-US" altLang="ja-JP" sz="1100" u="none" strike="noStrike">
+                        <a:rPr lang="en-US" altLang="ja-JP" sz="1400" u="none" strike="noStrike">
                           <a:effectLst/>
+                          <a:latin typeface="Arial" panose="020B0604020202020204" pitchFamily="34" charset="0"/>
+                          <a:cs typeface="Arial" panose="020B0604020202020204" pitchFamily="34" charset="0"/>
                         </a:rPr>
                         <a:t>1</a:t>
                       </a:r>
-                      <a:endParaRPr lang="en-US" altLang="ja-JP" sz="1100" b="0" i="0" u="none" strike="noStrike">
+                      <a:endParaRPr lang="en-US" altLang="ja-JP" sz="1400" b="0" i="0" u="none" strike="noStrike">
                         <a:solidFill>
                           <a:srgbClr val="000000"/>
                         </a:solidFill>
                         <a:effectLst/>
-                        <a:latin typeface="Times New Roman" panose="02020603050405020304" pitchFamily="18" charset="0"/>
+                        <a:latin typeface="Arial" panose="020B0604020202020204" pitchFamily="34" charset="0"/>
                         <a:ea typeface="游ゴシック" panose="020B0400000000000000" pitchFamily="50" charset="-128"/>
+                        <a:cs typeface="Arial" panose="020B0604020202020204" pitchFamily="34" charset="0"/>
                       </a:endParaRPr>
                     </a:p>
                   </a:txBody>
@@ -19084,18 +19292,21 @@
                     <a:p>
                       <a:pPr algn="ctr" fontAlgn="ctr"/>
                       <a:r>
-                        <a:rPr lang="en-US" altLang="ja-JP" sz="1100" u="none" strike="noStrike">
+                        <a:rPr lang="en-US" altLang="ja-JP" sz="1400" u="none" strike="noStrike">
                           <a:effectLst/>
+                          <a:latin typeface="Arial" panose="020B0604020202020204" pitchFamily="34" charset="0"/>
+                          <a:cs typeface="Arial" panose="020B0604020202020204" pitchFamily="34" charset="0"/>
                         </a:rPr>
                         <a:t>505</a:t>
                       </a:r>
-                      <a:endParaRPr lang="en-US" altLang="ja-JP" sz="1100" b="0" i="0" u="none" strike="noStrike">
+                      <a:endParaRPr lang="en-US" altLang="ja-JP" sz="1400" b="0" i="0" u="none" strike="noStrike">
                         <a:solidFill>
                           <a:srgbClr val="000000"/>
                         </a:solidFill>
                         <a:effectLst/>
-                        <a:latin typeface="Times New Roman" panose="02020603050405020304" pitchFamily="18" charset="0"/>
+                        <a:latin typeface="Arial" panose="020B0604020202020204" pitchFamily="34" charset="0"/>
                         <a:ea typeface="游ゴシック" panose="020B0400000000000000" pitchFamily="50" charset="-128"/>
+                        <a:cs typeface="Arial" panose="020B0604020202020204" pitchFamily="34" charset="0"/>
                       </a:endParaRPr>
                     </a:p>
                   </a:txBody>
@@ -19108,18 +19319,21 @@
                     <a:p>
                       <a:pPr algn="ctr" fontAlgn="ctr"/>
                       <a:r>
-                        <a:rPr lang="en-US" altLang="ja-JP" sz="1100" u="none" strike="noStrike">
+                        <a:rPr lang="en-US" altLang="ja-JP" sz="1400" u="none" strike="noStrike">
                           <a:effectLst/>
+                          <a:latin typeface="Arial" panose="020B0604020202020204" pitchFamily="34" charset="0"/>
+                          <a:cs typeface="Arial" panose="020B0604020202020204" pitchFamily="34" charset="0"/>
                         </a:rPr>
                         <a:t>428.3</a:t>
                       </a:r>
-                      <a:endParaRPr lang="en-US" altLang="ja-JP" sz="1100" b="0" i="0" u="none" strike="noStrike">
+                      <a:endParaRPr lang="en-US" altLang="ja-JP" sz="1400" b="0" i="0" u="none" strike="noStrike">
                         <a:solidFill>
                           <a:srgbClr val="000000"/>
                         </a:solidFill>
                         <a:effectLst/>
-                        <a:latin typeface="Times New Roman" panose="02020603050405020304" pitchFamily="18" charset="0"/>
+                        <a:latin typeface="Arial" panose="020B0604020202020204" pitchFamily="34" charset="0"/>
                         <a:ea typeface="游ゴシック" panose="020B0400000000000000" pitchFamily="50" charset="-128"/>
+                        <a:cs typeface="Arial" panose="020B0604020202020204" pitchFamily="34" charset="0"/>
                       </a:endParaRPr>
                     </a:p>
                   </a:txBody>
@@ -19132,18 +19346,21 @@
                     <a:p>
                       <a:pPr algn="ctr" fontAlgn="ctr"/>
                       <a:r>
-                        <a:rPr lang="en-US" altLang="ja-JP" sz="1100" u="none" strike="noStrike">
+                        <a:rPr lang="en-US" altLang="ja-JP" sz="1400" u="none" strike="noStrike">
                           <a:effectLst/>
+                          <a:latin typeface="Arial" panose="020B0604020202020204" pitchFamily="34" charset="0"/>
+                          <a:cs typeface="Arial" panose="020B0604020202020204" pitchFamily="34" charset="0"/>
                         </a:rPr>
                         <a:t>10</a:t>
                       </a:r>
-                      <a:endParaRPr lang="en-US" altLang="ja-JP" sz="1100" b="0" i="0" u="none" strike="noStrike">
+                      <a:endParaRPr lang="en-US" altLang="ja-JP" sz="1400" b="0" i="0" u="none" strike="noStrike">
                         <a:solidFill>
                           <a:srgbClr val="000000"/>
                         </a:solidFill>
                         <a:effectLst/>
-                        <a:latin typeface="Times New Roman" panose="02020603050405020304" pitchFamily="18" charset="0"/>
+                        <a:latin typeface="Arial" panose="020B0604020202020204" pitchFamily="34" charset="0"/>
                         <a:ea typeface="游ゴシック" panose="020B0400000000000000" pitchFamily="50" charset="-128"/>
+                        <a:cs typeface="Arial" panose="020B0604020202020204" pitchFamily="34" charset="0"/>
                       </a:endParaRPr>
                     </a:p>
                   </a:txBody>
@@ -19173,18 +19390,21 @@
                     <a:p>
                       <a:pPr algn="ctr" fontAlgn="ctr"/>
                       <a:r>
-                        <a:rPr lang="en-US" sz="1100" u="none" strike="noStrike">
+                        <a:rPr lang="en-US" sz="1400" u="none" strike="noStrike">
                           <a:effectLst/>
+                          <a:latin typeface="Arial" panose="020B0604020202020204" pitchFamily="34" charset="0"/>
+                          <a:cs typeface="Arial" panose="020B0604020202020204" pitchFamily="34" charset="0"/>
                         </a:rPr>
                         <a:t>left wrist</a:t>
                       </a:r>
-                      <a:endParaRPr lang="en-US" sz="1100" b="0" i="0" u="none" strike="noStrike">
+                      <a:endParaRPr lang="en-US" sz="1400" b="0" i="0" u="none" strike="noStrike">
                         <a:solidFill>
                           <a:srgbClr val="000000"/>
                         </a:solidFill>
                         <a:effectLst/>
-                        <a:latin typeface="Times New Roman" panose="02020603050405020304" pitchFamily="18" charset="0"/>
+                        <a:latin typeface="Arial" panose="020B0604020202020204" pitchFamily="34" charset="0"/>
                         <a:ea typeface="游ゴシック" panose="020B0400000000000000" pitchFamily="50" charset="-128"/>
+                        <a:cs typeface="Arial" panose="020B0604020202020204" pitchFamily="34" charset="0"/>
                       </a:endParaRPr>
                     </a:p>
                   </a:txBody>
@@ -19247,18 +19467,21 @@
                     <a:p>
                       <a:pPr algn="ctr" fontAlgn="ctr"/>
                       <a:r>
-                        <a:rPr lang="en-US" altLang="ja-JP" sz="1100" u="none" strike="noStrike">
+                        <a:rPr lang="en-US" altLang="ja-JP" sz="1400" u="none" strike="noStrike">
                           <a:effectLst/>
+                          <a:latin typeface="Arial" panose="020B0604020202020204" pitchFamily="34" charset="0"/>
+                          <a:cs typeface="Arial" panose="020B0604020202020204" pitchFamily="34" charset="0"/>
                         </a:rPr>
                         <a:t>5986</a:t>
                       </a:r>
-                      <a:endParaRPr lang="en-US" altLang="ja-JP" sz="1100" b="0" i="0" u="none" strike="noStrike">
+                      <a:endParaRPr lang="en-US" altLang="ja-JP" sz="1400" b="0" i="0" u="none" strike="noStrike">
                         <a:solidFill>
                           <a:srgbClr val="000000"/>
                         </a:solidFill>
                         <a:effectLst/>
-                        <a:latin typeface="Times New Roman" panose="02020603050405020304" pitchFamily="18" charset="0"/>
+                        <a:latin typeface="Arial" panose="020B0604020202020204" pitchFamily="34" charset="0"/>
                         <a:ea typeface="游ゴシック" panose="020B0400000000000000" pitchFamily="50" charset="-128"/>
+                        <a:cs typeface="Arial" panose="020B0604020202020204" pitchFamily="34" charset="0"/>
                       </a:endParaRPr>
                     </a:p>
                   </a:txBody>
@@ -19271,18 +19494,21 @@
                     <a:p>
                       <a:pPr algn="ctr" fontAlgn="ctr"/>
                       <a:r>
-                        <a:rPr lang="en-US" altLang="ja-JP" sz="1100" u="none" strike="noStrike">
+                        <a:rPr lang="en-US" altLang="ja-JP" sz="1400" u="none" strike="noStrike">
                           <a:effectLst/>
+                          <a:latin typeface="Arial" panose="020B0604020202020204" pitchFamily="34" charset="0"/>
+                          <a:cs typeface="Arial" panose="020B0604020202020204" pitchFamily="34" charset="0"/>
                         </a:rPr>
                         <a:t>2171</a:t>
                       </a:r>
-                      <a:endParaRPr lang="en-US" altLang="ja-JP" sz="1100" b="0" i="0" u="none" strike="noStrike">
+                      <a:endParaRPr lang="en-US" altLang="ja-JP" sz="1400" b="0" i="0" u="none" strike="noStrike">
                         <a:solidFill>
                           <a:srgbClr val="000000"/>
                         </a:solidFill>
                         <a:effectLst/>
-                        <a:latin typeface="Times New Roman" panose="02020603050405020304" pitchFamily="18" charset="0"/>
+                        <a:latin typeface="Arial" panose="020B0604020202020204" pitchFamily="34" charset="0"/>
                         <a:ea typeface="游ゴシック" panose="020B0400000000000000" pitchFamily="50" charset="-128"/>
+                        <a:cs typeface="Arial" panose="020B0604020202020204" pitchFamily="34" charset="0"/>
                       </a:endParaRPr>
                     </a:p>
                   </a:txBody>
@@ -19295,18 +19521,21 @@
                     <a:p>
                       <a:pPr algn="ctr" fontAlgn="ctr"/>
                       <a:r>
-                        <a:rPr lang="en-US" altLang="ja-JP" sz="1100" u="none" strike="noStrike">
+                        <a:rPr lang="en-US" altLang="ja-JP" sz="1400" u="none" strike="noStrike">
                           <a:effectLst/>
+                          <a:latin typeface="Arial" panose="020B0604020202020204" pitchFamily="34" charset="0"/>
+                          <a:cs typeface="Arial" panose="020B0604020202020204" pitchFamily="34" charset="0"/>
                         </a:rPr>
                         <a:t>0</a:t>
                       </a:r>
-                      <a:endParaRPr lang="en-US" altLang="ja-JP" sz="1100" b="0" i="0" u="none" strike="noStrike">
+                      <a:endParaRPr lang="en-US" altLang="ja-JP" sz="1400" b="0" i="0" u="none" strike="noStrike">
                         <a:solidFill>
                           <a:srgbClr val="000000"/>
                         </a:solidFill>
                         <a:effectLst/>
-                        <a:latin typeface="Times New Roman" panose="02020603050405020304" pitchFamily="18" charset="0"/>
+                        <a:latin typeface="Arial" panose="020B0604020202020204" pitchFamily="34" charset="0"/>
                         <a:ea typeface="游ゴシック" panose="020B0400000000000000" pitchFamily="50" charset="-128"/>
+                        <a:cs typeface="Arial" panose="020B0604020202020204" pitchFamily="34" charset="0"/>
                       </a:endParaRPr>
                     </a:p>
                   </a:txBody>
@@ -19336,18 +19565,21 @@
                     <a:p>
                       <a:pPr algn="ctr" fontAlgn="ctr"/>
                       <a:r>
-                        <a:rPr lang="en-US" sz="1100" u="none" strike="noStrike">
+                        <a:rPr lang="en-US" sz="1400" u="none" strike="noStrike">
                           <a:effectLst/>
+                          <a:latin typeface="Arial" panose="020B0604020202020204" pitchFamily="34" charset="0"/>
+                          <a:cs typeface="Arial" panose="020B0604020202020204" pitchFamily="34" charset="0"/>
                         </a:rPr>
                         <a:t>right arm</a:t>
                       </a:r>
-                      <a:endParaRPr lang="en-US" sz="1100" b="0" i="0" u="none" strike="noStrike">
+                      <a:endParaRPr lang="en-US" sz="1400" b="0" i="0" u="none" strike="noStrike">
                         <a:solidFill>
                           <a:srgbClr val="000000"/>
                         </a:solidFill>
                         <a:effectLst/>
-                        <a:latin typeface="Times New Roman" panose="02020603050405020304" pitchFamily="18" charset="0"/>
+                        <a:latin typeface="Arial" panose="020B0604020202020204" pitchFamily="34" charset="0"/>
                         <a:ea typeface="游ゴシック" panose="020B0400000000000000" pitchFamily="50" charset="-128"/>
+                        <a:cs typeface="Arial" panose="020B0604020202020204" pitchFamily="34" charset="0"/>
                       </a:endParaRPr>
                     </a:p>
                   </a:txBody>
@@ -19410,18 +19642,21 @@
                     <a:p>
                       <a:pPr algn="ctr" fontAlgn="ctr"/>
                       <a:r>
-                        <a:rPr lang="en-US" altLang="ja-JP" sz="1100" u="none" strike="noStrike">
+                        <a:rPr lang="en-US" altLang="ja-JP" sz="1400" u="none" strike="noStrike">
                           <a:effectLst/>
+                          <a:latin typeface="Arial" panose="020B0604020202020204" pitchFamily="34" charset="0"/>
+                          <a:cs typeface="Arial" panose="020B0604020202020204" pitchFamily="34" charset="0"/>
                         </a:rPr>
                         <a:t>1500</a:t>
                       </a:r>
-                      <a:endParaRPr lang="en-US" altLang="ja-JP" sz="1100" b="0" i="0" u="none" strike="noStrike">
+                      <a:endParaRPr lang="en-US" altLang="ja-JP" sz="1400" b="0" i="0" u="none" strike="noStrike">
                         <a:solidFill>
                           <a:srgbClr val="000000"/>
                         </a:solidFill>
                         <a:effectLst/>
-                        <a:latin typeface="Times New Roman" panose="02020603050405020304" pitchFamily="18" charset="0"/>
+                        <a:latin typeface="Arial" panose="020B0604020202020204" pitchFamily="34" charset="0"/>
                         <a:ea typeface="游ゴシック" panose="020B0400000000000000" pitchFamily="50" charset="-128"/>
+                        <a:cs typeface="Arial" panose="020B0604020202020204" pitchFamily="34" charset="0"/>
                       </a:endParaRPr>
                     </a:p>
                   </a:txBody>
@@ -19434,18 +19669,21 @@
                     <a:p>
                       <a:pPr algn="ctr" fontAlgn="ctr"/>
                       <a:r>
-                        <a:rPr lang="en-US" altLang="ja-JP" sz="1100" u="none" strike="noStrike">
+                        <a:rPr lang="en-US" altLang="ja-JP" sz="1400" u="none" strike="noStrike">
                           <a:effectLst/>
+                          <a:latin typeface="Arial" panose="020B0604020202020204" pitchFamily="34" charset="0"/>
+                          <a:cs typeface="Arial" panose="020B0604020202020204" pitchFamily="34" charset="0"/>
                         </a:rPr>
                         <a:t>1272</a:t>
                       </a:r>
-                      <a:endParaRPr lang="en-US" altLang="ja-JP" sz="1100" b="0" i="0" u="none" strike="noStrike">
+                      <a:endParaRPr lang="en-US" altLang="ja-JP" sz="1400" b="0" i="0" u="none" strike="noStrike">
                         <a:solidFill>
                           <a:srgbClr val="000000"/>
                         </a:solidFill>
                         <a:effectLst/>
-                        <a:latin typeface="Times New Roman" panose="02020603050405020304" pitchFamily="18" charset="0"/>
+                        <a:latin typeface="Arial" panose="020B0604020202020204" pitchFamily="34" charset="0"/>
                         <a:ea typeface="游ゴシック" panose="020B0400000000000000" pitchFamily="50" charset="-128"/>
+                        <a:cs typeface="Arial" panose="020B0604020202020204" pitchFamily="34" charset="0"/>
                       </a:endParaRPr>
                     </a:p>
                   </a:txBody>
@@ -19458,18 +19696,21 @@
                     <a:p>
                       <a:pPr algn="ctr" fontAlgn="ctr"/>
                       <a:r>
-                        <a:rPr lang="en-US" altLang="ja-JP" sz="1100" u="none" strike="noStrike">
+                        <a:rPr lang="en-US" altLang="ja-JP" sz="1400" u="none" strike="noStrike">
                           <a:effectLst/>
+                          <a:latin typeface="Arial" panose="020B0604020202020204" pitchFamily="34" charset="0"/>
+                          <a:cs typeface="Arial" panose="020B0604020202020204" pitchFamily="34" charset="0"/>
                         </a:rPr>
                         <a:t>8</a:t>
                       </a:r>
-                      <a:endParaRPr lang="en-US" altLang="ja-JP" sz="1100" b="0" i="0" u="none" strike="noStrike">
+                      <a:endParaRPr lang="en-US" altLang="ja-JP" sz="1400" b="0" i="0" u="none" strike="noStrike">
                         <a:solidFill>
                           <a:srgbClr val="000000"/>
                         </a:solidFill>
                         <a:effectLst/>
-                        <a:latin typeface="Times New Roman" panose="02020603050405020304" pitchFamily="18" charset="0"/>
+                        <a:latin typeface="Arial" panose="020B0604020202020204" pitchFamily="34" charset="0"/>
                         <a:ea typeface="游ゴシック" panose="020B0400000000000000" pitchFamily="50" charset="-128"/>
+                        <a:cs typeface="Arial" panose="020B0604020202020204" pitchFamily="34" charset="0"/>
                       </a:endParaRPr>
                     </a:p>
                   </a:txBody>
@@ -19499,18 +19740,21 @@
                     <a:p>
                       <a:pPr algn="ctr" fontAlgn="ctr"/>
                       <a:r>
-                        <a:rPr lang="en-US" sz="1100" u="none" strike="noStrike">
+                        <a:rPr lang="en-US" sz="1400" u="none" strike="noStrike">
                           <a:effectLst/>
+                          <a:latin typeface="Arial" panose="020B0604020202020204" pitchFamily="34" charset="0"/>
+                          <a:cs typeface="Arial" panose="020B0604020202020204" pitchFamily="34" charset="0"/>
                         </a:rPr>
                         <a:t>right wrist</a:t>
                       </a:r>
-                      <a:endParaRPr lang="en-US" sz="1100" b="0" i="0" u="none" strike="noStrike">
+                      <a:endParaRPr lang="en-US" sz="1400" b="0" i="0" u="none" strike="noStrike">
                         <a:solidFill>
                           <a:srgbClr val="000000"/>
                         </a:solidFill>
                         <a:effectLst/>
-                        <a:latin typeface="Times New Roman" panose="02020603050405020304" pitchFamily="18" charset="0"/>
+                        <a:latin typeface="Arial" panose="020B0604020202020204" pitchFamily="34" charset="0"/>
                         <a:ea typeface="游ゴシック" panose="020B0400000000000000" pitchFamily="50" charset="-128"/>
+                        <a:cs typeface="Arial" panose="020B0604020202020204" pitchFamily="34" charset="0"/>
                       </a:endParaRPr>
                     </a:p>
                   </a:txBody>
@@ -19573,18 +19817,21 @@
                     <a:p>
                       <a:pPr algn="ctr" fontAlgn="ctr"/>
                       <a:r>
-                        <a:rPr lang="en-US" altLang="ja-JP" sz="1100" u="none" strike="noStrike">
+                        <a:rPr lang="en-US" altLang="ja-JP" sz="1400" u="none" strike="noStrike">
                           <a:effectLst/>
+                          <a:latin typeface="Arial" panose="020B0604020202020204" pitchFamily="34" charset="0"/>
+                          <a:cs typeface="Arial" panose="020B0604020202020204" pitchFamily="34" charset="0"/>
                         </a:rPr>
                         <a:t>2992</a:t>
                       </a:r>
-                      <a:endParaRPr lang="en-US" altLang="ja-JP" sz="1100" b="0" i="0" u="none" strike="noStrike">
+                      <a:endParaRPr lang="en-US" altLang="ja-JP" sz="1400" b="0" i="0" u="none" strike="noStrike">
                         <a:solidFill>
                           <a:srgbClr val="000000"/>
                         </a:solidFill>
                         <a:effectLst/>
-                        <a:latin typeface="Times New Roman" panose="02020603050405020304" pitchFamily="18" charset="0"/>
+                        <a:latin typeface="Arial" panose="020B0604020202020204" pitchFamily="34" charset="0"/>
                         <a:ea typeface="游ゴシック" panose="020B0400000000000000" pitchFamily="50" charset="-128"/>
+                        <a:cs typeface="Arial" panose="020B0604020202020204" pitchFamily="34" charset="0"/>
                       </a:endParaRPr>
                     </a:p>
                   </a:txBody>
@@ -19597,18 +19844,21 @@
                     <a:p>
                       <a:pPr algn="ctr" fontAlgn="ctr"/>
                       <a:r>
-                        <a:rPr lang="en-US" altLang="ja-JP" sz="1100" u="none" strike="noStrike">
+                        <a:rPr lang="en-US" altLang="ja-JP" sz="1400" u="none" strike="noStrike">
                           <a:effectLst/>
+                          <a:latin typeface="Arial" panose="020B0604020202020204" pitchFamily="34" charset="0"/>
+                          <a:cs typeface="Arial" panose="020B0604020202020204" pitchFamily="34" charset="0"/>
                         </a:rPr>
                         <a:t>2465</a:t>
                       </a:r>
-                      <a:endParaRPr lang="en-US" altLang="ja-JP" sz="1100" b="0" i="0" u="none" strike="noStrike">
+                      <a:endParaRPr lang="en-US" altLang="ja-JP" sz="1400" b="0" i="0" u="none" strike="noStrike">
                         <a:solidFill>
                           <a:srgbClr val="000000"/>
                         </a:solidFill>
                         <a:effectLst/>
-                        <a:latin typeface="Times New Roman" panose="02020603050405020304" pitchFamily="18" charset="0"/>
+                        <a:latin typeface="Arial" panose="020B0604020202020204" pitchFamily="34" charset="0"/>
                         <a:ea typeface="游ゴシック" panose="020B0400000000000000" pitchFamily="50" charset="-128"/>
+                        <a:cs typeface="Arial" panose="020B0604020202020204" pitchFamily="34" charset="0"/>
                       </a:endParaRPr>
                     </a:p>
                   </a:txBody>
@@ -19621,18 +19871,21 @@
                     <a:p>
                       <a:pPr algn="ctr" fontAlgn="ctr"/>
                       <a:r>
-                        <a:rPr lang="en-US" altLang="ja-JP" sz="1100" u="none" strike="noStrike">
+                        <a:rPr lang="en-US" altLang="ja-JP" sz="1400" u="none" strike="noStrike">
                           <a:effectLst/>
+                          <a:latin typeface="Arial" panose="020B0604020202020204" pitchFamily="34" charset="0"/>
+                          <a:cs typeface="Arial" panose="020B0604020202020204" pitchFamily="34" charset="0"/>
                         </a:rPr>
                         <a:t>0</a:t>
                       </a:r>
-                      <a:endParaRPr lang="en-US" altLang="ja-JP" sz="1100" b="0" i="0" u="none" strike="noStrike">
+                      <a:endParaRPr lang="en-US" altLang="ja-JP" sz="1400" b="0" i="0" u="none" strike="noStrike">
                         <a:solidFill>
                           <a:srgbClr val="000000"/>
                         </a:solidFill>
                         <a:effectLst/>
-                        <a:latin typeface="Times New Roman" panose="02020603050405020304" pitchFamily="18" charset="0"/>
+                        <a:latin typeface="Arial" panose="020B0604020202020204" pitchFamily="34" charset="0"/>
                         <a:ea typeface="游ゴシック" panose="020B0400000000000000" pitchFamily="50" charset="-128"/>
+                        <a:cs typeface="Arial" panose="020B0604020202020204" pitchFamily="34" charset="0"/>
                       </a:endParaRPr>
                     </a:p>
                   </a:txBody>
@@ -19652,18 +19905,21 @@
                     <a:p>
                       <a:pPr algn="ctr" fontAlgn="ctr"/>
                       <a:r>
-                        <a:rPr lang="en-US" altLang="ja-JP" sz="1100" u="none" strike="noStrike">
+                        <a:rPr lang="en-US" altLang="ja-JP" sz="1400" u="none" strike="noStrike">
                           <a:effectLst/>
+                          <a:latin typeface="Arial" panose="020B0604020202020204" pitchFamily="34" charset="0"/>
+                          <a:cs typeface="Arial" panose="020B0604020202020204" pitchFamily="34" charset="0"/>
                         </a:rPr>
                         <a:t>3</a:t>
                       </a:r>
-                      <a:endParaRPr lang="en-US" altLang="ja-JP" sz="1100" b="0" i="0" u="none" strike="noStrike">
+                      <a:endParaRPr lang="en-US" altLang="ja-JP" sz="1400" b="0" i="0" u="none" strike="noStrike">
                         <a:solidFill>
                           <a:srgbClr val="000000"/>
                         </a:solidFill>
                         <a:effectLst/>
-                        <a:latin typeface="Times New Roman" panose="02020603050405020304" pitchFamily="18" charset="0"/>
+                        <a:latin typeface="Arial" panose="020B0604020202020204" pitchFamily="34" charset="0"/>
                         <a:ea typeface="游ゴシック" panose="020B0400000000000000" pitchFamily="50" charset="-128"/>
+                        <a:cs typeface="Arial" panose="020B0604020202020204" pitchFamily="34" charset="0"/>
                       </a:endParaRPr>
                     </a:p>
                   </a:txBody>
@@ -19676,18 +19932,21 @@
                     <a:p>
                       <a:pPr algn="ctr" fontAlgn="ctr"/>
                       <a:r>
-                        <a:rPr lang="en-US" sz="1100" u="none" strike="noStrike">
+                        <a:rPr lang="en-US" sz="1400" u="none" strike="noStrike">
                           <a:effectLst/>
+                          <a:latin typeface="Arial" panose="020B0604020202020204" pitchFamily="34" charset="0"/>
+                          <a:cs typeface="Arial" panose="020B0604020202020204" pitchFamily="34" charset="0"/>
                         </a:rPr>
                         <a:t>left hip</a:t>
                       </a:r>
-                      <a:endParaRPr lang="en-US" sz="1100" b="0" i="0" u="none" strike="noStrike">
+                      <a:endParaRPr lang="en-US" sz="1400" b="0" i="0" u="none" strike="noStrike">
                         <a:solidFill>
                           <a:srgbClr val="000000"/>
                         </a:solidFill>
                         <a:effectLst/>
-                        <a:latin typeface="Times New Roman" panose="02020603050405020304" pitchFamily="18" charset="0"/>
+                        <a:latin typeface="Arial" panose="020B0604020202020204" pitchFamily="34" charset="0"/>
                         <a:ea typeface="游ゴシック" panose="020B0400000000000000" pitchFamily="50" charset="-128"/>
+                        <a:cs typeface="Arial" panose="020B0604020202020204" pitchFamily="34" charset="0"/>
                       </a:endParaRPr>
                     </a:p>
                   </a:txBody>
@@ -19700,18 +19959,21 @@
                     <a:p>
                       <a:pPr algn="ctr" fontAlgn="ctr"/>
                       <a:r>
-                        <a:rPr lang="en-US" altLang="ja-JP" sz="1100" u="none" strike="noStrike">
+                        <a:rPr lang="en-US" altLang="ja-JP" sz="1400" u="none" strike="noStrike">
                           <a:effectLst/>
+                          <a:latin typeface="Arial" panose="020B0604020202020204" pitchFamily="34" charset="0"/>
+                          <a:cs typeface="Arial" panose="020B0604020202020204" pitchFamily="34" charset="0"/>
                         </a:rPr>
                         <a:t>103</a:t>
                       </a:r>
-                      <a:endParaRPr lang="en-US" altLang="ja-JP" sz="1100" b="0" i="0" u="none" strike="noStrike">
+                      <a:endParaRPr lang="en-US" altLang="ja-JP" sz="1400" b="0" i="0" u="none" strike="noStrike">
                         <a:solidFill>
                           <a:srgbClr val="000000"/>
                         </a:solidFill>
                         <a:effectLst/>
-                        <a:latin typeface="Times New Roman" panose="02020603050405020304" pitchFamily="18" charset="0"/>
+                        <a:latin typeface="Arial" panose="020B0604020202020204" pitchFamily="34" charset="0"/>
                         <a:ea typeface="游ゴシック" panose="020B0400000000000000" pitchFamily="50" charset="-128"/>
+                        <a:cs typeface="Arial" panose="020B0604020202020204" pitchFamily="34" charset="0"/>
                       </a:endParaRPr>
                     </a:p>
                   </a:txBody>
@@ -19724,18 +19986,21 @@
                     <a:p>
                       <a:pPr algn="ctr" fontAlgn="ctr"/>
                       <a:r>
-                        <a:rPr lang="en-US" altLang="ja-JP" sz="1100" u="none" strike="noStrike">
+                        <a:rPr lang="en-US" altLang="ja-JP" sz="1400" u="none" strike="noStrike">
                           <a:effectLst/>
+                          <a:latin typeface="Arial" panose="020B0604020202020204" pitchFamily="34" charset="0"/>
+                          <a:cs typeface="Arial" panose="020B0604020202020204" pitchFamily="34" charset="0"/>
                         </a:rPr>
                         <a:t>1</a:t>
                       </a:r>
-                      <a:endParaRPr lang="en-US" altLang="ja-JP" sz="1100" b="0" i="0" u="none" strike="noStrike">
+                      <a:endParaRPr lang="en-US" altLang="ja-JP" sz="1400" b="0" i="0" u="none" strike="noStrike">
                         <a:solidFill>
                           <a:srgbClr val="000000"/>
                         </a:solidFill>
                         <a:effectLst/>
-                        <a:latin typeface="Times New Roman" panose="02020603050405020304" pitchFamily="18" charset="0"/>
+                        <a:latin typeface="Arial" panose="020B0604020202020204" pitchFamily="34" charset="0"/>
                         <a:ea typeface="游ゴシック" panose="020B0400000000000000" pitchFamily="50" charset="-128"/>
+                        <a:cs typeface="Arial" panose="020B0604020202020204" pitchFamily="34" charset="0"/>
                       </a:endParaRPr>
                     </a:p>
                   </a:txBody>
@@ -19748,18 +20013,21 @@
                     <a:p>
                       <a:pPr algn="ctr" fontAlgn="ctr"/>
                       <a:r>
-                        <a:rPr lang="en-US" altLang="ja-JP" sz="1100" u="none" strike="noStrike">
+                        <a:rPr lang="en-US" altLang="ja-JP" sz="1400" u="none" strike="noStrike" dirty="0">
                           <a:effectLst/>
+                          <a:latin typeface="Arial" panose="020B0604020202020204" pitchFamily="34" charset="0"/>
+                          <a:cs typeface="Arial" panose="020B0604020202020204" pitchFamily="34" charset="0"/>
                         </a:rPr>
                         <a:t>6</a:t>
                       </a:r>
-                      <a:endParaRPr lang="en-US" altLang="ja-JP" sz="1100" b="0" i="0" u="none" strike="noStrike">
+                      <a:endParaRPr lang="en-US" altLang="ja-JP" sz="1400" b="0" i="0" u="none" strike="noStrike" dirty="0">
                         <a:solidFill>
                           <a:srgbClr val="000000"/>
                         </a:solidFill>
                         <a:effectLst/>
-                        <a:latin typeface="Times New Roman" panose="02020603050405020304" pitchFamily="18" charset="0"/>
+                        <a:latin typeface="Arial" panose="020B0604020202020204" pitchFamily="34" charset="0"/>
                         <a:ea typeface="游ゴシック" panose="020B0400000000000000" pitchFamily="50" charset="-128"/>
+                        <a:cs typeface="Arial" panose="020B0604020202020204" pitchFamily="34" charset="0"/>
                       </a:endParaRPr>
                     </a:p>
                   </a:txBody>
@@ -19772,18 +20040,21 @@
                     <a:p>
                       <a:pPr algn="ctr" fontAlgn="ctr"/>
                       <a:r>
-                        <a:rPr lang="en-US" altLang="ja-JP" sz="1100" u="none" strike="noStrike">
+                        <a:rPr lang="en-US" altLang="ja-JP" sz="1400" u="none" strike="noStrike">
                           <a:effectLst/>
+                          <a:latin typeface="Arial" panose="020B0604020202020204" pitchFamily="34" charset="0"/>
+                          <a:cs typeface="Arial" panose="020B0604020202020204" pitchFamily="34" charset="0"/>
                         </a:rPr>
                         <a:t>2.3</a:t>
                       </a:r>
-                      <a:endParaRPr lang="en-US" altLang="ja-JP" sz="1100" b="0" i="0" u="none" strike="noStrike">
+                      <a:endParaRPr lang="en-US" altLang="ja-JP" sz="1400" b="0" i="0" u="none" strike="noStrike">
                         <a:solidFill>
                           <a:srgbClr val="000000"/>
                         </a:solidFill>
                         <a:effectLst/>
-                        <a:latin typeface="Times New Roman" panose="02020603050405020304" pitchFamily="18" charset="0"/>
+                        <a:latin typeface="Arial" panose="020B0604020202020204" pitchFamily="34" charset="0"/>
                         <a:ea typeface="游ゴシック" panose="020B0400000000000000" pitchFamily="50" charset="-128"/>
+                        <a:cs typeface="Arial" panose="020B0604020202020204" pitchFamily="34" charset="0"/>
                       </a:endParaRPr>
                     </a:p>
                   </a:txBody>
@@ -19796,18 +20067,21 @@
                     <a:p>
                       <a:pPr algn="ctr" fontAlgn="ctr"/>
                       <a:r>
-                        <a:rPr lang="en-US" altLang="ja-JP" sz="1100" u="none" strike="noStrike">
+                        <a:rPr lang="en-US" altLang="ja-JP" sz="1400" u="none" strike="noStrike">
                           <a:effectLst/>
+                          <a:latin typeface="Arial" panose="020B0604020202020204" pitchFamily="34" charset="0"/>
+                          <a:cs typeface="Arial" panose="020B0604020202020204" pitchFamily="34" charset="0"/>
                         </a:rPr>
                         <a:t>1</a:t>
                       </a:r>
-                      <a:endParaRPr lang="en-US" altLang="ja-JP" sz="1100" b="0" i="0" u="none" strike="noStrike">
+                      <a:endParaRPr lang="en-US" altLang="ja-JP" sz="1400" b="0" i="0" u="none" strike="noStrike">
                         <a:solidFill>
                           <a:srgbClr val="000000"/>
                         </a:solidFill>
                         <a:effectLst/>
-                        <a:latin typeface="Times New Roman" panose="02020603050405020304" pitchFamily="18" charset="0"/>
+                        <a:latin typeface="Arial" panose="020B0604020202020204" pitchFamily="34" charset="0"/>
                         <a:ea typeface="游ゴシック" panose="020B0400000000000000" pitchFamily="50" charset="-128"/>
+                        <a:cs typeface="Arial" panose="020B0604020202020204" pitchFamily="34" charset="0"/>
                       </a:endParaRPr>
                     </a:p>
                   </a:txBody>
@@ -19820,18 +20094,21 @@
                     <a:p>
                       <a:pPr algn="ctr" fontAlgn="ctr"/>
                       <a:r>
-                        <a:rPr lang="en-US" altLang="ja-JP" sz="1100" u="none" strike="noStrike">
+                        <a:rPr lang="en-US" altLang="ja-JP" sz="1400" u="none" strike="noStrike">
                           <a:effectLst/>
+                          <a:latin typeface="Arial" panose="020B0604020202020204" pitchFamily="34" charset="0"/>
+                          <a:cs typeface="Arial" panose="020B0604020202020204" pitchFamily="34" charset="0"/>
                         </a:rPr>
                         <a:t>519</a:t>
                       </a:r>
-                      <a:endParaRPr lang="en-US" altLang="ja-JP" sz="1100" b="0" i="0" u="none" strike="noStrike">
+                      <a:endParaRPr lang="en-US" altLang="ja-JP" sz="1400" b="0" i="0" u="none" strike="noStrike">
                         <a:solidFill>
                           <a:srgbClr val="000000"/>
                         </a:solidFill>
                         <a:effectLst/>
-                        <a:latin typeface="Times New Roman" panose="02020603050405020304" pitchFamily="18" charset="0"/>
+                        <a:latin typeface="Arial" panose="020B0604020202020204" pitchFamily="34" charset="0"/>
                         <a:ea typeface="游ゴシック" panose="020B0400000000000000" pitchFamily="50" charset="-128"/>
+                        <a:cs typeface="Arial" panose="020B0604020202020204" pitchFamily="34" charset="0"/>
                       </a:endParaRPr>
                     </a:p>
                   </a:txBody>
@@ -19844,18 +20121,21 @@
                     <a:p>
                       <a:pPr algn="ctr" fontAlgn="ctr"/>
                       <a:r>
-                        <a:rPr lang="en-US" altLang="ja-JP" sz="1100" u="none" strike="noStrike">
+                        <a:rPr lang="en-US" altLang="ja-JP" sz="1400" u="none" strike="noStrike">
                           <a:effectLst/>
+                          <a:latin typeface="Arial" panose="020B0604020202020204" pitchFamily="34" charset="0"/>
+                          <a:cs typeface="Arial" panose="020B0604020202020204" pitchFamily="34" charset="0"/>
                         </a:rPr>
                         <a:t>429.3</a:t>
                       </a:r>
-                      <a:endParaRPr lang="en-US" altLang="ja-JP" sz="1100" b="0" i="0" u="none" strike="noStrike">
+                      <a:endParaRPr lang="en-US" altLang="ja-JP" sz="1400" b="0" i="0" u="none" strike="noStrike">
                         <a:solidFill>
                           <a:srgbClr val="000000"/>
                         </a:solidFill>
                         <a:effectLst/>
-                        <a:latin typeface="Times New Roman" panose="02020603050405020304" pitchFamily="18" charset="0"/>
+                        <a:latin typeface="Arial" panose="020B0604020202020204" pitchFamily="34" charset="0"/>
                         <a:ea typeface="游ゴシック" panose="020B0400000000000000" pitchFamily="50" charset="-128"/>
+                        <a:cs typeface="Arial" panose="020B0604020202020204" pitchFamily="34" charset="0"/>
                       </a:endParaRPr>
                     </a:p>
                   </a:txBody>
@@ -19868,18 +20148,21 @@
                     <a:p>
                       <a:pPr algn="ctr" fontAlgn="ctr"/>
                       <a:r>
-                        <a:rPr lang="en-US" altLang="ja-JP" sz="1100" u="none" strike="noStrike">
+                        <a:rPr lang="en-US" altLang="ja-JP" sz="1400" u="none" strike="noStrike">
                           <a:effectLst/>
+                          <a:latin typeface="Arial" panose="020B0604020202020204" pitchFamily="34" charset="0"/>
+                          <a:cs typeface="Arial" panose="020B0604020202020204" pitchFamily="34" charset="0"/>
                         </a:rPr>
                         <a:t>32</a:t>
                       </a:r>
-                      <a:endParaRPr lang="en-US" altLang="ja-JP" sz="1100" b="0" i="0" u="none" strike="noStrike">
+                      <a:endParaRPr lang="en-US" altLang="ja-JP" sz="1400" b="0" i="0" u="none" strike="noStrike">
                         <a:solidFill>
                           <a:srgbClr val="000000"/>
                         </a:solidFill>
                         <a:effectLst/>
-                        <a:latin typeface="Times New Roman" panose="02020603050405020304" pitchFamily="18" charset="0"/>
+                        <a:latin typeface="Arial" panose="020B0604020202020204" pitchFamily="34" charset="0"/>
                         <a:ea typeface="游ゴシック" panose="020B0400000000000000" pitchFamily="50" charset="-128"/>
+                        <a:cs typeface="Arial" panose="020B0604020202020204" pitchFamily="34" charset="0"/>
                       </a:endParaRPr>
                     </a:p>
                   </a:txBody>
@@ -19909,18 +20192,21 @@
                     <a:p>
                       <a:pPr algn="ctr" fontAlgn="ctr"/>
                       <a:r>
-                        <a:rPr lang="en-US" sz="1100" u="none" strike="noStrike">
+                        <a:rPr lang="en-US" sz="1400" u="none" strike="noStrike">
                           <a:effectLst/>
+                          <a:latin typeface="Arial" panose="020B0604020202020204" pitchFamily="34" charset="0"/>
+                          <a:cs typeface="Arial" panose="020B0604020202020204" pitchFamily="34" charset="0"/>
                         </a:rPr>
                         <a:t>left wrist</a:t>
                       </a:r>
-                      <a:endParaRPr lang="en-US" sz="1100" b="0" i="0" u="none" strike="noStrike">
+                      <a:endParaRPr lang="en-US" sz="1400" b="0" i="0" u="none" strike="noStrike">
                         <a:solidFill>
                           <a:srgbClr val="000000"/>
                         </a:solidFill>
                         <a:effectLst/>
-                        <a:latin typeface="Times New Roman" panose="02020603050405020304" pitchFamily="18" charset="0"/>
+                        <a:latin typeface="Arial" panose="020B0604020202020204" pitchFamily="34" charset="0"/>
                         <a:ea typeface="游ゴシック" panose="020B0400000000000000" pitchFamily="50" charset="-128"/>
+                        <a:cs typeface="Arial" panose="020B0604020202020204" pitchFamily="34" charset="0"/>
                       </a:endParaRPr>
                     </a:p>
                   </a:txBody>
@@ -19983,18 +20269,21 @@
                     <a:p>
                       <a:pPr algn="ctr" fontAlgn="ctr"/>
                       <a:r>
-                        <a:rPr lang="en-US" altLang="ja-JP" sz="1100" u="none" strike="noStrike">
+                        <a:rPr lang="en-US" altLang="ja-JP" sz="1400" u="none" strike="noStrike">
                           <a:effectLst/>
+                          <a:latin typeface="Arial" panose="020B0604020202020204" pitchFamily="34" charset="0"/>
+                          <a:cs typeface="Arial" panose="020B0604020202020204" pitchFamily="34" charset="0"/>
                         </a:rPr>
                         <a:t>5529</a:t>
                       </a:r>
-                      <a:endParaRPr lang="en-US" altLang="ja-JP" sz="1100" b="0" i="0" u="none" strike="noStrike">
+                      <a:endParaRPr lang="en-US" altLang="ja-JP" sz="1400" b="0" i="0" u="none" strike="noStrike">
                         <a:solidFill>
                           <a:srgbClr val="000000"/>
                         </a:solidFill>
                         <a:effectLst/>
-                        <a:latin typeface="Times New Roman" panose="02020603050405020304" pitchFamily="18" charset="0"/>
+                        <a:latin typeface="Arial" panose="020B0604020202020204" pitchFamily="34" charset="0"/>
                         <a:ea typeface="游ゴシック" panose="020B0400000000000000" pitchFamily="50" charset="-128"/>
+                        <a:cs typeface="Arial" panose="020B0604020202020204" pitchFamily="34" charset="0"/>
                       </a:endParaRPr>
                     </a:p>
                   </a:txBody>
@@ -20007,18 +20296,21 @@
                     <a:p>
                       <a:pPr algn="ctr" fontAlgn="ctr"/>
                       <a:r>
-                        <a:rPr lang="en-US" altLang="ja-JP" sz="1100" u="none" strike="noStrike">
+                        <a:rPr lang="en-US" altLang="ja-JP" sz="1400" u="none" strike="noStrike">
                           <a:effectLst/>
+                          <a:latin typeface="Arial" panose="020B0604020202020204" pitchFamily="34" charset="0"/>
+                          <a:cs typeface="Arial" panose="020B0604020202020204" pitchFamily="34" charset="0"/>
                         </a:rPr>
                         <a:t>774.6</a:t>
                       </a:r>
-                      <a:endParaRPr lang="en-US" altLang="ja-JP" sz="1100" b="0" i="0" u="none" strike="noStrike">
+                      <a:endParaRPr lang="en-US" altLang="ja-JP" sz="1400" b="0" i="0" u="none" strike="noStrike">
                         <a:solidFill>
                           <a:srgbClr val="000000"/>
                         </a:solidFill>
                         <a:effectLst/>
-                        <a:latin typeface="Times New Roman" panose="02020603050405020304" pitchFamily="18" charset="0"/>
+                        <a:latin typeface="Arial" panose="020B0604020202020204" pitchFamily="34" charset="0"/>
                         <a:ea typeface="游ゴシック" panose="020B0400000000000000" pitchFamily="50" charset="-128"/>
+                        <a:cs typeface="Arial" panose="020B0604020202020204" pitchFamily="34" charset="0"/>
                       </a:endParaRPr>
                     </a:p>
                   </a:txBody>
@@ -20031,18 +20323,21 @@
                     <a:p>
                       <a:pPr algn="ctr" fontAlgn="ctr"/>
                       <a:r>
-                        <a:rPr lang="en-US" altLang="ja-JP" sz="1100" u="none" strike="noStrike">
+                        <a:rPr lang="en-US" altLang="ja-JP" sz="1400" u="none" strike="noStrike">
                           <a:effectLst/>
+                          <a:latin typeface="Arial" panose="020B0604020202020204" pitchFamily="34" charset="0"/>
+                          <a:cs typeface="Arial" panose="020B0604020202020204" pitchFamily="34" charset="0"/>
                         </a:rPr>
                         <a:t>0</a:t>
                       </a:r>
-                      <a:endParaRPr lang="en-US" altLang="ja-JP" sz="1100" b="0" i="0" u="none" strike="noStrike">
+                      <a:endParaRPr lang="en-US" altLang="ja-JP" sz="1400" b="0" i="0" u="none" strike="noStrike">
                         <a:solidFill>
                           <a:srgbClr val="000000"/>
                         </a:solidFill>
                         <a:effectLst/>
-                        <a:latin typeface="Times New Roman" panose="02020603050405020304" pitchFamily="18" charset="0"/>
+                        <a:latin typeface="Arial" panose="020B0604020202020204" pitchFamily="34" charset="0"/>
                         <a:ea typeface="游ゴシック" panose="020B0400000000000000" pitchFamily="50" charset="-128"/>
+                        <a:cs typeface="Arial" panose="020B0604020202020204" pitchFamily="34" charset="0"/>
                       </a:endParaRPr>
                     </a:p>
                   </a:txBody>
@@ -20072,18 +20367,21 @@
                     <a:p>
                       <a:pPr algn="ctr" fontAlgn="ctr"/>
                       <a:r>
-                        <a:rPr lang="en-US" sz="1100" u="none" strike="noStrike">
+                        <a:rPr lang="en-US" sz="1400" u="none" strike="noStrike">
                           <a:effectLst/>
+                          <a:latin typeface="Arial" panose="020B0604020202020204" pitchFamily="34" charset="0"/>
+                          <a:cs typeface="Arial" panose="020B0604020202020204" pitchFamily="34" charset="0"/>
                         </a:rPr>
                         <a:t>right arm</a:t>
                       </a:r>
-                      <a:endParaRPr lang="en-US" sz="1100" b="0" i="0" u="none" strike="noStrike">
+                      <a:endParaRPr lang="en-US" sz="1400" b="0" i="0" u="none" strike="noStrike">
                         <a:solidFill>
                           <a:srgbClr val="000000"/>
                         </a:solidFill>
                         <a:effectLst/>
-                        <a:latin typeface="Times New Roman" panose="02020603050405020304" pitchFamily="18" charset="0"/>
+                        <a:latin typeface="Arial" panose="020B0604020202020204" pitchFamily="34" charset="0"/>
                         <a:ea typeface="游ゴシック" panose="020B0400000000000000" pitchFamily="50" charset="-128"/>
+                        <a:cs typeface="Arial" panose="020B0604020202020204" pitchFamily="34" charset="0"/>
                       </a:endParaRPr>
                     </a:p>
                   </a:txBody>
@@ -20146,18 +20444,21 @@
                     <a:p>
                       <a:pPr algn="ctr" fontAlgn="ctr"/>
                       <a:r>
-                        <a:rPr lang="en-US" altLang="ja-JP" sz="1100" u="none" strike="noStrike">
+                        <a:rPr lang="en-US" altLang="ja-JP" sz="1400" u="none" strike="noStrike">
                           <a:effectLst/>
+                          <a:latin typeface="Arial" panose="020B0604020202020204" pitchFamily="34" charset="0"/>
+                          <a:cs typeface="Arial" panose="020B0604020202020204" pitchFamily="34" charset="0"/>
                         </a:rPr>
                         <a:t>1594</a:t>
                       </a:r>
-                      <a:endParaRPr lang="en-US" altLang="ja-JP" sz="1100" b="0" i="0" u="none" strike="noStrike">
+                      <a:endParaRPr lang="en-US" altLang="ja-JP" sz="1400" b="0" i="0" u="none" strike="noStrike">
                         <a:solidFill>
                           <a:srgbClr val="000000"/>
                         </a:solidFill>
                         <a:effectLst/>
-                        <a:latin typeface="Times New Roman" panose="02020603050405020304" pitchFamily="18" charset="0"/>
+                        <a:latin typeface="Arial" panose="020B0604020202020204" pitchFamily="34" charset="0"/>
                         <a:ea typeface="游ゴシック" panose="020B0400000000000000" pitchFamily="50" charset="-128"/>
+                        <a:cs typeface="Arial" panose="020B0604020202020204" pitchFamily="34" charset="0"/>
                       </a:endParaRPr>
                     </a:p>
                   </a:txBody>
@@ -20170,18 +20471,21 @@
                     <a:p>
                       <a:pPr algn="ctr" fontAlgn="ctr"/>
                       <a:r>
-                        <a:rPr lang="en-US" altLang="ja-JP" sz="1100" u="none" strike="noStrike">
+                        <a:rPr lang="en-US" altLang="ja-JP" sz="1400" u="none" strike="noStrike">
                           <a:effectLst/>
+                          <a:latin typeface="Arial" panose="020B0604020202020204" pitchFamily="34" charset="0"/>
+                          <a:cs typeface="Arial" panose="020B0604020202020204" pitchFamily="34" charset="0"/>
                         </a:rPr>
                         <a:t>1182</a:t>
                       </a:r>
-                      <a:endParaRPr lang="en-US" altLang="ja-JP" sz="1100" b="0" i="0" u="none" strike="noStrike">
+                      <a:endParaRPr lang="en-US" altLang="ja-JP" sz="1400" b="0" i="0" u="none" strike="noStrike">
                         <a:solidFill>
                           <a:srgbClr val="000000"/>
                         </a:solidFill>
                         <a:effectLst/>
-                        <a:latin typeface="Times New Roman" panose="02020603050405020304" pitchFamily="18" charset="0"/>
+                        <a:latin typeface="Arial" panose="020B0604020202020204" pitchFamily="34" charset="0"/>
                         <a:ea typeface="游ゴシック" panose="020B0400000000000000" pitchFamily="50" charset="-128"/>
+                        <a:cs typeface="Arial" panose="020B0604020202020204" pitchFamily="34" charset="0"/>
                       </a:endParaRPr>
                     </a:p>
                   </a:txBody>
@@ -20194,18 +20498,21 @@
                     <a:p>
                       <a:pPr algn="ctr" fontAlgn="ctr"/>
                       <a:r>
-                        <a:rPr lang="en-US" altLang="ja-JP" sz="1100" u="none" strike="noStrike">
+                        <a:rPr lang="en-US" altLang="ja-JP" sz="1400" u="none" strike="noStrike">
                           <a:effectLst/>
+                          <a:latin typeface="Arial" panose="020B0604020202020204" pitchFamily="34" charset="0"/>
+                          <a:cs typeface="Arial" panose="020B0604020202020204" pitchFamily="34" charset="0"/>
                         </a:rPr>
                         <a:t>164</a:t>
                       </a:r>
-                      <a:endParaRPr lang="en-US" altLang="ja-JP" sz="1100" b="0" i="0" u="none" strike="noStrike">
+                      <a:endParaRPr lang="en-US" altLang="ja-JP" sz="1400" b="0" i="0" u="none" strike="noStrike">
                         <a:solidFill>
                           <a:srgbClr val="000000"/>
                         </a:solidFill>
                         <a:effectLst/>
-                        <a:latin typeface="Times New Roman" panose="02020603050405020304" pitchFamily="18" charset="0"/>
+                        <a:latin typeface="Arial" panose="020B0604020202020204" pitchFamily="34" charset="0"/>
                         <a:ea typeface="游ゴシック" panose="020B0400000000000000" pitchFamily="50" charset="-128"/>
+                        <a:cs typeface="Arial" panose="020B0604020202020204" pitchFamily="34" charset="0"/>
                       </a:endParaRPr>
                     </a:p>
                   </a:txBody>
@@ -20235,18 +20542,21 @@
                     <a:p>
                       <a:pPr algn="ctr" fontAlgn="ctr"/>
                       <a:r>
-                        <a:rPr lang="en-US" sz="1100" u="none" strike="noStrike">
+                        <a:rPr lang="en-US" sz="1400" u="none" strike="noStrike" dirty="0">
                           <a:effectLst/>
+                          <a:latin typeface="Arial" panose="020B0604020202020204" pitchFamily="34" charset="0"/>
+                          <a:cs typeface="Arial" panose="020B0604020202020204" pitchFamily="34" charset="0"/>
                         </a:rPr>
                         <a:t>right wrist</a:t>
                       </a:r>
-                      <a:endParaRPr lang="en-US" sz="1100" b="0" i="0" u="none" strike="noStrike">
+                      <a:endParaRPr lang="en-US" sz="1400" b="0" i="0" u="none" strike="noStrike" dirty="0">
                         <a:solidFill>
                           <a:srgbClr val="000000"/>
                         </a:solidFill>
                         <a:effectLst/>
-                        <a:latin typeface="Times New Roman" panose="02020603050405020304" pitchFamily="18" charset="0"/>
+                        <a:latin typeface="Arial" panose="020B0604020202020204" pitchFamily="34" charset="0"/>
                         <a:ea typeface="游ゴシック" panose="020B0400000000000000" pitchFamily="50" charset="-128"/>
+                        <a:cs typeface="Arial" panose="020B0604020202020204" pitchFamily="34" charset="0"/>
                       </a:endParaRPr>
                     </a:p>
                   </a:txBody>
@@ -20309,18 +20619,21 @@
                     <a:p>
                       <a:pPr algn="ctr" fontAlgn="ctr"/>
                       <a:r>
-                        <a:rPr lang="en-US" altLang="ja-JP" sz="1100" u="none" strike="noStrike">
+                        <a:rPr lang="en-US" altLang="ja-JP" sz="1400" u="none" strike="noStrike">
                           <a:effectLst/>
+                          <a:latin typeface="Arial" panose="020B0604020202020204" pitchFamily="34" charset="0"/>
+                          <a:cs typeface="Arial" panose="020B0604020202020204" pitchFamily="34" charset="0"/>
                         </a:rPr>
                         <a:t>5938</a:t>
                       </a:r>
-                      <a:endParaRPr lang="en-US" altLang="ja-JP" sz="1100" b="0" i="0" u="none" strike="noStrike">
+                      <a:endParaRPr lang="en-US" altLang="ja-JP" sz="1400" b="0" i="0" u="none" strike="noStrike">
                         <a:solidFill>
                           <a:srgbClr val="000000"/>
                         </a:solidFill>
                         <a:effectLst/>
-                        <a:latin typeface="Times New Roman" panose="02020603050405020304" pitchFamily="18" charset="0"/>
+                        <a:latin typeface="Arial" panose="020B0604020202020204" pitchFamily="34" charset="0"/>
                         <a:ea typeface="游ゴシック" panose="020B0400000000000000" pitchFamily="50" charset="-128"/>
+                        <a:cs typeface="Arial" panose="020B0604020202020204" pitchFamily="34" charset="0"/>
                       </a:endParaRPr>
                     </a:p>
                   </a:txBody>
@@ -20333,18 +20646,21 @@
                     <a:p>
                       <a:pPr algn="ctr" fontAlgn="ctr"/>
                       <a:r>
-                        <a:rPr lang="en-US" altLang="ja-JP" sz="1100" u="none" strike="noStrike">
+                        <a:rPr lang="en-US" altLang="ja-JP" sz="1400" u="none" strike="noStrike">
                           <a:effectLst/>
+                          <a:latin typeface="Arial" panose="020B0604020202020204" pitchFamily="34" charset="0"/>
+                          <a:cs typeface="Arial" panose="020B0604020202020204" pitchFamily="34" charset="0"/>
                         </a:rPr>
                         <a:t>3559</a:t>
                       </a:r>
-                      <a:endParaRPr lang="en-US" altLang="ja-JP" sz="1100" b="0" i="0" u="none" strike="noStrike">
+                      <a:endParaRPr lang="en-US" altLang="ja-JP" sz="1400" b="0" i="0" u="none" strike="noStrike">
                         <a:solidFill>
                           <a:srgbClr val="000000"/>
                         </a:solidFill>
                         <a:effectLst/>
-                        <a:latin typeface="Times New Roman" panose="02020603050405020304" pitchFamily="18" charset="0"/>
+                        <a:latin typeface="Arial" panose="020B0604020202020204" pitchFamily="34" charset="0"/>
                         <a:ea typeface="游ゴシック" panose="020B0400000000000000" pitchFamily="50" charset="-128"/>
+                        <a:cs typeface="Arial" panose="020B0604020202020204" pitchFamily="34" charset="0"/>
                       </a:endParaRPr>
                     </a:p>
                   </a:txBody>
@@ -20357,18 +20673,21 @@
                     <a:p>
                       <a:pPr algn="ctr" fontAlgn="ctr"/>
                       <a:r>
-                        <a:rPr lang="en-US" altLang="ja-JP" sz="1100" u="none" strike="noStrike">
+                        <a:rPr lang="en-US" altLang="ja-JP" sz="1400" u="none" strike="noStrike">
                           <a:effectLst/>
+                          <a:latin typeface="Arial" panose="020B0604020202020204" pitchFamily="34" charset="0"/>
+                          <a:cs typeface="Arial" panose="020B0604020202020204" pitchFamily="34" charset="0"/>
                         </a:rPr>
                         <a:t>0</a:t>
                       </a:r>
-                      <a:endParaRPr lang="en-US" altLang="ja-JP" sz="1100" b="0" i="0" u="none" strike="noStrike">
+                      <a:endParaRPr lang="en-US" altLang="ja-JP" sz="1400" b="0" i="0" u="none" strike="noStrike">
                         <a:solidFill>
                           <a:srgbClr val="000000"/>
                         </a:solidFill>
                         <a:effectLst/>
-                        <a:latin typeface="Times New Roman" panose="02020603050405020304" pitchFamily="18" charset="0"/>
+                        <a:latin typeface="Arial" panose="020B0604020202020204" pitchFamily="34" charset="0"/>
                         <a:ea typeface="游ゴシック" panose="020B0400000000000000" pitchFamily="50" charset="-128"/>
+                        <a:cs typeface="Arial" panose="020B0604020202020204" pitchFamily="34" charset="0"/>
                       </a:endParaRPr>
                     </a:p>
                   </a:txBody>
@@ -20388,18 +20707,21 @@
                     <a:p>
                       <a:pPr algn="ctr" fontAlgn="ctr"/>
                       <a:r>
-                        <a:rPr lang="en-US" altLang="ja-JP" sz="1100" u="none" strike="noStrike">
+                        <a:rPr lang="en-US" altLang="ja-JP" sz="1400" u="none" strike="noStrike">
                           <a:effectLst/>
+                          <a:latin typeface="Arial" panose="020B0604020202020204" pitchFamily="34" charset="0"/>
+                          <a:cs typeface="Arial" panose="020B0604020202020204" pitchFamily="34" charset="0"/>
                         </a:rPr>
                         <a:t>4</a:t>
                       </a:r>
-                      <a:endParaRPr lang="en-US" altLang="ja-JP" sz="1100" b="0" i="0" u="none" strike="noStrike">
+                      <a:endParaRPr lang="en-US" altLang="ja-JP" sz="1400" b="0" i="0" u="none" strike="noStrike">
                         <a:solidFill>
                           <a:srgbClr val="000000"/>
                         </a:solidFill>
                         <a:effectLst/>
-                        <a:latin typeface="Times New Roman" panose="02020603050405020304" pitchFamily="18" charset="0"/>
+                        <a:latin typeface="Arial" panose="020B0604020202020204" pitchFamily="34" charset="0"/>
                         <a:ea typeface="游ゴシック" panose="020B0400000000000000" pitchFamily="50" charset="-128"/>
+                        <a:cs typeface="Arial" panose="020B0604020202020204" pitchFamily="34" charset="0"/>
                       </a:endParaRPr>
                     </a:p>
                   </a:txBody>
@@ -20412,18 +20734,21 @@
                     <a:p>
                       <a:pPr algn="ctr" fontAlgn="ctr"/>
                       <a:r>
-                        <a:rPr lang="en-US" sz="1100" u="none" strike="noStrike">
+                        <a:rPr lang="en-US" sz="1400" u="none" strike="noStrike">
                           <a:effectLst/>
+                          <a:latin typeface="Arial" panose="020B0604020202020204" pitchFamily="34" charset="0"/>
+                          <a:cs typeface="Arial" panose="020B0604020202020204" pitchFamily="34" charset="0"/>
                         </a:rPr>
                         <a:t>left hip</a:t>
                       </a:r>
-                      <a:endParaRPr lang="en-US" sz="1100" b="0" i="0" u="none" strike="noStrike">
+                      <a:endParaRPr lang="en-US" sz="1400" b="0" i="0" u="none" strike="noStrike">
                         <a:solidFill>
                           <a:srgbClr val="000000"/>
                         </a:solidFill>
                         <a:effectLst/>
-                        <a:latin typeface="Times New Roman" panose="02020603050405020304" pitchFamily="18" charset="0"/>
+                        <a:latin typeface="Arial" panose="020B0604020202020204" pitchFamily="34" charset="0"/>
                         <a:ea typeface="游ゴシック" panose="020B0400000000000000" pitchFamily="50" charset="-128"/>
+                        <a:cs typeface="Arial" panose="020B0604020202020204" pitchFamily="34" charset="0"/>
                       </a:endParaRPr>
                     </a:p>
                   </a:txBody>
@@ -20436,18 +20761,21 @@
                     <a:p>
                       <a:pPr algn="ctr" fontAlgn="ctr"/>
                       <a:r>
-                        <a:rPr lang="en-US" altLang="ja-JP" sz="1100" u="none" strike="noStrike">
+                        <a:rPr lang="en-US" altLang="ja-JP" sz="1400" u="none" strike="noStrike">
                           <a:effectLst/>
+                          <a:latin typeface="Arial" panose="020B0604020202020204" pitchFamily="34" charset="0"/>
+                          <a:cs typeface="Arial" panose="020B0604020202020204" pitchFamily="34" charset="0"/>
                         </a:rPr>
                         <a:t>180</a:t>
                       </a:r>
-                      <a:endParaRPr lang="en-US" altLang="ja-JP" sz="1100" b="0" i="0" u="none" strike="noStrike">
+                      <a:endParaRPr lang="en-US" altLang="ja-JP" sz="1400" b="0" i="0" u="none" strike="noStrike">
                         <a:solidFill>
                           <a:srgbClr val="000000"/>
                         </a:solidFill>
                         <a:effectLst/>
-                        <a:latin typeface="Times New Roman" panose="02020603050405020304" pitchFamily="18" charset="0"/>
+                        <a:latin typeface="Arial" panose="020B0604020202020204" pitchFamily="34" charset="0"/>
                         <a:ea typeface="游ゴシック" panose="020B0400000000000000" pitchFamily="50" charset="-128"/>
+                        <a:cs typeface="Arial" panose="020B0604020202020204" pitchFamily="34" charset="0"/>
                       </a:endParaRPr>
                     </a:p>
                   </a:txBody>
@@ -20460,18 +20788,21 @@
                     <a:p>
                       <a:pPr algn="ctr" fontAlgn="ctr"/>
                       <a:r>
-                        <a:rPr lang="en-US" altLang="ja-JP" sz="1100" u="none" strike="noStrike">
+                        <a:rPr lang="en-US" altLang="ja-JP" sz="1400" u="none" strike="noStrike">
                           <a:effectLst/>
+                          <a:latin typeface="Arial" panose="020B0604020202020204" pitchFamily="34" charset="0"/>
+                          <a:cs typeface="Arial" panose="020B0604020202020204" pitchFamily="34" charset="0"/>
                         </a:rPr>
                         <a:t>1</a:t>
                       </a:r>
-                      <a:endParaRPr lang="en-US" altLang="ja-JP" sz="1100" b="0" i="0" u="none" strike="noStrike">
+                      <a:endParaRPr lang="en-US" altLang="ja-JP" sz="1400" b="0" i="0" u="none" strike="noStrike">
                         <a:solidFill>
                           <a:srgbClr val="000000"/>
                         </a:solidFill>
                         <a:effectLst/>
-                        <a:latin typeface="Times New Roman" panose="02020603050405020304" pitchFamily="18" charset="0"/>
+                        <a:latin typeface="Arial" panose="020B0604020202020204" pitchFamily="34" charset="0"/>
                         <a:ea typeface="游ゴシック" panose="020B0400000000000000" pitchFamily="50" charset="-128"/>
+                        <a:cs typeface="Arial" panose="020B0604020202020204" pitchFamily="34" charset="0"/>
                       </a:endParaRPr>
                     </a:p>
                   </a:txBody>
@@ -20484,18 +20815,21 @@
                     <a:p>
                       <a:pPr algn="ctr" fontAlgn="ctr"/>
                       <a:r>
-                        <a:rPr lang="en-US" sz="1100" u="none" strike="noStrike">
+                        <a:rPr lang="en-US" sz="1400" u="none" strike="noStrike">
                           <a:effectLst/>
+                          <a:latin typeface="Arial" panose="020B0604020202020204" pitchFamily="34" charset="0"/>
+                          <a:cs typeface="Arial" panose="020B0604020202020204" pitchFamily="34" charset="0"/>
                         </a:rPr>
                         <a:t>Unknown</a:t>
                       </a:r>
-                      <a:endParaRPr lang="en-US" sz="1100" b="0" i="0" u="none" strike="noStrike">
+                      <a:endParaRPr lang="en-US" sz="1400" b="0" i="0" u="none" strike="noStrike">
                         <a:solidFill>
                           <a:srgbClr val="000000"/>
                         </a:solidFill>
                         <a:effectLst/>
-                        <a:latin typeface="Times New Roman" panose="02020603050405020304" pitchFamily="18" charset="0"/>
+                        <a:latin typeface="Arial" panose="020B0604020202020204" pitchFamily="34" charset="0"/>
                         <a:ea typeface="游ゴシック" panose="020B0400000000000000" pitchFamily="50" charset="-128"/>
+                        <a:cs typeface="Arial" panose="020B0604020202020204" pitchFamily="34" charset="0"/>
                       </a:endParaRPr>
                     </a:p>
                   </a:txBody>
@@ -20508,18 +20842,21 @@
                     <a:p>
                       <a:pPr algn="ctr" fontAlgn="ctr"/>
                       <a:r>
-                        <a:rPr lang="en-US" sz="1100" u="none" strike="noStrike">
+                        <a:rPr lang="en-US" sz="1400" u="none" strike="noStrike">
                           <a:effectLst/>
+                          <a:latin typeface="Arial" panose="020B0604020202020204" pitchFamily="34" charset="0"/>
+                          <a:cs typeface="Arial" panose="020B0604020202020204" pitchFamily="34" charset="0"/>
                         </a:rPr>
                         <a:t>Unknown</a:t>
                       </a:r>
-                      <a:endParaRPr lang="en-US" sz="1100" b="0" i="0" u="none" strike="noStrike">
+                      <a:endParaRPr lang="en-US" sz="1400" b="0" i="0" u="none" strike="noStrike">
                         <a:solidFill>
                           <a:srgbClr val="000000"/>
                         </a:solidFill>
                         <a:effectLst/>
-                        <a:latin typeface="Times New Roman" panose="02020603050405020304" pitchFamily="18" charset="0"/>
+                        <a:latin typeface="Arial" panose="020B0604020202020204" pitchFamily="34" charset="0"/>
                         <a:ea typeface="游ゴシック" panose="020B0400000000000000" pitchFamily="50" charset="-128"/>
+                        <a:cs typeface="Arial" panose="020B0604020202020204" pitchFamily="34" charset="0"/>
                       </a:endParaRPr>
                     </a:p>
                   </a:txBody>
@@ -20532,18 +20869,21 @@
                     <a:p>
                       <a:pPr algn="ctr" fontAlgn="ctr"/>
                       <a:r>
-                        <a:rPr lang="en-US" sz="1100" u="none" strike="noStrike">
+                        <a:rPr lang="en-US" sz="1400" u="none" strike="noStrike">
                           <a:effectLst/>
+                          <a:latin typeface="Arial" panose="020B0604020202020204" pitchFamily="34" charset="0"/>
+                          <a:cs typeface="Arial" panose="020B0604020202020204" pitchFamily="34" charset="0"/>
                         </a:rPr>
                         <a:t>Unknown</a:t>
                       </a:r>
-                      <a:endParaRPr lang="en-US" sz="1100" b="0" i="0" u="none" strike="noStrike">
+                      <a:endParaRPr lang="en-US" sz="1400" b="0" i="0" u="none" strike="noStrike">
                         <a:solidFill>
                           <a:srgbClr val="000000"/>
                         </a:solidFill>
                         <a:effectLst/>
-                        <a:latin typeface="Times New Roman" panose="02020603050405020304" pitchFamily="18" charset="0"/>
+                        <a:latin typeface="Arial" panose="020B0604020202020204" pitchFamily="34" charset="0"/>
                         <a:ea typeface="游ゴシック" panose="020B0400000000000000" pitchFamily="50" charset="-128"/>
+                        <a:cs typeface="Arial" panose="020B0604020202020204" pitchFamily="34" charset="0"/>
                       </a:endParaRPr>
                     </a:p>
                   </a:txBody>
@@ -20556,18 +20896,21 @@
                     <a:p>
                       <a:pPr algn="ctr" fontAlgn="ctr"/>
                       <a:r>
-                        <a:rPr lang="en-US" altLang="ja-JP" sz="1100" u="none" strike="noStrike">
+                        <a:rPr lang="en-US" altLang="ja-JP" sz="1400" u="none" strike="noStrike">
                           <a:effectLst/>
+                          <a:latin typeface="Arial" panose="020B0604020202020204" pitchFamily="34" charset="0"/>
+                          <a:cs typeface="Arial" panose="020B0604020202020204" pitchFamily="34" charset="0"/>
                         </a:rPr>
                         <a:t>534</a:t>
                       </a:r>
-                      <a:endParaRPr lang="en-US" altLang="ja-JP" sz="1100" b="0" i="0" u="none" strike="noStrike">
+                      <a:endParaRPr lang="en-US" altLang="ja-JP" sz="1400" b="0" i="0" u="none" strike="noStrike">
                         <a:solidFill>
                           <a:srgbClr val="000000"/>
                         </a:solidFill>
                         <a:effectLst/>
-                        <a:latin typeface="Times New Roman" panose="02020603050405020304" pitchFamily="18" charset="0"/>
+                        <a:latin typeface="Arial" panose="020B0604020202020204" pitchFamily="34" charset="0"/>
                         <a:ea typeface="游ゴシック" panose="020B0400000000000000" pitchFamily="50" charset="-128"/>
+                        <a:cs typeface="Arial" panose="020B0604020202020204" pitchFamily="34" charset="0"/>
                       </a:endParaRPr>
                     </a:p>
                   </a:txBody>
@@ -20580,18 +20923,21 @@
                     <a:p>
                       <a:pPr algn="ctr" fontAlgn="ctr"/>
                       <a:r>
-                        <a:rPr lang="en-US" altLang="ja-JP" sz="1100" u="none" strike="noStrike">
+                        <a:rPr lang="en-US" altLang="ja-JP" sz="1400" u="none" strike="noStrike">
                           <a:effectLst/>
+                          <a:latin typeface="Arial" panose="020B0604020202020204" pitchFamily="34" charset="0"/>
+                          <a:cs typeface="Arial" panose="020B0604020202020204" pitchFamily="34" charset="0"/>
                         </a:rPr>
                         <a:t>406.7</a:t>
                       </a:r>
-                      <a:endParaRPr lang="en-US" altLang="ja-JP" sz="1100" b="0" i="0" u="none" strike="noStrike">
+                      <a:endParaRPr lang="en-US" altLang="ja-JP" sz="1400" b="0" i="0" u="none" strike="noStrike">
                         <a:solidFill>
                           <a:srgbClr val="000000"/>
                         </a:solidFill>
                         <a:effectLst/>
-                        <a:latin typeface="Times New Roman" panose="02020603050405020304" pitchFamily="18" charset="0"/>
+                        <a:latin typeface="Arial" panose="020B0604020202020204" pitchFamily="34" charset="0"/>
                         <a:ea typeface="游ゴシック" panose="020B0400000000000000" pitchFamily="50" charset="-128"/>
+                        <a:cs typeface="Arial" panose="020B0604020202020204" pitchFamily="34" charset="0"/>
                       </a:endParaRPr>
                     </a:p>
                   </a:txBody>
@@ -20604,18 +20950,21 @@
                     <a:p>
                       <a:pPr algn="ctr" fontAlgn="ctr"/>
                       <a:r>
-                        <a:rPr lang="en-US" altLang="ja-JP" sz="1100" u="none" strike="noStrike">
+                        <a:rPr lang="en-US" altLang="ja-JP" sz="1400" u="none" strike="noStrike">
                           <a:effectLst/>
+                          <a:latin typeface="Arial" panose="020B0604020202020204" pitchFamily="34" charset="0"/>
+                          <a:cs typeface="Arial" panose="020B0604020202020204" pitchFamily="34" charset="0"/>
                         </a:rPr>
                         <a:t>46</a:t>
                       </a:r>
-                      <a:endParaRPr lang="en-US" altLang="ja-JP" sz="1100" b="0" i="0" u="none" strike="noStrike">
+                      <a:endParaRPr lang="en-US" altLang="ja-JP" sz="1400" b="0" i="0" u="none" strike="noStrike">
                         <a:solidFill>
                           <a:srgbClr val="000000"/>
                         </a:solidFill>
                         <a:effectLst/>
-                        <a:latin typeface="Times New Roman" panose="02020603050405020304" pitchFamily="18" charset="0"/>
+                        <a:latin typeface="Arial" panose="020B0604020202020204" pitchFamily="34" charset="0"/>
                         <a:ea typeface="游ゴシック" panose="020B0400000000000000" pitchFamily="50" charset="-128"/>
+                        <a:cs typeface="Arial" panose="020B0604020202020204" pitchFamily="34" charset="0"/>
                       </a:endParaRPr>
                     </a:p>
                   </a:txBody>
@@ -20645,18 +20994,21 @@
                     <a:p>
                       <a:pPr algn="ctr" fontAlgn="ctr"/>
                       <a:r>
-                        <a:rPr lang="en-US" sz="1100" u="none" strike="noStrike">
+                        <a:rPr lang="en-US" sz="1400" u="none" strike="noStrike">
                           <a:effectLst/>
+                          <a:latin typeface="Arial" panose="020B0604020202020204" pitchFamily="34" charset="0"/>
+                          <a:cs typeface="Arial" panose="020B0604020202020204" pitchFamily="34" charset="0"/>
                         </a:rPr>
                         <a:t>left wrist</a:t>
                       </a:r>
-                      <a:endParaRPr lang="en-US" sz="1100" b="0" i="0" u="none" strike="noStrike">
+                      <a:endParaRPr lang="en-US" sz="1400" b="0" i="0" u="none" strike="noStrike">
                         <a:solidFill>
                           <a:srgbClr val="000000"/>
                         </a:solidFill>
                         <a:effectLst/>
-                        <a:latin typeface="Times New Roman" panose="02020603050405020304" pitchFamily="18" charset="0"/>
+                        <a:latin typeface="Arial" panose="020B0604020202020204" pitchFamily="34" charset="0"/>
                         <a:ea typeface="游ゴシック" panose="020B0400000000000000" pitchFamily="50" charset="-128"/>
+                        <a:cs typeface="Arial" panose="020B0604020202020204" pitchFamily="34" charset="0"/>
                       </a:endParaRPr>
                     </a:p>
                   </a:txBody>
@@ -20719,18 +21071,21 @@
                     <a:p>
                       <a:pPr algn="ctr" fontAlgn="ctr"/>
                       <a:r>
-                        <a:rPr lang="en-US" altLang="ja-JP" sz="1100" u="none" strike="noStrike">
+                        <a:rPr lang="en-US" altLang="ja-JP" sz="1400" u="none" strike="noStrike">
                           <a:effectLst/>
+                          <a:latin typeface="Arial" panose="020B0604020202020204" pitchFamily="34" charset="0"/>
+                          <a:cs typeface="Arial" panose="020B0604020202020204" pitchFamily="34" charset="0"/>
                         </a:rPr>
                         <a:t>7143</a:t>
                       </a:r>
-                      <a:endParaRPr lang="en-US" altLang="ja-JP" sz="1100" b="0" i="0" u="none" strike="noStrike">
+                      <a:endParaRPr lang="en-US" altLang="ja-JP" sz="1400" b="0" i="0" u="none" strike="noStrike">
                         <a:solidFill>
                           <a:srgbClr val="000000"/>
                         </a:solidFill>
                         <a:effectLst/>
-                        <a:latin typeface="Times New Roman" panose="02020603050405020304" pitchFamily="18" charset="0"/>
+                        <a:latin typeface="Arial" panose="020B0604020202020204" pitchFamily="34" charset="0"/>
                         <a:ea typeface="游ゴシック" panose="020B0400000000000000" pitchFamily="50" charset="-128"/>
+                        <a:cs typeface="Arial" panose="020B0604020202020204" pitchFamily="34" charset="0"/>
                       </a:endParaRPr>
                     </a:p>
                   </a:txBody>
@@ -20743,18 +21098,21 @@
                     <a:p>
                       <a:pPr algn="ctr" fontAlgn="ctr"/>
                       <a:r>
-                        <a:rPr lang="en-US" altLang="ja-JP" sz="1100" u="none" strike="noStrike">
+                        <a:rPr lang="en-US" altLang="ja-JP" sz="1400" u="none" strike="noStrike">
                           <a:effectLst/>
+                          <a:latin typeface="Arial" panose="020B0604020202020204" pitchFamily="34" charset="0"/>
+                          <a:cs typeface="Arial" panose="020B0604020202020204" pitchFamily="34" charset="0"/>
                         </a:rPr>
                         <a:t>1126</a:t>
                       </a:r>
-                      <a:endParaRPr lang="en-US" altLang="ja-JP" sz="1100" b="0" i="0" u="none" strike="noStrike">
+                      <a:endParaRPr lang="en-US" altLang="ja-JP" sz="1400" b="0" i="0" u="none" strike="noStrike">
                         <a:solidFill>
                           <a:srgbClr val="000000"/>
                         </a:solidFill>
                         <a:effectLst/>
-                        <a:latin typeface="Times New Roman" panose="02020603050405020304" pitchFamily="18" charset="0"/>
+                        <a:latin typeface="Arial" panose="020B0604020202020204" pitchFamily="34" charset="0"/>
                         <a:ea typeface="游ゴシック" panose="020B0400000000000000" pitchFamily="50" charset="-128"/>
+                        <a:cs typeface="Arial" panose="020B0604020202020204" pitchFamily="34" charset="0"/>
                       </a:endParaRPr>
                     </a:p>
                   </a:txBody>
@@ -20767,18 +21125,21 @@
                     <a:p>
                       <a:pPr algn="ctr" fontAlgn="ctr"/>
                       <a:r>
-                        <a:rPr lang="en-US" altLang="ja-JP" sz="1100" u="none" strike="noStrike">
+                        <a:rPr lang="en-US" altLang="ja-JP" sz="1400" u="none" strike="noStrike">
                           <a:effectLst/>
+                          <a:latin typeface="Arial" panose="020B0604020202020204" pitchFamily="34" charset="0"/>
+                          <a:cs typeface="Arial" panose="020B0604020202020204" pitchFamily="34" charset="0"/>
                         </a:rPr>
                         <a:t>0</a:t>
                       </a:r>
-                      <a:endParaRPr lang="en-US" altLang="ja-JP" sz="1100" b="0" i="0" u="none" strike="noStrike">
+                      <a:endParaRPr lang="en-US" altLang="ja-JP" sz="1400" b="0" i="0" u="none" strike="noStrike">
                         <a:solidFill>
                           <a:srgbClr val="000000"/>
                         </a:solidFill>
                         <a:effectLst/>
-                        <a:latin typeface="Times New Roman" panose="02020603050405020304" pitchFamily="18" charset="0"/>
+                        <a:latin typeface="Arial" panose="020B0604020202020204" pitchFamily="34" charset="0"/>
                         <a:ea typeface="游ゴシック" panose="020B0400000000000000" pitchFamily="50" charset="-128"/>
+                        <a:cs typeface="Arial" panose="020B0604020202020204" pitchFamily="34" charset="0"/>
                       </a:endParaRPr>
                     </a:p>
                   </a:txBody>
@@ -20808,18 +21169,21 @@
                     <a:p>
                       <a:pPr algn="ctr" fontAlgn="ctr"/>
                       <a:r>
-                        <a:rPr lang="en-US" sz="1100" u="none" strike="noStrike">
+                        <a:rPr lang="en-US" sz="1400" u="none" strike="noStrike">
                           <a:effectLst/>
+                          <a:latin typeface="Arial" panose="020B0604020202020204" pitchFamily="34" charset="0"/>
+                          <a:cs typeface="Arial" panose="020B0604020202020204" pitchFamily="34" charset="0"/>
                         </a:rPr>
                         <a:t>right arm</a:t>
                       </a:r>
-                      <a:endParaRPr lang="en-US" sz="1100" b="0" i="0" u="none" strike="noStrike">
+                      <a:endParaRPr lang="en-US" sz="1400" b="0" i="0" u="none" strike="noStrike">
                         <a:solidFill>
                           <a:srgbClr val="000000"/>
                         </a:solidFill>
                         <a:effectLst/>
-                        <a:latin typeface="Times New Roman" panose="02020603050405020304" pitchFamily="18" charset="0"/>
+                        <a:latin typeface="Arial" panose="020B0604020202020204" pitchFamily="34" charset="0"/>
                         <a:ea typeface="游ゴシック" panose="020B0400000000000000" pitchFamily="50" charset="-128"/>
+                        <a:cs typeface="Arial" panose="020B0604020202020204" pitchFamily="34" charset="0"/>
                       </a:endParaRPr>
                     </a:p>
                   </a:txBody>
@@ -20882,18 +21246,21 @@
                     <a:p>
                       <a:pPr algn="ctr" fontAlgn="ctr"/>
                       <a:r>
-                        <a:rPr lang="en-US" altLang="ja-JP" sz="1100" u="none" strike="noStrike">
+                        <a:rPr lang="en-US" altLang="ja-JP" sz="1400" u="none" strike="noStrike">
                           <a:effectLst/>
+                          <a:latin typeface="Arial" panose="020B0604020202020204" pitchFamily="34" charset="0"/>
+                          <a:cs typeface="Arial" panose="020B0604020202020204" pitchFamily="34" charset="0"/>
                         </a:rPr>
                         <a:t>1479</a:t>
                       </a:r>
-                      <a:endParaRPr lang="en-US" altLang="ja-JP" sz="1100" b="0" i="0" u="none" strike="noStrike">
+                      <a:endParaRPr lang="en-US" altLang="ja-JP" sz="1400" b="0" i="0" u="none" strike="noStrike">
                         <a:solidFill>
                           <a:srgbClr val="000000"/>
                         </a:solidFill>
                         <a:effectLst/>
-                        <a:latin typeface="Times New Roman" panose="02020603050405020304" pitchFamily="18" charset="0"/>
+                        <a:latin typeface="Arial" panose="020B0604020202020204" pitchFamily="34" charset="0"/>
                         <a:ea typeface="游ゴシック" panose="020B0400000000000000" pitchFamily="50" charset="-128"/>
+                        <a:cs typeface="Arial" panose="020B0604020202020204" pitchFamily="34" charset="0"/>
                       </a:endParaRPr>
                     </a:p>
                   </a:txBody>
@@ -20906,18 +21273,21 @@
                     <a:p>
                       <a:pPr algn="ctr" fontAlgn="ctr"/>
                       <a:r>
-                        <a:rPr lang="en-US" altLang="ja-JP" sz="1100" u="none" strike="noStrike">
+                        <a:rPr lang="en-US" altLang="ja-JP" sz="1400" u="none" strike="noStrike">
                           <a:effectLst/>
+                          <a:latin typeface="Arial" panose="020B0604020202020204" pitchFamily="34" charset="0"/>
+                          <a:cs typeface="Arial" panose="020B0604020202020204" pitchFamily="34" charset="0"/>
                         </a:rPr>
                         <a:t>1233</a:t>
                       </a:r>
-                      <a:endParaRPr lang="en-US" altLang="ja-JP" sz="1100" b="0" i="0" u="none" strike="noStrike">
+                      <a:endParaRPr lang="en-US" altLang="ja-JP" sz="1400" b="0" i="0" u="none" strike="noStrike">
                         <a:solidFill>
                           <a:srgbClr val="000000"/>
                         </a:solidFill>
                         <a:effectLst/>
-                        <a:latin typeface="Times New Roman" panose="02020603050405020304" pitchFamily="18" charset="0"/>
+                        <a:latin typeface="Arial" panose="020B0604020202020204" pitchFamily="34" charset="0"/>
                         <a:ea typeface="游ゴシック" panose="020B0400000000000000" pitchFamily="50" charset="-128"/>
+                        <a:cs typeface="Arial" panose="020B0604020202020204" pitchFamily="34" charset="0"/>
                       </a:endParaRPr>
                     </a:p>
                   </a:txBody>
@@ -20930,18 +21300,21 @@
                     <a:p>
                       <a:pPr algn="ctr" fontAlgn="ctr"/>
                       <a:r>
-                        <a:rPr lang="en-US" altLang="ja-JP" sz="1100" u="none" strike="noStrike">
+                        <a:rPr lang="en-US" altLang="ja-JP" sz="1400" u="none" strike="noStrike">
                           <a:effectLst/>
+                          <a:latin typeface="Arial" panose="020B0604020202020204" pitchFamily="34" charset="0"/>
+                          <a:cs typeface="Arial" panose="020B0604020202020204" pitchFamily="34" charset="0"/>
                         </a:rPr>
                         <a:t>86</a:t>
                       </a:r>
-                      <a:endParaRPr lang="en-US" altLang="ja-JP" sz="1100" b="0" i="0" u="none" strike="noStrike">
+                      <a:endParaRPr lang="en-US" altLang="ja-JP" sz="1400" b="0" i="0" u="none" strike="noStrike">
                         <a:solidFill>
                           <a:srgbClr val="000000"/>
                         </a:solidFill>
                         <a:effectLst/>
-                        <a:latin typeface="Times New Roman" panose="02020603050405020304" pitchFamily="18" charset="0"/>
+                        <a:latin typeface="Arial" panose="020B0604020202020204" pitchFamily="34" charset="0"/>
                         <a:ea typeface="游ゴシック" panose="020B0400000000000000" pitchFamily="50" charset="-128"/>
+                        <a:cs typeface="Arial" panose="020B0604020202020204" pitchFamily="34" charset="0"/>
                       </a:endParaRPr>
                     </a:p>
                   </a:txBody>
@@ -20971,18 +21344,21 @@
                     <a:p>
                       <a:pPr algn="ctr" fontAlgn="ctr"/>
                       <a:r>
-                        <a:rPr lang="en-US" sz="1100" u="none" strike="noStrike">
+                        <a:rPr lang="en-US" sz="1400" u="none" strike="noStrike">
                           <a:effectLst/>
+                          <a:latin typeface="Arial" panose="020B0604020202020204" pitchFamily="34" charset="0"/>
+                          <a:cs typeface="Arial" panose="020B0604020202020204" pitchFamily="34" charset="0"/>
                         </a:rPr>
                         <a:t>right wrist</a:t>
                       </a:r>
-                      <a:endParaRPr lang="en-US" sz="1100" b="0" i="0" u="none" strike="noStrike">
+                      <a:endParaRPr lang="en-US" sz="1400" b="0" i="0" u="none" strike="noStrike">
                         <a:solidFill>
                           <a:srgbClr val="000000"/>
                         </a:solidFill>
                         <a:effectLst/>
-                        <a:latin typeface="Times New Roman" panose="02020603050405020304" pitchFamily="18" charset="0"/>
+                        <a:latin typeface="Arial" panose="020B0604020202020204" pitchFamily="34" charset="0"/>
                         <a:ea typeface="游ゴシック" panose="020B0400000000000000" pitchFamily="50" charset="-128"/>
+                        <a:cs typeface="Arial" panose="020B0604020202020204" pitchFamily="34" charset="0"/>
                       </a:endParaRPr>
                     </a:p>
                   </a:txBody>
@@ -21045,18 +21421,21 @@
                     <a:p>
                       <a:pPr algn="ctr" fontAlgn="ctr"/>
                       <a:r>
-                        <a:rPr lang="en-US" altLang="ja-JP" sz="1100" u="none" strike="noStrike">
+                        <a:rPr lang="en-US" altLang="ja-JP" sz="1400" u="none" strike="noStrike">
                           <a:effectLst/>
+                          <a:latin typeface="Arial" panose="020B0604020202020204" pitchFamily="34" charset="0"/>
+                          <a:cs typeface="Arial" panose="020B0604020202020204" pitchFamily="34" charset="0"/>
                         </a:rPr>
                         <a:t>8761</a:t>
                       </a:r>
-                      <a:endParaRPr lang="en-US" altLang="ja-JP" sz="1100" b="0" i="0" u="none" strike="noStrike">
+                      <a:endParaRPr lang="en-US" altLang="ja-JP" sz="1400" b="0" i="0" u="none" strike="noStrike">
                         <a:solidFill>
                           <a:srgbClr val="000000"/>
                         </a:solidFill>
                         <a:effectLst/>
-                        <a:latin typeface="Times New Roman" panose="02020603050405020304" pitchFamily="18" charset="0"/>
+                        <a:latin typeface="Arial" panose="020B0604020202020204" pitchFamily="34" charset="0"/>
                         <a:ea typeface="游ゴシック" panose="020B0400000000000000" pitchFamily="50" charset="-128"/>
+                        <a:cs typeface="Arial" panose="020B0604020202020204" pitchFamily="34" charset="0"/>
                       </a:endParaRPr>
                     </a:p>
                   </a:txBody>
@@ -21069,18 +21448,21 @@
                     <a:p>
                       <a:pPr algn="ctr" fontAlgn="ctr"/>
                       <a:r>
-                        <a:rPr lang="en-US" altLang="ja-JP" sz="1100" u="none" strike="noStrike">
+                        <a:rPr lang="en-US" altLang="ja-JP" sz="1400" u="none" strike="noStrike">
                           <a:effectLst/>
+                          <a:latin typeface="Arial" panose="020B0604020202020204" pitchFamily="34" charset="0"/>
+                          <a:cs typeface="Arial" panose="020B0604020202020204" pitchFamily="34" charset="0"/>
                         </a:rPr>
                         <a:t>2080</a:t>
                       </a:r>
-                      <a:endParaRPr lang="en-US" altLang="ja-JP" sz="1100" b="0" i="0" u="none" strike="noStrike">
+                      <a:endParaRPr lang="en-US" altLang="ja-JP" sz="1400" b="0" i="0" u="none" strike="noStrike">
                         <a:solidFill>
                           <a:srgbClr val="000000"/>
                         </a:solidFill>
                         <a:effectLst/>
-                        <a:latin typeface="Times New Roman" panose="02020603050405020304" pitchFamily="18" charset="0"/>
+                        <a:latin typeface="Arial" panose="020B0604020202020204" pitchFamily="34" charset="0"/>
                         <a:ea typeface="游ゴシック" panose="020B0400000000000000" pitchFamily="50" charset="-128"/>
+                        <a:cs typeface="Arial" panose="020B0604020202020204" pitchFamily="34" charset="0"/>
                       </a:endParaRPr>
                     </a:p>
                   </a:txBody>
@@ -21093,18 +21475,21 @@
                     <a:p>
                       <a:pPr algn="ctr" fontAlgn="ctr"/>
                       <a:r>
-                        <a:rPr lang="en-US" altLang="ja-JP" sz="1100" u="none" strike="noStrike" dirty="0">
+                        <a:rPr lang="en-US" altLang="ja-JP" sz="1400" u="none" strike="noStrike" dirty="0">
                           <a:effectLst/>
+                          <a:latin typeface="Arial" panose="020B0604020202020204" pitchFamily="34" charset="0"/>
+                          <a:cs typeface="Arial" panose="020B0604020202020204" pitchFamily="34" charset="0"/>
                         </a:rPr>
                         <a:t>0</a:t>
                       </a:r>
-                      <a:endParaRPr lang="en-US" altLang="ja-JP" sz="1100" b="0" i="0" u="none" strike="noStrike" dirty="0">
+                      <a:endParaRPr lang="en-US" altLang="ja-JP" sz="1400" b="0" i="0" u="none" strike="noStrike" dirty="0">
                         <a:solidFill>
                           <a:srgbClr val="000000"/>
                         </a:solidFill>
                         <a:effectLst/>
-                        <a:latin typeface="Times New Roman" panose="02020603050405020304" pitchFamily="18" charset="0"/>
+                        <a:latin typeface="Arial" panose="020B0604020202020204" pitchFamily="34" charset="0"/>
                         <a:ea typeface="游ゴシック" panose="020B0400000000000000" pitchFamily="50" charset="-128"/>
+                        <a:cs typeface="Arial" panose="020B0604020202020204" pitchFamily="34" charset="0"/>
                       </a:endParaRPr>
                     </a:p>
                   </a:txBody>
@@ -21185,6 +21570,266 @@
           </a:p>
         </p:txBody>
       </p:sp>
+      <p:sp>
+        <p:nvSpPr>
+          <p:cNvPr id="3" name="四角形: 角を丸くする 2">
+            <a:extLst>
+              <a:ext uri="{FF2B5EF4-FFF2-40B4-BE49-F238E27FC236}">
+                <a16:creationId xmlns:a16="http://schemas.microsoft.com/office/drawing/2014/main" id="{5C501757-B881-47A3-91E9-DFBAF6346DA8}"/>
+              </a:ext>
+            </a:extLst>
+          </p:cNvPr>
+          <p:cNvSpPr/>
+          <p:nvPr/>
+        </p:nvSpPr>
+        <p:spPr>
+          <a:xfrm>
+            <a:off x="5334000" y="2250831"/>
+            <a:ext cx="890954" cy="2719753"/>
+          </a:xfrm>
+          <a:prstGeom prst="roundRect">
+            <a:avLst/>
+          </a:prstGeom>
+          <a:noFill/>
+          <a:ln w="57150">
+            <a:solidFill>
+              <a:srgbClr val="FF0000"/>
+            </a:solidFill>
+          </a:ln>
+        </p:spPr>
+        <p:style>
+          <a:lnRef idx="2">
+            <a:schemeClr val="accent1">
+              <a:shade val="50000"/>
+            </a:schemeClr>
+          </a:lnRef>
+          <a:fillRef idx="1">
+            <a:schemeClr val="accent1"/>
+          </a:fillRef>
+          <a:effectRef idx="0">
+            <a:schemeClr val="accent1"/>
+          </a:effectRef>
+          <a:fontRef idx="minor">
+            <a:schemeClr val="lt1"/>
+          </a:fontRef>
+        </p:style>
+        <p:txBody>
+          <a:bodyPr rtlCol="0" anchor="ctr"/>
+          <a:lstStyle/>
+          <a:p>
+            <a:pPr algn="ctr"/>
+            <a:endParaRPr kumimoji="1" lang="ja-JP" altLang="en-US"/>
+          </a:p>
+        </p:txBody>
+      </p:sp>
+      <p:sp>
+        <p:nvSpPr>
+          <p:cNvPr id="6" name="四角形: 角を丸くする 5">
+            <a:extLst>
+              <a:ext uri="{FF2B5EF4-FFF2-40B4-BE49-F238E27FC236}">
+                <a16:creationId xmlns:a16="http://schemas.microsoft.com/office/drawing/2014/main" id="{208240FD-7DE8-438D-AB78-E03DE2B4AC34}"/>
+              </a:ext>
+            </a:extLst>
+          </p:cNvPr>
+          <p:cNvSpPr/>
+          <p:nvPr/>
+        </p:nvSpPr>
+        <p:spPr>
+          <a:xfrm>
+            <a:off x="6224954" y="2250831"/>
+            <a:ext cx="890954" cy="2719753"/>
+          </a:xfrm>
+          <a:prstGeom prst="roundRect">
+            <a:avLst/>
+          </a:prstGeom>
+          <a:noFill/>
+          <a:ln w="57150">
+            <a:solidFill>
+              <a:srgbClr val="FF0000"/>
+            </a:solidFill>
+          </a:ln>
+        </p:spPr>
+        <p:style>
+          <a:lnRef idx="2">
+            <a:schemeClr val="accent1">
+              <a:shade val="50000"/>
+            </a:schemeClr>
+          </a:lnRef>
+          <a:fillRef idx="1">
+            <a:schemeClr val="accent1"/>
+          </a:fillRef>
+          <a:effectRef idx="0">
+            <a:schemeClr val="accent1"/>
+          </a:effectRef>
+          <a:fontRef idx="minor">
+            <a:schemeClr val="lt1"/>
+          </a:fontRef>
+        </p:style>
+        <p:txBody>
+          <a:bodyPr rtlCol="0" anchor="ctr"/>
+          <a:lstStyle/>
+          <a:p>
+            <a:pPr algn="ctr"/>
+            <a:endParaRPr kumimoji="1" lang="ja-JP" altLang="en-US"/>
+          </a:p>
+        </p:txBody>
+      </p:sp>
+      <p:sp>
+        <p:nvSpPr>
+          <p:cNvPr id="7" name="四角形: 角を丸くする 6">
+            <a:extLst>
+              <a:ext uri="{FF2B5EF4-FFF2-40B4-BE49-F238E27FC236}">
+                <a16:creationId xmlns:a16="http://schemas.microsoft.com/office/drawing/2014/main" id="{8D98A0C8-A7C6-4EF6-A4DE-28B6A29BA4ED}"/>
+              </a:ext>
+            </a:extLst>
+          </p:cNvPr>
+          <p:cNvSpPr/>
+          <p:nvPr/>
+        </p:nvSpPr>
+        <p:spPr>
+          <a:xfrm>
+            <a:off x="10009925" y="2459922"/>
+            <a:ext cx="656484" cy="257907"/>
+          </a:xfrm>
+          <a:prstGeom prst="roundRect">
+            <a:avLst/>
+          </a:prstGeom>
+          <a:noFill/>
+          <a:ln w="57150">
+            <a:solidFill>
+              <a:srgbClr val="FF0000"/>
+            </a:solidFill>
+          </a:ln>
+        </p:spPr>
+        <p:style>
+          <a:lnRef idx="2">
+            <a:schemeClr val="accent1">
+              <a:shade val="50000"/>
+            </a:schemeClr>
+          </a:lnRef>
+          <a:fillRef idx="1">
+            <a:schemeClr val="accent1"/>
+          </a:fillRef>
+          <a:effectRef idx="0">
+            <a:schemeClr val="accent1"/>
+          </a:effectRef>
+          <a:fontRef idx="minor">
+            <a:schemeClr val="lt1"/>
+          </a:fontRef>
+        </p:style>
+        <p:txBody>
+          <a:bodyPr rtlCol="0" anchor="ctr"/>
+          <a:lstStyle/>
+          <a:p>
+            <a:pPr algn="ctr"/>
+            <a:endParaRPr kumimoji="1" lang="ja-JP" altLang="en-US"/>
+          </a:p>
+        </p:txBody>
+      </p:sp>
+      <p:sp>
+        <p:nvSpPr>
+          <p:cNvPr id="8" name="四角形: 角を丸くする 7">
+            <a:extLst>
+              <a:ext uri="{FF2B5EF4-FFF2-40B4-BE49-F238E27FC236}">
+                <a16:creationId xmlns:a16="http://schemas.microsoft.com/office/drawing/2014/main" id="{2930FA40-336A-4589-88C9-ADE31D1E828D}"/>
+              </a:ext>
+            </a:extLst>
+          </p:cNvPr>
+          <p:cNvSpPr/>
+          <p:nvPr/>
+        </p:nvSpPr>
+        <p:spPr>
+          <a:xfrm>
+            <a:off x="8743833" y="2459922"/>
+            <a:ext cx="656484" cy="257907"/>
+          </a:xfrm>
+          <a:prstGeom prst="roundRect">
+            <a:avLst/>
+          </a:prstGeom>
+          <a:noFill/>
+          <a:ln w="57150">
+            <a:solidFill>
+              <a:srgbClr val="FF0000"/>
+            </a:solidFill>
+          </a:ln>
+        </p:spPr>
+        <p:style>
+          <a:lnRef idx="2">
+            <a:schemeClr val="accent1">
+              <a:shade val="50000"/>
+            </a:schemeClr>
+          </a:lnRef>
+          <a:fillRef idx="1">
+            <a:schemeClr val="accent1"/>
+          </a:fillRef>
+          <a:effectRef idx="0">
+            <a:schemeClr val="accent1"/>
+          </a:effectRef>
+          <a:fontRef idx="minor">
+            <a:schemeClr val="lt1"/>
+          </a:fontRef>
+        </p:style>
+        <p:txBody>
+          <a:bodyPr rtlCol="0" anchor="ctr"/>
+          <a:lstStyle/>
+          <a:p>
+            <a:pPr algn="ctr"/>
+            <a:endParaRPr kumimoji="1" lang="ja-JP" altLang="en-US"/>
+          </a:p>
+        </p:txBody>
+      </p:sp>
+      <p:sp>
+        <p:nvSpPr>
+          <p:cNvPr id="9" name="四角形: 角を丸くする 8">
+            <a:extLst>
+              <a:ext uri="{FF2B5EF4-FFF2-40B4-BE49-F238E27FC236}">
+                <a16:creationId xmlns:a16="http://schemas.microsoft.com/office/drawing/2014/main" id="{ECF646E8-4113-4A93-AC38-DA0F3F0CA702}"/>
+              </a:ext>
+            </a:extLst>
+          </p:cNvPr>
+          <p:cNvSpPr/>
+          <p:nvPr/>
+        </p:nvSpPr>
+        <p:spPr>
+          <a:xfrm>
+            <a:off x="7902983" y="2250831"/>
+            <a:ext cx="877762" cy="2719753"/>
+          </a:xfrm>
+          <a:prstGeom prst="roundRect">
+            <a:avLst/>
+          </a:prstGeom>
+          <a:noFill/>
+          <a:ln w="57150">
+            <a:solidFill>
+              <a:srgbClr val="FF0000"/>
+            </a:solidFill>
+          </a:ln>
+        </p:spPr>
+        <p:style>
+          <a:lnRef idx="2">
+            <a:schemeClr val="accent1">
+              <a:shade val="50000"/>
+            </a:schemeClr>
+          </a:lnRef>
+          <a:fillRef idx="1">
+            <a:schemeClr val="accent1"/>
+          </a:fillRef>
+          <a:effectRef idx="0">
+            <a:schemeClr val="accent1"/>
+          </a:effectRef>
+          <a:fontRef idx="minor">
+            <a:schemeClr val="lt1"/>
+          </a:fontRef>
+        </p:style>
+        <p:txBody>
+          <a:bodyPr rtlCol="0" anchor="ctr"/>
+          <a:lstStyle/>
+          <a:p>
+            <a:pPr algn="ctr"/>
+            <a:endParaRPr kumimoji="1" lang="ja-JP" altLang="en-US"/>
+          </a:p>
+        </p:txBody>
+      </p:sp>
     </p:spTree>
     <p:extLst>
       <p:ext uri="{BB962C8B-B14F-4D97-AF65-F5344CB8AC3E}">
@@ -21195,6 +21840,316 @@
   <p:clrMapOvr>
     <a:masterClrMapping/>
   </p:clrMapOvr>
+  <p:timing>
+    <p:tnLst>
+      <p:par>
+        <p:cTn id="1" dur="indefinite" restart="never" nodeType="tmRoot">
+          <p:childTnLst>
+            <p:seq concurrent="1" nextAc="seek">
+              <p:cTn id="2" dur="indefinite" nodeType="mainSeq">
+                <p:childTnLst>
+                  <p:par>
+                    <p:cTn id="3" fill="hold">
+                      <p:stCondLst>
+                        <p:cond delay="indefinite"/>
+                      </p:stCondLst>
+                      <p:childTnLst>
+                        <p:par>
+                          <p:cTn id="4" fill="hold">
+                            <p:stCondLst>
+                              <p:cond delay="0"/>
+                            </p:stCondLst>
+                            <p:childTnLst>
+                              <p:par>
+                                <p:cTn id="5" presetID="1" presetClass="entr" presetSubtype="0" fill="hold" grpId="0" nodeType="clickEffect">
+                                  <p:stCondLst>
+                                    <p:cond delay="0"/>
+                                  </p:stCondLst>
+                                  <p:childTnLst>
+                                    <p:set>
+                                      <p:cBhvr>
+                                        <p:cTn id="6" dur="1" fill="hold">
+                                          <p:stCondLst>
+                                            <p:cond delay="0"/>
+                                          </p:stCondLst>
+                                        </p:cTn>
+                                        <p:tgtEl>
+                                          <p:spTgt spid="3"/>
+                                        </p:tgtEl>
+                                        <p:attrNameLst>
+                                          <p:attrName>style.visibility</p:attrName>
+                                        </p:attrNameLst>
+                                      </p:cBhvr>
+                                      <p:to>
+                                        <p:strVal val="visible"/>
+                                      </p:to>
+                                    </p:set>
+                                  </p:childTnLst>
+                                </p:cTn>
+                              </p:par>
+                            </p:childTnLst>
+                          </p:cTn>
+                        </p:par>
+                      </p:childTnLst>
+                    </p:cTn>
+                  </p:par>
+                  <p:par>
+                    <p:cTn id="7" fill="hold">
+                      <p:stCondLst>
+                        <p:cond delay="indefinite"/>
+                      </p:stCondLst>
+                      <p:childTnLst>
+                        <p:par>
+                          <p:cTn id="8" fill="hold">
+                            <p:stCondLst>
+                              <p:cond delay="0"/>
+                            </p:stCondLst>
+                            <p:childTnLst>
+                              <p:par>
+                                <p:cTn id="9" presetID="1" presetClass="exit" presetSubtype="0" fill="hold" grpId="1" nodeType="clickEffect">
+                                  <p:stCondLst>
+                                    <p:cond delay="0"/>
+                                  </p:stCondLst>
+                                  <p:childTnLst>
+                                    <p:set>
+                                      <p:cBhvr>
+                                        <p:cTn id="10" dur="1" fill="hold">
+                                          <p:stCondLst>
+                                            <p:cond delay="0"/>
+                                          </p:stCondLst>
+                                        </p:cTn>
+                                        <p:tgtEl>
+                                          <p:spTgt spid="3"/>
+                                        </p:tgtEl>
+                                        <p:attrNameLst>
+                                          <p:attrName>style.visibility</p:attrName>
+                                        </p:attrNameLst>
+                                      </p:cBhvr>
+                                      <p:to>
+                                        <p:strVal val="hidden"/>
+                                      </p:to>
+                                    </p:set>
+                                  </p:childTnLst>
+                                </p:cTn>
+                              </p:par>
+                              <p:par>
+                                <p:cTn id="11" presetID="1" presetClass="entr" presetSubtype="0" fill="hold" grpId="0" nodeType="withEffect">
+                                  <p:stCondLst>
+                                    <p:cond delay="0"/>
+                                  </p:stCondLst>
+                                  <p:childTnLst>
+                                    <p:set>
+                                      <p:cBhvr>
+                                        <p:cTn id="12" dur="1" fill="hold">
+                                          <p:stCondLst>
+                                            <p:cond delay="0"/>
+                                          </p:stCondLst>
+                                        </p:cTn>
+                                        <p:tgtEl>
+                                          <p:spTgt spid="6"/>
+                                        </p:tgtEl>
+                                        <p:attrNameLst>
+                                          <p:attrName>style.visibility</p:attrName>
+                                        </p:attrNameLst>
+                                      </p:cBhvr>
+                                      <p:to>
+                                        <p:strVal val="visible"/>
+                                      </p:to>
+                                    </p:set>
+                                  </p:childTnLst>
+                                </p:cTn>
+                              </p:par>
+                              <p:par>
+                                <p:cTn id="13" presetID="1" presetClass="entr" presetSubtype="0" fill="hold" grpId="0" nodeType="withEffect">
+                                  <p:stCondLst>
+                                    <p:cond delay="0"/>
+                                  </p:stCondLst>
+                                  <p:childTnLst>
+                                    <p:set>
+                                      <p:cBhvr>
+                                        <p:cTn id="14" dur="1" fill="hold">
+                                          <p:stCondLst>
+                                            <p:cond delay="0"/>
+                                          </p:stCondLst>
+                                        </p:cTn>
+                                        <p:tgtEl>
+                                          <p:spTgt spid="9"/>
+                                        </p:tgtEl>
+                                        <p:attrNameLst>
+                                          <p:attrName>style.visibility</p:attrName>
+                                        </p:attrNameLst>
+                                      </p:cBhvr>
+                                      <p:to>
+                                        <p:strVal val="visible"/>
+                                      </p:to>
+                                    </p:set>
+                                  </p:childTnLst>
+                                </p:cTn>
+                              </p:par>
+                            </p:childTnLst>
+                          </p:cTn>
+                        </p:par>
+                      </p:childTnLst>
+                    </p:cTn>
+                  </p:par>
+                  <p:par>
+                    <p:cTn id="15" fill="hold">
+                      <p:stCondLst>
+                        <p:cond delay="indefinite"/>
+                      </p:stCondLst>
+                      <p:childTnLst>
+                        <p:par>
+                          <p:cTn id="16" fill="hold">
+                            <p:stCondLst>
+                              <p:cond delay="0"/>
+                            </p:stCondLst>
+                            <p:childTnLst>
+                              <p:par>
+                                <p:cTn id="17" presetID="1" presetClass="exit" presetSubtype="0" fill="hold" grpId="1" nodeType="clickEffect">
+                                  <p:stCondLst>
+                                    <p:cond delay="0"/>
+                                  </p:stCondLst>
+                                  <p:childTnLst>
+                                    <p:set>
+                                      <p:cBhvr>
+                                        <p:cTn id="18" dur="1" fill="hold">
+                                          <p:stCondLst>
+                                            <p:cond delay="0"/>
+                                          </p:stCondLst>
+                                        </p:cTn>
+                                        <p:tgtEl>
+                                          <p:spTgt spid="6"/>
+                                        </p:tgtEl>
+                                        <p:attrNameLst>
+                                          <p:attrName>style.visibility</p:attrName>
+                                        </p:attrNameLst>
+                                      </p:cBhvr>
+                                      <p:to>
+                                        <p:strVal val="hidden"/>
+                                      </p:to>
+                                    </p:set>
+                                  </p:childTnLst>
+                                </p:cTn>
+                              </p:par>
+                              <p:par>
+                                <p:cTn id="19" presetID="1" presetClass="exit" presetSubtype="0" fill="hold" grpId="1" nodeType="withEffect">
+                                  <p:stCondLst>
+                                    <p:cond delay="0"/>
+                                  </p:stCondLst>
+                                  <p:childTnLst>
+                                    <p:set>
+                                      <p:cBhvr>
+                                        <p:cTn id="20" dur="1" fill="hold">
+                                          <p:stCondLst>
+                                            <p:cond delay="0"/>
+                                          </p:stCondLst>
+                                        </p:cTn>
+                                        <p:tgtEl>
+                                          <p:spTgt spid="9"/>
+                                        </p:tgtEl>
+                                        <p:attrNameLst>
+                                          <p:attrName>style.visibility</p:attrName>
+                                        </p:attrNameLst>
+                                      </p:cBhvr>
+                                      <p:to>
+                                        <p:strVal val="hidden"/>
+                                      </p:to>
+                                    </p:set>
+                                  </p:childTnLst>
+                                </p:cTn>
+                              </p:par>
+                              <p:par>
+                                <p:cTn id="21" presetID="1" presetClass="entr" presetSubtype="0" fill="hold" grpId="0" nodeType="withEffect">
+                                  <p:stCondLst>
+                                    <p:cond delay="0"/>
+                                  </p:stCondLst>
+                                  <p:childTnLst>
+                                    <p:set>
+                                      <p:cBhvr>
+                                        <p:cTn id="22" dur="1" fill="hold">
+                                          <p:stCondLst>
+                                            <p:cond delay="0"/>
+                                          </p:stCondLst>
+                                        </p:cTn>
+                                        <p:tgtEl>
+                                          <p:spTgt spid="8"/>
+                                        </p:tgtEl>
+                                        <p:attrNameLst>
+                                          <p:attrName>style.visibility</p:attrName>
+                                        </p:attrNameLst>
+                                      </p:cBhvr>
+                                      <p:to>
+                                        <p:strVal val="visible"/>
+                                      </p:to>
+                                    </p:set>
+                                  </p:childTnLst>
+                                </p:cTn>
+                              </p:par>
+                              <p:par>
+                                <p:cTn id="23" presetID="1" presetClass="entr" presetSubtype="0" fill="hold" grpId="0" nodeType="withEffect">
+                                  <p:stCondLst>
+                                    <p:cond delay="0"/>
+                                  </p:stCondLst>
+                                  <p:childTnLst>
+                                    <p:set>
+                                      <p:cBhvr>
+                                        <p:cTn id="24" dur="1" fill="hold">
+                                          <p:stCondLst>
+                                            <p:cond delay="0"/>
+                                          </p:stCondLst>
+                                        </p:cTn>
+                                        <p:tgtEl>
+                                          <p:spTgt spid="7"/>
+                                        </p:tgtEl>
+                                        <p:attrNameLst>
+                                          <p:attrName>style.visibility</p:attrName>
+                                        </p:attrNameLst>
+                                      </p:cBhvr>
+                                      <p:to>
+                                        <p:strVal val="visible"/>
+                                      </p:to>
+                                    </p:set>
+                                  </p:childTnLst>
+                                </p:cTn>
+                              </p:par>
+                            </p:childTnLst>
+                          </p:cTn>
+                        </p:par>
+                      </p:childTnLst>
+                    </p:cTn>
+                  </p:par>
+                </p:childTnLst>
+              </p:cTn>
+              <p:prevCondLst>
+                <p:cond evt="onPrev" delay="0">
+                  <p:tgtEl>
+                    <p:sldTgt/>
+                  </p:tgtEl>
+                </p:cond>
+              </p:prevCondLst>
+              <p:nextCondLst>
+                <p:cond evt="onNext" delay="0">
+                  <p:tgtEl>
+                    <p:sldTgt/>
+                  </p:tgtEl>
+                </p:cond>
+              </p:nextCondLst>
+            </p:seq>
+          </p:childTnLst>
+        </p:cTn>
+      </p:par>
+    </p:tnLst>
+    <p:bldLst>
+      <p:bldP spid="3" grpId="0" animBg="1"/>
+      <p:bldP spid="3" grpId="1" animBg="1"/>
+      <p:bldP spid="6" grpId="0" animBg="1"/>
+      <p:bldP spid="6" grpId="1" animBg="1"/>
+      <p:bldP spid="7" grpId="0" animBg="1"/>
+      <p:bldP spid="8" grpId="0" animBg="1"/>
+      <p:bldP spid="9" grpId="0" animBg="1"/>
+      <p:bldP spid="9" grpId="1" animBg="1"/>
+    </p:bldLst>
+  </p:timing>
 </p:sld>
 </file>
 
@@ -22667,8 +23622,8 @@
             </a:p>
           </p:txBody>
         </p:sp>
-        <mc:AlternateContent xmlns:mc="http://schemas.openxmlformats.org/markup-compatibility/2006">
-          <mc:Choice xmlns:a14="http://schemas.microsoft.com/office/drawing/2010/main" Requires="a14">
+        <mc:AlternateContent xmlns:mc="http://schemas.openxmlformats.org/markup-compatibility/2006" xmlns:a14="http://schemas.microsoft.com/office/drawing/2010/main">
+          <mc:Choice Requires="a14">
             <p:sp>
               <p:nvSpPr>
                 <p:cNvPr id="98" name="テキスト ボックス 97">
@@ -22718,7 +23673,7 @@
               </p:txBody>
             </p:sp>
           </mc:Choice>
-          <mc:Fallback>
+          <mc:Fallback xmlns="">
             <p:sp>
               <p:nvSpPr>
                 <p:cNvPr id="98" name="テキスト ボックス 97">
@@ -23977,6 +24932,120 @@
           </a:fontRef>
         </p:style>
       </p:cxnSp>
+      <mc:AlternateContent xmlns:mc="http://schemas.openxmlformats.org/markup-compatibility/2006" xmlns:a14="http://schemas.microsoft.com/office/drawing/2010/main">
+        <mc:Choice Requires="a14">
+          <p:sp>
+            <p:nvSpPr>
+              <p:cNvPr id="5" name="テキスト ボックス 4">
+                <a:extLst>
+                  <a:ext uri="{FF2B5EF4-FFF2-40B4-BE49-F238E27FC236}">
+                    <a16:creationId xmlns:a16="http://schemas.microsoft.com/office/drawing/2014/main" id="{D89800A6-9895-46C3-B583-BCDEFAB6DD55}"/>
+                  </a:ext>
+                </a:extLst>
+              </p:cNvPr>
+              <p:cNvSpPr txBox="1"/>
+              <p:nvPr/>
+            </p:nvSpPr>
+            <p:spPr>
+              <a:xfrm>
+                <a:off x="2921806" y="4081412"/>
+                <a:ext cx="1596021" cy="461665"/>
+              </a:xfrm>
+              <a:prstGeom prst="rect">
+                <a:avLst/>
+              </a:prstGeom>
+              <a:noFill/>
+            </p:spPr>
+            <p:txBody>
+              <a:bodyPr wrap="square" rtlCol="0">
+                <a:spAutoFit/>
+              </a:bodyPr>
+              <a:lstStyle/>
+              <a:p>
+                <a:pPr lvl="0" algn="ctr"/>
+                <a14:m>
+                  <m:oMath xmlns:m="http://schemas.openxmlformats.org/officeDocument/2006/math">
+                    <m:r>
+                      <a:rPr lang="en-US" altLang="ja-JP" sz="2400" i="1">
+                        <a:solidFill>
+                          <a:prstClr val="black"/>
+                        </a:solidFill>
+                        <a:latin typeface="Cambria Math" panose="02040503050406030204" pitchFamily="18" charset="0"/>
+                      </a:rPr>
+                      <m:t>𝑥</m:t>
+                    </m:r>
+                  </m:oMath>
+                </a14:m>
+                <a:r>
+                  <a:rPr lang="ja-JP" altLang="en-US" sz="2400" dirty="0">
+                    <a:solidFill>
+                      <a:prstClr val="black"/>
+                    </a:solidFill>
+                  </a:rPr>
+                  <a:t> </a:t>
+                </a:r>
+                <a:r>
+                  <a:rPr lang="en-US" altLang="ja-JP" sz="2400" dirty="0">
+                    <a:solidFill>
+                      <a:prstClr val="black"/>
+                    </a:solidFill>
+                  </a:rPr>
+                  <a:t>features</a:t>
+                </a:r>
+                <a:endParaRPr lang="ja-JP" altLang="en-US" sz="2400" dirty="0">
+                  <a:solidFill>
+                    <a:prstClr val="black"/>
+                  </a:solidFill>
+                </a:endParaRPr>
+              </a:p>
+            </p:txBody>
+          </p:sp>
+        </mc:Choice>
+        <mc:Fallback xmlns="">
+          <p:sp>
+            <p:nvSpPr>
+              <p:cNvPr id="5" name="テキスト ボックス 4">
+                <a:extLst>
+                  <a:ext uri="{FF2B5EF4-FFF2-40B4-BE49-F238E27FC236}">
+                    <a16:creationId xmlns:a16="http://schemas.microsoft.com/office/drawing/2014/main" id="{D89800A6-9895-46C3-B583-BCDEFAB6DD55}"/>
+                  </a:ext>
+                </a:extLst>
+              </p:cNvPr>
+              <p:cNvSpPr txBox="1">
+                <a:spLocks noRot="1" noChangeAspect="1" noMove="1" noResize="1" noEditPoints="1" noAdjustHandles="1" noChangeArrowheads="1" noChangeShapeType="1" noTextEdit="1"/>
+              </p:cNvSpPr>
+              <p:nvPr/>
+            </p:nvSpPr>
+            <p:spPr>
+              <a:xfrm>
+                <a:off x="2921806" y="4081412"/>
+                <a:ext cx="1596021" cy="461665"/>
+              </a:xfrm>
+              <a:prstGeom prst="rect">
+                <a:avLst/>
+              </a:prstGeom>
+              <a:blipFill>
+                <a:blip r:embed="rId10"/>
+                <a:stretch>
+                  <a:fillRect t="-10667" b="-30667"/>
+                </a:stretch>
+              </a:blipFill>
+            </p:spPr>
+            <p:txBody>
+              <a:bodyPr/>
+              <a:lstStyle/>
+              <a:p>
+                <a:r>
+                  <a:rPr lang="ja-JP" altLang="en-US">
+                    <a:noFill/>
+                  </a:rPr>
+                  <a:t> </a:t>
+                </a:r>
+              </a:p>
+            </p:txBody>
+          </p:sp>
+        </mc:Fallback>
+      </mc:AlternateContent>
     </p:spTree>
     <p:extLst>
       <p:ext uri="{BB962C8B-B14F-4D97-AF65-F5344CB8AC3E}">
@@ -24068,10 +25137,10 @@
       </p:sp>
       <p:grpSp>
         <p:nvGrpSpPr>
-          <p:cNvPr id="5" name="グループ化 4">
+          <p:cNvPr id="122" name="グループ化 121">
             <a:extLst>
               <a:ext uri="{FF2B5EF4-FFF2-40B4-BE49-F238E27FC236}">
-                <a16:creationId xmlns:a16="http://schemas.microsoft.com/office/drawing/2014/main" id="{9236FFDC-3B8A-4C99-A831-E1D527EE3DA2}"/>
+                <a16:creationId xmlns:a16="http://schemas.microsoft.com/office/drawing/2014/main" id="{4494F871-D2C4-462E-8EFD-020F496AA39F}"/>
               </a:ext>
             </a:extLst>
           </p:cNvPr>
@@ -24082,7 +25151,7 @@
           <a:xfrm>
             <a:off x="678809" y="1450008"/>
             <a:ext cx="10844703" cy="4955402"/>
-            <a:chOff x="886806" y="1328443"/>
+            <a:chOff x="678809" y="1450008"/>
             <a:chExt cx="10844703" cy="4955402"/>
           </a:xfrm>
         </p:grpSpPr>
@@ -24114,7 +25183,7 @@
           </p:blipFill>
           <p:spPr>
             <a:xfrm>
-              <a:off x="1971442" y="3175527"/>
+              <a:off x="1763445" y="3297092"/>
               <a:ext cx="645842" cy="809129"/>
             </a:xfrm>
             <a:prstGeom prst="rect">
@@ -24150,7 +25219,7 @@
           </p:blipFill>
           <p:spPr>
             <a:xfrm>
-              <a:off x="1971442" y="4882590"/>
+              <a:off x="1763445" y="5004155"/>
               <a:ext cx="645842" cy="809129"/>
             </a:xfrm>
             <a:prstGeom prst="rect">
@@ -24186,7 +25255,7 @@
           </p:blipFill>
           <p:spPr>
             <a:xfrm>
-              <a:off x="1971442" y="4029058"/>
+              <a:off x="1763445" y="4150623"/>
               <a:ext cx="645842" cy="809129"/>
             </a:xfrm>
             <a:prstGeom prst="rect">
@@ -24222,7 +25291,7 @@
           </p:blipFill>
           <p:spPr>
             <a:xfrm>
-              <a:off x="1971442" y="2321996"/>
+              <a:off x="1763445" y="2443561"/>
               <a:ext cx="645842" cy="809129"/>
             </a:xfrm>
             <a:prstGeom prst="rect">
@@ -24244,7 +25313,7 @@
           </p:nvGrpSpPr>
           <p:grpSpPr>
             <a:xfrm>
-              <a:off x="3099115" y="2375537"/>
+              <a:off x="2891118" y="2497102"/>
               <a:ext cx="830739" cy="702047"/>
               <a:chOff x="3022637" y="1977172"/>
               <a:chExt cx="871342" cy="1031656"/>
@@ -24408,7 +25477,7 @@
           </p:nvGrpSpPr>
           <p:grpSpPr>
             <a:xfrm>
-              <a:off x="3099115" y="3229068"/>
+              <a:off x="2891118" y="3350633"/>
               <a:ext cx="830739" cy="702047"/>
               <a:chOff x="3022637" y="1977172"/>
               <a:chExt cx="871342" cy="1031656"/>
@@ -24572,7 +25641,7 @@
           </p:nvGrpSpPr>
           <p:grpSpPr>
             <a:xfrm>
-              <a:off x="3099115" y="4082599"/>
+              <a:off x="2891118" y="4204164"/>
               <a:ext cx="830739" cy="702047"/>
               <a:chOff x="3022637" y="1977172"/>
               <a:chExt cx="871342" cy="1031656"/>
@@ -24736,7 +25805,7 @@
           </p:nvGrpSpPr>
           <p:grpSpPr>
             <a:xfrm>
-              <a:off x="3099115" y="4935470"/>
+              <a:off x="2891118" y="5057035"/>
               <a:ext cx="830739" cy="702047"/>
               <a:chOff x="3022637" y="1977172"/>
               <a:chExt cx="871342" cy="1031656"/>
@@ -24900,7 +25969,7 @@
           </p:nvSpPr>
           <p:spPr>
             <a:xfrm>
-              <a:off x="4410803" y="2321996"/>
+              <a:off x="4202806" y="2443561"/>
               <a:ext cx="498952" cy="755588"/>
             </a:xfrm>
             <a:prstGeom prst="rect">
@@ -24952,7 +26021,7 @@
           </p:nvSpPr>
           <p:spPr>
             <a:xfrm>
-              <a:off x="4410803" y="3175526"/>
+              <a:off x="4202806" y="3297091"/>
               <a:ext cx="498952" cy="755588"/>
             </a:xfrm>
             <a:prstGeom prst="rect">
@@ -25004,7 +26073,7 @@
           </p:nvSpPr>
           <p:spPr>
             <a:xfrm>
-              <a:off x="4410803" y="4029058"/>
+              <a:off x="4202806" y="4150623"/>
               <a:ext cx="498952" cy="755588"/>
             </a:xfrm>
             <a:prstGeom prst="rect">
@@ -25056,7 +26125,7 @@
           </p:nvSpPr>
           <p:spPr>
             <a:xfrm>
-              <a:off x="4410803" y="4882587"/>
+              <a:off x="4202806" y="5004152"/>
               <a:ext cx="498952" cy="755588"/>
             </a:xfrm>
             <a:prstGeom prst="rect">
@@ -25110,7 +26179,7 @@
           </p:nvCxnSpPr>
           <p:spPr>
             <a:xfrm>
-              <a:off x="2674434" y="2726561"/>
+              <a:off x="2466437" y="2848126"/>
               <a:ext cx="360000" cy="2853"/>
             </a:xfrm>
             <a:prstGeom prst="straightConnector1">
@@ -25151,7 +26220,7 @@
           </p:nvCxnSpPr>
           <p:spPr>
             <a:xfrm>
-              <a:off x="2675424" y="3577238"/>
+              <a:off x="2467427" y="3698803"/>
               <a:ext cx="360000" cy="2853"/>
             </a:xfrm>
             <a:prstGeom prst="straightConnector1">
@@ -25192,7 +26261,7 @@
           </p:nvCxnSpPr>
           <p:spPr>
             <a:xfrm>
-              <a:off x="2675424" y="4433622"/>
+              <a:off x="2467427" y="4555187"/>
               <a:ext cx="360000" cy="2853"/>
             </a:xfrm>
             <a:prstGeom prst="straightConnector1">
@@ -25233,7 +26302,7 @@
           </p:nvCxnSpPr>
           <p:spPr>
             <a:xfrm>
-              <a:off x="2675424" y="5290006"/>
+              <a:off x="2467427" y="5411571"/>
               <a:ext cx="360000" cy="2853"/>
             </a:xfrm>
             <a:prstGeom prst="straightConnector1">
@@ -25274,7 +26343,7 @@
           </p:nvCxnSpPr>
           <p:spPr>
             <a:xfrm>
-              <a:off x="3967966" y="2704784"/>
+              <a:off x="3759969" y="2826349"/>
               <a:ext cx="360000" cy="2853"/>
             </a:xfrm>
             <a:prstGeom prst="straightConnector1">
@@ -25315,7 +26384,7 @@
           </p:nvCxnSpPr>
           <p:spPr>
             <a:xfrm>
-              <a:off x="3967966" y="3555461"/>
+              <a:off x="3759969" y="3677026"/>
               <a:ext cx="360000" cy="2853"/>
             </a:xfrm>
             <a:prstGeom prst="straightConnector1">
@@ -25356,7 +26425,7 @@
           </p:nvCxnSpPr>
           <p:spPr>
             <a:xfrm>
-              <a:off x="3967966" y="4411845"/>
+              <a:off x="3759969" y="4533410"/>
               <a:ext cx="360000" cy="2853"/>
             </a:xfrm>
             <a:prstGeom prst="straightConnector1">
@@ -25397,7 +26466,7 @@
           </p:nvCxnSpPr>
           <p:spPr>
             <a:xfrm>
-              <a:off x="3967966" y="5268229"/>
+              <a:off x="3759969" y="5389794"/>
               <a:ext cx="360000" cy="2853"/>
             </a:xfrm>
             <a:prstGeom prst="straightConnector1">
@@ -25438,7 +26507,7 @@
           </p:nvCxnSpPr>
           <p:spPr>
             <a:xfrm>
-              <a:off x="8108018" y="2726561"/>
+              <a:off x="7900021" y="2848126"/>
               <a:ext cx="995540" cy="502507"/>
             </a:xfrm>
             <a:prstGeom prst="straightConnector1">
@@ -25479,7 +26548,7 @@
           </p:nvCxnSpPr>
           <p:spPr>
             <a:xfrm>
-              <a:off x="8109008" y="3577238"/>
+              <a:off x="7901011" y="3698803"/>
               <a:ext cx="994550" cy="182934"/>
             </a:xfrm>
             <a:prstGeom prst="straightConnector1">
@@ -25520,7 +26589,7 @@
           </p:nvCxnSpPr>
           <p:spPr>
             <a:xfrm flipV="1">
-              <a:off x="8109008" y="4234117"/>
+              <a:off x="7901011" y="4355682"/>
               <a:ext cx="994550" cy="199505"/>
             </a:xfrm>
             <a:prstGeom prst="straightConnector1">
@@ -25561,7 +26630,7 @@
           </p:nvCxnSpPr>
           <p:spPr>
             <a:xfrm flipV="1">
-              <a:off x="8109008" y="4784644"/>
+              <a:off x="7901011" y="4906209"/>
               <a:ext cx="994550" cy="505364"/>
             </a:xfrm>
             <a:prstGeom prst="straightConnector1">
@@ -25600,7 +26669,7 @@
           </p:nvSpPr>
           <p:spPr>
             <a:xfrm>
-              <a:off x="1920683" y="2076022"/>
+              <a:off x="1712686" y="2197587"/>
               <a:ext cx="811530" cy="254637"/>
             </a:xfrm>
             <a:prstGeom prst="rect">
@@ -25637,7 +26706,7 @@
           </p:nvSpPr>
           <p:spPr>
             <a:xfrm>
-              <a:off x="2914577" y="1890396"/>
+              <a:off x="2706580" y="2011961"/>
               <a:ext cx="1074419" cy="432881"/>
             </a:xfrm>
             <a:prstGeom prst="rect">
@@ -25685,7 +26754,7 @@
           </p:nvSpPr>
           <p:spPr>
             <a:xfrm>
-              <a:off x="4230629" y="2049125"/>
+              <a:off x="4022632" y="2170690"/>
               <a:ext cx="863260" cy="307777"/>
             </a:xfrm>
             <a:prstGeom prst="rect">
@@ -25722,7 +26791,7 @@
           </p:nvSpPr>
           <p:spPr>
             <a:xfrm>
-              <a:off x="6457855" y="2315004"/>
+              <a:off x="6249858" y="2436569"/>
               <a:ext cx="507109" cy="769441"/>
             </a:xfrm>
             <a:prstGeom prst="rect">
@@ -25780,7 +26849,7 @@
           </p:nvSpPr>
           <p:spPr>
             <a:xfrm>
-              <a:off x="1757153" y="5691718"/>
+              <a:off x="1549156" y="5813283"/>
               <a:ext cx="1074420" cy="305563"/>
             </a:xfrm>
             <a:prstGeom prst="rect">
@@ -25817,7 +26886,7 @@
           </p:nvSpPr>
           <p:spPr>
             <a:xfrm>
-              <a:off x="2919115" y="5637517"/>
+              <a:off x="2711118" y="5759082"/>
               <a:ext cx="1074420" cy="534736"/>
             </a:xfrm>
             <a:prstGeom prst="rect">
@@ -25861,7 +26930,7 @@
           </p:nvSpPr>
           <p:spPr>
             <a:xfrm>
-              <a:off x="4126128" y="5637516"/>
+              <a:off x="3918131" y="5759081"/>
               <a:ext cx="1074420" cy="534736"/>
             </a:xfrm>
             <a:prstGeom prst="rect">
@@ -25906,7 +26975,7 @@
           </p:nvSpPr>
           <p:spPr>
             <a:xfrm>
-              <a:off x="9414949" y="5183897"/>
+              <a:off x="9206952" y="5305462"/>
               <a:ext cx="1676400" cy="534736"/>
             </a:xfrm>
             <a:prstGeom prst="rect">
@@ -25954,7 +27023,7 @@
           </p:nvSpPr>
           <p:spPr>
             <a:xfrm>
-              <a:off x="886806" y="5129889"/>
+              <a:off x="678809" y="5251454"/>
               <a:ext cx="1224865" cy="307777"/>
             </a:xfrm>
             <a:prstGeom prst="rect">
@@ -25991,7 +27060,7 @@
           </p:nvSpPr>
           <p:spPr>
             <a:xfrm>
-              <a:off x="889559" y="4280841"/>
+              <a:off x="681562" y="4402406"/>
               <a:ext cx="1224865" cy="307777"/>
             </a:xfrm>
             <a:prstGeom prst="rect">
@@ -26028,7 +27097,7 @@
           </p:nvSpPr>
           <p:spPr>
             <a:xfrm>
-              <a:off x="888023" y="3431793"/>
+              <a:off x="680026" y="3553358"/>
               <a:ext cx="1224865" cy="307777"/>
             </a:xfrm>
             <a:prstGeom prst="rect">
@@ -26065,7 +27134,7 @@
           </p:nvSpPr>
           <p:spPr>
             <a:xfrm>
-              <a:off x="901771" y="2579805"/>
+              <a:off x="693774" y="2701370"/>
               <a:ext cx="1224865" cy="307777"/>
             </a:xfrm>
             <a:prstGeom prst="rect">
@@ -26102,7 +27171,7 @@
           </p:nvSpPr>
           <p:spPr>
             <a:xfrm>
-              <a:off x="5437401" y="2321994"/>
+              <a:off x="5229404" y="2443559"/>
               <a:ext cx="498952" cy="755588"/>
             </a:xfrm>
             <a:prstGeom prst="rect">
@@ -26154,7 +27223,7 @@
           </p:nvSpPr>
           <p:spPr>
             <a:xfrm>
-              <a:off x="5437401" y="3175524"/>
+              <a:off x="5229404" y="3297089"/>
               <a:ext cx="498952" cy="755588"/>
             </a:xfrm>
             <a:prstGeom prst="rect">
@@ -26206,7 +27275,7 @@
           </p:nvSpPr>
           <p:spPr>
             <a:xfrm>
-              <a:off x="5437401" y="4029056"/>
+              <a:off x="5229404" y="4150621"/>
               <a:ext cx="498952" cy="755588"/>
             </a:xfrm>
             <a:prstGeom prst="rect">
@@ -26258,7 +27327,7 @@
           </p:nvSpPr>
           <p:spPr>
             <a:xfrm>
-              <a:off x="5437401" y="4882585"/>
+              <a:off x="5229404" y="5004150"/>
               <a:ext cx="498952" cy="755588"/>
             </a:xfrm>
             <a:prstGeom prst="rect">
@@ -26312,7 +27381,7 @@
           </p:nvCxnSpPr>
           <p:spPr>
             <a:xfrm>
-              <a:off x="4994564" y="2704782"/>
+              <a:off x="4786567" y="2826347"/>
               <a:ext cx="360000" cy="2853"/>
             </a:xfrm>
             <a:prstGeom prst="straightConnector1">
@@ -26353,7 +27422,7 @@
           </p:nvCxnSpPr>
           <p:spPr>
             <a:xfrm>
-              <a:off x="4994564" y="3555459"/>
+              <a:off x="4786567" y="3677024"/>
               <a:ext cx="360000" cy="2853"/>
             </a:xfrm>
             <a:prstGeom prst="straightConnector1">
@@ -26394,7 +27463,7 @@
           </p:nvCxnSpPr>
           <p:spPr>
             <a:xfrm>
-              <a:off x="4994564" y="4411843"/>
+              <a:off x="4786567" y="4533408"/>
               <a:ext cx="360000" cy="2853"/>
             </a:xfrm>
             <a:prstGeom prst="straightConnector1">
@@ -26435,7 +27504,7 @@
           </p:nvCxnSpPr>
           <p:spPr>
             <a:xfrm>
-              <a:off x="4994564" y="5268227"/>
+              <a:off x="4786567" y="5389792"/>
               <a:ext cx="360000" cy="2853"/>
             </a:xfrm>
             <a:prstGeom prst="straightConnector1">
@@ -26474,7 +27543,7 @@
           </p:nvSpPr>
           <p:spPr>
             <a:xfrm>
-              <a:off x="5152726" y="5637514"/>
+              <a:off x="4944729" y="5759079"/>
               <a:ext cx="1074420" cy="646331"/>
             </a:xfrm>
             <a:prstGeom prst="rect">
@@ -26519,7 +27588,7 @@
           </p:nvSpPr>
           <p:spPr>
             <a:xfrm>
-              <a:off x="6461807" y="2321994"/>
+              <a:off x="6253810" y="2443559"/>
               <a:ext cx="498952" cy="755588"/>
             </a:xfrm>
             <a:prstGeom prst="rect">
@@ -26571,7 +27640,7 @@
           </p:nvSpPr>
           <p:spPr>
             <a:xfrm>
-              <a:off x="6461807" y="3175524"/>
+              <a:off x="6253810" y="3297089"/>
               <a:ext cx="498952" cy="755588"/>
             </a:xfrm>
             <a:prstGeom prst="rect">
@@ -26623,7 +27692,7 @@
           </p:nvSpPr>
           <p:spPr>
             <a:xfrm>
-              <a:off x="6461807" y="4029056"/>
+              <a:off x="6253810" y="4150621"/>
               <a:ext cx="498952" cy="755588"/>
             </a:xfrm>
             <a:prstGeom prst="rect">
@@ -26675,7 +27744,7 @@
           </p:nvSpPr>
           <p:spPr>
             <a:xfrm>
-              <a:off x="6461807" y="4882585"/>
+              <a:off x="6253810" y="5004150"/>
               <a:ext cx="498952" cy="755588"/>
             </a:xfrm>
             <a:prstGeom prst="rect">
@@ -26729,7 +27798,7 @@
           </p:nvCxnSpPr>
           <p:spPr>
             <a:xfrm>
-              <a:off x="6018970" y="2704782"/>
+              <a:off x="5810973" y="2826347"/>
               <a:ext cx="360000" cy="2853"/>
             </a:xfrm>
             <a:prstGeom prst="straightConnector1">
@@ -26770,7 +27839,7 @@
           </p:nvCxnSpPr>
           <p:spPr>
             <a:xfrm>
-              <a:off x="6018970" y="3555459"/>
+              <a:off x="5810973" y="3677024"/>
               <a:ext cx="360000" cy="2853"/>
             </a:xfrm>
             <a:prstGeom prst="straightConnector1">
@@ -26811,7 +27880,7 @@
           </p:nvCxnSpPr>
           <p:spPr>
             <a:xfrm>
-              <a:off x="6018970" y="4411843"/>
+              <a:off x="5810973" y="4533408"/>
               <a:ext cx="360000" cy="2853"/>
             </a:xfrm>
             <a:prstGeom prst="straightConnector1">
@@ -26852,7 +27921,7 @@
           </p:nvCxnSpPr>
           <p:spPr>
             <a:xfrm>
-              <a:off x="6018970" y="5268227"/>
+              <a:off x="5810973" y="5389792"/>
               <a:ext cx="360000" cy="2853"/>
             </a:xfrm>
             <a:prstGeom prst="straightConnector1">
@@ -26891,7 +27960,7 @@
           </p:nvSpPr>
           <p:spPr>
             <a:xfrm>
-              <a:off x="6177132" y="5637514"/>
+              <a:off x="5969135" y="5759079"/>
               <a:ext cx="1074420" cy="646331"/>
             </a:xfrm>
             <a:prstGeom prst="rect">
@@ -26935,7 +28004,7 @@
           </p:nvSpPr>
           <p:spPr>
             <a:xfrm>
-              <a:off x="6457728" y="3172030"/>
+              <a:off x="6249731" y="3293595"/>
               <a:ext cx="507109" cy="776641"/>
             </a:xfrm>
             <a:prstGeom prst="rect">
@@ -26993,7 +28062,7 @@
           </p:nvSpPr>
           <p:spPr>
             <a:xfrm>
-              <a:off x="6457739" y="4027307"/>
+              <a:off x="6249742" y="4148872"/>
               <a:ext cx="507109" cy="776641"/>
             </a:xfrm>
             <a:prstGeom prst="rect">
@@ -27051,7 +28120,7 @@
           </p:nvSpPr>
           <p:spPr>
             <a:xfrm>
-              <a:off x="6458131" y="4882584"/>
+              <a:off x="6250134" y="5004149"/>
               <a:ext cx="507109" cy="776641"/>
             </a:xfrm>
             <a:prstGeom prst="rect">
@@ -27109,7 +28178,7 @@
           </p:nvSpPr>
           <p:spPr>
             <a:xfrm>
-              <a:off x="7491824" y="2315004"/>
+              <a:off x="7283827" y="2436569"/>
               <a:ext cx="507109" cy="769441"/>
             </a:xfrm>
             <a:prstGeom prst="rect">
@@ -27168,7 +28237,7 @@
           </p:nvSpPr>
           <p:spPr>
             <a:xfrm>
-              <a:off x="7495776" y="2321994"/>
+              <a:off x="7287779" y="2443559"/>
               <a:ext cx="498952" cy="755588"/>
             </a:xfrm>
             <a:prstGeom prst="rect">
@@ -27220,7 +28289,7 @@
           </p:nvSpPr>
           <p:spPr>
             <a:xfrm>
-              <a:off x="7495776" y="3175524"/>
+              <a:off x="7287779" y="3297089"/>
               <a:ext cx="498952" cy="755588"/>
             </a:xfrm>
             <a:prstGeom prst="rect">
@@ -27272,7 +28341,7 @@
           </p:nvSpPr>
           <p:spPr>
             <a:xfrm>
-              <a:off x="7495776" y="4029056"/>
+              <a:off x="7287779" y="4150621"/>
               <a:ext cx="498952" cy="755588"/>
             </a:xfrm>
             <a:prstGeom prst="rect">
@@ -27324,7 +28393,7 @@
           </p:nvSpPr>
           <p:spPr>
             <a:xfrm>
-              <a:off x="7495776" y="4882585"/>
+              <a:off x="7287779" y="5004150"/>
               <a:ext cx="498952" cy="755588"/>
             </a:xfrm>
             <a:prstGeom prst="rect">
@@ -27378,7 +28447,7 @@
           </p:nvCxnSpPr>
           <p:spPr>
             <a:xfrm>
-              <a:off x="7052939" y="2704782"/>
+              <a:off x="6844942" y="2826347"/>
               <a:ext cx="360000" cy="2853"/>
             </a:xfrm>
             <a:prstGeom prst="straightConnector1">
@@ -27419,7 +28488,7 @@
           </p:nvCxnSpPr>
           <p:spPr>
             <a:xfrm>
-              <a:off x="7052939" y="3555459"/>
+              <a:off x="6844942" y="3677024"/>
               <a:ext cx="360000" cy="2853"/>
             </a:xfrm>
             <a:prstGeom prst="straightConnector1">
@@ -27460,7 +28529,7 @@
           </p:nvCxnSpPr>
           <p:spPr>
             <a:xfrm>
-              <a:off x="7052939" y="4411843"/>
+              <a:off x="6844942" y="4533408"/>
               <a:ext cx="360000" cy="2853"/>
             </a:xfrm>
             <a:prstGeom prst="straightConnector1">
@@ -27501,7 +28570,7 @@
           </p:nvCxnSpPr>
           <p:spPr>
             <a:xfrm>
-              <a:off x="7052939" y="5268227"/>
+              <a:off x="6844942" y="5389792"/>
               <a:ext cx="360000" cy="2853"/>
             </a:xfrm>
             <a:prstGeom prst="straightConnector1">
@@ -27540,7 +28609,7 @@
           </p:nvSpPr>
           <p:spPr>
             <a:xfrm>
-              <a:off x="7150150" y="5637514"/>
+              <a:off x="6942153" y="5759079"/>
               <a:ext cx="1191008" cy="646331"/>
             </a:xfrm>
             <a:prstGeom prst="rect">
@@ -27585,7 +28654,7 @@
           </p:nvSpPr>
           <p:spPr>
             <a:xfrm>
-              <a:off x="7491697" y="3172030"/>
+              <a:off x="7283700" y="3293595"/>
               <a:ext cx="507109" cy="769441"/>
             </a:xfrm>
             <a:prstGeom prst="rect">
@@ -27642,7 +28711,7 @@
           </p:nvSpPr>
           <p:spPr>
             <a:xfrm>
-              <a:off x="7491708" y="4027307"/>
+              <a:off x="7283711" y="4148872"/>
               <a:ext cx="507109" cy="769441"/>
             </a:xfrm>
             <a:prstGeom prst="rect">
@@ -27699,7 +28768,7 @@
           </p:nvSpPr>
           <p:spPr>
             <a:xfrm>
-              <a:off x="7492100" y="4882584"/>
+              <a:off x="7284103" y="5004149"/>
               <a:ext cx="507109" cy="769441"/>
             </a:xfrm>
             <a:prstGeom prst="rect">
@@ -27756,7 +28825,7 @@
           </p:nvGrpSpPr>
           <p:grpSpPr>
             <a:xfrm>
-              <a:off x="9195008" y="2819915"/>
+              <a:off x="8987011" y="2941480"/>
               <a:ext cx="553324" cy="2363982"/>
               <a:chOff x="10796627" y="2183130"/>
               <a:chExt cx="501263" cy="3086100"/>
@@ -27929,7 +28998,7 @@
           </p:nvGrpSpPr>
           <p:grpSpPr>
             <a:xfrm>
-              <a:off x="10069795" y="2819915"/>
+              <a:off x="9861798" y="2941480"/>
               <a:ext cx="1235398" cy="2363982"/>
               <a:chOff x="10796627" y="2183130"/>
               <a:chExt cx="501263" cy="3086100"/>
@@ -28090,110 +29159,6 @@
         </p:grpSp>
         <p:sp>
           <p:nvSpPr>
-            <p:cNvPr id="78" name="楕円 77">
-              <a:extLst>
-                <a:ext uri="{FF2B5EF4-FFF2-40B4-BE49-F238E27FC236}">
-                  <a16:creationId xmlns:a16="http://schemas.microsoft.com/office/drawing/2014/main" id="{45892696-9855-4995-9C2C-AD6400C358AC}"/>
-                </a:ext>
-              </a:extLst>
-            </p:cNvPr>
-            <p:cNvSpPr/>
-            <p:nvPr/>
-          </p:nvSpPr>
-          <p:spPr>
-            <a:xfrm>
-              <a:off x="9251518" y="2924121"/>
-              <a:ext cx="1828800" cy="270187"/>
-            </a:xfrm>
-            <a:prstGeom prst="ellipse">
-              <a:avLst/>
-            </a:prstGeom>
-            <a:noFill/>
-            <a:ln w="19050">
-              <a:solidFill>
-                <a:srgbClr val="FF0000"/>
-              </a:solidFill>
-            </a:ln>
-          </p:spPr>
-          <p:style>
-            <a:lnRef idx="2">
-              <a:schemeClr val="accent1">
-                <a:shade val="50000"/>
-              </a:schemeClr>
-            </a:lnRef>
-            <a:fillRef idx="1">
-              <a:schemeClr val="accent1"/>
-            </a:fillRef>
-            <a:effectRef idx="0">
-              <a:schemeClr val="accent1"/>
-            </a:effectRef>
-            <a:fontRef idx="minor">
-              <a:schemeClr val="lt1"/>
-            </a:fontRef>
-          </p:style>
-          <p:txBody>
-            <a:bodyPr rtlCol="0" anchor="ctr"/>
-            <a:lstStyle/>
-            <a:p>
-              <a:pPr algn="ctr"/>
-              <a:endParaRPr kumimoji="1" lang="ja-JP" altLang="en-US" dirty="0"/>
-            </a:p>
-          </p:txBody>
-        </p:sp>
-        <p:sp>
-          <p:nvSpPr>
-            <p:cNvPr id="79" name="楕円 78">
-              <a:extLst>
-                <a:ext uri="{FF2B5EF4-FFF2-40B4-BE49-F238E27FC236}">
-                  <a16:creationId xmlns:a16="http://schemas.microsoft.com/office/drawing/2014/main" id="{E67B7E58-A5D5-453C-A780-01DD9B628480}"/>
-                </a:ext>
-              </a:extLst>
-            </p:cNvPr>
-            <p:cNvSpPr/>
-            <p:nvPr/>
-          </p:nvSpPr>
-          <p:spPr>
-            <a:xfrm>
-              <a:off x="9249312" y="3353984"/>
-              <a:ext cx="1828800" cy="270187"/>
-            </a:xfrm>
-            <a:prstGeom prst="ellipse">
-              <a:avLst/>
-            </a:prstGeom>
-            <a:noFill/>
-            <a:ln w="19050">
-              <a:solidFill>
-                <a:srgbClr val="FF0000"/>
-              </a:solidFill>
-            </a:ln>
-          </p:spPr>
-          <p:style>
-            <a:lnRef idx="2">
-              <a:schemeClr val="accent1">
-                <a:shade val="50000"/>
-              </a:schemeClr>
-            </a:lnRef>
-            <a:fillRef idx="1">
-              <a:schemeClr val="accent1"/>
-            </a:fillRef>
-            <a:effectRef idx="0">
-              <a:schemeClr val="accent1"/>
-            </a:effectRef>
-            <a:fontRef idx="minor">
-              <a:schemeClr val="lt1"/>
-            </a:fontRef>
-          </p:style>
-          <p:txBody>
-            <a:bodyPr rtlCol="0" anchor="ctr"/>
-            <a:lstStyle/>
-            <a:p>
-              <a:pPr algn="ctr"/>
-              <a:endParaRPr kumimoji="1" lang="ja-JP" altLang="en-US" dirty="0"/>
-            </a:p>
-          </p:txBody>
-        </p:sp>
-        <p:sp>
-          <p:nvSpPr>
             <p:cNvPr id="80" name="テキスト ボックス 79">
               <a:extLst>
                 <a:ext uri="{FF2B5EF4-FFF2-40B4-BE49-F238E27FC236}">
@@ -28206,7 +29171,7 @@
           </p:nvSpPr>
           <p:spPr>
             <a:xfrm>
-              <a:off x="5255247" y="2049125"/>
+              <a:off x="5047250" y="2170690"/>
               <a:ext cx="863260" cy="307777"/>
             </a:xfrm>
             <a:prstGeom prst="rect">
@@ -28247,7 +29212,7 @@
           </p:nvSpPr>
           <p:spPr>
             <a:xfrm>
-              <a:off x="6476035" y="2049125"/>
+              <a:off x="6068747" y="2170690"/>
               <a:ext cx="863260" cy="307777"/>
             </a:xfrm>
             <a:prstGeom prst="rect">
@@ -28288,7 +29253,7 @@
           </p:nvSpPr>
           <p:spPr>
             <a:xfrm>
-              <a:off x="4791365" y="1335511"/>
+              <a:off x="5251579" y="1457076"/>
               <a:ext cx="1757303" cy="631686"/>
             </a:xfrm>
             <a:prstGeom prst="ellipse">
@@ -28358,13 +29323,15 @@
                 </a:ext>
               </a:extLst>
             </p:cNvPr>
-            <p:cNvCxnSpPr/>
+            <p:cNvCxnSpPr>
+              <a:cxnSpLocks/>
+            </p:cNvCxnSpPr>
             <p:nvPr/>
           </p:nvCxnSpPr>
           <p:spPr>
-            <a:xfrm>
-              <a:off x="6378970" y="1967197"/>
-              <a:ext cx="169698" cy="235816"/>
+            <a:xfrm flipV="1">
+              <a:off x="5865162" y="2205859"/>
+              <a:ext cx="195743" cy="426263"/>
             </a:xfrm>
             <a:prstGeom prst="straightConnector1">
               <a:avLst/>
@@ -28404,7 +29371,7 @@
               </p:nvSpPr>
               <p:spPr>
                 <a:xfrm>
-                  <a:off x="6865703" y="1328443"/>
+                  <a:off x="7325917" y="1450008"/>
                   <a:ext cx="1757303" cy="635259"/>
                 </a:xfrm>
                 <a:prstGeom prst="ellipse">
@@ -28513,7 +29480,7 @@
               </p:nvSpPr>
               <p:spPr>
                 <a:xfrm>
-                  <a:off x="6865703" y="1328443"/>
+                  <a:off x="7325917" y="1450008"/>
                   <a:ext cx="1757303" cy="635259"/>
                 </a:xfrm>
                 <a:prstGeom prst="ellipse">
@@ -28556,9 +29523,9 @@
             <p:nvPr/>
           </p:nvCxnSpPr>
           <p:spPr>
-            <a:xfrm flipH="1">
-              <a:off x="7744354" y="2014501"/>
-              <a:ext cx="1" cy="252000"/>
+            <a:xfrm rot="10800000" flipV="1">
+              <a:off x="7537254" y="2100426"/>
+              <a:ext cx="117915" cy="270495"/>
             </a:xfrm>
             <a:prstGeom prst="straightConnector1">
               <a:avLst/>
@@ -28596,7 +29563,7 @@
           </p:nvSpPr>
           <p:spPr>
             <a:xfrm>
-              <a:off x="8224588" y="2441236"/>
+              <a:off x="8016591" y="2562801"/>
               <a:ext cx="762400" cy="369332"/>
             </a:xfrm>
             <a:prstGeom prst="rect">
@@ -28633,7 +29600,7 @@
           </p:nvSpPr>
           <p:spPr>
             <a:xfrm>
-              <a:off x="9660374" y="1502037"/>
+              <a:off x="9452377" y="1623602"/>
               <a:ext cx="2071135" cy="461665"/>
             </a:xfrm>
             <a:prstGeom prst="rect">
@@ -28657,6 +29624,370 @@
           </p:txBody>
         </p:sp>
       </p:grpSp>
+      <p:sp>
+        <p:nvSpPr>
+          <p:cNvPr id="113" name="四角形: 角を丸くする 112">
+            <a:extLst>
+              <a:ext uri="{FF2B5EF4-FFF2-40B4-BE49-F238E27FC236}">
+                <a16:creationId xmlns:a16="http://schemas.microsoft.com/office/drawing/2014/main" id="{4FFC3A6E-913C-43D5-A535-715FF1560AB3}"/>
+              </a:ext>
+            </a:extLst>
+          </p:cNvPr>
+          <p:cNvSpPr/>
+          <p:nvPr/>
+        </p:nvSpPr>
+        <p:spPr>
+          <a:xfrm>
+            <a:off x="2732633" y="2011961"/>
+            <a:ext cx="1054062" cy="4367294"/>
+          </a:xfrm>
+          <a:prstGeom prst="roundRect">
+            <a:avLst/>
+          </a:prstGeom>
+          <a:noFill/>
+          <a:ln w="57150">
+            <a:solidFill>
+              <a:srgbClr val="FF0000"/>
+            </a:solidFill>
+          </a:ln>
+        </p:spPr>
+        <p:style>
+          <a:lnRef idx="2">
+            <a:schemeClr val="accent1">
+              <a:shade val="50000"/>
+            </a:schemeClr>
+          </a:lnRef>
+          <a:fillRef idx="1">
+            <a:schemeClr val="accent1"/>
+          </a:fillRef>
+          <a:effectRef idx="0">
+            <a:schemeClr val="accent1"/>
+          </a:effectRef>
+          <a:fontRef idx="minor">
+            <a:schemeClr val="lt1"/>
+          </a:fontRef>
+        </p:style>
+        <p:txBody>
+          <a:bodyPr rtlCol="0" anchor="ctr"/>
+          <a:lstStyle/>
+          <a:p>
+            <a:pPr algn="ctr"/>
+            <a:endParaRPr kumimoji="1" lang="ja-JP" altLang="en-US"/>
+          </a:p>
+        </p:txBody>
+      </p:sp>
+      <p:sp>
+        <p:nvSpPr>
+          <p:cNvPr id="115" name="四角形: 角を丸くする 114">
+            <a:extLst>
+              <a:ext uri="{FF2B5EF4-FFF2-40B4-BE49-F238E27FC236}">
+                <a16:creationId xmlns:a16="http://schemas.microsoft.com/office/drawing/2014/main" id="{F5C7A486-4617-4301-B8E0-968B7D62FBC5}"/>
+              </a:ext>
+            </a:extLst>
+          </p:cNvPr>
+          <p:cNvSpPr/>
+          <p:nvPr/>
+        </p:nvSpPr>
+        <p:spPr>
+          <a:xfrm>
+            <a:off x="3928853" y="2170690"/>
+            <a:ext cx="1054062" cy="4203354"/>
+          </a:xfrm>
+          <a:prstGeom prst="roundRect">
+            <a:avLst/>
+          </a:prstGeom>
+          <a:noFill/>
+          <a:ln w="57150">
+            <a:solidFill>
+              <a:srgbClr val="FF0000"/>
+            </a:solidFill>
+          </a:ln>
+        </p:spPr>
+        <p:style>
+          <a:lnRef idx="2">
+            <a:schemeClr val="accent1">
+              <a:shade val="50000"/>
+            </a:schemeClr>
+          </a:lnRef>
+          <a:fillRef idx="1">
+            <a:schemeClr val="accent1"/>
+          </a:fillRef>
+          <a:effectRef idx="0">
+            <a:schemeClr val="accent1"/>
+          </a:effectRef>
+          <a:fontRef idx="minor">
+            <a:schemeClr val="lt1"/>
+          </a:fontRef>
+        </p:style>
+        <p:txBody>
+          <a:bodyPr rtlCol="0" anchor="ctr"/>
+          <a:lstStyle/>
+          <a:p>
+            <a:pPr algn="ctr"/>
+            <a:endParaRPr kumimoji="1" lang="ja-JP" altLang="en-US"/>
+          </a:p>
+        </p:txBody>
+      </p:sp>
+      <p:sp>
+        <p:nvSpPr>
+          <p:cNvPr id="116" name="四角形: 角を丸くする 115">
+            <a:extLst>
+              <a:ext uri="{FF2B5EF4-FFF2-40B4-BE49-F238E27FC236}">
+                <a16:creationId xmlns:a16="http://schemas.microsoft.com/office/drawing/2014/main" id="{CE528F90-700E-4678-94E4-8E22056EA27E}"/>
+              </a:ext>
+            </a:extLst>
+          </p:cNvPr>
+          <p:cNvSpPr/>
+          <p:nvPr/>
+        </p:nvSpPr>
+        <p:spPr>
+          <a:xfrm>
+            <a:off x="4948994" y="2170690"/>
+            <a:ext cx="1054062" cy="4203354"/>
+          </a:xfrm>
+          <a:prstGeom prst="roundRect">
+            <a:avLst/>
+          </a:prstGeom>
+          <a:noFill/>
+          <a:ln w="57150">
+            <a:solidFill>
+              <a:srgbClr val="FF0000"/>
+            </a:solidFill>
+          </a:ln>
+        </p:spPr>
+        <p:style>
+          <a:lnRef idx="2">
+            <a:schemeClr val="accent1">
+              <a:shade val="50000"/>
+            </a:schemeClr>
+          </a:lnRef>
+          <a:fillRef idx="1">
+            <a:schemeClr val="accent1"/>
+          </a:fillRef>
+          <a:effectRef idx="0">
+            <a:schemeClr val="accent1"/>
+          </a:effectRef>
+          <a:fontRef idx="minor">
+            <a:schemeClr val="lt1"/>
+          </a:fontRef>
+        </p:style>
+        <p:txBody>
+          <a:bodyPr rtlCol="0" anchor="ctr"/>
+          <a:lstStyle/>
+          <a:p>
+            <a:pPr algn="ctr"/>
+            <a:endParaRPr kumimoji="1" lang="ja-JP" altLang="en-US"/>
+          </a:p>
+        </p:txBody>
+      </p:sp>
+      <p:sp>
+        <p:nvSpPr>
+          <p:cNvPr id="117" name="四角形: 角を丸くする 116">
+            <a:extLst>
+              <a:ext uri="{FF2B5EF4-FFF2-40B4-BE49-F238E27FC236}">
+                <a16:creationId xmlns:a16="http://schemas.microsoft.com/office/drawing/2014/main" id="{D6DCEE4E-D642-479E-B871-A7BD4181EE9B}"/>
+              </a:ext>
+            </a:extLst>
+          </p:cNvPr>
+          <p:cNvSpPr/>
+          <p:nvPr/>
+        </p:nvSpPr>
+        <p:spPr>
+          <a:xfrm>
+            <a:off x="5965405" y="2170690"/>
+            <a:ext cx="1054062" cy="4203354"/>
+          </a:xfrm>
+          <a:prstGeom prst="roundRect">
+            <a:avLst/>
+          </a:prstGeom>
+          <a:noFill/>
+          <a:ln w="57150">
+            <a:solidFill>
+              <a:srgbClr val="FF0000"/>
+            </a:solidFill>
+          </a:ln>
+        </p:spPr>
+        <p:style>
+          <a:lnRef idx="2">
+            <a:schemeClr val="accent1">
+              <a:shade val="50000"/>
+            </a:schemeClr>
+          </a:lnRef>
+          <a:fillRef idx="1">
+            <a:schemeClr val="accent1"/>
+          </a:fillRef>
+          <a:effectRef idx="0">
+            <a:schemeClr val="accent1"/>
+          </a:effectRef>
+          <a:fontRef idx="minor">
+            <a:schemeClr val="lt1"/>
+          </a:fontRef>
+        </p:style>
+        <p:txBody>
+          <a:bodyPr rtlCol="0" anchor="ctr"/>
+          <a:lstStyle/>
+          <a:p>
+            <a:pPr algn="ctr"/>
+            <a:endParaRPr kumimoji="1" lang="ja-JP" altLang="en-US"/>
+          </a:p>
+        </p:txBody>
+      </p:sp>
+      <p:sp>
+        <p:nvSpPr>
+          <p:cNvPr id="118" name="四角形: 角を丸くする 117">
+            <a:extLst>
+              <a:ext uri="{FF2B5EF4-FFF2-40B4-BE49-F238E27FC236}">
+                <a16:creationId xmlns:a16="http://schemas.microsoft.com/office/drawing/2014/main" id="{E12BC7CB-A472-45C2-951A-248B7635A0BF}"/>
+              </a:ext>
+            </a:extLst>
+          </p:cNvPr>
+          <p:cNvSpPr/>
+          <p:nvPr/>
+        </p:nvSpPr>
+        <p:spPr>
+          <a:xfrm>
+            <a:off x="7005764" y="2164598"/>
+            <a:ext cx="1054062" cy="4203354"/>
+          </a:xfrm>
+          <a:prstGeom prst="roundRect">
+            <a:avLst/>
+          </a:prstGeom>
+          <a:noFill/>
+          <a:ln w="57150">
+            <a:solidFill>
+              <a:srgbClr val="FF0000"/>
+            </a:solidFill>
+          </a:ln>
+        </p:spPr>
+        <p:style>
+          <a:lnRef idx="2">
+            <a:schemeClr val="accent1">
+              <a:shade val="50000"/>
+            </a:schemeClr>
+          </a:lnRef>
+          <a:fillRef idx="1">
+            <a:schemeClr val="accent1"/>
+          </a:fillRef>
+          <a:effectRef idx="0">
+            <a:schemeClr val="accent1"/>
+          </a:effectRef>
+          <a:fontRef idx="minor">
+            <a:schemeClr val="lt1"/>
+          </a:fontRef>
+        </p:style>
+        <p:txBody>
+          <a:bodyPr rtlCol="0" anchor="ctr"/>
+          <a:lstStyle/>
+          <a:p>
+            <a:pPr algn="ctr"/>
+            <a:endParaRPr kumimoji="1" lang="ja-JP" altLang="en-US"/>
+          </a:p>
+        </p:txBody>
+      </p:sp>
+      <p:sp>
+        <p:nvSpPr>
+          <p:cNvPr id="120" name="四角形: 角を丸くする 119">
+            <a:extLst>
+              <a:ext uri="{FF2B5EF4-FFF2-40B4-BE49-F238E27FC236}">
+                <a16:creationId xmlns:a16="http://schemas.microsoft.com/office/drawing/2014/main" id="{FE270D5B-A241-46BC-B5DC-F386F2AE0CEA}"/>
+              </a:ext>
+            </a:extLst>
+          </p:cNvPr>
+          <p:cNvSpPr/>
+          <p:nvPr/>
+        </p:nvSpPr>
+        <p:spPr>
+          <a:xfrm>
+            <a:off x="9017172" y="3050554"/>
+            <a:ext cx="2059880" cy="255567"/>
+          </a:xfrm>
+          <a:prstGeom prst="roundRect">
+            <a:avLst/>
+          </a:prstGeom>
+          <a:noFill/>
+          <a:ln w="57150">
+            <a:solidFill>
+              <a:srgbClr val="FF0000"/>
+            </a:solidFill>
+          </a:ln>
+        </p:spPr>
+        <p:style>
+          <a:lnRef idx="2">
+            <a:schemeClr val="accent1">
+              <a:shade val="50000"/>
+            </a:schemeClr>
+          </a:lnRef>
+          <a:fillRef idx="1">
+            <a:schemeClr val="accent1"/>
+          </a:fillRef>
+          <a:effectRef idx="0">
+            <a:schemeClr val="accent1"/>
+          </a:effectRef>
+          <a:fontRef idx="minor">
+            <a:schemeClr val="lt1"/>
+          </a:fontRef>
+        </p:style>
+        <p:txBody>
+          <a:bodyPr rtlCol="0" anchor="ctr"/>
+          <a:lstStyle/>
+          <a:p>
+            <a:pPr algn="ctr"/>
+            <a:endParaRPr kumimoji="1" lang="ja-JP" altLang="en-US"/>
+          </a:p>
+        </p:txBody>
+      </p:sp>
+      <p:sp>
+        <p:nvSpPr>
+          <p:cNvPr id="121" name="四角形: 角を丸くする 120">
+            <a:extLst>
+              <a:ext uri="{FF2B5EF4-FFF2-40B4-BE49-F238E27FC236}">
+                <a16:creationId xmlns:a16="http://schemas.microsoft.com/office/drawing/2014/main" id="{6D09F9A9-968F-49B0-BB4F-F003529F3B40}"/>
+              </a:ext>
+            </a:extLst>
+          </p:cNvPr>
+          <p:cNvSpPr/>
+          <p:nvPr/>
+        </p:nvSpPr>
+        <p:spPr>
+          <a:xfrm>
+            <a:off x="9024790" y="3479935"/>
+            <a:ext cx="2059880" cy="255567"/>
+          </a:xfrm>
+          <a:prstGeom prst="roundRect">
+            <a:avLst/>
+          </a:prstGeom>
+          <a:noFill/>
+          <a:ln w="57150">
+            <a:solidFill>
+              <a:srgbClr val="FF0000"/>
+            </a:solidFill>
+          </a:ln>
+        </p:spPr>
+        <p:style>
+          <a:lnRef idx="2">
+            <a:schemeClr val="accent1">
+              <a:shade val="50000"/>
+            </a:schemeClr>
+          </a:lnRef>
+          <a:fillRef idx="1">
+            <a:schemeClr val="accent1"/>
+          </a:fillRef>
+          <a:effectRef idx="0">
+            <a:schemeClr val="accent1"/>
+          </a:effectRef>
+          <a:fontRef idx="minor">
+            <a:schemeClr val="lt1"/>
+          </a:fontRef>
+        </p:style>
+        <p:txBody>
+          <a:bodyPr rtlCol="0" anchor="ctr"/>
+          <a:lstStyle/>
+          <a:p>
+            <a:pPr algn="ctr"/>
+            <a:endParaRPr kumimoji="1" lang="ja-JP" altLang="en-US"/>
+          </a:p>
+        </p:txBody>
+      </p:sp>
     </p:spTree>
     <p:extLst>
       <p:ext uri="{BB962C8B-B14F-4D97-AF65-F5344CB8AC3E}">
@@ -28667,6 +29998,482 @@
   <p:clrMapOvr>
     <a:masterClrMapping/>
   </p:clrMapOvr>
+  <p:timing>
+    <p:tnLst>
+      <p:par>
+        <p:cTn id="1" dur="indefinite" restart="never" nodeType="tmRoot">
+          <p:childTnLst>
+            <p:seq concurrent="1" nextAc="seek">
+              <p:cTn id="2" dur="indefinite" nodeType="mainSeq">
+                <p:childTnLst>
+                  <p:par>
+                    <p:cTn id="3" fill="hold">
+                      <p:stCondLst>
+                        <p:cond delay="indefinite"/>
+                      </p:stCondLst>
+                      <p:childTnLst>
+                        <p:par>
+                          <p:cTn id="4" fill="hold">
+                            <p:stCondLst>
+                              <p:cond delay="0"/>
+                            </p:stCondLst>
+                            <p:childTnLst>
+                              <p:par>
+                                <p:cTn id="5" presetID="1" presetClass="entr" presetSubtype="0" fill="hold" grpId="0" nodeType="clickEffect">
+                                  <p:stCondLst>
+                                    <p:cond delay="0"/>
+                                  </p:stCondLst>
+                                  <p:childTnLst>
+                                    <p:set>
+                                      <p:cBhvr>
+                                        <p:cTn id="6" dur="1" fill="hold">
+                                          <p:stCondLst>
+                                            <p:cond delay="0"/>
+                                          </p:stCondLst>
+                                        </p:cTn>
+                                        <p:tgtEl>
+                                          <p:spTgt spid="113"/>
+                                        </p:tgtEl>
+                                        <p:attrNameLst>
+                                          <p:attrName>style.visibility</p:attrName>
+                                        </p:attrNameLst>
+                                      </p:cBhvr>
+                                      <p:to>
+                                        <p:strVal val="visible"/>
+                                      </p:to>
+                                    </p:set>
+                                  </p:childTnLst>
+                                </p:cTn>
+                              </p:par>
+                            </p:childTnLst>
+                          </p:cTn>
+                        </p:par>
+                      </p:childTnLst>
+                    </p:cTn>
+                  </p:par>
+                  <p:par>
+                    <p:cTn id="7" fill="hold">
+                      <p:stCondLst>
+                        <p:cond delay="indefinite"/>
+                      </p:stCondLst>
+                      <p:childTnLst>
+                        <p:par>
+                          <p:cTn id="8" fill="hold">
+                            <p:stCondLst>
+                              <p:cond delay="0"/>
+                            </p:stCondLst>
+                            <p:childTnLst>
+                              <p:par>
+                                <p:cTn id="9" presetID="1" presetClass="exit" presetSubtype="0" fill="hold" grpId="1" nodeType="clickEffect">
+                                  <p:stCondLst>
+                                    <p:cond delay="0"/>
+                                  </p:stCondLst>
+                                  <p:childTnLst>
+                                    <p:set>
+                                      <p:cBhvr>
+                                        <p:cTn id="10" dur="1" fill="hold">
+                                          <p:stCondLst>
+                                            <p:cond delay="0"/>
+                                          </p:stCondLst>
+                                        </p:cTn>
+                                        <p:tgtEl>
+                                          <p:spTgt spid="113"/>
+                                        </p:tgtEl>
+                                        <p:attrNameLst>
+                                          <p:attrName>style.visibility</p:attrName>
+                                        </p:attrNameLst>
+                                      </p:cBhvr>
+                                      <p:to>
+                                        <p:strVal val="hidden"/>
+                                      </p:to>
+                                    </p:set>
+                                  </p:childTnLst>
+                                </p:cTn>
+                              </p:par>
+                              <p:par>
+                                <p:cTn id="11" presetID="1" presetClass="entr" presetSubtype="0" fill="hold" grpId="0" nodeType="withEffect">
+                                  <p:stCondLst>
+                                    <p:cond delay="0"/>
+                                  </p:stCondLst>
+                                  <p:childTnLst>
+                                    <p:set>
+                                      <p:cBhvr>
+                                        <p:cTn id="12" dur="1" fill="hold">
+                                          <p:stCondLst>
+                                            <p:cond delay="0"/>
+                                          </p:stCondLst>
+                                        </p:cTn>
+                                        <p:tgtEl>
+                                          <p:spTgt spid="115"/>
+                                        </p:tgtEl>
+                                        <p:attrNameLst>
+                                          <p:attrName>style.visibility</p:attrName>
+                                        </p:attrNameLst>
+                                      </p:cBhvr>
+                                      <p:to>
+                                        <p:strVal val="visible"/>
+                                      </p:to>
+                                    </p:set>
+                                  </p:childTnLst>
+                                </p:cTn>
+                              </p:par>
+                            </p:childTnLst>
+                          </p:cTn>
+                        </p:par>
+                      </p:childTnLst>
+                    </p:cTn>
+                  </p:par>
+                  <p:par>
+                    <p:cTn id="13" fill="hold">
+                      <p:stCondLst>
+                        <p:cond delay="indefinite"/>
+                      </p:stCondLst>
+                      <p:childTnLst>
+                        <p:par>
+                          <p:cTn id="14" fill="hold">
+                            <p:stCondLst>
+                              <p:cond delay="0"/>
+                            </p:stCondLst>
+                            <p:childTnLst>
+                              <p:par>
+                                <p:cTn id="15" presetID="1" presetClass="exit" presetSubtype="0" fill="hold" grpId="1" nodeType="clickEffect">
+                                  <p:stCondLst>
+                                    <p:cond delay="0"/>
+                                  </p:stCondLst>
+                                  <p:childTnLst>
+                                    <p:set>
+                                      <p:cBhvr>
+                                        <p:cTn id="16" dur="1" fill="hold">
+                                          <p:stCondLst>
+                                            <p:cond delay="0"/>
+                                          </p:stCondLst>
+                                        </p:cTn>
+                                        <p:tgtEl>
+                                          <p:spTgt spid="115"/>
+                                        </p:tgtEl>
+                                        <p:attrNameLst>
+                                          <p:attrName>style.visibility</p:attrName>
+                                        </p:attrNameLst>
+                                      </p:cBhvr>
+                                      <p:to>
+                                        <p:strVal val="hidden"/>
+                                      </p:to>
+                                    </p:set>
+                                  </p:childTnLst>
+                                </p:cTn>
+                              </p:par>
+                              <p:par>
+                                <p:cTn id="17" presetID="1" presetClass="entr" presetSubtype="0" fill="hold" grpId="0" nodeType="withEffect">
+                                  <p:stCondLst>
+                                    <p:cond delay="0"/>
+                                  </p:stCondLst>
+                                  <p:childTnLst>
+                                    <p:set>
+                                      <p:cBhvr>
+                                        <p:cTn id="18" dur="1" fill="hold">
+                                          <p:stCondLst>
+                                            <p:cond delay="0"/>
+                                          </p:stCondLst>
+                                        </p:cTn>
+                                        <p:tgtEl>
+                                          <p:spTgt spid="116"/>
+                                        </p:tgtEl>
+                                        <p:attrNameLst>
+                                          <p:attrName>style.visibility</p:attrName>
+                                        </p:attrNameLst>
+                                      </p:cBhvr>
+                                      <p:to>
+                                        <p:strVal val="visible"/>
+                                      </p:to>
+                                    </p:set>
+                                  </p:childTnLst>
+                                </p:cTn>
+                              </p:par>
+                            </p:childTnLst>
+                          </p:cTn>
+                        </p:par>
+                      </p:childTnLst>
+                    </p:cTn>
+                  </p:par>
+                  <p:par>
+                    <p:cTn id="19" fill="hold">
+                      <p:stCondLst>
+                        <p:cond delay="indefinite"/>
+                      </p:stCondLst>
+                      <p:childTnLst>
+                        <p:par>
+                          <p:cTn id="20" fill="hold">
+                            <p:stCondLst>
+                              <p:cond delay="0"/>
+                            </p:stCondLst>
+                            <p:childTnLst>
+                              <p:par>
+                                <p:cTn id="21" presetID="1" presetClass="exit" presetSubtype="0" fill="hold" grpId="1" nodeType="clickEffect">
+                                  <p:stCondLst>
+                                    <p:cond delay="0"/>
+                                  </p:stCondLst>
+                                  <p:childTnLst>
+                                    <p:set>
+                                      <p:cBhvr>
+                                        <p:cTn id="22" dur="1" fill="hold">
+                                          <p:stCondLst>
+                                            <p:cond delay="0"/>
+                                          </p:stCondLst>
+                                        </p:cTn>
+                                        <p:tgtEl>
+                                          <p:spTgt spid="116"/>
+                                        </p:tgtEl>
+                                        <p:attrNameLst>
+                                          <p:attrName>style.visibility</p:attrName>
+                                        </p:attrNameLst>
+                                      </p:cBhvr>
+                                      <p:to>
+                                        <p:strVal val="hidden"/>
+                                      </p:to>
+                                    </p:set>
+                                  </p:childTnLst>
+                                </p:cTn>
+                              </p:par>
+                              <p:par>
+                                <p:cTn id="23" presetID="1" presetClass="entr" presetSubtype="0" fill="hold" grpId="0" nodeType="withEffect">
+                                  <p:stCondLst>
+                                    <p:cond delay="0"/>
+                                  </p:stCondLst>
+                                  <p:childTnLst>
+                                    <p:set>
+                                      <p:cBhvr>
+                                        <p:cTn id="24" dur="1" fill="hold">
+                                          <p:stCondLst>
+                                            <p:cond delay="0"/>
+                                          </p:stCondLst>
+                                        </p:cTn>
+                                        <p:tgtEl>
+                                          <p:spTgt spid="117"/>
+                                        </p:tgtEl>
+                                        <p:attrNameLst>
+                                          <p:attrName>style.visibility</p:attrName>
+                                        </p:attrNameLst>
+                                      </p:cBhvr>
+                                      <p:to>
+                                        <p:strVal val="visible"/>
+                                      </p:to>
+                                    </p:set>
+                                  </p:childTnLst>
+                                </p:cTn>
+                              </p:par>
+                            </p:childTnLst>
+                          </p:cTn>
+                        </p:par>
+                      </p:childTnLst>
+                    </p:cTn>
+                  </p:par>
+                  <p:par>
+                    <p:cTn id="25" fill="hold">
+                      <p:stCondLst>
+                        <p:cond delay="indefinite"/>
+                      </p:stCondLst>
+                      <p:childTnLst>
+                        <p:par>
+                          <p:cTn id="26" fill="hold">
+                            <p:stCondLst>
+                              <p:cond delay="0"/>
+                            </p:stCondLst>
+                            <p:childTnLst>
+                              <p:par>
+                                <p:cTn id="27" presetID="1" presetClass="exit" presetSubtype="0" fill="hold" grpId="1" nodeType="clickEffect">
+                                  <p:stCondLst>
+                                    <p:cond delay="0"/>
+                                  </p:stCondLst>
+                                  <p:childTnLst>
+                                    <p:set>
+                                      <p:cBhvr>
+                                        <p:cTn id="28" dur="1" fill="hold">
+                                          <p:stCondLst>
+                                            <p:cond delay="0"/>
+                                          </p:stCondLst>
+                                        </p:cTn>
+                                        <p:tgtEl>
+                                          <p:spTgt spid="117"/>
+                                        </p:tgtEl>
+                                        <p:attrNameLst>
+                                          <p:attrName>style.visibility</p:attrName>
+                                        </p:attrNameLst>
+                                      </p:cBhvr>
+                                      <p:to>
+                                        <p:strVal val="hidden"/>
+                                      </p:to>
+                                    </p:set>
+                                  </p:childTnLst>
+                                </p:cTn>
+                              </p:par>
+                              <p:par>
+                                <p:cTn id="29" presetID="1" presetClass="entr" presetSubtype="0" fill="hold" grpId="0" nodeType="withEffect">
+                                  <p:stCondLst>
+                                    <p:cond delay="0"/>
+                                  </p:stCondLst>
+                                  <p:childTnLst>
+                                    <p:set>
+                                      <p:cBhvr>
+                                        <p:cTn id="30" dur="1" fill="hold">
+                                          <p:stCondLst>
+                                            <p:cond delay="0"/>
+                                          </p:stCondLst>
+                                        </p:cTn>
+                                        <p:tgtEl>
+                                          <p:spTgt spid="118"/>
+                                        </p:tgtEl>
+                                        <p:attrNameLst>
+                                          <p:attrName>style.visibility</p:attrName>
+                                        </p:attrNameLst>
+                                      </p:cBhvr>
+                                      <p:to>
+                                        <p:strVal val="visible"/>
+                                      </p:to>
+                                    </p:set>
+                                  </p:childTnLst>
+                                </p:cTn>
+                              </p:par>
+                            </p:childTnLst>
+                          </p:cTn>
+                        </p:par>
+                      </p:childTnLst>
+                    </p:cTn>
+                  </p:par>
+                  <p:par>
+                    <p:cTn id="31" fill="hold">
+                      <p:stCondLst>
+                        <p:cond delay="indefinite"/>
+                      </p:stCondLst>
+                      <p:childTnLst>
+                        <p:par>
+                          <p:cTn id="32" fill="hold">
+                            <p:stCondLst>
+                              <p:cond delay="0"/>
+                            </p:stCondLst>
+                            <p:childTnLst>
+                              <p:par>
+                                <p:cTn id="33" presetID="1" presetClass="exit" presetSubtype="0" fill="hold" grpId="1" nodeType="clickEffect">
+                                  <p:stCondLst>
+                                    <p:cond delay="0"/>
+                                  </p:stCondLst>
+                                  <p:childTnLst>
+                                    <p:set>
+                                      <p:cBhvr>
+                                        <p:cTn id="34" dur="1" fill="hold">
+                                          <p:stCondLst>
+                                            <p:cond delay="0"/>
+                                          </p:stCondLst>
+                                        </p:cTn>
+                                        <p:tgtEl>
+                                          <p:spTgt spid="118"/>
+                                        </p:tgtEl>
+                                        <p:attrNameLst>
+                                          <p:attrName>style.visibility</p:attrName>
+                                        </p:attrNameLst>
+                                      </p:cBhvr>
+                                      <p:to>
+                                        <p:strVal val="hidden"/>
+                                      </p:to>
+                                    </p:set>
+                                  </p:childTnLst>
+                                </p:cTn>
+                              </p:par>
+                              <p:par>
+                                <p:cTn id="35" presetID="1" presetClass="entr" presetSubtype="0" fill="hold" grpId="0" nodeType="withEffect">
+                                  <p:stCondLst>
+                                    <p:cond delay="0"/>
+                                  </p:stCondLst>
+                                  <p:childTnLst>
+                                    <p:set>
+                                      <p:cBhvr>
+                                        <p:cTn id="36" dur="1" fill="hold">
+                                          <p:stCondLst>
+                                            <p:cond delay="0"/>
+                                          </p:stCondLst>
+                                        </p:cTn>
+                                        <p:tgtEl>
+                                          <p:spTgt spid="120"/>
+                                        </p:tgtEl>
+                                        <p:attrNameLst>
+                                          <p:attrName>style.visibility</p:attrName>
+                                        </p:attrNameLst>
+                                      </p:cBhvr>
+                                      <p:to>
+                                        <p:strVal val="visible"/>
+                                      </p:to>
+                                    </p:set>
+                                  </p:childTnLst>
+                                </p:cTn>
+                              </p:par>
+                              <p:par>
+                                <p:cTn id="37" presetID="1" presetClass="entr" presetSubtype="0" fill="hold" grpId="0" nodeType="withEffect">
+                                  <p:stCondLst>
+                                    <p:cond delay="0"/>
+                                  </p:stCondLst>
+                                  <p:childTnLst>
+                                    <p:set>
+                                      <p:cBhvr>
+                                        <p:cTn id="38" dur="1" fill="hold">
+                                          <p:stCondLst>
+                                            <p:cond delay="0"/>
+                                          </p:stCondLst>
+                                        </p:cTn>
+                                        <p:tgtEl>
+                                          <p:spTgt spid="121"/>
+                                        </p:tgtEl>
+                                        <p:attrNameLst>
+                                          <p:attrName>style.visibility</p:attrName>
+                                        </p:attrNameLst>
+                                      </p:cBhvr>
+                                      <p:to>
+                                        <p:strVal val="visible"/>
+                                      </p:to>
+                                    </p:set>
+                                  </p:childTnLst>
+                                </p:cTn>
+                              </p:par>
+                            </p:childTnLst>
+                          </p:cTn>
+                        </p:par>
+                      </p:childTnLst>
+                    </p:cTn>
+                  </p:par>
+                </p:childTnLst>
+              </p:cTn>
+              <p:prevCondLst>
+                <p:cond evt="onPrev" delay="0">
+                  <p:tgtEl>
+                    <p:sldTgt/>
+                  </p:tgtEl>
+                </p:cond>
+              </p:prevCondLst>
+              <p:nextCondLst>
+                <p:cond evt="onNext" delay="0">
+                  <p:tgtEl>
+                    <p:sldTgt/>
+                  </p:tgtEl>
+                </p:cond>
+              </p:nextCondLst>
+            </p:seq>
+          </p:childTnLst>
+        </p:cTn>
+      </p:par>
+    </p:tnLst>
+    <p:bldLst>
+      <p:bldP spid="113" grpId="0" animBg="1"/>
+      <p:bldP spid="113" grpId="1" animBg="1"/>
+      <p:bldP spid="115" grpId="0" animBg="1"/>
+      <p:bldP spid="115" grpId="1" animBg="1"/>
+      <p:bldP spid="116" grpId="0" animBg="1"/>
+      <p:bldP spid="116" grpId="1" animBg="1"/>
+      <p:bldP spid="117" grpId="0" animBg="1"/>
+      <p:bldP spid="117" grpId="1" animBg="1"/>
+      <p:bldP spid="118" grpId="0" animBg="1"/>
+      <p:bldP spid="118" grpId="1" animBg="1"/>
+      <p:bldP spid="120" grpId="0" animBg="1"/>
+      <p:bldP spid="121" grpId="0" animBg="1"/>
+    </p:bldLst>
+  </p:timing>
 </p:sld>
 </file>
 
@@ -28748,10 +30555,10 @@
       </p:sp>
       <p:grpSp>
         <p:nvGrpSpPr>
-          <p:cNvPr id="5" name="グループ化 4">
+          <p:cNvPr id="3" name="グループ化 2">
             <a:extLst>
               <a:ext uri="{FF2B5EF4-FFF2-40B4-BE49-F238E27FC236}">
-                <a16:creationId xmlns:a16="http://schemas.microsoft.com/office/drawing/2014/main" id="{FEE5181F-BBE4-4652-A616-86AAACCA11B4}"/>
+                <a16:creationId xmlns:a16="http://schemas.microsoft.com/office/drawing/2014/main" id="{17364FDE-B52D-46FF-AABE-A8B0A6EB9C19}"/>
               </a:ext>
             </a:extLst>
           </p:cNvPr>
@@ -28762,7 +30569,7 @@
           <a:xfrm>
             <a:off x="1197465" y="1457076"/>
             <a:ext cx="9797069" cy="4948334"/>
-            <a:chOff x="886806" y="1335511"/>
+            <a:chOff x="1197465" y="1457076"/>
             <a:chExt cx="9797069" cy="4948334"/>
           </a:xfrm>
         </p:grpSpPr>
@@ -28794,7 +30601,7 @@
           </p:blipFill>
           <p:spPr>
             <a:xfrm>
-              <a:off x="1971442" y="3175527"/>
+              <a:off x="2282101" y="3297092"/>
               <a:ext cx="645842" cy="809129"/>
             </a:xfrm>
             <a:prstGeom prst="rect">
@@ -28830,7 +30637,7 @@
           </p:blipFill>
           <p:spPr>
             <a:xfrm>
-              <a:off x="1971442" y="4882590"/>
+              <a:off x="2282101" y="5004155"/>
               <a:ext cx="645842" cy="809129"/>
             </a:xfrm>
             <a:prstGeom prst="rect">
@@ -28866,7 +30673,7 @@
           </p:blipFill>
           <p:spPr>
             <a:xfrm>
-              <a:off x="1971442" y="4029058"/>
+              <a:off x="2282101" y="4150623"/>
               <a:ext cx="645842" cy="809129"/>
             </a:xfrm>
             <a:prstGeom prst="rect">
@@ -28902,7 +30709,7 @@
           </p:blipFill>
           <p:spPr>
             <a:xfrm>
-              <a:off x="1971442" y="2321996"/>
+              <a:off x="2282101" y="2443561"/>
               <a:ext cx="645842" cy="809129"/>
             </a:xfrm>
             <a:prstGeom prst="rect">
@@ -28924,7 +30731,7 @@
           </p:nvGrpSpPr>
           <p:grpSpPr>
             <a:xfrm>
-              <a:off x="3099115" y="2375537"/>
+              <a:off x="3409774" y="2497102"/>
               <a:ext cx="830739" cy="702047"/>
               <a:chOff x="3022637" y="1977172"/>
               <a:chExt cx="871342" cy="1031656"/>
@@ -29088,7 +30895,7 @@
           </p:nvGrpSpPr>
           <p:grpSpPr>
             <a:xfrm>
-              <a:off x="3099115" y="3229068"/>
+              <a:off x="3409774" y="3350633"/>
               <a:ext cx="830739" cy="702047"/>
               <a:chOff x="3022637" y="1977172"/>
               <a:chExt cx="871342" cy="1031656"/>
@@ -29252,7 +31059,7 @@
           </p:nvGrpSpPr>
           <p:grpSpPr>
             <a:xfrm>
-              <a:off x="3099115" y="4082599"/>
+              <a:off x="3409774" y="4204164"/>
               <a:ext cx="830739" cy="702047"/>
               <a:chOff x="3022637" y="1977172"/>
               <a:chExt cx="871342" cy="1031656"/>
@@ -29416,7 +31223,7 @@
           </p:nvGrpSpPr>
           <p:grpSpPr>
             <a:xfrm>
-              <a:off x="3099115" y="4935470"/>
+              <a:off x="3409774" y="5057035"/>
               <a:ext cx="830739" cy="702047"/>
               <a:chOff x="3022637" y="1977172"/>
               <a:chExt cx="871342" cy="1031656"/>
@@ -29580,7 +31387,7 @@
           </p:nvSpPr>
           <p:spPr>
             <a:xfrm>
-              <a:off x="4410803" y="2321996"/>
+              <a:off x="4721462" y="2443561"/>
               <a:ext cx="498952" cy="755588"/>
             </a:xfrm>
             <a:prstGeom prst="rect">
@@ -29632,7 +31439,7 @@
           </p:nvSpPr>
           <p:spPr>
             <a:xfrm>
-              <a:off x="4410803" y="3175526"/>
+              <a:off x="4721462" y="3297091"/>
               <a:ext cx="498952" cy="755588"/>
             </a:xfrm>
             <a:prstGeom prst="rect">
@@ -29684,7 +31491,7 @@
           </p:nvSpPr>
           <p:spPr>
             <a:xfrm>
-              <a:off x="4410803" y="4029058"/>
+              <a:off x="4721462" y="4150623"/>
               <a:ext cx="498952" cy="755588"/>
             </a:xfrm>
             <a:prstGeom prst="rect">
@@ -29736,7 +31543,7 @@
           </p:nvSpPr>
           <p:spPr>
             <a:xfrm>
-              <a:off x="4410803" y="4882587"/>
+              <a:off x="4721462" y="5004152"/>
               <a:ext cx="498952" cy="755588"/>
             </a:xfrm>
             <a:prstGeom prst="rect">
@@ -29790,7 +31597,7 @@
           </p:nvCxnSpPr>
           <p:spPr>
             <a:xfrm>
-              <a:off x="2674434" y="2726561"/>
+              <a:off x="2985093" y="2848126"/>
               <a:ext cx="360000" cy="2853"/>
             </a:xfrm>
             <a:prstGeom prst="straightConnector1">
@@ -29831,7 +31638,7 @@
           </p:nvCxnSpPr>
           <p:spPr>
             <a:xfrm>
-              <a:off x="2675424" y="3577238"/>
+              <a:off x="2986083" y="3698803"/>
               <a:ext cx="360000" cy="2853"/>
             </a:xfrm>
             <a:prstGeom prst="straightConnector1">
@@ -29872,7 +31679,7 @@
           </p:nvCxnSpPr>
           <p:spPr>
             <a:xfrm>
-              <a:off x="2675424" y="4433622"/>
+              <a:off x="2986083" y="4555187"/>
               <a:ext cx="360000" cy="2853"/>
             </a:xfrm>
             <a:prstGeom prst="straightConnector1">
@@ -29913,7 +31720,7 @@
           </p:nvCxnSpPr>
           <p:spPr>
             <a:xfrm>
-              <a:off x="2675424" y="5290006"/>
+              <a:off x="2986083" y="5411571"/>
               <a:ext cx="360000" cy="2853"/>
             </a:xfrm>
             <a:prstGeom prst="straightConnector1">
@@ -29954,7 +31761,7 @@
           </p:nvCxnSpPr>
           <p:spPr>
             <a:xfrm>
-              <a:off x="3967966" y="2704784"/>
+              <a:off x="4278625" y="2826349"/>
               <a:ext cx="360000" cy="2853"/>
             </a:xfrm>
             <a:prstGeom prst="straightConnector1">
@@ -29995,7 +31802,7 @@
           </p:nvCxnSpPr>
           <p:spPr>
             <a:xfrm>
-              <a:off x="3967966" y="3555461"/>
+              <a:off x="4278625" y="3677026"/>
               <a:ext cx="360000" cy="2853"/>
             </a:xfrm>
             <a:prstGeom prst="straightConnector1">
@@ -30036,7 +31843,7 @@
           </p:nvCxnSpPr>
           <p:spPr>
             <a:xfrm>
-              <a:off x="3967966" y="4411845"/>
+              <a:off x="4278625" y="4533410"/>
               <a:ext cx="360000" cy="2853"/>
             </a:xfrm>
             <a:prstGeom prst="straightConnector1">
@@ -30077,7 +31884,7 @@
           </p:nvCxnSpPr>
           <p:spPr>
             <a:xfrm>
-              <a:off x="3967966" y="5268229"/>
+              <a:off x="4278625" y="5389794"/>
               <a:ext cx="360000" cy="2853"/>
             </a:xfrm>
             <a:prstGeom prst="straightConnector1">
@@ -30118,7 +31925,7 @@
           </p:nvCxnSpPr>
           <p:spPr>
             <a:xfrm>
-              <a:off x="7060384" y="2726561"/>
+              <a:off x="7371043" y="2848126"/>
               <a:ext cx="975516" cy="1018771"/>
             </a:xfrm>
             <a:prstGeom prst="straightConnector1">
@@ -30159,7 +31966,7 @@
           </p:nvCxnSpPr>
           <p:spPr>
             <a:xfrm>
-              <a:off x="7061374" y="3577238"/>
+              <a:off x="7372033" y="3698803"/>
               <a:ext cx="975021" cy="358529"/>
             </a:xfrm>
             <a:prstGeom prst="straightConnector1">
@@ -30200,7 +32007,7 @@
           </p:nvCxnSpPr>
           <p:spPr>
             <a:xfrm flipV="1">
-              <a:off x="7061374" y="4082599"/>
+              <a:off x="7372033" y="4204164"/>
               <a:ext cx="974526" cy="351025"/>
             </a:xfrm>
             <a:prstGeom prst="straightConnector1">
@@ -30241,7 +32048,7 @@
           </p:nvCxnSpPr>
           <p:spPr>
             <a:xfrm flipV="1">
-              <a:off x="7061374" y="4280841"/>
+              <a:off x="7372033" y="4402406"/>
               <a:ext cx="974526" cy="1009167"/>
             </a:xfrm>
             <a:prstGeom prst="straightConnector1">
@@ -30280,7 +32087,7 @@
           </p:nvSpPr>
           <p:spPr>
             <a:xfrm>
-              <a:off x="1920683" y="2076022"/>
+              <a:off x="2231342" y="2197587"/>
               <a:ext cx="811530" cy="254637"/>
             </a:xfrm>
             <a:prstGeom prst="rect">
@@ -30317,7 +32124,7 @@
           </p:nvSpPr>
           <p:spPr>
             <a:xfrm>
-              <a:off x="2914577" y="1890396"/>
+              <a:off x="3225236" y="2011961"/>
               <a:ext cx="1074419" cy="432881"/>
             </a:xfrm>
             <a:prstGeom prst="rect">
@@ -30365,7 +32172,7 @@
           </p:nvSpPr>
           <p:spPr>
             <a:xfrm>
-              <a:off x="4230629" y="2049125"/>
+              <a:off x="4541288" y="2170690"/>
               <a:ext cx="863260" cy="307777"/>
             </a:xfrm>
             <a:prstGeom prst="rect">
@@ -30402,7 +32209,7 @@
           </p:nvSpPr>
           <p:spPr>
             <a:xfrm>
-              <a:off x="6457728" y="2398026"/>
+              <a:off x="6768387" y="2519591"/>
               <a:ext cx="507109" cy="600164"/>
             </a:xfrm>
             <a:prstGeom prst="rect">
@@ -30453,7 +32260,7 @@
           </p:nvSpPr>
           <p:spPr>
             <a:xfrm>
-              <a:off x="1757153" y="5691718"/>
+              <a:off x="2067812" y="5813283"/>
               <a:ext cx="1074420" cy="305563"/>
             </a:xfrm>
             <a:prstGeom prst="rect">
@@ -30490,7 +32297,7 @@
           </p:nvSpPr>
           <p:spPr>
             <a:xfrm>
-              <a:off x="2919115" y="5637517"/>
+              <a:off x="3229774" y="5759082"/>
               <a:ext cx="1074420" cy="534736"/>
             </a:xfrm>
             <a:prstGeom prst="rect">
@@ -30534,7 +32341,7 @@
           </p:nvSpPr>
           <p:spPr>
             <a:xfrm>
-              <a:off x="4126128" y="5637516"/>
+              <a:off x="4436787" y="5759081"/>
               <a:ext cx="1074420" cy="534736"/>
             </a:xfrm>
             <a:prstGeom prst="rect">
@@ -30579,7 +32386,7 @@
           </p:nvSpPr>
           <p:spPr>
             <a:xfrm>
-              <a:off x="8367315" y="4378553"/>
+              <a:off x="8677974" y="4500118"/>
               <a:ext cx="1676400" cy="534736"/>
             </a:xfrm>
             <a:prstGeom prst="rect">
@@ -30627,7 +32434,7 @@
           </p:nvSpPr>
           <p:spPr>
             <a:xfrm>
-              <a:off x="886806" y="5129889"/>
+              <a:off x="1197465" y="5251454"/>
               <a:ext cx="1224865" cy="307777"/>
             </a:xfrm>
             <a:prstGeom prst="rect">
@@ -30664,7 +32471,7 @@
           </p:nvSpPr>
           <p:spPr>
             <a:xfrm>
-              <a:off x="889559" y="4280841"/>
+              <a:off x="1200218" y="4402406"/>
               <a:ext cx="1224865" cy="307777"/>
             </a:xfrm>
             <a:prstGeom prst="rect">
@@ -30701,7 +32508,7 @@
           </p:nvSpPr>
           <p:spPr>
             <a:xfrm>
-              <a:off x="888023" y="3431793"/>
+              <a:off x="1198682" y="3553358"/>
               <a:ext cx="1224865" cy="307777"/>
             </a:xfrm>
             <a:prstGeom prst="rect">
@@ -30738,7 +32545,7 @@
           </p:nvSpPr>
           <p:spPr>
             <a:xfrm>
-              <a:off x="901771" y="2579805"/>
+              <a:off x="1212430" y="2701370"/>
               <a:ext cx="1224865" cy="307777"/>
             </a:xfrm>
             <a:prstGeom prst="rect">
@@ -30763,58 +32570,6 @@
         </p:sp>
         <p:sp>
           <p:nvSpPr>
-            <p:cNvPr id="42" name="正方形/長方形 41">
-              <a:extLst>
-                <a:ext uri="{FF2B5EF4-FFF2-40B4-BE49-F238E27FC236}">
-                  <a16:creationId xmlns:a16="http://schemas.microsoft.com/office/drawing/2014/main" id="{6C41EE25-CC10-4980-B9C6-281E7A0F1201}"/>
-                </a:ext>
-              </a:extLst>
-            </p:cNvPr>
-            <p:cNvSpPr/>
-            <p:nvPr/>
-          </p:nvSpPr>
-          <p:spPr>
-            <a:xfrm>
-              <a:off x="5437401" y="2321994"/>
-              <a:ext cx="498952" cy="755588"/>
-            </a:xfrm>
-            <a:prstGeom prst="rect">
-              <a:avLst/>
-            </a:prstGeom>
-            <a:noFill/>
-            <a:ln>
-              <a:solidFill>
-                <a:schemeClr val="tx1"/>
-              </a:solidFill>
-            </a:ln>
-          </p:spPr>
-          <p:style>
-            <a:lnRef idx="2">
-              <a:schemeClr val="accent1">
-                <a:shade val="50000"/>
-              </a:schemeClr>
-            </a:lnRef>
-            <a:fillRef idx="1">
-              <a:schemeClr val="accent1"/>
-            </a:fillRef>
-            <a:effectRef idx="0">
-              <a:schemeClr val="accent1"/>
-            </a:effectRef>
-            <a:fontRef idx="minor">
-              <a:schemeClr val="lt1"/>
-            </a:fontRef>
-          </p:style>
-          <p:txBody>
-            <a:bodyPr rtlCol="0" anchor="ctr"/>
-            <a:lstStyle/>
-            <a:p>
-              <a:pPr algn="ctr"/>
-              <a:endParaRPr kumimoji="1" lang="ja-JP" altLang="en-US"/>
-            </a:p>
-          </p:txBody>
-        </p:sp>
-        <p:sp>
-          <p:nvSpPr>
             <p:cNvPr id="43" name="正方形/長方形 42">
               <a:extLst>
                 <a:ext uri="{FF2B5EF4-FFF2-40B4-BE49-F238E27FC236}">
@@ -30827,7 +32582,7 @@
           </p:nvSpPr>
           <p:spPr>
             <a:xfrm>
-              <a:off x="5437401" y="3175524"/>
+              <a:off x="5748060" y="3297089"/>
               <a:ext cx="498952" cy="755588"/>
             </a:xfrm>
             <a:prstGeom prst="rect">
@@ -30879,7 +32634,7 @@
           </p:nvSpPr>
           <p:spPr>
             <a:xfrm>
-              <a:off x="5437401" y="4029056"/>
+              <a:off x="5748060" y="4150621"/>
               <a:ext cx="498952" cy="755588"/>
             </a:xfrm>
             <a:prstGeom prst="rect">
@@ -30931,7 +32686,7 @@
           </p:nvSpPr>
           <p:spPr>
             <a:xfrm>
-              <a:off x="5437401" y="4882585"/>
+              <a:off x="5748060" y="5004150"/>
               <a:ext cx="498952" cy="755588"/>
             </a:xfrm>
             <a:prstGeom prst="rect">
@@ -30985,7 +32740,7 @@
           </p:nvCxnSpPr>
           <p:spPr>
             <a:xfrm>
-              <a:off x="4994564" y="2704782"/>
+              <a:off x="5305223" y="2826347"/>
               <a:ext cx="360000" cy="2853"/>
             </a:xfrm>
             <a:prstGeom prst="straightConnector1">
@@ -31026,7 +32781,7 @@
           </p:nvCxnSpPr>
           <p:spPr>
             <a:xfrm>
-              <a:off x="4994564" y="3555459"/>
+              <a:off x="5305223" y="3677024"/>
               <a:ext cx="360000" cy="2853"/>
             </a:xfrm>
             <a:prstGeom prst="straightConnector1">
@@ -31067,7 +32822,7 @@
           </p:nvCxnSpPr>
           <p:spPr>
             <a:xfrm>
-              <a:off x="4994564" y="4411843"/>
+              <a:off x="5305223" y="4533408"/>
               <a:ext cx="360000" cy="2853"/>
             </a:xfrm>
             <a:prstGeom prst="straightConnector1">
@@ -31108,7 +32863,7 @@
           </p:nvCxnSpPr>
           <p:spPr>
             <a:xfrm>
-              <a:off x="4994564" y="5268227"/>
+              <a:off x="5305223" y="5389792"/>
               <a:ext cx="360000" cy="2853"/>
             </a:xfrm>
             <a:prstGeom prst="straightConnector1">
@@ -31147,7 +32902,7 @@
           </p:nvSpPr>
           <p:spPr>
             <a:xfrm>
-              <a:off x="5152726" y="5637514"/>
+              <a:off x="5463385" y="5759079"/>
               <a:ext cx="1074420" cy="646331"/>
             </a:xfrm>
             <a:prstGeom prst="rect">
@@ -31192,7 +32947,7 @@
           </p:nvSpPr>
           <p:spPr>
             <a:xfrm>
-              <a:off x="6461807" y="2321994"/>
+              <a:off x="6772466" y="2443559"/>
               <a:ext cx="498952" cy="755588"/>
             </a:xfrm>
             <a:prstGeom prst="rect">
@@ -31244,7 +32999,7 @@
           </p:nvSpPr>
           <p:spPr>
             <a:xfrm>
-              <a:off x="6461807" y="3175524"/>
+              <a:off x="6772466" y="3297089"/>
               <a:ext cx="498952" cy="755588"/>
             </a:xfrm>
             <a:prstGeom prst="rect">
@@ -31296,7 +33051,7 @@
           </p:nvSpPr>
           <p:spPr>
             <a:xfrm>
-              <a:off x="6461807" y="4029056"/>
+              <a:off x="6772466" y="4150621"/>
               <a:ext cx="498952" cy="755588"/>
             </a:xfrm>
             <a:prstGeom prst="rect">
@@ -31348,7 +33103,7 @@
           </p:nvSpPr>
           <p:spPr>
             <a:xfrm>
-              <a:off x="6461807" y="4882585"/>
+              <a:off x="6772466" y="5004150"/>
               <a:ext cx="498952" cy="755588"/>
             </a:xfrm>
             <a:prstGeom prst="rect">
@@ -31388,47 +33143,6 @@
         </p:sp>
         <p:cxnSp>
           <p:nvCxnSpPr>
-            <p:cNvPr id="55" name="直線矢印コネクタ 54">
-              <a:extLst>
-                <a:ext uri="{FF2B5EF4-FFF2-40B4-BE49-F238E27FC236}">
-                  <a16:creationId xmlns:a16="http://schemas.microsoft.com/office/drawing/2014/main" id="{6D901DEC-39DC-41E4-AEC2-1B46370ED5C7}"/>
-                </a:ext>
-              </a:extLst>
-            </p:cNvPr>
-            <p:cNvCxnSpPr>
-              <a:cxnSpLocks/>
-            </p:cNvCxnSpPr>
-            <p:nvPr/>
-          </p:nvCxnSpPr>
-          <p:spPr>
-            <a:xfrm>
-              <a:off x="6018970" y="2704782"/>
-              <a:ext cx="360000" cy="2853"/>
-            </a:xfrm>
-            <a:prstGeom prst="straightConnector1">
-              <a:avLst/>
-            </a:prstGeom>
-            <a:ln>
-              <a:tailEnd type="triangle"/>
-            </a:ln>
-          </p:spPr>
-          <p:style>
-            <a:lnRef idx="1">
-              <a:schemeClr val="dk1"/>
-            </a:lnRef>
-            <a:fillRef idx="0">
-              <a:schemeClr val="dk1"/>
-            </a:fillRef>
-            <a:effectRef idx="0">
-              <a:schemeClr val="dk1"/>
-            </a:effectRef>
-            <a:fontRef idx="minor">
-              <a:schemeClr val="tx1"/>
-            </a:fontRef>
-          </p:style>
-        </p:cxnSp>
-        <p:cxnSp>
-          <p:nvCxnSpPr>
             <p:cNvPr id="56" name="直線矢印コネクタ 55">
               <a:extLst>
                 <a:ext uri="{FF2B5EF4-FFF2-40B4-BE49-F238E27FC236}">
@@ -31443,7 +33157,7 @@
           </p:nvCxnSpPr>
           <p:spPr>
             <a:xfrm>
-              <a:off x="6018970" y="3555459"/>
+              <a:off x="6329629" y="3677024"/>
               <a:ext cx="360000" cy="2853"/>
             </a:xfrm>
             <a:prstGeom prst="straightConnector1">
@@ -31484,7 +33198,7 @@
           </p:nvCxnSpPr>
           <p:spPr>
             <a:xfrm>
-              <a:off x="6018970" y="4411843"/>
+              <a:off x="6329629" y="4533408"/>
               <a:ext cx="360000" cy="2853"/>
             </a:xfrm>
             <a:prstGeom prst="straightConnector1">
@@ -31525,7 +33239,7 @@
           </p:nvCxnSpPr>
           <p:spPr>
             <a:xfrm>
-              <a:off x="6018970" y="5268227"/>
+              <a:off x="6329629" y="5389792"/>
               <a:ext cx="360000" cy="2853"/>
             </a:xfrm>
             <a:prstGeom prst="straightConnector1">
@@ -31564,7 +33278,7 @@
           </p:nvSpPr>
           <p:spPr>
             <a:xfrm>
-              <a:off x="6177132" y="5637514"/>
+              <a:off x="6487791" y="5759079"/>
               <a:ext cx="1074420" cy="646331"/>
             </a:xfrm>
             <a:prstGeom prst="rect">
@@ -31608,7 +33322,7 @@
           </p:nvSpPr>
           <p:spPr>
             <a:xfrm>
-              <a:off x="6457728" y="3255920"/>
+              <a:off x="6768387" y="3377485"/>
               <a:ext cx="507109" cy="600164"/>
             </a:xfrm>
             <a:prstGeom prst="rect">
@@ -31659,7 +33373,7 @@
           </p:nvSpPr>
           <p:spPr>
             <a:xfrm>
-              <a:off x="6457739" y="4111197"/>
+              <a:off x="6768398" y="4232762"/>
               <a:ext cx="507109" cy="600164"/>
             </a:xfrm>
             <a:prstGeom prst="rect">
@@ -31710,7 +33424,7 @@
           </p:nvSpPr>
           <p:spPr>
             <a:xfrm>
-              <a:off x="6458131" y="4974863"/>
+              <a:off x="6768790" y="5096428"/>
               <a:ext cx="507109" cy="600164"/>
             </a:xfrm>
             <a:prstGeom prst="rect">
@@ -31749,10 +33463,10 @@
         </p:sp>
         <p:sp>
           <p:nvSpPr>
-            <p:cNvPr id="63" name="テキスト ボックス 62">
+            <p:cNvPr id="64" name="テキスト ボックス 63">
               <a:extLst>
                 <a:ext uri="{FF2B5EF4-FFF2-40B4-BE49-F238E27FC236}">
-                  <a16:creationId xmlns:a16="http://schemas.microsoft.com/office/drawing/2014/main" id="{687F29DC-C9EF-4549-8F1B-EC75C7BF86DB}"/>
+                  <a16:creationId xmlns:a16="http://schemas.microsoft.com/office/drawing/2014/main" id="{0D591C81-2335-4BE7-9B8B-D680CC90B6EB}"/>
                 </a:ext>
               </a:extLst>
             </p:cNvPr>
@@ -31761,7 +33475,7 @@
           </p:nvSpPr>
           <p:spPr>
             <a:xfrm>
-              <a:off x="5255247" y="2049125"/>
+              <a:off x="6587403" y="2170690"/>
               <a:ext cx="863260" cy="307777"/>
             </a:xfrm>
             <a:prstGeom prst="rect">
@@ -31786,152 +33500,6 @@
         </p:sp>
         <p:sp>
           <p:nvSpPr>
-            <p:cNvPr id="64" name="テキスト ボックス 63">
-              <a:extLst>
-                <a:ext uri="{FF2B5EF4-FFF2-40B4-BE49-F238E27FC236}">
-                  <a16:creationId xmlns:a16="http://schemas.microsoft.com/office/drawing/2014/main" id="{0D591C81-2335-4BE7-9B8B-D680CC90B6EB}"/>
-                </a:ext>
-              </a:extLst>
-            </p:cNvPr>
-            <p:cNvSpPr txBox="1"/>
-            <p:nvPr/>
-          </p:nvSpPr>
-          <p:spPr>
-            <a:xfrm>
-              <a:off x="6476035" y="2049125"/>
-              <a:ext cx="863260" cy="307777"/>
-            </a:xfrm>
-            <a:prstGeom prst="rect">
-              <a:avLst/>
-            </a:prstGeom>
-            <a:noFill/>
-          </p:spPr>
-          <p:txBody>
-            <a:bodyPr wrap="square" rtlCol="0">
-              <a:spAutoFit/>
-            </a:bodyPr>
-            <a:lstStyle/>
-            <a:p>
-              <a:pPr algn="ctr"/>
-              <a:r>
-                <a:rPr kumimoji="1" lang="en-US" altLang="ja-JP" sz="1400" dirty="0"/>
-                <a:t>3 dim</a:t>
-              </a:r>
-              <a:endParaRPr kumimoji="1" lang="ja-JP" altLang="en-US" sz="1400" dirty="0"/>
-            </a:p>
-          </p:txBody>
-        </p:sp>
-        <p:sp>
-          <p:nvSpPr>
-            <p:cNvPr id="65" name="楕円 64">
-              <a:extLst>
-                <a:ext uri="{FF2B5EF4-FFF2-40B4-BE49-F238E27FC236}">
-                  <a16:creationId xmlns:a16="http://schemas.microsoft.com/office/drawing/2014/main" id="{0958F691-A82B-4DF5-8338-36A13C7C20FE}"/>
-                </a:ext>
-              </a:extLst>
-            </p:cNvPr>
-            <p:cNvSpPr/>
-            <p:nvPr/>
-          </p:nvSpPr>
-          <p:spPr>
-            <a:xfrm>
-              <a:off x="4791365" y="1335511"/>
-              <a:ext cx="1757303" cy="631686"/>
-            </a:xfrm>
-            <a:prstGeom prst="ellipse">
-              <a:avLst/>
-            </a:prstGeom>
-            <a:noFill/>
-          </p:spPr>
-          <p:style>
-            <a:lnRef idx="2">
-              <a:schemeClr val="dk1">
-                <a:shade val="50000"/>
-              </a:schemeClr>
-            </a:lnRef>
-            <a:fillRef idx="1">
-              <a:schemeClr val="dk1"/>
-            </a:fillRef>
-            <a:effectRef idx="0">
-              <a:schemeClr val="dk1"/>
-            </a:effectRef>
-            <a:fontRef idx="minor">
-              <a:schemeClr val="lt1"/>
-            </a:fontRef>
-          </p:style>
-          <p:txBody>
-            <a:bodyPr rtlCol="0" anchor="ctr"/>
-            <a:lstStyle/>
-            <a:p>
-              <a:pPr algn="ctr"/>
-              <a:r>
-                <a:rPr lang="en-US" altLang="ja-JP" sz="1400" b="1" dirty="0">
-                  <a:solidFill>
-                    <a:schemeClr val="tx1"/>
-                  </a:solidFill>
-                </a:rPr>
-                <a:t>Cross</a:t>
-              </a:r>
-            </a:p>
-            <a:p>
-              <a:pPr algn="ctr"/>
-              <a:r>
-                <a:rPr lang="en-US" altLang="ja-JP" sz="1400" b="1" dirty="0" err="1">
-                  <a:solidFill>
-                    <a:schemeClr val="tx1"/>
-                  </a:solidFill>
-                </a:rPr>
-                <a:t>EntropyLoss</a:t>
-              </a:r>
-              <a:endParaRPr lang="en-US" altLang="ja-JP" sz="1400" b="1" dirty="0">
-                <a:solidFill>
-                  <a:schemeClr val="tx1"/>
-                </a:solidFill>
-              </a:endParaRPr>
-            </a:p>
-          </p:txBody>
-        </p:sp>
-        <p:cxnSp>
-          <p:nvCxnSpPr>
-            <p:cNvPr id="66" name="直線矢印コネクタ 65">
-              <a:extLst>
-                <a:ext uri="{FF2B5EF4-FFF2-40B4-BE49-F238E27FC236}">
-                  <a16:creationId xmlns:a16="http://schemas.microsoft.com/office/drawing/2014/main" id="{AAC6DC28-0A6C-4CD5-AE59-BF6AC121F938}"/>
-                </a:ext>
-              </a:extLst>
-            </p:cNvPr>
-            <p:cNvCxnSpPr/>
-            <p:nvPr/>
-          </p:nvCxnSpPr>
-          <p:spPr>
-            <a:xfrm>
-              <a:off x="6378970" y="1967197"/>
-              <a:ext cx="169698" cy="235816"/>
-            </a:xfrm>
-            <a:prstGeom prst="straightConnector1">
-              <a:avLst/>
-            </a:prstGeom>
-            <a:ln>
-              <a:tailEnd type="triangle"/>
-            </a:ln>
-          </p:spPr>
-          <p:style>
-            <a:lnRef idx="1">
-              <a:schemeClr val="dk1"/>
-            </a:lnRef>
-            <a:fillRef idx="0">
-              <a:schemeClr val="dk1"/>
-            </a:fillRef>
-            <a:effectRef idx="0">
-              <a:schemeClr val="dk1"/>
-            </a:effectRef>
-            <a:fontRef idx="minor">
-              <a:schemeClr val="tx1"/>
-            </a:fontRef>
-          </p:style>
-        </p:cxnSp>
-        <p:sp>
-          <p:nvSpPr>
             <p:cNvPr id="67" name="テキスト ボックス 66">
               <a:extLst>
                 <a:ext uri="{FF2B5EF4-FFF2-40B4-BE49-F238E27FC236}">
@@ -31944,7 +33512,7 @@
           </p:nvSpPr>
           <p:spPr>
             <a:xfrm>
-              <a:off x="7176954" y="2441236"/>
+              <a:off x="7487613" y="2562801"/>
               <a:ext cx="762400" cy="369332"/>
             </a:xfrm>
             <a:prstGeom prst="rect">
@@ -31981,7 +33549,7 @@
           </p:nvSpPr>
           <p:spPr>
             <a:xfrm>
-              <a:off x="8612740" y="1502037"/>
+              <a:off x="8923399" y="1623602"/>
               <a:ext cx="2071135" cy="461665"/>
             </a:xfrm>
             <a:prstGeom prst="rect">
@@ -32018,7 +33586,7 @@
           </p:nvGrpSpPr>
           <p:grpSpPr>
             <a:xfrm>
-              <a:off x="8150743" y="3600000"/>
+              <a:off x="8461402" y="3721565"/>
               <a:ext cx="2108398" cy="776282"/>
               <a:chOff x="8150743" y="3586671"/>
               <a:chExt cx="2108398" cy="776282"/>
@@ -32279,60 +33847,405 @@
               </p:txBody>
             </p:sp>
           </p:grpSp>
-          <p:sp>
-            <p:nvSpPr>
-              <p:cNvPr id="72" name="楕円 71">
-                <a:extLst>
-                  <a:ext uri="{FF2B5EF4-FFF2-40B4-BE49-F238E27FC236}">
-                    <a16:creationId xmlns:a16="http://schemas.microsoft.com/office/drawing/2014/main" id="{F2162507-196E-4B37-B9C1-4550A28FEDE5}"/>
-                  </a:ext>
-                </a:extLst>
-              </p:cNvPr>
-              <p:cNvSpPr/>
-              <p:nvPr/>
-            </p:nvSpPr>
-            <p:spPr>
-              <a:xfrm>
-                <a:off x="8205047" y="4064660"/>
-                <a:ext cx="1828800" cy="270187"/>
-              </a:xfrm>
-              <a:prstGeom prst="ellipse">
-                <a:avLst/>
-              </a:prstGeom>
-              <a:noFill/>
-              <a:ln w="19050">
+        </p:grpSp>
+        <p:sp>
+          <p:nvSpPr>
+            <p:cNvPr id="89" name="正方形/長方形 88">
+              <a:extLst>
+                <a:ext uri="{FF2B5EF4-FFF2-40B4-BE49-F238E27FC236}">
+                  <a16:creationId xmlns:a16="http://schemas.microsoft.com/office/drawing/2014/main" id="{AC73E3F4-761F-475A-A7E8-CC57F0C5AAA3}"/>
+                </a:ext>
+              </a:extLst>
+            </p:cNvPr>
+            <p:cNvSpPr/>
+            <p:nvPr/>
+          </p:nvSpPr>
+          <p:spPr>
+            <a:xfrm>
+              <a:off x="5745216" y="2443559"/>
+              <a:ext cx="498952" cy="755588"/>
+            </a:xfrm>
+            <a:prstGeom prst="rect">
+              <a:avLst/>
+            </a:prstGeom>
+            <a:noFill/>
+            <a:ln>
+              <a:solidFill>
+                <a:schemeClr val="tx1"/>
+              </a:solidFill>
+            </a:ln>
+          </p:spPr>
+          <p:style>
+            <a:lnRef idx="2">
+              <a:schemeClr val="accent1">
+                <a:shade val="50000"/>
+              </a:schemeClr>
+            </a:lnRef>
+            <a:fillRef idx="1">
+              <a:schemeClr val="accent1"/>
+            </a:fillRef>
+            <a:effectRef idx="0">
+              <a:schemeClr val="accent1"/>
+            </a:effectRef>
+            <a:fontRef idx="minor">
+              <a:schemeClr val="lt1"/>
+            </a:fontRef>
+          </p:style>
+          <p:txBody>
+            <a:bodyPr rtlCol="0" anchor="ctr"/>
+            <a:lstStyle/>
+            <a:p>
+              <a:pPr algn="ctr"/>
+              <a:endParaRPr kumimoji="1" lang="ja-JP" altLang="en-US"/>
+            </a:p>
+          </p:txBody>
+        </p:sp>
+        <p:cxnSp>
+          <p:nvCxnSpPr>
+            <p:cNvPr id="90" name="直線矢印コネクタ 89">
+              <a:extLst>
+                <a:ext uri="{FF2B5EF4-FFF2-40B4-BE49-F238E27FC236}">
+                  <a16:creationId xmlns:a16="http://schemas.microsoft.com/office/drawing/2014/main" id="{745A8314-9629-4AB5-AA8D-F5F0D2ACE011}"/>
+                </a:ext>
+              </a:extLst>
+            </p:cNvPr>
+            <p:cNvCxnSpPr>
+              <a:cxnSpLocks/>
+            </p:cNvCxnSpPr>
+            <p:nvPr/>
+          </p:nvCxnSpPr>
+          <p:spPr>
+            <a:xfrm>
+              <a:off x="6326785" y="2826347"/>
+              <a:ext cx="360000" cy="2853"/>
+            </a:xfrm>
+            <a:prstGeom prst="straightConnector1">
+              <a:avLst/>
+            </a:prstGeom>
+            <a:ln>
+              <a:tailEnd type="triangle"/>
+            </a:ln>
+          </p:spPr>
+          <p:style>
+            <a:lnRef idx="1">
+              <a:schemeClr val="dk1"/>
+            </a:lnRef>
+            <a:fillRef idx="0">
+              <a:schemeClr val="dk1"/>
+            </a:fillRef>
+            <a:effectRef idx="0">
+              <a:schemeClr val="dk1"/>
+            </a:effectRef>
+            <a:fontRef idx="minor">
+              <a:schemeClr val="tx1"/>
+            </a:fontRef>
+          </p:style>
+        </p:cxnSp>
+        <p:sp>
+          <p:nvSpPr>
+            <p:cNvPr id="91" name="テキスト ボックス 90">
+              <a:extLst>
+                <a:ext uri="{FF2B5EF4-FFF2-40B4-BE49-F238E27FC236}">
+                  <a16:creationId xmlns:a16="http://schemas.microsoft.com/office/drawing/2014/main" id="{2A65E349-9A3B-4C96-A562-7C76CD191A4E}"/>
+                </a:ext>
+              </a:extLst>
+            </p:cNvPr>
+            <p:cNvSpPr txBox="1"/>
+            <p:nvPr/>
+          </p:nvSpPr>
+          <p:spPr>
+            <a:xfrm>
+              <a:off x="5563062" y="2170690"/>
+              <a:ext cx="863260" cy="307777"/>
+            </a:xfrm>
+            <a:prstGeom prst="rect">
+              <a:avLst/>
+            </a:prstGeom>
+            <a:noFill/>
+          </p:spPr>
+          <p:txBody>
+            <a:bodyPr wrap="square" rtlCol="0">
+              <a:spAutoFit/>
+            </a:bodyPr>
+            <a:lstStyle/>
+            <a:p>
+              <a:pPr algn="ctr"/>
+              <a:r>
+                <a:rPr kumimoji="1" lang="en-US" altLang="ja-JP" sz="1400" dirty="0"/>
+                <a:t>3 dim</a:t>
+              </a:r>
+              <a:endParaRPr kumimoji="1" lang="ja-JP" altLang="en-US" sz="1400" dirty="0"/>
+            </a:p>
+          </p:txBody>
+        </p:sp>
+        <p:sp>
+          <p:nvSpPr>
+            <p:cNvPr id="92" name="楕円 91">
+              <a:extLst>
+                <a:ext uri="{FF2B5EF4-FFF2-40B4-BE49-F238E27FC236}">
+                  <a16:creationId xmlns:a16="http://schemas.microsoft.com/office/drawing/2014/main" id="{11666C4C-2046-43BF-B260-DA981CCA6349}"/>
+                </a:ext>
+              </a:extLst>
+            </p:cNvPr>
+            <p:cNvSpPr/>
+            <p:nvPr/>
+          </p:nvSpPr>
+          <p:spPr>
+            <a:xfrm>
+              <a:off x="5767391" y="1457076"/>
+              <a:ext cx="1757303" cy="631686"/>
+            </a:xfrm>
+            <a:prstGeom prst="ellipse">
+              <a:avLst/>
+            </a:prstGeom>
+            <a:noFill/>
+          </p:spPr>
+          <p:style>
+            <a:lnRef idx="2">
+              <a:schemeClr val="dk1">
+                <a:shade val="50000"/>
+              </a:schemeClr>
+            </a:lnRef>
+            <a:fillRef idx="1">
+              <a:schemeClr val="dk1"/>
+            </a:fillRef>
+            <a:effectRef idx="0">
+              <a:schemeClr val="dk1"/>
+            </a:effectRef>
+            <a:fontRef idx="minor">
+              <a:schemeClr val="lt1"/>
+            </a:fontRef>
+          </p:style>
+          <p:txBody>
+            <a:bodyPr rtlCol="0" anchor="ctr"/>
+            <a:lstStyle/>
+            <a:p>
+              <a:pPr algn="ctr"/>
+              <a:r>
+                <a:rPr lang="en-US" altLang="ja-JP" sz="1400" b="1" dirty="0">
+                  <a:solidFill>
+                    <a:schemeClr val="tx1"/>
+                  </a:solidFill>
+                </a:rPr>
+                <a:t>Cross</a:t>
+              </a:r>
+            </a:p>
+            <a:p>
+              <a:pPr algn="ctr"/>
+              <a:r>
+                <a:rPr lang="en-US" altLang="ja-JP" sz="1400" b="1" dirty="0" err="1">
+                  <a:solidFill>
+                    <a:schemeClr val="tx1"/>
+                  </a:solidFill>
+                </a:rPr>
+                <a:t>EntropyLoss</a:t>
+              </a:r>
+              <a:endParaRPr lang="en-US" altLang="ja-JP" sz="1400" b="1" dirty="0">
                 <a:solidFill>
-                  <a:srgbClr val="FF0000"/>
+                  <a:schemeClr val="tx1"/>
                 </a:solidFill>
-              </a:ln>
-            </p:spPr>
-            <p:style>
-              <a:lnRef idx="2">
-                <a:schemeClr val="accent1">
-                  <a:shade val="50000"/>
-                </a:schemeClr>
-              </a:lnRef>
-              <a:fillRef idx="1">
-                <a:schemeClr val="accent1"/>
-              </a:fillRef>
-              <a:effectRef idx="0">
-                <a:schemeClr val="accent1"/>
-              </a:effectRef>
-              <a:fontRef idx="minor">
-                <a:schemeClr val="lt1"/>
-              </a:fontRef>
-            </p:style>
-            <p:txBody>
-              <a:bodyPr rtlCol="0" anchor="ctr"/>
-              <a:lstStyle/>
-              <a:p>
-                <a:pPr algn="ctr"/>
-                <a:endParaRPr kumimoji="1" lang="ja-JP" altLang="en-US" dirty="0"/>
-              </a:p>
-            </p:txBody>
-          </p:sp>
-        </p:grpSp>
+              </a:endParaRPr>
+            </a:p>
+          </p:txBody>
+        </p:sp>
+        <p:cxnSp>
+          <p:nvCxnSpPr>
+            <p:cNvPr id="93" name="直線矢印コネクタ 92">
+              <a:extLst>
+                <a:ext uri="{FF2B5EF4-FFF2-40B4-BE49-F238E27FC236}">
+                  <a16:creationId xmlns:a16="http://schemas.microsoft.com/office/drawing/2014/main" id="{1FD5CE77-F32B-4CED-9242-4346F4E70B07}"/>
+                </a:ext>
+              </a:extLst>
+            </p:cNvPr>
+            <p:cNvCxnSpPr>
+              <a:cxnSpLocks/>
+            </p:cNvCxnSpPr>
+            <p:nvPr/>
+          </p:nvCxnSpPr>
+          <p:spPr>
+            <a:xfrm flipV="1">
+              <a:off x="6380974" y="2205859"/>
+              <a:ext cx="195743" cy="426263"/>
+            </a:xfrm>
+            <a:prstGeom prst="straightConnector1">
+              <a:avLst/>
+            </a:prstGeom>
+            <a:ln>
+              <a:tailEnd type="triangle"/>
+            </a:ln>
+          </p:spPr>
+          <p:style>
+            <a:lnRef idx="1">
+              <a:schemeClr val="dk1"/>
+            </a:lnRef>
+            <a:fillRef idx="0">
+              <a:schemeClr val="dk1"/>
+            </a:fillRef>
+            <a:effectRef idx="0">
+              <a:schemeClr val="dk1"/>
+            </a:effectRef>
+            <a:fontRef idx="minor">
+              <a:schemeClr val="tx1"/>
+            </a:fontRef>
+          </p:style>
+        </p:cxnSp>
       </p:grpSp>
+      <p:sp>
+        <p:nvSpPr>
+          <p:cNvPr id="96" name="四角形: 角を丸くする 95">
+            <a:extLst>
+              <a:ext uri="{FF2B5EF4-FFF2-40B4-BE49-F238E27FC236}">
+                <a16:creationId xmlns:a16="http://schemas.microsoft.com/office/drawing/2014/main" id="{1F58F82C-FBB7-44A9-9BD4-67BE652B031C}"/>
+              </a:ext>
+            </a:extLst>
+          </p:cNvPr>
+          <p:cNvSpPr/>
+          <p:nvPr/>
+        </p:nvSpPr>
+        <p:spPr>
+          <a:xfrm>
+            <a:off x="5475086" y="2170690"/>
+            <a:ext cx="1054062" cy="4203354"/>
+          </a:xfrm>
+          <a:prstGeom prst="roundRect">
+            <a:avLst/>
+          </a:prstGeom>
+          <a:noFill/>
+          <a:ln w="57150">
+            <a:solidFill>
+              <a:srgbClr val="FF0000"/>
+            </a:solidFill>
+          </a:ln>
+        </p:spPr>
+        <p:style>
+          <a:lnRef idx="2">
+            <a:schemeClr val="accent1">
+              <a:shade val="50000"/>
+            </a:schemeClr>
+          </a:lnRef>
+          <a:fillRef idx="1">
+            <a:schemeClr val="accent1"/>
+          </a:fillRef>
+          <a:effectRef idx="0">
+            <a:schemeClr val="accent1"/>
+          </a:effectRef>
+          <a:fontRef idx="minor">
+            <a:schemeClr val="lt1"/>
+          </a:fontRef>
+        </p:style>
+        <p:txBody>
+          <a:bodyPr rtlCol="0" anchor="ctr"/>
+          <a:lstStyle/>
+          <a:p>
+            <a:pPr algn="ctr"/>
+            <a:endParaRPr kumimoji="1" lang="ja-JP" altLang="en-US"/>
+          </a:p>
+        </p:txBody>
+      </p:sp>
+      <p:sp>
+        <p:nvSpPr>
+          <p:cNvPr id="97" name="四角形: 角を丸くする 96">
+            <a:extLst>
+              <a:ext uri="{FF2B5EF4-FFF2-40B4-BE49-F238E27FC236}">
+                <a16:creationId xmlns:a16="http://schemas.microsoft.com/office/drawing/2014/main" id="{401305B7-07E8-40C2-9F90-9DCA8625FBC3}"/>
+              </a:ext>
+            </a:extLst>
+          </p:cNvPr>
+          <p:cNvSpPr/>
+          <p:nvPr/>
+        </p:nvSpPr>
+        <p:spPr>
+          <a:xfrm>
+            <a:off x="6491497" y="2170690"/>
+            <a:ext cx="1054062" cy="4203354"/>
+          </a:xfrm>
+          <a:prstGeom prst="roundRect">
+            <a:avLst/>
+          </a:prstGeom>
+          <a:noFill/>
+          <a:ln w="57150">
+            <a:solidFill>
+              <a:srgbClr val="FF0000"/>
+            </a:solidFill>
+          </a:ln>
+        </p:spPr>
+        <p:style>
+          <a:lnRef idx="2">
+            <a:schemeClr val="accent1">
+              <a:shade val="50000"/>
+            </a:schemeClr>
+          </a:lnRef>
+          <a:fillRef idx="1">
+            <a:schemeClr val="accent1"/>
+          </a:fillRef>
+          <a:effectRef idx="0">
+            <a:schemeClr val="accent1"/>
+          </a:effectRef>
+          <a:fontRef idx="minor">
+            <a:schemeClr val="lt1"/>
+          </a:fontRef>
+        </p:style>
+        <p:txBody>
+          <a:bodyPr rtlCol="0" anchor="ctr"/>
+          <a:lstStyle/>
+          <a:p>
+            <a:pPr algn="ctr"/>
+            <a:endParaRPr kumimoji="1" lang="ja-JP" altLang="en-US"/>
+          </a:p>
+        </p:txBody>
+      </p:sp>
+      <p:sp>
+        <p:nvSpPr>
+          <p:cNvPr id="98" name="四角形: 角を丸くする 97">
+            <a:extLst>
+              <a:ext uri="{FF2B5EF4-FFF2-40B4-BE49-F238E27FC236}">
+                <a16:creationId xmlns:a16="http://schemas.microsoft.com/office/drawing/2014/main" id="{FADDD644-A2FC-4823-A4CC-EA263D2E9E76}"/>
+              </a:ext>
+            </a:extLst>
+          </p:cNvPr>
+          <p:cNvSpPr/>
+          <p:nvPr/>
+        </p:nvSpPr>
+        <p:spPr>
+          <a:xfrm>
+            <a:off x="8497394" y="4204701"/>
+            <a:ext cx="2059880" cy="255567"/>
+          </a:xfrm>
+          <a:prstGeom prst="roundRect">
+            <a:avLst/>
+          </a:prstGeom>
+          <a:noFill/>
+          <a:ln w="57150">
+            <a:solidFill>
+              <a:srgbClr val="FF0000"/>
+            </a:solidFill>
+          </a:ln>
+        </p:spPr>
+        <p:style>
+          <a:lnRef idx="2">
+            <a:schemeClr val="accent1">
+              <a:shade val="50000"/>
+            </a:schemeClr>
+          </a:lnRef>
+          <a:fillRef idx="1">
+            <a:schemeClr val="accent1"/>
+          </a:fillRef>
+          <a:effectRef idx="0">
+            <a:schemeClr val="accent1"/>
+          </a:effectRef>
+          <a:fontRef idx="minor">
+            <a:schemeClr val="lt1"/>
+          </a:fontRef>
+        </p:style>
+        <p:txBody>
+          <a:bodyPr rtlCol="0" anchor="ctr"/>
+          <a:lstStyle/>
+          <a:p>
+            <a:pPr algn="ctr"/>
+            <a:endParaRPr kumimoji="1" lang="ja-JP" altLang="en-US"/>
+          </a:p>
+        </p:txBody>
+      </p:sp>
     </p:spTree>
     <p:extLst>
       <p:ext uri="{BB962C8B-B14F-4D97-AF65-F5344CB8AC3E}">
@@ -32343,6 +34256,232 @@
   <p:clrMapOvr>
     <a:masterClrMapping/>
   </p:clrMapOvr>
+  <p:timing>
+    <p:tnLst>
+      <p:par>
+        <p:cTn id="1" dur="indefinite" restart="never" nodeType="tmRoot">
+          <p:childTnLst>
+            <p:seq concurrent="1" nextAc="seek">
+              <p:cTn id="2" dur="indefinite" nodeType="mainSeq">
+                <p:childTnLst>
+                  <p:par>
+                    <p:cTn id="3" fill="hold">
+                      <p:stCondLst>
+                        <p:cond delay="indefinite"/>
+                      </p:stCondLst>
+                      <p:childTnLst>
+                        <p:par>
+                          <p:cTn id="4" fill="hold">
+                            <p:stCondLst>
+                              <p:cond delay="0"/>
+                            </p:stCondLst>
+                            <p:childTnLst>
+                              <p:par>
+                                <p:cTn id="5" presetID="1" presetClass="entr" presetSubtype="0" fill="hold" grpId="0" nodeType="clickEffect">
+                                  <p:stCondLst>
+                                    <p:cond delay="0"/>
+                                  </p:stCondLst>
+                                  <p:childTnLst>
+                                    <p:set>
+                                      <p:cBhvr>
+                                        <p:cTn id="6" dur="1" fill="hold">
+                                          <p:stCondLst>
+                                            <p:cond delay="0"/>
+                                          </p:stCondLst>
+                                        </p:cTn>
+                                        <p:tgtEl>
+                                          <p:spTgt spid="96"/>
+                                        </p:tgtEl>
+                                        <p:attrNameLst>
+                                          <p:attrName>style.visibility</p:attrName>
+                                        </p:attrNameLst>
+                                      </p:cBhvr>
+                                      <p:to>
+                                        <p:strVal val="visible"/>
+                                      </p:to>
+                                    </p:set>
+                                  </p:childTnLst>
+                                </p:cTn>
+                              </p:par>
+                            </p:childTnLst>
+                          </p:cTn>
+                        </p:par>
+                      </p:childTnLst>
+                    </p:cTn>
+                  </p:par>
+                  <p:par>
+                    <p:cTn id="7" fill="hold">
+                      <p:stCondLst>
+                        <p:cond delay="indefinite"/>
+                      </p:stCondLst>
+                      <p:childTnLst>
+                        <p:par>
+                          <p:cTn id="8" fill="hold">
+                            <p:stCondLst>
+                              <p:cond delay="0"/>
+                            </p:stCondLst>
+                            <p:childTnLst>
+                              <p:par>
+                                <p:cTn id="9" presetID="1" presetClass="exit" presetSubtype="0" fill="hold" grpId="1" nodeType="clickEffect">
+                                  <p:stCondLst>
+                                    <p:cond delay="0"/>
+                                  </p:stCondLst>
+                                  <p:childTnLst>
+                                    <p:set>
+                                      <p:cBhvr>
+                                        <p:cTn id="10" dur="1" fill="hold">
+                                          <p:stCondLst>
+                                            <p:cond delay="0"/>
+                                          </p:stCondLst>
+                                        </p:cTn>
+                                        <p:tgtEl>
+                                          <p:spTgt spid="96"/>
+                                        </p:tgtEl>
+                                        <p:attrNameLst>
+                                          <p:attrName>style.visibility</p:attrName>
+                                        </p:attrNameLst>
+                                      </p:cBhvr>
+                                      <p:to>
+                                        <p:strVal val="hidden"/>
+                                      </p:to>
+                                    </p:set>
+                                  </p:childTnLst>
+                                </p:cTn>
+                              </p:par>
+                              <p:par>
+                                <p:cTn id="11" presetID="1" presetClass="entr" presetSubtype="0" fill="hold" grpId="0" nodeType="withEffect">
+                                  <p:stCondLst>
+                                    <p:cond delay="0"/>
+                                  </p:stCondLst>
+                                  <p:childTnLst>
+                                    <p:set>
+                                      <p:cBhvr>
+                                        <p:cTn id="12" dur="1" fill="hold">
+                                          <p:stCondLst>
+                                            <p:cond delay="0"/>
+                                          </p:stCondLst>
+                                        </p:cTn>
+                                        <p:tgtEl>
+                                          <p:spTgt spid="97"/>
+                                        </p:tgtEl>
+                                        <p:attrNameLst>
+                                          <p:attrName>style.visibility</p:attrName>
+                                        </p:attrNameLst>
+                                      </p:cBhvr>
+                                      <p:to>
+                                        <p:strVal val="visible"/>
+                                      </p:to>
+                                    </p:set>
+                                  </p:childTnLst>
+                                </p:cTn>
+                              </p:par>
+                            </p:childTnLst>
+                          </p:cTn>
+                        </p:par>
+                      </p:childTnLst>
+                    </p:cTn>
+                  </p:par>
+                  <p:par>
+                    <p:cTn id="13" fill="hold">
+                      <p:stCondLst>
+                        <p:cond delay="indefinite"/>
+                      </p:stCondLst>
+                      <p:childTnLst>
+                        <p:par>
+                          <p:cTn id="14" fill="hold">
+                            <p:stCondLst>
+                              <p:cond delay="0"/>
+                            </p:stCondLst>
+                            <p:childTnLst>
+                              <p:par>
+                                <p:cTn id="15" presetID="1" presetClass="exit" presetSubtype="0" fill="hold" grpId="1" nodeType="clickEffect">
+                                  <p:stCondLst>
+                                    <p:cond delay="0"/>
+                                  </p:stCondLst>
+                                  <p:childTnLst>
+                                    <p:set>
+                                      <p:cBhvr>
+                                        <p:cTn id="16" dur="1" fill="hold">
+                                          <p:stCondLst>
+                                            <p:cond delay="0"/>
+                                          </p:stCondLst>
+                                        </p:cTn>
+                                        <p:tgtEl>
+                                          <p:spTgt spid="97"/>
+                                        </p:tgtEl>
+                                        <p:attrNameLst>
+                                          <p:attrName>style.visibility</p:attrName>
+                                        </p:attrNameLst>
+                                      </p:cBhvr>
+                                      <p:to>
+                                        <p:strVal val="hidden"/>
+                                      </p:to>
+                                    </p:set>
+                                  </p:childTnLst>
+                                </p:cTn>
+                              </p:par>
+                              <p:par>
+                                <p:cTn id="17" presetID="1" presetClass="entr" presetSubtype="0" fill="hold" grpId="0" nodeType="withEffect">
+                                  <p:stCondLst>
+                                    <p:cond delay="0"/>
+                                  </p:stCondLst>
+                                  <p:childTnLst>
+                                    <p:set>
+                                      <p:cBhvr>
+                                        <p:cTn id="18" dur="1" fill="hold">
+                                          <p:stCondLst>
+                                            <p:cond delay="0"/>
+                                          </p:stCondLst>
+                                        </p:cTn>
+                                        <p:tgtEl>
+                                          <p:spTgt spid="98"/>
+                                        </p:tgtEl>
+                                        <p:attrNameLst>
+                                          <p:attrName>style.visibility</p:attrName>
+                                        </p:attrNameLst>
+                                      </p:cBhvr>
+                                      <p:to>
+                                        <p:strVal val="visible"/>
+                                      </p:to>
+                                    </p:set>
+                                  </p:childTnLst>
+                                </p:cTn>
+                              </p:par>
+                            </p:childTnLst>
+                          </p:cTn>
+                        </p:par>
+                      </p:childTnLst>
+                    </p:cTn>
+                  </p:par>
+                </p:childTnLst>
+              </p:cTn>
+              <p:prevCondLst>
+                <p:cond evt="onPrev" delay="0">
+                  <p:tgtEl>
+                    <p:sldTgt/>
+                  </p:tgtEl>
+                </p:cond>
+              </p:prevCondLst>
+              <p:nextCondLst>
+                <p:cond evt="onNext" delay="0">
+                  <p:tgtEl>
+                    <p:sldTgt/>
+                  </p:tgtEl>
+                </p:cond>
+              </p:nextCondLst>
+            </p:seq>
+          </p:childTnLst>
+        </p:cTn>
+      </p:par>
+    </p:tnLst>
+    <p:bldLst>
+      <p:bldP spid="96" grpId="0" animBg="1"/>
+      <p:bldP spid="96" grpId="1" animBg="1"/>
+      <p:bldP spid="97" grpId="0" animBg="1"/>
+      <p:bldP spid="97" grpId="1" animBg="1"/>
+      <p:bldP spid="98" grpId="0" animBg="1"/>
+    </p:bldLst>
+  </p:timing>
 </p:sld>
 </file>
 
@@ -32378,7 +34517,7 @@
           <p:nvPr>
             <p:extLst>
               <p:ext uri="{D42A27DB-BD31-4B8C-83A1-F6EECF244321}">
-                <p14:modId xmlns:p14="http://schemas.microsoft.com/office/powerpoint/2010/main" val="2065586455"/>
+                <p14:modId xmlns:p14="http://schemas.microsoft.com/office/powerpoint/2010/main" val="3707976660"/>
               </p:ext>
             </p:extLst>
           </p:nvPr>
@@ -32438,18 +34577,21 @@
                     <a:p>
                       <a:pPr algn="ctr" fontAlgn="ctr"/>
                       <a:r>
-                        <a:rPr lang="en-US" sz="1100" u="none" strike="noStrike" dirty="0">
+                        <a:rPr lang="en-US" sz="1400" u="none" strike="noStrike" dirty="0">
                           <a:effectLst/>
+                          <a:latin typeface="Arial" panose="020B0604020202020204" pitchFamily="34" charset="0"/>
+                          <a:cs typeface="Arial" panose="020B0604020202020204" pitchFamily="34" charset="0"/>
                         </a:rPr>
                         <a:t>Activity type</a:t>
                       </a:r>
-                      <a:endParaRPr lang="en-US" sz="1100" b="0" i="0" u="none" strike="noStrike" dirty="0">
+                      <a:endParaRPr lang="en-US" sz="1400" b="0" i="0" u="none" strike="noStrike" dirty="0">
                         <a:solidFill>
                           <a:srgbClr val="000000"/>
                         </a:solidFill>
                         <a:effectLst/>
-                        <a:latin typeface="Times New Roman" panose="02020603050405020304" pitchFamily="18" charset="0"/>
+                        <a:latin typeface="Arial" panose="020B0604020202020204" pitchFamily="34" charset="0"/>
                         <a:ea typeface="游ゴシック" panose="020B0400000000000000" pitchFamily="50" charset="-128"/>
+                        <a:cs typeface="Arial" panose="020B0604020202020204" pitchFamily="34" charset="0"/>
                       </a:endParaRPr>
                     </a:p>
                   </a:txBody>
@@ -32462,18 +34604,21 @@
                     <a:p>
                       <a:pPr algn="ctr" fontAlgn="ctr"/>
                       <a:r>
-                        <a:rPr lang="en-US" sz="1100" u="none" strike="noStrike">
+                        <a:rPr lang="en-US" sz="1400" u="none" strike="noStrike">
                           <a:effectLst/>
+                          <a:latin typeface="Arial" panose="020B0604020202020204" pitchFamily="34" charset="0"/>
+                          <a:cs typeface="Arial" panose="020B0604020202020204" pitchFamily="34" charset="0"/>
                         </a:rPr>
                         <a:t>Train data</a:t>
                       </a:r>
-                      <a:endParaRPr lang="en-US" sz="1100" b="0" i="0" u="none" strike="noStrike">
+                      <a:endParaRPr lang="en-US" sz="1400" b="0" i="0" u="none" strike="noStrike">
                         <a:solidFill>
                           <a:srgbClr val="000000"/>
                         </a:solidFill>
                         <a:effectLst/>
-                        <a:latin typeface="Times New Roman" panose="02020603050405020304" pitchFamily="18" charset="0"/>
+                        <a:latin typeface="Arial" panose="020B0604020202020204" pitchFamily="34" charset="0"/>
                         <a:ea typeface="游ゴシック" panose="020B0400000000000000" pitchFamily="50" charset="-128"/>
+                        <a:cs typeface="Arial" panose="020B0604020202020204" pitchFamily="34" charset="0"/>
                       </a:endParaRPr>
                     </a:p>
                   </a:txBody>
@@ -32486,18 +34631,21 @@
                     <a:p>
                       <a:pPr algn="ctr" fontAlgn="ctr"/>
                       <a:r>
-                        <a:rPr lang="en-US" sz="1100" u="none" strike="noStrike">
+                        <a:rPr lang="en-US" sz="1400" u="none" strike="noStrike">
                           <a:effectLst/>
+                          <a:latin typeface="Arial" panose="020B0604020202020204" pitchFamily="34" charset="0"/>
+                          <a:cs typeface="Arial" panose="020B0604020202020204" pitchFamily="34" charset="0"/>
                         </a:rPr>
                         <a:t>Test data</a:t>
                       </a:r>
-                      <a:endParaRPr lang="en-US" sz="1100" b="0" i="0" u="none" strike="noStrike">
+                      <a:endParaRPr lang="en-US" sz="1400" b="0" i="0" u="none" strike="noStrike">
                         <a:solidFill>
                           <a:srgbClr val="000000"/>
                         </a:solidFill>
                         <a:effectLst/>
-                        <a:latin typeface="Times New Roman" panose="02020603050405020304" pitchFamily="18" charset="0"/>
+                        <a:latin typeface="Arial" panose="020B0604020202020204" pitchFamily="34" charset="0"/>
                         <a:ea typeface="游ゴシック" panose="020B0400000000000000" pitchFamily="50" charset="-128"/>
+                        <a:cs typeface="Arial" panose="020B0604020202020204" pitchFamily="34" charset="0"/>
                       </a:endParaRPr>
                     </a:p>
                   </a:txBody>
@@ -32510,18 +34658,21 @@
                     <a:p>
                       <a:pPr algn="ctr" fontAlgn="ctr"/>
                       <a:r>
-                        <a:rPr lang="en-US" sz="1100" u="none" strike="noStrike">
+                        <a:rPr lang="en-US" sz="1400" u="none" strike="noStrike">
                           <a:effectLst/>
+                          <a:latin typeface="Arial" panose="020B0604020202020204" pitchFamily="34" charset="0"/>
+                          <a:cs typeface="Arial" panose="020B0604020202020204" pitchFamily="34" charset="0"/>
                         </a:rPr>
                         <a:t>Max. accuracy</a:t>
                       </a:r>
-                      <a:endParaRPr lang="en-US" sz="1100" b="0" i="0" u="none" strike="noStrike">
+                      <a:endParaRPr lang="en-US" sz="1400" b="0" i="0" u="none" strike="noStrike">
                         <a:solidFill>
                           <a:srgbClr val="000000"/>
                         </a:solidFill>
                         <a:effectLst/>
-                        <a:latin typeface="Times New Roman" panose="02020603050405020304" pitchFamily="18" charset="0"/>
+                        <a:latin typeface="Arial" panose="020B0604020202020204" pitchFamily="34" charset="0"/>
                         <a:ea typeface="游ゴシック" panose="020B0400000000000000" pitchFamily="50" charset="-128"/>
+                        <a:cs typeface="Arial" panose="020B0604020202020204" pitchFamily="34" charset="0"/>
                       </a:endParaRPr>
                     </a:p>
                   </a:txBody>
@@ -32534,18 +34685,21 @@
                     <a:p>
                       <a:pPr algn="ctr" fontAlgn="ctr"/>
                       <a:r>
-                        <a:rPr lang="en-US" sz="1100" u="none" strike="noStrike">
+                        <a:rPr lang="en-US" sz="1400" u="none" strike="noStrike">
                           <a:effectLst/>
+                          <a:latin typeface="Arial" panose="020B0604020202020204" pitchFamily="34" charset="0"/>
+                          <a:cs typeface="Arial" panose="020B0604020202020204" pitchFamily="34" charset="0"/>
                         </a:rPr>
                         <a:t>Min. loss</a:t>
                       </a:r>
-                      <a:endParaRPr lang="en-US" sz="1100" b="0" i="0" u="none" strike="noStrike">
+                      <a:endParaRPr lang="en-US" sz="1400" b="0" i="0" u="none" strike="noStrike">
                         <a:solidFill>
                           <a:srgbClr val="000000"/>
                         </a:solidFill>
                         <a:effectLst/>
-                        <a:latin typeface="Times New Roman" panose="02020603050405020304" pitchFamily="18" charset="0"/>
+                        <a:latin typeface="Arial" panose="020B0604020202020204" pitchFamily="34" charset="0"/>
                         <a:ea typeface="游ゴシック" panose="020B0400000000000000" pitchFamily="50" charset="-128"/>
+                        <a:cs typeface="Arial" panose="020B0604020202020204" pitchFamily="34" charset="0"/>
                       </a:endParaRPr>
                     </a:p>
                   </a:txBody>
@@ -32565,18 +34719,21 @@
                     <a:p>
                       <a:pPr algn="ctr" fontAlgn="ctr"/>
                       <a:r>
-                        <a:rPr lang="en-US" sz="1100" u="none" strike="noStrike" dirty="0">
+                        <a:rPr lang="en-US" sz="1400" u="none" strike="noStrike" dirty="0">
                           <a:effectLst/>
+                          <a:latin typeface="Arial" panose="020B0604020202020204" pitchFamily="34" charset="0"/>
+                          <a:cs typeface="Arial" panose="020B0604020202020204" pitchFamily="34" charset="0"/>
                         </a:rPr>
                         <a:t>Micro</a:t>
                       </a:r>
-                      <a:endParaRPr lang="en-US" sz="1100" b="0" i="0" u="none" strike="noStrike" dirty="0">
+                      <a:endParaRPr lang="en-US" sz="1400" b="0" i="0" u="none" strike="noStrike" dirty="0">
                         <a:solidFill>
                           <a:srgbClr val="000000"/>
                         </a:solidFill>
                         <a:effectLst/>
-                        <a:latin typeface="Times New Roman" panose="02020603050405020304" pitchFamily="18" charset="0"/>
+                        <a:latin typeface="Arial" panose="020B0604020202020204" pitchFamily="34" charset="0"/>
                         <a:ea typeface="游ゴシック" panose="020B0400000000000000" pitchFamily="50" charset="-128"/>
+                        <a:cs typeface="Arial" panose="020B0604020202020204" pitchFamily="34" charset="0"/>
                       </a:endParaRPr>
                     </a:p>
                   </a:txBody>
@@ -32589,18 +34746,21 @@
                     <a:p>
                       <a:pPr algn="ctr" fontAlgn="ctr"/>
                       <a:r>
-                        <a:rPr lang="en-US" sz="1100" u="none" strike="noStrike">
+                        <a:rPr lang="en-US" sz="1400" u="none" strike="noStrike">
                           <a:effectLst/>
+                          <a:latin typeface="Arial" panose="020B0604020202020204" pitchFamily="34" charset="0"/>
+                          <a:cs typeface="Arial" panose="020B0604020202020204" pitchFamily="34" charset="0"/>
                         </a:rPr>
                         <a:t>Subject 1, 2</a:t>
                       </a:r>
-                      <a:endParaRPr lang="en-US" sz="1100" b="0" i="0" u="none" strike="noStrike">
+                      <a:endParaRPr lang="en-US" sz="1400" b="0" i="0" u="none" strike="noStrike">
                         <a:solidFill>
                           <a:srgbClr val="000000"/>
                         </a:solidFill>
                         <a:effectLst/>
-                        <a:latin typeface="Times New Roman" panose="02020603050405020304" pitchFamily="18" charset="0"/>
+                        <a:latin typeface="Arial" panose="020B0604020202020204" pitchFamily="34" charset="0"/>
                         <a:ea typeface="游ゴシック" panose="020B0400000000000000" pitchFamily="50" charset="-128"/>
+                        <a:cs typeface="Arial" panose="020B0604020202020204" pitchFamily="34" charset="0"/>
                       </a:endParaRPr>
                     </a:p>
                   </a:txBody>
@@ -32613,18 +34773,21 @@
                     <a:p>
                       <a:pPr algn="ctr" fontAlgn="ctr"/>
                       <a:r>
-                        <a:rPr lang="en-US" sz="1100" u="none" strike="noStrike">
+                        <a:rPr lang="en-US" sz="1400" u="none" strike="noStrike">
                           <a:effectLst/>
+                          <a:latin typeface="Arial" panose="020B0604020202020204" pitchFamily="34" charset="0"/>
+                          <a:cs typeface="Arial" panose="020B0604020202020204" pitchFamily="34" charset="0"/>
                         </a:rPr>
                         <a:t>Subject 3</a:t>
                       </a:r>
-                      <a:endParaRPr lang="en-US" sz="1100" b="0" i="0" u="none" strike="noStrike">
+                      <a:endParaRPr lang="en-US" sz="1400" b="0" i="0" u="none" strike="noStrike">
                         <a:solidFill>
                           <a:srgbClr val="000000"/>
                         </a:solidFill>
                         <a:effectLst/>
-                        <a:latin typeface="Times New Roman" panose="02020603050405020304" pitchFamily="18" charset="0"/>
+                        <a:latin typeface="Arial" panose="020B0604020202020204" pitchFamily="34" charset="0"/>
                         <a:ea typeface="游ゴシック" panose="020B0400000000000000" pitchFamily="50" charset="-128"/>
+                        <a:cs typeface="Arial" panose="020B0604020202020204" pitchFamily="34" charset="0"/>
                       </a:endParaRPr>
                     </a:p>
                   </a:txBody>
@@ -32637,18 +34800,21 @@
                     <a:p>
                       <a:pPr algn="ctr" fontAlgn="ctr"/>
                       <a:r>
-                        <a:rPr lang="en-US" altLang="ja-JP" sz="1100" u="none" strike="noStrike">
+                        <a:rPr lang="en-US" altLang="ja-JP" sz="1400" u="none" strike="noStrike">
                           <a:effectLst/>
+                          <a:latin typeface="Arial" panose="020B0604020202020204" pitchFamily="34" charset="0"/>
+                          <a:cs typeface="Arial" panose="020B0604020202020204" pitchFamily="34" charset="0"/>
                         </a:rPr>
                         <a:t>0.536 </a:t>
                       </a:r>
-                      <a:endParaRPr lang="en-US" altLang="ja-JP" sz="1100" b="0" i="0" u="none" strike="noStrike">
+                      <a:endParaRPr lang="en-US" altLang="ja-JP" sz="1400" b="0" i="0" u="none" strike="noStrike">
                         <a:solidFill>
                           <a:srgbClr val="000000"/>
                         </a:solidFill>
                         <a:effectLst/>
-                        <a:latin typeface="Times New Roman" panose="02020603050405020304" pitchFamily="18" charset="0"/>
+                        <a:latin typeface="Arial" panose="020B0604020202020204" pitchFamily="34" charset="0"/>
                         <a:ea typeface="游ゴシック" panose="020B0400000000000000" pitchFamily="50" charset="-128"/>
+                        <a:cs typeface="Arial" panose="020B0604020202020204" pitchFamily="34" charset="0"/>
                       </a:endParaRPr>
                     </a:p>
                   </a:txBody>
@@ -32661,18 +34827,21 @@
                     <a:p>
                       <a:pPr algn="ctr" fontAlgn="ctr"/>
                       <a:r>
-                        <a:rPr lang="en-US" altLang="ja-JP" sz="1100" u="none" strike="noStrike">
+                        <a:rPr lang="en-US" altLang="ja-JP" sz="1400" u="none" strike="noStrike">
                           <a:effectLst/>
+                          <a:latin typeface="Arial" panose="020B0604020202020204" pitchFamily="34" charset="0"/>
+                          <a:cs typeface="Arial" panose="020B0604020202020204" pitchFamily="34" charset="0"/>
                         </a:rPr>
                         <a:t>0.436 </a:t>
                       </a:r>
-                      <a:endParaRPr lang="en-US" altLang="ja-JP" sz="1100" b="0" i="0" u="none" strike="noStrike">
+                      <a:endParaRPr lang="en-US" altLang="ja-JP" sz="1400" b="0" i="0" u="none" strike="noStrike">
                         <a:solidFill>
                           <a:srgbClr val="000000"/>
                         </a:solidFill>
                         <a:effectLst/>
-                        <a:latin typeface="Times New Roman" panose="02020603050405020304" pitchFamily="18" charset="0"/>
+                        <a:latin typeface="Arial" panose="020B0604020202020204" pitchFamily="34" charset="0"/>
                         <a:ea typeface="游ゴシック" panose="020B0400000000000000" pitchFamily="50" charset="-128"/>
+                        <a:cs typeface="Arial" panose="020B0604020202020204" pitchFamily="34" charset="0"/>
                       </a:endParaRPr>
                     </a:p>
                   </a:txBody>
@@ -32702,18 +34871,21 @@
                     <a:p>
                       <a:pPr algn="ctr" fontAlgn="ctr"/>
                       <a:r>
-                        <a:rPr lang="en-US" sz="1100" u="none" strike="noStrike">
+                        <a:rPr lang="en-US" sz="1400" u="none" strike="noStrike">
                           <a:effectLst/>
+                          <a:latin typeface="Arial" panose="020B0604020202020204" pitchFamily="34" charset="0"/>
+                          <a:cs typeface="Arial" panose="020B0604020202020204" pitchFamily="34" charset="0"/>
                         </a:rPr>
                         <a:t>Subject 2, 3</a:t>
                       </a:r>
-                      <a:endParaRPr lang="en-US" sz="1100" b="0" i="0" u="none" strike="noStrike">
+                      <a:endParaRPr lang="en-US" sz="1400" b="0" i="0" u="none" strike="noStrike">
                         <a:solidFill>
                           <a:srgbClr val="000000"/>
                         </a:solidFill>
                         <a:effectLst/>
-                        <a:latin typeface="Times New Roman" panose="02020603050405020304" pitchFamily="18" charset="0"/>
+                        <a:latin typeface="Arial" panose="020B0604020202020204" pitchFamily="34" charset="0"/>
                         <a:ea typeface="游ゴシック" panose="020B0400000000000000" pitchFamily="50" charset="-128"/>
+                        <a:cs typeface="Arial" panose="020B0604020202020204" pitchFamily="34" charset="0"/>
                       </a:endParaRPr>
                     </a:p>
                   </a:txBody>
@@ -32726,18 +34898,21 @@
                     <a:p>
                       <a:pPr algn="ctr" fontAlgn="ctr"/>
                       <a:r>
-                        <a:rPr lang="en-US" sz="1100" u="none" strike="noStrike">
+                        <a:rPr lang="en-US" sz="1400" u="none" strike="noStrike">
                           <a:effectLst/>
+                          <a:latin typeface="Arial" panose="020B0604020202020204" pitchFamily="34" charset="0"/>
+                          <a:cs typeface="Arial" panose="020B0604020202020204" pitchFamily="34" charset="0"/>
                         </a:rPr>
                         <a:t>Subject 1</a:t>
                       </a:r>
-                      <a:endParaRPr lang="en-US" sz="1100" b="0" i="0" u="none" strike="noStrike">
+                      <a:endParaRPr lang="en-US" sz="1400" b="0" i="0" u="none" strike="noStrike">
                         <a:solidFill>
                           <a:srgbClr val="000000"/>
                         </a:solidFill>
                         <a:effectLst/>
-                        <a:latin typeface="Times New Roman" panose="02020603050405020304" pitchFamily="18" charset="0"/>
+                        <a:latin typeface="Arial" panose="020B0604020202020204" pitchFamily="34" charset="0"/>
                         <a:ea typeface="游ゴシック" panose="020B0400000000000000" pitchFamily="50" charset="-128"/>
+                        <a:cs typeface="Arial" panose="020B0604020202020204" pitchFamily="34" charset="0"/>
                       </a:endParaRPr>
                     </a:p>
                   </a:txBody>
@@ -32750,18 +34925,21 @@
                     <a:p>
                       <a:pPr algn="ctr" fontAlgn="ctr"/>
                       <a:r>
-                        <a:rPr lang="en-US" altLang="ja-JP" sz="1100" u="none" strike="noStrike">
+                        <a:rPr lang="en-US" altLang="ja-JP" sz="1400" u="none" strike="noStrike">
                           <a:effectLst/>
+                          <a:latin typeface="Arial" panose="020B0604020202020204" pitchFamily="34" charset="0"/>
+                          <a:cs typeface="Arial" panose="020B0604020202020204" pitchFamily="34" charset="0"/>
                         </a:rPr>
                         <a:t>0.497 </a:t>
                       </a:r>
-                      <a:endParaRPr lang="en-US" altLang="ja-JP" sz="1100" b="0" i="0" u="none" strike="noStrike">
+                      <a:endParaRPr lang="en-US" altLang="ja-JP" sz="1400" b="0" i="0" u="none" strike="noStrike">
                         <a:solidFill>
                           <a:srgbClr val="000000"/>
                         </a:solidFill>
                         <a:effectLst/>
-                        <a:latin typeface="Times New Roman" panose="02020603050405020304" pitchFamily="18" charset="0"/>
+                        <a:latin typeface="Arial" panose="020B0604020202020204" pitchFamily="34" charset="0"/>
                         <a:ea typeface="游ゴシック" panose="020B0400000000000000" pitchFamily="50" charset="-128"/>
+                        <a:cs typeface="Arial" panose="020B0604020202020204" pitchFamily="34" charset="0"/>
                       </a:endParaRPr>
                     </a:p>
                   </a:txBody>
@@ -32774,18 +34952,21 @@
                     <a:p>
                       <a:pPr algn="ctr" fontAlgn="ctr"/>
                       <a:r>
-                        <a:rPr lang="en-US" altLang="ja-JP" sz="1100" u="none" strike="noStrike">
+                        <a:rPr lang="en-US" altLang="ja-JP" sz="1400" u="none" strike="noStrike">
                           <a:effectLst/>
+                          <a:latin typeface="Arial" panose="020B0604020202020204" pitchFamily="34" charset="0"/>
+                          <a:cs typeface="Arial" panose="020B0604020202020204" pitchFamily="34" charset="0"/>
                         </a:rPr>
                         <a:t>0.445 </a:t>
                       </a:r>
-                      <a:endParaRPr lang="en-US" altLang="ja-JP" sz="1100" b="0" i="0" u="none" strike="noStrike">
+                      <a:endParaRPr lang="en-US" altLang="ja-JP" sz="1400" b="0" i="0" u="none" strike="noStrike">
                         <a:solidFill>
                           <a:srgbClr val="000000"/>
                         </a:solidFill>
                         <a:effectLst/>
-                        <a:latin typeface="Times New Roman" panose="02020603050405020304" pitchFamily="18" charset="0"/>
+                        <a:latin typeface="Arial" panose="020B0604020202020204" pitchFamily="34" charset="0"/>
                         <a:ea typeface="游ゴシック" panose="020B0400000000000000" pitchFamily="50" charset="-128"/>
+                        <a:cs typeface="Arial" panose="020B0604020202020204" pitchFamily="34" charset="0"/>
                       </a:endParaRPr>
                     </a:p>
                   </a:txBody>
@@ -32815,18 +34996,21 @@
                     <a:p>
                       <a:pPr algn="ctr" fontAlgn="ctr"/>
                       <a:r>
-                        <a:rPr lang="en-US" sz="1100" u="none" strike="noStrike">
+                        <a:rPr lang="en-US" sz="1400" u="none" strike="noStrike">
                           <a:effectLst/>
+                          <a:latin typeface="Arial" panose="020B0604020202020204" pitchFamily="34" charset="0"/>
+                          <a:cs typeface="Arial" panose="020B0604020202020204" pitchFamily="34" charset="0"/>
                         </a:rPr>
                         <a:t>Subject 1, 3</a:t>
                       </a:r>
-                      <a:endParaRPr lang="en-US" sz="1100" b="0" i="0" u="none" strike="noStrike">
+                      <a:endParaRPr lang="en-US" sz="1400" b="0" i="0" u="none" strike="noStrike">
                         <a:solidFill>
                           <a:srgbClr val="000000"/>
                         </a:solidFill>
                         <a:effectLst/>
-                        <a:latin typeface="Times New Roman" panose="02020603050405020304" pitchFamily="18" charset="0"/>
+                        <a:latin typeface="Arial" panose="020B0604020202020204" pitchFamily="34" charset="0"/>
                         <a:ea typeface="游ゴシック" panose="020B0400000000000000" pitchFamily="50" charset="-128"/>
+                        <a:cs typeface="Arial" panose="020B0604020202020204" pitchFamily="34" charset="0"/>
                       </a:endParaRPr>
                     </a:p>
                   </a:txBody>
@@ -32839,18 +35023,21 @@
                     <a:p>
                       <a:pPr algn="ctr" fontAlgn="ctr"/>
                       <a:r>
-                        <a:rPr lang="en-US" sz="1100" u="none" strike="noStrike">
+                        <a:rPr lang="en-US" sz="1400" u="none" strike="noStrike">
                           <a:effectLst/>
+                          <a:latin typeface="Arial" panose="020B0604020202020204" pitchFamily="34" charset="0"/>
+                          <a:cs typeface="Arial" panose="020B0604020202020204" pitchFamily="34" charset="0"/>
                         </a:rPr>
                         <a:t>Subject 2</a:t>
                       </a:r>
-                      <a:endParaRPr lang="en-US" sz="1100" b="0" i="0" u="none" strike="noStrike">
+                      <a:endParaRPr lang="en-US" sz="1400" b="0" i="0" u="none" strike="noStrike">
                         <a:solidFill>
                           <a:srgbClr val="000000"/>
                         </a:solidFill>
                         <a:effectLst/>
-                        <a:latin typeface="Times New Roman" panose="02020603050405020304" pitchFamily="18" charset="0"/>
+                        <a:latin typeface="Arial" panose="020B0604020202020204" pitchFamily="34" charset="0"/>
                         <a:ea typeface="游ゴシック" panose="020B0400000000000000" pitchFamily="50" charset="-128"/>
+                        <a:cs typeface="Arial" panose="020B0604020202020204" pitchFamily="34" charset="0"/>
                       </a:endParaRPr>
                     </a:p>
                   </a:txBody>
@@ -32863,18 +35050,21 @@
                     <a:p>
                       <a:pPr algn="ctr" fontAlgn="ctr"/>
                       <a:r>
-                        <a:rPr lang="en-US" altLang="ja-JP" sz="1100" u="none" strike="noStrike">
+                        <a:rPr lang="en-US" altLang="ja-JP" sz="1400" u="none" strike="noStrike">
                           <a:effectLst/>
+                          <a:latin typeface="Arial" panose="020B0604020202020204" pitchFamily="34" charset="0"/>
+                          <a:cs typeface="Arial" panose="020B0604020202020204" pitchFamily="34" charset="0"/>
                         </a:rPr>
                         <a:t>0.532 </a:t>
                       </a:r>
-                      <a:endParaRPr lang="en-US" altLang="ja-JP" sz="1100" b="0" i="0" u="none" strike="noStrike">
+                      <a:endParaRPr lang="en-US" altLang="ja-JP" sz="1400" b="0" i="0" u="none" strike="noStrike">
                         <a:solidFill>
                           <a:srgbClr val="000000"/>
                         </a:solidFill>
                         <a:effectLst/>
-                        <a:latin typeface="Times New Roman" panose="02020603050405020304" pitchFamily="18" charset="0"/>
+                        <a:latin typeface="Arial" panose="020B0604020202020204" pitchFamily="34" charset="0"/>
                         <a:ea typeface="游ゴシック" panose="020B0400000000000000" pitchFamily="50" charset="-128"/>
+                        <a:cs typeface="Arial" panose="020B0604020202020204" pitchFamily="34" charset="0"/>
                       </a:endParaRPr>
                     </a:p>
                   </a:txBody>
@@ -32887,18 +35077,21 @@
                     <a:p>
                       <a:pPr algn="ctr" fontAlgn="ctr"/>
                       <a:r>
-                        <a:rPr lang="en-US" altLang="ja-JP" sz="1100" u="none" strike="noStrike">
+                        <a:rPr lang="en-US" altLang="ja-JP" sz="1400" u="none" strike="noStrike">
                           <a:effectLst/>
+                          <a:latin typeface="Arial" panose="020B0604020202020204" pitchFamily="34" charset="0"/>
+                          <a:cs typeface="Arial" panose="020B0604020202020204" pitchFamily="34" charset="0"/>
                         </a:rPr>
                         <a:t>0.424 </a:t>
                       </a:r>
-                      <a:endParaRPr lang="en-US" altLang="ja-JP" sz="1100" b="0" i="0" u="none" strike="noStrike">
+                      <a:endParaRPr lang="en-US" altLang="ja-JP" sz="1400" b="0" i="0" u="none" strike="noStrike">
                         <a:solidFill>
                           <a:srgbClr val="000000"/>
                         </a:solidFill>
                         <a:effectLst/>
-                        <a:latin typeface="Times New Roman" panose="02020603050405020304" pitchFamily="18" charset="0"/>
+                        <a:latin typeface="Arial" panose="020B0604020202020204" pitchFamily="34" charset="0"/>
                         <a:ea typeface="游ゴシック" panose="020B0400000000000000" pitchFamily="50" charset="-128"/>
+                        <a:cs typeface="Arial" panose="020B0604020202020204" pitchFamily="34" charset="0"/>
                       </a:endParaRPr>
                     </a:p>
                   </a:txBody>
@@ -32928,18 +35121,21 @@
                     <a:p>
                       <a:pPr algn="ctr" fontAlgn="ctr"/>
                       <a:r>
-                        <a:rPr lang="en-US" sz="1100" u="none" strike="noStrike">
+                        <a:rPr lang="en-US" sz="1400" u="none" strike="noStrike">
                           <a:effectLst/>
+                          <a:latin typeface="Arial" panose="020B0604020202020204" pitchFamily="34" charset="0"/>
+                          <a:cs typeface="Arial" panose="020B0604020202020204" pitchFamily="34" charset="0"/>
                         </a:rPr>
                         <a:t>Average</a:t>
                       </a:r>
-                      <a:endParaRPr lang="en-US" sz="1100" b="0" i="0" u="none" strike="noStrike">
+                      <a:endParaRPr lang="en-US" sz="1400" b="0" i="0" u="none" strike="noStrike">
                         <a:solidFill>
                           <a:srgbClr val="000000"/>
                         </a:solidFill>
                         <a:effectLst/>
-                        <a:latin typeface="Times New Roman" panose="02020603050405020304" pitchFamily="18" charset="0"/>
+                        <a:latin typeface="Arial" panose="020B0604020202020204" pitchFamily="34" charset="0"/>
                         <a:ea typeface="游ゴシック" panose="020B0400000000000000" pitchFamily="50" charset="-128"/>
+                        <a:cs typeface="Arial" panose="020B0604020202020204" pitchFamily="34" charset="0"/>
                       </a:endParaRPr>
                     </a:p>
                   </a:txBody>
@@ -32962,18 +35158,21 @@
                     <a:p>
                       <a:pPr algn="ctr" fontAlgn="ctr"/>
                       <a:r>
-                        <a:rPr lang="en-US" altLang="ja-JP" sz="1100" u="none" strike="noStrike">
+                        <a:rPr lang="en-US" altLang="ja-JP" sz="1400" u="none" strike="noStrike">
                           <a:effectLst/>
+                          <a:latin typeface="Arial" panose="020B0604020202020204" pitchFamily="34" charset="0"/>
+                          <a:cs typeface="Arial" panose="020B0604020202020204" pitchFamily="34" charset="0"/>
                         </a:rPr>
                         <a:t>0.521 </a:t>
                       </a:r>
-                      <a:endParaRPr lang="en-US" altLang="ja-JP" sz="1100" b="0" i="0" u="none" strike="noStrike">
+                      <a:endParaRPr lang="en-US" altLang="ja-JP" sz="1400" b="0" i="0" u="none" strike="noStrike">
                         <a:solidFill>
                           <a:srgbClr val="000000"/>
                         </a:solidFill>
                         <a:effectLst/>
-                        <a:latin typeface="Times New Roman" panose="02020603050405020304" pitchFamily="18" charset="0"/>
+                        <a:latin typeface="Arial" panose="020B0604020202020204" pitchFamily="34" charset="0"/>
                         <a:ea typeface="游ゴシック" panose="020B0400000000000000" pitchFamily="50" charset="-128"/>
+                        <a:cs typeface="Arial" panose="020B0604020202020204" pitchFamily="34" charset="0"/>
                       </a:endParaRPr>
                     </a:p>
                   </a:txBody>
@@ -32986,18 +35185,21 @@
                     <a:p>
                       <a:pPr algn="ctr" fontAlgn="ctr"/>
                       <a:r>
-                        <a:rPr lang="en-US" altLang="ja-JP" sz="1100" u="none" strike="noStrike">
+                        <a:rPr lang="en-US" altLang="ja-JP" sz="1400" u="none" strike="noStrike">
                           <a:effectLst/>
+                          <a:latin typeface="Arial" panose="020B0604020202020204" pitchFamily="34" charset="0"/>
+                          <a:cs typeface="Arial" panose="020B0604020202020204" pitchFamily="34" charset="0"/>
                         </a:rPr>
                         <a:t>0.435 </a:t>
                       </a:r>
-                      <a:endParaRPr lang="en-US" altLang="ja-JP" sz="1100" b="0" i="0" u="none" strike="noStrike">
+                      <a:endParaRPr lang="en-US" altLang="ja-JP" sz="1400" b="0" i="0" u="none" strike="noStrike">
                         <a:solidFill>
                           <a:srgbClr val="000000"/>
                         </a:solidFill>
                         <a:effectLst/>
-                        <a:latin typeface="Times New Roman" panose="02020603050405020304" pitchFamily="18" charset="0"/>
+                        <a:latin typeface="Arial" panose="020B0604020202020204" pitchFamily="34" charset="0"/>
                         <a:ea typeface="游ゴシック" panose="020B0400000000000000" pitchFamily="50" charset="-128"/>
+                        <a:cs typeface="Arial" panose="020B0604020202020204" pitchFamily="34" charset="0"/>
                       </a:endParaRPr>
                     </a:p>
                   </a:txBody>
@@ -33017,18 +35219,21 @@
                     <a:p>
                       <a:pPr algn="ctr" fontAlgn="ctr"/>
                       <a:r>
-                        <a:rPr lang="en-US" sz="1100" u="none" strike="noStrike">
+                        <a:rPr lang="en-US" sz="1400" u="none" strike="noStrike">
                           <a:effectLst/>
+                          <a:latin typeface="Arial" panose="020B0604020202020204" pitchFamily="34" charset="0"/>
+                          <a:cs typeface="Arial" panose="020B0604020202020204" pitchFamily="34" charset="0"/>
                         </a:rPr>
                         <a:t>Macro</a:t>
                       </a:r>
-                      <a:endParaRPr lang="en-US" sz="1100" b="0" i="0" u="none" strike="noStrike">
+                      <a:endParaRPr lang="en-US" sz="1400" b="0" i="0" u="none" strike="noStrike">
                         <a:solidFill>
                           <a:srgbClr val="000000"/>
                         </a:solidFill>
                         <a:effectLst/>
-                        <a:latin typeface="Times New Roman" panose="02020603050405020304" pitchFamily="18" charset="0"/>
+                        <a:latin typeface="Arial" panose="020B0604020202020204" pitchFamily="34" charset="0"/>
                         <a:ea typeface="游ゴシック" panose="020B0400000000000000" pitchFamily="50" charset="-128"/>
+                        <a:cs typeface="Arial" panose="020B0604020202020204" pitchFamily="34" charset="0"/>
                       </a:endParaRPr>
                     </a:p>
                   </a:txBody>
@@ -33041,18 +35246,21 @@
                     <a:p>
                       <a:pPr algn="ctr" fontAlgn="ctr"/>
                       <a:r>
-                        <a:rPr lang="en-US" sz="1100" u="none" strike="noStrike">
+                        <a:rPr lang="en-US" sz="1400" u="none" strike="noStrike">
                           <a:effectLst/>
+                          <a:latin typeface="Arial" panose="020B0604020202020204" pitchFamily="34" charset="0"/>
+                          <a:cs typeface="Arial" panose="020B0604020202020204" pitchFamily="34" charset="0"/>
                         </a:rPr>
                         <a:t>Subject 1, 2</a:t>
                       </a:r>
-                      <a:endParaRPr lang="en-US" sz="1100" b="0" i="0" u="none" strike="noStrike">
+                      <a:endParaRPr lang="en-US" sz="1400" b="0" i="0" u="none" strike="noStrike">
                         <a:solidFill>
                           <a:srgbClr val="000000"/>
                         </a:solidFill>
                         <a:effectLst/>
-                        <a:latin typeface="Times New Roman" panose="02020603050405020304" pitchFamily="18" charset="0"/>
+                        <a:latin typeface="Arial" panose="020B0604020202020204" pitchFamily="34" charset="0"/>
                         <a:ea typeface="游ゴシック" panose="020B0400000000000000" pitchFamily="50" charset="-128"/>
+                        <a:cs typeface="Arial" panose="020B0604020202020204" pitchFamily="34" charset="0"/>
                       </a:endParaRPr>
                     </a:p>
                   </a:txBody>
@@ -33065,18 +35273,21 @@
                     <a:p>
                       <a:pPr algn="ctr" fontAlgn="ctr"/>
                       <a:r>
-                        <a:rPr lang="en-US" sz="1100" u="none" strike="noStrike">
+                        <a:rPr lang="en-US" sz="1400" u="none" strike="noStrike">
                           <a:effectLst/>
+                          <a:latin typeface="Arial" panose="020B0604020202020204" pitchFamily="34" charset="0"/>
+                          <a:cs typeface="Arial" panose="020B0604020202020204" pitchFamily="34" charset="0"/>
                         </a:rPr>
                         <a:t>Subject 3</a:t>
                       </a:r>
-                      <a:endParaRPr lang="en-US" sz="1100" b="0" i="0" u="none" strike="noStrike">
+                      <a:endParaRPr lang="en-US" sz="1400" b="0" i="0" u="none" strike="noStrike">
                         <a:solidFill>
                           <a:srgbClr val="000000"/>
                         </a:solidFill>
                         <a:effectLst/>
-                        <a:latin typeface="Times New Roman" panose="02020603050405020304" pitchFamily="18" charset="0"/>
+                        <a:latin typeface="Arial" panose="020B0604020202020204" pitchFamily="34" charset="0"/>
                         <a:ea typeface="游ゴシック" panose="020B0400000000000000" pitchFamily="50" charset="-128"/>
+                        <a:cs typeface="Arial" panose="020B0604020202020204" pitchFamily="34" charset="0"/>
                       </a:endParaRPr>
                     </a:p>
                   </a:txBody>
@@ -33089,18 +35300,21 @@
                     <a:p>
                       <a:pPr algn="ctr" fontAlgn="ctr"/>
                       <a:r>
-                        <a:rPr lang="en-US" altLang="ja-JP" sz="1100" u="none" strike="noStrike">
+                        <a:rPr lang="en-US" altLang="ja-JP" sz="1400" u="none" strike="noStrike">
                           <a:effectLst/>
+                          <a:latin typeface="Arial" panose="020B0604020202020204" pitchFamily="34" charset="0"/>
+                          <a:cs typeface="Arial" panose="020B0604020202020204" pitchFamily="34" charset="0"/>
                         </a:rPr>
                         <a:t>0.522 </a:t>
                       </a:r>
-                      <a:endParaRPr lang="en-US" altLang="ja-JP" sz="1100" b="0" i="0" u="none" strike="noStrike">
+                      <a:endParaRPr lang="en-US" altLang="ja-JP" sz="1400" b="0" i="0" u="none" strike="noStrike">
                         <a:solidFill>
                           <a:srgbClr val="000000"/>
                         </a:solidFill>
                         <a:effectLst/>
-                        <a:latin typeface="Times New Roman" panose="02020603050405020304" pitchFamily="18" charset="0"/>
+                        <a:latin typeface="Arial" panose="020B0604020202020204" pitchFamily="34" charset="0"/>
                         <a:ea typeface="游ゴシック" panose="020B0400000000000000" pitchFamily="50" charset="-128"/>
+                        <a:cs typeface="Arial" panose="020B0604020202020204" pitchFamily="34" charset="0"/>
                       </a:endParaRPr>
                     </a:p>
                   </a:txBody>
@@ -33113,18 +35327,21 @@
                     <a:p>
                       <a:pPr algn="ctr" fontAlgn="ctr"/>
                       <a:r>
-                        <a:rPr lang="en-US" altLang="ja-JP" sz="1100" u="none" strike="noStrike">
+                        <a:rPr lang="en-US" altLang="ja-JP" sz="1400" u="none" strike="noStrike">
                           <a:effectLst/>
+                          <a:latin typeface="Arial" panose="020B0604020202020204" pitchFamily="34" charset="0"/>
+                          <a:cs typeface="Arial" panose="020B0604020202020204" pitchFamily="34" charset="0"/>
                         </a:rPr>
                         <a:t>1.057 </a:t>
                       </a:r>
-                      <a:endParaRPr lang="en-US" altLang="ja-JP" sz="1100" b="0" i="0" u="none" strike="noStrike">
+                      <a:endParaRPr lang="en-US" altLang="ja-JP" sz="1400" b="0" i="0" u="none" strike="noStrike">
                         <a:solidFill>
                           <a:srgbClr val="000000"/>
                         </a:solidFill>
                         <a:effectLst/>
-                        <a:latin typeface="Times New Roman" panose="02020603050405020304" pitchFamily="18" charset="0"/>
+                        <a:latin typeface="Arial" panose="020B0604020202020204" pitchFamily="34" charset="0"/>
                         <a:ea typeface="游ゴシック" panose="020B0400000000000000" pitchFamily="50" charset="-128"/>
+                        <a:cs typeface="Arial" panose="020B0604020202020204" pitchFamily="34" charset="0"/>
                       </a:endParaRPr>
                     </a:p>
                   </a:txBody>
@@ -33154,18 +35371,21 @@
                     <a:p>
                       <a:pPr algn="ctr" fontAlgn="ctr"/>
                       <a:r>
-                        <a:rPr lang="en-US" sz="1100" u="none" strike="noStrike">
+                        <a:rPr lang="en-US" sz="1400" u="none" strike="noStrike">
                           <a:effectLst/>
+                          <a:latin typeface="Arial" panose="020B0604020202020204" pitchFamily="34" charset="0"/>
+                          <a:cs typeface="Arial" panose="020B0604020202020204" pitchFamily="34" charset="0"/>
                         </a:rPr>
                         <a:t>Subject 2, 3</a:t>
                       </a:r>
-                      <a:endParaRPr lang="en-US" sz="1100" b="0" i="0" u="none" strike="noStrike">
+                      <a:endParaRPr lang="en-US" sz="1400" b="0" i="0" u="none" strike="noStrike">
                         <a:solidFill>
                           <a:srgbClr val="000000"/>
                         </a:solidFill>
                         <a:effectLst/>
-                        <a:latin typeface="Times New Roman" panose="02020603050405020304" pitchFamily="18" charset="0"/>
+                        <a:latin typeface="Arial" panose="020B0604020202020204" pitchFamily="34" charset="0"/>
                         <a:ea typeface="游ゴシック" panose="020B0400000000000000" pitchFamily="50" charset="-128"/>
+                        <a:cs typeface="Arial" panose="020B0604020202020204" pitchFamily="34" charset="0"/>
                       </a:endParaRPr>
                     </a:p>
                   </a:txBody>
@@ -33178,18 +35398,21 @@
                     <a:p>
                       <a:pPr algn="ctr" fontAlgn="ctr"/>
                       <a:r>
-                        <a:rPr lang="en-US" sz="1100" u="none" strike="noStrike">
+                        <a:rPr lang="en-US" sz="1400" u="none" strike="noStrike">
                           <a:effectLst/>
+                          <a:latin typeface="Arial" panose="020B0604020202020204" pitchFamily="34" charset="0"/>
+                          <a:cs typeface="Arial" panose="020B0604020202020204" pitchFamily="34" charset="0"/>
                         </a:rPr>
                         <a:t>Subject 1</a:t>
                       </a:r>
-                      <a:endParaRPr lang="en-US" sz="1100" b="0" i="0" u="none" strike="noStrike">
+                      <a:endParaRPr lang="en-US" sz="1400" b="0" i="0" u="none" strike="noStrike">
                         <a:solidFill>
                           <a:srgbClr val="000000"/>
                         </a:solidFill>
                         <a:effectLst/>
-                        <a:latin typeface="Times New Roman" panose="02020603050405020304" pitchFamily="18" charset="0"/>
+                        <a:latin typeface="Arial" panose="020B0604020202020204" pitchFamily="34" charset="0"/>
                         <a:ea typeface="游ゴシック" panose="020B0400000000000000" pitchFamily="50" charset="-128"/>
+                        <a:cs typeface="Arial" panose="020B0604020202020204" pitchFamily="34" charset="0"/>
                       </a:endParaRPr>
                     </a:p>
                   </a:txBody>
@@ -33202,18 +35425,21 @@
                     <a:p>
                       <a:pPr algn="ctr" fontAlgn="ctr"/>
                       <a:r>
-                        <a:rPr lang="en-US" altLang="ja-JP" sz="1100" u="none" strike="noStrike">
+                        <a:rPr lang="en-US" altLang="ja-JP" sz="1400" u="none" strike="noStrike">
                           <a:effectLst/>
+                          <a:latin typeface="Arial" panose="020B0604020202020204" pitchFamily="34" charset="0"/>
+                          <a:cs typeface="Arial" panose="020B0604020202020204" pitchFamily="34" charset="0"/>
                         </a:rPr>
                         <a:t>0.416 </a:t>
                       </a:r>
-                      <a:endParaRPr lang="en-US" altLang="ja-JP" sz="1100" b="0" i="0" u="none" strike="noStrike">
+                      <a:endParaRPr lang="en-US" altLang="ja-JP" sz="1400" b="0" i="0" u="none" strike="noStrike">
                         <a:solidFill>
                           <a:srgbClr val="000000"/>
                         </a:solidFill>
                         <a:effectLst/>
-                        <a:latin typeface="Times New Roman" panose="02020603050405020304" pitchFamily="18" charset="0"/>
+                        <a:latin typeface="Arial" panose="020B0604020202020204" pitchFamily="34" charset="0"/>
                         <a:ea typeface="游ゴシック" panose="020B0400000000000000" pitchFamily="50" charset="-128"/>
+                        <a:cs typeface="Arial" panose="020B0604020202020204" pitchFamily="34" charset="0"/>
                       </a:endParaRPr>
                     </a:p>
                   </a:txBody>
@@ -33226,18 +35452,21 @@
                     <a:p>
                       <a:pPr algn="ctr" fontAlgn="ctr"/>
                       <a:r>
-                        <a:rPr lang="en-US" altLang="ja-JP" sz="1100" u="none" strike="noStrike">
+                        <a:rPr lang="en-US" altLang="ja-JP" sz="1400" u="none" strike="noStrike">
                           <a:effectLst/>
+                          <a:latin typeface="Arial" panose="020B0604020202020204" pitchFamily="34" charset="0"/>
+                          <a:cs typeface="Arial" panose="020B0604020202020204" pitchFamily="34" charset="0"/>
                         </a:rPr>
                         <a:t>1.094 </a:t>
                       </a:r>
-                      <a:endParaRPr lang="en-US" altLang="ja-JP" sz="1100" b="0" i="0" u="none" strike="noStrike">
+                      <a:endParaRPr lang="en-US" altLang="ja-JP" sz="1400" b="0" i="0" u="none" strike="noStrike">
                         <a:solidFill>
                           <a:srgbClr val="000000"/>
                         </a:solidFill>
                         <a:effectLst/>
-                        <a:latin typeface="Times New Roman" panose="02020603050405020304" pitchFamily="18" charset="0"/>
+                        <a:latin typeface="Arial" panose="020B0604020202020204" pitchFamily="34" charset="0"/>
                         <a:ea typeface="游ゴシック" panose="020B0400000000000000" pitchFamily="50" charset="-128"/>
+                        <a:cs typeface="Arial" panose="020B0604020202020204" pitchFamily="34" charset="0"/>
                       </a:endParaRPr>
                     </a:p>
                   </a:txBody>
@@ -33267,18 +35496,21 @@
                     <a:p>
                       <a:pPr algn="ctr" fontAlgn="ctr"/>
                       <a:r>
-                        <a:rPr lang="en-US" sz="1100" u="none" strike="noStrike">
+                        <a:rPr lang="en-US" sz="1400" u="none" strike="noStrike" dirty="0">
                           <a:effectLst/>
+                          <a:latin typeface="Arial" panose="020B0604020202020204" pitchFamily="34" charset="0"/>
+                          <a:cs typeface="Arial" panose="020B0604020202020204" pitchFamily="34" charset="0"/>
                         </a:rPr>
                         <a:t>Subject 1, 3</a:t>
                       </a:r>
-                      <a:endParaRPr lang="en-US" sz="1100" b="0" i="0" u="none" strike="noStrike">
+                      <a:endParaRPr lang="en-US" sz="1400" b="0" i="0" u="none" strike="noStrike" dirty="0">
                         <a:solidFill>
                           <a:srgbClr val="000000"/>
                         </a:solidFill>
                         <a:effectLst/>
-                        <a:latin typeface="Times New Roman" panose="02020603050405020304" pitchFamily="18" charset="0"/>
+                        <a:latin typeface="Arial" panose="020B0604020202020204" pitchFamily="34" charset="0"/>
                         <a:ea typeface="游ゴシック" panose="020B0400000000000000" pitchFamily="50" charset="-128"/>
+                        <a:cs typeface="Arial" panose="020B0604020202020204" pitchFamily="34" charset="0"/>
                       </a:endParaRPr>
                     </a:p>
                   </a:txBody>
@@ -33291,18 +35523,21 @@
                     <a:p>
                       <a:pPr algn="ctr" fontAlgn="ctr"/>
                       <a:r>
-                        <a:rPr lang="en-US" sz="1100" u="none" strike="noStrike">
+                        <a:rPr lang="en-US" sz="1400" u="none" strike="noStrike">
                           <a:effectLst/>
+                          <a:latin typeface="Arial" panose="020B0604020202020204" pitchFamily="34" charset="0"/>
+                          <a:cs typeface="Arial" panose="020B0604020202020204" pitchFamily="34" charset="0"/>
                         </a:rPr>
                         <a:t>Subject 2</a:t>
                       </a:r>
-                      <a:endParaRPr lang="en-US" sz="1100" b="0" i="0" u="none" strike="noStrike">
+                      <a:endParaRPr lang="en-US" sz="1400" b="0" i="0" u="none" strike="noStrike">
                         <a:solidFill>
                           <a:srgbClr val="000000"/>
                         </a:solidFill>
                         <a:effectLst/>
-                        <a:latin typeface="Times New Roman" panose="02020603050405020304" pitchFamily="18" charset="0"/>
+                        <a:latin typeface="Arial" panose="020B0604020202020204" pitchFamily="34" charset="0"/>
                         <a:ea typeface="游ゴシック" panose="020B0400000000000000" pitchFamily="50" charset="-128"/>
+                        <a:cs typeface="Arial" panose="020B0604020202020204" pitchFamily="34" charset="0"/>
                       </a:endParaRPr>
                     </a:p>
                   </a:txBody>
@@ -33315,18 +35550,21 @@
                     <a:p>
                       <a:pPr algn="ctr" fontAlgn="ctr"/>
                       <a:r>
-                        <a:rPr lang="en-US" altLang="ja-JP" sz="1100" u="none" strike="noStrike">
+                        <a:rPr lang="en-US" altLang="ja-JP" sz="1400" u="none" strike="noStrike">
                           <a:effectLst/>
+                          <a:latin typeface="Arial" panose="020B0604020202020204" pitchFamily="34" charset="0"/>
+                          <a:cs typeface="Arial" panose="020B0604020202020204" pitchFamily="34" charset="0"/>
                         </a:rPr>
                         <a:t>0.535 </a:t>
                       </a:r>
-                      <a:endParaRPr lang="en-US" altLang="ja-JP" sz="1100" b="0" i="0" u="none" strike="noStrike">
+                      <a:endParaRPr lang="en-US" altLang="ja-JP" sz="1400" b="0" i="0" u="none" strike="noStrike">
                         <a:solidFill>
                           <a:srgbClr val="000000"/>
                         </a:solidFill>
                         <a:effectLst/>
-                        <a:latin typeface="Times New Roman" panose="02020603050405020304" pitchFamily="18" charset="0"/>
+                        <a:latin typeface="Arial" panose="020B0604020202020204" pitchFamily="34" charset="0"/>
                         <a:ea typeface="游ゴシック" panose="020B0400000000000000" pitchFamily="50" charset="-128"/>
+                        <a:cs typeface="Arial" panose="020B0604020202020204" pitchFamily="34" charset="0"/>
                       </a:endParaRPr>
                     </a:p>
                   </a:txBody>
@@ -33339,18 +35577,21 @@
                     <a:p>
                       <a:pPr algn="ctr" fontAlgn="ctr"/>
                       <a:r>
-                        <a:rPr lang="en-US" altLang="ja-JP" sz="1100" u="none" strike="noStrike">
+                        <a:rPr lang="en-US" altLang="ja-JP" sz="1400" u="none" strike="noStrike">
                           <a:effectLst/>
+                          <a:latin typeface="Arial" panose="020B0604020202020204" pitchFamily="34" charset="0"/>
+                          <a:cs typeface="Arial" panose="020B0604020202020204" pitchFamily="34" charset="0"/>
                         </a:rPr>
                         <a:t>1.050 </a:t>
                       </a:r>
-                      <a:endParaRPr lang="en-US" altLang="ja-JP" sz="1100" b="0" i="0" u="none" strike="noStrike">
+                      <a:endParaRPr lang="en-US" altLang="ja-JP" sz="1400" b="0" i="0" u="none" strike="noStrike">
                         <a:solidFill>
                           <a:srgbClr val="000000"/>
                         </a:solidFill>
                         <a:effectLst/>
-                        <a:latin typeface="Times New Roman" panose="02020603050405020304" pitchFamily="18" charset="0"/>
+                        <a:latin typeface="Arial" panose="020B0604020202020204" pitchFamily="34" charset="0"/>
                         <a:ea typeface="游ゴシック" panose="020B0400000000000000" pitchFamily="50" charset="-128"/>
+                        <a:cs typeface="Arial" panose="020B0604020202020204" pitchFamily="34" charset="0"/>
                       </a:endParaRPr>
                     </a:p>
                   </a:txBody>
@@ -33380,18 +35621,21 @@
                     <a:p>
                       <a:pPr algn="ctr" fontAlgn="ctr"/>
                       <a:r>
-                        <a:rPr lang="en-US" sz="1100" u="none" strike="noStrike">
+                        <a:rPr lang="en-US" sz="1400" u="none" strike="noStrike">
                           <a:effectLst/>
+                          <a:latin typeface="Arial" panose="020B0604020202020204" pitchFamily="34" charset="0"/>
+                          <a:cs typeface="Arial" panose="020B0604020202020204" pitchFamily="34" charset="0"/>
                         </a:rPr>
                         <a:t>Average</a:t>
                       </a:r>
-                      <a:endParaRPr lang="en-US" sz="1100" b="0" i="0" u="none" strike="noStrike">
+                      <a:endParaRPr lang="en-US" sz="1400" b="0" i="0" u="none" strike="noStrike">
                         <a:solidFill>
                           <a:srgbClr val="000000"/>
                         </a:solidFill>
                         <a:effectLst/>
-                        <a:latin typeface="Times New Roman" panose="02020603050405020304" pitchFamily="18" charset="0"/>
+                        <a:latin typeface="Arial" panose="020B0604020202020204" pitchFamily="34" charset="0"/>
                         <a:ea typeface="游ゴシック" panose="020B0400000000000000" pitchFamily="50" charset="-128"/>
+                        <a:cs typeface="Arial" panose="020B0604020202020204" pitchFamily="34" charset="0"/>
                       </a:endParaRPr>
                     </a:p>
                   </a:txBody>
@@ -33414,18 +35658,21 @@
                     <a:p>
                       <a:pPr algn="ctr" fontAlgn="ctr"/>
                       <a:r>
-                        <a:rPr lang="en-US" altLang="ja-JP" sz="1100" u="none" strike="noStrike">
+                        <a:rPr lang="en-US" altLang="ja-JP" sz="1400" u="none" strike="noStrike">
                           <a:effectLst/>
+                          <a:latin typeface="Arial" panose="020B0604020202020204" pitchFamily="34" charset="0"/>
+                          <a:cs typeface="Arial" panose="020B0604020202020204" pitchFamily="34" charset="0"/>
                         </a:rPr>
                         <a:t>0.491 </a:t>
                       </a:r>
-                      <a:endParaRPr lang="en-US" altLang="ja-JP" sz="1100" b="0" i="0" u="none" strike="noStrike">
+                      <a:endParaRPr lang="en-US" altLang="ja-JP" sz="1400" b="0" i="0" u="none" strike="noStrike">
                         <a:solidFill>
                           <a:srgbClr val="000000"/>
                         </a:solidFill>
                         <a:effectLst/>
-                        <a:latin typeface="Times New Roman" panose="02020603050405020304" pitchFamily="18" charset="0"/>
+                        <a:latin typeface="Arial" panose="020B0604020202020204" pitchFamily="34" charset="0"/>
                         <a:ea typeface="游ゴシック" panose="020B0400000000000000" pitchFamily="50" charset="-128"/>
+                        <a:cs typeface="Arial" panose="020B0604020202020204" pitchFamily="34" charset="0"/>
                       </a:endParaRPr>
                     </a:p>
                   </a:txBody>
@@ -33438,18 +35685,21 @@
                     <a:p>
                       <a:pPr algn="ctr" fontAlgn="ctr"/>
                       <a:r>
-                        <a:rPr lang="en-US" altLang="ja-JP" sz="1100" u="none" strike="noStrike" dirty="0">
+                        <a:rPr lang="en-US" altLang="ja-JP" sz="1400" u="none" strike="noStrike" dirty="0">
                           <a:effectLst/>
+                          <a:latin typeface="Arial" panose="020B0604020202020204" pitchFamily="34" charset="0"/>
+                          <a:cs typeface="Arial" panose="020B0604020202020204" pitchFamily="34" charset="0"/>
                         </a:rPr>
                         <a:t>1.067 </a:t>
                       </a:r>
-                      <a:endParaRPr lang="en-US" altLang="ja-JP" sz="1100" b="0" i="0" u="none" strike="noStrike" dirty="0">
+                      <a:endParaRPr lang="en-US" altLang="ja-JP" sz="1400" b="0" i="0" u="none" strike="noStrike" dirty="0">
                         <a:solidFill>
                           <a:srgbClr val="000000"/>
                         </a:solidFill>
                         <a:effectLst/>
-                        <a:latin typeface="Times New Roman" panose="02020603050405020304" pitchFamily="18" charset="0"/>
+                        <a:latin typeface="Arial" panose="020B0604020202020204" pitchFamily="34" charset="0"/>
                         <a:ea typeface="游ゴシック" panose="020B0400000000000000" pitchFamily="50" charset="-128"/>
+                        <a:cs typeface="Arial" panose="020B0604020202020204" pitchFamily="34" charset="0"/>
                       </a:endParaRPr>
                     </a:p>
                   </a:txBody>
@@ -33524,6 +35774,110 @@
           </a:p>
         </p:txBody>
       </p:sp>
+      <p:sp>
+        <p:nvSpPr>
+          <p:cNvPr id="5" name="四角形: 角を丸くする 4">
+            <a:extLst>
+              <a:ext uri="{FF2B5EF4-FFF2-40B4-BE49-F238E27FC236}">
+                <a16:creationId xmlns:a16="http://schemas.microsoft.com/office/drawing/2014/main" id="{CF460647-03C2-4E5E-BA30-E9232904A529}"/>
+              </a:ext>
+            </a:extLst>
+          </p:cNvPr>
+          <p:cNvSpPr/>
+          <p:nvPr/>
+        </p:nvSpPr>
+        <p:spPr>
+          <a:xfrm>
+            <a:off x="7420708" y="3911951"/>
+            <a:ext cx="1301261" cy="425587"/>
+          </a:xfrm>
+          <a:prstGeom prst="roundRect">
+            <a:avLst/>
+          </a:prstGeom>
+          <a:noFill/>
+          <a:ln w="57150">
+            <a:solidFill>
+              <a:srgbClr val="FF0000"/>
+            </a:solidFill>
+          </a:ln>
+        </p:spPr>
+        <p:style>
+          <a:lnRef idx="2">
+            <a:schemeClr val="accent1">
+              <a:shade val="50000"/>
+            </a:schemeClr>
+          </a:lnRef>
+          <a:fillRef idx="1">
+            <a:schemeClr val="accent1"/>
+          </a:fillRef>
+          <a:effectRef idx="0">
+            <a:schemeClr val="accent1"/>
+          </a:effectRef>
+          <a:fontRef idx="minor">
+            <a:schemeClr val="lt1"/>
+          </a:fontRef>
+        </p:style>
+        <p:txBody>
+          <a:bodyPr rtlCol="0" anchor="ctr"/>
+          <a:lstStyle/>
+          <a:p>
+            <a:pPr algn="ctr"/>
+            <a:endParaRPr kumimoji="1" lang="ja-JP" altLang="en-US"/>
+          </a:p>
+        </p:txBody>
+      </p:sp>
+      <p:sp>
+        <p:nvSpPr>
+          <p:cNvPr id="6" name="四角形: 角を丸くする 5">
+            <a:extLst>
+              <a:ext uri="{FF2B5EF4-FFF2-40B4-BE49-F238E27FC236}">
+                <a16:creationId xmlns:a16="http://schemas.microsoft.com/office/drawing/2014/main" id="{309DA38B-FCC4-4A10-81F5-10EFC6968A15}"/>
+              </a:ext>
+            </a:extLst>
+          </p:cNvPr>
+          <p:cNvSpPr/>
+          <p:nvPr/>
+        </p:nvSpPr>
+        <p:spPr>
+          <a:xfrm>
+            <a:off x="7420707" y="5667425"/>
+            <a:ext cx="1301261" cy="425587"/>
+          </a:xfrm>
+          <a:prstGeom prst="roundRect">
+            <a:avLst/>
+          </a:prstGeom>
+          <a:noFill/>
+          <a:ln w="57150">
+            <a:solidFill>
+              <a:srgbClr val="FF0000"/>
+            </a:solidFill>
+          </a:ln>
+        </p:spPr>
+        <p:style>
+          <a:lnRef idx="2">
+            <a:schemeClr val="accent1">
+              <a:shade val="50000"/>
+            </a:schemeClr>
+          </a:lnRef>
+          <a:fillRef idx="1">
+            <a:schemeClr val="accent1"/>
+          </a:fillRef>
+          <a:effectRef idx="0">
+            <a:schemeClr val="accent1"/>
+          </a:effectRef>
+          <a:fontRef idx="minor">
+            <a:schemeClr val="lt1"/>
+          </a:fontRef>
+        </p:style>
+        <p:txBody>
+          <a:bodyPr rtlCol="0" anchor="ctr"/>
+          <a:lstStyle/>
+          <a:p>
+            <a:pPr algn="ctr"/>
+            <a:endParaRPr kumimoji="1" lang="ja-JP" altLang="en-US"/>
+          </a:p>
+        </p:txBody>
+      </p:sp>
     </p:spTree>
     <p:extLst>
       <p:ext uri="{BB962C8B-B14F-4D97-AF65-F5344CB8AC3E}">
@@ -33534,6 +35888,112 @@
   <p:clrMapOvr>
     <a:masterClrMapping/>
   </p:clrMapOvr>
+  <p:timing>
+    <p:tnLst>
+      <p:par>
+        <p:cTn id="1" dur="indefinite" restart="never" nodeType="tmRoot">
+          <p:childTnLst>
+            <p:seq concurrent="1" nextAc="seek">
+              <p:cTn id="2" dur="indefinite" nodeType="mainSeq">
+                <p:childTnLst>
+                  <p:par>
+                    <p:cTn id="3" fill="hold">
+                      <p:stCondLst>
+                        <p:cond delay="indefinite"/>
+                      </p:stCondLst>
+                      <p:childTnLst>
+                        <p:par>
+                          <p:cTn id="4" fill="hold">
+                            <p:stCondLst>
+                              <p:cond delay="0"/>
+                            </p:stCondLst>
+                            <p:childTnLst>
+                              <p:par>
+                                <p:cTn id="5" presetID="1" presetClass="entr" presetSubtype="0" fill="hold" grpId="0" nodeType="clickEffect">
+                                  <p:stCondLst>
+                                    <p:cond delay="0"/>
+                                  </p:stCondLst>
+                                  <p:childTnLst>
+                                    <p:set>
+                                      <p:cBhvr>
+                                        <p:cTn id="6" dur="1" fill="hold">
+                                          <p:stCondLst>
+                                            <p:cond delay="0"/>
+                                          </p:stCondLst>
+                                        </p:cTn>
+                                        <p:tgtEl>
+                                          <p:spTgt spid="5"/>
+                                        </p:tgtEl>
+                                        <p:attrNameLst>
+                                          <p:attrName>style.visibility</p:attrName>
+                                        </p:attrNameLst>
+                                      </p:cBhvr>
+                                      <p:to>
+                                        <p:strVal val="visible"/>
+                                      </p:to>
+                                    </p:set>
+                                  </p:childTnLst>
+                                </p:cTn>
+                              </p:par>
+                              <p:par>
+                                <p:cTn id="7" presetID="1" presetClass="entr" presetSubtype="0" fill="hold" grpId="0" nodeType="withEffect">
+                                  <p:stCondLst>
+                                    <p:cond delay="0"/>
+                                  </p:stCondLst>
+                                  <p:childTnLst>
+                                    <p:set>
+                                      <p:cBhvr>
+                                        <p:cTn id="8" dur="1" fill="hold">
+                                          <p:stCondLst>
+                                            <p:cond delay="0"/>
+                                          </p:stCondLst>
+                                        </p:cTn>
+                                        <p:tgtEl>
+                                          <p:spTgt spid="6"/>
+                                        </p:tgtEl>
+                                        <p:attrNameLst>
+                                          <p:attrName>style.visibility</p:attrName>
+                                        </p:attrNameLst>
+                                      </p:cBhvr>
+                                      <p:to>
+                                        <p:strVal val="visible"/>
+                                      </p:to>
+                                    </p:set>
+                                  </p:childTnLst>
+                                </p:cTn>
+                              </p:par>
+                            </p:childTnLst>
+                          </p:cTn>
+                        </p:par>
+                      </p:childTnLst>
+                    </p:cTn>
+                  </p:par>
+                </p:childTnLst>
+              </p:cTn>
+              <p:prevCondLst>
+                <p:cond evt="onPrev" delay="0">
+                  <p:tgtEl>
+                    <p:sldTgt/>
+                  </p:tgtEl>
+                </p:cond>
+              </p:prevCondLst>
+              <p:nextCondLst>
+                <p:cond evt="onNext" delay="0">
+                  <p:tgtEl>
+                    <p:sldTgt/>
+                  </p:tgtEl>
+                </p:cond>
+              </p:nextCondLst>
+            </p:seq>
+          </p:childTnLst>
+        </p:cTn>
+      </p:par>
+    </p:tnLst>
+    <p:bldLst>
+      <p:bldP spid="5" grpId="0" animBg="1"/>
+      <p:bldP spid="6" grpId="0" animBg="1"/>
+    </p:bldLst>
+  </p:timing>
 </p:sld>
 </file>
 

--- a/paper/ABC2020CookingChallenge/ABC2020_Fujii.pptx
+++ b/paper/ABC2020CookingChallenge/ABC2020_Fujii.pptx
@@ -221,7 +221,7 @@
           <a:p>
             <a:fld id="{D8422EA4-67AE-4623-8DD6-326650601D3C}" type="datetimeFigureOut">
               <a:rPr kumimoji="1" lang="ja-JP" altLang="en-US" smtClean="0"/>
-              <a:t>2020/8/26</a:t>
+              <a:t>2020/8/27</a:t>
             </a:fld>
             <a:endParaRPr kumimoji="1" lang="ja-JP" altLang="en-US"/>
           </a:p>
@@ -3691,8 +3691,17 @@
               <a:rPr kumimoji="1" lang="en-US" altLang="ja-JP" sz="1200" b="0" i="0" u="none" strike="noStrike" baseline="0" dirty="0">
                 <a:latin typeface="TeXGyreTermes-Regular"/>
               </a:rPr>
-              <a:t>Now all finished. Thank you for listening.</a:t>
-            </a:r>
+              <a:t>Now all finished. Thank you for </a:t>
+            </a:r>
+            <a:r>
+              <a:rPr kumimoji="1" lang="en-US" altLang="ja-JP" sz="1200" b="0" i="0" u="none" strike="noStrike" baseline="0">
+                <a:latin typeface="TeXGyreTermes-Regular"/>
+              </a:rPr>
+              <a:t>your attention.</a:t>
+            </a:r>
+            <a:endParaRPr kumimoji="1" lang="en-US" altLang="ja-JP" sz="1200" b="0" i="0" u="none" strike="noStrike" baseline="0" dirty="0">
+              <a:latin typeface="TeXGyreTermes-Regular"/>
+            </a:endParaRPr>
           </a:p>
           <a:p>
             <a:r>
@@ -4302,7 +4311,7 @@
           <a:p>
             <a:fld id="{28B1BEA1-2738-4C19-B133-02ABBF3E6E0C}" type="datetime1">
               <a:rPr kumimoji="1" lang="ja-JP" altLang="en-US" smtClean="0"/>
-              <a:t>2020/8/26</a:t>
+              <a:t>2020/8/27</a:t>
             </a:fld>
             <a:endParaRPr kumimoji="1" lang="ja-JP" altLang="en-US"/>
           </a:p>
@@ -4646,7 +4655,7 @@
           <a:p>
             <a:fld id="{321A0775-4641-4FD1-8F30-8577C8E45459}" type="datetime1">
               <a:rPr kumimoji="1" lang="ja-JP" altLang="en-US" smtClean="0"/>
-              <a:t>2020/8/26</a:t>
+              <a:t>2020/8/27</a:t>
             </a:fld>
             <a:endParaRPr kumimoji="1" lang="ja-JP" altLang="en-US"/>
           </a:p>
@@ -4856,7 +4865,7 @@
           <a:p>
             <a:fld id="{1A958096-B04A-44A1-BF3F-4EF7C63AEE7F}" type="datetime1">
               <a:rPr kumimoji="1" lang="ja-JP" altLang="en-US" smtClean="0"/>
-              <a:t>2020/8/26</a:t>
+              <a:t>2020/8/27</a:t>
             </a:fld>
             <a:endParaRPr kumimoji="1" lang="ja-JP" altLang="en-US"/>
           </a:p>
@@ -5056,7 +5065,7 @@
           <a:p>
             <a:fld id="{7E4BC299-9A2B-46B3-A868-72E6088D753F}" type="datetime1">
               <a:rPr kumimoji="1" lang="ja-JP" altLang="en-US" smtClean="0"/>
-              <a:t>2020/8/26</a:t>
+              <a:t>2020/8/27</a:t>
             </a:fld>
             <a:endParaRPr kumimoji="1" lang="ja-JP" altLang="en-US"/>
           </a:p>
@@ -5454,7 +5463,7 @@
           <a:p>
             <a:fld id="{5730D93F-C6A8-45DB-973B-2E9B74BB5747}" type="datetime1">
               <a:rPr kumimoji="1" lang="ja-JP" altLang="en-US" smtClean="0"/>
-              <a:t>2020/8/26</a:t>
+              <a:t>2020/8/27</a:t>
             </a:fld>
             <a:endParaRPr kumimoji="1" lang="ja-JP" altLang="en-US"/>
           </a:p>
@@ -5747,7 +5756,7 @@
           <a:p>
             <a:fld id="{8C8FBA03-08C5-445A-9675-5DD0E048D580}" type="datetime1">
               <a:rPr kumimoji="1" lang="ja-JP" altLang="en-US" smtClean="0"/>
-              <a:t>2020/8/26</a:t>
+              <a:t>2020/8/27</a:t>
             </a:fld>
             <a:endParaRPr kumimoji="1" lang="ja-JP" altLang="en-US"/>
           </a:p>
@@ -6175,7 +6184,7 @@
           <a:p>
             <a:fld id="{F22B3BE6-F63B-45DF-9657-6FEF2EDB1F30}" type="datetime1">
               <a:rPr kumimoji="1" lang="ja-JP" altLang="en-US" smtClean="0"/>
-              <a:t>2020/8/26</a:t>
+              <a:t>2020/8/27</a:t>
             </a:fld>
             <a:endParaRPr kumimoji="1" lang="ja-JP" altLang="en-US"/>
           </a:p>
@@ -6292,7 +6301,7 @@
           <a:p>
             <a:fld id="{C1D6E599-F080-45CC-8481-C833508C9D12}" type="datetime1">
               <a:rPr kumimoji="1" lang="ja-JP" altLang="en-US" smtClean="0"/>
-              <a:t>2020/8/26</a:t>
+              <a:t>2020/8/27</a:t>
             </a:fld>
             <a:endParaRPr kumimoji="1" lang="ja-JP" altLang="en-US"/>
           </a:p>
@@ -6387,7 +6396,7 @@
           <a:p>
             <a:fld id="{7D9B8A7E-64BC-4577-982E-7EC7218FD10F}" type="datetime1">
               <a:rPr kumimoji="1" lang="ja-JP" altLang="en-US" smtClean="0"/>
-              <a:t>2020/8/26</a:t>
+              <a:t>2020/8/27</a:t>
             </a:fld>
             <a:endParaRPr kumimoji="1" lang="ja-JP" altLang="en-US"/>
           </a:p>
@@ -6694,7 +6703,7 @@
           <a:p>
             <a:fld id="{8373066C-4ED1-4359-AD45-A7DE722C8BF8}" type="datetime1">
               <a:rPr kumimoji="1" lang="ja-JP" altLang="en-US" smtClean="0"/>
-              <a:t>2020/8/26</a:t>
+              <a:t>2020/8/27</a:t>
             </a:fld>
             <a:endParaRPr kumimoji="1" lang="ja-JP" altLang="en-US"/>
           </a:p>
@@ -6946,7 +6955,7 @@
           <a:p>
             <a:fld id="{BC0FD902-686B-4A0D-9EB1-37C4F06B03EF}" type="datetime1">
               <a:rPr kumimoji="1" lang="ja-JP" altLang="en-US" smtClean="0"/>
-              <a:t>2020/8/26</a:t>
+              <a:t>2020/8/27</a:t>
             </a:fld>
             <a:endParaRPr kumimoji="1" lang="ja-JP" altLang="en-US"/>
           </a:p>
@@ -7189,7 +7198,7 @@
           <a:p>
             <a:fld id="{E90FD2C9-6400-40CA-9626-E4ED2CBDBD1C}" type="datetime1">
               <a:rPr kumimoji="1" lang="ja-JP" altLang="en-US" smtClean="0"/>
-              <a:t>2020/8/26</a:t>
+              <a:t>2020/8/27</a:t>
             </a:fld>
             <a:endParaRPr kumimoji="1" lang="ja-JP" altLang="en-US"/>
           </a:p>

--- a/paper/ABC2020CookingChallenge/ABC2020_Fujii.pptx
+++ b/paper/ABC2020CookingChallenge/ABC2020_Fujii.pptx
@@ -221,7 +221,7 @@
           <a:p>
             <a:fld id="{D8422EA4-67AE-4623-8DD6-326650601D3C}" type="datetimeFigureOut">
               <a:rPr kumimoji="1" lang="ja-JP" altLang="en-US" smtClean="0"/>
-              <a:t>2020/8/27</a:t>
+              <a:t>2020/8/28</a:t>
             </a:fld>
             <a:endParaRPr kumimoji="1" lang="ja-JP" altLang="en-US"/>
           </a:p>
@@ -4311,7 +4311,7 @@
           <a:p>
             <a:fld id="{28B1BEA1-2738-4C19-B133-02ABBF3E6E0C}" type="datetime1">
               <a:rPr kumimoji="1" lang="ja-JP" altLang="en-US" smtClean="0"/>
-              <a:t>2020/8/27</a:t>
+              <a:t>2020/8/28</a:t>
             </a:fld>
             <a:endParaRPr kumimoji="1" lang="ja-JP" altLang="en-US"/>
           </a:p>
@@ -4655,7 +4655,7 @@
           <a:p>
             <a:fld id="{321A0775-4641-4FD1-8F30-8577C8E45459}" type="datetime1">
               <a:rPr kumimoji="1" lang="ja-JP" altLang="en-US" smtClean="0"/>
-              <a:t>2020/8/27</a:t>
+              <a:t>2020/8/28</a:t>
             </a:fld>
             <a:endParaRPr kumimoji="1" lang="ja-JP" altLang="en-US"/>
           </a:p>
@@ -4865,7 +4865,7 @@
           <a:p>
             <a:fld id="{1A958096-B04A-44A1-BF3F-4EF7C63AEE7F}" type="datetime1">
               <a:rPr kumimoji="1" lang="ja-JP" altLang="en-US" smtClean="0"/>
-              <a:t>2020/8/27</a:t>
+              <a:t>2020/8/28</a:t>
             </a:fld>
             <a:endParaRPr kumimoji="1" lang="ja-JP" altLang="en-US"/>
           </a:p>
@@ -5065,7 +5065,7 @@
           <a:p>
             <a:fld id="{7E4BC299-9A2B-46B3-A868-72E6088D753F}" type="datetime1">
               <a:rPr kumimoji="1" lang="ja-JP" altLang="en-US" smtClean="0"/>
-              <a:t>2020/8/27</a:t>
+              <a:t>2020/8/28</a:t>
             </a:fld>
             <a:endParaRPr kumimoji="1" lang="ja-JP" altLang="en-US"/>
           </a:p>
@@ -5463,7 +5463,7 @@
           <a:p>
             <a:fld id="{5730D93F-C6A8-45DB-973B-2E9B74BB5747}" type="datetime1">
               <a:rPr kumimoji="1" lang="ja-JP" altLang="en-US" smtClean="0"/>
-              <a:t>2020/8/27</a:t>
+              <a:t>2020/8/28</a:t>
             </a:fld>
             <a:endParaRPr kumimoji="1" lang="ja-JP" altLang="en-US"/>
           </a:p>
@@ -5756,7 +5756,7 @@
           <a:p>
             <a:fld id="{8C8FBA03-08C5-445A-9675-5DD0E048D580}" type="datetime1">
               <a:rPr kumimoji="1" lang="ja-JP" altLang="en-US" smtClean="0"/>
-              <a:t>2020/8/27</a:t>
+              <a:t>2020/8/28</a:t>
             </a:fld>
             <a:endParaRPr kumimoji="1" lang="ja-JP" altLang="en-US"/>
           </a:p>
@@ -6184,7 +6184,7 @@
           <a:p>
             <a:fld id="{F22B3BE6-F63B-45DF-9657-6FEF2EDB1F30}" type="datetime1">
               <a:rPr kumimoji="1" lang="ja-JP" altLang="en-US" smtClean="0"/>
-              <a:t>2020/8/27</a:t>
+              <a:t>2020/8/28</a:t>
             </a:fld>
             <a:endParaRPr kumimoji="1" lang="ja-JP" altLang="en-US"/>
           </a:p>
@@ -6301,7 +6301,7 @@
           <a:p>
             <a:fld id="{C1D6E599-F080-45CC-8481-C833508C9D12}" type="datetime1">
               <a:rPr kumimoji="1" lang="ja-JP" altLang="en-US" smtClean="0"/>
-              <a:t>2020/8/27</a:t>
+              <a:t>2020/8/28</a:t>
             </a:fld>
             <a:endParaRPr kumimoji="1" lang="ja-JP" altLang="en-US"/>
           </a:p>
@@ -6396,7 +6396,7 @@
           <a:p>
             <a:fld id="{7D9B8A7E-64BC-4577-982E-7EC7218FD10F}" type="datetime1">
               <a:rPr kumimoji="1" lang="ja-JP" altLang="en-US" smtClean="0"/>
-              <a:t>2020/8/27</a:t>
+              <a:t>2020/8/28</a:t>
             </a:fld>
             <a:endParaRPr kumimoji="1" lang="ja-JP" altLang="en-US"/>
           </a:p>
@@ -6703,7 +6703,7 @@
           <a:p>
             <a:fld id="{8373066C-4ED1-4359-AD45-A7DE722C8BF8}" type="datetime1">
               <a:rPr kumimoji="1" lang="ja-JP" altLang="en-US" smtClean="0"/>
-              <a:t>2020/8/27</a:t>
+              <a:t>2020/8/28</a:t>
             </a:fld>
             <a:endParaRPr kumimoji="1" lang="ja-JP" altLang="en-US"/>
           </a:p>
@@ -6955,7 +6955,7 @@
           <a:p>
             <a:fld id="{BC0FD902-686B-4A0D-9EB1-37C4F06B03EF}" type="datetime1">
               <a:rPr kumimoji="1" lang="ja-JP" altLang="en-US" smtClean="0"/>
-              <a:t>2020/8/27</a:t>
+              <a:t>2020/8/28</a:t>
             </a:fld>
             <a:endParaRPr kumimoji="1" lang="ja-JP" altLang="en-US"/>
           </a:p>
@@ -7198,7 +7198,7 @@
           <a:p>
             <a:fld id="{E90FD2C9-6400-40CA-9626-E4ED2CBDBD1C}" type="datetime1">
               <a:rPr kumimoji="1" lang="ja-JP" altLang="en-US" smtClean="0"/>
-              <a:t>2020/8/27</a:t>
+              <a:t>2020/8/28</a:t>
             </a:fld>
             <a:endParaRPr kumimoji="1" lang="ja-JP" altLang="en-US"/>
           </a:p>
@@ -36080,7 +36080,7 @@
           <a:p>
             <a:r>
               <a:rPr kumimoji="1" lang="en-US" altLang="ja-JP" dirty="0"/>
-              <a:t>Our model uses convolution layer and LSTM.</a:t>
+              <a:t>Our model uses Convolution layer and LSTM.</a:t>
             </a:r>
           </a:p>
           <a:p>

--- a/paper/ABC2020CookingChallenge/ABC2020_Fujii.pptx
+++ b/paper/ABC2020CookingChallenge/ABC2020_Fujii.pptx
@@ -221,7 +221,7 @@
           <a:p>
             <a:fld id="{D8422EA4-67AE-4623-8DD6-326650601D3C}" type="datetimeFigureOut">
               <a:rPr kumimoji="1" lang="ja-JP" altLang="en-US" smtClean="0"/>
-              <a:t>2020/8/28</a:t>
+              <a:t>2020/8/29</a:t>
             </a:fld>
             <a:endParaRPr kumimoji="1" lang="ja-JP" altLang="en-US"/>
           </a:p>
@@ -3026,11 +3026,15 @@
             </a:r>
             <a:r>
               <a:rPr kumimoji="1" lang="en-US" altLang="ja-JP" dirty="0" err="1"/>
-              <a:t>CrossEntropyLoss“after</a:t>
+              <a:t>CrossEntropyLoss</a:t>
+            </a:r>
+            <a:r>
+              <a:rPr kumimoji="1" lang="en-US" altLang="ja-JP"/>
+              <a:t>“ after </a:t>
             </a:r>
             <a:r>
               <a:rPr kumimoji="1" lang="en-US" altLang="ja-JP" dirty="0"/>
-              <a:t> the “Linear layer“, and train model. !!</a:t>
+              <a:t>the “Linear layer“, and train model. !!</a:t>
             </a:r>
           </a:p>
           <a:p>
@@ -4311,7 +4315,7 @@
           <a:p>
             <a:fld id="{28B1BEA1-2738-4C19-B133-02ABBF3E6E0C}" type="datetime1">
               <a:rPr kumimoji="1" lang="ja-JP" altLang="en-US" smtClean="0"/>
-              <a:t>2020/8/28</a:t>
+              <a:t>2020/8/29</a:t>
             </a:fld>
             <a:endParaRPr kumimoji="1" lang="ja-JP" altLang="en-US"/>
           </a:p>
@@ -4655,7 +4659,7 @@
           <a:p>
             <a:fld id="{321A0775-4641-4FD1-8F30-8577C8E45459}" type="datetime1">
               <a:rPr kumimoji="1" lang="ja-JP" altLang="en-US" smtClean="0"/>
-              <a:t>2020/8/28</a:t>
+              <a:t>2020/8/29</a:t>
             </a:fld>
             <a:endParaRPr kumimoji="1" lang="ja-JP" altLang="en-US"/>
           </a:p>
@@ -4865,7 +4869,7 @@
           <a:p>
             <a:fld id="{1A958096-B04A-44A1-BF3F-4EF7C63AEE7F}" type="datetime1">
               <a:rPr kumimoji="1" lang="ja-JP" altLang="en-US" smtClean="0"/>
-              <a:t>2020/8/28</a:t>
+              <a:t>2020/8/29</a:t>
             </a:fld>
             <a:endParaRPr kumimoji="1" lang="ja-JP" altLang="en-US"/>
           </a:p>
@@ -5065,7 +5069,7 @@
           <a:p>
             <a:fld id="{7E4BC299-9A2B-46B3-A868-72E6088D753F}" type="datetime1">
               <a:rPr kumimoji="1" lang="ja-JP" altLang="en-US" smtClean="0"/>
-              <a:t>2020/8/28</a:t>
+              <a:t>2020/8/29</a:t>
             </a:fld>
             <a:endParaRPr kumimoji="1" lang="ja-JP" altLang="en-US"/>
           </a:p>
@@ -5463,7 +5467,7 @@
           <a:p>
             <a:fld id="{5730D93F-C6A8-45DB-973B-2E9B74BB5747}" type="datetime1">
               <a:rPr kumimoji="1" lang="ja-JP" altLang="en-US" smtClean="0"/>
-              <a:t>2020/8/28</a:t>
+              <a:t>2020/8/29</a:t>
             </a:fld>
             <a:endParaRPr kumimoji="1" lang="ja-JP" altLang="en-US"/>
           </a:p>
@@ -5756,7 +5760,7 @@
           <a:p>
             <a:fld id="{8C8FBA03-08C5-445A-9675-5DD0E048D580}" type="datetime1">
               <a:rPr kumimoji="1" lang="ja-JP" altLang="en-US" smtClean="0"/>
-              <a:t>2020/8/28</a:t>
+              <a:t>2020/8/29</a:t>
             </a:fld>
             <a:endParaRPr kumimoji="1" lang="ja-JP" altLang="en-US"/>
           </a:p>
@@ -6184,7 +6188,7 @@
           <a:p>
             <a:fld id="{F22B3BE6-F63B-45DF-9657-6FEF2EDB1F30}" type="datetime1">
               <a:rPr kumimoji="1" lang="ja-JP" altLang="en-US" smtClean="0"/>
-              <a:t>2020/8/28</a:t>
+              <a:t>2020/8/29</a:t>
             </a:fld>
             <a:endParaRPr kumimoji="1" lang="ja-JP" altLang="en-US"/>
           </a:p>
@@ -6301,7 +6305,7 @@
           <a:p>
             <a:fld id="{C1D6E599-F080-45CC-8481-C833508C9D12}" type="datetime1">
               <a:rPr kumimoji="1" lang="ja-JP" altLang="en-US" smtClean="0"/>
-              <a:t>2020/8/28</a:t>
+              <a:t>2020/8/29</a:t>
             </a:fld>
             <a:endParaRPr kumimoji="1" lang="ja-JP" altLang="en-US"/>
           </a:p>
@@ -6396,7 +6400,7 @@
           <a:p>
             <a:fld id="{7D9B8A7E-64BC-4577-982E-7EC7218FD10F}" type="datetime1">
               <a:rPr kumimoji="1" lang="ja-JP" altLang="en-US" smtClean="0"/>
-              <a:t>2020/8/28</a:t>
+              <a:t>2020/8/29</a:t>
             </a:fld>
             <a:endParaRPr kumimoji="1" lang="ja-JP" altLang="en-US"/>
           </a:p>
@@ -6703,7 +6707,7 @@
           <a:p>
             <a:fld id="{8373066C-4ED1-4359-AD45-A7DE722C8BF8}" type="datetime1">
               <a:rPr kumimoji="1" lang="ja-JP" altLang="en-US" smtClean="0"/>
-              <a:t>2020/8/28</a:t>
+              <a:t>2020/8/29</a:t>
             </a:fld>
             <a:endParaRPr kumimoji="1" lang="ja-JP" altLang="en-US"/>
           </a:p>
@@ -6955,7 +6959,7 @@
           <a:p>
             <a:fld id="{BC0FD902-686B-4A0D-9EB1-37C4F06B03EF}" type="datetime1">
               <a:rPr kumimoji="1" lang="ja-JP" altLang="en-US" smtClean="0"/>
-              <a:t>2020/8/28</a:t>
+              <a:t>2020/8/29</a:t>
             </a:fld>
             <a:endParaRPr kumimoji="1" lang="ja-JP" altLang="en-US"/>
           </a:p>
@@ -7198,7 +7202,7 @@
           <a:p>
             <a:fld id="{E90FD2C9-6400-40CA-9626-E4ED2CBDBD1C}" type="datetime1">
               <a:rPr kumimoji="1" lang="ja-JP" altLang="en-US" smtClean="0"/>
-              <a:t>2020/8/28</a:t>
+              <a:t>2020/8/29</a:t>
             </a:fld>
             <a:endParaRPr kumimoji="1" lang="ja-JP" altLang="en-US"/>
           </a:p>
